--- a/The-Limits-to-Growth/LTG-L00-Organization.pptx
+++ b/The-Limits-to-Growth/LTG-L00-Organization.pptx
@@ -257,7 +257,7 @@
           </a:bodyPr>
           <a:p>
             <a:pPr algn="r"/>
-            <a:fld id="{E25B9D58-8740-49EC-A6AF-C889D48215CB}" type="slidenum">
+            <a:fld id="{40A5E58D-9C78-453D-91FB-9E0E46DEAC5A}" type="slidenum">
               <a:rPr b="0" lang="en-US" sz="1400" spc="-1" strike="noStrike">
                 <a:latin typeface="Times New Roman"/>
               </a:rPr>
@@ -305,7 +305,7 @@
         <p:spPr>
           <a:xfrm>
             <a:off x="533520" y="763560"/>
-            <a:ext cx="6696000" cy="3764160"/>
+            <a:ext cx="6695640" cy="3763800"/>
           </a:xfrm>
           <a:prstGeom prst="rect">
             <a:avLst/>
@@ -325,7 +325,7 @@
         <p:spPr>
           <a:xfrm>
             <a:off x="777240" y="4777560"/>
-            <a:ext cx="6209640" cy="4518000"/>
+            <a:ext cx="6209280" cy="4517640"/>
           </a:xfrm>
           <a:prstGeom prst="rect">
             <a:avLst/>
@@ -351,7 +351,7 @@
         <p:spPr>
           <a:xfrm>
             <a:off x="4399200" y="9555480"/>
-            <a:ext cx="3364920" cy="494640"/>
+            <a:ext cx="3364560" cy="494280"/>
           </a:xfrm>
           <a:prstGeom prst="rect">
             <a:avLst/>
@@ -377,7 +377,7 @@
                 <a:spcPct val="100000"/>
               </a:lnSpc>
             </a:pPr>
-            <a:fld id="{3472A030-CB76-4553-ABEA-82788A0AC85F}" type="slidenum">
+            <a:fld id="{3679EC8B-6A9C-430F-B5DF-7817855B1B7B}" type="slidenum">
               <a:rPr b="0" lang="de-DE" sz="1800" spc="-1" strike="noStrike">
                 <a:solidFill>
                   <a:srgbClr val="000000"/>
@@ -385,7 +385,7 @@
                 <a:latin typeface="+mn-lt"/>
                 <a:ea typeface="+mn-ea"/>
               </a:rPr>
-              <a:t>&lt;number&gt;</a:t>
+              <a:t>8</a:t>
             </a:fld>
             <a:endParaRPr b="0" lang="en-US" sz="1800" spc="-1" strike="noStrike">
               <a:latin typeface="Arial"/>
@@ -428,7 +428,7 @@
         <p:spPr>
           <a:xfrm>
             <a:off x="533520" y="763560"/>
-            <a:ext cx="6696000" cy="3764160"/>
+            <a:ext cx="6695640" cy="3763800"/>
           </a:xfrm>
           <a:prstGeom prst="rect">
             <a:avLst/>
@@ -448,7 +448,7 @@
         <p:spPr>
           <a:xfrm>
             <a:off x="777240" y="4777560"/>
-            <a:ext cx="6209640" cy="4518000"/>
+            <a:ext cx="6209280" cy="4517640"/>
           </a:xfrm>
           <a:prstGeom prst="rect">
             <a:avLst/>
@@ -474,7 +474,7 @@
         <p:spPr>
           <a:xfrm>
             <a:off x="4399200" y="9555480"/>
-            <a:ext cx="3364920" cy="494640"/>
+            <a:ext cx="3364560" cy="494280"/>
           </a:xfrm>
           <a:prstGeom prst="rect">
             <a:avLst/>
@@ -500,7 +500,7 @@
                 <a:spcPct val="100000"/>
               </a:lnSpc>
             </a:pPr>
-            <a:fld id="{D67D254A-CCAA-44E7-BD29-C5C3C8A649B8}" type="slidenum">
+            <a:fld id="{43614119-A1EE-4C9D-A613-066869C54B6A}" type="slidenum">
               <a:rPr b="0" lang="de-DE" sz="1800" spc="-1" strike="noStrike">
                 <a:solidFill>
                   <a:srgbClr val="000000"/>
@@ -508,7 +508,7 @@
                 <a:latin typeface="+mn-lt"/>
                 <a:ea typeface="+mn-ea"/>
               </a:rPr>
-              <a:t>&lt;number&gt;</a:t>
+              <a:t>8</a:t>
             </a:fld>
             <a:endParaRPr b="0" lang="en-US" sz="1800" spc="-1" strike="noStrike">
               <a:latin typeface="Arial"/>
@@ -551,7 +551,7 @@
         <p:spPr>
           <a:xfrm>
             <a:off x="533520" y="763560"/>
-            <a:ext cx="6696000" cy="3764160"/>
+            <a:ext cx="6695640" cy="3763800"/>
           </a:xfrm>
           <a:prstGeom prst="rect">
             <a:avLst/>
@@ -571,7 +571,7 @@
         <p:spPr>
           <a:xfrm>
             <a:off x="777240" y="4777560"/>
-            <a:ext cx="6209640" cy="4518000"/>
+            <a:ext cx="6209280" cy="4517640"/>
           </a:xfrm>
           <a:prstGeom prst="rect">
             <a:avLst/>
@@ -597,7 +597,7 @@
         <p:spPr>
           <a:xfrm>
             <a:off x="4399200" y="9555480"/>
-            <a:ext cx="3364920" cy="494640"/>
+            <a:ext cx="3364560" cy="494280"/>
           </a:xfrm>
           <a:prstGeom prst="rect">
             <a:avLst/>
@@ -623,7 +623,7 @@
                 <a:spcPct val="100000"/>
               </a:lnSpc>
             </a:pPr>
-            <a:fld id="{27448FF1-5B33-4279-B128-C0A6D4024580}" type="slidenum">
+            <a:fld id="{7E1124FD-999C-48F9-818B-DC5913D536A9}" type="slidenum">
               <a:rPr b="0" lang="de-DE" sz="1800" spc="-1" strike="noStrike">
                 <a:solidFill>
                   <a:srgbClr val="000000"/>
@@ -631,7 +631,7 @@
                 <a:latin typeface="+mn-lt"/>
                 <a:ea typeface="+mn-ea"/>
               </a:rPr>
-              <a:t>&lt;number&gt;</a:t>
+              <a:t>8</a:t>
             </a:fld>
             <a:endParaRPr b="0" lang="en-US" sz="1800" spc="-1" strike="noStrike">
               <a:latin typeface="Arial"/>
@@ -674,7 +674,7 @@
         <p:spPr>
           <a:xfrm>
             <a:off x="533520" y="763560"/>
-            <a:ext cx="6696000" cy="3764160"/>
+            <a:ext cx="6695640" cy="3763800"/>
           </a:xfrm>
           <a:prstGeom prst="rect">
             <a:avLst/>
@@ -694,7 +694,7 @@
         <p:spPr>
           <a:xfrm>
             <a:off x="777240" y="4777560"/>
-            <a:ext cx="6209640" cy="4518000"/>
+            <a:ext cx="6209280" cy="4517640"/>
           </a:xfrm>
           <a:prstGeom prst="rect">
             <a:avLst/>
@@ -720,7 +720,7 @@
         <p:spPr>
           <a:xfrm>
             <a:off x="4399200" y="9555480"/>
-            <a:ext cx="3364920" cy="494640"/>
+            <a:ext cx="3364560" cy="494280"/>
           </a:xfrm>
           <a:prstGeom prst="rect">
             <a:avLst/>
@@ -746,7 +746,7 @@
                 <a:spcPct val="100000"/>
               </a:lnSpc>
             </a:pPr>
-            <a:fld id="{A510BB61-764D-4D83-98D6-68403F380302}" type="slidenum">
+            <a:fld id="{9CFE7457-0593-4840-8895-4FC80073C5FA}" type="slidenum">
               <a:rPr b="0" lang="de-DE" sz="1800" spc="-1" strike="noStrike">
                 <a:solidFill>
                   <a:srgbClr val="000000"/>
@@ -797,7 +797,7 @@
         <p:spPr>
           <a:xfrm>
             <a:off x="533520" y="763560"/>
-            <a:ext cx="6696000" cy="3764160"/>
+            <a:ext cx="6695640" cy="3763800"/>
           </a:xfrm>
           <a:prstGeom prst="rect">
             <a:avLst/>
@@ -817,7 +817,7 @@
         <p:spPr>
           <a:xfrm>
             <a:off x="777240" y="4777560"/>
-            <a:ext cx="6209640" cy="4518000"/>
+            <a:ext cx="6209280" cy="4517640"/>
           </a:xfrm>
           <a:prstGeom prst="rect">
             <a:avLst/>
@@ -843,7 +843,7 @@
         <p:spPr>
           <a:xfrm>
             <a:off x="4399200" y="9555480"/>
-            <a:ext cx="3364920" cy="494640"/>
+            <a:ext cx="3364560" cy="494280"/>
           </a:xfrm>
           <a:prstGeom prst="rect">
             <a:avLst/>
@@ -869,7 +869,7 @@
                 <a:spcPct val="100000"/>
               </a:lnSpc>
             </a:pPr>
-            <a:fld id="{334F6CB8-87AE-4155-9FBA-5800EA5FA0F6}" type="slidenum">
+            <a:fld id="{FE656139-ED73-43A6-AA0A-B939A8B66CEC}" type="slidenum">
               <a:rPr b="0" lang="de-DE" sz="1800" spc="-1" strike="noStrike">
                 <a:solidFill>
                   <a:srgbClr val="000000"/>
@@ -3635,7 +3635,7 @@
         <p:spPr>
           <a:xfrm>
             <a:off x="11444760" y="0"/>
-            <a:ext cx="743040" cy="6851880"/>
+            <a:ext cx="742680" cy="6851520"/>
           </a:xfrm>
           <a:prstGeom prst="rect">
             <a:avLst/>
@@ -3665,7 +3665,7 @@
         <p:spPr>
           <a:xfrm>
             <a:off x="11438640" y="6453360"/>
-            <a:ext cx="759960" cy="363960"/>
+            <a:ext cx="759600" cy="363960"/>
           </a:xfrm>
           <a:prstGeom prst="rect">
             <a:avLst/>
@@ -3691,7 +3691,7 @@
                 <a:spcPct val="100000"/>
               </a:lnSpc>
             </a:pPr>
-            <a:fld id="{A3AD593F-3A67-4788-AE6C-3231FFBDA1C7}" type="slidenum">
+            <a:fld id="{E294221B-D5B9-41FE-82E9-9B413819E5EC}" type="slidenum">
               <a:rPr b="0" lang="en-US" sz="1800" spc="-1" strike="noStrike">
                 <a:solidFill>
                   <a:srgbClr val="808080"/>
@@ -3716,7 +3716,7 @@
         <p:spPr>
           <a:xfrm>
             <a:off x="912240" y="1268280"/>
-            <a:ext cx="9209880" cy="363240"/>
+            <a:ext cx="9209520" cy="362880"/>
           </a:xfrm>
           <a:prstGeom prst="rect">
             <a:avLst/>
@@ -3746,7 +3746,7 @@
         <p:spPr>
           <a:xfrm>
             <a:off x="0" y="0"/>
-            <a:ext cx="3053880" cy="563760"/>
+            <a:ext cx="3053520" cy="563400"/>
           </a:xfrm>
           <a:prstGeom prst="rect">
             <a:avLst/>
@@ -3769,7 +3769,7 @@
         <p:spPr>
           <a:xfrm>
             <a:off x="7430400" y="134640"/>
-            <a:ext cx="3699720" cy="515880"/>
+            <a:ext cx="3699360" cy="515520"/>
           </a:xfrm>
           <a:prstGeom prst="rect">
             <a:avLst/>
@@ -3788,7 +3788,7 @@
         <p:spPr>
           <a:xfrm>
             <a:off x="912240" y="1268280"/>
-            <a:ext cx="9209880" cy="363240"/>
+            <a:ext cx="9209520" cy="362880"/>
           </a:xfrm>
           <a:prstGeom prst="rect">
             <a:avLst/>
@@ -3814,7 +3814,7 @@
         <p:spPr>
           <a:xfrm>
             <a:off x="11444760" y="0"/>
-            <a:ext cx="743040" cy="6851880"/>
+            <a:ext cx="742680" cy="6851520"/>
           </a:xfrm>
           <a:prstGeom prst="rect">
             <a:avLst/>
@@ -3844,7 +3844,7 @@
         <p:spPr>
           <a:xfrm>
             <a:off x="0" y="6642720"/>
-            <a:ext cx="12186000" cy="211320"/>
+            <a:ext cx="12185640" cy="211320"/>
           </a:xfrm>
           <a:prstGeom prst="rect">
             <a:avLst/>
@@ -4155,7 +4155,7 @@
         <p:spPr>
           <a:xfrm>
             <a:off x="11444760" y="0"/>
-            <a:ext cx="743040" cy="6851880"/>
+            <a:ext cx="742680" cy="6851520"/>
           </a:xfrm>
           <a:prstGeom prst="rect">
             <a:avLst/>
@@ -4185,7 +4185,7 @@
         <p:spPr>
           <a:xfrm>
             <a:off x="11438640" y="6453360"/>
-            <a:ext cx="759960" cy="363960"/>
+            <a:ext cx="759600" cy="363960"/>
           </a:xfrm>
           <a:prstGeom prst="rect">
             <a:avLst/>
@@ -4211,7 +4211,7 @@
                 <a:spcPct val="100000"/>
               </a:lnSpc>
             </a:pPr>
-            <a:fld id="{2ACA6D53-ACF6-4188-9512-812B024F0DE8}" type="slidenum">
+            <a:fld id="{DF6128A4-B24E-462B-8EE6-7624DA0DD893}" type="slidenum">
               <a:rPr b="0" lang="en-US" sz="1800" spc="-1" strike="noStrike">
                 <a:solidFill>
                   <a:srgbClr val="808080"/>
@@ -4236,7 +4236,7 @@
         <p:spPr>
           <a:xfrm>
             <a:off x="912240" y="1268280"/>
-            <a:ext cx="9209880" cy="363240"/>
+            <a:ext cx="9209520" cy="362880"/>
           </a:xfrm>
           <a:prstGeom prst="rect">
             <a:avLst/>
@@ -4266,7 +4266,7 @@
         <p:spPr>
           <a:xfrm>
             <a:off x="0" y="0"/>
-            <a:ext cx="3053880" cy="563760"/>
+            <a:ext cx="3053520" cy="563400"/>
           </a:xfrm>
           <a:prstGeom prst="rect">
             <a:avLst/>
@@ -4289,7 +4289,7 @@
         <p:spPr>
           <a:xfrm>
             <a:off x="7430400" y="134640"/>
-            <a:ext cx="3699720" cy="515880"/>
+            <a:ext cx="3699360" cy="515520"/>
           </a:xfrm>
           <a:prstGeom prst="rect">
             <a:avLst/>
@@ -4308,7 +4308,7 @@
         <p:spPr>
           <a:xfrm>
             <a:off x="11444760" y="0"/>
-            <a:ext cx="743040" cy="6851880"/>
+            <a:ext cx="742680" cy="6851520"/>
           </a:xfrm>
           <a:prstGeom prst="rect">
             <a:avLst/>
@@ -4338,7 +4338,7 @@
         <p:spPr>
           <a:xfrm>
             <a:off x="11438640" y="6453360"/>
-            <a:ext cx="759960" cy="363960"/>
+            <a:ext cx="759600" cy="363960"/>
           </a:xfrm>
           <a:prstGeom prst="rect">
             <a:avLst/>
@@ -4364,7 +4364,7 @@
                 <a:spcPct val="100000"/>
               </a:lnSpc>
             </a:pPr>
-            <a:fld id="{718B3E1D-0A4B-411F-8166-728B8A00EFC8}" type="slidenum">
+            <a:fld id="{C0BE9AD6-F7BA-4870-8910-8EB1C416D8AC}" type="slidenum">
               <a:rPr b="0" lang="en-US" sz="1800" spc="-1" strike="noStrike">
                 <a:solidFill>
                   <a:srgbClr val="808080"/>
@@ -4389,7 +4389,7 @@
         <p:spPr>
           <a:xfrm>
             <a:off x="0" y="6642720"/>
-            <a:ext cx="12186000" cy="211320"/>
+            <a:ext cx="12185640" cy="211320"/>
           </a:xfrm>
           <a:prstGeom prst="rect">
             <a:avLst/>
@@ -4693,7 +4693,7 @@
         <p:spPr>
           <a:xfrm>
             <a:off x="527400" y="1412640"/>
-            <a:ext cx="10362960" cy="1149480"/>
+            <a:ext cx="10362600" cy="1149120"/>
           </a:xfrm>
           <a:prstGeom prst="rect">
             <a:avLst/>
@@ -4744,7 +4744,7 @@
         <p:spPr>
           <a:xfrm>
             <a:off x="527400" y="2852640"/>
-            <a:ext cx="10362960" cy="2370240"/>
+            <a:ext cx="10362600" cy="2369880"/>
           </a:xfrm>
           <a:prstGeom prst="rect">
             <a:avLst/>
@@ -4941,7 +4941,7 @@
         <p:spPr>
           <a:xfrm>
             <a:off x="335520" y="764640"/>
-            <a:ext cx="10747080" cy="497880"/>
+            <a:ext cx="10746720" cy="497520"/>
           </a:xfrm>
           <a:prstGeom prst="rect">
             <a:avLst/>
@@ -4992,7 +4992,7 @@
         <p:spPr>
           <a:xfrm>
             <a:off x="335520" y="1268280"/>
-            <a:ext cx="10747080" cy="5034600"/>
+            <a:ext cx="10746720" cy="5034240"/>
           </a:xfrm>
           <a:prstGeom prst="rect">
             <a:avLst/>
@@ -5013,7 +5013,7 @@
             <a:noAutofit/>
           </a:bodyPr>
           <a:p>
-            <a:pPr marL="195120" indent="-189720">
+            <a:pPr marL="195120" indent="-189360">
               <a:lnSpc>
                 <a:spcPct val="100000"/>
               </a:lnSpc>
@@ -5077,7 +5077,7 @@
             </a:endParaRPr>
           </a:p>
           <a:p>
-            <a:pPr marL="195120" indent="-189720">
+            <a:pPr marL="195120" indent="-189360">
               <a:lnSpc>
                 <a:spcPct val="100000"/>
               </a:lnSpc>
@@ -5106,7 +5106,7 @@
             </a:endParaRPr>
           </a:p>
           <a:p>
-            <a:pPr lvl="1" marL="432000" indent="-212400">
+            <a:pPr lvl="1" marL="432000" indent="-212040">
               <a:lnSpc>
                 <a:spcPct val="100000"/>
               </a:lnSpc>
@@ -5157,7 +5157,7 @@
             </a:endParaRPr>
           </a:p>
           <a:p>
-            <a:pPr lvl="1" marL="432000" indent="-212400">
+            <a:pPr lvl="1" marL="432000" indent="-212040">
               <a:lnSpc>
                 <a:spcPct val="100000"/>
               </a:lnSpc>
@@ -5221,7 +5221,7 @@
             </a:endParaRPr>
           </a:p>
           <a:p>
-            <a:pPr marL="195120" indent="-189720">
+            <a:pPr marL="195120" indent="-189360">
               <a:lnSpc>
                 <a:spcPct val="100000"/>
               </a:lnSpc>
@@ -5294,7 +5294,7 @@
             </a:endParaRPr>
           </a:p>
           <a:p>
-            <a:pPr lvl="1" marL="744120" indent="-281520">
+            <a:pPr lvl="1" marL="744120" indent="-281160">
               <a:lnSpc>
                 <a:spcPct val="100000"/>
               </a:lnSpc>
@@ -5336,7 +5336,7 @@
             </a:endParaRPr>
           </a:p>
           <a:p>
-            <a:pPr marL="195120" indent="-189720">
+            <a:pPr marL="195120" indent="-189360">
               <a:lnSpc>
                 <a:spcPct val="100000"/>
               </a:lnSpc>
@@ -5378,7 +5378,7 @@
             </a:endParaRPr>
           </a:p>
           <a:p>
-            <a:pPr marL="195120" indent="-189720" algn="ctr">
+            <a:pPr marL="195120" indent="-189360" algn="ctr">
               <a:lnSpc>
                 <a:spcPct val="100000"/>
               </a:lnSpc>
@@ -5500,7 +5500,7 @@
         <p:spPr>
           <a:xfrm>
             <a:off x="335520" y="764640"/>
-            <a:ext cx="10747080" cy="497880"/>
+            <a:ext cx="10746720" cy="497520"/>
           </a:xfrm>
           <a:prstGeom prst="rect">
             <a:avLst/>
@@ -5571,7 +5571,7 @@
         <p:spPr>
           <a:xfrm>
             <a:off x="335520" y="1268640"/>
-            <a:ext cx="10747080" cy="5034600"/>
+            <a:ext cx="10746720" cy="5034240"/>
           </a:xfrm>
           <a:prstGeom prst="rect">
             <a:avLst/>
@@ -5592,7 +5592,7 @@
             <a:noAutofit/>
           </a:bodyPr>
           <a:p>
-            <a:pPr marL="195120" indent="-189720">
+            <a:pPr marL="195120" indent="-189360">
               <a:lnSpc>
                 <a:spcPct val="100000"/>
               </a:lnSpc>
@@ -5632,7 +5632,7 @@
             </a:endParaRPr>
           </a:p>
           <a:p>
-            <a:pPr lvl="1" marL="432000" indent="-212400">
+            <a:pPr lvl="1" marL="432000" indent="-212040">
               <a:lnSpc>
                 <a:spcPct val="100000"/>
               </a:lnSpc>
@@ -5681,7 +5681,7 @@
             </a:endParaRPr>
           </a:p>
           <a:p>
-            <a:pPr lvl="1" marL="432000" indent="-212400">
+            <a:pPr lvl="1" marL="432000" indent="-212040">
               <a:lnSpc>
                 <a:spcPct val="100000"/>
               </a:lnSpc>
@@ -5723,7 +5723,7 @@
             </a:endParaRPr>
           </a:p>
           <a:p>
-            <a:pPr marL="195120" indent="-189720">
+            <a:pPr marL="195120" indent="-189360">
               <a:lnSpc>
                 <a:spcPct val="100000"/>
               </a:lnSpc>
@@ -5753,7 +5753,7 @@
             </a:endParaRPr>
           </a:p>
           <a:p>
-            <a:pPr lvl="1" marL="432000" indent="-212400">
+            <a:pPr lvl="1" marL="432000" indent="-212040">
               <a:lnSpc>
                 <a:spcPct val="100000"/>
               </a:lnSpc>
@@ -5842,7 +5842,7 @@
             </a:endParaRPr>
           </a:p>
           <a:p>
-            <a:pPr lvl="1" marL="432000" indent="-212400">
+            <a:pPr lvl="1" marL="432000" indent="-212040">
               <a:lnSpc>
                 <a:spcPct val="100000"/>
               </a:lnSpc>
@@ -5893,7 +5893,7 @@
             </a:endParaRPr>
           </a:p>
           <a:p>
-            <a:pPr marL="195120" indent="-189720">
+            <a:pPr marL="195120" indent="-189360">
               <a:lnSpc>
                 <a:spcPct val="100000"/>
               </a:lnSpc>
@@ -5923,7 +5923,7 @@
             </a:endParaRPr>
           </a:p>
           <a:p>
-            <a:pPr lvl="1" marL="432000" indent="-212400">
+            <a:pPr lvl="1" marL="432000" indent="-212040">
               <a:lnSpc>
                 <a:spcPct val="100000"/>
               </a:lnSpc>
@@ -6032,7 +6032,7 @@
             </a:endParaRPr>
           </a:p>
           <a:p>
-            <a:pPr lvl="1" marL="432000" indent="-212400">
+            <a:pPr lvl="1" marL="432000" indent="-212040">
               <a:lnSpc>
                 <a:spcPct val="100000"/>
               </a:lnSpc>
@@ -6123,7 +6123,7 @@
         <p:spPr>
           <a:xfrm>
             <a:off x="335520" y="764640"/>
-            <a:ext cx="10747080" cy="497880"/>
+            <a:ext cx="10746720" cy="497520"/>
           </a:xfrm>
           <a:prstGeom prst="rect">
             <a:avLst/>
@@ -6174,7 +6174,7 @@
         <p:spPr>
           <a:xfrm>
             <a:off x="335520" y="1268280"/>
-            <a:ext cx="10747080" cy="5034600"/>
+            <a:ext cx="10746720" cy="5034240"/>
           </a:xfrm>
           <a:prstGeom prst="rect">
             <a:avLst/>
@@ -6218,7 +6218,7 @@
             </a:endParaRPr>
           </a:p>
           <a:p>
-            <a:pPr marL="195120" indent="-189720">
+            <a:pPr marL="195120" indent="-189360">
               <a:lnSpc>
                 <a:spcPct val="100000"/>
               </a:lnSpc>
@@ -6287,7 +6287,7 @@
             </a:endParaRPr>
           </a:p>
           <a:p>
-            <a:pPr marL="195120" indent="-189720">
+            <a:pPr marL="195120" indent="-189360">
               <a:lnSpc>
                 <a:spcPct val="100000"/>
               </a:lnSpc>
@@ -6346,7 +6346,7 @@
             </a:endParaRPr>
           </a:p>
           <a:p>
-            <a:pPr marL="195120" indent="-189720">
+            <a:pPr marL="195120" indent="-189360">
               <a:lnSpc>
                 <a:spcPct val="100000"/>
               </a:lnSpc>
@@ -6375,7 +6375,7 @@
             </a:endParaRPr>
           </a:p>
           <a:p>
-            <a:pPr marL="195120" indent="-189720">
+            <a:pPr marL="195120" indent="-189360">
               <a:lnSpc>
                 <a:spcPct val="100000"/>
               </a:lnSpc>
@@ -6404,7 +6404,7 @@
             </a:endParaRPr>
           </a:p>
           <a:p>
-            <a:pPr marL="195120" indent="-189720">
+            <a:pPr marL="195120" indent="-189360">
               <a:lnSpc>
                 <a:spcPct val="100000"/>
               </a:lnSpc>
@@ -6673,7 +6673,7 @@
         <p:spPr>
           <a:xfrm>
             <a:off x="335520" y="764640"/>
-            <a:ext cx="10747080" cy="497880"/>
+            <a:ext cx="10746720" cy="497520"/>
           </a:xfrm>
           <a:prstGeom prst="rect">
             <a:avLst/>
@@ -6724,7 +6724,7 @@
         <p:spPr>
           <a:xfrm>
             <a:off x="335520" y="1268280"/>
-            <a:ext cx="10747080" cy="5034600"/>
+            <a:ext cx="10746720" cy="5034240"/>
           </a:xfrm>
           <a:prstGeom prst="rect">
             <a:avLst/>
@@ -6768,7 +6768,7 @@
             </a:endParaRPr>
           </a:p>
           <a:p>
-            <a:pPr marL="195120" indent="-189720">
+            <a:pPr marL="195120" indent="-189360">
               <a:lnSpc>
                 <a:spcPct val="100000"/>
               </a:lnSpc>
@@ -6837,7 +6837,7 @@
             </a:endParaRPr>
           </a:p>
           <a:p>
-            <a:pPr marL="195120" indent="-189720">
+            <a:pPr marL="195120" indent="-189360">
               <a:lnSpc>
                 <a:spcPct val="100000"/>
               </a:lnSpc>
@@ -6896,7 +6896,7 @@
             </a:endParaRPr>
           </a:p>
           <a:p>
-            <a:pPr marL="195120" indent="-189720">
+            <a:pPr marL="195120" indent="-189360">
               <a:lnSpc>
                 <a:spcPct val="100000"/>
               </a:lnSpc>
@@ -6925,7 +6925,7 @@
             </a:endParaRPr>
           </a:p>
           <a:p>
-            <a:pPr marL="195120" indent="-189720">
+            <a:pPr marL="195120" indent="-189360">
               <a:lnSpc>
                 <a:spcPct val="100000"/>
               </a:lnSpc>
@@ -6954,7 +6954,7 @@
             </a:endParaRPr>
           </a:p>
           <a:p>
-            <a:pPr marL="195120" indent="-189720">
+            <a:pPr marL="195120" indent="-189360">
               <a:lnSpc>
                 <a:spcPct val="100000"/>
               </a:lnSpc>
@@ -6996,7 +6996,7 @@
             </a:endParaRPr>
           </a:p>
           <a:p>
-            <a:pPr marL="195120" indent="-189720">
+            <a:pPr marL="195120" indent="-189360">
               <a:lnSpc>
                 <a:spcPct val="100000"/>
               </a:lnSpc>
@@ -7025,7 +7025,7 @@
             </a:endParaRPr>
           </a:p>
           <a:p>
-            <a:pPr lvl="1" marL="744120" indent="-281520">
+            <a:pPr lvl="1" marL="744120" indent="-281160">
               <a:lnSpc>
                 <a:spcPct val="100000"/>
               </a:lnSpc>
@@ -7054,7 +7054,7 @@
             </a:endParaRPr>
           </a:p>
           <a:p>
-            <a:pPr lvl="1" marL="744120" indent="-281520">
+            <a:pPr lvl="1" marL="744120" indent="-281160">
               <a:lnSpc>
                 <a:spcPct val="100000"/>
               </a:lnSpc>
@@ -7083,7 +7083,7 @@
             </a:endParaRPr>
           </a:p>
           <a:p>
-            <a:pPr lvl="1" marL="744120" indent="-281520">
+            <a:pPr lvl="1" marL="744120" indent="-281160">
               <a:lnSpc>
                 <a:spcPct val="100000"/>
               </a:lnSpc>
@@ -7112,7 +7112,7 @@
             </a:endParaRPr>
           </a:p>
           <a:p>
-            <a:pPr lvl="1" marL="744120" indent="-281520">
+            <a:pPr lvl="1" marL="744120" indent="-281160">
               <a:lnSpc>
                 <a:spcPct val="100000"/>
               </a:lnSpc>
@@ -7141,7 +7141,7 @@
             </a:endParaRPr>
           </a:p>
           <a:p>
-            <a:pPr lvl="1" marL="744120" indent="-281520">
+            <a:pPr lvl="1" marL="744120" indent="-281160">
               <a:lnSpc>
                 <a:spcPct val="100000"/>
               </a:lnSpc>
@@ -7259,7 +7259,7 @@
         <p:spPr>
           <a:xfrm>
             <a:off x="335520" y="764640"/>
-            <a:ext cx="10747080" cy="497880"/>
+            <a:ext cx="10746720" cy="497520"/>
           </a:xfrm>
           <a:prstGeom prst="rect">
             <a:avLst/>
@@ -7310,7 +7310,7 @@
         <p:spPr>
           <a:xfrm>
             <a:off x="335520" y="1268640"/>
-            <a:ext cx="10747080" cy="5034600"/>
+            <a:ext cx="10746720" cy="5034240"/>
           </a:xfrm>
           <a:prstGeom prst="rect">
             <a:avLst/>
@@ -7331,7 +7331,7 @@
             <a:noAutofit/>
           </a:bodyPr>
           <a:p>
-            <a:pPr marL="195120" indent="-189720">
+            <a:pPr marL="195120" indent="-189360">
               <a:lnSpc>
                 <a:spcPct val="100000"/>
               </a:lnSpc>
@@ -7360,7 +7360,7 @@
             </a:endParaRPr>
           </a:p>
           <a:p>
-            <a:pPr lvl="1" marL="744120" indent="-281520">
+            <a:pPr lvl="1" marL="744120" indent="-281160">
               <a:lnSpc>
                 <a:spcPct val="100000"/>
               </a:lnSpc>
@@ -7402,7 +7402,7 @@
             </a:endParaRPr>
           </a:p>
           <a:p>
-            <a:pPr marL="195120" indent="-189720">
+            <a:pPr marL="195120" indent="-189360">
               <a:lnSpc>
                 <a:spcPct val="100000"/>
               </a:lnSpc>
@@ -7431,7 +7431,7 @@
             </a:endParaRPr>
           </a:p>
           <a:p>
-            <a:pPr lvl="1" marL="744120" indent="-281520">
+            <a:pPr lvl="1" marL="744120" indent="-281160">
               <a:lnSpc>
                 <a:spcPct val="100000"/>
               </a:lnSpc>
@@ -7460,7 +7460,7 @@
             </a:endParaRPr>
           </a:p>
           <a:p>
-            <a:pPr lvl="1" marL="744120" indent="-281520">
+            <a:pPr lvl="1" marL="744120" indent="-281160">
               <a:lnSpc>
                 <a:spcPct val="100000"/>
               </a:lnSpc>
@@ -7509,7 +7509,7 @@
             </a:endParaRPr>
           </a:p>
           <a:p>
-            <a:pPr lvl="1" marL="744120" indent="-281520">
+            <a:pPr lvl="1" marL="744120" indent="-281160">
               <a:lnSpc>
                 <a:spcPct val="100000"/>
               </a:lnSpc>
@@ -7578,7 +7578,7 @@
         <p:spPr>
           <a:xfrm>
             <a:off x="335520" y="764640"/>
-            <a:ext cx="10747080" cy="497880"/>
+            <a:ext cx="10746720" cy="497520"/>
           </a:xfrm>
           <a:prstGeom prst="rect">
             <a:avLst/>
@@ -7629,7 +7629,7 @@
         <p:spPr>
           <a:xfrm>
             <a:off x="335520" y="1268280"/>
-            <a:ext cx="10747080" cy="5034600"/>
+            <a:ext cx="10746720" cy="5034240"/>
           </a:xfrm>
           <a:prstGeom prst="rect">
             <a:avLst/>
@@ -7663,7 +7663,7 @@
             </a:endParaRPr>
           </a:p>
           <a:p>
-            <a:pPr marL="195120" indent="-189720">
+            <a:pPr marL="195120" indent="-189360">
               <a:lnSpc>
                 <a:spcPct val="100000"/>
               </a:lnSpc>
@@ -7719,7 +7719,7 @@
         <p:spPr>
           <a:xfrm>
             <a:off x="6285600" y="2132640"/>
-            <a:ext cx="516600" cy="496440"/>
+            <a:ext cx="516240" cy="496080"/>
           </a:xfrm>
           <a:prstGeom prst="star5">
             <a:avLst>
@@ -7761,7 +7761,7 @@
         <p:spPr>
           <a:xfrm>
             <a:off x="4089960" y="2247480"/>
-            <a:ext cx="2284920" cy="363960"/>
+            <a:ext cx="2284560" cy="363960"/>
           </a:xfrm>
           <a:prstGeom prst="rect">
             <a:avLst/>
@@ -7862,7 +7862,7 @@
         <p:spPr>
           <a:xfrm>
             <a:off x="335520" y="764640"/>
-            <a:ext cx="10747080" cy="497880"/>
+            <a:ext cx="10746720" cy="497520"/>
           </a:xfrm>
           <a:prstGeom prst="rect">
             <a:avLst/>
@@ -7913,7 +7913,7 @@
         <p:spPr>
           <a:xfrm>
             <a:off x="335520" y="1268640"/>
-            <a:ext cx="10747080" cy="5034600"/>
+            <a:ext cx="10746720" cy="5034240"/>
           </a:xfrm>
           <a:prstGeom prst="rect">
             <a:avLst/>
@@ -7934,7 +7934,7 @@
             <a:noAutofit/>
           </a:bodyPr>
           <a:p>
-            <a:pPr marL="195120" indent="-189720">
+            <a:pPr marL="195120" indent="-189360">
               <a:lnSpc>
                 <a:spcPct val="100000"/>
               </a:lnSpc>
@@ -7996,7 +7996,7 @@
             </a:endParaRPr>
           </a:p>
           <a:p>
-            <a:pPr marL="195120" indent="-189720">
+            <a:pPr marL="195120" indent="-189360">
               <a:lnSpc>
                 <a:spcPct val="100000"/>
               </a:lnSpc>
@@ -8045,7 +8045,7 @@
             </a:endParaRPr>
           </a:p>
           <a:p>
-            <a:pPr marL="195120" indent="-189720">
+            <a:pPr marL="195120" indent="-189360">
               <a:lnSpc>
                 <a:spcPct val="100000"/>
               </a:lnSpc>
@@ -8094,7 +8094,7 @@
             </a:endParaRPr>
           </a:p>
           <a:p>
-            <a:pPr marL="195120" indent="-189720">
+            <a:pPr marL="195120" indent="-189360">
               <a:lnSpc>
                 <a:spcPct val="100000"/>
               </a:lnSpc>
@@ -8143,7 +8143,7 @@
             </a:endParaRPr>
           </a:p>
           <a:p>
-            <a:pPr marL="195120" indent="-189720">
+            <a:pPr marL="195120" indent="-189360">
               <a:lnSpc>
                 <a:spcPct val="100000"/>
               </a:lnSpc>
@@ -8192,7 +8192,7 @@
             </a:endParaRPr>
           </a:p>
           <a:p>
-            <a:pPr marL="195120" indent="-189720">
+            <a:pPr marL="195120" indent="-189360">
               <a:lnSpc>
                 <a:spcPct val="100000"/>
               </a:lnSpc>
@@ -8241,7 +8241,7 @@
             </a:endParaRPr>
           </a:p>
           <a:p>
-            <a:pPr marL="195120" indent="-189720">
+            <a:pPr marL="195120" indent="-189360">
               <a:lnSpc>
                 <a:spcPct val="100000"/>
               </a:lnSpc>
@@ -8290,7 +8290,7 @@
             </a:endParaRPr>
           </a:p>
           <a:p>
-            <a:pPr marL="195120" indent="-189720">
+            <a:pPr marL="195120" indent="-189360">
               <a:lnSpc>
                 <a:spcPct val="100000"/>
               </a:lnSpc>
@@ -8339,7 +8339,7 @@
             </a:endParaRPr>
           </a:p>
           <a:p>
-            <a:pPr marL="195120" indent="-189720">
+            <a:pPr marL="195120" indent="-189360">
               <a:lnSpc>
                 <a:spcPct val="100000"/>
               </a:lnSpc>
@@ -8388,7 +8388,7 @@
             </a:endParaRPr>
           </a:p>
           <a:p>
-            <a:pPr marL="195120" indent="-189720">
+            <a:pPr marL="195120" indent="-189360">
               <a:lnSpc>
                 <a:spcPct val="100000"/>
               </a:lnSpc>
@@ -8477,7 +8477,7 @@
         <p:spPr>
           <a:xfrm>
             <a:off x="335520" y="764640"/>
-            <a:ext cx="10747080" cy="497880"/>
+            <a:ext cx="10746720" cy="497520"/>
           </a:xfrm>
           <a:prstGeom prst="rect">
             <a:avLst/>
@@ -8528,7 +8528,7 @@
         <p:spPr>
           <a:xfrm>
             <a:off x="335520" y="1268640"/>
-            <a:ext cx="10743840" cy="5031360"/>
+            <a:ext cx="10743480" cy="5031000"/>
           </a:xfrm>
           <a:prstGeom prst="rect">
             <a:avLst/>
@@ -8549,7 +8549,7 @@
             <a:noAutofit/>
           </a:bodyPr>
           <a:p>
-            <a:pPr marL="195120" indent="-189720">
+            <a:pPr marL="195120" indent="-189360">
               <a:lnSpc>
                 <a:spcPct val="100000"/>
               </a:lnSpc>
@@ -8590,7 +8590,7 @@
             </a:endParaRPr>
           </a:p>
           <a:p>
-            <a:pPr marL="195120" indent="-189720">
+            <a:pPr marL="195120" indent="-189360">
               <a:lnSpc>
                 <a:spcPct val="100000"/>
               </a:lnSpc>
@@ -8641,7 +8641,7 @@
             </a:endParaRPr>
           </a:p>
           <a:p>
-            <a:pPr marL="195120" indent="-189720">
+            <a:pPr marL="195120" indent="-189360">
               <a:lnSpc>
                 <a:spcPct val="100000"/>
               </a:lnSpc>
@@ -8682,7 +8682,20 @@
             </a:endParaRPr>
           </a:p>
           <a:p>
-            <a:pPr marL="195120" indent="-189720">
+            <a:pPr>
+              <a:lnSpc>
+                <a:spcPct val="100000"/>
+              </a:lnSpc>
+              <a:spcBef>
+                <a:spcPts val="360"/>
+              </a:spcBef>
+            </a:pPr>
+            <a:endParaRPr b="0" lang="en-US" sz="1800" spc="-1" strike="noStrike">
+              <a:latin typeface="Arial"/>
+            </a:endParaRPr>
+          </a:p>
+          <a:p>
+            <a:pPr marL="195120" indent="-189360">
               <a:lnSpc>
                 <a:spcPct val="100000"/>
               </a:lnSpc>
@@ -8711,7 +8724,10 @@
             </a:endParaRPr>
           </a:p>
           <a:p>
-            <a:pPr lvl="1" marL="432000" indent="-216000">
+            <a:pPr lvl="1" marL="432000" indent="-215640">
+              <a:lnSpc>
+                <a:spcPct val="100000"/>
+              </a:lnSpc>
               <a:buClr>
                 <a:srgbClr val="008c4f"/>
               </a:buClr>
@@ -8730,23 +8746,24 @@
               <a:t>Drilled (</a:t>
             </a:r>
             <a:r>
+              <a:rPr b="0" lang="en-US" sz="1800" spc="-1" strike="noStrike" u="sng">
+                <a:solidFill>
+                  <a:srgbClr val="0000ff"/>
+                </a:solidFill>
+                <a:uFillTx/>
+                <a:latin typeface="DejaVu Sans"/>
+                <a:ea typeface="DejaVu Sans"/>
+                <a:hlinkClick r:id="rId4"/>
+              </a:rPr>
+              <a:t>Link</a:t>
+            </a:r>
+            <a:r>
               <a:rPr b="0" lang="en-US" sz="1800" spc="-1" strike="noStrike">
                 <a:solidFill>
                   <a:srgbClr val="000000"/>
                 </a:solidFill>
                 <a:latin typeface="DejaVu Sans"/>
                 <a:ea typeface="DejaVu Sans"/>
-                <a:hlinkClick r:id="rId4"/>
-              </a:rPr>
-              <a:t>Link</a:t>
-            </a:r>
-            <a:r>
-              <a:rPr b="0" lang="en-US" sz="1800" spc="-1" strike="noStrike">
-                <a:solidFill>
-                  <a:srgbClr val="000000"/>
-                </a:solidFill>
-                <a:latin typeface="DejaVu Sans"/>
-                <a:ea typeface="DejaVu Sans"/>
               </a:rPr>
               <a:t>)</a:t>
             </a:r>
@@ -8755,7 +8772,7 @@
             </a:endParaRPr>
           </a:p>
           <a:p>
-            <a:pPr lvl="1" marL="432000" indent="-216000">
+            <a:pPr lvl="1" marL="432000" indent="-215640">
               <a:lnSpc>
                 <a:spcPct val="100000"/>
               </a:lnSpc>
@@ -8780,23 +8797,24 @@
               <a:t>How to Save a Planet (</a:t>
             </a:r>
             <a:r>
+              <a:rPr b="0" lang="en-US" sz="1800" spc="-1" strike="noStrike" u="sng">
+                <a:solidFill>
+                  <a:srgbClr val="0000ff"/>
+                </a:solidFill>
+                <a:uFillTx/>
+                <a:latin typeface="DejaVu Sans"/>
+                <a:ea typeface="DejaVu Sans"/>
+                <a:hlinkClick r:id="rId5"/>
+              </a:rPr>
+              <a:t>Link</a:t>
+            </a:r>
+            <a:r>
               <a:rPr b="0" lang="en-US" sz="1800" spc="-1" strike="noStrike">
                 <a:solidFill>
                   <a:srgbClr val="000000"/>
                 </a:solidFill>
                 <a:latin typeface="DejaVu Sans"/>
                 <a:ea typeface="DejaVu Sans"/>
-                <a:hlinkClick r:id="rId5"/>
-              </a:rPr>
-              <a:t>Link</a:t>
-            </a:r>
-            <a:r>
-              <a:rPr b="0" lang="en-US" sz="1800" spc="-1" strike="noStrike">
-                <a:solidFill>
-                  <a:srgbClr val="000000"/>
-                </a:solidFill>
-                <a:latin typeface="DejaVu Sans"/>
-                <a:ea typeface="DejaVu Sans"/>
               </a:rPr>
               <a:t>)</a:t>
             </a:r>
@@ -8805,7 +8823,7 @@
             </a:endParaRPr>
           </a:p>
           <a:p>
-            <a:pPr lvl="1" marL="432000" indent="-216000">
+            <a:pPr lvl="1" marL="432000" indent="-215640">
               <a:lnSpc>
                 <a:spcPct val="100000"/>
               </a:lnSpc>
@@ -8830,10 +8848,11 @@
               <a:t>1,5 Grad – der Klima-Podcast mit Luisa Neubauer (German) (</a:t>
             </a:r>
             <a:r>
-              <a:rPr b="0" lang="en-US" sz="1800" spc="-1" strike="noStrike">
-                <a:solidFill>
-                  <a:srgbClr val="000000"/>
-                </a:solidFill>
+              <a:rPr b="0" lang="en-US" sz="1800" spc="-1" strike="noStrike" u="sng">
+                <a:solidFill>
+                  <a:srgbClr val="0000ff"/>
+                </a:solidFill>
+                <a:uFillTx/>
                 <a:latin typeface="DejaVu Sans"/>
                 <a:ea typeface="DejaVu Sans"/>
                 <a:hlinkClick r:id="rId6"/>
@@ -8895,7 +8914,7 @@
         <p:spPr>
           <a:xfrm>
             <a:off x="335520" y="1268640"/>
-            <a:ext cx="10747080" cy="5034600"/>
+            <a:ext cx="10746720" cy="5034240"/>
           </a:xfrm>
           <a:prstGeom prst="rect">
             <a:avLst/>
@@ -8952,7 +8971,7 @@
         <p:spPr>
           <a:xfrm>
             <a:off x="335520" y="764640"/>
-            <a:ext cx="10747080" cy="497880"/>
+            <a:ext cx="10746720" cy="497520"/>
           </a:xfrm>
           <a:prstGeom prst="rect">
             <a:avLst/>
@@ -9008,7 +9027,7 @@
         <p:spPr>
           <a:xfrm>
             <a:off x="335520" y="764640"/>
-            <a:ext cx="10744920" cy="495720"/>
+            <a:ext cx="10744560" cy="495360"/>
           </a:xfrm>
           <a:prstGeom prst="rect">
             <a:avLst/>
@@ -9059,7 +9078,7 @@
         <p:spPr>
           <a:xfrm>
             <a:off x="335520" y="1268280"/>
-            <a:ext cx="10744920" cy="5032440"/>
+            <a:ext cx="10744560" cy="5032080"/>
           </a:xfrm>
           <a:prstGeom prst="rect">
             <a:avLst/>
@@ -9090,7 +9109,7 @@
             </a:endParaRPr>
           </a:p>
           <a:p>
-            <a:pPr marL="195120" indent="-187560">
+            <a:pPr marL="195120" indent="-187200">
               <a:lnSpc>
                 <a:spcPct val="100000"/>
               </a:lnSpc>
@@ -9174,7 +9193,7 @@
             </a:endParaRPr>
           </a:p>
           <a:p>
-            <a:pPr marL="195120" indent="-187560">
+            <a:pPr marL="195120" indent="-187200">
               <a:lnSpc>
                 <a:spcPct val="100000"/>
               </a:lnSpc>
@@ -9278,7 +9297,7 @@
         <p:spPr>
           <a:xfrm>
             <a:off x="335520" y="764640"/>
-            <a:ext cx="10747080" cy="497880"/>
+            <a:ext cx="10746720" cy="497520"/>
           </a:xfrm>
           <a:prstGeom prst="rect">
             <a:avLst/>
@@ -9333,7 +9352,7 @@
         <p:spPr>
           <a:xfrm>
             <a:off x="2374920" y="2133000"/>
-            <a:ext cx="1469880" cy="2171160"/>
+            <a:ext cx="1469520" cy="2170800"/>
           </a:xfrm>
           <a:prstGeom prst="rect">
             <a:avLst/>
@@ -9356,7 +9375,7 @@
         <p:spPr>
           <a:xfrm>
             <a:off x="6960240" y="2525760"/>
-            <a:ext cx="1783800" cy="1775880"/>
+            <a:ext cx="1783440" cy="1775520"/>
           </a:xfrm>
           <a:prstGeom prst="rect">
             <a:avLst/>
@@ -9375,7 +9394,7 @@
         <p:spPr>
           <a:xfrm>
             <a:off x="1310400" y="4249080"/>
-            <a:ext cx="3634560" cy="676080"/>
+            <a:ext cx="3634200" cy="675720"/>
           </a:xfrm>
           <a:prstGeom prst="rect">
             <a:avLst/>
@@ -9452,7 +9471,7 @@
         <p:spPr>
           <a:xfrm>
             <a:off x="6013080" y="4269960"/>
-            <a:ext cx="3634560" cy="676080"/>
+            <a:ext cx="3634200" cy="675720"/>
           </a:xfrm>
           <a:prstGeom prst="rect">
             <a:avLst/>
@@ -9559,7 +9578,7 @@
         <p:spPr>
           <a:xfrm>
             <a:off x="542880" y="721800"/>
-            <a:ext cx="10352880" cy="493560"/>
+            <a:ext cx="10352520" cy="493200"/>
           </a:xfrm>
           <a:prstGeom prst="rect">
             <a:avLst/>
@@ -9610,7 +9629,7 @@
         <p:spPr>
           <a:xfrm>
             <a:off x="451800" y="1709280"/>
-            <a:ext cx="8220240" cy="4348440"/>
+            <a:ext cx="8219880" cy="4348080"/>
           </a:xfrm>
           <a:prstGeom prst="rect">
             <a:avLst/>
@@ -9636,7 +9655,7 @@
         <p:spPr>
           <a:xfrm>
             <a:off x="609480" y="1769400"/>
-            <a:ext cx="10583280" cy="4851360"/>
+            <a:ext cx="10582920" cy="4851000"/>
           </a:xfrm>
           <a:prstGeom prst="rect">
             <a:avLst/>
@@ -9657,7 +9676,7 @@
             <a:normAutofit/>
           </a:bodyPr>
           <a:p>
-            <a:pPr marL="216000" indent="-211680">
+            <a:pPr marL="216000" indent="-211320">
               <a:lnSpc>
                 <a:spcPct val="90000"/>
               </a:lnSpc>
@@ -9766,7 +9785,7 @@
             </a:endParaRPr>
           </a:p>
           <a:p>
-            <a:pPr marL="216000" indent="-211680">
+            <a:pPr marL="216000" indent="-211320">
               <a:lnSpc>
                 <a:spcPct val="100000"/>
               </a:lnSpc>
@@ -9795,7 +9814,7 @@
             </a:endParaRPr>
           </a:p>
           <a:p>
-            <a:pPr lvl="1" marL="685800" indent="-224280">
+            <a:pPr lvl="1" marL="685800" indent="-223920">
               <a:lnSpc>
                 <a:spcPct val="100000"/>
               </a:lnSpc>
@@ -9824,7 +9843,7 @@
             </a:endParaRPr>
           </a:p>
           <a:p>
-            <a:pPr lvl="1" marL="685800" indent="-224280">
+            <a:pPr lvl="1" marL="685800" indent="-223920">
               <a:lnSpc>
                 <a:spcPct val="100000"/>
               </a:lnSpc>
@@ -9853,7 +9872,7 @@
             </a:endParaRPr>
           </a:p>
           <a:p>
-            <a:pPr lvl="1" marL="685800" indent="-224280">
+            <a:pPr lvl="1" marL="685800" indent="-223920">
               <a:lnSpc>
                 <a:spcPct val="100000"/>
               </a:lnSpc>
@@ -9882,7 +9901,7 @@
             </a:endParaRPr>
           </a:p>
           <a:p>
-            <a:pPr lvl="1" marL="685800" indent="-224280">
+            <a:pPr lvl="1" marL="685800" indent="-223920">
               <a:lnSpc>
                 <a:spcPct val="100000"/>
               </a:lnSpc>
@@ -9911,7 +9930,7 @@
             </a:endParaRPr>
           </a:p>
           <a:p>
-            <a:pPr marL="216000" indent="-211680">
+            <a:pPr marL="216000" indent="-211320">
               <a:lnSpc>
                 <a:spcPct val="100000"/>
               </a:lnSpc>
@@ -9940,7 +9959,7 @@
             </a:endParaRPr>
           </a:p>
           <a:p>
-            <a:pPr lvl="1" marL="685800" indent="-224280">
+            <a:pPr lvl="1" marL="685800" indent="-223920">
               <a:lnSpc>
                 <a:spcPct val="100000"/>
               </a:lnSpc>
@@ -9969,7 +9988,7 @@
             </a:endParaRPr>
           </a:p>
           <a:p>
-            <a:pPr lvl="1" marL="685800" indent="-224280">
+            <a:pPr lvl="1" marL="685800" indent="-223920">
               <a:lnSpc>
                 <a:spcPct val="100000"/>
               </a:lnSpc>
@@ -10038,7 +10057,7 @@
         <p:spPr>
           <a:xfrm>
             <a:off x="542880" y="721800"/>
-            <a:ext cx="10352880" cy="493560"/>
+            <a:ext cx="10352520" cy="493200"/>
           </a:xfrm>
           <a:prstGeom prst="rect">
             <a:avLst/>
@@ -10089,7 +10108,7 @@
         <p:spPr>
           <a:xfrm>
             <a:off x="451800" y="1709280"/>
-            <a:ext cx="8220240" cy="4348440"/>
+            <a:ext cx="8219880" cy="4348080"/>
           </a:xfrm>
           <a:prstGeom prst="rect">
             <a:avLst/>
@@ -10115,7 +10134,7 @@
         <p:spPr>
           <a:xfrm>
             <a:off x="609480" y="1769400"/>
-            <a:ext cx="10583280" cy="4851360"/>
+            <a:ext cx="10582920" cy="4851000"/>
           </a:xfrm>
           <a:prstGeom prst="rect">
             <a:avLst/>
@@ -10136,7 +10155,7 @@
             <a:normAutofit/>
           </a:bodyPr>
           <a:p>
-            <a:pPr marL="216000" indent="-211680">
+            <a:pPr marL="216000" indent="-211320">
               <a:lnSpc>
                 <a:spcPct val="90000"/>
               </a:lnSpc>
@@ -10187,7 +10206,7 @@
             </a:endParaRPr>
           </a:p>
           <a:p>
-            <a:pPr lvl="1" marL="685800" indent="-224280">
+            <a:pPr lvl="1" marL="685800" indent="-223920">
               <a:lnSpc>
                 <a:spcPct val="100000"/>
               </a:lnSpc>
@@ -10216,7 +10235,7 @@
             </a:endParaRPr>
           </a:p>
           <a:p>
-            <a:pPr lvl="1" marL="685800" indent="-224280">
+            <a:pPr lvl="1" marL="685800" indent="-223920">
               <a:lnSpc>
                 <a:spcPct val="100000"/>
               </a:lnSpc>
@@ -10258,7 +10277,7 @@
             </a:endParaRPr>
           </a:p>
           <a:p>
-            <a:pPr marL="216000" indent="-211680">
+            <a:pPr marL="216000" indent="-211320">
               <a:lnSpc>
                 <a:spcPct val="90000"/>
               </a:lnSpc>
@@ -10290,7 +10309,7 @@
             </a:endParaRPr>
           </a:p>
           <a:p>
-            <a:pPr lvl="1" marL="685800" indent="-224280">
+            <a:pPr lvl="1" marL="685800" indent="-223920">
               <a:lnSpc>
                 <a:spcPct val="100000"/>
               </a:lnSpc>
@@ -10344,7 +10363,7 @@
             </a:endParaRPr>
           </a:p>
           <a:p>
-            <a:pPr lvl="1" marL="685800" indent="-224280">
+            <a:pPr lvl="1" marL="685800" indent="-223920">
               <a:lnSpc>
                 <a:spcPct val="100000"/>
               </a:lnSpc>
@@ -10398,7 +10417,7 @@
             </a:endParaRPr>
           </a:p>
           <a:p>
-            <a:pPr marL="228600" indent="-224280">
+            <a:pPr marL="228600" indent="-223920">
               <a:lnSpc>
                 <a:spcPct val="90000"/>
               </a:lnSpc>
@@ -10414,7 +10433,7 @@
             </a:endParaRPr>
           </a:p>
           <a:p>
-            <a:pPr marL="228600" indent="-224280" algn="ctr">
+            <a:pPr marL="228600" indent="-223920" algn="ctr">
               <a:lnSpc>
                 <a:spcPct val="90000"/>
               </a:lnSpc>
@@ -10440,7 +10459,7 @@
             </a:endParaRPr>
           </a:p>
           <a:p>
-            <a:pPr marL="457200" indent="-224280" algn="ctr">
+            <a:pPr marL="457200" indent="-223920" algn="ctr">
               <a:lnSpc>
                 <a:spcPct val="90000"/>
               </a:lnSpc>
@@ -10516,7 +10535,7 @@
         <p:spPr>
           <a:xfrm>
             <a:off x="542880" y="721800"/>
-            <a:ext cx="10352880" cy="493560"/>
+            <a:ext cx="10352520" cy="493200"/>
           </a:xfrm>
           <a:prstGeom prst="rect">
             <a:avLst/>
@@ -10567,7 +10586,7 @@
         <p:spPr>
           <a:xfrm>
             <a:off x="451800" y="1709280"/>
-            <a:ext cx="8220240" cy="4348440"/>
+            <a:ext cx="8219880" cy="4348080"/>
           </a:xfrm>
           <a:prstGeom prst="rect">
             <a:avLst/>
@@ -10593,7 +10612,7 @@
         <p:spPr>
           <a:xfrm>
             <a:off x="609480" y="1769400"/>
-            <a:ext cx="10583280" cy="4851360"/>
+            <a:ext cx="10582920" cy="4851000"/>
           </a:xfrm>
           <a:prstGeom prst="rect">
             <a:avLst/>
@@ -10614,7 +10633,7 @@
             <a:normAutofit/>
           </a:bodyPr>
           <a:p>
-            <a:pPr marL="216000" indent="-211680">
+            <a:pPr marL="216000" indent="-211320">
               <a:lnSpc>
                 <a:spcPct val="90000"/>
               </a:lnSpc>
@@ -10665,7 +10684,7 @@
             </a:endParaRPr>
           </a:p>
           <a:p>
-            <a:pPr lvl="1" marL="685800" indent="-224280">
+            <a:pPr lvl="1" marL="685800" indent="-223920">
               <a:lnSpc>
                 <a:spcPct val="100000"/>
               </a:lnSpc>
@@ -10694,7 +10713,7 @@
             </a:endParaRPr>
           </a:p>
           <a:p>
-            <a:pPr lvl="1" marL="685800" indent="-224280">
+            <a:pPr lvl="1" marL="685800" indent="-223920">
               <a:lnSpc>
                 <a:spcPct val="100000"/>
               </a:lnSpc>
@@ -10736,7 +10755,7 @@
             </a:endParaRPr>
           </a:p>
           <a:p>
-            <a:pPr marL="216000" indent="-211680">
+            <a:pPr marL="216000" indent="-211320">
               <a:lnSpc>
                 <a:spcPct val="90000"/>
               </a:lnSpc>
@@ -10768,7 +10787,7 @@
             </a:endParaRPr>
           </a:p>
           <a:p>
-            <a:pPr lvl="1" marL="685800" indent="-224280">
+            <a:pPr lvl="1" marL="685800" indent="-223920">
               <a:lnSpc>
                 <a:spcPct val="100000"/>
               </a:lnSpc>
@@ -10822,7 +10841,7 @@
             </a:endParaRPr>
           </a:p>
           <a:p>
-            <a:pPr lvl="1" marL="685800" indent="-224280">
+            <a:pPr lvl="1" marL="685800" indent="-223920">
               <a:lnSpc>
                 <a:spcPct val="100000"/>
               </a:lnSpc>
@@ -10876,7 +10895,7 @@
             </a:endParaRPr>
           </a:p>
           <a:p>
-            <a:pPr marL="228600" indent="-224280">
+            <a:pPr marL="228600" indent="-223920">
               <a:lnSpc>
                 <a:spcPct val="90000"/>
               </a:lnSpc>
@@ -10892,7 +10911,7 @@
             </a:endParaRPr>
           </a:p>
           <a:p>
-            <a:pPr marL="228600" indent="-224280" algn="ctr">
+            <a:pPr marL="228600" indent="-223920" algn="ctr">
               <a:lnSpc>
                 <a:spcPct val="90000"/>
               </a:lnSpc>
@@ -10918,7 +10937,7 @@
             </a:endParaRPr>
           </a:p>
           <a:p>
-            <a:pPr marL="457200" indent="-224280" algn="ctr">
+            <a:pPr marL="457200" indent="-223920" algn="ctr">
               <a:lnSpc>
                 <a:spcPct val="90000"/>
               </a:lnSpc>
@@ -10994,7 +11013,7 @@
         <p:spPr>
           <a:xfrm>
             <a:off x="542880" y="721800"/>
-            <a:ext cx="10352880" cy="493560"/>
+            <a:ext cx="10352520" cy="493200"/>
           </a:xfrm>
           <a:prstGeom prst="rect">
             <a:avLst/>
@@ -11045,7 +11064,7 @@
         <p:spPr>
           <a:xfrm>
             <a:off x="451800" y="1709280"/>
-            <a:ext cx="8220240" cy="4348440"/>
+            <a:ext cx="8219880" cy="4348080"/>
           </a:xfrm>
           <a:prstGeom prst="rect">
             <a:avLst/>
@@ -11071,7 +11090,7 @@
         <p:spPr>
           <a:xfrm>
             <a:off x="609480" y="1769400"/>
-            <a:ext cx="10583280" cy="4851360"/>
+            <a:ext cx="10582920" cy="4851000"/>
           </a:xfrm>
           <a:prstGeom prst="rect">
             <a:avLst/>
@@ -11092,7 +11111,7 @@
             <a:normAutofit/>
           </a:bodyPr>
           <a:p>
-            <a:pPr marL="216000" indent="-211680">
+            <a:pPr marL="216000" indent="-211320">
               <a:lnSpc>
                 <a:spcPct val="90000"/>
               </a:lnSpc>
@@ -11121,7 +11140,7 @@
             </a:endParaRPr>
           </a:p>
           <a:p>
-            <a:pPr marL="216000" indent="-211680">
+            <a:pPr marL="216000" indent="-211320">
               <a:lnSpc>
                 <a:spcPct val="90000"/>
               </a:lnSpc>
@@ -11150,7 +11169,7 @@
             </a:endParaRPr>
           </a:p>
           <a:p>
-            <a:pPr marL="216000" indent="-211680">
+            <a:pPr marL="216000" indent="-211320">
               <a:lnSpc>
                 <a:spcPct val="90000"/>
               </a:lnSpc>
@@ -11179,7 +11198,7 @@
             </a:endParaRPr>
           </a:p>
           <a:p>
-            <a:pPr marL="216000" indent="-211680">
+            <a:pPr marL="216000" indent="-211320">
               <a:lnSpc>
                 <a:spcPct val="90000"/>
               </a:lnSpc>
@@ -11208,7 +11227,7 @@
             </a:endParaRPr>
           </a:p>
           <a:p>
-            <a:pPr marL="216000" indent="-211680">
+            <a:pPr marL="216000" indent="-211320">
               <a:lnSpc>
                 <a:spcPct val="90000"/>
               </a:lnSpc>
@@ -11237,7 +11256,7 @@
             </a:endParaRPr>
           </a:p>
           <a:p>
-            <a:pPr marL="216000" indent="-211680">
+            <a:pPr marL="216000" indent="-211320">
               <a:lnSpc>
                 <a:spcPct val="90000"/>
               </a:lnSpc>
@@ -11266,7 +11285,7 @@
             </a:endParaRPr>
           </a:p>
           <a:p>
-            <a:pPr marL="216000" indent="-211680">
+            <a:pPr marL="216000" indent="-211320">
               <a:lnSpc>
                 <a:spcPct val="90000"/>
               </a:lnSpc>
@@ -11335,7 +11354,7 @@
         <p:spPr>
           <a:xfrm>
             <a:off x="542880" y="721800"/>
-            <a:ext cx="10352880" cy="493560"/>
+            <a:ext cx="10352520" cy="493200"/>
           </a:xfrm>
           <a:prstGeom prst="rect">
             <a:avLst/>
@@ -11386,7 +11405,7 @@
         <p:spPr>
           <a:xfrm>
             <a:off x="451800" y="1709280"/>
-            <a:ext cx="8220240" cy="4348440"/>
+            <a:ext cx="8219880" cy="4348080"/>
           </a:xfrm>
           <a:prstGeom prst="rect">
             <a:avLst/>
@@ -11412,7 +11431,7 @@
         <p:spPr>
           <a:xfrm>
             <a:off x="609480" y="1769400"/>
-            <a:ext cx="10583280" cy="4851360"/>
+            <a:ext cx="10582920" cy="4851000"/>
           </a:xfrm>
           <a:prstGeom prst="rect">
             <a:avLst/>
@@ -11433,7 +11452,7 @@
             <a:normAutofit/>
           </a:bodyPr>
           <a:p>
-            <a:pPr marL="216000" indent="-211680">
+            <a:pPr marL="216000" indent="-211320">
               <a:lnSpc>
                 <a:spcPct val="90000"/>
               </a:lnSpc>
@@ -11462,7 +11481,7 @@
             </a:endParaRPr>
           </a:p>
           <a:p>
-            <a:pPr marL="216000" indent="-211680">
+            <a:pPr marL="216000" indent="-211320">
               <a:lnSpc>
                 <a:spcPct val="90000"/>
               </a:lnSpc>
@@ -11491,7 +11510,7 @@
             </a:endParaRPr>
           </a:p>
           <a:p>
-            <a:pPr marL="216000" indent="-211680">
+            <a:pPr marL="216000" indent="-211320">
               <a:lnSpc>
                 <a:spcPct val="90000"/>
               </a:lnSpc>
@@ -11520,7 +11539,7 @@
             </a:endParaRPr>
           </a:p>
           <a:p>
-            <a:pPr marL="216000" indent="-211680">
+            <a:pPr marL="216000" indent="-211320">
               <a:lnSpc>
                 <a:spcPct val="90000"/>
               </a:lnSpc>
@@ -11549,7 +11568,7 @@
             </a:endParaRPr>
           </a:p>
           <a:p>
-            <a:pPr marL="216000" indent="-211680">
+            <a:pPr marL="216000" indent="-211320">
               <a:lnSpc>
                 <a:spcPct val="90000"/>
               </a:lnSpc>
@@ -11618,7 +11637,7 @@
         <p:spPr>
           <a:xfrm>
             <a:off x="335520" y="764640"/>
-            <a:ext cx="10747080" cy="497880"/>
+            <a:ext cx="10746720" cy="497520"/>
           </a:xfrm>
           <a:prstGeom prst="rect">
             <a:avLst/>
@@ -11669,7 +11688,7 @@
         <p:spPr>
           <a:xfrm>
             <a:off x="335520" y="1268640"/>
-            <a:ext cx="10747080" cy="5034600"/>
+            <a:ext cx="10746720" cy="5034240"/>
           </a:xfrm>
           <a:prstGeom prst="rect">
             <a:avLst/>
@@ -11690,7 +11709,7 @@
             <a:noAutofit/>
           </a:bodyPr>
           <a:p>
-            <a:pPr marL="195120" indent="-189720">
+            <a:pPr marL="195120" indent="-189360">
               <a:lnSpc>
                 <a:spcPct val="100000"/>
               </a:lnSpc>
@@ -11712,14 +11731,14 @@
                 <a:latin typeface="DejaVu Sans"/>
                 <a:ea typeface="DejaVu Sans"/>
               </a:rPr>
-              <a:t>25.04.2022 → Organization (L00) Organization + Introduction (L01)</a:t>
-            </a:r>
-            <a:endParaRPr b="0" lang="en-US" sz="1800" spc="-1" strike="noStrike">
-              <a:latin typeface="Arial"/>
-            </a:endParaRPr>
-          </a:p>
-          <a:p>
-            <a:pPr marL="195120" indent="-189720">
+              <a:t>25.04.2022 → Organization (L00) Organization + Introduction I (L01)</a:t>
+            </a:r>
+            <a:endParaRPr b="0" lang="en-US" sz="1800" spc="-1" strike="noStrike">
+              <a:latin typeface="Arial"/>
+            </a:endParaRPr>
+          </a:p>
+          <a:p>
+            <a:pPr marL="195120" indent="-189360">
               <a:lnSpc>
                 <a:spcPct val="100000"/>
               </a:lnSpc>
@@ -11741,14 +11760,14 @@
                 <a:latin typeface="DejaVu Sans"/>
                 <a:ea typeface="DejaVu Sans"/>
               </a:rPr>
-              <a:t>02.05.2022 → Introduction (L02)</a:t>
-            </a:r>
-            <a:endParaRPr b="0" lang="en-US" sz="1800" spc="-1" strike="noStrike">
-              <a:latin typeface="Arial"/>
-            </a:endParaRPr>
-          </a:p>
-          <a:p>
-            <a:pPr marL="195120" indent="-189720">
+              <a:t>02.05.2022 → Introduction II (L02)</a:t>
+            </a:r>
+            <a:endParaRPr b="0" lang="en-US" sz="1800" spc="-1" strike="noStrike">
+              <a:latin typeface="Arial"/>
+            </a:endParaRPr>
+          </a:p>
+          <a:p>
+            <a:pPr marL="195120" indent="-189360">
               <a:lnSpc>
                 <a:spcPct val="100000"/>
               </a:lnSpc>
@@ -11770,14 +11789,14 @@
                 <a:latin typeface="DejaVu Sans"/>
                 <a:ea typeface="DejaVu Sans"/>
               </a:rPr>
-              <a:t>09.05.2022 → What happened so far? (L03)</a:t>
-            </a:r>
-            <a:endParaRPr b="0" lang="en-US" sz="1800" spc="-1" strike="noStrike">
-              <a:latin typeface="Arial"/>
-            </a:endParaRPr>
-          </a:p>
-          <a:p>
-            <a:pPr marL="195120" indent="-189720">
+              <a:t>09.05.2022 → Introduction III (L03)</a:t>
+            </a:r>
+            <a:endParaRPr b="0" lang="en-US" sz="1800" spc="-1" strike="noStrike">
+              <a:latin typeface="Arial"/>
+            </a:endParaRPr>
+          </a:p>
+          <a:p>
+            <a:pPr marL="195120" indent="-189360">
               <a:lnSpc>
                 <a:spcPct val="100000"/>
               </a:lnSpc>
@@ -11799,14 +11818,14 @@
                 <a:latin typeface="DejaVu Sans"/>
                 <a:ea typeface="DejaVu Sans"/>
               </a:rPr>
-              <a:t>16.05.2022 → Life-cycle assessment – LCA (L04)</a:t>
-            </a:r>
-            <a:endParaRPr b="0" lang="en-US" sz="1800" spc="-1" strike="noStrike">
-              <a:latin typeface="Arial"/>
-            </a:endParaRPr>
-          </a:p>
-          <a:p>
-            <a:pPr marL="195120" indent="-189720">
+              <a:t>16.05.2022 → What Happened So Far? (L04)</a:t>
+            </a:r>
+            <a:endParaRPr b="0" lang="en-US" sz="1800" spc="-1" strike="noStrike">
+              <a:latin typeface="Arial"/>
+            </a:endParaRPr>
+          </a:p>
+          <a:p>
+            <a:pPr marL="195120" indent="-189360">
               <a:lnSpc>
                 <a:spcPct val="100000"/>
               </a:lnSpc>
@@ -11828,14 +11847,14 @@
                 <a:latin typeface="DejaVu Sans"/>
                 <a:ea typeface="DejaVu Sans"/>
               </a:rPr>
-              <a:t>23.05.2022 → World3 (L05)</a:t>
-            </a:r>
-            <a:endParaRPr b="0" lang="en-US" sz="1800" spc="-1" strike="noStrike">
-              <a:latin typeface="Arial"/>
-            </a:endParaRPr>
-          </a:p>
-          <a:p>
-            <a:pPr marL="195120" indent="-189720">
+              <a:t>23.05.2022 → Life-cycle Assessment – LCA (L05)</a:t>
+            </a:r>
+            <a:endParaRPr b="0" lang="en-US" sz="1800" spc="-1" strike="noStrike">
+              <a:latin typeface="Arial"/>
+            </a:endParaRPr>
+          </a:p>
+          <a:p>
+            <a:pPr marL="195120" indent="-189360">
               <a:lnSpc>
                 <a:spcPct val="100000"/>
               </a:lnSpc>
@@ -11857,14 +11876,14 @@
                 <a:latin typeface="DejaVu Sans"/>
                 <a:ea typeface="DejaVu Sans"/>
               </a:rPr>
-              <a:t>30.05.2022 → Circular Economy I (L06)</a:t>
-            </a:r>
-            <a:endParaRPr b="0" lang="en-US" sz="1800" spc="-1" strike="noStrike">
-              <a:latin typeface="Arial"/>
-            </a:endParaRPr>
-          </a:p>
-          <a:p>
-            <a:pPr marL="195120" indent="-189720">
+              <a:t>30.05.2022 → World3 (L06)</a:t>
+            </a:r>
+            <a:endParaRPr b="0" lang="en-US" sz="1800" spc="-1" strike="noStrike">
+              <a:latin typeface="Arial"/>
+            </a:endParaRPr>
+          </a:p>
+          <a:p>
+            <a:pPr marL="195120" indent="-189360">
               <a:lnSpc>
                 <a:spcPct val="100000"/>
               </a:lnSpc>
@@ -11886,14 +11905,14 @@
                 <a:latin typeface="DejaVu Sans"/>
                 <a:ea typeface="DejaVu Sans"/>
               </a:rPr>
-              <a:t>13.06.2022 → Circular Economy II (L07)</a:t>
-            </a:r>
-            <a:endParaRPr b="0" lang="en-US" sz="1800" spc="-1" strike="noStrike">
-              <a:latin typeface="Arial"/>
-            </a:endParaRPr>
-          </a:p>
-          <a:p>
-            <a:pPr marL="195120" indent="-189720">
+              <a:t>13.06.2022 → Circular Economy I (L07)</a:t>
+            </a:r>
+            <a:endParaRPr b="0" lang="en-US" sz="1800" spc="-1" strike="noStrike">
+              <a:latin typeface="Arial"/>
+            </a:endParaRPr>
+          </a:p>
+          <a:p>
+            <a:pPr marL="195120" indent="-189360">
               <a:lnSpc>
                 <a:spcPct val="100000"/>
               </a:lnSpc>
@@ -11915,14 +11934,14 @@
                 <a:latin typeface="DejaVu Sans"/>
                 <a:ea typeface="DejaVu Sans"/>
               </a:rPr>
-              <a:t>20.06.2022 → Beyond the Circular Economy (L08)</a:t>
-            </a:r>
-            <a:endParaRPr b="0" lang="en-US" sz="1800" spc="-1" strike="noStrike">
-              <a:latin typeface="Arial"/>
-            </a:endParaRPr>
-          </a:p>
-          <a:p>
-            <a:pPr marL="195120" indent="-189720">
+              <a:t>20.06.2022 → Circular Economy II (L08)</a:t>
+            </a:r>
+            <a:endParaRPr b="0" lang="en-US" sz="1800" spc="-1" strike="noStrike">
+              <a:latin typeface="Arial"/>
+            </a:endParaRPr>
+          </a:p>
+          <a:p>
+            <a:pPr marL="195120" indent="-189360">
               <a:lnSpc>
                 <a:spcPct val="100000"/>
               </a:lnSpc>
@@ -11944,14 +11963,14 @@
                 <a:latin typeface="DejaVu Sans"/>
                 <a:ea typeface="DejaVu Sans"/>
               </a:rPr>
-              <a:t>27.06.2022 → Technology for Sustainability (L09)</a:t>
-            </a:r>
-            <a:endParaRPr b="0" lang="en-US" sz="1800" spc="-1" strike="noStrike">
-              <a:latin typeface="Arial"/>
-            </a:endParaRPr>
-          </a:p>
-          <a:p>
-            <a:pPr marL="195120" indent="-189720">
+              <a:t>27.06.2022 → Beyond the Circular Economy (L09)</a:t>
+            </a:r>
+            <a:endParaRPr b="0" lang="en-US" sz="1800" spc="-1" strike="noStrike">
+              <a:latin typeface="Arial"/>
+            </a:endParaRPr>
+          </a:p>
+          <a:p>
+            <a:pPr marL="195120" indent="-189360">
               <a:lnSpc>
                 <a:spcPct val="100000"/>
               </a:lnSpc>
@@ -11973,14 +11992,14 @@
                 <a:latin typeface="DejaVu Sans"/>
                 <a:ea typeface="DejaVu Sans"/>
               </a:rPr>
-              <a:t>04.07.2022 → Action Plan</a:t>
-            </a:r>
-            <a:endParaRPr b="0" lang="en-US" sz="1800" spc="-1" strike="noStrike">
-              <a:latin typeface="Arial"/>
-            </a:endParaRPr>
-          </a:p>
-          <a:p>
-            <a:pPr marL="195120" indent="-189720">
+              <a:t>04.07.2022 → Technologies for Sustainability (L10)</a:t>
+            </a:r>
+            <a:endParaRPr b="0" lang="en-US" sz="1800" spc="-1" strike="noStrike">
+              <a:latin typeface="Arial"/>
+            </a:endParaRPr>
+          </a:p>
+          <a:p>
+            <a:pPr marL="195120" indent="-189360">
               <a:lnSpc>
                 <a:spcPct val="100000"/>
               </a:lnSpc>
@@ -12002,14 +12021,14 @@
                 <a:latin typeface="DejaVu Sans"/>
                 <a:ea typeface="DejaVu Sans"/>
               </a:rPr>
-              <a:t>11.07.2022 → Invited Lecture</a:t>
-            </a:r>
-            <a:endParaRPr b="0" lang="en-US" sz="1800" spc="-1" strike="noStrike">
-              <a:latin typeface="Arial"/>
-            </a:endParaRPr>
-          </a:p>
-          <a:p>
-            <a:pPr marL="195120" indent="-189720">
+              <a:t>11.07.2022 → Action Plan (L11)</a:t>
+            </a:r>
+            <a:endParaRPr b="0" lang="en-US" sz="1800" spc="-1" strike="noStrike">
+              <a:latin typeface="Arial"/>
+            </a:endParaRPr>
+          </a:p>
+          <a:p>
+            <a:pPr marL="195120" indent="-189360">
               <a:lnSpc>
                 <a:spcPct val="100000"/>
               </a:lnSpc>
@@ -12038,7 +12057,7 @@
             </a:endParaRPr>
           </a:p>
           <a:p>
-            <a:pPr marL="195120" indent="-189720">
+            <a:pPr marL="195120" indent="-189360">
               <a:lnSpc>
                 <a:spcPct val="100000"/>
               </a:lnSpc>
@@ -12060,7 +12079,7 @@
                 <a:latin typeface="DejaVu Sans"/>
                 <a:ea typeface="DejaVu Sans"/>
               </a:rPr>
-              <a:t>25.07.2022 → Backup</a:t>
+              <a:t>25.07.2022 → Invited Lecture</a:t>
             </a:r>
             <a:endParaRPr b="0" lang="en-US" sz="1800" spc="-1" strike="noStrike">
               <a:latin typeface="Arial"/>

--- a/The-Limits-to-Growth/LTG-L00-Organization.pptx
+++ b/The-Limits-to-Growth/LTG-L00-Organization.pptx
@@ -27,6 +27,7 @@
     <p:sldId id="271" r:id="rId20"/>
     <p:sldId id="272" r:id="rId21"/>
     <p:sldId id="273" r:id="rId22"/>
+    <p:sldId id="274" r:id="rId23"/>
   </p:sldIdLst>
   <p:sldSz cx="12192000" cy="6858000"/>
   <p:notesSz cx="7772400" cy="10058400"/>
@@ -257,7 +258,7 @@
           </a:bodyPr>
           <a:p>
             <a:pPr algn="r"/>
-            <a:fld id="{40A5E58D-9C78-453D-91FB-9E0E46DEAC5A}" type="slidenum">
+            <a:fld id="{4B28F0B8-28E6-45A2-8A96-24CAA2002DDC}" type="slidenum">
               <a:rPr b="0" lang="en-US" sz="1400" spc="-1" strike="noStrike">
                 <a:latin typeface="Times New Roman"/>
               </a:rPr>
@@ -294,7 +295,7 @@
       </p:grpSpPr>
       <p:sp>
         <p:nvSpPr>
-          <p:cNvPr id="144" name="PlaceHolder 1"/>
+          <p:cNvPr id="146" name="PlaceHolder 1"/>
           <p:cNvSpPr>
             <a:spLocks noGrp="1"/>
           </p:cNvSpPr>
@@ -305,16 +306,16 @@
         <p:spPr>
           <a:xfrm>
             <a:off x="533520" y="763560"/>
-            <a:ext cx="6695640" cy="3763800"/>
-          </a:xfrm>
-          <a:prstGeom prst="rect">
-            <a:avLst/>
-          </a:prstGeom>
-        </p:spPr>
-      </p:sp>
-      <p:sp>
-        <p:nvSpPr>
-          <p:cNvPr id="145" name="PlaceHolder 2"/>
+            <a:ext cx="6695280" cy="3763440"/>
+          </a:xfrm>
+          <a:prstGeom prst="rect">
+            <a:avLst/>
+          </a:prstGeom>
+        </p:spPr>
+      </p:sp>
+      <p:sp>
+        <p:nvSpPr>
+          <p:cNvPr id="147" name="PlaceHolder 2"/>
           <p:cNvSpPr>
             <a:spLocks noGrp="1"/>
           </p:cNvSpPr>
@@ -325,7 +326,7 @@
         <p:spPr>
           <a:xfrm>
             <a:off x="777240" y="4777560"/>
-            <a:ext cx="6209280" cy="4517640"/>
+            <a:ext cx="6208920" cy="4517280"/>
           </a:xfrm>
           <a:prstGeom prst="rect">
             <a:avLst/>
@@ -344,14 +345,14 @@
       </p:sp>
       <p:sp>
         <p:nvSpPr>
-          <p:cNvPr id="146" name="CustomShape 3"/>
+          <p:cNvPr id="148" name="CustomShape 3"/>
           <p:cNvSpPr/>
           <p:nvPr/>
         </p:nvSpPr>
         <p:spPr>
           <a:xfrm>
             <a:off x="4399200" y="9555480"/>
-            <a:ext cx="3364560" cy="494280"/>
+            <a:ext cx="3364200" cy="493920"/>
           </a:xfrm>
           <a:prstGeom prst="rect">
             <a:avLst/>
@@ -377,7 +378,7 @@
                 <a:spcPct val="100000"/>
               </a:lnSpc>
             </a:pPr>
-            <a:fld id="{3679EC8B-6A9C-430F-B5DF-7817855B1B7B}" type="slidenum">
+            <a:fld id="{3A237621-4CE2-4EE1-BED8-F1EDB3538D63}" type="slidenum">
               <a:rPr b="0" lang="de-DE" sz="1800" spc="-1" strike="noStrike">
                 <a:solidFill>
                   <a:srgbClr val="000000"/>
@@ -385,7 +386,7 @@
                 <a:latin typeface="+mn-lt"/>
                 <a:ea typeface="+mn-ea"/>
               </a:rPr>
-              <a:t>8</a:t>
+              <a:t>&lt;number&gt;</a:t>
             </a:fld>
             <a:endParaRPr b="0" lang="en-US" sz="1800" spc="-1" strike="noStrike">
               <a:latin typeface="Arial"/>
@@ -417,7 +418,7 @@
       </p:grpSpPr>
       <p:sp>
         <p:nvSpPr>
-          <p:cNvPr id="147" name="PlaceHolder 1"/>
+          <p:cNvPr id="149" name="PlaceHolder 1"/>
           <p:cNvSpPr>
             <a:spLocks noGrp="1"/>
           </p:cNvSpPr>
@@ -428,16 +429,16 @@
         <p:spPr>
           <a:xfrm>
             <a:off x="533520" y="763560"/>
-            <a:ext cx="6695640" cy="3763800"/>
-          </a:xfrm>
-          <a:prstGeom prst="rect">
-            <a:avLst/>
-          </a:prstGeom>
-        </p:spPr>
-      </p:sp>
-      <p:sp>
-        <p:nvSpPr>
-          <p:cNvPr id="148" name="PlaceHolder 2"/>
+            <a:ext cx="6695280" cy="3763440"/>
+          </a:xfrm>
+          <a:prstGeom prst="rect">
+            <a:avLst/>
+          </a:prstGeom>
+        </p:spPr>
+      </p:sp>
+      <p:sp>
+        <p:nvSpPr>
+          <p:cNvPr id="150" name="PlaceHolder 2"/>
           <p:cNvSpPr>
             <a:spLocks noGrp="1"/>
           </p:cNvSpPr>
@@ -448,7 +449,7 @@
         <p:spPr>
           <a:xfrm>
             <a:off x="777240" y="4777560"/>
-            <a:ext cx="6209280" cy="4517640"/>
+            <a:ext cx="6208920" cy="4517280"/>
           </a:xfrm>
           <a:prstGeom prst="rect">
             <a:avLst/>
@@ -467,14 +468,14 @@
       </p:sp>
       <p:sp>
         <p:nvSpPr>
-          <p:cNvPr id="149" name="CustomShape 3"/>
+          <p:cNvPr id="151" name="CustomShape 3"/>
           <p:cNvSpPr/>
           <p:nvPr/>
         </p:nvSpPr>
         <p:spPr>
           <a:xfrm>
             <a:off x="4399200" y="9555480"/>
-            <a:ext cx="3364560" cy="494280"/>
+            <a:ext cx="3364200" cy="493920"/>
           </a:xfrm>
           <a:prstGeom prst="rect">
             <a:avLst/>
@@ -500,7 +501,7 @@
                 <a:spcPct val="100000"/>
               </a:lnSpc>
             </a:pPr>
-            <a:fld id="{43614119-A1EE-4C9D-A613-066869C54B6A}" type="slidenum">
+            <a:fld id="{8B5A766D-C7DA-45FE-B083-0949704A4CF3}" type="slidenum">
               <a:rPr b="0" lang="de-DE" sz="1800" spc="-1" strike="noStrike">
                 <a:solidFill>
                   <a:srgbClr val="000000"/>
@@ -508,7 +509,7 @@
                 <a:latin typeface="+mn-lt"/>
                 <a:ea typeface="+mn-ea"/>
               </a:rPr>
-              <a:t>8</a:t>
+              <a:t>&lt;number&gt;</a:t>
             </a:fld>
             <a:endParaRPr b="0" lang="en-US" sz="1800" spc="-1" strike="noStrike">
               <a:latin typeface="Arial"/>
@@ -540,7 +541,7 @@
       </p:grpSpPr>
       <p:sp>
         <p:nvSpPr>
-          <p:cNvPr id="150" name="PlaceHolder 1"/>
+          <p:cNvPr id="152" name="PlaceHolder 1"/>
           <p:cNvSpPr>
             <a:spLocks noGrp="1"/>
           </p:cNvSpPr>
@@ -551,16 +552,16 @@
         <p:spPr>
           <a:xfrm>
             <a:off x="533520" y="763560"/>
-            <a:ext cx="6695640" cy="3763800"/>
-          </a:xfrm>
-          <a:prstGeom prst="rect">
-            <a:avLst/>
-          </a:prstGeom>
-        </p:spPr>
-      </p:sp>
-      <p:sp>
-        <p:nvSpPr>
-          <p:cNvPr id="151" name="PlaceHolder 2"/>
+            <a:ext cx="6695280" cy="3763440"/>
+          </a:xfrm>
+          <a:prstGeom prst="rect">
+            <a:avLst/>
+          </a:prstGeom>
+        </p:spPr>
+      </p:sp>
+      <p:sp>
+        <p:nvSpPr>
+          <p:cNvPr id="153" name="PlaceHolder 2"/>
           <p:cNvSpPr>
             <a:spLocks noGrp="1"/>
           </p:cNvSpPr>
@@ -571,7 +572,7 @@
         <p:spPr>
           <a:xfrm>
             <a:off x="777240" y="4777560"/>
-            <a:ext cx="6209280" cy="4517640"/>
+            <a:ext cx="6208920" cy="4517280"/>
           </a:xfrm>
           <a:prstGeom prst="rect">
             <a:avLst/>
@@ -590,14 +591,14 @@
       </p:sp>
       <p:sp>
         <p:nvSpPr>
-          <p:cNvPr id="152" name="CustomShape 3"/>
+          <p:cNvPr id="154" name="CustomShape 3"/>
           <p:cNvSpPr/>
           <p:nvPr/>
         </p:nvSpPr>
         <p:spPr>
           <a:xfrm>
             <a:off x="4399200" y="9555480"/>
-            <a:ext cx="3364560" cy="494280"/>
+            <a:ext cx="3364200" cy="493920"/>
           </a:xfrm>
           <a:prstGeom prst="rect">
             <a:avLst/>
@@ -623,7 +624,7 @@
                 <a:spcPct val="100000"/>
               </a:lnSpc>
             </a:pPr>
-            <a:fld id="{7E1124FD-999C-48F9-818B-DC5913D536A9}" type="slidenum">
+            <a:fld id="{842A4DC3-3F7D-44E9-A589-19BA5D743226}" type="slidenum">
               <a:rPr b="0" lang="de-DE" sz="1800" spc="-1" strike="noStrike">
                 <a:solidFill>
                   <a:srgbClr val="000000"/>
@@ -631,7 +632,7 @@
                 <a:latin typeface="+mn-lt"/>
                 <a:ea typeface="+mn-ea"/>
               </a:rPr>
-              <a:t>8</a:t>
+              <a:t>&lt;number&gt;</a:t>
             </a:fld>
             <a:endParaRPr b="0" lang="en-US" sz="1800" spc="-1" strike="noStrike">
               <a:latin typeface="Arial"/>
@@ -663,7 +664,7 @@
       </p:grpSpPr>
       <p:sp>
         <p:nvSpPr>
-          <p:cNvPr id="153" name="PlaceHolder 1"/>
+          <p:cNvPr id="155" name="PlaceHolder 1"/>
           <p:cNvSpPr>
             <a:spLocks noGrp="1"/>
           </p:cNvSpPr>
@@ -674,16 +675,16 @@
         <p:spPr>
           <a:xfrm>
             <a:off x="533520" y="763560"/>
-            <a:ext cx="6695640" cy="3763800"/>
-          </a:xfrm>
-          <a:prstGeom prst="rect">
-            <a:avLst/>
-          </a:prstGeom>
-        </p:spPr>
-      </p:sp>
-      <p:sp>
-        <p:nvSpPr>
-          <p:cNvPr id="154" name="PlaceHolder 2"/>
+            <a:ext cx="6695280" cy="3763440"/>
+          </a:xfrm>
+          <a:prstGeom prst="rect">
+            <a:avLst/>
+          </a:prstGeom>
+        </p:spPr>
+      </p:sp>
+      <p:sp>
+        <p:nvSpPr>
+          <p:cNvPr id="156" name="PlaceHolder 2"/>
           <p:cNvSpPr>
             <a:spLocks noGrp="1"/>
           </p:cNvSpPr>
@@ -694,7 +695,7 @@
         <p:spPr>
           <a:xfrm>
             <a:off x="777240" y="4777560"/>
-            <a:ext cx="6209280" cy="4517640"/>
+            <a:ext cx="6208920" cy="4517280"/>
           </a:xfrm>
           <a:prstGeom prst="rect">
             <a:avLst/>
@@ -713,14 +714,14 @@
       </p:sp>
       <p:sp>
         <p:nvSpPr>
-          <p:cNvPr id="155" name="CustomShape 3"/>
+          <p:cNvPr id="157" name="CustomShape 3"/>
           <p:cNvSpPr/>
           <p:nvPr/>
         </p:nvSpPr>
         <p:spPr>
           <a:xfrm>
             <a:off x="4399200" y="9555480"/>
-            <a:ext cx="3364560" cy="494280"/>
+            <a:ext cx="3364200" cy="493920"/>
           </a:xfrm>
           <a:prstGeom prst="rect">
             <a:avLst/>
@@ -746,7 +747,7 @@
                 <a:spcPct val="100000"/>
               </a:lnSpc>
             </a:pPr>
-            <a:fld id="{9CFE7457-0593-4840-8895-4FC80073C5FA}" type="slidenum">
+            <a:fld id="{3749BCBD-4973-4906-A48D-F8626D8C0836}" type="slidenum">
               <a:rPr b="0" lang="de-DE" sz="1800" spc="-1" strike="noStrike">
                 <a:solidFill>
                   <a:srgbClr val="000000"/>
@@ -786,7 +787,7 @@
       </p:grpSpPr>
       <p:sp>
         <p:nvSpPr>
-          <p:cNvPr id="156" name="PlaceHolder 1"/>
+          <p:cNvPr id="158" name="PlaceHolder 1"/>
           <p:cNvSpPr>
             <a:spLocks noGrp="1"/>
           </p:cNvSpPr>
@@ -797,16 +798,16 @@
         <p:spPr>
           <a:xfrm>
             <a:off x="533520" y="763560"/>
-            <a:ext cx="6695640" cy="3763800"/>
-          </a:xfrm>
-          <a:prstGeom prst="rect">
-            <a:avLst/>
-          </a:prstGeom>
-        </p:spPr>
-      </p:sp>
-      <p:sp>
-        <p:nvSpPr>
-          <p:cNvPr id="157" name="PlaceHolder 2"/>
+            <a:ext cx="6695280" cy="3763440"/>
+          </a:xfrm>
+          <a:prstGeom prst="rect">
+            <a:avLst/>
+          </a:prstGeom>
+        </p:spPr>
+      </p:sp>
+      <p:sp>
+        <p:nvSpPr>
+          <p:cNvPr id="159" name="PlaceHolder 2"/>
           <p:cNvSpPr>
             <a:spLocks noGrp="1"/>
           </p:cNvSpPr>
@@ -817,7 +818,7 @@
         <p:spPr>
           <a:xfrm>
             <a:off x="777240" y="4777560"/>
-            <a:ext cx="6209280" cy="4517640"/>
+            <a:ext cx="6208920" cy="4517280"/>
           </a:xfrm>
           <a:prstGeom prst="rect">
             <a:avLst/>
@@ -836,14 +837,14 @@
       </p:sp>
       <p:sp>
         <p:nvSpPr>
-          <p:cNvPr id="158" name="CustomShape 3"/>
+          <p:cNvPr id="160" name="CustomShape 3"/>
           <p:cNvSpPr/>
           <p:nvPr/>
         </p:nvSpPr>
         <p:spPr>
           <a:xfrm>
             <a:off x="4399200" y="9555480"/>
-            <a:ext cx="3364560" cy="494280"/>
+            <a:ext cx="3364200" cy="493920"/>
           </a:xfrm>
           <a:prstGeom prst="rect">
             <a:avLst/>
@@ -869,7 +870,7 @@
                 <a:spcPct val="100000"/>
               </a:lnSpc>
             </a:pPr>
-            <a:fld id="{FE656139-ED73-43A6-AA0A-B939A8B66CEC}" type="slidenum">
+            <a:fld id="{74F3D403-F1E9-4453-A4F4-F470476A86C1}" type="slidenum">
               <a:rPr b="0" lang="de-DE" sz="1800" spc="-1" strike="noStrike">
                 <a:solidFill>
                   <a:srgbClr val="000000"/>
@@ -3635,7 +3636,7 @@
         <p:spPr>
           <a:xfrm>
             <a:off x="11444760" y="0"/>
-            <a:ext cx="742680" cy="6851520"/>
+            <a:ext cx="742320" cy="6851160"/>
           </a:xfrm>
           <a:prstGeom prst="rect">
             <a:avLst/>
@@ -3665,7 +3666,7 @@
         <p:spPr>
           <a:xfrm>
             <a:off x="11438640" y="6453360"/>
-            <a:ext cx="759600" cy="363960"/>
+            <a:ext cx="759240" cy="363960"/>
           </a:xfrm>
           <a:prstGeom prst="rect">
             <a:avLst/>
@@ -3691,7 +3692,7 @@
                 <a:spcPct val="100000"/>
               </a:lnSpc>
             </a:pPr>
-            <a:fld id="{E294221B-D5B9-41FE-82E9-9B413819E5EC}" type="slidenum">
+            <a:fld id="{45FAEB25-36C3-409F-8FA3-858EA52B074D}" type="slidenum">
               <a:rPr b="0" lang="en-US" sz="1800" spc="-1" strike="noStrike">
                 <a:solidFill>
                   <a:srgbClr val="808080"/>
@@ -3716,7 +3717,7 @@
         <p:spPr>
           <a:xfrm>
             <a:off x="912240" y="1268280"/>
-            <a:ext cx="9209520" cy="362880"/>
+            <a:ext cx="9209160" cy="362520"/>
           </a:xfrm>
           <a:prstGeom prst="rect">
             <a:avLst/>
@@ -3746,7 +3747,7 @@
         <p:spPr>
           <a:xfrm>
             <a:off x="0" y="0"/>
-            <a:ext cx="3053520" cy="563400"/>
+            <a:ext cx="3053160" cy="563040"/>
           </a:xfrm>
           <a:prstGeom prst="rect">
             <a:avLst/>
@@ -3769,7 +3770,7 @@
         <p:spPr>
           <a:xfrm>
             <a:off x="7430400" y="134640"/>
-            <a:ext cx="3699360" cy="515520"/>
+            <a:ext cx="3699000" cy="515160"/>
           </a:xfrm>
           <a:prstGeom prst="rect">
             <a:avLst/>
@@ -3788,7 +3789,7 @@
         <p:spPr>
           <a:xfrm>
             <a:off x="912240" y="1268280"/>
-            <a:ext cx="9209520" cy="362880"/>
+            <a:ext cx="9209160" cy="362520"/>
           </a:xfrm>
           <a:prstGeom prst="rect">
             <a:avLst/>
@@ -3814,7 +3815,7 @@
         <p:spPr>
           <a:xfrm>
             <a:off x="11444760" y="0"/>
-            <a:ext cx="742680" cy="6851520"/>
+            <a:ext cx="742320" cy="6851160"/>
           </a:xfrm>
           <a:prstGeom prst="rect">
             <a:avLst/>
@@ -3844,7 +3845,7 @@
         <p:spPr>
           <a:xfrm>
             <a:off x="0" y="6642720"/>
-            <a:ext cx="12185640" cy="211320"/>
+            <a:ext cx="12185280" cy="211320"/>
           </a:xfrm>
           <a:prstGeom prst="rect">
             <a:avLst/>
@@ -4155,7 +4156,7 @@
         <p:spPr>
           <a:xfrm>
             <a:off x="11444760" y="0"/>
-            <a:ext cx="742680" cy="6851520"/>
+            <a:ext cx="742320" cy="6851160"/>
           </a:xfrm>
           <a:prstGeom prst="rect">
             <a:avLst/>
@@ -4185,7 +4186,7 @@
         <p:spPr>
           <a:xfrm>
             <a:off x="11438640" y="6453360"/>
-            <a:ext cx="759600" cy="363960"/>
+            <a:ext cx="759240" cy="363960"/>
           </a:xfrm>
           <a:prstGeom prst="rect">
             <a:avLst/>
@@ -4211,7 +4212,7 @@
                 <a:spcPct val="100000"/>
               </a:lnSpc>
             </a:pPr>
-            <a:fld id="{DF6128A4-B24E-462B-8EE6-7624DA0DD893}" type="slidenum">
+            <a:fld id="{39C4D889-09C3-482F-AFC7-B479BA88DEF6}" type="slidenum">
               <a:rPr b="0" lang="en-US" sz="1800" spc="-1" strike="noStrike">
                 <a:solidFill>
                   <a:srgbClr val="808080"/>
@@ -4236,7 +4237,7 @@
         <p:spPr>
           <a:xfrm>
             <a:off x="912240" y="1268280"/>
-            <a:ext cx="9209520" cy="362880"/>
+            <a:ext cx="9209160" cy="362520"/>
           </a:xfrm>
           <a:prstGeom prst="rect">
             <a:avLst/>
@@ -4266,7 +4267,7 @@
         <p:spPr>
           <a:xfrm>
             <a:off x="0" y="0"/>
-            <a:ext cx="3053520" cy="563400"/>
+            <a:ext cx="3053160" cy="563040"/>
           </a:xfrm>
           <a:prstGeom prst="rect">
             <a:avLst/>
@@ -4289,7 +4290,7 @@
         <p:spPr>
           <a:xfrm>
             <a:off x="7430400" y="134640"/>
-            <a:ext cx="3699360" cy="515520"/>
+            <a:ext cx="3699000" cy="515160"/>
           </a:xfrm>
           <a:prstGeom prst="rect">
             <a:avLst/>
@@ -4308,7 +4309,7 @@
         <p:spPr>
           <a:xfrm>
             <a:off x="11444760" y="0"/>
-            <a:ext cx="742680" cy="6851520"/>
+            <a:ext cx="742320" cy="6851160"/>
           </a:xfrm>
           <a:prstGeom prst="rect">
             <a:avLst/>
@@ -4338,7 +4339,7 @@
         <p:spPr>
           <a:xfrm>
             <a:off x="11438640" y="6453360"/>
-            <a:ext cx="759600" cy="363960"/>
+            <a:ext cx="759240" cy="363960"/>
           </a:xfrm>
           <a:prstGeom prst="rect">
             <a:avLst/>
@@ -4364,7 +4365,7 @@
                 <a:spcPct val="100000"/>
               </a:lnSpc>
             </a:pPr>
-            <a:fld id="{C0BE9AD6-F7BA-4870-8910-8EB1C416D8AC}" type="slidenum">
+            <a:fld id="{26633E3B-1C47-4214-B58F-DEE30A0E8F48}" type="slidenum">
               <a:rPr b="0" lang="en-US" sz="1800" spc="-1" strike="noStrike">
                 <a:solidFill>
                   <a:srgbClr val="808080"/>
@@ -4389,7 +4390,7 @@
         <p:spPr>
           <a:xfrm>
             <a:off x="0" y="6642720"/>
-            <a:ext cx="12185640" cy="211320"/>
+            <a:ext cx="12185280" cy="211320"/>
           </a:xfrm>
           <a:prstGeom prst="rect">
             <a:avLst/>
@@ -4693,7 +4694,7 @@
         <p:spPr>
           <a:xfrm>
             <a:off x="527400" y="1412640"/>
-            <a:ext cx="10362600" cy="1149120"/>
+            <a:ext cx="10362240" cy="1148760"/>
           </a:xfrm>
           <a:prstGeom prst="rect">
             <a:avLst/>
@@ -4744,7 +4745,7 @@
         <p:spPr>
           <a:xfrm>
             <a:off x="527400" y="2852640"/>
-            <a:ext cx="10362600" cy="2369880"/>
+            <a:ext cx="10362240" cy="2369520"/>
           </a:xfrm>
           <a:prstGeom prst="rect">
             <a:avLst/>
@@ -4941,7 +4942,7 @@
         <p:spPr>
           <a:xfrm>
             <a:off x="335520" y="764640"/>
-            <a:ext cx="10746720" cy="497520"/>
+            <a:ext cx="10746360" cy="497160"/>
           </a:xfrm>
           <a:prstGeom prst="rect">
             <a:avLst/>
@@ -4992,7 +4993,7 @@
         <p:spPr>
           <a:xfrm>
             <a:off x="335520" y="1268280"/>
-            <a:ext cx="10746720" cy="5034240"/>
+            <a:ext cx="10746360" cy="5033880"/>
           </a:xfrm>
           <a:prstGeom prst="rect">
             <a:avLst/>
@@ -5013,7 +5014,7 @@
             <a:noAutofit/>
           </a:bodyPr>
           <a:p>
-            <a:pPr marL="195120" indent="-189360">
+            <a:pPr marL="195120" indent="-189000">
               <a:lnSpc>
                 <a:spcPct val="100000"/>
               </a:lnSpc>
@@ -5077,7 +5078,7 @@
             </a:endParaRPr>
           </a:p>
           <a:p>
-            <a:pPr marL="195120" indent="-189360">
+            <a:pPr marL="195120" indent="-189000">
               <a:lnSpc>
                 <a:spcPct val="100000"/>
               </a:lnSpc>
@@ -5106,7 +5107,7 @@
             </a:endParaRPr>
           </a:p>
           <a:p>
-            <a:pPr lvl="1" marL="432000" indent="-212040">
+            <a:pPr lvl="1" marL="432000" indent="-211680">
               <a:lnSpc>
                 <a:spcPct val="100000"/>
               </a:lnSpc>
@@ -5157,7 +5158,7 @@
             </a:endParaRPr>
           </a:p>
           <a:p>
-            <a:pPr lvl="1" marL="432000" indent="-212040">
+            <a:pPr lvl="1" marL="432000" indent="-211680">
               <a:lnSpc>
                 <a:spcPct val="100000"/>
               </a:lnSpc>
@@ -5221,7 +5222,7 @@
             </a:endParaRPr>
           </a:p>
           <a:p>
-            <a:pPr marL="195120" indent="-189360">
+            <a:pPr marL="195120" indent="-189000">
               <a:lnSpc>
                 <a:spcPct val="100000"/>
               </a:lnSpc>
@@ -5294,7 +5295,7 @@
             </a:endParaRPr>
           </a:p>
           <a:p>
-            <a:pPr lvl="1" marL="744120" indent="-281160">
+            <a:pPr lvl="1" marL="744120" indent="-280800">
               <a:lnSpc>
                 <a:spcPct val="100000"/>
               </a:lnSpc>
@@ -5336,7 +5337,7 @@
             </a:endParaRPr>
           </a:p>
           <a:p>
-            <a:pPr marL="195120" indent="-189360">
+            <a:pPr marL="195120" indent="-189000">
               <a:lnSpc>
                 <a:spcPct val="100000"/>
               </a:lnSpc>
@@ -5378,7 +5379,7 @@
             </a:endParaRPr>
           </a:p>
           <a:p>
-            <a:pPr marL="195120" indent="-189360" algn="ctr">
+            <a:pPr marL="195120" indent="-189000" algn="ctr">
               <a:lnSpc>
                 <a:spcPct val="100000"/>
               </a:lnSpc>
@@ -5500,7 +5501,7 @@
         <p:spPr>
           <a:xfrm>
             <a:off x="335520" y="764640"/>
-            <a:ext cx="10746720" cy="497520"/>
+            <a:ext cx="10746360" cy="497160"/>
           </a:xfrm>
           <a:prstGeom prst="rect">
             <a:avLst/>
@@ -5571,7 +5572,7 @@
         <p:spPr>
           <a:xfrm>
             <a:off x="335520" y="1268640"/>
-            <a:ext cx="10746720" cy="5034240"/>
+            <a:ext cx="10746360" cy="5033880"/>
           </a:xfrm>
           <a:prstGeom prst="rect">
             <a:avLst/>
@@ -5592,7 +5593,7 @@
             <a:noAutofit/>
           </a:bodyPr>
           <a:p>
-            <a:pPr marL="195120" indent="-189360">
+            <a:pPr marL="195120" indent="-189000">
               <a:lnSpc>
                 <a:spcPct val="100000"/>
               </a:lnSpc>
@@ -5632,7 +5633,7 @@
             </a:endParaRPr>
           </a:p>
           <a:p>
-            <a:pPr lvl="1" marL="432000" indent="-212040">
+            <a:pPr lvl="1" marL="432000" indent="-211680">
               <a:lnSpc>
                 <a:spcPct val="100000"/>
               </a:lnSpc>
@@ -5681,7 +5682,7 @@
             </a:endParaRPr>
           </a:p>
           <a:p>
-            <a:pPr lvl="1" marL="432000" indent="-212040">
+            <a:pPr lvl="1" marL="432000" indent="-211680">
               <a:lnSpc>
                 <a:spcPct val="100000"/>
               </a:lnSpc>
@@ -5723,7 +5724,7 @@
             </a:endParaRPr>
           </a:p>
           <a:p>
-            <a:pPr marL="195120" indent="-189360">
+            <a:pPr marL="195120" indent="-189000">
               <a:lnSpc>
                 <a:spcPct val="100000"/>
               </a:lnSpc>
@@ -5753,7 +5754,7 @@
             </a:endParaRPr>
           </a:p>
           <a:p>
-            <a:pPr lvl="1" marL="432000" indent="-212040">
+            <a:pPr lvl="1" marL="432000" indent="-211680">
               <a:lnSpc>
                 <a:spcPct val="100000"/>
               </a:lnSpc>
@@ -5842,7 +5843,7 @@
             </a:endParaRPr>
           </a:p>
           <a:p>
-            <a:pPr lvl="1" marL="432000" indent="-212040">
+            <a:pPr lvl="1" marL="432000" indent="-211680">
               <a:lnSpc>
                 <a:spcPct val="100000"/>
               </a:lnSpc>
@@ -5893,7 +5894,7 @@
             </a:endParaRPr>
           </a:p>
           <a:p>
-            <a:pPr marL="195120" indent="-189360">
+            <a:pPr marL="195120" indent="-189000">
               <a:lnSpc>
                 <a:spcPct val="100000"/>
               </a:lnSpc>
@@ -5923,7 +5924,7 @@
             </a:endParaRPr>
           </a:p>
           <a:p>
-            <a:pPr lvl="1" marL="432000" indent="-212040">
+            <a:pPr lvl="1" marL="432000" indent="-211680">
               <a:lnSpc>
                 <a:spcPct val="100000"/>
               </a:lnSpc>
@@ -6032,7 +6033,7 @@
             </a:endParaRPr>
           </a:p>
           <a:p>
-            <a:pPr lvl="1" marL="432000" indent="-212040">
+            <a:pPr lvl="1" marL="432000" indent="-211680">
               <a:lnSpc>
                 <a:spcPct val="100000"/>
               </a:lnSpc>
@@ -6123,7 +6124,7 @@
         <p:spPr>
           <a:xfrm>
             <a:off x="335520" y="764640"/>
-            <a:ext cx="10746720" cy="497520"/>
+            <a:ext cx="10746360" cy="497160"/>
           </a:xfrm>
           <a:prstGeom prst="rect">
             <a:avLst/>
@@ -6174,7 +6175,7 @@
         <p:spPr>
           <a:xfrm>
             <a:off x="335520" y="1268280"/>
-            <a:ext cx="10746720" cy="5034240"/>
+            <a:ext cx="10746360" cy="5033880"/>
           </a:xfrm>
           <a:prstGeom prst="rect">
             <a:avLst/>
@@ -6218,7 +6219,7 @@
             </a:endParaRPr>
           </a:p>
           <a:p>
-            <a:pPr marL="195120" indent="-189360">
+            <a:pPr marL="195120" indent="-189000">
               <a:lnSpc>
                 <a:spcPct val="100000"/>
               </a:lnSpc>
@@ -6287,7 +6288,7 @@
             </a:endParaRPr>
           </a:p>
           <a:p>
-            <a:pPr marL="195120" indent="-189360">
+            <a:pPr marL="195120" indent="-189000">
               <a:lnSpc>
                 <a:spcPct val="100000"/>
               </a:lnSpc>
@@ -6346,7 +6347,7 @@
             </a:endParaRPr>
           </a:p>
           <a:p>
-            <a:pPr marL="195120" indent="-189360">
+            <a:pPr marL="195120" indent="-189000">
               <a:lnSpc>
                 <a:spcPct val="100000"/>
               </a:lnSpc>
@@ -6375,7 +6376,7 @@
             </a:endParaRPr>
           </a:p>
           <a:p>
-            <a:pPr marL="195120" indent="-189360">
+            <a:pPr marL="195120" indent="-189000">
               <a:lnSpc>
                 <a:spcPct val="100000"/>
               </a:lnSpc>
@@ -6404,7 +6405,7 @@
             </a:endParaRPr>
           </a:p>
           <a:p>
-            <a:pPr marL="195120" indent="-189360">
+            <a:pPr marL="195120" indent="-189000">
               <a:lnSpc>
                 <a:spcPct val="100000"/>
               </a:lnSpc>
@@ -6673,7 +6674,7 @@
         <p:spPr>
           <a:xfrm>
             <a:off x="335520" y="764640"/>
-            <a:ext cx="10746720" cy="497520"/>
+            <a:ext cx="10746360" cy="497160"/>
           </a:xfrm>
           <a:prstGeom prst="rect">
             <a:avLst/>
@@ -6724,7 +6725,7 @@
         <p:spPr>
           <a:xfrm>
             <a:off x="335520" y="1268280"/>
-            <a:ext cx="10746720" cy="5034240"/>
+            <a:ext cx="10746360" cy="5033880"/>
           </a:xfrm>
           <a:prstGeom prst="rect">
             <a:avLst/>
@@ -6768,7 +6769,7 @@
             </a:endParaRPr>
           </a:p>
           <a:p>
-            <a:pPr marL="195120" indent="-189360">
+            <a:pPr marL="195120" indent="-189000">
               <a:lnSpc>
                 <a:spcPct val="100000"/>
               </a:lnSpc>
@@ -6837,7 +6838,7 @@
             </a:endParaRPr>
           </a:p>
           <a:p>
-            <a:pPr marL="195120" indent="-189360">
+            <a:pPr marL="195120" indent="-189000">
               <a:lnSpc>
                 <a:spcPct val="100000"/>
               </a:lnSpc>
@@ -6896,7 +6897,7 @@
             </a:endParaRPr>
           </a:p>
           <a:p>
-            <a:pPr marL="195120" indent="-189360">
+            <a:pPr marL="195120" indent="-189000">
               <a:lnSpc>
                 <a:spcPct val="100000"/>
               </a:lnSpc>
@@ -6925,7 +6926,7 @@
             </a:endParaRPr>
           </a:p>
           <a:p>
-            <a:pPr marL="195120" indent="-189360">
+            <a:pPr marL="195120" indent="-189000">
               <a:lnSpc>
                 <a:spcPct val="100000"/>
               </a:lnSpc>
@@ -6954,7 +6955,7 @@
             </a:endParaRPr>
           </a:p>
           <a:p>
-            <a:pPr marL="195120" indent="-189360">
+            <a:pPr marL="195120" indent="-189000">
               <a:lnSpc>
                 <a:spcPct val="100000"/>
               </a:lnSpc>
@@ -6996,7 +6997,7 @@
             </a:endParaRPr>
           </a:p>
           <a:p>
-            <a:pPr marL="195120" indent="-189360">
+            <a:pPr marL="195120" indent="-189000">
               <a:lnSpc>
                 <a:spcPct val="100000"/>
               </a:lnSpc>
@@ -7025,7 +7026,7 @@
             </a:endParaRPr>
           </a:p>
           <a:p>
-            <a:pPr lvl="1" marL="744120" indent="-281160">
+            <a:pPr lvl="1" marL="744120" indent="-280800">
               <a:lnSpc>
                 <a:spcPct val="100000"/>
               </a:lnSpc>
@@ -7054,7 +7055,7 @@
             </a:endParaRPr>
           </a:p>
           <a:p>
-            <a:pPr lvl="1" marL="744120" indent="-281160">
+            <a:pPr lvl="1" marL="744120" indent="-280800">
               <a:lnSpc>
                 <a:spcPct val="100000"/>
               </a:lnSpc>
@@ -7083,7 +7084,7 @@
             </a:endParaRPr>
           </a:p>
           <a:p>
-            <a:pPr lvl="1" marL="744120" indent="-281160">
+            <a:pPr lvl="1" marL="744120" indent="-280800">
               <a:lnSpc>
                 <a:spcPct val="100000"/>
               </a:lnSpc>
@@ -7112,7 +7113,7 @@
             </a:endParaRPr>
           </a:p>
           <a:p>
-            <a:pPr lvl="1" marL="744120" indent="-281160">
+            <a:pPr lvl="1" marL="744120" indent="-280800">
               <a:lnSpc>
                 <a:spcPct val="100000"/>
               </a:lnSpc>
@@ -7141,7 +7142,7 @@
             </a:endParaRPr>
           </a:p>
           <a:p>
-            <a:pPr lvl="1" marL="744120" indent="-281160">
+            <a:pPr lvl="1" marL="744120" indent="-280800">
               <a:lnSpc>
                 <a:spcPct val="100000"/>
               </a:lnSpc>
@@ -7259,7 +7260,7 @@
         <p:spPr>
           <a:xfrm>
             <a:off x="335520" y="764640"/>
-            <a:ext cx="10746720" cy="497520"/>
+            <a:ext cx="10746360" cy="497160"/>
           </a:xfrm>
           <a:prstGeom prst="rect">
             <a:avLst/>
@@ -7310,7 +7311,7 @@
         <p:spPr>
           <a:xfrm>
             <a:off x="335520" y="1268640"/>
-            <a:ext cx="10746720" cy="5034240"/>
+            <a:ext cx="10746360" cy="5033880"/>
           </a:xfrm>
           <a:prstGeom prst="rect">
             <a:avLst/>
@@ -7331,7 +7332,7 @@
             <a:noAutofit/>
           </a:bodyPr>
           <a:p>
-            <a:pPr marL="195120" indent="-189360">
+            <a:pPr marL="195120" indent="-189000">
               <a:lnSpc>
                 <a:spcPct val="100000"/>
               </a:lnSpc>
@@ -7360,7 +7361,7 @@
             </a:endParaRPr>
           </a:p>
           <a:p>
-            <a:pPr lvl="1" marL="744120" indent="-281160">
+            <a:pPr lvl="1" marL="744120" indent="-280800">
               <a:lnSpc>
                 <a:spcPct val="100000"/>
               </a:lnSpc>
@@ -7402,7 +7403,7 @@
             </a:endParaRPr>
           </a:p>
           <a:p>
-            <a:pPr marL="195120" indent="-189360">
+            <a:pPr marL="195120" indent="-189000">
               <a:lnSpc>
                 <a:spcPct val="100000"/>
               </a:lnSpc>
@@ -7431,7 +7432,7 @@
             </a:endParaRPr>
           </a:p>
           <a:p>
-            <a:pPr lvl="1" marL="744120" indent="-281160">
+            <a:pPr lvl="1" marL="744120" indent="-280800">
               <a:lnSpc>
                 <a:spcPct val="100000"/>
               </a:lnSpc>
@@ -7460,7 +7461,7 @@
             </a:endParaRPr>
           </a:p>
           <a:p>
-            <a:pPr lvl="1" marL="744120" indent="-281160">
+            <a:pPr lvl="1" marL="744120" indent="-280800">
               <a:lnSpc>
                 <a:spcPct val="100000"/>
               </a:lnSpc>
@@ -7509,7 +7510,7 @@
             </a:endParaRPr>
           </a:p>
           <a:p>
-            <a:pPr lvl="1" marL="744120" indent="-281160">
+            <a:pPr lvl="1" marL="744120" indent="-280800">
               <a:lnSpc>
                 <a:spcPct val="100000"/>
               </a:lnSpc>
@@ -7578,7 +7579,7 @@
         <p:spPr>
           <a:xfrm>
             <a:off x="335520" y="764640"/>
-            <a:ext cx="10746720" cy="497520"/>
+            <a:ext cx="10746360" cy="497160"/>
           </a:xfrm>
           <a:prstGeom prst="rect">
             <a:avLst/>
@@ -7629,7 +7630,7 @@
         <p:spPr>
           <a:xfrm>
             <a:off x="335520" y="1268280"/>
-            <a:ext cx="10746720" cy="5034240"/>
+            <a:ext cx="10746360" cy="5033880"/>
           </a:xfrm>
           <a:prstGeom prst="rect">
             <a:avLst/>
@@ -7663,7 +7664,7 @@
             </a:endParaRPr>
           </a:p>
           <a:p>
-            <a:pPr marL="195120" indent="-189360">
+            <a:pPr marL="195120" indent="-189000">
               <a:lnSpc>
                 <a:spcPct val="100000"/>
               </a:lnSpc>
@@ -7719,7 +7720,7 @@
         <p:spPr>
           <a:xfrm>
             <a:off x="6285600" y="2132640"/>
-            <a:ext cx="516240" cy="496080"/>
+            <a:ext cx="515880" cy="495720"/>
           </a:xfrm>
           <a:prstGeom prst="star5">
             <a:avLst>
@@ -7761,7 +7762,7 @@
         <p:spPr>
           <a:xfrm>
             <a:off x="4089960" y="2247480"/>
-            <a:ext cx="2284560" cy="363960"/>
+            <a:ext cx="2284200" cy="363960"/>
           </a:xfrm>
           <a:prstGeom prst="rect">
             <a:avLst/>
@@ -7862,7 +7863,7 @@
         <p:spPr>
           <a:xfrm>
             <a:off x="335520" y="764640"/>
-            <a:ext cx="10746720" cy="497520"/>
+            <a:ext cx="10746360" cy="497160"/>
           </a:xfrm>
           <a:prstGeom prst="rect">
             <a:avLst/>
@@ -7913,7 +7914,7 @@
         <p:spPr>
           <a:xfrm>
             <a:off x="335520" y="1268640"/>
-            <a:ext cx="10746720" cy="5034240"/>
+            <a:ext cx="10746360" cy="5033880"/>
           </a:xfrm>
           <a:prstGeom prst="rect">
             <a:avLst/>
@@ -7934,7 +7935,7 @@
             <a:noAutofit/>
           </a:bodyPr>
           <a:p>
-            <a:pPr marL="195120" indent="-189360">
+            <a:pPr marL="195120" indent="-189000">
               <a:lnSpc>
                 <a:spcPct val="100000"/>
               </a:lnSpc>
@@ -7996,7 +7997,7 @@
             </a:endParaRPr>
           </a:p>
           <a:p>
-            <a:pPr marL="195120" indent="-189360">
+            <a:pPr marL="195120" indent="-189000">
               <a:lnSpc>
                 <a:spcPct val="100000"/>
               </a:lnSpc>
@@ -8045,7 +8046,7 @@
             </a:endParaRPr>
           </a:p>
           <a:p>
-            <a:pPr marL="195120" indent="-189360">
+            <a:pPr marL="195120" indent="-189000">
               <a:lnSpc>
                 <a:spcPct val="100000"/>
               </a:lnSpc>
@@ -8094,7 +8095,7 @@
             </a:endParaRPr>
           </a:p>
           <a:p>
-            <a:pPr marL="195120" indent="-189360">
+            <a:pPr marL="195120" indent="-189000">
               <a:lnSpc>
                 <a:spcPct val="100000"/>
               </a:lnSpc>
@@ -8143,7 +8144,7 @@
             </a:endParaRPr>
           </a:p>
           <a:p>
-            <a:pPr marL="195120" indent="-189360">
+            <a:pPr marL="195120" indent="-189000">
               <a:lnSpc>
                 <a:spcPct val="100000"/>
               </a:lnSpc>
@@ -8192,7 +8193,7 @@
             </a:endParaRPr>
           </a:p>
           <a:p>
-            <a:pPr marL="195120" indent="-189360">
+            <a:pPr marL="195120" indent="-189000">
               <a:lnSpc>
                 <a:spcPct val="100000"/>
               </a:lnSpc>
@@ -8241,7 +8242,7 @@
             </a:endParaRPr>
           </a:p>
           <a:p>
-            <a:pPr marL="195120" indent="-189360">
+            <a:pPr marL="195120" indent="-189000">
               <a:lnSpc>
                 <a:spcPct val="100000"/>
               </a:lnSpc>
@@ -8290,7 +8291,7 @@
             </a:endParaRPr>
           </a:p>
           <a:p>
-            <a:pPr marL="195120" indent="-189360">
+            <a:pPr marL="195120" indent="-189000">
               <a:lnSpc>
                 <a:spcPct val="100000"/>
               </a:lnSpc>
@@ -8339,7 +8340,7 @@
             </a:endParaRPr>
           </a:p>
           <a:p>
-            <a:pPr marL="195120" indent="-189360">
+            <a:pPr marL="195120" indent="-189000">
               <a:lnSpc>
                 <a:spcPct val="100000"/>
               </a:lnSpc>
@@ -8388,7 +8389,7 @@
             </a:endParaRPr>
           </a:p>
           <a:p>
-            <a:pPr marL="195120" indent="-189360">
+            <a:pPr marL="195120" indent="-189000">
               <a:lnSpc>
                 <a:spcPct val="100000"/>
               </a:lnSpc>
@@ -8477,7 +8478,7 @@
         <p:spPr>
           <a:xfrm>
             <a:off x="335520" y="764640"/>
-            <a:ext cx="10746720" cy="497520"/>
+            <a:ext cx="10746360" cy="497160"/>
           </a:xfrm>
           <a:prstGeom prst="rect">
             <a:avLst/>
@@ -8511,7 +8512,7 @@
                 <a:latin typeface="DejaVu Sans"/>
                 <a:ea typeface="DejaVu Sans"/>
               </a:rPr>
-              <a:t>Further Resources </a:t>
+              <a:t>Literature</a:t>
             </a:r>
             <a:endParaRPr b="0" lang="en-US" sz="2400" spc="-1" strike="noStrike">
               <a:latin typeface="Arial"/>
@@ -8528,7 +8529,7 @@
         <p:spPr>
           <a:xfrm>
             <a:off x="335520" y="1268640"/>
-            <a:ext cx="10743480" cy="5031000"/>
+            <a:ext cx="10746360" cy="5033880"/>
           </a:xfrm>
           <a:prstGeom prst="rect">
             <a:avLst/>
@@ -8549,7 +8550,7 @@
             <a:noAutofit/>
           </a:bodyPr>
           <a:p>
-            <a:pPr marL="195120" indent="-189360">
+            <a:pPr marL="195120" indent="-189000">
               <a:lnSpc>
                 <a:spcPct val="100000"/>
               </a:lnSpc>
@@ -8571,26 +8572,34 @@
                 <a:latin typeface="DejaVu Sans"/>
                 <a:ea typeface="DejaVu Sans"/>
               </a:rPr>
-              <a:t>Climate University – Teaching and learning for a sustainable future – </a:t>
-            </a:r>
-            <a:r>
-              <a:rPr b="0" lang="en-US" sz="1800" spc="-1" strike="noStrike" u="sng">
-                <a:solidFill>
-                  <a:srgbClr val="0000ff"/>
-                </a:solidFill>
-                <a:uFillTx/>
-                <a:latin typeface="DejaVu Sans"/>
-                <a:ea typeface="DejaVu Sans"/>
-                <a:hlinkClick r:id="rId1"/>
-              </a:rPr>
-              <a:t>Link</a:t>
-            </a:r>
-            <a:endParaRPr b="0" lang="en-US" sz="1800" spc="-1" strike="noStrike">
-              <a:latin typeface="Arial"/>
-            </a:endParaRPr>
-          </a:p>
-          <a:p>
-            <a:pPr marL="195120" indent="-189360">
+              <a:t>(German) Stefan Rahmstorf, Hans Joachim Schellnhuber. </a:t>
+            </a:r>
+            <a:r>
+              <a:rPr b="0" i="1" lang="en-US" sz="1800" spc="-1" strike="noStrike">
+                <a:solidFill>
+                  <a:srgbClr val="000000"/>
+                </a:solidFill>
+                <a:latin typeface="DejaVu Sans"/>
+                <a:ea typeface="DejaVu Sans"/>
+              </a:rPr>
+              <a:t>Der Klimawandel</a:t>
+            </a:r>
+            <a:r>
+              <a:rPr b="0" lang="en-US" sz="1800" spc="-1" strike="noStrike">
+                <a:solidFill>
+                  <a:srgbClr val="000000"/>
+                </a:solidFill>
+                <a:latin typeface="DejaVu Sans"/>
+                <a:ea typeface="DejaVu Sans"/>
+              </a:rPr>
+              <a:t> (2019).</a:t>
+            </a:r>
+            <a:endParaRPr b="0" lang="en-US" sz="1800" spc="-1" strike="noStrike">
+              <a:latin typeface="Arial"/>
+            </a:endParaRPr>
+          </a:p>
+          <a:p>
+            <a:pPr marL="195120" indent="-189000">
               <a:lnSpc>
                 <a:spcPct val="100000"/>
               </a:lnSpc>
@@ -8612,19 +8621,17 @@
                 <a:latin typeface="DejaVu Sans"/>
                 <a:ea typeface="DejaVu Sans"/>
               </a:rPr>
-              <a:t>Circular Societies (German) – </a:t>
-            </a:r>
-            <a:r>
-              <a:rPr b="0" lang="en-US" sz="1800" spc="-1" strike="noStrike" u="sng">
-                <a:solidFill>
-                  <a:srgbClr val="0000ff"/>
-                </a:solidFill>
-                <a:uFillTx/>
-                <a:latin typeface="DejaVu Sans"/>
-                <a:ea typeface="DejaVu Sans"/>
-                <a:hlinkClick r:id="rId2"/>
-              </a:rPr>
-              <a:t>Link</a:t>
+              <a:t>David Archer, Stefan Rahmstorf. </a:t>
+            </a:r>
+            <a:r>
+              <a:rPr b="0" i="1" lang="en-US" sz="1800" spc="-1" strike="noStrike">
+                <a:solidFill>
+                  <a:srgbClr val="000000"/>
+                </a:solidFill>
+                <a:latin typeface="DejaVu Sans"/>
+                <a:ea typeface="DejaVu Sans"/>
+              </a:rPr>
+              <a:t>The Climate Crisis</a:t>
             </a:r>
             <a:r>
               <a:rPr b="0" lang="en-US" sz="1800" spc="-1" strike="noStrike">
@@ -8634,14 +8641,14 @@
                 <a:latin typeface="DejaVu Sans"/>
                 <a:ea typeface="DejaVu Sans"/>
               </a:rPr>
-              <a:t> </a:t>
-            </a:r>
-            <a:endParaRPr b="0" lang="en-US" sz="1800" spc="-1" strike="noStrike">
-              <a:latin typeface="Arial"/>
-            </a:endParaRPr>
-          </a:p>
-          <a:p>
-            <a:pPr marL="195120" indent="-189360">
+              <a:t> (2010).</a:t>
+            </a:r>
+            <a:endParaRPr b="0" lang="en-US" sz="1800" spc="-1" strike="noStrike">
+              <a:latin typeface="Arial"/>
+            </a:endParaRPr>
+          </a:p>
+          <a:p>
+            <a:pPr marL="195120" indent="-189000">
               <a:lnSpc>
                 <a:spcPct val="100000"/>
               </a:lnSpc>
@@ -8663,52 +8670,18 @@
                 <a:latin typeface="DejaVu Sans"/>
                 <a:ea typeface="DejaVu Sans"/>
               </a:rPr>
-              <a:t>Server Infrastructure for a Global Rebellion – </a:t>
-            </a:r>
-            <a:r>
-              <a:rPr b="0" lang="en-US" sz="1800" spc="-1" strike="noStrike" u="sng">
-                <a:solidFill>
-                  <a:srgbClr val="0000ff"/>
-                </a:solidFill>
-                <a:uFillTx/>
-                <a:latin typeface="DejaVu Sans"/>
-                <a:ea typeface="DejaVu Sans"/>
-                <a:hlinkClick r:id="rId3"/>
-              </a:rPr>
-              <a:t>Link</a:t>
-            </a:r>
-            <a:endParaRPr b="0" lang="en-US" sz="1800" spc="-1" strike="noStrike">
-              <a:latin typeface="Arial"/>
-            </a:endParaRPr>
-          </a:p>
-          <a:p>
-            <a:pPr>
-              <a:lnSpc>
-                <a:spcPct val="100000"/>
-              </a:lnSpc>
-              <a:spcBef>
-                <a:spcPts val="360"/>
-              </a:spcBef>
-            </a:pPr>
-            <a:endParaRPr b="0" lang="en-US" sz="1800" spc="-1" strike="noStrike">
-              <a:latin typeface="Arial"/>
-            </a:endParaRPr>
-          </a:p>
-          <a:p>
-            <a:pPr marL="195120" indent="-189360">
-              <a:lnSpc>
-                <a:spcPct val="100000"/>
-              </a:lnSpc>
-              <a:spcBef>
-                <a:spcPts val="360"/>
-              </a:spcBef>
-              <a:buClr>
-                <a:srgbClr val="008c4f"/>
-              </a:buClr>
-              <a:buSzPct val="80000"/>
-              <a:buFont typeface="Wingdings" charset="2"/>
-              <a:buChar char=""/>
-            </a:pPr>
+              <a:t>Gabrielle Walker, David King. </a:t>
+            </a:r>
+            <a:r>
+              <a:rPr b="0" i="1" lang="en-US" sz="1800" spc="-1" strike="noStrike">
+                <a:solidFill>
+                  <a:srgbClr val="000000"/>
+                </a:solidFill>
+                <a:latin typeface="DejaVu Sans"/>
+                <a:ea typeface="DejaVu Sans"/>
+              </a:rPr>
+              <a:t>The Hot Topic: How to Tackle Global Warming and Still Keep the Lights on</a:t>
+            </a:r>
             <a:r>
               <a:rPr b="0" lang="en-US" sz="1800" spc="-1" strike="noStrike">
                 <a:solidFill>
@@ -8717,157 +8690,7 @@
                 <a:latin typeface="DejaVu Sans"/>
                 <a:ea typeface="DejaVu Sans"/>
               </a:rPr>
-              <a:t>Podcasts:</a:t>
-            </a:r>
-            <a:endParaRPr b="0" lang="en-US" sz="1800" spc="-1" strike="noStrike">
-              <a:latin typeface="Arial"/>
-            </a:endParaRPr>
-          </a:p>
-          <a:p>
-            <a:pPr lvl="1" marL="432000" indent="-215640">
-              <a:lnSpc>
-                <a:spcPct val="100000"/>
-              </a:lnSpc>
-              <a:buClr>
-                <a:srgbClr val="008c4f"/>
-              </a:buClr>
-              <a:buSzPct val="45000"/>
-              <a:buFont typeface="OpenSymbol"/>
-              <a:buChar char="—"/>
-            </a:pPr>
-            <a:r>
-              <a:rPr b="0" lang="en-US" sz="1800" spc="-1" strike="noStrike">
-                <a:solidFill>
-                  <a:srgbClr val="000000"/>
-                </a:solidFill>
-                <a:latin typeface="DejaVu Sans"/>
-                <a:ea typeface="DejaVu Sans"/>
-              </a:rPr>
-              <a:t>Drilled (</a:t>
-            </a:r>
-            <a:r>
-              <a:rPr b="0" lang="en-US" sz="1800" spc="-1" strike="noStrike" u="sng">
-                <a:solidFill>
-                  <a:srgbClr val="0000ff"/>
-                </a:solidFill>
-                <a:uFillTx/>
-                <a:latin typeface="DejaVu Sans"/>
-                <a:ea typeface="DejaVu Sans"/>
-                <a:hlinkClick r:id="rId4"/>
-              </a:rPr>
-              <a:t>Link</a:t>
-            </a:r>
-            <a:r>
-              <a:rPr b="0" lang="en-US" sz="1800" spc="-1" strike="noStrike">
-                <a:solidFill>
-                  <a:srgbClr val="000000"/>
-                </a:solidFill>
-                <a:latin typeface="DejaVu Sans"/>
-                <a:ea typeface="DejaVu Sans"/>
-              </a:rPr>
-              <a:t>)</a:t>
-            </a:r>
-            <a:endParaRPr b="0" lang="en-US" sz="1800" spc="-1" strike="noStrike">
-              <a:latin typeface="Arial"/>
-            </a:endParaRPr>
-          </a:p>
-          <a:p>
-            <a:pPr lvl="1" marL="432000" indent="-215640">
-              <a:lnSpc>
-                <a:spcPct val="100000"/>
-              </a:lnSpc>
-              <a:spcBef>
-                <a:spcPts val="360"/>
-              </a:spcBef>
-              <a:buClr>
-                <a:srgbClr val="008c4f"/>
-              </a:buClr>
-              <a:buSzPct val="45000"/>
-              <a:buFont typeface="OpenSymbol"/>
-              <a:buChar char="—"/>
-            </a:pPr>
-            <a:r>
-              <a:rPr b="0" lang="en-US" sz="1800" spc="-1" strike="noStrike">
-                <a:solidFill>
-                  <a:srgbClr val="000000"/>
-                </a:solidFill>
-                <a:latin typeface="DejaVu Sans"/>
-                <a:ea typeface="DejaVu Sans"/>
-              </a:rPr>
-              <a:t>How to Save a Planet (</a:t>
-            </a:r>
-            <a:r>
-              <a:rPr b="0" lang="en-US" sz="1800" spc="-1" strike="noStrike" u="sng">
-                <a:solidFill>
-                  <a:srgbClr val="0000ff"/>
-                </a:solidFill>
-                <a:uFillTx/>
-                <a:latin typeface="DejaVu Sans"/>
-                <a:ea typeface="DejaVu Sans"/>
-                <a:hlinkClick r:id="rId5"/>
-              </a:rPr>
-              <a:t>Link</a:t>
-            </a:r>
-            <a:r>
-              <a:rPr b="0" lang="en-US" sz="1800" spc="-1" strike="noStrike">
-                <a:solidFill>
-                  <a:srgbClr val="000000"/>
-                </a:solidFill>
-                <a:latin typeface="DejaVu Sans"/>
-                <a:ea typeface="DejaVu Sans"/>
-              </a:rPr>
-              <a:t>)</a:t>
-            </a:r>
-            <a:endParaRPr b="0" lang="en-US" sz="1800" spc="-1" strike="noStrike">
-              <a:latin typeface="Arial"/>
-            </a:endParaRPr>
-          </a:p>
-          <a:p>
-            <a:pPr lvl="1" marL="432000" indent="-215640">
-              <a:lnSpc>
-                <a:spcPct val="100000"/>
-              </a:lnSpc>
-              <a:spcBef>
-                <a:spcPts val="360"/>
-              </a:spcBef>
-              <a:buClr>
-                <a:srgbClr val="008c4f"/>
-              </a:buClr>
-              <a:buSzPct val="45000"/>
-              <a:buFont typeface="OpenSymbol"/>
-              <a:buChar char="—"/>
-            </a:pPr>
-            <a:r>
-              <a:rPr b="0" lang="en-US" sz="1800" spc="-1" strike="noStrike">
-                <a:solidFill>
-                  <a:srgbClr val="000000"/>
-                </a:solidFill>
-                <a:latin typeface="DejaVu Sans"/>
-                <a:ea typeface="DejaVu Sans"/>
-              </a:rPr>
-              <a:t>1,5 Grad – der Klima-Podcast mit Luisa Neubauer (German) (</a:t>
-            </a:r>
-            <a:r>
-              <a:rPr b="0" lang="en-US" sz="1800" spc="-1" strike="noStrike" u="sng">
-                <a:solidFill>
-                  <a:srgbClr val="0000ff"/>
-                </a:solidFill>
-                <a:uFillTx/>
-                <a:latin typeface="DejaVu Sans"/>
-                <a:ea typeface="DejaVu Sans"/>
-                <a:hlinkClick r:id="rId6"/>
-              </a:rPr>
-              <a:t>Link</a:t>
-            </a:r>
-            <a:r>
-              <a:rPr b="0" lang="en-US" sz="1800" spc="-1" strike="noStrike">
-                <a:solidFill>
-                  <a:srgbClr val="000000"/>
-                </a:solidFill>
-                <a:latin typeface="DejaVu Sans"/>
-                <a:ea typeface="DejaVu Sans"/>
-              </a:rPr>
-              <a:t>)</a:t>
+              <a:t> (2008).</a:t>
             </a:r>
             <a:endParaRPr b="0" lang="en-US" sz="1800" spc="-1" strike="noStrike">
               <a:latin typeface="Arial"/>
@@ -8913,8 +8736,8 @@
         </p:nvSpPr>
         <p:spPr>
           <a:xfrm>
-            <a:off x="335520" y="1268640"/>
-            <a:ext cx="10746720" cy="5034240"/>
+            <a:off x="335520" y="764640"/>
+            <a:ext cx="10746360" cy="497160"/>
           </a:xfrm>
           <a:prstGeom prst="rect">
             <a:avLst/>
@@ -8931,6 +8754,443 @@
           <a:fontRef idx="minor"/>
         </p:style>
         <p:txBody>
+          <a:bodyPr lIns="90000" rIns="90000" tIns="45000" bIns="45000">
+            <a:noAutofit/>
+          </a:bodyPr>
+          <a:p>
+            <a:pPr>
+              <a:lnSpc>
+                <a:spcPct val="100000"/>
+              </a:lnSpc>
+            </a:pPr>
+            <a:r>
+              <a:rPr b="1" lang="en-US" sz="2400" spc="-1" strike="noStrike">
+                <a:solidFill>
+                  <a:srgbClr val="000000"/>
+                </a:solidFill>
+                <a:latin typeface="DejaVu Sans"/>
+                <a:ea typeface="DejaVu Sans"/>
+              </a:rPr>
+              <a:t>Further Resources </a:t>
+            </a:r>
+            <a:endParaRPr b="0" lang="en-US" sz="2400" spc="-1" strike="noStrike">
+              <a:latin typeface="Arial"/>
+            </a:endParaRPr>
+          </a:p>
+        </p:txBody>
+      </p:sp>
+      <p:sp>
+        <p:nvSpPr>
+          <p:cNvPr id="143" name="CustomShape 2"/>
+          <p:cNvSpPr/>
+          <p:nvPr/>
+        </p:nvSpPr>
+        <p:spPr>
+          <a:xfrm>
+            <a:off x="335520" y="1268640"/>
+            <a:ext cx="10743120" cy="5030640"/>
+          </a:xfrm>
+          <a:prstGeom prst="rect">
+            <a:avLst/>
+          </a:prstGeom>
+          <a:noFill/>
+          <a:ln>
+            <a:noFill/>
+          </a:ln>
+        </p:spPr>
+        <p:style>
+          <a:lnRef idx="0"/>
+          <a:fillRef idx="0"/>
+          <a:effectRef idx="0"/>
+          <a:fontRef idx="minor"/>
+        </p:style>
+        <p:txBody>
+          <a:bodyPr lIns="90000" rIns="90000" tIns="45000" bIns="45000" anchor="ctr">
+            <a:noAutofit/>
+          </a:bodyPr>
+          <a:p>
+            <a:pPr marL="195120" indent="-189000">
+              <a:lnSpc>
+                <a:spcPct val="100000"/>
+              </a:lnSpc>
+              <a:spcBef>
+                <a:spcPts val="360"/>
+              </a:spcBef>
+              <a:buClr>
+                <a:srgbClr val="008c4f"/>
+              </a:buClr>
+              <a:buSzPct val="80000"/>
+              <a:buFont typeface="Wingdings" charset="2"/>
+              <a:buChar char=""/>
+            </a:pPr>
+            <a:r>
+              <a:rPr b="0" lang="en-US" sz="1800" spc="-1" strike="noStrike">
+                <a:solidFill>
+                  <a:srgbClr val="000000"/>
+                </a:solidFill>
+                <a:latin typeface="DejaVu Sans"/>
+                <a:ea typeface="DejaVu Sans"/>
+              </a:rPr>
+              <a:t>Climate University – Teaching and learning for a sustainable future – </a:t>
+            </a:r>
+            <a:r>
+              <a:rPr b="0" lang="en-US" sz="1800" spc="-1" strike="noStrike" u="sng">
+                <a:solidFill>
+                  <a:srgbClr val="0000ff"/>
+                </a:solidFill>
+                <a:uFillTx/>
+                <a:latin typeface="DejaVu Sans"/>
+                <a:ea typeface="DejaVu Sans"/>
+                <a:hlinkClick r:id="rId1"/>
+              </a:rPr>
+              <a:t>Link</a:t>
+            </a:r>
+            <a:endParaRPr b="0" lang="en-US" sz="1800" spc="-1" strike="noStrike">
+              <a:latin typeface="Arial"/>
+            </a:endParaRPr>
+          </a:p>
+          <a:p>
+            <a:pPr marL="195120" indent="-189000">
+              <a:lnSpc>
+                <a:spcPct val="100000"/>
+              </a:lnSpc>
+              <a:spcBef>
+                <a:spcPts val="360"/>
+              </a:spcBef>
+              <a:buClr>
+                <a:srgbClr val="008c4f"/>
+              </a:buClr>
+              <a:buSzPct val="80000"/>
+              <a:buFont typeface="Wingdings" charset="2"/>
+              <a:buChar char=""/>
+            </a:pPr>
+            <a:r>
+              <a:rPr b="0" lang="en-US" sz="1800" spc="-1" strike="noStrike">
+                <a:solidFill>
+                  <a:srgbClr val="000000"/>
+                </a:solidFill>
+                <a:latin typeface="DejaVu Sans"/>
+                <a:ea typeface="DejaVu Sans"/>
+              </a:rPr>
+              <a:t>Circular Societies (German) – </a:t>
+            </a:r>
+            <a:r>
+              <a:rPr b="0" lang="en-US" sz="1800" spc="-1" strike="noStrike" u="sng">
+                <a:solidFill>
+                  <a:srgbClr val="0000ff"/>
+                </a:solidFill>
+                <a:uFillTx/>
+                <a:latin typeface="DejaVu Sans"/>
+                <a:ea typeface="DejaVu Sans"/>
+                <a:hlinkClick r:id="rId2"/>
+              </a:rPr>
+              <a:t>Link</a:t>
+            </a:r>
+            <a:r>
+              <a:rPr b="0" lang="en-US" sz="1800" spc="-1" strike="noStrike">
+                <a:solidFill>
+                  <a:srgbClr val="000000"/>
+                </a:solidFill>
+                <a:latin typeface="DejaVu Sans"/>
+                <a:ea typeface="DejaVu Sans"/>
+              </a:rPr>
+              <a:t> </a:t>
+            </a:r>
+            <a:endParaRPr b="0" lang="en-US" sz="1800" spc="-1" strike="noStrike">
+              <a:latin typeface="Arial"/>
+            </a:endParaRPr>
+          </a:p>
+          <a:p>
+            <a:pPr marL="195120" indent="-189000">
+              <a:lnSpc>
+                <a:spcPct val="100000"/>
+              </a:lnSpc>
+              <a:spcBef>
+                <a:spcPts val="360"/>
+              </a:spcBef>
+              <a:buClr>
+                <a:srgbClr val="008c4f"/>
+              </a:buClr>
+              <a:buSzPct val="80000"/>
+              <a:buFont typeface="Wingdings" charset="2"/>
+              <a:buChar char=""/>
+            </a:pPr>
+            <a:r>
+              <a:rPr b="0" lang="en-US" sz="1800" spc="-1" strike="noStrike">
+                <a:solidFill>
+                  <a:srgbClr val="000000"/>
+                </a:solidFill>
+                <a:latin typeface="DejaVu Sans"/>
+                <a:ea typeface="DejaVu Sans"/>
+              </a:rPr>
+              <a:t>Server Infrastructure for a Global Rebellion – </a:t>
+            </a:r>
+            <a:r>
+              <a:rPr b="0" lang="en-US" sz="1800" spc="-1" strike="noStrike" u="sng">
+                <a:solidFill>
+                  <a:srgbClr val="0000ff"/>
+                </a:solidFill>
+                <a:uFillTx/>
+                <a:latin typeface="DejaVu Sans"/>
+                <a:ea typeface="DejaVu Sans"/>
+                <a:hlinkClick r:id="rId3"/>
+              </a:rPr>
+              <a:t>Link</a:t>
+            </a:r>
+            <a:endParaRPr b="0" lang="en-US" sz="1800" spc="-1" strike="noStrike">
+              <a:latin typeface="Arial"/>
+            </a:endParaRPr>
+          </a:p>
+          <a:p>
+            <a:pPr>
+              <a:lnSpc>
+                <a:spcPct val="100000"/>
+              </a:lnSpc>
+              <a:spcBef>
+                <a:spcPts val="360"/>
+              </a:spcBef>
+            </a:pPr>
+            <a:endParaRPr b="0" lang="en-US" sz="1800" spc="-1" strike="noStrike">
+              <a:latin typeface="Arial"/>
+            </a:endParaRPr>
+          </a:p>
+          <a:p>
+            <a:pPr marL="195120" indent="-189000">
+              <a:lnSpc>
+                <a:spcPct val="100000"/>
+              </a:lnSpc>
+              <a:spcBef>
+                <a:spcPts val="360"/>
+              </a:spcBef>
+              <a:buClr>
+                <a:srgbClr val="008c4f"/>
+              </a:buClr>
+              <a:buSzPct val="80000"/>
+              <a:buFont typeface="Wingdings" charset="2"/>
+              <a:buChar char=""/>
+            </a:pPr>
+            <a:r>
+              <a:rPr b="0" lang="en-US" sz="1800" spc="-1" strike="noStrike">
+                <a:solidFill>
+                  <a:srgbClr val="000000"/>
+                </a:solidFill>
+                <a:latin typeface="DejaVu Sans"/>
+                <a:ea typeface="DejaVu Sans"/>
+              </a:rPr>
+              <a:t>Podcasts:</a:t>
+            </a:r>
+            <a:endParaRPr b="0" lang="en-US" sz="1800" spc="-1" strike="noStrike">
+              <a:latin typeface="Arial"/>
+            </a:endParaRPr>
+          </a:p>
+          <a:p>
+            <a:pPr lvl="1" marL="432000" indent="-215280">
+              <a:lnSpc>
+                <a:spcPct val="100000"/>
+              </a:lnSpc>
+              <a:buClr>
+                <a:srgbClr val="008c4f"/>
+              </a:buClr>
+              <a:buSzPct val="45000"/>
+              <a:buFont typeface="OpenSymbol"/>
+              <a:buChar char="—"/>
+            </a:pPr>
+            <a:r>
+              <a:rPr b="0" lang="en-US" sz="1800" spc="-1" strike="noStrike">
+                <a:solidFill>
+                  <a:srgbClr val="000000"/>
+                </a:solidFill>
+                <a:latin typeface="DejaVu Sans"/>
+                <a:ea typeface="DejaVu Sans"/>
+              </a:rPr>
+              <a:t>Drilled (</a:t>
+            </a:r>
+            <a:r>
+              <a:rPr b="0" lang="en-US" sz="1800" spc="-1" strike="noStrike" u="sng">
+                <a:solidFill>
+                  <a:srgbClr val="0000ff"/>
+                </a:solidFill>
+                <a:uFillTx/>
+                <a:latin typeface="DejaVu Sans"/>
+                <a:ea typeface="DejaVu Sans"/>
+                <a:hlinkClick r:id="rId4"/>
+              </a:rPr>
+              <a:t>Link</a:t>
+            </a:r>
+            <a:r>
+              <a:rPr b="0" lang="en-US" sz="1800" spc="-1" strike="noStrike">
+                <a:solidFill>
+                  <a:srgbClr val="000000"/>
+                </a:solidFill>
+                <a:latin typeface="DejaVu Sans"/>
+                <a:ea typeface="DejaVu Sans"/>
+              </a:rPr>
+              <a:t>)</a:t>
+            </a:r>
+            <a:endParaRPr b="0" lang="en-US" sz="1800" spc="-1" strike="noStrike">
+              <a:latin typeface="Arial"/>
+            </a:endParaRPr>
+          </a:p>
+          <a:p>
+            <a:pPr lvl="1" marL="432000" indent="-215280">
+              <a:lnSpc>
+                <a:spcPct val="100000"/>
+              </a:lnSpc>
+              <a:spcBef>
+                <a:spcPts val="360"/>
+              </a:spcBef>
+              <a:buClr>
+                <a:srgbClr val="008c4f"/>
+              </a:buClr>
+              <a:buSzPct val="45000"/>
+              <a:buFont typeface="OpenSymbol"/>
+              <a:buChar char="—"/>
+            </a:pPr>
+            <a:r>
+              <a:rPr b="0" lang="en-US" sz="1800" spc="-1" strike="noStrike">
+                <a:solidFill>
+                  <a:srgbClr val="000000"/>
+                </a:solidFill>
+                <a:latin typeface="DejaVu Sans"/>
+                <a:ea typeface="DejaVu Sans"/>
+              </a:rPr>
+              <a:t>How to Save a Planet (</a:t>
+            </a:r>
+            <a:r>
+              <a:rPr b="0" lang="en-US" sz="1800" spc="-1" strike="noStrike" u="sng">
+                <a:solidFill>
+                  <a:srgbClr val="0000ff"/>
+                </a:solidFill>
+                <a:uFillTx/>
+                <a:latin typeface="DejaVu Sans"/>
+                <a:ea typeface="DejaVu Sans"/>
+                <a:hlinkClick r:id="rId5"/>
+              </a:rPr>
+              <a:t>Link</a:t>
+            </a:r>
+            <a:r>
+              <a:rPr b="0" lang="en-US" sz="1800" spc="-1" strike="noStrike">
+                <a:solidFill>
+                  <a:srgbClr val="000000"/>
+                </a:solidFill>
+                <a:latin typeface="DejaVu Sans"/>
+                <a:ea typeface="DejaVu Sans"/>
+              </a:rPr>
+              <a:t>)</a:t>
+            </a:r>
+            <a:endParaRPr b="0" lang="en-US" sz="1800" spc="-1" strike="noStrike">
+              <a:latin typeface="Arial"/>
+            </a:endParaRPr>
+          </a:p>
+          <a:p>
+            <a:pPr lvl="1" marL="432000" indent="-215280">
+              <a:lnSpc>
+                <a:spcPct val="100000"/>
+              </a:lnSpc>
+              <a:spcBef>
+                <a:spcPts val="360"/>
+              </a:spcBef>
+              <a:buClr>
+                <a:srgbClr val="008c4f"/>
+              </a:buClr>
+              <a:buSzPct val="45000"/>
+              <a:buFont typeface="OpenSymbol"/>
+              <a:buChar char="—"/>
+            </a:pPr>
+            <a:r>
+              <a:rPr b="0" lang="en-US" sz="1800" spc="-1" strike="noStrike">
+                <a:solidFill>
+                  <a:srgbClr val="000000"/>
+                </a:solidFill>
+                <a:latin typeface="DejaVu Sans"/>
+                <a:ea typeface="DejaVu Sans"/>
+              </a:rPr>
+              <a:t>1,5 Grad – der Klima-Podcast mit Luisa Neubauer (German) (</a:t>
+            </a:r>
+            <a:r>
+              <a:rPr b="0" lang="en-US" sz="1800" spc="-1" strike="noStrike" u="sng">
+                <a:solidFill>
+                  <a:srgbClr val="0000ff"/>
+                </a:solidFill>
+                <a:uFillTx/>
+                <a:latin typeface="DejaVu Sans"/>
+                <a:ea typeface="DejaVu Sans"/>
+                <a:hlinkClick r:id="rId6"/>
+              </a:rPr>
+              <a:t>Link</a:t>
+            </a:r>
+            <a:r>
+              <a:rPr b="0" lang="en-US" sz="1800" spc="-1" strike="noStrike">
+                <a:solidFill>
+                  <a:srgbClr val="000000"/>
+                </a:solidFill>
+                <a:latin typeface="DejaVu Sans"/>
+                <a:ea typeface="DejaVu Sans"/>
+              </a:rPr>
+              <a:t>)</a:t>
+            </a:r>
+            <a:endParaRPr b="0" lang="en-US" sz="1800" spc="-1" strike="noStrike">
+              <a:latin typeface="Arial"/>
+            </a:endParaRPr>
+          </a:p>
+        </p:txBody>
+      </p:sp>
+    </p:spTree>
+  </p:cSld>
+  <mc:AlternateContent>
+    <mc:Choice Requires="p14">
+      <p:transition spd="slow" p14:dur="2000"/>
+    </mc:Choice>
+    <mc:Fallback>
+      <p:transition spd="slow"/>
+    </mc:Fallback>
+  </mc:AlternateContent>
+</p:sld>
+</file>
+
+<file path=ppt/slides/slide19.xml><?xml version="1.0" encoding="utf-8"?>
+<p:sld xmlns:a="http://schemas.openxmlformats.org/drawingml/2006/main" xmlns:p="http://schemas.openxmlformats.org/presentationml/2006/main" xmlns:r="http://schemas.openxmlformats.org/officeDocument/2006/relationships" xmlns:p14="http://schemas.microsoft.com/office/powerpoint/2010/main" xmlns:p15="http://schemas.microsoft.com/office/powerpoint/2012/main" xmlns:mc="http://schemas.openxmlformats.org/markup-compatibility/2006">
+  <p:cSld>
+    <p:spTree>
+      <p:nvGrpSpPr>
+        <p:cNvPr id="1" name=""/>
+        <p:cNvGrpSpPr/>
+        <p:nvPr/>
+      </p:nvGrpSpPr>
+      <p:grpSpPr>
+        <a:xfrm>
+          <a:off x="0" y="0"/>
+          <a:ext cx="0" cy="0"/>
+          <a:chOff x="0" y="0"/>
+          <a:chExt cx="0" cy="0"/>
+        </a:xfrm>
+      </p:grpSpPr>
+      <p:sp>
+        <p:nvSpPr>
+          <p:cNvPr id="144" name="CustomShape 1"/>
+          <p:cNvSpPr/>
+          <p:nvPr/>
+        </p:nvSpPr>
+        <p:spPr>
+          <a:xfrm>
+            <a:off x="335520" y="1268640"/>
+            <a:ext cx="10746360" cy="5033880"/>
+          </a:xfrm>
+          <a:prstGeom prst="rect">
+            <a:avLst/>
+          </a:prstGeom>
+          <a:noFill/>
+          <a:ln>
+            <a:noFill/>
+          </a:ln>
+        </p:spPr>
+        <p:style>
+          <a:lnRef idx="0"/>
+          <a:fillRef idx="0"/>
+          <a:effectRef idx="0"/>
+          <a:fontRef idx="minor"/>
+        </p:style>
+        <p:txBody>
           <a:bodyPr lIns="90000" rIns="90000" tIns="45000" bIns="45000" anchor="ctr">
             <a:noAutofit/>
           </a:bodyPr>
@@ -8964,14 +9224,14 @@
       </p:sp>
       <p:sp>
         <p:nvSpPr>
-          <p:cNvPr id="143" name="CustomShape 2"/>
+          <p:cNvPr id="145" name="CustomShape 2"/>
           <p:cNvSpPr/>
           <p:nvPr/>
         </p:nvSpPr>
         <p:spPr>
           <a:xfrm>
             <a:off x="335520" y="764640"/>
-            <a:ext cx="10746720" cy="497520"/>
+            <a:ext cx="10746360" cy="497160"/>
           </a:xfrm>
           <a:prstGeom prst="rect">
             <a:avLst/>
@@ -9027,7 +9287,7 @@
         <p:spPr>
           <a:xfrm>
             <a:off x="335520" y="764640"/>
-            <a:ext cx="10744560" cy="495360"/>
+            <a:ext cx="10744200" cy="495000"/>
           </a:xfrm>
           <a:prstGeom prst="rect">
             <a:avLst/>
@@ -9078,7 +9338,7 @@
         <p:spPr>
           <a:xfrm>
             <a:off x="335520" y="1268280"/>
-            <a:ext cx="10744560" cy="5032080"/>
+            <a:ext cx="10744200" cy="5031720"/>
           </a:xfrm>
           <a:prstGeom prst="rect">
             <a:avLst/>
@@ -9109,7 +9369,7 @@
             </a:endParaRPr>
           </a:p>
           <a:p>
-            <a:pPr marL="195120" indent="-187200">
+            <a:pPr marL="195120" indent="-186840">
               <a:lnSpc>
                 <a:spcPct val="100000"/>
               </a:lnSpc>
@@ -9193,7 +9453,7 @@
             </a:endParaRPr>
           </a:p>
           <a:p>
-            <a:pPr marL="195120" indent="-187200">
+            <a:pPr marL="195120" indent="-186840">
               <a:lnSpc>
                 <a:spcPct val="100000"/>
               </a:lnSpc>
@@ -9297,7 +9557,7 @@
         <p:spPr>
           <a:xfrm>
             <a:off x="335520" y="764640"/>
-            <a:ext cx="10746720" cy="497520"/>
+            <a:ext cx="10746360" cy="497160"/>
           </a:xfrm>
           <a:prstGeom prst="rect">
             <a:avLst/>
@@ -9352,7 +9612,7 @@
         <p:spPr>
           <a:xfrm>
             <a:off x="2374920" y="2133000"/>
-            <a:ext cx="1469520" cy="2170800"/>
+            <a:ext cx="1469160" cy="2170440"/>
           </a:xfrm>
           <a:prstGeom prst="rect">
             <a:avLst/>
@@ -9375,7 +9635,7 @@
         <p:spPr>
           <a:xfrm>
             <a:off x="6960240" y="2525760"/>
-            <a:ext cx="1783440" cy="1775520"/>
+            <a:ext cx="1783080" cy="1775160"/>
           </a:xfrm>
           <a:prstGeom prst="rect">
             <a:avLst/>
@@ -9394,7 +9654,7 @@
         <p:spPr>
           <a:xfrm>
             <a:off x="1310400" y="4249080"/>
-            <a:ext cx="3634200" cy="675720"/>
+            <a:ext cx="3633840" cy="675360"/>
           </a:xfrm>
           <a:prstGeom prst="rect">
             <a:avLst/>
@@ -9471,7 +9731,7 @@
         <p:spPr>
           <a:xfrm>
             <a:off x="6013080" y="4269960"/>
-            <a:ext cx="3634200" cy="675720"/>
+            <a:ext cx="3633840" cy="675360"/>
           </a:xfrm>
           <a:prstGeom prst="rect">
             <a:avLst/>
@@ -9578,7 +9838,7 @@
         <p:spPr>
           <a:xfrm>
             <a:off x="542880" y="721800"/>
-            <a:ext cx="10352520" cy="493200"/>
+            <a:ext cx="10352160" cy="492840"/>
           </a:xfrm>
           <a:prstGeom prst="rect">
             <a:avLst/>
@@ -9629,7 +9889,7 @@
         <p:spPr>
           <a:xfrm>
             <a:off x="451800" y="1709280"/>
-            <a:ext cx="8219880" cy="4348080"/>
+            <a:ext cx="8219520" cy="4347720"/>
           </a:xfrm>
           <a:prstGeom prst="rect">
             <a:avLst/>
@@ -9655,7 +9915,7 @@
         <p:spPr>
           <a:xfrm>
             <a:off x="609480" y="1769400"/>
-            <a:ext cx="10582920" cy="4851000"/>
+            <a:ext cx="10582560" cy="4850640"/>
           </a:xfrm>
           <a:prstGeom prst="rect">
             <a:avLst/>
@@ -9676,7 +9936,7 @@
             <a:normAutofit/>
           </a:bodyPr>
           <a:p>
-            <a:pPr marL="216000" indent="-211320">
+            <a:pPr marL="216000" indent="-210960">
               <a:lnSpc>
                 <a:spcPct val="90000"/>
               </a:lnSpc>
@@ -9785,7 +10045,7 @@
             </a:endParaRPr>
           </a:p>
           <a:p>
-            <a:pPr marL="216000" indent="-211320">
+            <a:pPr marL="216000" indent="-210960">
               <a:lnSpc>
                 <a:spcPct val="100000"/>
               </a:lnSpc>
@@ -9814,7 +10074,7 @@
             </a:endParaRPr>
           </a:p>
           <a:p>
-            <a:pPr lvl="1" marL="685800" indent="-223920">
+            <a:pPr lvl="1" marL="685800" indent="-223560">
               <a:lnSpc>
                 <a:spcPct val="100000"/>
               </a:lnSpc>
@@ -9843,7 +10103,7 @@
             </a:endParaRPr>
           </a:p>
           <a:p>
-            <a:pPr lvl="1" marL="685800" indent="-223920">
+            <a:pPr lvl="1" marL="685800" indent="-223560">
               <a:lnSpc>
                 <a:spcPct val="100000"/>
               </a:lnSpc>
@@ -9872,7 +10132,7 @@
             </a:endParaRPr>
           </a:p>
           <a:p>
-            <a:pPr lvl="1" marL="685800" indent="-223920">
+            <a:pPr lvl="1" marL="685800" indent="-223560">
               <a:lnSpc>
                 <a:spcPct val="100000"/>
               </a:lnSpc>
@@ -9901,7 +10161,7 @@
             </a:endParaRPr>
           </a:p>
           <a:p>
-            <a:pPr lvl="1" marL="685800" indent="-223920">
+            <a:pPr lvl="1" marL="685800" indent="-223560">
               <a:lnSpc>
                 <a:spcPct val="100000"/>
               </a:lnSpc>
@@ -9930,7 +10190,7 @@
             </a:endParaRPr>
           </a:p>
           <a:p>
-            <a:pPr marL="216000" indent="-211320">
+            <a:pPr marL="216000" indent="-210960">
               <a:lnSpc>
                 <a:spcPct val="100000"/>
               </a:lnSpc>
@@ -9959,7 +10219,7 @@
             </a:endParaRPr>
           </a:p>
           <a:p>
-            <a:pPr lvl="1" marL="685800" indent="-223920">
+            <a:pPr lvl="1" marL="685800" indent="-223560">
               <a:lnSpc>
                 <a:spcPct val="100000"/>
               </a:lnSpc>
@@ -9988,7 +10248,7 @@
             </a:endParaRPr>
           </a:p>
           <a:p>
-            <a:pPr lvl="1" marL="685800" indent="-223920">
+            <a:pPr lvl="1" marL="685800" indent="-223560">
               <a:lnSpc>
                 <a:spcPct val="100000"/>
               </a:lnSpc>
@@ -10057,7 +10317,7 @@
         <p:spPr>
           <a:xfrm>
             <a:off x="542880" y="721800"/>
-            <a:ext cx="10352520" cy="493200"/>
+            <a:ext cx="10352160" cy="492840"/>
           </a:xfrm>
           <a:prstGeom prst="rect">
             <a:avLst/>
@@ -10108,7 +10368,7 @@
         <p:spPr>
           <a:xfrm>
             <a:off x="451800" y="1709280"/>
-            <a:ext cx="8219880" cy="4348080"/>
+            <a:ext cx="8219520" cy="4347720"/>
           </a:xfrm>
           <a:prstGeom prst="rect">
             <a:avLst/>
@@ -10134,7 +10394,7 @@
         <p:spPr>
           <a:xfrm>
             <a:off x="609480" y="1769400"/>
-            <a:ext cx="10582920" cy="4851000"/>
+            <a:ext cx="10582560" cy="4850640"/>
           </a:xfrm>
           <a:prstGeom prst="rect">
             <a:avLst/>
@@ -10155,7 +10415,7 @@
             <a:normAutofit/>
           </a:bodyPr>
           <a:p>
-            <a:pPr marL="216000" indent="-211320">
+            <a:pPr marL="216000" indent="-210960">
               <a:lnSpc>
                 <a:spcPct val="90000"/>
               </a:lnSpc>
@@ -10206,7 +10466,7 @@
             </a:endParaRPr>
           </a:p>
           <a:p>
-            <a:pPr lvl="1" marL="685800" indent="-223920">
+            <a:pPr lvl="1" marL="685800" indent="-223560">
               <a:lnSpc>
                 <a:spcPct val="100000"/>
               </a:lnSpc>
@@ -10235,7 +10495,7 @@
             </a:endParaRPr>
           </a:p>
           <a:p>
-            <a:pPr lvl="1" marL="685800" indent="-223920">
+            <a:pPr lvl="1" marL="685800" indent="-223560">
               <a:lnSpc>
                 <a:spcPct val="100000"/>
               </a:lnSpc>
@@ -10277,7 +10537,7 @@
             </a:endParaRPr>
           </a:p>
           <a:p>
-            <a:pPr marL="216000" indent="-211320">
+            <a:pPr marL="216000" indent="-210960">
               <a:lnSpc>
                 <a:spcPct val="90000"/>
               </a:lnSpc>
@@ -10309,7 +10569,7 @@
             </a:endParaRPr>
           </a:p>
           <a:p>
-            <a:pPr lvl="1" marL="685800" indent="-223920">
+            <a:pPr lvl="1" marL="685800" indent="-223560">
               <a:lnSpc>
                 <a:spcPct val="100000"/>
               </a:lnSpc>
@@ -10363,7 +10623,7 @@
             </a:endParaRPr>
           </a:p>
           <a:p>
-            <a:pPr lvl="1" marL="685800" indent="-223920">
+            <a:pPr lvl="1" marL="685800" indent="-223560">
               <a:lnSpc>
                 <a:spcPct val="100000"/>
               </a:lnSpc>
@@ -10417,7 +10677,7 @@
             </a:endParaRPr>
           </a:p>
           <a:p>
-            <a:pPr marL="228600" indent="-223920">
+            <a:pPr marL="228600" indent="-223560">
               <a:lnSpc>
                 <a:spcPct val="90000"/>
               </a:lnSpc>
@@ -10433,7 +10693,7 @@
             </a:endParaRPr>
           </a:p>
           <a:p>
-            <a:pPr marL="228600" indent="-223920" algn="ctr">
+            <a:pPr marL="228600" indent="-223560" algn="ctr">
               <a:lnSpc>
                 <a:spcPct val="90000"/>
               </a:lnSpc>
@@ -10459,7 +10719,7 @@
             </a:endParaRPr>
           </a:p>
           <a:p>
-            <a:pPr marL="457200" indent="-223920" algn="ctr">
+            <a:pPr marL="457200" indent="-223560" algn="ctr">
               <a:lnSpc>
                 <a:spcPct val="90000"/>
               </a:lnSpc>
@@ -10535,7 +10795,7 @@
         <p:spPr>
           <a:xfrm>
             <a:off x="542880" y="721800"/>
-            <a:ext cx="10352520" cy="493200"/>
+            <a:ext cx="10352160" cy="492840"/>
           </a:xfrm>
           <a:prstGeom prst="rect">
             <a:avLst/>
@@ -10586,7 +10846,7 @@
         <p:spPr>
           <a:xfrm>
             <a:off x="451800" y="1709280"/>
-            <a:ext cx="8219880" cy="4348080"/>
+            <a:ext cx="8219520" cy="4347720"/>
           </a:xfrm>
           <a:prstGeom prst="rect">
             <a:avLst/>
@@ -10612,7 +10872,7 @@
         <p:spPr>
           <a:xfrm>
             <a:off x="609480" y="1769400"/>
-            <a:ext cx="10582920" cy="4851000"/>
+            <a:ext cx="10582560" cy="4850640"/>
           </a:xfrm>
           <a:prstGeom prst="rect">
             <a:avLst/>
@@ -10633,7 +10893,7 @@
             <a:normAutofit/>
           </a:bodyPr>
           <a:p>
-            <a:pPr marL="216000" indent="-211320">
+            <a:pPr marL="216000" indent="-210960">
               <a:lnSpc>
                 <a:spcPct val="90000"/>
               </a:lnSpc>
@@ -10684,7 +10944,7 @@
             </a:endParaRPr>
           </a:p>
           <a:p>
-            <a:pPr lvl="1" marL="685800" indent="-223920">
+            <a:pPr lvl="1" marL="685800" indent="-223560">
               <a:lnSpc>
                 <a:spcPct val="100000"/>
               </a:lnSpc>
@@ -10713,7 +10973,7 @@
             </a:endParaRPr>
           </a:p>
           <a:p>
-            <a:pPr lvl="1" marL="685800" indent="-223920">
+            <a:pPr lvl="1" marL="685800" indent="-223560">
               <a:lnSpc>
                 <a:spcPct val="100000"/>
               </a:lnSpc>
@@ -10755,7 +11015,7 @@
             </a:endParaRPr>
           </a:p>
           <a:p>
-            <a:pPr marL="216000" indent="-211320">
+            <a:pPr marL="216000" indent="-210960">
               <a:lnSpc>
                 <a:spcPct val="90000"/>
               </a:lnSpc>
@@ -10787,7 +11047,7 @@
             </a:endParaRPr>
           </a:p>
           <a:p>
-            <a:pPr lvl="1" marL="685800" indent="-223920">
+            <a:pPr lvl="1" marL="685800" indent="-223560">
               <a:lnSpc>
                 <a:spcPct val="100000"/>
               </a:lnSpc>
@@ -10841,7 +11101,7 @@
             </a:endParaRPr>
           </a:p>
           <a:p>
-            <a:pPr lvl="1" marL="685800" indent="-223920">
+            <a:pPr lvl="1" marL="685800" indent="-223560">
               <a:lnSpc>
                 <a:spcPct val="100000"/>
               </a:lnSpc>
@@ -10895,7 +11155,7 @@
             </a:endParaRPr>
           </a:p>
           <a:p>
-            <a:pPr marL="228600" indent="-223920">
+            <a:pPr marL="228600" indent="-223560">
               <a:lnSpc>
                 <a:spcPct val="90000"/>
               </a:lnSpc>
@@ -10911,7 +11171,7 @@
             </a:endParaRPr>
           </a:p>
           <a:p>
-            <a:pPr marL="228600" indent="-223920" algn="ctr">
+            <a:pPr marL="228600" indent="-223560" algn="ctr">
               <a:lnSpc>
                 <a:spcPct val="90000"/>
               </a:lnSpc>
@@ -10937,7 +11197,7 @@
             </a:endParaRPr>
           </a:p>
           <a:p>
-            <a:pPr marL="457200" indent="-223920" algn="ctr">
+            <a:pPr marL="457200" indent="-223560" algn="ctr">
               <a:lnSpc>
                 <a:spcPct val="90000"/>
               </a:lnSpc>
@@ -11013,7 +11273,7 @@
         <p:spPr>
           <a:xfrm>
             <a:off x="542880" y="721800"/>
-            <a:ext cx="10352520" cy="493200"/>
+            <a:ext cx="10352160" cy="492840"/>
           </a:xfrm>
           <a:prstGeom prst="rect">
             <a:avLst/>
@@ -11064,7 +11324,7 @@
         <p:spPr>
           <a:xfrm>
             <a:off x="451800" y="1709280"/>
-            <a:ext cx="8219880" cy="4348080"/>
+            <a:ext cx="8219520" cy="4347720"/>
           </a:xfrm>
           <a:prstGeom prst="rect">
             <a:avLst/>
@@ -11090,7 +11350,7 @@
         <p:spPr>
           <a:xfrm>
             <a:off x="609480" y="1769400"/>
-            <a:ext cx="10582920" cy="4851000"/>
+            <a:ext cx="10582560" cy="4850640"/>
           </a:xfrm>
           <a:prstGeom prst="rect">
             <a:avLst/>
@@ -11111,7 +11371,7 @@
             <a:normAutofit/>
           </a:bodyPr>
           <a:p>
-            <a:pPr marL="216000" indent="-211320">
+            <a:pPr marL="216000" indent="-210960">
               <a:lnSpc>
                 <a:spcPct val="90000"/>
               </a:lnSpc>
@@ -11140,7 +11400,7 @@
             </a:endParaRPr>
           </a:p>
           <a:p>
-            <a:pPr marL="216000" indent="-211320">
+            <a:pPr marL="216000" indent="-210960">
               <a:lnSpc>
                 <a:spcPct val="90000"/>
               </a:lnSpc>
@@ -11169,7 +11429,7 @@
             </a:endParaRPr>
           </a:p>
           <a:p>
-            <a:pPr marL="216000" indent="-211320">
+            <a:pPr marL="216000" indent="-210960">
               <a:lnSpc>
                 <a:spcPct val="90000"/>
               </a:lnSpc>
@@ -11198,7 +11458,7 @@
             </a:endParaRPr>
           </a:p>
           <a:p>
-            <a:pPr marL="216000" indent="-211320">
+            <a:pPr marL="216000" indent="-210960">
               <a:lnSpc>
                 <a:spcPct val="90000"/>
               </a:lnSpc>
@@ -11227,7 +11487,7 @@
             </a:endParaRPr>
           </a:p>
           <a:p>
-            <a:pPr marL="216000" indent="-211320">
+            <a:pPr marL="216000" indent="-210960">
               <a:lnSpc>
                 <a:spcPct val="90000"/>
               </a:lnSpc>
@@ -11256,7 +11516,7 @@
             </a:endParaRPr>
           </a:p>
           <a:p>
-            <a:pPr marL="216000" indent="-211320">
+            <a:pPr marL="216000" indent="-210960">
               <a:lnSpc>
                 <a:spcPct val="90000"/>
               </a:lnSpc>
@@ -11285,7 +11545,7 @@
             </a:endParaRPr>
           </a:p>
           <a:p>
-            <a:pPr marL="216000" indent="-211320">
+            <a:pPr marL="216000" indent="-210960">
               <a:lnSpc>
                 <a:spcPct val="90000"/>
               </a:lnSpc>
@@ -11354,7 +11614,7 @@
         <p:spPr>
           <a:xfrm>
             <a:off x="542880" y="721800"/>
-            <a:ext cx="10352520" cy="493200"/>
+            <a:ext cx="10352160" cy="492840"/>
           </a:xfrm>
           <a:prstGeom prst="rect">
             <a:avLst/>
@@ -11405,7 +11665,7 @@
         <p:spPr>
           <a:xfrm>
             <a:off x="451800" y="1709280"/>
-            <a:ext cx="8219880" cy="4348080"/>
+            <a:ext cx="8219520" cy="4347720"/>
           </a:xfrm>
           <a:prstGeom prst="rect">
             <a:avLst/>
@@ -11431,7 +11691,7 @@
         <p:spPr>
           <a:xfrm>
             <a:off x="609480" y="1769400"/>
-            <a:ext cx="10582920" cy="4851000"/>
+            <a:ext cx="10582560" cy="4850640"/>
           </a:xfrm>
           <a:prstGeom prst="rect">
             <a:avLst/>
@@ -11452,7 +11712,7 @@
             <a:normAutofit/>
           </a:bodyPr>
           <a:p>
-            <a:pPr marL="216000" indent="-211320">
+            <a:pPr marL="216000" indent="-210960">
               <a:lnSpc>
                 <a:spcPct val="90000"/>
               </a:lnSpc>
@@ -11481,7 +11741,7 @@
             </a:endParaRPr>
           </a:p>
           <a:p>
-            <a:pPr marL="216000" indent="-211320">
+            <a:pPr marL="216000" indent="-210960">
               <a:lnSpc>
                 <a:spcPct val="90000"/>
               </a:lnSpc>
@@ -11510,7 +11770,7 @@
             </a:endParaRPr>
           </a:p>
           <a:p>
-            <a:pPr marL="216000" indent="-211320">
+            <a:pPr marL="216000" indent="-210960">
               <a:lnSpc>
                 <a:spcPct val="90000"/>
               </a:lnSpc>
@@ -11539,7 +11799,7 @@
             </a:endParaRPr>
           </a:p>
           <a:p>
-            <a:pPr marL="216000" indent="-211320">
+            <a:pPr marL="216000" indent="-210960">
               <a:lnSpc>
                 <a:spcPct val="90000"/>
               </a:lnSpc>
@@ -11568,7 +11828,7 @@
             </a:endParaRPr>
           </a:p>
           <a:p>
-            <a:pPr marL="216000" indent="-211320">
+            <a:pPr marL="216000" indent="-210960">
               <a:lnSpc>
                 <a:spcPct val="90000"/>
               </a:lnSpc>
@@ -11637,7 +11897,7 @@
         <p:spPr>
           <a:xfrm>
             <a:off x="335520" y="764640"/>
-            <a:ext cx="10746720" cy="497520"/>
+            <a:ext cx="10746360" cy="497160"/>
           </a:xfrm>
           <a:prstGeom prst="rect">
             <a:avLst/>
@@ -11688,7 +11948,7 @@
         <p:spPr>
           <a:xfrm>
             <a:off x="335520" y="1268640"/>
-            <a:ext cx="10746720" cy="5034240"/>
+            <a:ext cx="10746360" cy="5033880"/>
           </a:xfrm>
           <a:prstGeom prst="rect">
             <a:avLst/>
@@ -11709,7 +11969,7 @@
             <a:noAutofit/>
           </a:bodyPr>
           <a:p>
-            <a:pPr marL="195120" indent="-189360">
+            <a:pPr marL="195120" indent="-189000">
               <a:lnSpc>
                 <a:spcPct val="100000"/>
               </a:lnSpc>
@@ -11738,7 +11998,7 @@
             </a:endParaRPr>
           </a:p>
           <a:p>
-            <a:pPr marL="195120" indent="-189360">
+            <a:pPr marL="195120" indent="-189000">
               <a:lnSpc>
                 <a:spcPct val="100000"/>
               </a:lnSpc>
@@ -11767,7 +12027,7 @@
             </a:endParaRPr>
           </a:p>
           <a:p>
-            <a:pPr marL="195120" indent="-189360">
+            <a:pPr marL="195120" indent="-189000">
               <a:lnSpc>
                 <a:spcPct val="100000"/>
               </a:lnSpc>
@@ -11796,7 +12056,7 @@
             </a:endParaRPr>
           </a:p>
           <a:p>
-            <a:pPr marL="195120" indent="-189360">
+            <a:pPr marL="195120" indent="-189000">
               <a:lnSpc>
                 <a:spcPct val="100000"/>
               </a:lnSpc>
@@ -11825,7 +12085,7 @@
             </a:endParaRPr>
           </a:p>
           <a:p>
-            <a:pPr marL="195120" indent="-189360">
+            <a:pPr marL="195120" indent="-189000">
               <a:lnSpc>
                 <a:spcPct val="100000"/>
               </a:lnSpc>
@@ -11854,7 +12114,7 @@
             </a:endParaRPr>
           </a:p>
           <a:p>
-            <a:pPr marL="195120" indent="-189360">
+            <a:pPr marL="195120" indent="-189000">
               <a:lnSpc>
                 <a:spcPct val="100000"/>
               </a:lnSpc>
@@ -11883,7 +12143,7 @@
             </a:endParaRPr>
           </a:p>
           <a:p>
-            <a:pPr marL="195120" indent="-189360">
+            <a:pPr marL="195120" indent="-189000">
               <a:lnSpc>
                 <a:spcPct val="100000"/>
               </a:lnSpc>
@@ -11912,7 +12172,7 @@
             </a:endParaRPr>
           </a:p>
           <a:p>
-            <a:pPr marL="195120" indent="-189360">
+            <a:pPr marL="195120" indent="-189000">
               <a:lnSpc>
                 <a:spcPct val="100000"/>
               </a:lnSpc>
@@ -11941,7 +12201,7 @@
             </a:endParaRPr>
           </a:p>
           <a:p>
-            <a:pPr marL="195120" indent="-189360">
+            <a:pPr marL="195120" indent="-189000">
               <a:lnSpc>
                 <a:spcPct val="100000"/>
               </a:lnSpc>
@@ -11970,7 +12230,7 @@
             </a:endParaRPr>
           </a:p>
           <a:p>
-            <a:pPr marL="195120" indent="-189360">
+            <a:pPr marL="195120" indent="-189000">
               <a:lnSpc>
                 <a:spcPct val="100000"/>
               </a:lnSpc>
@@ -11999,7 +12259,7 @@
             </a:endParaRPr>
           </a:p>
           <a:p>
-            <a:pPr marL="195120" indent="-189360">
+            <a:pPr marL="195120" indent="-189000">
               <a:lnSpc>
                 <a:spcPct val="100000"/>
               </a:lnSpc>
@@ -12028,7 +12288,7 @@
             </a:endParaRPr>
           </a:p>
           <a:p>
-            <a:pPr marL="195120" indent="-189360">
+            <a:pPr marL="195120" indent="-189000">
               <a:lnSpc>
                 <a:spcPct val="100000"/>
               </a:lnSpc>
@@ -12057,7 +12317,7 @@
             </a:endParaRPr>
           </a:p>
           <a:p>
-            <a:pPr marL="195120" indent="-189360">
+            <a:pPr marL="195120" indent="-189000">
               <a:lnSpc>
                 <a:spcPct val="100000"/>
               </a:lnSpc>

--- a/The-Limits-to-Growth/LTG-L00-Organization.pptx
+++ b/The-Limits-to-Growth/LTG-L00-Organization.pptx
@@ -258,7 +258,7 @@
           </a:bodyPr>
           <a:p>
             <a:pPr algn="r"/>
-            <a:fld id="{4B28F0B8-28E6-45A2-8A96-24CAA2002DDC}" type="slidenum">
+            <a:fld id="{9E7586F6-A329-408A-A205-2AA1C632E92F}" type="slidenum">
               <a:rPr b="0" lang="en-US" sz="1400" spc="-1" strike="noStrike">
                 <a:latin typeface="Times New Roman"/>
               </a:rPr>
@@ -306,7 +306,7 @@
         <p:spPr>
           <a:xfrm>
             <a:off x="533520" y="763560"/>
-            <a:ext cx="6695280" cy="3763440"/>
+            <a:ext cx="6694920" cy="3763080"/>
           </a:xfrm>
           <a:prstGeom prst="rect">
             <a:avLst/>
@@ -326,7 +326,7 @@
         <p:spPr>
           <a:xfrm>
             <a:off x="777240" y="4777560"/>
-            <a:ext cx="6208920" cy="4517280"/>
+            <a:ext cx="6208560" cy="4516920"/>
           </a:xfrm>
           <a:prstGeom prst="rect">
             <a:avLst/>
@@ -352,7 +352,7 @@
         <p:spPr>
           <a:xfrm>
             <a:off x="4399200" y="9555480"/>
-            <a:ext cx="3364200" cy="493920"/>
+            <a:ext cx="3363840" cy="493560"/>
           </a:xfrm>
           <a:prstGeom prst="rect">
             <a:avLst/>
@@ -378,7 +378,7 @@
                 <a:spcPct val="100000"/>
               </a:lnSpc>
             </a:pPr>
-            <a:fld id="{3A237621-4CE2-4EE1-BED8-F1EDB3538D63}" type="slidenum">
+            <a:fld id="{78E9DFEC-4C74-4938-A84D-A57DEF9179CE}" type="slidenum">
               <a:rPr b="0" lang="de-DE" sz="1800" spc="-1" strike="noStrike">
                 <a:solidFill>
                   <a:srgbClr val="000000"/>
@@ -429,7 +429,7 @@
         <p:spPr>
           <a:xfrm>
             <a:off x="533520" y="763560"/>
-            <a:ext cx="6695280" cy="3763440"/>
+            <a:ext cx="6694920" cy="3763080"/>
           </a:xfrm>
           <a:prstGeom prst="rect">
             <a:avLst/>
@@ -449,7 +449,7 @@
         <p:spPr>
           <a:xfrm>
             <a:off x="777240" y="4777560"/>
-            <a:ext cx="6208920" cy="4517280"/>
+            <a:ext cx="6208560" cy="4516920"/>
           </a:xfrm>
           <a:prstGeom prst="rect">
             <a:avLst/>
@@ -475,7 +475,7 @@
         <p:spPr>
           <a:xfrm>
             <a:off x="4399200" y="9555480"/>
-            <a:ext cx="3364200" cy="493920"/>
+            <a:ext cx="3363840" cy="493560"/>
           </a:xfrm>
           <a:prstGeom prst="rect">
             <a:avLst/>
@@ -501,7 +501,7 @@
                 <a:spcPct val="100000"/>
               </a:lnSpc>
             </a:pPr>
-            <a:fld id="{8B5A766D-C7DA-45FE-B083-0949704A4CF3}" type="slidenum">
+            <a:fld id="{0A9810D7-B921-490C-BCC8-B01B959AD50E}" type="slidenum">
               <a:rPr b="0" lang="de-DE" sz="1800" spc="-1" strike="noStrike">
                 <a:solidFill>
                   <a:srgbClr val="000000"/>
@@ -552,7 +552,7 @@
         <p:spPr>
           <a:xfrm>
             <a:off x="533520" y="763560"/>
-            <a:ext cx="6695280" cy="3763440"/>
+            <a:ext cx="6694920" cy="3763080"/>
           </a:xfrm>
           <a:prstGeom prst="rect">
             <a:avLst/>
@@ -572,7 +572,7 @@
         <p:spPr>
           <a:xfrm>
             <a:off x="777240" y="4777560"/>
-            <a:ext cx="6208920" cy="4517280"/>
+            <a:ext cx="6208560" cy="4516920"/>
           </a:xfrm>
           <a:prstGeom prst="rect">
             <a:avLst/>
@@ -598,7 +598,7 @@
         <p:spPr>
           <a:xfrm>
             <a:off x="4399200" y="9555480"/>
-            <a:ext cx="3364200" cy="493920"/>
+            <a:ext cx="3363840" cy="493560"/>
           </a:xfrm>
           <a:prstGeom prst="rect">
             <a:avLst/>
@@ -624,7 +624,7 @@
                 <a:spcPct val="100000"/>
               </a:lnSpc>
             </a:pPr>
-            <a:fld id="{842A4DC3-3F7D-44E9-A589-19BA5D743226}" type="slidenum">
+            <a:fld id="{88AF7CDE-FBD3-4312-9744-F624252D2CB0}" type="slidenum">
               <a:rPr b="0" lang="de-DE" sz="1800" spc="-1" strike="noStrike">
                 <a:solidFill>
                   <a:srgbClr val="000000"/>
@@ -675,7 +675,7 @@
         <p:spPr>
           <a:xfrm>
             <a:off x="533520" y="763560"/>
-            <a:ext cx="6695280" cy="3763440"/>
+            <a:ext cx="6694920" cy="3763080"/>
           </a:xfrm>
           <a:prstGeom prst="rect">
             <a:avLst/>
@@ -695,7 +695,7 @@
         <p:spPr>
           <a:xfrm>
             <a:off x="777240" y="4777560"/>
-            <a:ext cx="6208920" cy="4517280"/>
+            <a:ext cx="6208560" cy="4516920"/>
           </a:xfrm>
           <a:prstGeom prst="rect">
             <a:avLst/>
@@ -721,7 +721,7 @@
         <p:spPr>
           <a:xfrm>
             <a:off x="4399200" y="9555480"/>
-            <a:ext cx="3364200" cy="493920"/>
+            <a:ext cx="3363840" cy="493560"/>
           </a:xfrm>
           <a:prstGeom prst="rect">
             <a:avLst/>
@@ -747,7 +747,7 @@
                 <a:spcPct val="100000"/>
               </a:lnSpc>
             </a:pPr>
-            <a:fld id="{3749BCBD-4973-4906-A48D-F8626D8C0836}" type="slidenum">
+            <a:fld id="{CA902EAE-527D-43E1-8E60-941B080ED1C8}" type="slidenum">
               <a:rPr b="0" lang="de-DE" sz="1800" spc="-1" strike="noStrike">
                 <a:solidFill>
                   <a:srgbClr val="000000"/>
@@ -798,7 +798,7 @@
         <p:spPr>
           <a:xfrm>
             <a:off x="533520" y="763560"/>
-            <a:ext cx="6695280" cy="3763440"/>
+            <a:ext cx="6694920" cy="3763080"/>
           </a:xfrm>
           <a:prstGeom prst="rect">
             <a:avLst/>
@@ -818,7 +818,7 @@
         <p:spPr>
           <a:xfrm>
             <a:off x="777240" y="4777560"/>
-            <a:ext cx="6208920" cy="4517280"/>
+            <a:ext cx="6208560" cy="4516920"/>
           </a:xfrm>
           <a:prstGeom prst="rect">
             <a:avLst/>
@@ -844,7 +844,7 @@
         <p:spPr>
           <a:xfrm>
             <a:off x="4399200" y="9555480"/>
-            <a:ext cx="3364200" cy="493920"/>
+            <a:ext cx="3363840" cy="493560"/>
           </a:xfrm>
           <a:prstGeom prst="rect">
             <a:avLst/>
@@ -870,7 +870,7 @@
                 <a:spcPct val="100000"/>
               </a:lnSpc>
             </a:pPr>
-            <a:fld id="{74F3D403-F1E9-4453-A4F4-F470476A86C1}" type="slidenum">
+            <a:fld id="{78699F5E-6905-45A9-9F18-BB78920E5175}" type="slidenum">
               <a:rPr b="0" lang="de-DE" sz="1800" spc="-1" strike="noStrike">
                 <a:solidFill>
                   <a:srgbClr val="000000"/>
@@ -3636,7 +3636,7 @@
         <p:spPr>
           <a:xfrm>
             <a:off x="11444760" y="0"/>
-            <a:ext cx="742320" cy="6851160"/>
+            <a:ext cx="741960" cy="6850800"/>
           </a:xfrm>
           <a:prstGeom prst="rect">
             <a:avLst/>
@@ -3666,7 +3666,7 @@
         <p:spPr>
           <a:xfrm>
             <a:off x="11438640" y="6453360"/>
-            <a:ext cx="759240" cy="363960"/>
+            <a:ext cx="758880" cy="363960"/>
           </a:xfrm>
           <a:prstGeom prst="rect">
             <a:avLst/>
@@ -3692,7 +3692,7 @@
                 <a:spcPct val="100000"/>
               </a:lnSpc>
             </a:pPr>
-            <a:fld id="{45FAEB25-36C3-409F-8FA3-858EA52B074D}" type="slidenum">
+            <a:fld id="{8B487DCE-4476-4B05-9FDB-C80C2E89AA3E}" type="slidenum">
               <a:rPr b="0" lang="en-US" sz="1800" spc="-1" strike="noStrike">
                 <a:solidFill>
                   <a:srgbClr val="808080"/>
@@ -3717,7 +3717,7 @@
         <p:spPr>
           <a:xfrm>
             <a:off x="912240" y="1268280"/>
-            <a:ext cx="9209160" cy="362520"/>
+            <a:ext cx="9208800" cy="362160"/>
           </a:xfrm>
           <a:prstGeom prst="rect">
             <a:avLst/>
@@ -3747,7 +3747,7 @@
         <p:spPr>
           <a:xfrm>
             <a:off x="0" y="0"/>
-            <a:ext cx="3053160" cy="563040"/>
+            <a:ext cx="3052800" cy="562680"/>
           </a:xfrm>
           <a:prstGeom prst="rect">
             <a:avLst/>
@@ -3770,7 +3770,7 @@
         <p:spPr>
           <a:xfrm>
             <a:off x="7430400" y="134640"/>
-            <a:ext cx="3699000" cy="515160"/>
+            <a:ext cx="3698640" cy="514800"/>
           </a:xfrm>
           <a:prstGeom prst="rect">
             <a:avLst/>
@@ -3789,7 +3789,7 @@
         <p:spPr>
           <a:xfrm>
             <a:off x="912240" y="1268280"/>
-            <a:ext cx="9209160" cy="362520"/>
+            <a:ext cx="9208800" cy="362160"/>
           </a:xfrm>
           <a:prstGeom prst="rect">
             <a:avLst/>
@@ -3815,7 +3815,7 @@
         <p:spPr>
           <a:xfrm>
             <a:off x="11444760" y="0"/>
-            <a:ext cx="742320" cy="6851160"/>
+            <a:ext cx="741960" cy="6850800"/>
           </a:xfrm>
           <a:prstGeom prst="rect">
             <a:avLst/>
@@ -3845,7 +3845,7 @@
         <p:spPr>
           <a:xfrm>
             <a:off x="0" y="6642720"/>
-            <a:ext cx="12185280" cy="211320"/>
+            <a:ext cx="12184920" cy="211320"/>
           </a:xfrm>
           <a:prstGeom prst="rect">
             <a:avLst/>
@@ -4156,7 +4156,7 @@
         <p:spPr>
           <a:xfrm>
             <a:off x="11444760" y="0"/>
-            <a:ext cx="742320" cy="6851160"/>
+            <a:ext cx="741960" cy="6850800"/>
           </a:xfrm>
           <a:prstGeom prst="rect">
             <a:avLst/>
@@ -4186,7 +4186,7 @@
         <p:spPr>
           <a:xfrm>
             <a:off x="11438640" y="6453360"/>
-            <a:ext cx="759240" cy="363960"/>
+            <a:ext cx="758880" cy="363960"/>
           </a:xfrm>
           <a:prstGeom prst="rect">
             <a:avLst/>
@@ -4212,7 +4212,7 @@
                 <a:spcPct val="100000"/>
               </a:lnSpc>
             </a:pPr>
-            <a:fld id="{39C4D889-09C3-482F-AFC7-B479BA88DEF6}" type="slidenum">
+            <a:fld id="{E868A17C-70E1-4E76-88F7-E61BA3167273}" type="slidenum">
               <a:rPr b="0" lang="en-US" sz="1800" spc="-1" strike="noStrike">
                 <a:solidFill>
                   <a:srgbClr val="808080"/>
@@ -4237,7 +4237,7 @@
         <p:spPr>
           <a:xfrm>
             <a:off x="912240" y="1268280"/>
-            <a:ext cx="9209160" cy="362520"/>
+            <a:ext cx="9208800" cy="362160"/>
           </a:xfrm>
           <a:prstGeom prst="rect">
             <a:avLst/>
@@ -4267,7 +4267,7 @@
         <p:spPr>
           <a:xfrm>
             <a:off x="0" y="0"/>
-            <a:ext cx="3053160" cy="563040"/>
+            <a:ext cx="3052800" cy="562680"/>
           </a:xfrm>
           <a:prstGeom prst="rect">
             <a:avLst/>
@@ -4290,7 +4290,7 @@
         <p:spPr>
           <a:xfrm>
             <a:off x="7430400" y="134640"/>
-            <a:ext cx="3699000" cy="515160"/>
+            <a:ext cx="3698640" cy="514800"/>
           </a:xfrm>
           <a:prstGeom prst="rect">
             <a:avLst/>
@@ -4309,7 +4309,7 @@
         <p:spPr>
           <a:xfrm>
             <a:off x="11444760" y="0"/>
-            <a:ext cx="742320" cy="6851160"/>
+            <a:ext cx="741960" cy="6850800"/>
           </a:xfrm>
           <a:prstGeom prst="rect">
             <a:avLst/>
@@ -4339,7 +4339,7 @@
         <p:spPr>
           <a:xfrm>
             <a:off x="11438640" y="6453360"/>
-            <a:ext cx="759240" cy="363960"/>
+            <a:ext cx="758880" cy="363960"/>
           </a:xfrm>
           <a:prstGeom prst="rect">
             <a:avLst/>
@@ -4365,7 +4365,7 @@
                 <a:spcPct val="100000"/>
               </a:lnSpc>
             </a:pPr>
-            <a:fld id="{26633E3B-1C47-4214-B58F-DEE30A0E8F48}" type="slidenum">
+            <a:fld id="{6BB9EEAF-A27A-40F0-AAEE-E5DE892D9C16}" type="slidenum">
               <a:rPr b="0" lang="en-US" sz="1800" spc="-1" strike="noStrike">
                 <a:solidFill>
                   <a:srgbClr val="808080"/>
@@ -4390,7 +4390,7 @@
         <p:spPr>
           <a:xfrm>
             <a:off x="0" y="6642720"/>
-            <a:ext cx="12185280" cy="211320"/>
+            <a:ext cx="12184920" cy="211320"/>
           </a:xfrm>
           <a:prstGeom prst="rect">
             <a:avLst/>
@@ -4694,7 +4694,7 @@
         <p:spPr>
           <a:xfrm>
             <a:off x="527400" y="1412640"/>
-            <a:ext cx="10362240" cy="1148760"/>
+            <a:ext cx="10361880" cy="1148400"/>
           </a:xfrm>
           <a:prstGeom prst="rect">
             <a:avLst/>
@@ -4745,7 +4745,7 @@
         <p:spPr>
           <a:xfrm>
             <a:off x="527400" y="2852640"/>
-            <a:ext cx="10362240" cy="2369520"/>
+            <a:ext cx="10361880" cy="2369160"/>
           </a:xfrm>
           <a:prstGeom prst="rect">
             <a:avLst/>
@@ -4942,7 +4942,7 @@
         <p:spPr>
           <a:xfrm>
             <a:off x="335520" y="764640"/>
-            <a:ext cx="10746360" cy="497160"/>
+            <a:ext cx="10746000" cy="496800"/>
           </a:xfrm>
           <a:prstGeom prst="rect">
             <a:avLst/>
@@ -4993,7 +4993,7 @@
         <p:spPr>
           <a:xfrm>
             <a:off x="335520" y="1268280"/>
-            <a:ext cx="10746360" cy="5033880"/>
+            <a:ext cx="10746000" cy="5033520"/>
           </a:xfrm>
           <a:prstGeom prst="rect">
             <a:avLst/>
@@ -5014,7 +5014,7 @@
             <a:noAutofit/>
           </a:bodyPr>
           <a:p>
-            <a:pPr marL="195120" indent="-189000">
+            <a:pPr marL="195120" indent="-188640">
               <a:lnSpc>
                 <a:spcPct val="100000"/>
               </a:lnSpc>
@@ -5078,7 +5078,7 @@
             </a:endParaRPr>
           </a:p>
           <a:p>
-            <a:pPr marL="195120" indent="-189000">
+            <a:pPr marL="195120" indent="-188640">
               <a:lnSpc>
                 <a:spcPct val="100000"/>
               </a:lnSpc>
@@ -5107,7 +5107,7 @@
             </a:endParaRPr>
           </a:p>
           <a:p>
-            <a:pPr lvl="1" marL="432000" indent="-211680">
+            <a:pPr lvl="1" marL="432000" indent="-211320">
               <a:lnSpc>
                 <a:spcPct val="100000"/>
               </a:lnSpc>
@@ -5158,7 +5158,7 @@
             </a:endParaRPr>
           </a:p>
           <a:p>
-            <a:pPr lvl="1" marL="432000" indent="-211680">
+            <a:pPr lvl="1" marL="432000" indent="-211320">
               <a:lnSpc>
                 <a:spcPct val="100000"/>
               </a:lnSpc>
@@ -5222,7 +5222,7 @@
             </a:endParaRPr>
           </a:p>
           <a:p>
-            <a:pPr marL="195120" indent="-189000">
+            <a:pPr marL="195120" indent="-188640">
               <a:lnSpc>
                 <a:spcPct val="100000"/>
               </a:lnSpc>
@@ -5295,7 +5295,7 @@
             </a:endParaRPr>
           </a:p>
           <a:p>
-            <a:pPr lvl="1" marL="744120" indent="-280800">
+            <a:pPr lvl="1" marL="744120" indent="-280440">
               <a:lnSpc>
                 <a:spcPct val="100000"/>
               </a:lnSpc>
@@ -5337,7 +5337,7 @@
             </a:endParaRPr>
           </a:p>
           <a:p>
-            <a:pPr marL="195120" indent="-189000">
+            <a:pPr marL="195120" indent="-188640">
               <a:lnSpc>
                 <a:spcPct val="100000"/>
               </a:lnSpc>
@@ -5379,7 +5379,7 @@
             </a:endParaRPr>
           </a:p>
           <a:p>
-            <a:pPr marL="195120" indent="-189000" algn="ctr">
+            <a:pPr marL="195120" indent="-188640" algn="ctr">
               <a:lnSpc>
                 <a:spcPct val="100000"/>
               </a:lnSpc>
@@ -5501,7 +5501,7 @@
         <p:spPr>
           <a:xfrm>
             <a:off x="335520" y="764640"/>
-            <a:ext cx="10746360" cy="497160"/>
+            <a:ext cx="10746000" cy="496800"/>
           </a:xfrm>
           <a:prstGeom prst="rect">
             <a:avLst/>
@@ -5572,7 +5572,7 @@
         <p:spPr>
           <a:xfrm>
             <a:off x="335520" y="1268640"/>
-            <a:ext cx="10746360" cy="5033880"/>
+            <a:ext cx="10746000" cy="5033520"/>
           </a:xfrm>
           <a:prstGeom prst="rect">
             <a:avLst/>
@@ -5593,7 +5593,7 @@
             <a:noAutofit/>
           </a:bodyPr>
           <a:p>
-            <a:pPr marL="195120" indent="-189000">
+            <a:pPr marL="195120" indent="-188640">
               <a:lnSpc>
                 <a:spcPct val="100000"/>
               </a:lnSpc>
@@ -5633,7 +5633,7 @@
             </a:endParaRPr>
           </a:p>
           <a:p>
-            <a:pPr lvl="1" marL="432000" indent="-211680">
+            <a:pPr lvl="1" marL="432000" indent="-211320">
               <a:lnSpc>
                 <a:spcPct val="100000"/>
               </a:lnSpc>
@@ -5682,7 +5682,7 @@
             </a:endParaRPr>
           </a:p>
           <a:p>
-            <a:pPr lvl="1" marL="432000" indent="-211680">
+            <a:pPr lvl="1" marL="432000" indent="-211320">
               <a:lnSpc>
                 <a:spcPct val="100000"/>
               </a:lnSpc>
@@ -5724,7 +5724,7 @@
             </a:endParaRPr>
           </a:p>
           <a:p>
-            <a:pPr marL="195120" indent="-189000">
+            <a:pPr marL="195120" indent="-188640">
               <a:lnSpc>
                 <a:spcPct val="100000"/>
               </a:lnSpc>
@@ -5754,7 +5754,7 @@
             </a:endParaRPr>
           </a:p>
           <a:p>
-            <a:pPr lvl="1" marL="432000" indent="-211680">
+            <a:pPr lvl="1" marL="432000" indent="-211320">
               <a:lnSpc>
                 <a:spcPct val="100000"/>
               </a:lnSpc>
@@ -5843,7 +5843,7 @@
             </a:endParaRPr>
           </a:p>
           <a:p>
-            <a:pPr lvl="1" marL="432000" indent="-211680">
+            <a:pPr lvl="1" marL="432000" indent="-211320">
               <a:lnSpc>
                 <a:spcPct val="100000"/>
               </a:lnSpc>
@@ -5894,7 +5894,7 @@
             </a:endParaRPr>
           </a:p>
           <a:p>
-            <a:pPr marL="195120" indent="-189000">
+            <a:pPr marL="195120" indent="-188640">
               <a:lnSpc>
                 <a:spcPct val="100000"/>
               </a:lnSpc>
@@ -5924,7 +5924,7 @@
             </a:endParaRPr>
           </a:p>
           <a:p>
-            <a:pPr lvl="1" marL="432000" indent="-211680">
+            <a:pPr lvl="1" marL="432000" indent="-211320">
               <a:lnSpc>
                 <a:spcPct val="100000"/>
               </a:lnSpc>
@@ -6033,7 +6033,7 @@
             </a:endParaRPr>
           </a:p>
           <a:p>
-            <a:pPr lvl="1" marL="432000" indent="-211680">
+            <a:pPr lvl="1" marL="432000" indent="-211320">
               <a:lnSpc>
                 <a:spcPct val="100000"/>
               </a:lnSpc>
@@ -6124,7 +6124,7 @@
         <p:spPr>
           <a:xfrm>
             <a:off x="335520" y="764640"/>
-            <a:ext cx="10746360" cy="497160"/>
+            <a:ext cx="10746000" cy="496800"/>
           </a:xfrm>
           <a:prstGeom prst="rect">
             <a:avLst/>
@@ -6175,7 +6175,7 @@
         <p:spPr>
           <a:xfrm>
             <a:off x="335520" y="1268280"/>
-            <a:ext cx="10746360" cy="5033880"/>
+            <a:ext cx="10746000" cy="5033520"/>
           </a:xfrm>
           <a:prstGeom prst="rect">
             <a:avLst/>
@@ -6219,7 +6219,7 @@
             </a:endParaRPr>
           </a:p>
           <a:p>
-            <a:pPr marL="195120" indent="-189000">
+            <a:pPr marL="195120" indent="-188640">
               <a:lnSpc>
                 <a:spcPct val="100000"/>
               </a:lnSpc>
@@ -6288,7 +6288,7 @@
             </a:endParaRPr>
           </a:p>
           <a:p>
-            <a:pPr marL="195120" indent="-189000">
+            <a:pPr marL="195120" indent="-188640">
               <a:lnSpc>
                 <a:spcPct val="100000"/>
               </a:lnSpc>
@@ -6347,7 +6347,7 @@
             </a:endParaRPr>
           </a:p>
           <a:p>
-            <a:pPr marL="195120" indent="-189000">
+            <a:pPr marL="195120" indent="-188640">
               <a:lnSpc>
                 <a:spcPct val="100000"/>
               </a:lnSpc>
@@ -6376,7 +6376,7 @@
             </a:endParaRPr>
           </a:p>
           <a:p>
-            <a:pPr marL="195120" indent="-189000">
+            <a:pPr marL="195120" indent="-188640">
               <a:lnSpc>
                 <a:spcPct val="100000"/>
               </a:lnSpc>
@@ -6405,7 +6405,7 @@
             </a:endParaRPr>
           </a:p>
           <a:p>
-            <a:pPr marL="195120" indent="-189000">
+            <a:pPr marL="195120" indent="-188640">
               <a:lnSpc>
                 <a:spcPct val="100000"/>
               </a:lnSpc>
@@ -6674,7 +6674,7 @@
         <p:spPr>
           <a:xfrm>
             <a:off x="335520" y="764640"/>
-            <a:ext cx="10746360" cy="497160"/>
+            <a:ext cx="10746000" cy="496800"/>
           </a:xfrm>
           <a:prstGeom prst="rect">
             <a:avLst/>
@@ -6725,7 +6725,7 @@
         <p:spPr>
           <a:xfrm>
             <a:off x="335520" y="1268280"/>
-            <a:ext cx="10746360" cy="5033880"/>
+            <a:ext cx="10746000" cy="5033520"/>
           </a:xfrm>
           <a:prstGeom prst="rect">
             <a:avLst/>
@@ -6769,7 +6769,7 @@
             </a:endParaRPr>
           </a:p>
           <a:p>
-            <a:pPr marL="195120" indent="-189000">
+            <a:pPr marL="195120" indent="-188640">
               <a:lnSpc>
                 <a:spcPct val="100000"/>
               </a:lnSpc>
@@ -6838,7 +6838,7 @@
             </a:endParaRPr>
           </a:p>
           <a:p>
-            <a:pPr marL="195120" indent="-189000">
+            <a:pPr marL="195120" indent="-188640">
               <a:lnSpc>
                 <a:spcPct val="100000"/>
               </a:lnSpc>
@@ -6897,7 +6897,7 @@
             </a:endParaRPr>
           </a:p>
           <a:p>
-            <a:pPr marL="195120" indent="-189000">
+            <a:pPr marL="195120" indent="-188640">
               <a:lnSpc>
                 <a:spcPct val="100000"/>
               </a:lnSpc>
@@ -6926,7 +6926,7 @@
             </a:endParaRPr>
           </a:p>
           <a:p>
-            <a:pPr marL="195120" indent="-189000">
+            <a:pPr marL="195120" indent="-188640">
               <a:lnSpc>
                 <a:spcPct val="100000"/>
               </a:lnSpc>
@@ -6955,7 +6955,7 @@
             </a:endParaRPr>
           </a:p>
           <a:p>
-            <a:pPr marL="195120" indent="-189000">
+            <a:pPr marL="195120" indent="-188640">
               <a:lnSpc>
                 <a:spcPct val="100000"/>
               </a:lnSpc>
@@ -6997,7 +6997,7 @@
             </a:endParaRPr>
           </a:p>
           <a:p>
-            <a:pPr marL="195120" indent="-189000">
+            <a:pPr marL="195120" indent="-188640">
               <a:lnSpc>
                 <a:spcPct val="100000"/>
               </a:lnSpc>
@@ -7026,7 +7026,7 @@
             </a:endParaRPr>
           </a:p>
           <a:p>
-            <a:pPr lvl="1" marL="744120" indent="-280800">
+            <a:pPr lvl="1" marL="744120" indent="-280440">
               <a:lnSpc>
                 <a:spcPct val="100000"/>
               </a:lnSpc>
@@ -7055,7 +7055,7 @@
             </a:endParaRPr>
           </a:p>
           <a:p>
-            <a:pPr lvl="1" marL="744120" indent="-280800">
+            <a:pPr lvl="1" marL="744120" indent="-280440">
               <a:lnSpc>
                 <a:spcPct val="100000"/>
               </a:lnSpc>
@@ -7084,7 +7084,7 @@
             </a:endParaRPr>
           </a:p>
           <a:p>
-            <a:pPr lvl="1" marL="744120" indent="-280800">
+            <a:pPr lvl="1" marL="744120" indent="-280440">
               <a:lnSpc>
                 <a:spcPct val="100000"/>
               </a:lnSpc>
@@ -7113,7 +7113,7 @@
             </a:endParaRPr>
           </a:p>
           <a:p>
-            <a:pPr lvl="1" marL="744120" indent="-280800">
+            <a:pPr lvl="1" marL="744120" indent="-280440">
               <a:lnSpc>
                 <a:spcPct val="100000"/>
               </a:lnSpc>
@@ -7142,7 +7142,7 @@
             </a:endParaRPr>
           </a:p>
           <a:p>
-            <a:pPr lvl="1" marL="744120" indent="-280800">
+            <a:pPr lvl="1" marL="744120" indent="-280440">
               <a:lnSpc>
                 <a:spcPct val="100000"/>
               </a:lnSpc>
@@ -7260,7 +7260,7 @@
         <p:spPr>
           <a:xfrm>
             <a:off x="335520" y="764640"/>
-            <a:ext cx="10746360" cy="497160"/>
+            <a:ext cx="10746000" cy="496800"/>
           </a:xfrm>
           <a:prstGeom prst="rect">
             <a:avLst/>
@@ -7311,7 +7311,7 @@
         <p:spPr>
           <a:xfrm>
             <a:off x="335520" y="1268640"/>
-            <a:ext cx="10746360" cy="5033880"/>
+            <a:ext cx="10746000" cy="5033520"/>
           </a:xfrm>
           <a:prstGeom prst="rect">
             <a:avLst/>
@@ -7332,7 +7332,7 @@
             <a:noAutofit/>
           </a:bodyPr>
           <a:p>
-            <a:pPr marL="195120" indent="-189000">
+            <a:pPr marL="195120" indent="-188640">
               <a:lnSpc>
                 <a:spcPct val="100000"/>
               </a:lnSpc>
@@ -7361,7 +7361,7 @@
             </a:endParaRPr>
           </a:p>
           <a:p>
-            <a:pPr lvl="1" marL="744120" indent="-280800">
+            <a:pPr lvl="1" marL="744120" indent="-280440">
               <a:lnSpc>
                 <a:spcPct val="100000"/>
               </a:lnSpc>
@@ -7403,7 +7403,7 @@
             </a:endParaRPr>
           </a:p>
           <a:p>
-            <a:pPr marL="195120" indent="-189000">
+            <a:pPr marL="195120" indent="-188640">
               <a:lnSpc>
                 <a:spcPct val="100000"/>
               </a:lnSpc>
@@ -7432,7 +7432,7 @@
             </a:endParaRPr>
           </a:p>
           <a:p>
-            <a:pPr lvl="1" marL="744120" indent="-280800">
+            <a:pPr lvl="1" marL="744120" indent="-280440">
               <a:lnSpc>
                 <a:spcPct val="100000"/>
               </a:lnSpc>
@@ -7461,7 +7461,7 @@
             </a:endParaRPr>
           </a:p>
           <a:p>
-            <a:pPr lvl="1" marL="744120" indent="-280800">
+            <a:pPr lvl="1" marL="744120" indent="-280440">
               <a:lnSpc>
                 <a:spcPct val="100000"/>
               </a:lnSpc>
@@ -7510,7 +7510,7 @@
             </a:endParaRPr>
           </a:p>
           <a:p>
-            <a:pPr lvl="1" marL="744120" indent="-280800">
+            <a:pPr lvl="1" marL="744120" indent="-280440">
               <a:lnSpc>
                 <a:spcPct val="100000"/>
               </a:lnSpc>
@@ -7579,7 +7579,7 @@
         <p:spPr>
           <a:xfrm>
             <a:off x="335520" y="764640"/>
-            <a:ext cx="10746360" cy="497160"/>
+            <a:ext cx="10746000" cy="496800"/>
           </a:xfrm>
           <a:prstGeom prst="rect">
             <a:avLst/>
@@ -7630,7 +7630,7 @@
         <p:spPr>
           <a:xfrm>
             <a:off x="335520" y="1268280"/>
-            <a:ext cx="10746360" cy="5033880"/>
+            <a:ext cx="10746000" cy="5033520"/>
           </a:xfrm>
           <a:prstGeom prst="rect">
             <a:avLst/>
@@ -7664,7 +7664,7 @@
             </a:endParaRPr>
           </a:p>
           <a:p>
-            <a:pPr marL="195120" indent="-189000">
+            <a:pPr marL="195120" indent="-188640">
               <a:lnSpc>
                 <a:spcPct val="100000"/>
               </a:lnSpc>
@@ -7720,7 +7720,7 @@
         <p:spPr>
           <a:xfrm>
             <a:off x="6285600" y="2132640"/>
-            <a:ext cx="515880" cy="495720"/>
+            <a:ext cx="515520" cy="495360"/>
           </a:xfrm>
           <a:prstGeom prst="star5">
             <a:avLst>
@@ -7762,7 +7762,7 @@
         <p:spPr>
           <a:xfrm>
             <a:off x="4089960" y="2247480"/>
-            <a:ext cx="2284200" cy="363960"/>
+            <a:ext cx="2283840" cy="363960"/>
           </a:xfrm>
           <a:prstGeom prst="rect">
             <a:avLst/>
@@ -7863,7 +7863,7 @@
         <p:spPr>
           <a:xfrm>
             <a:off x="335520" y="764640"/>
-            <a:ext cx="10746360" cy="497160"/>
+            <a:ext cx="10746000" cy="496800"/>
           </a:xfrm>
           <a:prstGeom prst="rect">
             <a:avLst/>
@@ -7914,7 +7914,7 @@
         <p:spPr>
           <a:xfrm>
             <a:off x="335520" y="1268640"/>
-            <a:ext cx="10746360" cy="5033880"/>
+            <a:ext cx="10746000" cy="5033520"/>
           </a:xfrm>
           <a:prstGeom prst="rect">
             <a:avLst/>
@@ -7935,7 +7935,7 @@
             <a:noAutofit/>
           </a:bodyPr>
           <a:p>
-            <a:pPr marL="195120" indent="-189000">
+            <a:pPr marL="195120" indent="-188640">
               <a:lnSpc>
                 <a:spcPct val="100000"/>
               </a:lnSpc>
@@ -7997,7 +7997,7 @@
             </a:endParaRPr>
           </a:p>
           <a:p>
-            <a:pPr marL="195120" indent="-189000">
+            <a:pPr marL="195120" indent="-188640">
               <a:lnSpc>
                 <a:spcPct val="100000"/>
               </a:lnSpc>
@@ -8046,7 +8046,7 @@
             </a:endParaRPr>
           </a:p>
           <a:p>
-            <a:pPr marL="195120" indent="-189000">
+            <a:pPr marL="195120" indent="-188640">
               <a:lnSpc>
                 <a:spcPct val="100000"/>
               </a:lnSpc>
@@ -8095,7 +8095,7 @@
             </a:endParaRPr>
           </a:p>
           <a:p>
-            <a:pPr marL="195120" indent="-189000">
+            <a:pPr marL="195120" indent="-188640">
               <a:lnSpc>
                 <a:spcPct val="100000"/>
               </a:lnSpc>
@@ -8144,7 +8144,7 @@
             </a:endParaRPr>
           </a:p>
           <a:p>
-            <a:pPr marL="195120" indent="-189000">
+            <a:pPr marL="195120" indent="-188640">
               <a:lnSpc>
                 <a:spcPct val="100000"/>
               </a:lnSpc>
@@ -8193,7 +8193,7 @@
             </a:endParaRPr>
           </a:p>
           <a:p>
-            <a:pPr marL="195120" indent="-189000">
+            <a:pPr marL="195120" indent="-188640">
               <a:lnSpc>
                 <a:spcPct val="100000"/>
               </a:lnSpc>
@@ -8242,7 +8242,7 @@
             </a:endParaRPr>
           </a:p>
           <a:p>
-            <a:pPr marL="195120" indent="-189000">
+            <a:pPr marL="195120" indent="-188640">
               <a:lnSpc>
                 <a:spcPct val="100000"/>
               </a:lnSpc>
@@ -8291,7 +8291,7 @@
             </a:endParaRPr>
           </a:p>
           <a:p>
-            <a:pPr marL="195120" indent="-189000">
+            <a:pPr marL="195120" indent="-188640">
               <a:lnSpc>
                 <a:spcPct val="100000"/>
               </a:lnSpc>
@@ -8340,7 +8340,7 @@
             </a:endParaRPr>
           </a:p>
           <a:p>
-            <a:pPr marL="195120" indent="-189000">
+            <a:pPr marL="195120" indent="-188640">
               <a:lnSpc>
                 <a:spcPct val="100000"/>
               </a:lnSpc>
@@ -8389,7 +8389,7 @@
             </a:endParaRPr>
           </a:p>
           <a:p>
-            <a:pPr marL="195120" indent="-189000">
+            <a:pPr marL="195120" indent="-188640">
               <a:lnSpc>
                 <a:spcPct val="100000"/>
               </a:lnSpc>
@@ -8478,7 +8478,7 @@
         <p:spPr>
           <a:xfrm>
             <a:off x="335520" y="764640"/>
-            <a:ext cx="10746360" cy="497160"/>
+            <a:ext cx="10746000" cy="496800"/>
           </a:xfrm>
           <a:prstGeom prst="rect">
             <a:avLst/>
@@ -8529,7 +8529,7 @@
         <p:spPr>
           <a:xfrm>
             <a:off x="335520" y="1268640"/>
-            <a:ext cx="10746360" cy="5033880"/>
+            <a:ext cx="10746000" cy="5033520"/>
           </a:xfrm>
           <a:prstGeom prst="rect">
             <a:avLst/>
@@ -8550,7 +8550,7 @@
             <a:noAutofit/>
           </a:bodyPr>
           <a:p>
-            <a:pPr marL="195120" indent="-189000">
+            <a:pPr marL="195120" indent="-188640">
               <a:lnSpc>
                 <a:spcPct val="100000"/>
               </a:lnSpc>
@@ -8599,7 +8599,7 @@
             </a:endParaRPr>
           </a:p>
           <a:p>
-            <a:pPr marL="195120" indent="-189000">
+            <a:pPr marL="195120" indent="-188640">
               <a:lnSpc>
                 <a:spcPct val="100000"/>
               </a:lnSpc>
@@ -8648,7 +8648,7 @@
             </a:endParaRPr>
           </a:p>
           <a:p>
-            <a:pPr marL="195120" indent="-189000">
+            <a:pPr marL="195120" indent="-188640">
               <a:lnSpc>
                 <a:spcPct val="100000"/>
               </a:lnSpc>
@@ -8737,7 +8737,7 @@
         <p:spPr>
           <a:xfrm>
             <a:off x="335520" y="764640"/>
-            <a:ext cx="10746360" cy="497160"/>
+            <a:ext cx="10746000" cy="496800"/>
           </a:xfrm>
           <a:prstGeom prst="rect">
             <a:avLst/>
@@ -8788,7 +8788,7 @@
         <p:spPr>
           <a:xfrm>
             <a:off x="335520" y="1268640"/>
-            <a:ext cx="10743120" cy="5030640"/>
+            <a:ext cx="10742760" cy="5030280"/>
           </a:xfrm>
           <a:prstGeom prst="rect">
             <a:avLst/>
@@ -8809,7 +8809,7 @@
             <a:noAutofit/>
           </a:bodyPr>
           <a:p>
-            <a:pPr marL="195120" indent="-189000">
+            <a:pPr marL="195120" indent="-188640">
               <a:lnSpc>
                 <a:spcPct val="100000"/>
               </a:lnSpc>
@@ -8850,7 +8850,7 @@
             </a:endParaRPr>
           </a:p>
           <a:p>
-            <a:pPr marL="195120" indent="-189000">
+            <a:pPr marL="195120" indent="-188640">
               <a:lnSpc>
                 <a:spcPct val="100000"/>
               </a:lnSpc>
@@ -8901,7 +8901,7 @@
             </a:endParaRPr>
           </a:p>
           <a:p>
-            <a:pPr marL="195120" indent="-189000">
+            <a:pPr marL="195120" indent="-188640">
               <a:lnSpc>
                 <a:spcPct val="100000"/>
               </a:lnSpc>
@@ -8955,7 +8955,7 @@
             </a:endParaRPr>
           </a:p>
           <a:p>
-            <a:pPr marL="195120" indent="-189000">
+            <a:pPr marL="195120" indent="-188640">
               <a:lnSpc>
                 <a:spcPct val="100000"/>
               </a:lnSpc>
@@ -8984,7 +8984,7 @@
             </a:endParaRPr>
           </a:p>
           <a:p>
-            <a:pPr lvl="1" marL="432000" indent="-215280">
+            <a:pPr lvl="1" marL="432000" indent="-214920">
               <a:lnSpc>
                 <a:spcPct val="100000"/>
               </a:lnSpc>
@@ -9032,7 +9032,7 @@
             </a:endParaRPr>
           </a:p>
           <a:p>
-            <a:pPr lvl="1" marL="432000" indent="-215280">
+            <a:pPr lvl="1" marL="432000" indent="-214920">
               <a:lnSpc>
                 <a:spcPct val="100000"/>
               </a:lnSpc>
@@ -9083,7 +9083,7 @@
             </a:endParaRPr>
           </a:p>
           <a:p>
-            <a:pPr lvl="1" marL="432000" indent="-215280">
+            <a:pPr lvl="1" marL="432000" indent="-214920">
               <a:lnSpc>
                 <a:spcPct val="100000"/>
               </a:lnSpc>
@@ -9174,7 +9174,7 @@
         <p:spPr>
           <a:xfrm>
             <a:off x="335520" y="1268640"/>
-            <a:ext cx="10746360" cy="5033880"/>
+            <a:ext cx="10746000" cy="5033520"/>
           </a:xfrm>
           <a:prstGeom prst="rect">
             <a:avLst/>
@@ -9231,7 +9231,7 @@
         <p:spPr>
           <a:xfrm>
             <a:off x="335520" y="764640"/>
-            <a:ext cx="10746360" cy="497160"/>
+            <a:ext cx="10746000" cy="496800"/>
           </a:xfrm>
           <a:prstGeom prst="rect">
             <a:avLst/>
@@ -9287,7 +9287,7 @@
         <p:spPr>
           <a:xfrm>
             <a:off x="335520" y="764640"/>
-            <a:ext cx="10744200" cy="495000"/>
+            <a:ext cx="10740240" cy="491040"/>
           </a:xfrm>
           <a:prstGeom prst="rect">
             <a:avLst/>
@@ -9338,7 +9338,7 @@
         <p:spPr>
           <a:xfrm>
             <a:off x="335520" y="1268280"/>
-            <a:ext cx="10744200" cy="5031720"/>
+            <a:ext cx="10740240" cy="5027760"/>
           </a:xfrm>
           <a:prstGeom prst="rect">
             <a:avLst/>
@@ -9369,7 +9369,7 @@
             </a:endParaRPr>
           </a:p>
           <a:p>
-            <a:pPr marL="195120" indent="-186840">
+            <a:pPr marL="195120" indent="-182880">
               <a:lnSpc>
                 <a:spcPct val="100000"/>
               </a:lnSpc>
@@ -9453,7 +9453,7 @@
             </a:endParaRPr>
           </a:p>
           <a:p>
-            <a:pPr marL="195120" indent="-186840">
+            <a:pPr marL="195120" indent="-182880">
               <a:lnSpc>
                 <a:spcPct val="100000"/>
               </a:lnSpc>
@@ -9557,7 +9557,7 @@
         <p:spPr>
           <a:xfrm>
             <a:off x="335520" y="764640"/>
-            <a:ext cx="10746360" cy="497160"/>
+            <a:ext cx="10746000" cy="496800"/>
           </a:xfrm>
           <a:prstGeom prst="rect">
             <a:avLst/>
@@ -9612,7 +9612,7 @@
         <p:spPr>
           <a:xfrm>
             <a:off x="2374920" y="2133000"/>
-            <a:ext cx="1469160" cy="2170440"/>
+            <a:ext cx="1468800" cy="2170080"/>
           </a:xfrm>
           <a:prstGeom prst="rect">
             <a:avLst/>
@@ -9635,7 +9635,7 @@
         <p:spPr>
           <a:xfrm>
             <a:off x="6960240" y="2525760"/>
-            <a:ext cx="1783080" cy="1775160"/>
+            <a:ext cx="1782720" cy="1774800"/>
           </a:xfrm>
           <a:prstGeom prst="rect">
             <a:avLst/>
@@ -9654,7 +9654,7 @@
         <p:spPr>
           <a:xfrm>
             <a:off x="1310400" y="4249080"/>
-            <a:ext cx="3633840" cy="675360"/>
+            <a:ext cx="3633480" cy="675000"/>
           </a:xfrm>
           <a:prstGeom prst="rect">
             <a:avLst/>
@@ -9731,7 +9731,7 @@
         <p:spPr>
           <a:xfrm>
             <a:off x="6013080" y="4269960"/>
-            <a:ext cx="3633840" cy="675360"/>
+            <a:ext cx="3633480" cy="675000"/>
           </a:xfrm>
           <a:prstGeom prst="rect">
             <a:avLst/>
@@ -9838,7 +9838,7 @@
         <p:spPr>
           <a:xfrm>
             <a:off x="542880" y="721800"/>
-            <a:ext cx="10352160" cy="492840"/>
+            <a:ext cx="10351800" cy="492480"/>
           </a:xfrm>
           <a:prstGeom prst="rect">
             <a:avLst/>
@@ -9889,7 +9889,7 @@
         <p:spPr>
           <a:xfrm>
             <a:off x="451800" y="1709280"/>
-            <a:ext cx="8219520" cy="4347720"/>
+            <a:ext cx="8219160" cy="4347360"/>
           </a:xfrm>
           <a:prstGeom prst="rect">
             <a:avLst/>
@@ -9915,7 +9915,7 @@
         <p:spPr>
           <a:xfrm>
             <a:off x="609480" y="1769400"/>
-            <a:ext cx="10582560" cy="4850640"/>
+            <a:ext cx="10582200" cy="4850280"/>
           </a:xfrm>
           <a:prstGeom prst="rect">
             <a:avLst/>
@@ -9936,7 +9936,7 @@
             <a:normAutofit/>
           </a:bodyPr>
           <a:p>
-            <a:pPr marL="216000" indent="-210960">
+            <a:pPr marL="216000" indent="-210600">
               <a:lnSpc>
                 <a:spcPct val="90000"/>
               </a:lnSpc>
@@ -10045,7 +10045,7 @@
             </a:endParaRPr>
           </a:p>
           <a:p>
-            <a:pPr marL="216000" indent="-210960">
+            <a:pPr marL="216000" indent="-210600">
               <a:lnSpc>
                 <a:spcPct val="100000"/>
               </a:lnSpc>
@@ -10074,7 +10074,7 @@
             </a:endParaRPr>
           </a:p>
           <a:p>
-            <a:pPr lvl="1" marL="685800" indent="-223560">
+            <a:pPr lvl="1" marL="685800" indent="-223200">
               <a:lnSpc>
                 <a:spcPct val="100000"/>
               </a:lnSpc>
@@ -10103,7 +10103,7 @@
             </a:endParaRPr>
           </a:p>
           <a:p>
-            <a:pPr lvl="1" marL="685800" indent="-223560">
+            <a:pPr lvl="1" marL="685800" indent="-223200">
               <a:lnSpc>
                 <a:spcPct val="100000"/>
               </a:lnSpc>
@@ -10132,7 +10132,7 @@
             </a:endParaRPr>
           </a:p>
           <a:p>
-            <a:pPr lvl="1" marL="685800" indent="-223560">
+            <a:pPr lvl="1" marL="685800" indent="-223200">
               <a:lnSpc>
                 <a:spcPct val="100000"/>
               </a:lnSpc>
@@ -10161,7 +10161,7 @@
             </a:endParaRPr>
           </a:p>
           <a:p>
-            <a:pPr lvl="1" marL="685800" indent="-223560">
+            <a:pPr lvl="1" marL="685800" indent="-223200">
               <a:lnSpc>
                 <a:spcPct val="100000"/>
               </a:lnSpc>
@@ -10190,7 +10190,7 @@
             </a:endParaRPr>
           </a:p>
           <a:p>
-            <a:pPr marL="216000" indent="-210960">
+            <a:pPr marL="216000" indent="-210600">
               <a:lnSpc>
                 <a:spcPct val="100000"/>
               </a:lnSpc>
@@ -10219,7 +10219,7 @@
             </a:endParaRPr>
           </a:p>
           <a:p>
-            <a:pPr lvl="1" marL="685800" indent="-223560">
+            <a:pPr lvl="1" marL="685800" indent="-223200">
               <a:lnSpc>
                 <a:spcPct val="100000"/>
               </a:lnSpc>
@@ -10248,7 +10248,7 @@
             </a:endParaRPr>
           </a:p>
           <a:p>
-            <a:pPr lvl="1" marL="685800" indent="-223560">
+            <a:pPr lvl="1" marL="685800" indent="-223200">
               <a:lnSpc>
                 <a:spcPct val="100000"/>
               </a:lnSpc>
@@ -10317,7 +10317,7 @@
         <p:spPr>
           <a:xfrm>
             <a:off x="542880" y="721800"/>
-            <a:ext cx="10352160" cy="492840"/>
+            <a:ext cx="10351800" cy="492480"/>
           </a:xfrm>
           <a:prstGeom prst="rect">
             <a:avLst/>
@@ -10368,7 +10368,7 @@
         <p:spPr>
           <a:xfrm>
             <a:off x="451800" y="1709280"/>
-            <a:ext cx="8219520" cy="4347720"/>
+            <a:ext cx="8219160" cy="4347360"/>
           </a:xfrm>
           <a:prstGeom prst="rect">
             <a:avLst/>
@@ -10394,7 +10394,7 @@
         <p:spPr>
           <a:xfrm>
             <a:off x="609480" y="1769400"/>
-            <a:ext cx="10582560" cy="4850640"/>
+            <a:ext cx="10582200" cy="4850280"/>
           </a:xfrm>
           <a:prstGeom prst="rect">
             <a:avLst/>
@@ -10415,7 +10415,7 @@
             <a:normAutofit/>
           </a:bodyPr>
           <a:p>
-            <a:pPr marL="216000" indent="-210960">
+            <a:pPr marL="216000" indent="-210600">
               <a:lnSpc>
                 <a:spcPct val="90000"/>
               </a:lnSpc>
@@ -10466,7 +10466,7 @@
             </a:endParaRPr>
           </a:p>
           <a:p>
-            <a:pPr lvl="1" marL="685800" indent="-223560">
+            <a:pPr lvl="1" marL="685800" indent="-223200">
               <a:lnSpc>
                 <a:spcPct val="100000"/>
               </a:lnSpc>
@@ -10495,7 +10495,7 @@
             </a:endParaRPr>
           </a:p>
           <a:p>
-            <a:pPr lvl="1" marL="685800" indent="-223560">
+            <a:pPr lvl="1" marL="685800" indent="-223200">
               <a:lnSpc>
                 <a:spcPct val="100000"/>
               </a:lnSpc>
@@ -10537,7 +10537,7 @@
             </a:endParaRPr>
           </a:p>
           <a:p>
-            <a:pPr marL="216000" indent="-210960">
+            <a:pPr marL="216000" indent="-210600">
               <a:lnSpc>
                 <a:spcPct val="90000"/>
               </a:lnSpc>
@@ -10569,7 +10569,7 @@
             </a:endParaRPr>
           </a:p>
           <a:p>
-            <a:pPr lvl="1" marL="685800" indent="-223560">
+            <a:pPr lvl="1" marL="685800" indent="-223200">
               <a:lnSpc>
                 <a:spcPct val="100000"/>
               </a:lnSpc>
@@ -10623,7 +10623,7 @@
             </a:endParaRPr>
           </a:p>
           <a:p>
-            <a:pPr lvl="1" marL="685800" indent="-223560">
+            <a:pPr lvl="1" marL="685800" indent="-223200">
               <a:lnSpc>
                 <a:spcPct val="100000"/>
               </a:lnSpc>
@@ -10677,7 +10677,7 @@
             </a:endParaRPr>
           </a:p>
           <a:p>
-            <a:pPr marL="228600" indent="-223560">
+            <a:pPr marL="228600" indent="-223200">
               <a:lnSpc>
                 <a:spcPct val="90000"/>
               </a:lnSpc>
@@ -10693,7 +10693,7 @@
             </a:endParaRPr>
           </a:p>
           <a:p>
-            <a:pPr marL="228600" indent="-223560" algn="ctr">
+            <a:pPr marL="228600" indent="-223200" algn="ctr">
               <a:lnSpc>
                 <a:spcPct val="90000"/>
               </a:lnSpc>
@@ -10719,7 +10719,7 @@
             </a:endParaRPr>
           </a:p>
           <a:p>
-            <a:pPr marL="457200" indent="-223560" algn="ctr">
+            <a:pPr marL="457200" indent="-223200" algn="ctr">
               <a:lnSpc>
                 <a:spcPct val="90000"/>
               </a:lnSpc>
@@ -10795,7 +10795,7 @@
         <p:spPr>
           <a:xfrm>
             <a:off x="542880" y="721800"/>
-            <a:ext cx="10352160" cy="492840"/>
+            <a:ext cx="10351800" cy="492480"/>
           </a:xfrm>
           <a:prstGeom prst="rect">
             <a:avLst/>
@@ -10846,7 +10846,7 @@
         <p:spPr>
           <a:xfrm>
             <a:off x="451800" y="1709280"/>
-            <a:ext cx="8219520" cy="4347720"/>
+            <a:ext cx="8219160" cy="4347360"/>
           </a:xfrm>
           <a:prstGeom prst="rect">
             <a:avLst/>
@@ -10872,7 +10872,7 @@
         <p:spPr>
           <a:xfrm>
             <a:off x="609480" y="1769400"/>
-            <a:ext cx="10582560" cy="4850640"/>
+            <a:ext cx="10582200" cy="4850280"/>
           </a:xfrm>
           <a:prstGeom prst="rect">
             <a:avLst/>
@@ -10893,7 +10893,7 @@
             <a:normAutofit/>
           </a:bodyPr>
           <a:p>
-            <a:pPr marL="216000" indent="-210960">
+            <a:pPr marL="216000" indent="-210600">
               <a:lnSpc>
                 <a:spcPct val="90000"/>
               </a:lnSpc>
@@ -10944,7 +10944,7 @@
             </a:endParaRPr>
           </a:p>
           <a:p>
-            <a:pPr lvl="1" marL="685800" indent="-223560">
+            <a:pPr lvl="1" marL="685800" indent="-223200">
               <a:lnSpc>
                 <a:spcPct val="100000"/>
               </a:lnSpc>
@@ -10973,7 +10973,7 @@
             </a:endParaRPr>
           </a:p>
           <a:p>
-            <a:pPr lvl="1" marL="685800" indent="-223560">
+            <a:pPr lvl="1" marL="685800" indent="-223200">
               <a:lnSpc>
                 <a:spcPct val="100000"/>
               </a:lnSpc>
@@ -11015,7 +11015,7 @@
             </a:endParaRPr>
           </a:p>
           <a:p>
-            <a:pPr marL="216000" indent="-210960">
+            <a:pPr marL="216000" indent="-210600">
               <a:lnSpc>
                 <a:spcPct val="90000"/>
               </a:lnSpc>
@@ -11047,7 +11047,7 @@
             </a:endParaRPr>
           </a:p>
           <a:p>
-            <a:pPr lvl="1" marL="685800" indent="-223560">
+            <a:pPr lvl="1" marL="685800" indent="-223200">
               <a:lnSpc>
                 <a:spcPct val="100000"/>
               </a:lnSpc>
@@ -11101,7 +11101,7 @@
             </a:endParaRPr>
           </a:p>
           <a:p>
-            <a:pPr lvl="1" marL="685800" indent="-223560">
+            <a:pPr lvl="1" marL="685800" indent="-223200">
               <a:lnSpc>
                 <a:spcPct val="100000"/>
               </a:lnSpc>
@@ -11155,7 +11155,7 @@
             </a:endParaRPr>
           </a:p>
           <a:p>
-            <a:pPr marL="228600" indent="-223560">
+            <a:pPr marL="228600" indent="-223200">
               <a:lnSpc>
                 <a:spcPct val="90000"/>
               </a:lnSpc>
@@ -11171,7 +11171,7 @@
             </a:endParaRPr>
           </a:p>
           <a:p>
-            <a:pPr marL="228600" indent="-223560" algn="ctr">
+            <a:pPr marL="228600" indent="-223200" algn="ctr">
               <a:lnSpc>
                 <a:spcPct val="90000"/>
               </a:lnSpc>
@@ -11197,7 +11197,7 @@
             </a:endParaRPr>
           </a:p>
           <a:p>
-            <a:pPr marL="457200" indent="-223560" algn="ctr">
+            <a:pPr marL="457200" indent="-223200" algn="ctr">
               <a:lnSpc>
                 <a:spcPct val="90000"/>
               </a:lnSpc>
@@ -11273,7 +11273,7 @@
         <p:spPr>
           <a:xfrm>
             <a:off x="542880" y="721800"/>
-            <a:ext cx="10352160" cy="492840"/>
+            <a:ext cx="10351800" cy="492480"/>
           </a:xfrm>
           <a:prstGeom prst="rect">
             <a:avLst/>
@@ -11324,7 +11324,7 @@
         <p:spPr>
           <a:xfrm>
             <a:off x="451800" y="1709280"/>
-            <a:ext cx="8219520" cy="4347720"/>
+            <a:ext cx="8219160" cy="4347360"/>
           </a:xfrm>
           <a:prstGeom prst="rect">
             <a:avLst/>
@@ -11350,7 +11350,7 @@
         <p:spPr>
           <a:xfrm>
             <a:off x="609480" y="1769400"/>
-            <a:ext cx="10582560" cy="4850640"/>
+            <a:ext cx="10582200" cy="4850280"/>
           </a:xfrm>
           <a:prstGeom prst="rect">
             <a:avLst/>
@@ -11371,7 +11371,7 @@
             <a:normAutofit/>
           </a:bodyPr>
           <a:p>
-            <a:pPr marL="216000" indent="-210960">
+            <a:pPr marL="216000" indent="-210600">
               <a:lnSpc>
                 <a:spcPct val="90000"/>
               </a:lnSpc>
@@ -11400,7 +11400,7 @@
             </a:endParaRPr>
           </a:p>
           <a:p>
-            <a:pPr marL="216000" indent="-210960">
+            <a:pPr marL="216000" indent="-210600">
               <a:lnSpc>
                 <a:spcPct val="90000"/>
               </a:lnSpc>
@@ -11429,7 +11429,7 @@
             </a:endParaRPr>
           </a:p>
           <a:p>
-            <a:pPr marL="216000" indent="-210960">
+            <a:pPr marL="216000" indent="-210600">
               <a:lnSpc>
                 <a:spcPct val="90000"/>
               </a:lnSpc>
@@ -11458,7 +11458,7 @@
             </a:endParaRPr>
           </a:p>
           <a:p>
-            <a:pPr marL="216000" indent="-210960">
+            <a:pPr marL="216000" indent="-210600">
               <a:lnSpc>
                 <a:spcPct val="90000"/>
               </a:lnSpc>
@@ -11487,7 +11487,7 @@
             </a:endParaRPr>
           </a:p>
           <a:p>
-            <a:pPr marL="216000" indent="-210960">
+            <a:pPr marL="216000" indent="-210600">
               <a:lnSpc>
                 <a:spcPct val="90000"/>
               </a:lnSpc>
@@ -11516,7 +11516,7 @@
             </a:endParaRPr>
           </a:p>
           <a:p>
-            <a:pPr marL="216000" indent="-210960">
+            <a:pPr marL="216000" indent="-210600">
               <a:lnSpc>
                 <a:spcPct val="90000"/>
               </a:lnSpc>
@@ -11545,7 +11545,7 @@
             </a:endParaRPr>
           </a:p>
           <a:p>
-            <a:pPr marL="216000" indent="-210960">
+            <a:pPr marL="216000" indent="-210600">
               <a:lnSpc>
                 <a:spcPct val="90000"/>
               </a:lnSpc>
@@ -11614,7 +11614,7 @@
         <p:spPr>
           <a:xfrm>
             <a:off x="542880" y="721800"/>
-            <a:ext cx="10352160" cy="492840"/>
+            <a:ext cx="10351800" cy="492480"/>
           </a:xfrm>
           <a:prstGeom prst="rect">
             <a:avLst/>
@@ -11665,7 +11665,7 @@
         <p:spPr>
           <a:xfrm>
             <a:off x="451800" y="1709280"/>
-            <a:ext cx="8219520" cy="4347720"/>
+            <a:ext cx="8219160" cy="4347360"/>
           </a:xfrm>
           <a:prstGeom prst="rect">
             <a:avLst/>
@@ -11691,7 +11691,7 @@
         <p:spPr>
           <a:xfrm>
             <a:off x="609480" y="1769400"/>
-            <a:ext cx="10582560" cy="4850640"/>
+            <a:ext cx="10582200" cy="4850280"/>
           </a:xfrm>
           <a:prstGeom prst="rect">
             <a:avLst/>
@@ -11712,7 +11712,7 @@
             <a:normAutofit/>
           </a:bodyPr>
           <a:p>
-            <a:pPr marL="216000" indent="-210960">
+            <a:pPr marL="216000" indent="-210600">
               <a:lnSpc>
                 <a:spcPct val="90000"/>
               </a:lnSpc>
@@ -11741,7 +11741,7 @@
             </a:endParaRPr>
           </a:p>
           <a:p>
-            <a:pPr marL="216000" indent="-210960">
+            <a:pPr marL="216000" indent="-210600">
               <a:lnSpc>
                 <a:spcPct val="90000"/>
               </a:lnSpc>
@@ -11770,7 +11770,7 @@
             </a:endParaRPr>
           </a:p>
           <a:p>
-            <a:pPr marL="216000" indent="-210960">
+            <a:pPr marL="216000" indent="-210600">
               <a:lnSpc>
                 <a:spcPct val="90000"/>
               </a:lnSpc>
@@ -11799,7 +11799,7 @@
             </a:endParaRPr>
           </a:p>
           <a:p>
-            <a:pPr marL="216000" indent="-210960">
+            <a:pPr marL="216000" indent="-210600">
               <a:lnSpc>
                 <a:spcPct val="90000"/>
               </a:lnSpc>
@@ -11828,7 +11828,7 @@
             </a:endParaRPr>
           </a:p>
           <a:p>
-            <a:pPr marL="216000" indent="-210960">
+            <a:pPr marL="216000" indent="-210600">
               <a:lnSpc>
                 <a:spcPct val="90000"/>
               </a:lnSpc>
@@ -11897,7 +11897,7 @@
         <p:spPr>
           <a:xfrm>
             <a:off x="335520" y="764640"/>
-            <a:ext cx="10746360" cy="497160"/>
+            <a:ext cx="10746000" cy="496800"/>
           </a:xfrm>
           <a:prstGeom prst="rect">
             <a:avLst/>
@@ -11948,7 +11948,7 @@
         <p:spPr>
           <a:xfrm>
             <a:off x="335520" y="1268640"/>
-            <a:ext cx="10746360" cy="5033880"/>
+            <a:ext cx="10746000" cy="5033520"/>
           </a:xfrm>
           <a:prstGeom prst="rect">
             <a:avLst/>
@@ -11969,7 +11969,7 @@
             <a:noAutofit/>
           </a:bodyPr>
           <a:p>
-            <a:pPr marL="195120" indent="-189000">
+            <a:pPr marL="195120" indent="-188640">
               <a:lnSpc>
                 <a:spcPct val="100000"/>
               </a:lnSpc>
@@ -11998,7 +11998,7 @@
             </a:endParaRPr>
           </a:p>
           <a:p>
-            <a:pPr marL="195120" indent="-189000">
+            <a:pPr marL="195120" indent="-188640">
               <a:lnSpc>
                 <a:spcPct val="100000"/>
               </a:lnSpc>
@@ -12027,7 +12027,7 @@
             </a:endParaRPr>
           </a:p>
           <a:p>
-            <a:pPr marL="195120" indent="-189000">
+            <a:pPr marL="195120" indent="-188640">
               <a:lnSpc>
                 <a:spcPct val="100000"/>
               </a:lnSpc>
@@ -12056,7 +12056,7 @@
             </a:endParaRPr>
           </a:p>
           <a:p>
-            <a:pPr marL="195120" indent="-189000">
+            <a:pPr marL="195120" indent="-188640">
               <a:lnSpc>
                 <a:spcPct val="100000"/>
               </a:lnSpc>
@@ -12085,7 +12085,7 @@
             </a:endParaRPr>
           </a:p>
           <a:p>
-            <a:pPr marL="195120" indent="-189000">
+            <a:pPr marL="195120" indent="-188640">
               <a:lnSpc>
                 <a:spcPct val="100000"/>
               </a:lnSpc>
@@ -12114,7 +12114,7 @@
             </a:endParaRPr>
           </a:p>
           <a:p>
-            <a:pPr marL="195120" indent="-189000">
+            <a:pPr marL="195120" indent="-188640">
               <a:lnSpc>
                 <a:spcPct val="100000"/>
               </a:lnSpc>
@@ -12143,7 +12143,7 @@
             </a:endParaRPr>
           </a:p>
           <a:p>
-            <a:pPr marL="195120" indent="-189000">
+            <a:pPr marL="195120" indent="-188640">
               <a:lnSpc>
                 <a:spcPct val="100000"/>
               </a:lnSpc>
@@ -12172,7 +12172,7 @@
             </a:endParaRPr>
           </a:p>
           <a:p>
-            <a:pPr marL="195120" indent="-189000">
+            <a:pPr marL="195120" indent="-188640">
               <a:lnSpc>
                 <a:spcPct val="100000"/>
               </a:lnSpc>
@@ -12201,7 +12201,7 @@
             </a:endParaRPr>
           </a:p>
           <a:p>
-            <a:pPr marL="195120" indent="-189000">
+            <a:pPr marL="195120" indent="-188640">
               <a:lnSpc>
                 <a:spcPct val="100000"/>
               </a:lnSpc>
@@ -12230,7 +12230,7 @@
             </a:endParaRPr>
           </a:p>
           <a:p>
-            <a:pPr marL="195120" indent="-189000">
+            <a:pPr marL="195120" indent="-188640">
               <a:lnSpc>
                 <a:spcPct val="100000"/>
               </a:lnSpc>
@@ -12259,7 +12259,7 @@
             </a:endParaRPr>
           </a:p>
           <a:p>
-            <a:pPr marL="195120" indent="-189000">
+            <a:pPr marL="195120" indent="-188640">
               <a:lnSpc>
                 <a:spcPct val="100000"/>
               </a:lnSpc>
@@ -12288,7 +12288,7 @@
             </a:endParaRPr>
           </a:p>
           <a:p>
-            <a:pPr marL="195120" indent="-189000">
+            <a:pPr marL="195120" indent="-188640">
               <a:lnSpc>
                 <a:spcPct val="100000"/>
               </a:lnSpc>
@@ -12317,7 +12317,7 @@
             </a:endParaRPr>
           </a:p>
           <a:p>
-            <a:pPr marL="195120" indent="-189000">
+            <a:pPr marL="195120" indent="-188640">
               <a:lnSpc>
                 <a:spcPct val="100000"/>
               </a:lnSpc>

--- a/The-Limits-to-Growth/LTG-L00-Organization.pptx
+++ b/The-Limits-to-Growth/LTG-L00-Organization.pptx
@@ -63,12 +63,16 @@
         </p:nvSpPr>
         <p:spPr>
           <a:xfrm>
-            <a:off x="216000" y="812520"/>
-            <a:ext cx="7127280" cy="4008960"/>
-          </a:xfrm>
-          <a:prstGeom prst="rect">
-            <a:avLst/>
-          </a:prstGeom>
+            <a:off x="533520" y="764280"/>
+            <a:ext cx="6704640" cy="3771360"/>
+          </a:xfrm>
+          <a:prstGeom prst="rect">
+            <a:avLst/>
+          </a:prstGeom>
+          <a:noFill/>
+          <a:ln w="0">
+            <a:noFill/>
+          </a:ln>
         </p:spPr>
         <p:txBody>
           <a:bodyPr lIns="0" rIns="0" tIns="0" bIns="0" anchor="ctr">
@@ -77,12 +81,18 @@
           <a:p>
             <a:pPr algn="ctr"/>
             <a:r>
-              <a:rPr b="0" lang="en-US" sz="4400" spc="-1" strike="noStrike">
+              <a:rPr b="0" lang="en-GB" sz="4400" spc="-1" strike="noStrike">
+                <a:solidFill>
+                  <a:srgbClr val="000000"/>
+                </a:solidFill>
                 <a:latin typeface="Arial"/>
               </a:rPr>
               <a:t>Click to move the slide</a:t>
             </a:r>
-            <a:endParaRPr b="0" lang="en-US" sz="4400" spc="-1" strike="noStrike">
+            <a:endParaRPr b="0" lang="en-GB" sz="4400" spc="-1" strike="noStrike">
+              <a:solidFill>
+                <a:srgbClr val="000000"/>
+              </a:solidFill>
               <a:latin typeface="Arial"/>
             </a:endParaRPr>
           </a:p>
@@ -100,25 +110,38 @@
         </p:nvSpPr>
         <p:spPr>
           <a:xfrm>
-            <a:off x="756000" y="5078520"/>
-            <a:ext cx="6047640" cy="4811040"/>
-          </a:xfrm>
-          <a:prstGeom prst="rect">
-            <a:avLst/>
-          </a:prstGeom>
-        </p:spPr>
-        <p:txBody>
-          <a:bodyPr lIns="0" rIns="0" tIns="0" bIns="0">
+            <a:off x="777240" y="4777560"/>
+            <a:ext cx="6217560" cy="4525920"/>
+          </a:xfrm>
+          <a:prstGeom prst="rect">
+            <a:avLst/>
+          </a:prstGeom>
+          <a:noFill/>
+          <a:ln w="0">
+            <a:noFill/>
+          </a:ln>
+        </p:spPr>
+        <p:txBody>
+          <a:bodyPr lIns="0" rIns="0" tIns="0" bIns="0" anchor="t">
             <a:noAutofit/>
           </a:bodyPr>
           <a:p>
-            <a:r>
-              <a:rPr b="0" lang="en-US" sz="2000" spc="-1" strike="noStrike">
+            <a:pPr marL="216000" indent="0">
+              <a:buNone/>
+            </a:pPr>
+            <a:r>
+              <a:rPr b="0" lang="en-GB" sz="2000" spc="-1" strike="noStrike">
+                <a:solidFill>
+                  <a:srgbClr val="000000"/>
+                </a:solidFill>
                 <a:latin typeface="Arial"/>
               </a:rPr>
-              <a:t>Click to edit the notes format</a:t>
-            </a:r>
-            <a:endParaRPr b="0" lang="en-US" sz="2000" spc="-1" strike="noStrike">
+              <a:t>Click to edit the notes' format</a:t>
+            </a:r>
+            <a:endParaRPr b="0" lang="en-GB" sz="2000" spc="-1" strike="noStrike">
+              <a:solidFill>
+                <a:srgbClr val="000000"/>
+              </a:solidFill>
               <a:latin typeface="Arial"/>
             </a:endParaRPr>
           </a:p>
@@ -137,24 +160,37 @@
         <p:spPr>
           <a:xfrm>
             <a:off x="0" y="0"/>
-            <a:ext cx="3280680" cy="534240"/>
-          </a:xfrm>
-          <a:prstGeom prst="rect">
-            <a:avLst/>
-          </a:prstGeom>
-        </p:spPr>
-        <p:txBody>
-          <a:bodyPr lIns="0" rIns="0" tIns="0" bIns="0">
+            <a:ext cx="3372840" cy="502560"/>
+          </a:xfrm>
+          <a:prstGeom prst="rect">
+            <a:avLst/>
+          </a:prstGeom>
+          <a:noFill/>
+          <a:ln w="0">
+            <a:noFill/>
+          </a:ln>
+        </p:spPr>
+        <p:txBody>
+          <a:bodyPr lIns="0" rIns="0" tIns="0" bIns="0" anchor="t">
             <a:noAutofit/>
           </a:bodyPr>
           <a:p>
-            <a:r>
-              <a:rPr b="0" lang="en-US" sz="1400" spc="-1" strike="noStrike">
+            <a:pPr indent="0">
+              <a:buNone/>
+            </a:pPr>
+            <a:r>
+              <a:rPr b="0" lang="en-GB" sz="1400" spc="-1" strike="noStrike">
+                <a:solidFill>
+                  <a:srgbClr val="000000"/>
+                </a:solidFill>
                 <a:latin typeface="Times New Roman"/>
               </a:rPr>
               <a:t>&lt;header&gt;</a:t>
             </a:r>
-            <a:endParaRPr b="0" lang="en-US" sz="1400" spc="-1" strike="noStrike">
+            <a:endParaRPr b="0" lang="en-GB" sz="1400" spc="-1" strike="noStrike">
+              <a:solidFill>
+                <a:srgbClr val="000000"/>
+              </a:solidFill>
               <a:latin typeface="Times New Roman"/>
             </a:endParaRPr>
           </a:p>
@@ -167,31 +203,54 @@
             <a:spLocks noGrp="1"/>
           </p:cNvSpPr>
           <p:nvPr>
-            <p:ph type="dt"/>
+            <p:ph type="dt" idx="1"/>
           </p:nvPr>
         </p:nvSpPr>
         <p:spPr>
           <a:xfrm>
-            <a:off x="4278960" y="0"/>
-            <a:ext cx="3280680" cy="534240"/>
-          </a:xfrm>
-          <a:prstGeom prst="rect">
-            <a:avLst/>
-          </a:prstGeom>
-        </p:spPr>
-        <p:txBody>
-          <a:bodyPr lIns="0" rIns="0" tIns="0" bIns="0">
+            <a:off x="4399200" y="0"/>
+            <a:ext cx="3372840" cy="502560"/>
+          </a:xfrm>
+          <a:prstGeom prst="rect">
+            <a:avLst/>
+          </a:prstGeom>
+          <a:noFill/>
+          <a:ln w="0">
+            <a:noFill/>
+          </a:ln>
+        </p:spPr>
+        <p:txBody>
+          <a:bodyPr lIns="0" rIns="0" tIns="0" bIns="0" anchor="t">
             <a:noAutofit/>
           </a:bodyPr>
-          <a:p>
-            <a:pPr algn="r"/>
-            <a:r>
-              <a:rPr b="0" lang="en-US" sz="1400" spc="-1" strike="noStrike">
+          <a:lstStyle>
+            <a:lvl1pPr indent="0" algn="r">
+              <a:buNone/>
+              <a:defRPr b="0" lang="en-GB" sz="1400" spc="-1" strike="noStrike">
+                <a:solidFill>
+                  <a:srgbClr val="000000"/>
+                </a:solidFill>
                 <a:latin typeface="Times New Roman"/>
+              </a:defRPr>
+            </a:lvl1pPr>
+          </a:lstStyle>
+          <a:p>
+            <a:pPr indent="0" algn="r">
+              <a:buNone/>
+            </a:pPr>
+            <a:r>
+              <a:rPr b="0" lang="en-GB" sz="1400" spc="-1" strike="noStrike">
+                <a:solidFill>
+                  <a:srgbClr val="000000"/>
+                </a:solidFill>
+                <a:latin typeface="Times New Roman"/>
               </a:rPr>
               <a:t>&lt;date/time&gt;</a:t>
             </a:r>
-            <a:endParaRPr b="0" lang="en-US" sz="1400" spc="-1" strike="noStrike">
+            <a:endParaRPr b="0" lang="en-GB" sz="1400" spc="-1" strike="noStrike">
+              <a:solidFill>
+                <a:srgbClr val="000000"/>
+              </a:solidFill>
               <a:latin typeface="Times New Roman"/>
             </a:endParaRPr>
           </a:p>
@@ -204,30 +263,54 @@
             <a:spLocks noGrp="1"/>
           </p:cNvSpPr>
           <p:nvPr>
-            <p:ph type="ftr"/>
+            <p:ph type="ftr" idx="2"/>
           </p:nvPr>
         </p:nvSpPr>
         <p:spPr>
           <a:xfrm>
-            <a:off x="0" y="10157400"/>
-            <a:ext cx="3280680" cy="534240"/>
-          </a:xfrm>
-          <a:prstGeom prst="rect">
-            <a:avLst/>
-          </a:prstGeom>
+            <a:off x="0" y="9555480"/>
+            <a:ext cx="3372840" cy="502560"/>
+          </a:xfrm>
+          <a:prstGeom prst="rect">
+            <a:avLst/>
+          </a:prstGeom>
+          <a:noFill/>
+          <a:ln w="0">
+            <a:noFill/>
+          </a:ln>
         </p:spPr>
         <p:txBody>
           <a:bodyPr lIns="0" rIns="0" tIns="0" bIns="0" anchor="b">
             <a:noAutofit/>
           </a:bodyPr>
-          <a:p>
-            <a:r>
-              <a:rPr b="0" lang="en-US" sz="1400" spc="-1" strike="noStrike">
+          <a:lstStyle>
+            <a:lvl1pPr indent="0">
+              <a:buNone/>
+              <a:defRPr b="0" lang="en-GB" sz="1400" spc="-1" strike="noStrike">
+                <a:solidFill>
+                  <a:srgbClr val="000000"/>
+                </a:solidFill>
                 <a:latin typeface="Times New Roman"/>
+              </a:defRPr>
+            </a:lvl1pPr>
+          </a:lstStyle>
+          <a:p>
+            <a:pPr indent="0">
+              <a:buNone/>
+            </a:pPr>
+            <a:r>
+              <a:rPr b="0" lang="en-GB" sz="1400" spc="-1" strike="noStrike">
+                <a:solidFill>
+                  <a:srgbClr val="000000"/>
+                </a:solidFill>
+                <a:latin typeface="Times New Roman"/>
               </a:rPr>
               <a:t>&lt;footer&gt;</a:t>
             </a:r>
-            <a:endParaRPr b="0" lang="en-US" sz="1400" spc="-1" strike="noStrike">
+            <a:endParaRPr b="0" lang="en-GB" sz="1400" spc="-1" strike="noStrike">
+              <a:solidFill>
+                <a:srgbClr val="000000"/>
+              </a:solidFill>
               <a:latin typeface="Times New Roman"/>
             </a:endParaRPr>
           </a:p>
@@ -240,31 +323,54 @@
             <a:spLocks noGrp="1"/>
           </p:cNvSpPr>
           <p:nvPr>
-            <p:ph type="sldNum"/>
+            <p:ph type="sldNum" idx="3"/>
           </p:nvPr>
         </p:nvSpPr>
         <p:spPr>
           <a:xfrm>
-            <a:off x="4278960" y="10157400"/>
-            <a:ext cx="3280680" cy="534240"/>
-          </a:xfrm>
-          <a:prstGeom prst="rect">
-            <a:avLst/>
-          </a:prstGeom>
+            <a:off x="4399200" y="9555480"/>
+            <a:ext cx="3372840" cy="502560"/>
+          </a:xfrm>
+          <a:prstGeom prst="rect">
+            <a:avLst/>
+          </a:prstGeom>
+          <a:noFill/>
+          <a:ln w="0">
+            <a:noFill/>
+          </a:ln>
         </p:spPr>
         <p:txBody>
           <a:bodyPr lIns="0" rIns="0" tIns="0" bIns="0" anchor="b">
             <a:noAutofit/>
           </a:bodyPr>
-          <a:p>
-            <a:pPr algn="r"/>
-            <a:fld id="{9E7586F6-A329-408A-A205-2AA1C632E92F}" type="slidenum">
-              <a:rPr b="0" lang="en-US" sz="1400" spc="-1" strike="noStrike">
+          <a:lstStyle>
+            <a:lvl1pPr indent="0" algn="r">
+              <a:buNone/>
+              <a:defRPr b="0" lang="en-GB" sz="1400" spc="-1" strike="noStrike">
+                <a:solidFill>
+                  <a:srgbClr val="000000"/>
+                </a:solidFill>
+                <a:latin typeface="Times New Roman"/>
+              </a:defRPr>
+            </a:lvl1pPr>
+          </a:lstStyle>
+          <a:p>
+            <a:pPr indent="0" algn="r">
+              <a:buNone/>
+            </a:pPr>
+            <a:fld id="{21F6FD28-B1B2-497B-8F25-6F135855C9DD}" type="slidenum">
+              <a:rPr b="0" lang="en-GB" sz="1400" spc="-1" strike="noStrike">
+                <a:solidFill>
+                  <a:srgbClr val="000000"/>
+                </a:solidFill>
                 <a:latin typeface="Times New Roman"/>
               </a:rPr>
               <a:t>&lt;number&gt;</a:t>
             </a:fld>
-            <a:endParaRPr b="0" lang="en-US" sz="1400" spc="-1" strike="noStrike">
+            <a:endParaRPr b="0" lang="en-GB" sz="1400" spc="-1" strike="noStrike">
+              <a:solidFill>
+                <a:srgbClr val="000000"/>
+              </a:solidFill>
               <a:latin typeface="Times New Roman"/>
             </a:endParaRPr>
           </a:p>
@@ -306,11 +412,14 @@
         <p:spPr>
           <a:xfrm>
             <a:off x="533520" y="763560"/>
-            <a:ext cx="6694920" cy="3763080"/>
-          </a:xfrm>
-          <a:prstGeom prst="rect">
-            <a:avLst/>
-          </a:prstGeom>
+            <a:ext cx="6694560" cy="3762720"/>
+          </a:xfrm>
+          <a:prstGeom prst="rect">
+            <a:avLst/>
+          </a:prstGeom>
+          <a:ln w="0">
+            <a:noFill/>
+          </a:ln>
         </p:spPr>
       </p:sp>
       <p:sp>
@@ -326,18 +435,28 @@
         <p:spPr>
           <a:xfrm>
             <a:off x="777240" y="4777560"/>
-            <a:ext cx="6208560" cy="4516920"/>
-          </a:xfrm>
-          <a:prstGeom prst="rect">
-            <a:avLst/>
-          </a:prstGeom>
-        </p:spPr>
-        <p:txBody>
-          <a:bodyPr lIns="0" rIns="0" tIns="0" bIns="0">
+            <a:ext cx="6208200" cy="4516560"/>
+          </a:xfrm>
+          <a:prstGeom prst="rect">
+            <a:avLst/>
+          </a:prstGeom>
+          <a:noFill/>
+          <a:ln w="0">
+            <a:noFill/>
+          </a:ln>
+        </p:spPr>
+        <p:txBody>
+          <a:bodyPr lIns="0" rIns="0" tIns="0" bIns="0" anchor="t">
             <a:noAutofit/>
           </a:bodyPr>
           <a:p>
-            <a:endParaRPr b="0" lang="en-US" sz="2000" spc="-1" strike="noStrike">
+            <a:pPr marL="216000" indent="0">
+              <a:buNone/>
+            </a:pPr>
+            <a:endParaRPr b="0" lang="en-GB" sz="1800" spc="-1" strike="noStrike">
+              <a:solidFill>
+                <a:srgbClr val="000000"/>
+              </a:solidFill>
               <a:latin typeface="Arial"/>
             </a:endParaRPr>
           </a:p>
@@ -352,13 +471,13 @@
         <p:spPr>
           <a:xfrm>
             <a:off x="4399200" y="9555480"/>
-            <a:ext cx="3363840" cy="493560"/>
+            <a:ext cx="3363480" cy="493200"/>
           </a:xfrm>
           <a:prstGeom prst="rect">
             <a:avLst/>
           </a:prstGeom>
           <a:noFill/>
-          <a:ln>
+          <a:ln w="0">
             <a:noFill/>
           </a:ln>
         </p:spPr>
@@ -378,7 +497,7 @@
                 <a:spcPct val="100000"/>
               </a:lnSpc>
             </a:pPr>
-            <a:fld id="{78E9DFEC-4C74-4938-A84D-A57DEF9179CE}" type="slidenum">
+            <a:fld id="{D2CB2223-1969-45C4-95BD-EAB01C245639}" type="slidenum">
               <a:rPr b="0" lang="de-DE" sz="1800" spc="-1" strike="noStrike">
                 <a:solidFill>
                   <a:srgbClr val="000000"/>
@@ -386,9 +505,12 @@
                 <a:latin typeface="+mn-lt"/>
                 <a:ea typeface="+mn-ea"/>
               </a:rPr>
-              <a:t>&lt;number&gt;</a:t>
+              <a:t>8</a:t>
             </a:fld>
-            <a:endParaRPr b="0" lang="en-US" sz="1800" spc="-1" strike="noStrike">
+            <a:endParaRPr b="0" lang="en-GB" sz="1800" spc="-1" strike="noStrike">
+              <a:solidFill>
+                <a:srgbClr val="000000"/>
+              </a:solidFill>
               <a:latin typeface="Arial"/>
             </a:endParaRPr>
           </a:p>
@@ -429,11 +551,14 @@
         <p:spPr>
           <a:xfrm>
             <a:off x="533520" y="763560"/>
-            <a:ext cx="6694920" cy="3763080"/>
-          </a:xfrm>
-          <a:prstGeom prst="rect">
-            <a:avLst/>
-          </a:prstGeom>
+            <a:ext cx="6694560" cy="3762720"/>
+          </a:xfrm>
+          <a:prstGeom prst="rect">
+            <a:avLst/>
+          </a:prstGeom>
+          <a:ln w="0">
+            <a:noFill/>
+          </a:ln>
         </p:spPr>
       </p:sp>
       <p:sp>
@@ -449,18 +574,28 @@
         <p:spPr>
           <a:xfrm>
             <a:off x="777240" y="4777560"/>
-            <a:ext cx="6208560" cy="4516920"/>
-          </a:xfrm>
-          <a:prstGeom prst="rect">
-            <a:avLst/>
-          </a:prstGeom>
-        </p:spPr>
-        <p:txBody>
-          <a:bodyPr lIns="0" rIns="0" tIns="0" bIns="0">
+            <a:ext cx="6208200" cy="4516560"/>
+          </a:xfrm>
+          <a:prstGeom prst="rect">
+            <a:avLst/>
+          </a:prstGeom>
+          <a:noFill/>
+          <a:ln w="0">
+            <a:noFill/>
+          </a:ln>
+        </p:spPr>
+        <p:txBody>
+          <a:bodyPr lIns="0" rIns="0" tIns="0" bIns="0" anchor="t">
             <a:noAutofit/>
           </a:bodyPr>
           <a:p>
-            <a:endParaRPr b="0" lang="en-US" sz="2000" spc="-1" strike="noStrike">
+            <a:pPr marL="216000" indent="0">
+              <a:buNone/>
+            </a:pPr>
+            <a:endParaRPr b="0" lang="en-GB" sz="1800" spc="-1" strike="noStrike">
+              <a:solidFill>
+                <a:srgbClr val="000000"/>
+              </a:solidFill>
               <a:latin typeface="Arial"/>
             </a:endParaRPr>
           </a:p>
@@ -475,13 +610,13 @@
         <p:spPr>
           <a:xfrm>
             <a:off x="4399200" y="9555480"/>
-            <a:ext cx="3363840" cy="493560"/>
+            <a:ext cx="3363480" cy="493200"/>
           </a:xfrm>
           <a:prstGeom prst="rect">
             <a:avLst/>
           </a:prstGeom>
           <a:noFill/>
-          <a:ln>
+          <a:ln w="0">
             <a:noFill/>
           </a:ln>
         </p:spPr>
@@ -501,7 +636,7 @@
                 <a:spcPct val="100000"/>
               </a:lnSpc>
             </a:pPr>
-            <a:fld id="{0A9810D7-B921-490C-BCC8-B01B959AD50E}" type="slidenum">
+            <a:fld id="{CB724E0B-0669-4D7B-84FC-3FC3E4F2C210}" type="slidenum">
               <a:rPr b="0" lang="de-DE" sz="1800" spc="-1" strike="noStrike">
                 <a:solidFill>
                   <a:srgbClr val="000000"/>
@@ -509,9 +644,12 @@
                 <a:latin typeface="+mn-lt"/>
                 <a:ea typeface="+mn-ea"/>
               </a:rPr>
-              <a:t>&lt;number&gt;</a:t>
+              <a:t>8</a:t>
             </a:fld>
-            <a:endParaRPr b="0" lang="en-US" sz="1800" spc="-1" strike="noStrike">
+            <a:endParaRPr b="0" lang="en-GB" sz="1800" spc="-1" strike="noStrike">
+              <a:solidFill>
+                <a:srgbClr val="000000"/>
+              </a:solidFill>
               <a:latin typeface="Arial"/>
             </a:endParaRPr>
           </a:p>
@@ -552,11 +690,14 @@
         <p:spPr>
           <a:xfrm>
             <a:off x="533520" y="763560"/>
-            <a:ext cx="6694920" cy="3763080"/>
-          </a:xfrm>
-          <a:prstGeom prst="rect">
-            <a:avLst/>
-          </a:prstGeom>
+            <a:ext cx="6694560" cy="3762720"/>
+          </a:xfrm>
+          <a:prstGeom prst="rect">
+            <a:avLst/>
+          </a:prstGeom>
+          <a:ln w="0">
+            <a:noFill/>
+          </a:ln>
         </p:spPr>
       </p:sp>
       <p:sp>
@@ -572,18 +713,28 @@
         <p:spPr>
           <a:xfrm>
             <a:off x="777240" y="4777560"/>
-            <a:ext cx="6208560" cy="4516920"/>
-          </a:xfrm>
-          <a:prstGeom prst="rect">
-            <a:avLst/>
-          </a:prstGeom>
-        </p:spPr>
-        <p:txBody>
-          <a:bodyPr lIns="0" rIns="0" tIns="0" bIns="0">
+            <a:ext cx="6208200" cy="4516560"/>
+          </a:xfrm>
+          <a:prstGeom prst="rect">
+            <a:avLst/>
+          </a:prstGeom>
+          <a:noFill/>
+          <a:ln w="0">
+            <a:noFill/>
+          </a:ln>
+        </p:spPr>
+        <p:txBody>
+          <a:bodyPr lIns="0" rIns="0" tIns="0" bIns="0" anchor="t">
             <a:noAutofit/>
           </a:bodyPr>
           <a:p>
-            <a:endParaRPr b="0" lang="en-US" sz="2000" spc="-1" strike="noStrike">
+            <a:pPr marL="216000" indent="0">
+              <a:buNone/>
+            </a:pPr>
+            <a:endParaRPr b="0" lang="en-GB" sz="1800" spc="-1" strike="noStrike">
+              <a:solidFill>
+                <a:srgbClr val="000000"/>
+              </a:solidFill>
               <a:latin typeface="Arial"/>
             </a:endParaRPr>
           </a:p>
@@ -598,13 +749,13 @@
         <p:spPr>
           <a:xfrm>
             <a:off x="4399200" y="9555480"/>
-            <a:ext cx="3363840" cy="493560"/>
+            <a:ext cx="3363480" cy="493200"/>
           </a:xfrm>
           <a:prstGeom prst="rect">
             <a:avLst/>
           </a:prstGeom>
           <a:noFill/>
-          <a:ln>
+          <a:ln w="0">
             <a:noFill/>
           </a:ln>
         </p:spPr>
@@ -624,7 +775,7 @@
                 <a:spcPct val="100000"/>
               </a:lnSpc>
             </a:pPr>
-            <a:fld id="{88AF7CDE-FBD3-4312-9744-F624252D2CB0}" type="slidenum">
+            <a:fld id="{BB8B3345-792E-4A0E-BD66-7872E46F7BBD}" type="slidenum">
               <a:rPr b="0" lang="de-DE" sz="1800" spc="-1" strike="noStrike">
                 <a:solidFill>
                   <a:srgbClr val="000000"/>
@@ -632,9 +783,12 @@
                 <a:latin typeface="+mn-lt"/>
                 <a:ea typeface="+mn-ea"/>
               </a:rPr>
-              <a:t>&lt;number&gt;</a:t>
+              <a:t>8</a:t>
             </a:fld>
-            <a:endParaRPr b="0" lang="en-US" sz="1800" spc="-1" strike="noStrike">
+            <a:endParaRPr b="0" lang="en-GB" sz="1800" spc="-1" strike="noStrike">
+              <a:solidFill>
+                <a:srgbClr val="000000"/>
+              </a:solidFill>
               <a:latin typeface="Arial"/>
             </a:endParaRPr>
           </a:p>
@@ -675,11 +829,14 @@
         <p:spPr>
           <a:xfrm>
             <a:off x="533520" y="763560"/>
-            <a:ext cx="6694920" cy="3763080"/>
-          </a:xfrm>
-          <a:prstGeom prst="rect">
-            <a:avLst/>
-          </a:prstGeom>
+            <a:ext cx="6694560" cy="3762720"/>
+          </a:xfrm>
+          <a:prstGeom prst="rect">
+            <a:avLst/>
+          </a:prstGeom>
+          <a:ln w="0">
+            <a:noFill/>
+          </a:ln>
         </p:spPr>
       </p:sp>
       <p:sp>
@@ -695,18 +852,28 @@
         <p:spPr>
           <a:xfrm>
             <a:off x="777240" y="4777560"/>
-            <a:ext cx="6208560" cy="4516920"/>
-          </a:xfrm>
-          <a:prstGeom prst="rect">
-            <a:avLst/>
-          </a:prstGeom>
-        </p:spPr>
-        <p:txBody>
-          <a:bodyPr lIns="0" rIns="0" tIns="0" bIns="0">
+            <a:ext cx="6208200" cy="4516560"/>
+          </a:xfrm>
+          <a:prstGeom prst="rect">
+            <a:avLst/>
+          </a:prstGeom>
+          <a:noFill/>
+          <a:ln w="0">
+            <a:noFill/>
+          </a:ln>
+        </p:spPr>
+        <p:txBody>
+          <a:bodyPr lIns="0" rIns="0" tIns="0" bIns="0" anchor="t">
             <a:noAutofit/>
           </a:bodyPr>
           <a:p>
-            <a:endParaRPr b="0" lang="en-US" sz="2000" spc="-1" strike="noStrike">
+            <a:pPr marL="216000" indent="0">
+              <a:buNone/>
+            </a:pPr>
+            <a:endParaRPr b="0" lang="en-GB" sz="1800" spc="-1" strike="noStrike">
+              <a:solidFill>
+                <a:srgbClr val="000000"/>
+              </a:solidFill>
               <a:latin typeface="Arial"/>
             </a:endParaRPr>
           </a:p>
@@ -721,13 +888,13 @@
         <p:spPr>
           <a:xfrm>
             <a:off x="4399200" y="9555480"/>
-            <a:ext cx="3363840" cy="493560"/>
+            <a:ext cx="3363480" cy="493200"/>
           </a:xfrm>
           <a:prstGeom prst="rect">
             <a:avLst/>
           </a:prstGeom>
           <a:noFill/>
-          <a:ln>
+          <a:ln w="0">
             <a:noFill/>
           </a:ln>
         </p:spPr>
@@ -747,7 +914,7 @@
                 <a:spcPct val="100000"/>
               </a:lnSpc>
             </a:pPr>
-            <a:fld id="{CA902EAE-527D-43E1-8E60-941B080ED1C8}" type="slidenum">
+            <a:fld id="{C41BBEAE-82B6-41D5-B792-A9BF46ACA729}" type="slidenum">
               <a:rPr b="0" lang="de-DE" sz="1800" spc="-1" strike="noStrike">
                 <a:solidFill>
                   <a:srgbClr val="000000"/>
@@ -757,7 +924,10 @@
               </a:rPr>
               <a:t>&lt;number&gt;</a:t>
             </a:fld>
-            <a:endParaRPr b="0" lang="en-US" sz="1800" spc="-1" strike="noStrike">
+            <a:endParaRPr b="0" lang="en-GB" sz="1800" spc="-1" strike="noStrike">
+              <a:solidFill>
+                <a:srgbClr val="000000"/>
+              </a:solidFill>
               <a:latin typeface="Arial"/>
             </a:endParaRPr>
           </a:p>
@@ -798,11 +968,14 @@
         <p:spPr>
           <a:xfrm>
             <a:off x="533520" y="763560"/>
-            <a:ext cx="6694920" cy="3763080"/>
-          </a:xfrm>
-          <a:prstGeom prst="rect">
-            <a:avLst/>
-          </a:prstGeom>
+            <a:ext cx="6694560" cy="3762720"/>
+          </a:xfrm>
+          <a:prstGeom prst="rect">
+            <a:avLst/>
+          </a:prstGeom>
+          <a:ln w="0">
+            <a:noFill/>
+          </a:ln>
         </p:spPr>
       </p:sp>
       <p:sp>
@@ -818,18 +991,28 @@
         <p:spPr>
           <a:xfrm>
             <a:off x="777240" y="4777560"/>
-            <a:ext cx="6208560" cy="4516920"/>
-          </a:xfrm>
-          <a:prstGeom prst="rect">
-            <a:avLst/>
-          </a:prstGeom>
-        </p:spPr>
-        <p:txBody>
-          <a:bodyPr lIns="0" rIns="0" tIns="0" bIns="0">
+            <a:ext cx="6208200" cy="4516560"/>
+          </a:xfrm>
+          <a:prstGeom prst="rect">
+            <a:avLst/>
+          </a:prstGeom>
+          <a:noFill/>
+          <a:ln w="0">
+            <a:noFill/>
+          </a:ln>
+        </p:spPr>
+        <p:txBody>
+          <a:bodyPr lIns="0" rIns="0" tIns="0" bIns="0" anchor="t">
             <a:noAutofit/>
           </a:bodyPr>
           <a:p>
-            <a:endParaRPr b="0" lang="en-US" sz="2000" spc="-1" strike="noStrike">
+            <a:pPr marL="216000" indent="0">
+              <a:buNone/>
+            </a:pPr>
+            <a:endParaRPr b="0" lang="en-GB" sz="1800" spc="-1" strike="noStrike">
+              <a:solidFill>
+                <a:srgbClr val="000000"/>
+              </a:solidFill>
               <a:latin typeface="Arial"/>
             </a:endParaRPr>
           </a:p>
@@ -844,13 +1027,13 @@
         <p:spPr>
           <a:xfrm>
             <a:off x="4399200" y="9555480"/>
-            <a:ext cx="3363840" cy="493560"/>
+            <a:ext cx="3363480" cy="493200"/>
           </a:xfrm>
           <a:prstGeom prst="rect">
             <a:avLst/>
           </a:prstGeom>
           <a:noFill/>
-          <a:ln>
+          <a:ln w="0">
             <a:noFill/>
           </a:ln>
         </p:spPr>
@@ -870,7 +1053,7 @@
                 <a:spcPct val="100000"/>
               </a:lnSpc>
             </a:pPr>
-            <a:fld id="{78699F5E-6905-45A9-9F18-BB78920E5175}" type="slidenum">
+            <a:fld id="{A940D329-3E52-4111-8ED5-918A48A4E83F}" type="slidenum">
               <a:rPr b="0" lang="de-DE" sz="1800" spc="-1" strike="noStrike">
                 <a:solidFill>
                   <a:srgbClr val="000000"/>
@@ -880,7 +1063,10 @@
               </a:rPr>
               <a:t>&lt;number&gt;</a:t>
             </a:fld>
-            <a:endParaRPr b="0" lang="en-US" sz="1800" spc="-1" strike="noStrike">
+            <a:endParaRPr b="0" lang="en-GB" sz="1800" spc="-1" strike="noStrike">
+              <a:solidFill>
+                <a:srgbClr val="000000"/>
+              </a:solidFill>
               <a:latin typeface="Arial"/>
             </a:endParaRPr>
           </a:p>
@@ -948,14 +1134,23 @@
           <a:prstGeom prst="rect">
             <a:avLst/>
           </a:prstGeom>
+          <a:noFill/>
+          <a:ln w="0">
+            <a:noFill/>
+          </a:ln>
         </p:spPr>
         <p:txBody>
           <a:bodyPr lIns="0" rIns="0" tIns="0" bIns="0" anchor="ctr">
             <a:noAutofit/>
           </a:bodyPr>
           <a:p>
-            <a:pPr algn="ctr"/>
-            <a:endParaRPr b="0" lang="en-US" sz="4400" spc="-1" strike="noStrike">
+            <a:pPr indent="0" algn="ctr">
+              <a:buNone/>
+            </a:pPr>
+            <a:endParaRPr b="0" lang="en-GB" sz="4400" spc="-1" strike="noStrike">
+              <a:solidFill>
+                <a:srgbClr val="000000"/>
+              </a:solidFill>
               <a:latin typeface="Arial"/>
             </a:endParaRPr>
           </a:p>
@@ -968,7 +1163,7 @@
             <a:spLocks noGrp="1"/>
           </p:cNvSpPr>
           <p:nvPr>
-            <p:ph type="body"/>
+            <p:ph/>
           </p:nvPr>
         </p:nvSpPr>
         <p:spPr>
@@ -979,13 +1174,26 @@
           <a:prstGeom prst="rect">
             <a:avLst/>
           </a:prstGeom>
-        </p:spPr>
-        <p:txBody>
-          <a:bodyPr lIns="0" rIns="0" tIns="0" bIns="0">
+          <a:noFill/>
+          <a:ln w="0">
+            <a:noFill/>
+          </a:ln>
+        </p:spPr>
+        <p:txBody>
+          <a:bodyPr lIns="0" rIns="0" tIns="0" bIns="0" anchor="t">
             <a:normAutofit/>
           </a:bodyPr>
           <a:p>
-            <a:endParaRPr b="0" lang="en-US" sz="3200" spc="-1" strike="noStrike">
+            <a:pPr indent="0">
+              <a:spcBef>
+                <a:spcPts val="1417"/>
+              </a:spcBef>
+              <a:buNone/>
+            </a:pPr>
+            <a:endParaRPr b="0" lang="en-GB" sz="3200" spc="-1" strike="noStrike">
+              <a:solidFill>
+                <a:srgbClr val="000000"/>
+              </a:solidFill>
               <a:latin typeface="Arial"/>
             </a:endParaRPr>
           </a:p>
@@ -998,7 +1206,7 @@
             <a:spLocks noGrp="1"/>
           </p:cNvSpPr>
           <p:nvPr>
-            <p:ph type="body"/>
+            <p:ph/>
           </p:nvPr>
         </p:nvSpPr>
         <p:spPr>
@@ -1009,13 +1217,26 @@
           <a:prstGeom prst="rect">
             <a:avLst/>
           </a:prstGeom>
-        </p:spPr>
-        <p:txBody>
-          <a:bodyPr lIns="0" rIns="0" tIns="0" bIns="0">
+          <a:noFill/>
+          <a:ln w="0">
+            <a:noFill/>
+          </a:ln>
+        </p:spPr>
+        <p:txBody>
+          <a:bodyPr lIns="0" rIns="0" tIns="0" bIns="0" anchor="t">
             <a:normAutofit/>
           </a:bodyPr>
           <a:p>
-            <a:endParaRPr b="0" lang="en-US" sz="3200" spc="-1" strike="noStrike">
+            <a:pPr indent="0">
+              <a:spcBef>
+                <a:spcPts val="1417"/>
+              </a:spcBef>
+              <a:buNone/>
+            </a:pPr>
+            <a:endParaRPr b="0" lang="en-GB" sz="3200" spc="-1" strike="noStrike">
+              <a:solidFill>
+                <a:srgbClr val="000000"/>
+              </a:solidFill>
               <a:latin typeface="Arial"/>
             </a:endParaRPr>
           </a:p>
@@ -1061,14 +1282,23 @@
           <a:prstGeom prst="rect">
             <a:avLst/>
           </a:prstGeom>
+          <a:noFill/>
+          <a:ln w="0">
+            <a:noFill/>
+          </a:ln>
         </p:spPr>
         <p:txBody>
           <a:bodyPr lIns="0" rIns="0" tIns="0" bIns="0" anchor="ctr">
             <a:noAutofit/>
           </a:bodyPr>
           <a:p>
-            <a:pPr algn="ctr"/>
-            <a:endParaRPr b="0" lang="en-US" sz="4400" spc="-1" strike="noStrike">
+            <a:pPr indent="0" algn="ctr">
+              <a:buNone/>
+            </a:pPr>
+            <a:endParaRPr b="0" lang="en-GB" sz="4400" spc="-1" strike="noStrike">
+              <a:solidFill>
+                <a:srgbClr val="000000"/>
+              </a:solidFill>
               <a:latin typeface="Arial"/>
             </a:endParaRPr>
           </a:p>
@@ -1081,7 +1311,7 @@
             <a:spLocks noGrp="1"/>
           </p:cNvSpPr>
           <p:nvPr>
-            <p:ph type="body"/>
+            <p:ph/>
           </p:nvPr>
         </p:nvSpPr>
         <p:spPr>
@@ -1092,13 +1322,26 @@
           <a:prstGeom prst="rect">
             <a:avLst/>
           </a:prstGeom>
-        </p:spPr>
-        <p:txBody>
-          <a:bodyPr lIns="0" rIns="0" tIns="0" bIns="0">
+          <a:noFill/>
+          <a:ln w="0">
+            <a:noFill/>
+          </a:ln>
+        </p:spPr>
+        <p:txBody>
+          <a:bodyPr lIns="0" rIns="0" tIns="0" bIns="0" anchor="t">
             <a:normAutofit/>
           </a:bodyPr>
           <a:p>
-            <a:endParaRPr b="0" lang="en-US" sz="3200" spc="-1" strike="noStrike">
+            <a:pPr indent="0">
+              <a:spcBef>
+                <a:spcPts val="1417"/>
+              </a:spcBef>
+              <a:buNone/>
+            </a:pPr>
+            <a:endParaRPr b="0" lang="en-GB" sz="3200" spc="-1" strike="noStrike">
+              <a:solidFill>
+                <a:srgbClr val="000000"/>
+              </a:solidFill>
               <a:latin typeface="Arial"/>
             </a:endParaRPr>
           </a:p>
@@ -1111,7 +1354,7 @@
             <a:spLocks noGrp="1"/>
           </p:cNvSpPr>
           <p:nvPr>
-            <p:ph type="body"/>
+            <p:ph/>
           </p:nvPr>
         </p:nvSpPr>
         <p:spPr>
@@ -1122,13 +1365,26 @@
           <a:prstGeom prst="rect">
             <a:avLst/>
           </a:prstGeom>
-        </p:spPr>
-        <p:txBody>
-          <a:bodyPr lIns="0" rIns="0" tIns="0" bIns="0">
+          <a:noFill/>
+          <a:ln w="0">
+            <a:noFill/>
+          </a:ln>
+        </p:spPr>
+        <p:txBody>
+          <a:bodyPr lIns="0" rIns="0" tIns="0" bIns="0" anchor="t">
             <a:normAutofit/>
           </a:bodyPr>
           <a:p>
-            <a:endParaRPr b="0" lang="en-US" sz="3200" spc="-1" strike="noStrike">
+            <a:pPr indent="0">
+              <a:spcBef>
+                <a:spcPts val="1417"/>
+              </a:spcBef>
+              <a:buNone/>
+            </a:pPr>
+            <a:endParaRPr b="0" lang="en-GB" sz="3200" spc="-1" strike="noStrike">
+              <a:solidFill>
+                <a:srgbClr val="000000"/>
+              </a:solidFill>
               <a:latin typeface="Arial"/>
             </a:endParaRPr>
           </a:p>
@@ -1141,7 +1397,7 @@
             <a:spLocks noGrp="1"/>
           </p:cNvSpPr>
           <p:nvPr>
-            <p:ph type="body"/>
+            <p:ph/>
           </p:nvPr>
         </p:nvSpPr>
         <p:spPr>
@@ -1152,13 +1408,26 @@
           <a:prstGeom prst="rect">
             <a:avLst/>
           </a:prstGeom>
-        </p:spPr>
-        <p:txBody>
-          <a:bodyPr lIns="0" rIns="0" tIns="0" bIns="0">
+          <a:noFill/>
+          <a:ln w="0">
+            <a:noFill/>
+          </a:ln>
+        </p:spPr>
+        <p:txBody>
+          <a:bodyPr lIns="0" rIns="0" tIns="0" bIns="0" anchor="t">
             <a:normAutofit/>
           </a:bodyPr>
           <a:p>
-            <a:endParaRPr b="0" lang="en-US" sz="3200" spc="-1" strike="noStrike">
+            <a:pPr indent="0">
+              <a:spcBef>
+                <a:spcPts val="1417"/>
+              </a:spcBef>
+              <a:buNone/>
+            </a:pPr>
+            <a:endParaRPr b="0" lang="en-GB" sz="3200" spc="-1" strike="noStrike">
+              <a:solidFill>
+                <a:srgbClr val="000000"/>
+              </a:solidFill>
               <a:latin typeface="Arial"/>
             </a:endParaRPr>
           </a:p>
@@ -1171,7 +1440,7 @@
             <a:spLocks noGrp="1"/>
           </p:cNvSpPr>
           <p:nvPr>
-            <p:ph type="body"/>
+            <p:ph/>
           </p:nvPr>
         </p:nvSpPr>
         <p:spPr>
@@ -1182,13 +1451,26 @@
           <a:prstGeom prst="rect">
             <a:avLst/>
           </a:prstGeom>
-        </p:spPr>
-        <p:txBody>
-          <a:bodyPr lIns="0" rIns="0" tIns="0" bIns="0">
+          <a:noFill/>
+          <a:ln w="0">
+            <a:noFill/>
+          </a:ln>
+        </p:spPr>
+        <p:txBody>
+          <a:bodyPr lIns="0" rIns="0" tIns="0" bIns="0" anchor="t">
             <a:normAutofit/>
           </a:bodyPr>
           <a:p>
-            <a:endParaRPr b="0" lang="en-US" sz="3200" spc="-1" strike="noStrike">
+            <a:pPr indent="0">
+              <a:spcBef>
+                <a:spcPts val="1417"/>
+              </a:spcBef>
+              <a:buNone/>
+            </a:pPr>
+            <a:endParaRPr b="0" lang="en-GB" sz="3200" spc="-1" strike="noStrike">
+              <a:solidFill>
+                <a:srgbClr val="000000"/>
+              </a:solidFill>
               <a:latin typeface="Arial"/>
             </a:endParaRPr>
           </a:p>
@@ -1234,14 +1516,23 @@
           <a:prstGeom prst="rect">
             <a:avLst/>
           </a:prstGeom>
+          <a:noFill/>
+          <a:ln w="0">
+            <a:noFill/>
+          </a:ln>
         </p:spPr>
         <p:txBody>
           <a:bodyPr lIns="0" rIns="0" tIns="0" bIns="0" anchor="ctr">
             <a:noAutofit/>
           </a:bodyPr>
           <a:p>
-            <a:pPr algn="ctr"/>
-            <a:endParaRPr b="0" lang="en-US" sz="4400" spc="-1" strike="noStrike">
+            <a:pPr indent="0" algn="ctr">
+              <a:buNone/>
+            </a:pPr>
+            <a:endParaRPr b="0" lang="en-GB" sz="4400" spc="-1" strike="noStrike">
+              <a:solidFill>
+                <a:srgbClr val="000000"/>
+              </a:solidFill>
               <a:latin typeface="Arial"/>
             </a:endParaRPr>
           </a:p>
@@ -1254,7 +1545,7 @@
             <a:spLocks noGrp="1"/>
           </p:cNvSpPr>
           <p:nvPr>
-            <p:ph type="body"/>
+            <p:ph/>
           </p:nvPr>
         </p:nvSpPr>
         <p:spPr>
@@ -1265,13 +1556,26 @@
           <a:prstGeom prst="rect">
             <a:avLst/>
           </a:prstGeom>
-        </p:spPr>
-        <p:txBody>
-          <a:bodyPr lIns="0" rIns="0" tIns="0" bIns="0">
+          <a:noFill/>
+          <a:ln w="0">
+            <a:noFill/>
+          </a:ln>
+        </p:spPr>
+        <p:txBody>
+          <a:bodyPr lIns="0" rIns="0" tIns="0" bIns="0" anchor="t">
             <a:normAutofit/>
           </a:bodyPr>
           <a:p>
-            <a:endParaRPr b="0" lang="en-US" sz="3200" spc="-1" strike="noStrike">
+            <a:pPr indent="0">
+              <a:spcBef>
+                <a:spcPts val="1417"/>
+              </a:spcBef>
+              <a:buNone/>
+            </a:pPr>
+            <a:endParaRPr b="0" lang="en-GB" sz="3200" spc="-1" strike="noStrike">
+              <a:solidFill>
+                <a:srgbClr val="000000"/>
+              </a:solidFill>
               <a:latin typeface="Arial"/>
             </a:endParaRPr>
           </a:p>
@@ -1284,7 +1588,7 @@
             <a:spLocks noGrp="1"/>
           </p:cNvSpPr>
           <p:nvPr>
-            <p:ph type="body"/>
+            <p:ph/>
           </p:nvPr>
         </p:nvSpPr>
         <p:spPr>
@@ -1295,13 +1599,26 @@
           <a:prstGeom prst="rect">
             <a:avLst/>
           </a:prstGeom>
-        </p:spPr>
-        <p:txBody>
-          <a:bodyPr lIns="0" rIns="0" tIns="0" bIns="0">
+          <a:noFill/>
+          <a:ln w="0">
+            <a:noFill/>
+          </a:ln>
+        </p:spPr>
+        <p:txBody>
+          <a:bodyPr lIns="0" rIns="0" tIns="0" bIns="0" anchor="t">
             <a:normAutofit/>
           </a:bodyPr>
           <a:p>
-            <a:endParaRPr b="0" lang="en-US" sz="3200" spc="-1" strike="noStrike">
+            <a:pPr indent="0">
+              <a:spcBef>
+                <a:spcPts val="1417"/>
+              </a:spcBef>
+              <a:buNone/>
+            </a:pPr>
+            <a:endParaRPr b="0" lang="en-GB" sz="3200" spc="-1" strike="noStrike">
+              <a:solidFill>
+                <a:srgbClr val="000000"/>
+              </a:solidFill>
               <a:latin typeface="Arial"/>
             </a:endParaRPr>
           </a:p>
@@ -1314,7 +1631,7 @@
             <a:spLocks noGrp="1"/>
           </p:cNvSpPr>
           <p:nvPr>
-            <p:ph type="body"/>
+            <p:ph/>
           </p:nvPr>
         </p:nvSpPr>
         <p:spPr>
@@ -1325,13 +1642,26 @@
           <a:prstGeom prst="rect">
             <a:avLst/>
           </a:prstGeom>
-        </p:spPr>
-        <p:txBody>
-          <a:bodyPr lIns="0" rIns="0" tIns="0" bIns="0">
+          <a:noFill/>
+          <a:ln w="0">
+            <a:noFill/>
+          </a:ln>
+        </p:spPr>
+        <p:txBody>
+          <a:bodyPr lIns="0" rIns="0" tIns="0" bIns="0" anchor="t">
             <a:normAutofit/>
           </a:bodyPr>
           <a:p>
-            <a:endParaRPr b="0" lang="en-US" sz="3200" spc="-1" strike="noStrike">
+            <a:pPr indent="0">
+              <a:spcBef>
+                <a:spcPts val="1417"/>
+              </a:spcBef>
+              <a:buNone/>
+            </a:pPr>
+            <a:endParaRPr b="0" lang="en-GB" sz="3200" spc="-1" strike="noStrike">
+              <a:solidFill>
+                <a:srgbClr val="000000"/>
+              </a:solidFill>
               <a:latin typeface="Arial"/>
             </a:endParaRPr>
           </a:p>
@@ -1344,7 +1674,7 @@
             <a:spLocks noGrp="1"/>
           </p:cNvSpPr>
           <p:nvPr>
-            <p:ph type="body"/>
+            <p:ph/>
           </p:nvPr>
         </p:nvSpPr>
         <p:spPr>
@@ -1355,13 +1685,26 @@
           <a:prstGeom prst="rect">
             <a:avLst/>
           </a:prstGeom>
-        </p:spPr>
-        <p:txBody>
-          <a:bodyPr lIns="0" rIns="0" tIns="0" bIns="0">
+          <a:noFill/>
+          <a:ln w="0">
+            <a:noFill/>
+          </a:ln>
+        </p:spPr>
+        <p:txBody>
+          <a:bodyPr lIns="0" rIns="0" tIns="0" bIns="0" anchor="t">
             <a:normAutofit/>
           </a:bodyPr>
           <a:p>
-            <a:endParaRPr b="0" lang="en-US" sz="3200" spc="-1" strike="noStrike">
+            <a:pPr indent="0">
+              <a:spcBef>
+                <a:spcPts val="1417"/>
+              </a:spcBef>
+              <a:buNone/>
+            </a:pPr>
+            <a:endParaRPr b="0" lang="en-GB" sz="3200" spc="-1" strike="noStrike">
+              <a:solidFill>
+                <a:srgbClr val="000000"/>
+              </a:solidFill>
               <a:latin typeface="Arial"/>
             </a:endParaRPr>
           </a:p>
@@ -1374,7 +1717,7 @@
             <a:spLocks noGrp="1"/>
           </p:cNvSpPr>
           <p:nvPr>
-            <p:ph type="body"/>
+            <p:ph/>
           </p:nvPr>
         </p:nvSpPr>
         <p:spPr>
@@ -1385,13 +1728,26 @@
           <a:prstGeom prst="rect">
             <a:avLst/>
           </a:prstGeom>
-        </p:spPr>
-        <p:txBody>
-          <a:bodyPr lIns="0" rIns="0" tIns="0" bIns="0">
+          <a:noFill/>
+          <a:ln w="0">
+            <a:noFill/>
+          </a:ln>
+        </p:spPr>
+        <p:txBody>
+          <a:bodyPr lIns="0" rIns="0" tIns="0" bIns="0" anchor="t">
             <a:normAutofit/>
           </a:bodyPr>
           <a:p>
-            <a:endParaRPr b="0" lang="en-US" sz="3200" spc="-1" strike="noStrike">
+            <a:pPr indent="0">
+              <a:spcBef>
+                <a:spcPts val="1417"/>
+              </a:spcBef>
+              <a:buNone/>
+            </a:pPr>
+            <a:endParaRPr b="0" lang="en-GB" sz="3200" spc="-1" strike="noStrike">
+              <a:solidFill>
+                <a:srgbClr val="000000"/>
+              </a:solidFill>
               <a:latin typeface="Arial"/>
             </a:endParaRPr>
           </a:p>
@@ -1404,7 +1760,7 @@
             <a:spLocks noGrp="1"/>
           </p:cNvSpPr>
           <p:nvPr>
-            <p:ph type="body"/>
+            <p:ph/>
           </p:nvPr>
         </p:nvSpPr>
         <p:spPr>
@@ -1415,13 +1771,26 @@
           <a:prstGeom prst="rect">
             <a:avLst/>
           </a:prstGeom>
-        </p:spPr>
-        <p:txBody>
-          <a:bodyPr lIns="0" rIns="0" tIns="0" bIns="0">
+          <a:noFill/>
+          <a:ln w="0">
+            <a:noFill/>
+          </a:ln>
+        </p:spPr>
+        <p:txBody>
+          <a:bodyPr lIns="0" rIns="0" tIns="0" bIns="0" anchor="t">
             <a:normAutofit/>
           </a:bodyPr>
           <a:p>
-            <a:endParaRPr b="0" lang="en-US" sz="3200" spc="-1" strike="noStrike">
+            <a:pPr indent="0">
+              <a:spcBef>
+                <a:spcPts val="1417"/>
+              </a:spcBef>
+              <a:buNone/>
+            </a:pPr>
+            <a:endParaRPr b="0" lang="en-GB" sz="3200" spc="-1" strike="noStrike">
+              <a:solidFill>
+                <a:srgbClr val="000000"/>
+              </a:solidFill>
               <a:latin typeface="Arial"/>
             </a:endParaRPr>
           </a:p>
@@ -1489,14 +1858,23 @@
           <a:prstGeom prst="rect">
             <a:avLst/>
           </a:prstGeom>
+          <a:noFill/>
+          <a:ln w="0">
+            <a:noFill/>
+          </a:ln>
         </p:spPr>
         <p:txBody>
           <a:bodyPr lIns="0" rIns="0" tIns="0" bIns="0" anchor="ctr">
             <a:noAutofit/>
           </a:bodyPr>
           <a:p>
-            <a:pPr algn="ctr"/>
-            <a:endParaRPr b="0" lang="en-US" sz="4400" spc="-1" strike="noStrike">
+            <a:pPr indent="0" algn="ctr">
+              <a:buNone/>
+            </a:pPr>
+            <a:endParaRPr b="0" lang="en-GB" sz="4400" spc="-1" strike="noStrike">
+              <a:solidFill>
+                <a:srgbClr val="000000"/>
+              </a:solidFill>
               <a:latin typeface="Arial"/>
             </a:endParaRPr>
           </a:p>
@@ -1520,14 +1898,23 @@
           <a:prstGeom prst="rect">
             <a:avLst/>
           </a:prstGeom>
+          <a:noFill/>
+          <a:ln w="0">
+            <a:noFill/>
+          </a:ln>
         </p:spPr>
         <p:txBody>
           <a:bodyPr lIns="0" rIns="0" tIns="0" bIns="0" anchor="ctr">
             <a:noAutofit/>
           </a:bodyPr>
           <a:p>
-            <a:pPr algn="ctr"/>
-            <a:endParaRPr b="0" lang="en-US" sz="3200" spc="-1" strike="noStrike">
+            <a:pPr indent="0" algn="ctr">
+              <a:buNone/>
+            </a:pPr>
+            <a:endParaRPr b="0" lang="en-GB" sz="3200" spc="-1" strike="noStrike">
+              <a:solidFill>
+                <a:srgbClr val="000000"/>
+              </a:solidFill>
               <a:latin typeface="Arial"/>
             </a:endParaRPr>
           </a:p>
@@ -1573,14 +1960,23 @@
           <a:prstGeom prst="rect">
             <a:avLst/>
           </a:prstGeom>
+          <a:noFill/>
+          <a:ln w="0">
+            <a:noFill/>
+          </a:ln>
         </p:spPr>
         <p:txBody>
           <a:bodyPr lIns="0" rIns="0" tIns="0" bIns="0" anchor="ctr">
             <a:noAutofit/>
           </a:bodyPr>
           <a:p>
-            <a:pPr algn="ctr"/>
-            <a:endParaRPr b="0" lang="en-US" sz="4400" spc="-1" strike="noStrike">
+            <a:pPr indent="0" algn="ctr">
+              <a:buNone/>
+            </a:pPr>
+            <a:endParaRPr b="0" lang="en-GB" sz="4400" spc="-1" strike="noStrike">
+              <a:solidFill>
+                <a:srgbClr val="000000"/>
+              </a:solidFill>
               <a:latin typeface="Arial"/>
             </a:endParaRPr>
           </a:p>
@@ -1593,7 +1989,7 @@
             <a:spLocks noGrp="1"/>
           </p:cNvSpPr>
           <p:nvPr>
-            <p:ph type="body"/>
+            <p:ph/>
           </p:nvPr>
         </p:nvSpPr>
         <p:spPr>
@@ -1604,13 +2000,26 @@
           <a:prstGeom prst="rect">
             <a:avLst/>
           </a:prstGeom>
-        </p:spPr>
-        <p:txBody>
-          <a:bodyPr lIns="0" rIns="0" tIns="0" bIns="0">
+          <a:noFill/>
+          <a:ln w="0">
+            <a:noFill/>
+          </a:ln>
+        </p:spPr>
+        <p:txBody>
+          <a:bodyPr lIns="0" rIns="0" tIns="0" bIns="0" anchor="t">
             <a:normAutofit/>
           </a:bodyPr>
           <a:p>
-            <a:endParaRPr b="0" lang="en-US" sz="3200" spc="-1" strike="noStrike">
+            <a:pPr indent="0">
+              <a:spcBef>
+                <a:spcPts val="1417"/>
+              </a:spcBef>
+              <a:buNone/>
+            </a:pPr>
+            <a:endParaRPr b="0" lang="en-GB" sz="3200" spc="-1" strike="noStrike">
+              <a:solidFill>
+                <a:srgbClr val="000000"/>
+              </a:solidFill>
               <a:latin typeface="Arial"/>
             </a:endParaRPr>
           </a:p>
@@ -1656,14 +2065,23 @@
           <a:prstGeom prst="rect">
             <a:avLst/>
           </a:prstGeom>
+          <a:noFill/>
+          <a:ln w="0">
+            <a:noFill/>
+          </a:ln>
         </p:spPr>
         <p:txBody>
           <a:bodyPr lIns="0" rIns="0" tIns="0" bIns="0" anchor="ctr">
             <a:noAutofit/>
           </a:bodyPr>
           <a:p>
-            <a:pPr algn="ctr"/>
-            <a:endParaRPr b="0" lang="en-US" sz="4400" spc="-1" strike="noStrike">
+            <a:pPr indent="0" algn="ctr">
+              <a:buNone/>
+            </a:pPr>
+            <a:endParaRPr b="0" lang="en-GB" sz="4400" spc="-1" strike="noStrike">
+              <a:solidFill>
+                <a:srgbClr val="000000"/>
+              </a:solidFill>
               <a:latin typeface="Arial"/>
             </a:endParaRPr>
           </a:p>
@@ -1676,7 +2094,7 @@
             <a:spLocks noGrp="1"/>
           </p:cNvSpPr>
           <p:nvPr>
-            <p:ph type="body"/>
+            <p:ph/>
           </p:nvPr>
         </p:nvSpPr>
         <p:spPr>
@@ -1687,13 +2105,26 @@
           <a:prstGeom prst="rect">
             <a:avLst/>
           </a:prstGeom>
-        </p:spPr>
-        <p:txBody>
-          <a:bodyPr lIns="0" rIns="0" tIns="0" bIns="0">
+          <a:noFill/>
+          <a:ln w="0">
+            <a:noFill/>
+          </a:ln>
+        </p:spPr>
+        <p:txBody>
+          <a:bodyPr lIns="0" rIns="0" tIns="0" bIns="0" anchor="t">
             <a:normAutofit/>
           </a:bodyPr>
           <a:p>
-            <a:endParaRPr b="0" lang="en-US" sz="3200" spc="-1" strike="noStrike">
+            <a:pPr indent="0">
+              <a:spcBef>
+                <a:spcPts val="1417"/>
+              </a:spcBef>
+              <a:buNone/>
+            </a:pPr>
+            <a:endParaRPr b="0" lang="en-GB" sz="3200" spc="-1" strike="noStrike">
+              <a:solidFill>
+                <a:srgbClr val="000000"/>
+              </a:solidFill>
               <a:latin typeface="Arial"/>
             </a:endParaRPr>
           </a:p>
@@ -1706,7 +2137,7 @@
             <a:spLocks noGrp="1"/>
           </p:cNvSpPr>
           <p:nvPr>
-            <p:ph type="body"/>
+            <p:ph/>
           </p:nvPr>
         </p:nvSpPr>
         <p:spPr>
@@ -1717,13 +2148,26 @@
           <a:prstGeom prst="rect">
             <a:avLst/>
           </a:prstGeom>
-        </p:spPr>
-        <p:txBody>
-          <a:bodyPr lIns="0" rIns="0" tIns="0" bIns="0">
+          <a:noFill/>
+          <a:ln w="0">
+            <a:noFill/>
+          </a:ln>
+        </p:spPr>
+        <p:txBody>
+          <a:bodyPr lIns="0" rIns="0" tIns="0" bIns="0" anchor="t">
             <a:normAutofit/>
           </a:bodyPr>
           <a:p>
-            <a:endParaRPr b="0" lang="en-US" sz="3200" spc="-1" strike="noStrike">
+            <a:pPr indent="0">
+              <a:spcBef>
+                <a:spcPts val="1417"/>
+              </a:spcBef>
+              <a:buNone/>
+            </a:pPr>
+            <a:endParaRPr b="0" lang="en-GB" sz="3200" spc="-1" strike="noStrike">
+              <a:solidFill>
+                <a:srgbClr val="000000"/>
+              </a:solidFill>
               <a:latin typeface="Arial"/>
             </a:endParaRPr>
           </a:p>
@@ -1769,14 +2213,23 @@
           <a:prstGeom prst="rect">
             <a:avLst/>
           </a:prstGeom>
+          <a:noFill/>
+          <a:ln w="0">
+            <a:noFill/>
+          </a:ln>
         </p:spPr>
         <p:txBody>
           <a:bodyPr lIns="0" rIns="0" tIns="0" bIns="0" anchor="ctr">
             <a:noAutofit/>
           </a:bodyPr>
           <a:p>
-            <a:pPr algn="ctr"/>
-            <a:endParaRPr b="0" lang="en-US" sz="4400" spc="-1" strike="noStrike">
+            <a:pPr indent="0" algn="ctr">
+              <a:buNone/>
+            </a:pPr>
+            <a:endParaRPr b="0" lang="en-GB" sz="4400" spc="-1" strike="noStrike">
+              <a:solidFill>
+                <a:srgbClr val="000000"/>
+              </a:solidFill>
               <a:latin typeface="Arial"/>
             </a:endParaRPr>
           </a:p>
@@ -1822,6 +2275,10 @@
           <a:prstGeom prst="rect">
             <a:avLst/>
           </a:prstGeom>
+          <a:noFill/>
+          <a:ln w="0">
+            <a:noFill/>
+          </a:ln>
         </p:spPr>
         <p:txBody>
           <a:bodyPr lIns="0" rIns="0" tIns="0" bIns="0" anchor="ctr">
@@ -1829,7 +2286,10 @@
           </a:bodyPr>
           <a:p>
             <a:pPr algn="ctr"/>
-            <a:endParaRPr b="0" lang="en-US" sz="3200" spc="-1" strike="noStrike">
+            <a:endParaRPr b="0" lang="en-GB" sz="3200" spc="-1" strike="noStrike">
+              <a:solidFill>
+                <a:srgbClr val="000000"/>
+              </a:solidFill>
               <a:latin typeface="Arial"/>
             </a:endParaRPr>
           </a:p>
@@ -1875,14 +2335,23 @@
           <a:prstGeom prst="rect">
             <a:avLst/>
           </a:prstGeom>
+          <a:noFill/>
+          <a:ln w="0">
+            <a:noFill/>
+          </a:ln>
         </p:spPr>
         <p:txBody>
           <a:bodyPr lIns="0" rIns="0" tIns="0" bIns="0" anchor="ctr">
             <a:noAutofit/>
           </a:bodyPr>
           <a:p>
-            <a:pPr algn="ctr"/>
-            <a:endParaRPr b="0" lang="en-US" sz="4400" spc="-1" strike="noStrike">
+            <a:pPr indent="0" algn="ctr">
+              <a:buNone/>
+            </a:pPr>
+            <a:endParaRPr b="0" lang="en-GB" sz="4400" spc="-1" strike="noStrike">
+              <a:solidFill>
+                <a:srgbClr val="000000"/>
+              </a:solidFill>
               <a:latin typeface="Arial"/>
             </a:endParaRPr>
           </a:p>
@@ -1895,7 +2364,7 @@
             <a:spLocks noGrp="1"/>
           </p:cNvSpPr>
           <p:nvPr>
-            <p:ph type="body"/>
+            <p:ph/>
           </p:nvPr>
         </p:nvSpPr>
         <p:spPr>
@@ -1906,13 +2375,26 @@
           <a:prstGeom prst="rect">
             <a:avLst/>
           </a:prstGeom>
-        </p:spPr>
-        <p:txBody>
-          <a:bodyPr lIns="0" rIns="0" tIns="0" bIns="0">
+          <a:noFill/>
+          <a:ln w="0">
+            <a:noFill/>
+          </a:ln>
+        </p:spPr>
+        <p:txBody>
+          <a:bodyPr lIns="0" rIns="0" tIns="0" bIns="0" anchor="t">
             <a:normAutofit/>
           </a:bodyPr>
           <a:p>
-            <a:endParaRPr b="0" lang="en-US" sz="3200" spc="-1" strike="noStrike">
+            <a:pPr indent="0">
+              <a:spcBef>
+                <a:spcPts val="1417"/>
+              </a:spcBef>
+              <a:buNone/>
+            </a:pPr>
+            <a:endParaRPr b="0" lang="en-GB" sz="3200" spc="-1" strike="noStrike">
+              <a:solidFill>
+                <a:srgbClr val="000000"/>
+              </a:solidFill>
               <a:latin typeface="Arial"/>
             </a:endParaRPr>
           </a:p>
@@ -1925,7 +2407,7 @@
             <a:spLocks noGrp="1"/>
           </p:cNvSpPr>
           <p:nvPr>
-            <p:ph type="body"/>
+            <p:ph/>
           </p:nvPr>
         </p:nvSpPr>
         <p:spPr>
@@ -1936,13 +2418,26 @@
           <a:prstGeom prst="rect">
             <a:avLst/>
           </a:prstGeom>
-        </p:spPr>
-        <p:txBody>
-          <a:bodyPr lIns="0" rIns="0" tIns="0" bIns="0">
+          <a:noFill/>
+          <a:ln w="0">
+            <a:noFill/>
+          </a:ln>
+        </p:spPr>
+        <p:txBody>
+          <a:bodyPr lIns="0" rIns="0" tIns="0" bIns="0" anchor="t">
             <a:normAutofit/>
           </a:bodyPr>
           <a:p>
-            <a:endParaRPr b="0" lang="en-US" sz="3200" spc="-1" strike="noStrike">
+            <a:pPr indent="0">
+              <a:spcBef>
+                <a:spcPts val="1417"/>
+              </a:spcBef>
+              <a:buNone/>
+            </a:pPr>
+            <a:endParaRPr b="0" lang="en-GB" sz="3200" spc="-1" strike="noStrike">
+              <a:solidFill>
+                <a:srgbClr val="000000"/>
+              </a:solidFill>
               <a:latin typeface="Arial"/>
             </a:endParaRPr>
           </a:p>
@@ -1955,7 +2450,7 @@
             <a:spLocks noGrp="1"/>
           </p:cNvSpPr>
           <p:nvPr>
-            <p:ph type="body"/>
+            <p:ph/>
           </p:nvPr>
         </p:nvSpPr>
         <p:spPr>
@@ -1966,13 +2461,26 @@
           <a:prstGeom prst="rect">
             <a:avLst/>
           </a:prstGeom>
-        </p:spPr>
-        <p:txBody>
-          <a:bodyPr lIns="0" rIns="0" tIns="0" bIns="0">
+          <a:noFill/>
+          <a:ln w="0">
+            <a:noFill/>
+          </a:ln>
+        </p:spPr>
+        <p:txBody>
+          <a:bodyPr lIns="0" rIns="0" tIns="0" bIns="0" anchor="t">
             <a:normAutofit/>
           </a:bodyPr>
           <a:p>
-            <a:endParaRPr b="0" lang="en-US" sz="3200" spc="-1" strike="noStrike">
+            <a:pPr indent="0">
+              <a:spcBef>
+                <a:spcPts val="1417"/>
+              </a:spcBef>
+              <a:buNone/>
+            </a:pPr>
+            <a:endParaRPr b="0" lang="en-GB" sz="3200" spc="-1" strike="noStrike">
+              <a:solidFill>
+                <a:srgbClr val="000000"/>
+              </a:solidFill>
               <a:latin typeface="Arial"/>
             </a:endParaRPr>
           </a:p>
@@ -2018,14 +2526,23 @@
           <a:prstGeom prst="rect">
             <a:avLst/>
           </a:prstGeom>
+          <a:noFill/>
+          <a:ln w="0">
+            <a:noFill/>
+          </a:ln>
         </p:spPr>
         <p:txBody>
           <a:bodyPr lIns="0" rIns="0" tIns="0" bIns="0" anchor="ctr">
             <a:noAutofit/>
           </a:bodyPr>
           <a:p>
-            <a:pPr algn="ctr"/>
-            <a:endParaRPr b="0" lang="en-US" sz="4400" spc="-1" strike="noStrike">
+            <a:pPr indent="0" algn="ctr">
+              <a:buNone/>
+            </a:pPr>
+            <a:endParaRPr b="0" lang="en-GB" sz="4400" spc="-1" strike="noStrike">
+              <a:solidFill>
+                <a:srgbClr val="000000"/>
+              </a:solidFill>
               <a:latin typeface="Arial"/>
             </a:endParaRPr>
           </a:p>
@@ -2049,14 +2566,23 @@
           <a:prstGeom prst="rect">
             <a:avLst/>
           </a:prstGeom>
+          <a:noFill/>
+          <a:ln w="0">
+            <a:noFill/>
+          </a:ln>
         </p:spPr>
         <p:txBody>
           <a:bodyPr lIns="0" rIns="0" tIns="0" bIns="0" anchor="ctr">
             <a:noAutofit/>
           </a:bodyPr>
           <a:p>
-            <a:pPr algn="ctr"/>
-            <a:endParaRPr b="0" lang="en-US" sz="3200" spc="-1" strike="noStrike">
+            <a:pPr indent="0" algn="ctr">
+              <a:buNone/>
+            </a:pPr>
+            <a:endParaRPr b="0" lang="en-GB" sz="3200" spc="-1" strike="noStrike">
+              <a:solidFill>
+                <a:srgbClr val="000000"/>
+              </a:solidFill>
               <a:latin typeface="Arial"/>
             </a:endParaRPr>
           </a:p>
@@ -2102,14 +2628,23 @@
           <a:prstGeom prst="rect">
             <a:avLst/>
           </a:prstGeom>
+          <a:noFill/>
+          <a:ln w="0">
+            <a:noFill/>
+          </a:ln>
         </p:spPr>
         <p:txBody>
           <a:bodyPr lIns="0" rIns="0" tIns="0" bIns="0" anchor="ctr">
             <a:noAutofit/>
           </a:bodyPr>
           <a:p>
-            <a:pPr algn="ctr"/>
-            <a:endParaRPr b="0" lang="en-US" sz="4400" spc="-1" strike="noStrike">
+            <a:pPr indent="0" algn="ctr">
+              <a:buNone/>
+            </a:pPr>
+            <a:endParaRPr b="0" lang="en-GB" sz="4400" spc="-1" strike="noStrike">
+              <a:solidFill>
+                <a:srgbClr val="000000"/>
+              </a:solidFill>
               <a:latin typeface="Arial"/>
             </a:endParaRPr>
           </a:p>
@@ -2122,7 +2657,7 @@
             <a:spLocks noGrp="1"/>
           </p:cNvSpPr>
           <p:nvPr>
-            <p:ph type="body"/>
+            <p:ph/>
           </p:nvPr>
         </p:nvSpPr>
         <p:spPr>
@@ -2133,13 +2668,26 @@
           <a:prstGeom prst="rect">
             <a:avLst/>
           </a:prstGeom>
-        </p:spPr>
-        <p:txBody>
-          <a:bodyPr lIns="0" rIns="0" tIns="0" bIns="0">
+          <a:noFill/>
+          <a:ln w="0">
+            <a:noFill/>
+          </a:ln>
+        </p:spPr>
+        <p:txBody>
+          <a:bodyPr lIns="0" rIns="0" tIns="0" bIns="0" anchor="t">
             <a:normAutofit/>
           </a:bodyPr>
           <a:p>
-            <a:endParaRPr b="0" lang="en-US" sz="3200" spc="-1" strike="noStrike">
+            <a:pPr indent="0">
+              <a:spcBef>
+                <a:spcPts val="1417"/>
+              </a:spcBef>
+              <a:buNone/>
+            </a:pPr>
+            <a:endParaRPr b="0" lang="en-GB" sz="3200" spc="-1" strike="noStrike">
+              <a:solidFill>
+                <a:srgbClr val="000000"/>
+              </a:solidFill>
               <a:latin typeface="Arial"/>
             </a:endParaRPr>
           </a:p>
@@ -2152,7 +2700,7 @@
             <a:spLocks noGrp="1"/>
           </p:cNvSpPr>
           <p:nvPr>
-            <p:ph type="body"/>
+            <p:ph/>
           </p:nvPr>
         </p:nvSpPr>
         <p:spPr>
@@ -2163,13 +2711,26 @@
           <a:prstGeom prst="rect">
             <a:avLst/>
           </a:prstGeom>
-        </p:spPr>
-        <p:txBody>
-          <a:bodyPr lIns="0" rIns="0" tIns="0" bIns="0">
+          <a:noFill/>
+          <a:ln w="0">
+            <a:noFill/>
+          </a:ln>
+        </p:spPr>
+        <p:txBody>
+          <a:bodyPr lIns="0" rIns="0" tIns="0" bIns="0" anchor="t">
             <a:normAutofit/>
           </a:bodyPr>
           <a:p>
-            <a:endParaRPr b="0" lang="en-US" sz="3200" spc="-1" strike="noStrike">
+            <a:pPr indent="0">
+              <a:spcBef>
+                <a:spcPts val="1417"/>
+              </a:spcBef>
+              <a:buNone/>
+            </a:pPr>
+            <a:endParaRPr b="0" lang="en-GB" sz="3200" spc="-1" strike="noStrike">
+              <a:solidFill>
+                <a:srgbClr val="000000"/>
+              </a:solidFill>
               <a:latin typeface="Arial"/>
             </a:endParaRPr>
           </a:p>
@@ -2182,7 +2743,7 @@
             <a:spLocks noGrp="1"/>
           </p:cNvSpPr>
           <p:nvPr>
-            <p:ph type="body"/>
+            <p:ph/>
           </p:nvPr>
         </p:nvSpPr>
         <p:spPr>
@@ -2193,13 +2754,26 @@
           <a:prstGeom prst="rect">
             <a:avLst/>
           </a:prstGeom>
-        </p:spPr>
-        <p:txBody>
-          <a:bodyPr lIns="0" rIns="0" tIns="0" bIns="0">
+          <a:noFill/>
+          <a:ln w="0">
+            <a:noFill/>
+          </a:ln>
+        </p:spPr>
+        <p:txBody>
+          <a:bodyPr lIns="0" rIns="0" tIns="0" bIns="0" anchor="t">
             <a:normAutofit/>
           </a:bodyPr>
           <a:p>
-            <a:endParaRPr b="0" lang="en-US" sz="3200" spc="-1" strike="noStrike">
+            <a:pPr indent="0">
+              <a:spcBef>
+                <a:spcPts val="1417"/>
+              </a:spcBef>
+              <a:buNone/>
+            </a:pPr>
+            <a:endParaRPr b="0" lang="en-GB" sz="3200" spc="-1" strike="noStrike">
+              <a:solidFill>
+                <a:srgbClr val="000000"/>
+              </a:solidFill>
               <a:latin typeface="Arial"/>
             </a:endParaRPr>
           </a:p>
@@ -2245,14 +2819,23 @@
           <a:prstGeom prst="rect">
             <a:avLst/>
           </a:prstGeom>
+          <a:noFill/>
+          <a:ln w="0">
+            <a:noFill/>
+          </a:ln>
         </p:spPr>
         <p:txBody>
           <a:bodyPr lIns="0" rIns="0" tIns="0" bIns="0" anchor="ctr">
             <a:noAutofit/>
           </a:bodyPr>
           <a:p>
-            <a:pPr algn="ctr"/>
-            <a:endParaRPr b="0" lang="en-US" sz="4400" spc="-1" strike="noStrike">
+            <a:pPr indent="0" algn="ctr">
+              <a:buNone/>
+            </a:pPr>
+            <a:endParaRPr b="0" lang="en-GB" sz="4400" spc="-1" strike="noStrike">
+              <a:solidFill>
+                <a:srgbClr val="000000"/>
+              </a:solidFill>
               <a:latin typeface="Arial"/>
             </a:endParaRPr>
           </a:p>
@@ -2265,7 +2848,7 @@
             <a:spLocks noGrp="1"/>
           </p:cNvSpPr>
           <p:nvPr>
-            <p:ph type="body"/>
+            <p:ph/>
           </p:nvPr>
         </p:nvSpPr>
         <p:spPr>
@@ -2276,13 +2859,26 @@
           <a:prstGeom prst="rect">
             <a:avLst/>
           </a:prstGeom>
-        </p:spPr>
-        <p:txBody>
-          <a:bodyPr lIns="0" rIns="0" tIns="0" bIns="0">
+          <a:noFill/>
+          <a:ln w="0">
+            <a:noFill/>
+          </a:ln>
+        </p:spPr>
+        <p:txBody>
+          <a:bodyPr lIns="0" rIns="0" tIns="0" bIns="0" anchor="t">
             <a:normAutofit/>
           </a:bodyPr>
           <a:p>
-            <a:endParaRPr b="0" lang="en-US" sz="3200" spc="-1" strike="noStrike">
+            <a:pPr indent="0">
+              <a:spcBef>
+                <a:spcPts val="1417"/>
+              </a:spcBef>
+              <a:buNone/>
+            </a:pPr>
+            <a:endParaRPr b="0" lang="en-GB" sz="3200" spc="-1" strike="noStrike">
+              <a:solidFill>
+                <a:srgbClr val="000000"/>
+              </a:solidFill>
               <a:latin typeface="Arial"/>
             </a:endParaRPr>
           </a:p>
@@ -2295,7 +2891,7 @@
             <a:spLocks noGrp="1"/>
           </p:cNvSpPr>
           <p:nvPr>
-            <p:ph type="body"/>
+            <p:ph/>
           </p:nvPr>
         </p:nvSpPr>
         <p:spPr>
@@ -2306,13 +2902,26 @@
           <a:prstGeom prst="rect">
             <a:avLst/>
           </a:prstGeom>
-        </p:spPr>
-        <p:txBody>
-          <a:bodyPr lIns="0" rIns="0" tIns="0" bIns="0">
+          <a:noFill/>
+          <a:ln w="0">
+            <a:noFill/>
+          </a:ln>
+        </p:spPr>
+        <p:txBody>
+          <a:bodyPr lIns="0" rIns="0" tIns="0" bIns="0" anchor="t">
             <a:normAutofit/>
           </a:bodyPr>
           <a:p>
-            <a:endParaRPr b="0" lang="en-US" sz="3200" spc="-1" strike="noStrike">
+            <a:pPr indent="0">
+              <a:spcBef>
+                <a:spcPts val="1417"/>
+              </a:spcBef>
+              <a:buNone/>
+            </a:pPr>
+            <a:endParaRPr b="0" lang="en-GB" sz="3200" spc="-1" strike="noStrike">
+              <a:solidFill>
+                <a:srgbClr val="000000"/>
+              </a:solidFill>
               <a:latin typeface="Arial"/>
             </a:endParaRPr>
           </a:p>
@@ -2325,7 +2934,7 @@
             <a:spLocks noGrp="1"/>
           </p:cNvSpPr>
           <p:nvPr>
-            <p:ph type="body"/>
+            <p:ph/>
           </p:nvPr>
         </p:nvSpPr>
         <p:spPr>
@@ -2336,13 +2945,26 @@
           <a:prstGeom prst="rect">
             <a:avLst/>
           </a:prstGeom>
-        </p:spPr>
-        <p:txBody>
-          <a:bodyPr lIns="0" rIns="0" tIns="0" bIns="0">
+          <a:noFill/>
+          <a:ln w="0">
+            <a:noFill/>
+          </a:ln>
+        </p:spPr>
+        <p:txBody>
+          <a:bodyPr lIns="0" rIns="0" tIns="0" bIns="0" anchor="t">
             <a:normAutofit/>
           </a:bodyPr>
           <a:p>
-            <a:endParaRPr b="0" lang="en-US" sz="3200" spc="-1" strike="noStrike">
+            <a:pPr indent="0">
+              <a:spcBef>
+                <a:spcPts val="1417"/>
+              </a:spcBef>
+              <a:buNone/>
+            </a:pPr>
+            <a:endParaRPr b="0" lang="en-GB" sz="3200" spc="-1" strike="noStrike">
+              <a:solidFill>
+                <a:srgbClr val="000000"/>
+              </a:solidFill>
               <a:latin typeface="Arial"/>
             </a:endParaRPr>
           </a:p>
@@ -2388,14 +3010,23 @@
           <a:prstGeom prst="rect">
             <a:avLst/>
           </a:prstGeom>
+          <a:noFill/>
+          <a:ln w="0">
+            <a:noFill/>
+          </a:ln>
         </p:spPr>
         <p:txBody>
           <a:bodyPr lIns="0" rIns="0" tIns="0" bIns="0" anchor="ctr">
             <a:noAutofit/>
           </a:bodyPr>
           <a:p>
-            <a:pPr algn="ctr"/>
-            <a:endParaRPr b="0" lang="en-US" sz="4400" spc="-1" strike="noStrike">
+            <a:pPr indent="0" algn="ctr">
+              <a:buNone/>
+            </a:pPr>
+            <a:endParaRPr b="0" lang="en-GB" sz="4400" spc="-1" strike="noStrike">
+              <a:solidFill>
+                <a:srgbClr val="000000"/>
+              </a:solidFill>
               <a:latin typeface="Arial"/>
             </a:endParaRPr>
           </a:p>
@@ -2408,7 +3039,7 @@
             <a:spLocks noGrp="1"/>
           </p:cNvSpPr>
           <p:nvPr>
-            <p:ph type="body"/>
+            <p:ph/>
           </p:nvPr>
         </p:nvSpPr>
         <p:spPr>
@@ -2419,13 +3050,26 @@
           <a:prstGeom prst="rect">
             <a:avLst/>
           </a:prstGeom>
-        </p:spPr>
-        <p:txBody>
-          <a:bodyPr lIns="0" rIns="0" tIns="0" bIns="0">
+          <a:noFill/>
+          <a:ln w="0">
+            <a:noFill/>
+          </a:ln>
+        </p:spPr>
+        <p:txBody>
+          <a:bodyPr lIns="0" rIns="0" tIns="0" bIns="0" anchor="t">
             <a:normAutofit/>
           </a:bodyPr>
           <a:p>
-            <a:endParaRPr b="0" lang="en-US" sz="3200" spc="-1" strike="noStrike">
+            <a:pPr indent="0">
+              <a:spcBef>
+                <a:spcPts val="1417"/>
+              </a:spcBef>
+              <a:buNone/>
+            </a:pPr>
+            <a:endParaRPr b="0" lang="en-GB" sz="3200" spc="-1" strike="noStrike">
+              <a:solidFill>
+                <a:srgbClr val="000000"/>
+              </a:solidFill>
               <a:latin typeface="Arial"/>
             </a:endParaRPr>
           </a:p>
@@ -2438,7 +3082,7 @@
             <a:spLocks noGrp="1"/>
           </p:cNvSpPr>
           <p:nvPr>
-            <p:ph type="body"/>
+            <p:ph/>
           </p:nvPr>
         </p:nvSpPr>
         <p:spPr>
@@ -2449,13 +3093,26 @@
           <a:prstGeom prst="rect">
             <a:avLst/>
           </a:prstGeom>
-        </p:spPr>
-        <p:txBody>
-          <a:bodyPr lIns="0" rIns="0" tIns="0" bIns="0">
+          <a:noFill/>
+          <a:ln w="0">
+            <a:noFill/>
+          </a:ln>
+        </p:spPr>
+        <p:txBody>
+          <a:bodyPr lIns="0" rIns="0" tIns="0" bIns="0" anchor="t">
             <a:normAutofit/>
           </a:bodyPr>
           <a:p>
-            <a:endParaRPr b="0" lang="en-US" sz="3200" spc="-1" strike="noStrike">
+            <a:pPr indent="0">
+              <a:spcBef>
+                <a:spcPts val="1417"/>
+              </a:spcBef>
+              <a:buNone/>
+            </a:pPr>
+            <a:endParaRPr b="0" lang="en-GB" sz="3200" spc="-1" strike="noStrike">
+              <a:solidFill>
+                <a:srgbClr val="000000"/>
+              </a:solidFill>
               <a:latin typeface="Arial"/>
             </a:endParaRPr>
           </a:p>
@@ -2501,14 +3158,23 @@
           <a:prstGeom prst="rect">
             <a:avLst/>
           </a:prstGeom>
+          <a:noFill/>
+          <a:ln w="0">
+            <a:noFill/>
+          </a:ln>
         </p:spPr>
         <p:txBody>
           <a:bodyPr lIns="0" rIns="0" tIns="0" bIns="0" anchor="ctr">
             <a:noAutofit/>
           </a:bodyPr>
           <a:p>
-            <a:pPr algn="ctr"/>
-            <a:endParaRPr b="0" lang="en-US" sz="4400" spc="-1" strike="noStrike">
+            <a:pPr indent="0" algn="ctr">
+              <a:buNone/>
+            </a:pPr>
+            <a:endParaRPr b="0" lang="en-GB" sz="4400" spc="-1" strike="noStrike">
+              <a:solidFill>
+                <a:srgbClr val="000000"/>
+              </a:solidFill>
               <a:latin typeface="Arial"/>
             </a:endParaRPr>
           </a:p>
@@ -2521,7 +3187,7 @@
             <a:spLocks noGrp="1"/>
           </p:cNvSpPr>
           <p:nvPr>
-            <p:ph type="body"/>
+            <p:ph/>
           </p:nvPr>
         </p:nvSpPr>
         <p:spPr>
@@ -2532,13 +3198,26 @@
           <a:prstGeom prst="rect">
             <a:avLst/>
           </a:prstGeom>
-        </p:spPr>
-        <p:txBody>
-          <a:bodyPr lIns="0" rIns="0" tIns="0" bIns="0">
+          <a:noFill/>
+          <a:ln w="0">
+            <a:noFill/>
+          </a:ln>
+        </p:spPr>
+        <p:txBody>
+          <a:bodyPr lIns="0" rIns="0" tIns="0" bIns="0" anchor="t">
             <a:normAutofit/>
           </a:bodyPr>
           <a:p>
-            <a:endParaRPr b="0" lang="en-US" sz="3200" spc="-1" strike="noStrike">
+            <a:pPr indent="0">
+              <a:spcBef>
+                <a:spcPts val="1417"/>
+              </a:spcBef>
+              <a:buNone/>
+            </a:pPr>
+            <a:endParaRPr b="0" lang="en-GB" sz="3200" spc="-1" strike="noStrike">
+              <a:solidFill>
+                <a:srgbClr val="000000"/>
+              </a:solidFill>
               <a:latin typeface="Arial"/>
             </a:endParaRPr>
           </a:p>
@@ -2551,7 +3230,7 @@
             <a:spLocks noGrp="1"/>
           </p:cNvSpPr>
           <p:nvPr>
-            <p:ph type="body"/>
+            <p:ph/>
           </p:nvPr>
         </p:nvSpPr>
         <p:spPr>
@@ -2562,13 +3241,26 @@
           <a:prstGeom prst="rect">
             <a:avLst/>
           </a:prstGeom>
-        </p:spPr>
-        <p:txBody>
-          <a:bodyPr lIns="0" rIns="0" tIns="0" bIns="0">
+          <a:noFill/>
+          <a:ln w="0">
+            <a:noFill/>
+          </a:ln>
+        </p:spPr>
+        <p:txBody>
+          <a:bodyPr lIns="0" rIns="0" tIns="0" bIns="0" anchor="t">
             <a:normAutofit/>
           </a:bodyPr>
           <a:p>
-            <a:endParaRPr b="0" lang="en-US" sz="3200" spc="-1" strike="noStrike">
+            <a:pPr indent="0">
+              <a:spcBef>
+                <a:spcPts val="1417"/>
+              </a:spcBef>
+              <a:buNone/>
+            </a:pPr>
+            <a:endParaRPr b="0" lang="en-GB" sz="3200" spc="-1" strike="noStrike">
+              <a:solidFill>
+                <a:srgbClr val="000000"/>
+              </a:solidFill>
               <a:latin typeface="Arial"/>
             </a:endParaRPr>
           </a:p>
@@ -2581,7 +3273,7 @@
             <a:spLocks noGrp="1"/>
           </p:cNvSpPr>
           <p:nvPr>
-            <p:ph type="body"/>
+            <p:ph/>
           </p:nvPr>
         </p:nvSpPr>
         <p:spPr>
@@ -2592,13 +3284,26 @@
           <a:prstGeom prst="rect">
             <a:avLst/>
           </a:prstGeom>
-        </p:spPr>
-        <p:txBody>
-          <a:bodyPr lIns="0" rIns="0" tIns="0" bIns="0">
+          <a:noFill/>
+          <a:ln w="0">
+            <a:noFill/>
+          </a:ln>
+        </p:spPr>
+        <p:txBody>
+          <a:bodyPr lIns="0" rIns="0" tIns="0" bIns="0" anchor="t">
             <a:normAutofit/>
           </a:bodyPr>
           <a:p>
-            <a:endParaRPr b="0" lang="en-US" sz="3200" spc="-1" strike="noStrike">
+            <a:pPr indent="0">
+              <a:spcBef>
+                <a:spcPts val="1417"/>
+              </a:spcBef>
+              <a:buNone/>
+            </a:pPr>
+            <a:endParaRPr b="0" lang="en-GB" sz="3200" spc="-1" strike="noStrike">
+              <a:solidFill>
+                <a:srgbClr val="000000"/>
+              </a:solidFill>
               <a:latin typeface="Arial"/>
             </a:endParaRPr>
           </a:p>
@@ -2611,7 +3316,7 @@
             <a:spLocks noGrp="1"/>
           </p:cNvSpPr>
           <p:nvPr>
-            <p:ph type="body"/>
+            <p:ph/>
           </p:nvPr>
         </p:nvSpPr>
         <p:spPr>
@@ -2622,13 +3327,26 @@
           <a:prstGeom prst="rect">
             <a:avLst/>
           </a:prstGeom>
-        </p:spPr>
-        <p:txBody>
-          <a:bodyPr lIns="0" rIns="0" tIns="0" bIns="0">
+          <a:noFill/>
+          <a:ln w="0">
+            <a:noFill/>
+          </a:ln>
+        </p:spPr>
+        <p:txBody>
+          <a:bodyPr lIns="0" rIns="0" tIns="0" bIns="0" anchor="t">
             <a:normAutofit/>
           </a:bodyPr>
           <a:p>
-            <a:endParaRPr b="0" lang="en-US" sz="3200" spc="-1" strike="noStrike">
+            <a:pPr indent="0">
+              <a:spcBef>
+                <a:spcPts val="1417"/>
+              </a:spcBef>
+              <a:buNone/>
+            </a:pPr>
+            <a:endParaRPr b="0" lang="en-GB" sz="3200" spc="-1" strike="noStrike">
+              <a:solidFill>
+                <a:srgbClr val="000000"/>
+              </a:solidFill>
               <a:latin typeface="Arial"/>
             </a:endParaRPr>
           </a:p>
@@ -2674,14 +3392,23 @@
           <a:prstGeom prst="rect">
             <a:avLst/>
           </a:prstGeom>
+          <a:noFill/>
+          <a:ln w="0">
+            <a:noFill/>
+          </a:ln>
         </p:spPr>
         <p:txBody>
           <a:bodyPr lIns="0" rIns="0" tIns="0" bIns="0" anchor="ctr">
             <a:noAutofit/>
           </a:bodyPr>
           <a:p>
-            <a:pPr algn="ctr"/>
-            <a:endParaRPr b="0" lang="en-US" sz="4400" spc="-1" strike="noStrike">
+            <a:pPr indent="0" algn="ctr">
+              <a:buNone/>
+            </a:pPr>
+            <a:endParaRPr b="0" lang="en-GB" sz="4400" spc="-1" strike="noStrike">
+              <a:solidFill>
+                <a:srgbClr val="000000"/>
+              </a:solidFill>
               <a:latin typeface="Arial"/>
             </a:endParaRPr>
           </a:p>
@@ -2694,7 +3421,7 @@
             <a:spLocks noGrp="1"/>
           </p:cNvSpPr>
           <p:nvPr>
-            <p:ph type="body"/>
+            <p:ph/>
           </p:nvPr>
         </p:nvSpPr>
         <p:spPr>
@@ -2705,13 +3432,26 @@
           <a:prstGeom prst="rect">
             <a:avLst/>
           </a:prstGeom>
-        </p:spPr>
-        <p:txBody>
-          <a:bodyPr lIns="0" rIns="0" tIns="0" bIns="0">
+          <a:noFill/>
+          <a:ln w="0">
+            <a:noFill/>
+          </a:ln>
+        </p:spPr>
+        <p:txBody>
+          <a:bodyPr lIns="0" rIns="0" tIns="0" bIns="0" anchor="t">
             <a:normAutofit/>
           </a:bodyPr>
           <a:p>
-            <a:endParaRPr b="0" lang="en-US" sz="3200" spc="-1" strike="noStrike">
+            <a:pPr indent="0">
+              <a:spcBef>
+                <a:spcPts val="1417"/>
+              </a:spcBef>
+              <a:buNone/>
+            </a:pPr>
+            <a:endParaRPr b="0" lang="en-GB" sz="3200" spc="-1" strike="noStrike">
+              <a:solidFill>
+                <a:srgbClr val="000000"/>
+              </a:solidFill>
               <a:latin typeface="Arial"/>
             </a:endParaRPr>
           </a:p>
@@ -2724,7 +3464,7 @@
             <a:spLocks noGrp="1"/>
           </p:cNvSpPr>
           <p:nvPr>
-            <p:ph type="body"/>
+            <p:ph/>
           </p:nvPr>
         </p:nvSpPr>
         <p:spPr>
@@ -2735,13 +3475,26 @@
           <a:prstGeom prst="rect">
             <a:avLst/>
           </a:prstGeom>
-        </p:spPr>
-        <p:txBody>
-          <a:bodyPr lIns="0" rIns="0" tIns="0" bIns="0">
+          <a:noFill/>
+          <a:ln w="0">
+            <a:noFill/>
+          </a:ln>
+        </p:spPr>
+        <p:txBody>
+          <a:bodyPr lIns="0" rIns="0" tIns="0" bIns="0" anchor="t">
             <a:normAutofit/>
           </a:bodyPr>
           <a:p>
-            <a:endParaRPr b="0" lang="en-US" sz="3200" spc="-1" strike="noStrike">
+            <a:pPr indent="0">
+              <a:spcBef>
+                <a:spcPts val="1417"/>
+              </a:spcBef>
+              <a:buNone/>
+            </a:pPr>
+            <a:endParaRPr b="0" lang="en-GB" sz="3200" spc="-1" strike="noStrike">
+              <a:solidFill>
+                <a:srgbClr val="000000"/>
+              </a:solidFill>
               <a:latin typeface="Arial"/>
             </a:endParaRPr>
           </a:p>
@@ -2754,7 +3507,7 @@
             <a:spLocks noGrp="1"/>
           </p:cNvSpPr>
           <p:nvPr>
-            <p:ph type="body"/>
+            <p:ph/>
           </p:nvPr>
         </p:nvSpPr>
         <p:spPr>
@@ -2765,13 +3518,26 @@
           <a:prstGeom prst="rect">
             <a:avLst/>
           </a:prstGeom>
-        </p:spPr>
-        <p:txBody>
-          <a:bodyPr lIns="0" rIns="0" tIns="0" bIns="0">
+          <a:noFill/>
+          <a:ln w="0">
+            <a:noFill/>
+          </a:ln>
+        </p:spPr>
+        <p:txBody>
+          <a:bodyPr lIns="0" rIns="0" tIns="0" bIns="0" anchor="t">
             <a:normAutofit/>
           </a:bodyPr>
           <a:p>
-            <a:endParaRPr b="0" lang="en-US" sz="3200" spc="-1" strike="noStrike">
+            <a:pPr indent="0">
+              <a:spcBef>
+                <a:spcPts val="1417"/>
+              </a:spcBef>
+              <a:buNone/>
+            </a:pPr>
+            <a:endParaRPr b="0" lang="en-GB" sz="3200" spc="-1" strike="noStrike">
+              <a:solidFill>
+                <a:srgbClr val="000000"/>
+              </a:solidFill>
               <a:latin typeface="Arial"/>
             </a:endParaRPr>
           </a:p>
@@ -2784,7 +3550,7 @@
             <a:spLocks noGrp="1"/>
           </p:cNvSpPr>
           <p:nvPr>
-            <p:ph type="body"/>
+            <p:ph/>
           </p:nvPr>
         </p:nvSpPr>
         <p:spPr>
@@ -2795,13 +3561,26 @@
           <a:prstGeom prst="rect">
             <a:avLst/>
           </a:prstGeom>
-        </p:spPr>
-        <p:txBody>
-          <a:bodyPr lIns="0" rIns="0" tIns="0" bIns="0">
+          <a:noFill/>
+          <a:ln w="0">
+            <a:noFill/>
+          </a:ln>
+        </p:spPr>
+        <p:txBody>
+          <a:bodyPr lIns="0" rIns="0" tIns="0" bIns="0" anchor="t">
             <a:normAutofit/>
           </a:bodyPr>
           <a:p>
-            <a:endParaRPr b="0" lang="en-US" sz="3200" spc="-1" strike="noStrike">
+            <a:pPr indent="0">
+              <a:spcBef>
+                <a:spcPts val="1417"/>
+              </a:spcBef>
+              <a:buNone/>
+            </a:pPr>
+            <a:endParaRPr b="0" lang="en-GB" sz="3200" spc="-1" strike="noStrike">
+              <a:solidFill>
+                <a:srgbClr val="000000"/>
+              </a:solidFill>
               <a:latin typeface="Arial"/>
             </a:endParaRPr>
           </a:p>
@@ -2814,7 +3593,7 @@
             <a:spLocks noGrp="1"/>
           </p:cNvSpPr>
           <p:nvPr>
-            <p:ph type="body"/>
+            <p:ph/>
           </p:nvPr>
         </p:nvSpPr>
         <p:spPr>
@@ -2825,13 +3604,26 @@
           <a:prstGeom prst="rect">
             <a:avLst/>
           </a:prstGeom>
-        </p:spPr>
-        <p:txBody>
-          <a:bodyPr lIns="0" rIns="0" tIns="0" bIns="0">
+          <a:noFill/>
+          <a:ln w="0">
+            <a:noFill/>
+          </a:ln>
+        </p:spPr>
+        <p:txBody>
+          <a:bodyPr lIns="0" rIns="0" tIns="0" bIns="0" anchor="t">
             <a:normAutofit/>
           </a:bodyPr>
           <a:p>
-            <a:endParaRPr b="0" lang="en-US" sz="3200" spc="-1" strike="noStrike">
+            <a:pPr indent="0">
+              <a:spcBef>
+                <a:spcPts val="1417"/>
+              </a:spcBef>
+              <a:buNone/>
+            </a:pPr>
+            <a:endParaRPr b="0" lang="en-GB" sz="3200" spc="-1" strike="noStrike">
+              <a:solidFill>
+                <a:srgbClr val="000000"/>
+              </a:solidFill>
               <a:latin typeface="Arial"/>
             </a:endParaRPr>
           </a:p>
@@ -2844,7 +3636,7 @@
             <a:spLocks noGrp="1"/>
           </p:cNvSpPr>
           <p:nvPr>
-            <p:ph type="body"/>
+            <p:ph/>
           </p:nvPr>
         </p:nvSpPr>
         <p:spPr>
@@ -2855,13 +3647,26 @@
           <a:prstGeom prst="rect">
             <a:avLst/>
           </a:prstGeom>
-        </p:spPr>
-        <p:txBody>
-          <a:bodyPr lIns="0" rIns="0" tIns="0" bIns="0">
+          <a:noFill/>
+          <a:ln w="0">
+            <a:noFill/>
+          </a:ln>
+        </p:spPr>
+        <p:txBody>
+          <a:bodyPr lIns="0" rIns="0" tIns="0" bIns="0" anchor="t">
             <a:normAutofit/>
           </a:bodyPr>
           <a:p>
-            <a:endParaRPr b="0" lang="en-US" sz="3200" spc="-1" strike="noStrike">
+            <a:pPr indent="0">
+              <a:spcBef>
+                <a:spcPts val="1417"/>
+              </a:spcBef>
+              <a:buNone/>
+            </a:pPr>
+            <a:endParaRPr b="0" lang="en-GB" sz="3200" spc="-1" strike="noStrike">
+              <a:solidFill>
+                <a:srgbClr val="000000"/>
+              </a:solidFill>
               <a:latin typeface="Arial"/>
             </a:endParaRPr>
           </a:p>
@@ -2907,14 +3712,23 @@
           <a:prstGeom prst="rect">
             <a:avLst/>
           </a:prstGeom>
+          <a:noFill/>
+          <a:ln w="0">
+            <a:noFill/>
+          </a:ln>
         </p:spPr>
         <p:txBody>
           <a:bodyPr lIns="0" rIns="0" tIns="0" bIns="0" anchor="ctr">
             <a:noAutofit/>
           </a:bodyPr>
           <a:p>
-            <a:pPr algn="ctr"/>
-            <a:endParaRPr b="0" lang="en-US" sz="4400" spc="-1" strike="noStrike">
+            <a:pPr indent="0" algn="ctr">
+              <a:buNone/>
+            </a:pPr>
+            <a:endParaRPr b="0" lang="en-GB" sz="4400" spc="-1" strike="noStrike">
+              <a:solidFill>
+                <a:srgbClr val="000000"/>
+              </a:solidFill>
               <a:latin typeface="Arial"/>
             </a:endParaRPr>
           </a:p>
@@ -2927,7 +3741,7 @@
             <a:spLocks noGrp="1"/>
           </p:cNvSpPr>
           <p:nvPr>
-            <p:ph type="body"/>
+            <p:ph/>
           </p:nvPr>
         </p:nvSpPr>
         <p:spPr>
@@ -2938,13 +3752,26 @@
           <a:prstGeom prst="rect">
             <a:avLst/>
           </a:prstGeom>
-        </p:spPr>
-        <p:txBody>
-          <a:bodyPr lIns="0" rIns="0" tIns="0" bIns="0">
+          <a:noFill/>
+          <a:ln w="0">
+            <a:noFill/>
+          </a:ln>
+        </p:spPr>
+        <p:txBody>
+          <a:bodyPr lIns="0" rIns="0" tIns="0" bIns="0" anchor="t">
             <a:normAutofit/>
           </a:bodyPr>
           <a:p>
-            <a:endParaRPr b="0" lang="en-US" sz="3200" spc="-1" strike="noStrike">
+            <a:pPr indent="0">
+              <a:spcBef>
+                <a:spcPts val="1417"/>
+              </a:spcBef>
+              <a:buNone/>
+            </a:pPr>
+            <a:endParaRPr b="0" lang="en-GB" sz="3200" spc="-1" strike="noStrike">
+              <a:solidFill>
+                <a:srgbClr val="000000"/>
+              </a:solidFill>
               <a:latin typeface="Arial"/>
             </a:endParaRPr>
           </a:p>
@@ -2990,14 +3817,23 @@
           <a:prstGeom prst="rect">
             <a:avLst/>
           </a:prstGeom>
+          <a:noFill/>
+          <a:ln w="0">
+            <a:noFill/>
+          </a:ln>
         </p:spPr>
         <p:txBody>
           <a:bodyPr lIns="0" rIns="0" tIns="0" bIns="0" anchor="ctr">
             <a:noAutofit/>
           </a:bodyPr>
           <a:p>
-            <a:pPr algn="ctr"/>
-            <a:endParaRPr b="0" lang="en-US" sz="4400" spc="-1" strike="noStrike">
+            <a:pPr indent="0" algn="ctr">
+              <a:buNone/>
+            </a:pPr>
+            <a:endParaRPr b="0" lang="en-GB" sz="4400" spc="-1" strike="noStrike">
+              <a:solidFill>
+                <a:srgbClr val="000000"/>
+              </a:solidFill>
               <a:latin typeface="Arial"/>
             </a:endParaRPr>
           </a:p>
@@ -3010,7 +3846,7 @@
             <a:spLocks noGrp="1"/>
           </p:cNvSpPr>
           <p:nvPr>
-            <p:ph type="body"/>
+            <p:ph/>
           </p:nvPr>
         </p:nvSpPr>
         <p:spPr>
@@ -3021,13 +3857,26 @@
           <a:prstGeom prst="rect">
             <a:avLst/>
           </a:prstGeom>
-        </p:spPr>
-        <p:txBody>
-          <a:bodyPr lIns="0" rIns="0" tIns="0" bIns="0">
+          <a:noFill/>
+          <a:ln w="0">
+            <a:noFill/>
+          </a:ln>
+        </p:spPr>
+        <p:txBody>
+          <a:bodyPr lIns="0" rIns="0" tIns="0" bIns="0" anchor="t">
             <a:normAutofit/>
           </a:bodyPr>
           <a:p>
-            <a:endParaRPr b="0" lang="en-US" sz="3200" spc="-1" strike="noStrike">
+            <a:pPr indent="0">
+              <a:spcBef>
+                <a:spcPts val="1417"/>
+              </a:spcBef>
+              <a:buNone/>
+            </a:pPr>
+            <a:endParaRPr b="0" lang="en-GB" sz="3200" spc="-1" strike="noStrike">
+              <a:solidFill>
+                <a:srgbClr val="000000"/>
+              </a:solidFill>
               <a:latin typeface="Arial"/>
             </a:endParaRPr>
           </a:p>
@@ -3040,7 +3889,7 @@
             <a:spLocks noGrp="1"/>
           </p:cNvSpPr>
           <p:nvPr>
-            <p:ph type="body"/>
+            <p:ph/>
           </p:nvPr>
         </p:nvSpPr>
         <p:spPr>
@@ -3051,13 +3900,26 @@
           <a:prstGeom prst="rect">
             <a:avLst/>
           </a:prstGeom>
-        </p:spPr>
-        <p:txBody>
-          <a:bodyPr lIns="0" rIns="0" tIns="0" bIns="0">
+          <a:noFill/>
+          <a:ln w="0">
+            <a:noFill/>
+          </a:ln>
+        </p:spPr>
+        <p:txBody>
+          <a:bodyPr lIns="0" rIns="0" tIns="0" bIns="0" anchor="t">
             <a:normAutofit/>
           </a:bodyPr>
           <a:p>
-            <a:endParaRPr b="0" lang="en-US" sz="3200" spc="-1" strike="noStrike">
+            <a:pPr indent="0">
+              <a:spcBef>
+                <a:spcPts val="1417"/>
+              </a:spcBef>
+              <a:buNone/>
+            </a:pPr>
+            <a:endParaRPr b="0" lang="en-GB" sz="3200" spc="-1" strike="noStrike">
+              <a:solidFill>
+                <a:srgbClr val="000000"/>
+              </a:solidFill>
               <a:latin typeface="Arial"/>
             </a:endParaRPr>
           </a:p>
@@ -3103,14 +3965,23 @@
           <a:prstGeom prst="rect">
             <a:avLst/>
           </a:prstGeom>
+          <a:noFill/>
+          <a:ln w="0">
+            <a:noFill/>
+          </a:ln>
         </p:spPr>
         <p:txBody>
           <a:bodyPr lIns="0" rIns="0" tIns="0" bIns="0" anchor="ctr">
             <a:noAutofit/>
           </a:bodyPr>
           <a:p>
-            <a:pPr algn="ctr"/>
-            <a:endParaRPr b="0" lang="en-US" sz="4400" spc="-1" strike="noStrike">
+            <a:pPr indent="0" algn="ctr">
+              <a:buNone/>
+            </a:pPr>
+            <a:endParaRPr b="0" lang="en-GB" sz="4400" spc="-1" strike="noStrike">
+              <a:solidFill>
+                <a:srgbClr val="000000"/>
+              </a:solidFill>
               <a:latin typeface="Arial"/>
             </a:endParaRPr>
           </a:p>
@@ -3156,6 +4027,10 @@
           <a:prstGeom prst="rect">
             <a:avLst/>
           </a:prstGeom>
+          <a:noFill/>
+          <a:ln w="0">
+            <a:noFill/>
+          </a:ln>
         </p:spPr>
         <p:txBody>
           <a:bodyPr lIns="0" rIns="0" tIns="0" bIns="0" anchor="ctr">
@@ -3163,7 +4038,10 @@
           </a:bodyPr>
           <a:p>
             <a:pPr algn="ctr"/>
-            <a:endParaRPr b="0" lang="en-US" sz="3200" spc="-1" strike="noStrike">
+            <a:endParaRPr b="0" lang="en-GB" sz="3200" spc="-1" strike="noStrike">
+              <a:solidFill>
+                <a:srgbClr val="000000"/>
+              </a:solidFill>
               <a:latin typeface="Arial"/>
             </a:endParaRPr>
           </a:p>
@@ -3209,14 +4087,23 @@
           <a:prstGeom prst="rect">
             <a:avLst/>
           </a:prstGeom>
+          <a:noFill/>
+          <a:ln w="0">
+            <a:noFill/>
+          </a:ln>
         </p:spPr>
         <p:txBody>
           <a:bodyPr lIns="0" rIns="0" tIns="0" bIns="0" anchor="ctr">
             <a:noAutofit/>
           </a:bodyPr>
           <a:p>
-            <a:pPr algn="ctr"/>
-            <a:endParaRPr b="0" lang="en-US" sz="4400" spc="-1" strike="noStrike">
+            <a:pPr indent="0" algn="ctr">
+              <a:buNone/>
+            </a:pPr>
+            <a:endParaRPr b="0" lang="en-GB" sz="4400" spc="-1" strike="noStrike">
+              <a:solidFill>
+                <a:srgbClr val="000000"/>
+              </a:solidFill>
               <a:latin typeface="Arial"/>
             </a:endParaRPr>
           </a:p>
@@ -3229,7 +4116,7 @@
             <a:spLocks noGrp="1"/>
           </p:cNvSpPr>
           <p:nvPr>
-            <p:ph type="body"/>
+            <p:ph/>
           </p:nvPr>
         </p:nvSpPr>
         <p:spPr>
@@ -3240,13 +4127,26 @@
           <a:prstGeom prst="rect">
             <a:avLst/>
           </a:prstGeom>
-        </p:spPr>
-        <p:txBody>
-          <a:bodyPr lIns="0" rIns="0" tIns="0" bIns="0">
+          <a:noFill/>
+          <a:ln w="0">
+            <a:noFill/>
+          </a:ln>
+        </p:spPr>
+        <p:txBody>
+          <a:bodyPr lIns="0" rIns="0" tIns="0" bIns="0" anchor="t">
             <a:normAutofit/>
           </a:bodyPr>
           <a:p>
-            <a:endParaRPr b="0" lang="en-US" sz="3200" spc="-1" strike="noStrike">
+            <a:pPr indent="0">
+              <a:spcBef>
+                <a:spcPts val="1417"/>
+              </a:spcBef>
+              <a:buNone/>
+            </a:pPr>
+            <a:endParaRPr b="0" lang="en-GB" sz="3200" spc="-1" strike="noStrike">
+              <a:solidFill>
+                <a:srgbClr val="000000"/>
+              </a:solidFill>
               <a:latin typeface="Arial"/>
             </a:endParaRPr>
           </a:p>
@@ -3259,7 +4159,7 @@
             <a:spLocks noGrp="1"/>
           </p:cNvSpPr>
           <p:nvPr>
-            <p:ph type="body"/>
+            <p:ph/>
           </p:nvPr>
         </p:nvSpPr>
         <p:spPr>
@@ -3270,13 +4170,26 @@
           <a:prstGeom prst="rect">
             <a:avLst/>
           </a:prstGeom>
-        </p:spPr>
-        <p:txBody>
-          <a:bodyPr lIns="0" rIns="0" tIns="0" bIns="0">
+          <a:noFill/>
+          <a:ln w="0">
+            <a:noFill/>
+          </a:ln>
+        </p:spPr>
+        <p:txBody>
+          <a:bodyPr lIns="0" rIns="0" tIns="0" bIns="0" anchor="t">
             <a:normAutofit/>
           </a:bodyPr>
           <a:p>
-            <a:endParaRPr b="0" lang="en-US" sz="3200" spc="-1" strike="noStrike">
+            <a:pPr indent="0">
+              <a:spcBef>
+                <a:spcPts val="1417"/>
+              </a:spcBef>
+              <a:buNone/>
+            </a:pPr>
+            <a:endParaRPr b="0" lang="en-GB" sz="3200" spc="-1" strike="noStrike">
+              <a:solidFill>
+                <a:srgbClr val="000000"/>
+              </a:solidFill>
               <a:latin typeface="Arial"/>
             </a:endParaRPr>
           </a:p>
@@ -3289,7 +4202,7 @@
             <a:spLocks noGrp="1"/>
           </p:cNvSpPr>
           <p:nvPr>
-            <p:ph type="body"/>
+            <p:ph/>
           </p:nvPr>
         </p:nvSpPr>
         <p:spPr>
@@ -3300,13 +4213,26 @@
           <a:prstGeom prst="rect">
             <a:avLst/>
           </a:prstGeom>
-        </p:spPr>
-        <p:txBody>
-          <a:bodyPr lIns="0" rIns="0" tIns="0" bIns="0">
+          <a:noFill/>
+          <a:ln w="0">
+            <a:noFill/>
+          </a:ln>
+        </p:spPr>
+        <p:txBody>
+          <a:bodyPr lIns="0" rIns="0" tIns="0" bIns="0" anchor="t">
             <a:normAutofit/>
           </a:bodyPr>
           <a:p>
-            <a:endParaRPr b="0" lang="en-US" sz="3200" spc="-1" strike="noStrike">
+            <a:pPr indent="0">
+              <a:spcBef>
+                <a:spcPts val="1417"/>
+              </a:spcBef>
+              <a:buNone/>
+            </a:pPr>
+            <a:endParaRPr b="0" lang="en-GB" sz="3200" spc="-1" strike="noStrike">
+              <a:solidFill>
+                <a:srgbClr val="000000"/>
+              </a:solidFill>
               <a:latin typeface="Arial"/>
             </a:endParaRPr>
           </a:p>
@@ -3352,14 +4278,23 @@
           <a:prstGeom prst="rect">
             <a:avLst/>
           </a:prstGeom>
+          <a:noFill/>
+          <a:ln w="0">
+            <a:noFill/>
+          </a:ln>
         </p:spPr>
         <p:txBody>
           <a:bodyPr lIns="0" rIns="0" tIns="0" bIns="0" anchor="ctr">
             <a:noAutofit/>
           </a:bodyPr>
           <a:p>
-            <a:pPr algn="ctr"/>
-            <a:endParaRPr b="0" lang="en-US" sz="4400" spc="-1" strike="noStrike">
+            <a:pPr indent="0" algn="ctr">
+              <a:buNone/>
+            </a:pPr>
+            <a:endParaRPr b="0" lang="en-GB" sz="4400" spc="-1" strike="noStrike">
+              <a:solidFill>
+                <a:srgbClr val="000000"/>
+              </a:solidFill>
               <a:latin typeface="Arial"/>
             </a:endParaRPr>
           </a:p>
@@ -3372,7 +4307,7 @@
             <a:spLocks noGrp="1"/>
           </p:cNvSpPr>
           <p:nvPr>
-            <p:ph type="body"/>
+            <p:ph/>
           </p:nvPr>
         </p:nvSpPr>
         <p:spPr>
@@ -3383,13 +4318,26 @@
           <a:prstGeom prst="rect">
             <a:avLst/>
           </a:prstGeom>
-        </p:spPr>
-        <p:txBody>
-          <a:bodyPr lIns="0" rIns="0" tIns="0" bIns="0">
+          <a:noFill/>
+          <a:ln w="0">
+            <a:noFill/>
+          </a:ln>
+        </p:spPr>
+        <p:txBody>
+          <a:bodyPr lIns="0" rIns="0" tIns="0" bIns="0" anchor="t">
             <a:normAutofit/>
           </a:bodyPr>
           <a:p>
-            <a:endParaRPr b="0" lang="en-US" sz="3200" spc="-1" strike="noStrike">
+            <a:pPr indent="0">
+              <a:spcBef>
+                <a:spcPts val="1417"/>
+              </a:spcBef>
+              <a:buNone/>
+            </a:pPr>
+            <a:endParaRPr b="0" lang="en-GB" sz="3200" spc="-1" strike="noStrike">
+              <a:solidFill>
+                <a:srgbClr val="000000"/>
+              </a:solidFill>
               <a:latin typeface="Arial"/>
             </a:endParaRPr>
           </a:p>
@@ -3402,7 +4350,7 @@
             <a:spLocks noGrp="1"/>
           </p:cNvSpPr>
           <p:nvPr>
-            <p:ph type="body"/>
+            <p:ph/>
           </p:nvPr>
         </p:nvSpPr>
         <p:spPr>
@@ -3413,13 +4361,26 @@
           <a:prstGeom prst="rect">
             <a:avLst/>
           </a:prstGeom>
-        </p:spPr>
-        <p:txBody>
-          <a:bodyPr lIns="0" rIns="0" tIns="0" bIns="0">
+          <a:noFill/>
+          <a:ln w="0">
+            <a:noFill/>
+          </a:ln>
+        </p:spPr>
+        <p:txBody>
+          <a:bodyPr lIns="0" rIns="0" tIns="0" bIns="0" anchor="t">
             <a:normAutofit/>
           </a:bodyPr>
           <a:p>
-            <a:endParaRPr b="0" lang="en-US" sz="3200" spc="-1" strike="noStrike">
+            <a:pPr indent="0">
+              <a:spcBef>
+                <a:spcPts val="1417"/>
+              </a:spcBef>
+              <a:buNone/>
+            </a:pPr>
+            <a:endParaRPr b="0" lang="en-GB" sz="3200" spc="-1" strike="noStrike">
+              <a:solidFill>
+                <a:srgbClr val="000000"/>
+              </a:solidFill>
               <a:latin typeface="Arial"/>
             </a:endParaRPr>
           </a:p>
@@ -3432,7 +4393,7 @@
             <a:spLocks noGrp="1"/>
           </p:cNvSpPr>
           <p:nvPr>
-            <p:ph type="body"/>
+            <p:ph/>
           </p:nvPr>
         </p:nvSpPr>
         <p:spPr>
@@ -3443,13 +4404,26 @@
           <a:prstGeom prst="rect">
             <a:avLst/>
           </a:prstGeom>
-        </p:spPr>
-        <p:txBody>
-          <a:bodyPr lIns="0" rIns="0" tIns="0" bIns="0">
+          <a:noFill/>
+          <a:ln w="0">
+            <a:noFill/>
+          </a:ln>
+        </p:spPr>
+        <p:txBody>
+          <a:bodyPr lIns="0" rIns="0" tIns="0" bIns="0" anchor="t">
             <a:normAutofit/>
           </a:bodyPr>
           <a:p>
-            <a:endParaRPr b="0" lang="en-US" sz="3200" spc="-1" strike="noStrike">
+            <a:pPr indent="0">
+              <a:spcBef>
+                <a:spcPts val="1417"/>
+              </a:spcBef>
+              <a:buNone/>
+            </a:pPr>
+            <a:endParaRPr b="0" lang="en-GB" sz="3200" spc="-1" strike="noStrike">
+              <a:solidFill>
+                <a:srgbClr val="000000"/>
+              </a:solidFill>
               <a:latin typeface="Arial"/>
             </a:endParaRPr>
           </a:p>
@@ -3495,14 +4469,23 @@
           <a:prstGeom prst="rect">
             <a:avLst/>
           </a:prstGeom>
+          <a:noFill/>
+          <a:ln w="0">
+            <a:noFill/>
+          </a:ln>
         </p:spPr>
         <p:txBody>
           <a:bodyPr lIns="0" rIns="0" tIns="0" bIns="0" anchor="ctr">
             <a:noAutofit/>
           </a:bodyPr>
           <a:p>
-            <a:pPr algn="ctr"/>
-            <a:endParaRPr b="0" lang="en-US" sz="4400" spc="-1" strike="noStrike">
+            <a:pPr indent="0" algn="ctr">
+              <a:buNone/>
+            </a:pPr>
+            <a:endParaRPr b="0" lang="en-GB" sz="4400" spc="-1" strike="noStrike">
+              <a:solidFill>
+                <a:srgbClr val="000000"/>
+              </a:solidFill>
               <a:latin typeface="Arial"/>
             </a:endParaRPr>
           </a:p>
@@ -3515,7 +4498,7 @@
             <a:spLocks noGrp="1"/>
           </p:cNvSpPr>
           <p:nvPr>
-            <p:ph type="body"/>
+            <p:ph/>
           </p:nvPr>
         </p:nvSpPr>
         <p:spPr>
@@ -3526,13 +4509,26 @@
           <a:prstGeom prst="rect">
             <a:avLst/>
           </a:prstGeom>
-        </p:spPr>
-        <p:txBody>
-          <a:bodyPr lIns="0" rIns="0" tIns="0" bIns="0">
+          <a:noFill/>
+          <a:ln w="0">
+            <a:noFill/>
+          </a:ln>
+        </p:spPr>
+        <p:txBody>
+          <a:bodyPr lIns="0" rIns="0" tIns="0" bIns="0" anchor="t">
             <a:normAutofit/>
           </a:bodyPr>
           <a:p>
-            <a:endParaRPr b="0" lang="en-US" sz="3200" spc="-1" strike="noStrike">
+            <a:pPr indent="0">
+              <a:spcBef>
+                <a:spcPts val="1417"/>
+              </a:spcBef>
+              <a:buNone/>
+            </a:pPr>
+            <a:endParaRPr b="0" lang="en-GB" sz="3200" spc="-1" strike="noStrike">
+              <a:solidFill>
+                <a:srgbClr val="000000"/>
+              </a:solidFill>
               <a:latin typeface="Arial"/>
             </a:endParaRPr>
           </a:p>
@@ -3545,7 +4541,7 @@
             <a:spLocks noGrp="1"/>
           </p:cNvSpPr>
           <p:nvPr>
-            <p:ph type="body"/>
+            <p:ph/>
           </p:nvPr>
         </p:nvSpPr>
         <p:spPr>
@@ -3556,13 +4552,26 @@
           <a:prstGeom prst="rect">
             <a:avLst/>
           </a:prstGeom>
-        </p:spPr>
-        <p:txBody>
-          <a:bodyPr lIns="0" rIns="0" tIns="0" bIns="0">
+          <a:noFill/>
+          <a:ln w="0">
+            <a:noFill/>
+          </a:ln>
+        </p:spPr>
+        <p:txBody>
+          <a:bodyPr lIns="0" rIns="0" tIns="0" bIns="0" anchor="t">
             <a:normAutofit/>
           </a:bodyPr>
           <a:p>
-            <a:endParaRPr b="0" lang="en-US" sz="3200" spc="-1" strike="noStrike">
+            <a:pPr indent="0">
+              <a:spcBef>
+                <a:spcPts val="1417"/>
+              </a:spcBef>
+              <a:buNone/>
+            </a:pPr>
+            <a:endParaRPr b="0" lang="en-GB" sz="3200" spc="-1" strike="noStrike">
+              <a:solidFill>
+                <a:srgbClr val="000000"/>
+              </a:solidFill>
               <a:latin typeface="Arial"/>
             </a:endParaRPr>
           </a:p>
@@ -3575,7 +4584,7 @@
             <a:spLocks noGrp="1"/>
           </p:cNvSpPr>
           <p:nvPr>
-            <p:ph type="body"/>
+            <p:ph/>
           </p:nvPr>
         </p:nvSpPr>
         <p:spPr>
@@ -3586,13 +4595,26 @@
           <a:prstGeom prst="rect">
             <a:avLst/>
           </a:prstGeom>
-        </p:spPr>
-        <p:txBody>
-          <a:bodyPr lIns="0" rIns="0" tIns="0" bIns="0">
+          <a:noFill/>
+          <a:ln w="0">
+            <a:noFill/>
+          </a:ln>
+        </p:spPr>
+        <p:txBody>
+          <a:bodyPr lIns="0" rIns="0" tIns="0" bIns="0" anchor="t">
             <a:normAutofit/>
           </a:bodyPr>
           <a:p>
-            <a:endParaRPr b="0" lang="en-US" sz="3200" spc="-1" strike="noStrike">
+            <a:pPr indent="0">
+              <a:spcBef>
+                <a:spcPts val="1417"/>
+              </a:spcBef>
+              <a:buNone/>
+            </a:pPr>
+            <a:endParaRPr b="0" lang="en-GB" sz="3200" spc="-1" strike="noStrike">
+              <a:solidFill>
+                <a:srgbClr val="000000"/>
+              </a:solidFill>
               <a:latin typeface="Arial"/>
             </a:endParaRPr>
           </a:p>
@@ -3636,7 +4658,7 @@
         <p:spPr>
           <a:xfrm>
             <a:off x="11444760" y="0"/>
-            <a:ext cx="741960" cy="6850800"/>
+            <a:ext cx="741600" cy="6850440"/>
           </a:xfrm>
           <a:prstGeom prst="rect">
             <a:avLst/>
@@ -3646,7 +4668,7 @@
               <a:alpha val="10000"/>
             </a:srgbClr>
           </a:solidFill>
-          <a:ln>
+          <a:ln w="0">
             <a:noFill/>
           </a:ln>
         </p:spPr>
@@ -3656,6 +4678,19 @@
           <a:effectRef idx="0"/>
           <a:fontRef idx="minor"/>
         </p:style>
+        <p:txBody>
+          <a:bodyPr lIns="90000" rIns="90000" tIns="45000" bIns="45000" anchor="t">
+            <a:noAutofit/>
+          </a:bodyPr>
+          <a:p>
+            <a:endParaRPr b="0" lang="en-GB" sz="1800" spc="-1" strike="noStrike">
+              <a:solidFill>
+                <a:srgbClr val="ffffff"/>
+              </a:solidFill>
+              <a:latin typeface="Arial"/>
+            </a:endParaRPr>
+          </a:p>
+        </p:txBody>
       </p:sp>
       <p:sp>
         <p:nvSpPr>
@@ -3666,13 +4701,13 @@
         <p:spPr>
           <a:xfrm>
             <a:off x="11438640" y="6453360"/>
-            <a:ext cx="758880" cy="363960"/>
+            <a:ext cx="758520" cy="363960"/>
           </a:xfrm>
           <a:prstGeom prst="rect">
             <a:avLst/>
           </a:prstGeom>
           <a:noFill/>
-          <a:ln>
+          <a:ln w="0">
             <a:noFill/>
           </a:ln>
         </p:spPr>
@@ -3683,7 +4718,7 @@
           <a:fontRef idx="minor"/>
         </p:style>
         <p:txBody>
-          <a:bodyPr lIns="90000" rIns="90000" tIns="45000" bIns="45000">
+          <a:bodyPr lIns="90000" rIns="90000" tIns="45000" bIns="45000" anchor="t">
             <a:spAutoFit/>
           </a:bodyPr>
           <a:p>
@@ -3692,7 +4727,7 @@
                 <a:spcPct val="100000"/>
               </a:lnSpc>
             </a:pPr>
-            <a:fld id="{8B487DCE-4476-4B05-9FDB-C80C2E89AA3E}" type="slidenum">
+            <a:fld id="{5B37DFE8-D5F4-479C-B793-85B28B6244C7}" type="slidenum">
               <a:rPr b="0" lang="en-US" sz="1800" spc="-1" strike="noStrike">
                 <a:solidFill>
                   <a:srgbClr val="808080"/>
@@ -3702,7 +4737,10 @@
               </a:rPr>
               <a:t>&lt;number&gt;</a:t>
             </a:fld>
-            <a:endParaRPr b="0" lang="en-US" sz="1800" spc="-1" strike="noStrike">
+            <a:endParaRPr b="0" lang="en-GB" sz="1800" spc="-1" strike="noStrike">
+              <a:solidFill>
+                <a:srgbClr val="000000"/>
+              </a:solidFill>
               <a:latin typeface="Arial"/>
             </a:endParaRPr>
           </a:p>
@@ -3717,13 +4755,13 @@
         <p:spPr>
           <a:xfrm>
             <a:off x="912240" y="1268280"/>
-            <a:ext cx="9208800" cy="362160"/>
+            <a:ext cx="9208440" cy="361800"/>
           </a:xfrm>
           <a:prstGeom prst="rect">
             <a:avLst/>
           </a:prstGeom>
           <a:noFill/>
-          <a:ln>
+          <a:ln w="0">
             <a:noFill/>
           </a:ln>
         </p:spPr>
@@ -3733,6 +4771,19 @@
           <a:effectRef idx="0"/>
           <a:fontRef idx="minor"/>
         </p:style>
+        <p:txBody>
+          <a:bodyPr lIns="90000" rIns="90000" tIns="45000" bIns="45000" anchor="t">
+            <a:noAutofit/>
+          </a:bodyPr>
+          <a:p>
+            <a:endParaRPr b="0" lang="en-GB" sz="1800" spc="-1" strike="noStrike">
+              <a:solidFill>
+                <a:srgbClr val="000000"/>
+              </a:solidFill>
+              <a:latin typeface="Arial"/>
+            </a:endParaRPr>
+          </a:p>
+        </p:txBody>
       </p:sp>
       <p:pic>
         <p:nvPicPr>
@@ -3747,12 +4798,12 @@
         <p:spPr>
           <a:xfrm>
             <a:off x="0" y="0"/>
-            <a:ext cx="3052800" cy="562680"/>
-          </a:xfrm>
-          <a:prstGeom prst="rect">
-            <a:avLst/>
-          </a:prstGeom>
-          <a:ln>
+            <a:ext cx="3052440" cy="562320"/>
+          </a:xfrm>
+          <a:prstGeom prst="rect">
+            <a:avLst/>
+          </a:prstGeom>
+          <a:ln w="0">
             <a:noFill/>
           </a:ln>
         </p:spPr>
@@ -3770,12 +4821,12 @@
         <p:spPr>
           <a:xfrm>
             <a:off x="7430400" y="134640"/>
-            <a:ext cx="3698640" cy="514800"/>
-          </a:xfrm>
-          <a:prstGeom prst="rect">
-            <a:avLst/>
-          </a:prstGeom>
-          <a:ln>
+            <a:ext cx="3698280" cy="514440"/>
+          </a:xfrm>
+          <a:prstGeom prst="rect">
+            <a:avLst/>
+          </a:prstGeom>
+          <a:ln w="0">
             <a:noFill/>
           </a:ln>
         </p:spPr>
@@ -3789,13 +4840,13 @@
         <p:spPr>
           <a:xfrm>
             <a:off x="912240" y="1268280"/>
-            <a:ext cx="9208800" cy="362160"/>
+            <a:ext cx="9208440" cy="361800"/>
           </a:xfrm>
           <a:prstGeom prst="rect">
             <a:avLst/>
           </a:prstGeom>
           <a:noFill/>
-          <a:ln>
+          <a:ln w="0">
             <a:noFill/>
           </a:ln>
         </p:spPr>
@@ -3805,6 +4856,19 @@
           <a:effectRef idx="0"/>
           <a:fontRef idx="minor"/>
         </p:style>
+        <p:txBody>
+          <a:bodyPr lIns="90000" rIns="90000" tIns="45000" bIns="45000" anchor="t">
+            <a:noAutofit/>
+          </a:bodyPr>
+          <a:p>
+            <a:endParaRPr b="0" lang="en-GB" sz="1800" spc="-1" strike="noStrike">
+              <a:solidFill>
+                <a:srgbClr val="000000"/>
+              </a:solidFill>
+              <a:latin typeface="Arial"/>
+            </a:endParaRPr>
+          </a:p>
+        </p:txBody>
       </p:sp>
       <p:sp>
         <p:nvSpPr>
@@ -3815,7 +4879,7 @@
         <p:spPr>
           <a:xfrm>
             <a:off x="11444760" y="0"/>
-            <a:ext cx="741960" cy="6850800"/>
+            <a:ext cx="741600" cy="6850440"/>
           </a:xfrm>
           <a:prstGeom prst="rect">
             <a:avLst/>
@@ -3825,7 +4889,7 @@
               <a:alpha val="10000"/>
             </a:srgbClr>
           </a:solidFill>
-          <a:ln>
+          <a:ln w="0">
             <a:noFill/>
           </a:ln>
         </p:spPr>
@@ -3835,6 +4899,19 @@
           <a:effectRef idx="0"/>
           <a:fontRef idx="minor"/>
         </p:style>
+        <p:txBody>
+          <a:bodyPr lIns="90000" rIns="90000" tIns="45000" bIns="45000" anchor="t">
+            <a:noAutofit/>
+          </a:bodyPr>
+          <a:p>
+            <a:endParaRPr b="0" lang="en-GB" sz="1800" spc="-1" strike="noStrike">
+              <a:solidFill>
+                <a:srgbClr val="ffffff"/>
+              </a:solidFill>
+              <a:latin typeface="Arial"/>
+            </a:endParaRPr>
+          </a:p>
+        </p:txBody>
       </p:sp>
       <p:sp>
         <p:nvSpPr>
@@ -3845,13 +4922,13 @@
         <p:spPr>
           <a:xfrm>
             <a:off x="0" y="6642720"/>
-            <a:ext cx="12184920" cy="211320"/>
+            <a:ext cx="12184560" cy="211320"/>
           </a:xfrm>
           <a:prstGeom prst="rect">
             <a:avLst/>
           </a:prstGeom>
           <a:noFill/>
-          <a:ln>
+          <a:ln w="0">
             <a:noFill/>
           </a:ln>
         </p:spPr>
@@ -3862,7 +4939,7 @@
           <a:fontRef idx="minor"/>
         </p:style>
         <p:txBody>
-          <a:bodyPr lIns="90000" rIns="90000" tIns="45000" bIns="45000">
+          <a:bodyPr lIns="90000" rIns="90000" tIns="45000" bIns="45000" anchor="t">
             <a:spAutoFit/>
           </a:bodyPr>
           <a:p>
@@ -3881,15 +4958,18 @@
               </a:rPr>
               <a:t>The Limits to Growth – TU Clausthal</a:t>
             </a:r>
-            <a:endParaRPr b="0" lang="en-US" sz="800" spc="-1" strike="noStrike">
-              <a:latin typeface="Arial"/>
-            </a:endParaRPr>
-          </a:p>
-        </p:txBody>
-      </p:sp>
-      <p:sp>
-        <p:nvSpPr>
-          <p:cNvPr id="8" name="PlaceHolder 7"/>
+            <a:endParaRPr b="0" lang="en-GB" sz="800" spc="-1" strike="noStrike">
+              <a:solidFill>
+                <a:srgbClr val="000000"/>
+              </a:solidFill>
+              <a:latin typeface="Arial"/>
+            </a:endParaRPr>
+          </a:p>
+        </p:txBody>
+      </p:sp>
+      <p:sp>
+        <p:nvSpPr>
+          <p:cNvPr id="8" name="PlaceHolder 1"/>
           <p:cNvSpPr>
             <a:spLocks noGrp="1"/>
           </p:cNvSpPr>
@@ -3905,28 +4985,40 @@
           <a:prstGeom prst="rect">
             <a:avLst/>
           </a:prstGeom>
+          <a:noFill/>
+          <a:ln w="0">
+            <a:noFill/>
+          </a:ln>
         </p:spPr>
         <p:txBody>
           <a:bodyPr lIns="0" rIns="0" tIns="0" bIns="0" anchor="ctr">
             <a:noAutofit/>
           </a:bodyPr>
           <a:p>
-            <a:pPr algn="ctr"/>
-            <a:r>
-              <a:rPr b="0" lang="en-US" sz="4400" spc="-1" strike="noStrike">
+            <a:pPr indent="0" algn="ctr">
+              <a:buNone/>
+            </a:pPr>
+            <a:r>
+              <a:rPr b="0" lang="en-GB" sz="4400" spc="-1" strike="noStrike">
+                <a:solidFill>
+                  <a:srgbClr val="000000"/>
+                </a:solidFill>
                 <a:latin typeface="Arial"/>
               </a:rPr>
               <a:t>Click to edit the title text format</a:t>
             </a:r>
-            <a:endParaRPr b="0" lang="en-US" sz="4400" spc="-1" strike="noStrike">
-              <a:latin typeface="Arial"/>
-            </a:endParaRPr>
-          </a:p>
-        </p:txBody>
-      </p:sp>
-      <p:sp>
-        <p:nvSpPr>
-          <p:cNvPr id="9" name="PlaceHolder 8"/>
+            <a:endParaRPr b="0" lang="en-GB" sz="4400" spc="-1" strike="noStrike">
+              <a:solidFill>
+                <a:srgbClr val="000000"/>
+              </a:solidFill>
+              <a:latin typeface="Arial"/>
+            </a:endParaRPr>
+          </a:p>
+        </p:txBody>
+      </p:sp>
+      <p:sp>
+        <p:nvSpPr>
+          <p:cNvPr id="9" name="PlaceHolder 2"/>
           <p:cNvSpPr>
             <a:spLocks noGrp="1"/>
           </p:cNvSpPr>
@@ -3942,9 +5034,13 @@
           <a:prstGeom prst="rect">
             <a:avLst/>
           </a:prstGeom>
-        </p:spPr>
-        <p:txBody>
-          <a:bodyPr lIns="0" rIns="0" tIns="0" bIns="0">
+          <a:noFill/>
+          <a:ln w="0">
+            <a:noFill/>
+          </a:ln>
+        </p:spPr>
+        <p:txBody>
+          <a:bodyPr lIns="0" rIns="0" tIns="0" bIns="0" anchor="t">
             <a:normAutofit/>
           </a:bodyPr>
           <a:p>
@@ -3960,12 +5056,18 @@
               <a:buChar char=""/>
             </a:pPr>
             <a:r>
-              <a:rPr b="0" lang="en-US" sz="3200" spc="-1" strike="noStrike">
+              <a:rPr b="0" lang="en-GB" sz="3200" spc="-1" strike="noStrike">
+                <a:solidFill>
+                  <a:srgbClr val="000000"/>
+                </a:solidFill>
                 <a:latin typeface="Arial"/>
               </a:rPr>
               <a:t>Click to edit the outline text format</a:t>
             </a:r>
-            <a:endParaRPr b="0" lang="en-US" sz="3200" spc="-1" strike="noStrike">
+            <a:endParaRPr b="0" lang="en-GB" sz="3200" spc="-1" strike="noStrike">
+              <a:solidFill>
+                <a:srgbClr val="000000"/>
+              </a:solidFill>
               <a:latin typeface="Arial"/>
             </a:endParaRPr>
           </a:p>
@@ -3982,12 +5084,18 @@
               <a:buChar char=""/>
             </a:pPr>
             <a:r>
-              <a:rPr b="0" lang="en-US" sz="2800" spc="-1" strike="noStrike">
+              <a:rPr b="0" lang="en-GB" sz="2800" spc="-1" strike="noStrike">
+                <a:solidFill>
+                  <a:srgbClr val="000000"/>
+                </a:solidFill>
                 <a:latin typeface="Arial"/>
               </a:rPr>
               <a:t>Second Outline Level</a:t>
             </a:r>
-            <a:endParaRPr b="0" lang="en-US" sz="2800" spc="-1" strike="noStrike">
+            <a:endParaRPr b="0" lang="en-GB" sz="2800" spc="-1" strike="noStrike">
+              <a:solidFill>
+                <a:srgbClr val="000000"/>
+              </a:solidFill>
               <a:latin typeface="Arial"/>
             </a:endParaRPr>
           </a:p>
@@ -4004,12 +5112,18 @@
               <a:buChar char=""/>
             </a:pPr>
             <a:r>
-              <a:rPr b="0" lang="en-US" sz="2400" spc="-1" strike="noStrike">
+              <a:rPr b="0" lang="en-GB" sz="2400" spc="-1" strike="noStrike">
+                <a:solidFill>
+                  <a:srgbClr val="000000"/>
+                </a:solidFill>
                 <a:latin typeface="Arial"/>
               </a:rPr>
               <a:t>Third Outline Level</a:t>
             </a:r>
-            <a:endParaRPr b="0" lang="en-US" sz="2400" spc="-1" strike="noStrike">
+            <a:endParaRPr b="0" lang="en-GB" sz="2400" spc="-1" strike="noStrike">
+              <a:solidFill>
+                <a:srgbClr val="000000"/>
+              </a:solidFill>
               <a:latin typeface="Arial"/>
             </a:endParaRPr>
           </a:p>
@@ -4026,12 +5140,18 @@
               <a:buChar char=""/>
             </a:pPr>
             <a:r>
-              <a:rPr b="0" lang="en-US" sz="2000" spc="-1" strike="noStrike">
+              <a:rPr b="0" lang="en-GB" sz="2000" spc="-1" strike="noStrike">
+                <a:solidFill>
+                  <a:srgbClr val="000000"/>
+                </a:solidFill>
                 <a:latin typeface="Arial"/>
               </a:rPr>
               <a:t>Fourth Outline Level</a:t>
             </a:r>
-            <a:endParaRPr b="0" lang="en-US" sz="2000" spc="-1" strike="noStrike">
+            <a:endParaRPr b="0" lang="en-GB" sz="2000" spc="-1" strike="noStrike">
+              <a:solidFill>
+                <a:srgbClr val="000000"/>
+              </a:solidFill>
               <a:latin typeface="Arial"/>
             </a:endParaRPr>
           </a:p>
@@ -4048,12 +5168,18 @@
               <a:buChar char=""/>
             </a:pPr>
             <a:r>
-              <a:rPr b="0" lang="en-US" sz="2000" spc="-1" strike="noStrike">
+              <a:rPr b="0" lang="en-GB" sz="2000" spc="-1" strike="noStrike">
+                <a:solidFill>
+                  <a:srgbClr val="000000"/>
+                </a:solidFill>
                 <a:latin typeface="Arial"/>
               </a:rPr>
               <a:t>Fifth Outline Level</a:t>
             </a:r>
-            <a:endParaRPr b="0" lang="en-US" sz="2000" spc="-1" strike="noStrike">
+            <a:endParaRPr b="0" lang="en-GB" sz="2000" spc="-1" strike="noStrike">
+              <a:solidFill>
+                <a:srgbClr val="000000"/>
+              </a:solidFill>
               <a:latin typeface="Arial"/>
             </a:endParaRPr>
           </a:p>
@@ -4070,12 +5196,18 @@
               <a:buChar char=""/>
             </a:pPr>
             <a:r>
-              <a:rPr b="0" lang="en-US" sz="2000" spc="-1" strike="noStrike">
+              <a:rPr b="0" lang="en-GB" sz="2000" spc="-1" strike="noStrike">
+                <a:solidFill>
+                  <a:srgbClr val="000000"/>
+                </a:solidFill>
                 <a:latin typeface="Arial"/>
               </a:rPr>
               <a:t>Sixth Outline Level</a:t>
             </a:r>
-            <a:endParaRPr b="0" lang="en-US" sz="2000" spc="-1" strike="noStrike">
+            <a:endParaRPr b="0" lang="en-GB" sz="2000" spc="-1" strike="noStrike">
+              <a:solidFill>
+                <a:srgbClr val="000000"/>
+              </a:solidFill>
               <a:latin typeface="Arial"/>
             </a:endParaRPr>
           </a:p>
@@ -4092,12 +5224,18 @@
               <a:buChar char=""/>
             </a:pPr>
             <a:r>
-              <a:rPr b="0" lang="en-US" sz="2000" spc="-1" strike="noStrike">
+              <a:rPr b="0" lang="en-GB" sz="2000" spc="-1" strike="noStrike">
+                <a:solidFill>
+                  <a:srgbClr val="000000"/>
+                </a:solidFill>
                 <a:latin typeface="Arial"/>
               </a:rPr>
               <a:t>Seventh Outline Level</a:t>
             </a:r>
-            <a:endParaRPr b="0" lang="en-US" sz="2000" spc="-1" strike="noStrike">
+            <a:endParaRPr b="0" lang="en-GB" sz="2000" spc="-1" strike="noStrike">
+              <a:solidFill>
+                <a:srgbClr val="000000"/>
+              </a:solidFill>
               <a:latin typeface="Arial"/>
             </a:endParaRPr>
           </a:p>
@@ -4156,7 +5294,7 @@
         <p:spPr>
           <a:xfrm>
             <a:off x="11444760" y="0"/>
-            <a:ext cx="741960" cy="6850800"/>
+            <a:ext cx="741600" cy="6850440"/>
           </a:xfrm>
           <a:prstGeom prst="rect">
             <a:avLst/>
@@ -4166,7 +5304,7 @@
               <a:alpha val="10000"/>
             </a:srgbClr>
           </a:solidFill>
-          <a:ln>
+          <a:ln w="0">
             <a:noFill/>
           </a:ln>
         </p:spPr>
@@ -4176,6 +5314,19 @@
           <a:effectRef idx="0"/>
           <a:fontRef idx="minor"/>
         </p:style>
+        <p:txBody>
+          <a:bodyPr lIns="90000" rIns="90000" tIns="45000" bIns="45000" anchor="t">
+            <a:noAutofit/>
+          </a:bodyPr>
+          <a:p>
+            <a:endParaRPr b="0" lang="en-GB" sz="1800" spc="-1" strike="noStrike">
+              <a:solidFill>
+                <a:srgbClr val="ffffff"/>
+              </a:solidFill>
+              <a:latin typeface="Arial"/>
+            </a:endParaRPr>
+          </a:p>
+        </p:txBody>
       </p:sp>
       <p:sp>
         <p:nvSpPr>
@@ -4186,13 +5337,13 @@
         <p:spPr>
           <a:xfrm>
             <a:off x="11438640" y="6453360"/>
-            <a:ext cx="758880" cy="363960"/>
+            <a:ext cx="758520" cy="363960"/>
           </a:xfrm>
           <a:prstGeom prst="rect">
             <a:avLst/>
           </a:prstGeom>
           <a:noFill/>
-          <a:ln>
+          <a:ln w="0">
             <a:noFill/>
           </a:ln>
         </p:spPr>
@@ -4203,7 +5354,7 @@
           <a:fontRef idx="minor"/>
         </p:style>
         <p:txBody>
-          <a:bodyPr lIns="90000" rIns="90000" tIns="45000" bIns="45000">
+          <a:bodyPr lIns="90000" rIns="90000" tIns="45000" bIns="45000" anchor="t">
             <a:spAutoFit/>
           </a:bodyPr>
           <a:p>
@@ -4212,7 +5363,7 @@
                 <a:spcPct val="100000"/>
               </a:lnSpc>
             </a:pPr>
-            <a:fld id="{E868A17C-70E1-4E76-88F7-E61BA3167273}" type="slidenum">
+            <a:fld id="{3782788E-4083-4EC9-A301-FA233CA0F631}" type="slidenum">
               <a:rPr b="0" lang="en-US" sz="1800" spc="-1" strike="noStrike">
                 <a:solidFill>
                   <a:srgbClr val="808080"/>
@@ -4222,7 +5373,10 @@
               </a:rPr>
               <a:t>&lt;number&gt;</a:t>
             </a:fld>
-            <a:endParaRPr b="0" lang="en-US" sz="1800" spc="-1" strike="noStrike">
+            <a:endParaRPr b="0" lang="en-GB" sz="1800" spc="-1" strike="noStrike">
+              <a:solidFill>
+                <a:srgbClr val="000000"/>
+              </a:solidFill>
               <a:latin typeface="Arial"/>
             </a:endParaRPr>
           </a:p>
@@ -4237,13 +5391,13 @@
         <p:spPr>
           <a:xfrm>
             <a:off x="912240" y="1268280"/>
-            <a:ext cx="9208800" cy="362160"/>
+            <a:ext cx="9208440" cy="361800"/>
           </a:xfrm>
           <a:prstGeom prst="rect">
             <a:avLst/>
           </a:prstGeom>
           <a:noFill/>
-          <a:ln>
+          <a:ln w="0">
             <a:noFill/>
           </a:ln>
         </p:spPr>
@@ -4253,6 +5407,19 @@
           <a:effectRef idx="0"/>
           <a:fontRef idx="minor"/>
         </p:style>
+        <p:txBody>
+          <a:bodyPr lIns="90000" rIns="90000" tIns="45000" bIns="45000" anchor="t">
+            <a:noAutofit/>
+          </a:bodyPr>
+          <a:p>
+            <a:endParaRPr b="0" lang="en-GB" sz="1800" spc="-1" strike="noStrike">
+              <a:solidFill>
+                <a:srgbClr val="000000"/>
+              </a:solidFill>
+              <a:latin typeface="Arial"/>
+            </a:endParaRPr>
+          </a:p>
+        </p:txBody>
       </p:sp>
       <p:pic>
         <p:nvPicPr>
@@ -4267,12 +5434,12 @@
         <p:spPr>
           <a:xfrm>
             <a:off x="0" y="0"/>
-            <a:ext cx="3052800" cy="562680"/>
-          </a:xfrm>
-          <a:prstGeom prst="rect">
-            <a:avLst/>
-          </a:prstGeom>
-          <a:ln>
+            <a:ext cx="3052440" cy="562320"/>
+          </a:xfrm>
+          <a:prstGeom prst="rect">
+            <a:avLst/>
+          </a:prstGeom>
+          <a:ln w="0">
             <a:noFill/>
           </a:ln>
         </p:spPr>
@@ -4290,12 +5457,12 @@
         <p:spPr>
           <a:xfrm>
             <a:off x="7430400" y="134640"/>
-            <a:ext cx="3698640" cy="514800"/>
-          </a:xfrm>
-          <a:prstGeom prst="rect">
-            <a:avLst/>
-          </a:prstGeom>
-          <a:ln>
+            <a:ext cx="3698280" cy="514440"/>
+          </a:xfrm>
+          <a:prstGeom prst="rect">
+            <a:avLst/>
+          </a:prstGeom>
+          <a:ln w="0">
             <a:noFill/>
           </a:ln>
         </p:spPr>
@@ -4309,7 +5476,7 @@
         <p:spPr>
           <a:xfrm>
             <a:off x="11444760" y="0"/>
-            <a:ext cx="741960" cy="6850800"/>
+            <a:ext cx="741600" cy="6850440"/>
           </a:xfrm>
           <a:prstGeom prst="rect">
             <a:avLst/>
@@ -4319,7 +5486,7 @@
               <a:alpha val="10000"/>
             </a:srgbClr>
           </a:solidFill>
-          <a:ln>
+          <a:ln w="0">
             <a:noFill/>
           </a:ln>
         </p:spPr>
@@ -4329,6 +5496,19 @@
           <a:effectRef idx="0"/>
           <a:fontRef idx="minor"/>
         </p:style>
+        <p:txBody>
+          <a:bodyPr lIns="90000" rIns="90000" tIns="45000" bIns="45000" anchor="t">
+            <a:noAutofit/>
+          </a:bodyPr>
+          <a:p>
+            <a:endParaRPr b="0" lang="en-GB" sz="1800" spc="-1" strike="noStrike">
+              <a:solidFill>
+                <a:srgbClr val="ffffff"/>
+              </a:solidFill>
+              <a:latin typeface="Arial"/>
+            </a:endParaRPr>
+          </a:p>
+        </p:txBody>
       </p:sp>
       <p:sp>
         <p:nvSpPr>
@@ -4339,13 +5519,13 @@
         <p:spPr>
           <a:xfrm>
             <a:off x="11438640" y="6453360"/>
-            <a:ext cx="758880" cy="363960"/>
+            <a:ext cx="758520" cy="363960"/>
           </a:xfrm>
           <a:prstGeom prst="rect">
             <a:avLst/>
           </a:prstGeom>
           <a:noFill/>
-          <a:ln>
+          <a:ln w="0">
             <a:noFill/>
           </a:ln>
         </p:spPr>
@@ -4356,7 +5536,7 @@
           <a:fontRef idx="minor"/>
         </p:style>
         <p:txBody>
-          <a:bodyPr lIns="90000" rIns="90000" tIns="45000" bIns="45000">
+          <a:bodyPr lIns="90000" rIns="90000" tIns="45000" bIns="45000" anchor="t">
             <a:spAutoFit/>
           </a:bodyPr>
           <a:p>
@@ -4365,7 +5545,7 @@
                 <a:spcPct val="100000"/>
               </a:lnSpc>
             </a:pPr>
-            <a:fld id="{6BB9EEAF-A27A-40F0-AAEE-E5DE892D9C16}" type="slidenum">
+            <a:fld id="{DCE12529-01E6-4606-9D88-36AFA40FDA60}" type="slidenum">
               <a:rPr b="0" lang="en-US" sz="1800" spc="-1" strike="noStrike">
                 <a:solidFill>
                   <a:srgbClr val="808080"/>
@@ -4375,7 +5555,10 @@
               </a:rPr>
               <a:t>&lt;number&gt;</a:t>
             </a:fld>
-            <a:endParaRPr b="0" lang="en-US" sz="1800" spc="-1" strike="noStrike">
+            <a:endParaRPr b="0" lang="en-GB" sz="1800" spc="-1" strike="noStrike">
+              <a:solidFill>
+                <a:srgbClr val="000000"/>
+              </a:solidFill>
               <a:latin typeface="Arial"/>
             </a:endParaRPr>
           </a:p>
@@ -4390,13 +5573,13 @@
         <p:spPr>
           <a:xfrm>
             <a:off x="0" y="6642720"/>
-            <a:ext cx="12184920" cy="211320"/>
+            <a:ext cx="12184560" cy="211320"/>
           </a:xfrm>
           <a:prstGeom prst="rect">
             <a:avLst/>
           </a:prstGeom>
           <a:noFill/>
-          <a:ln>
+          <a:ln w="0">
             <a:noFill/>
           </a:ln>
         </p:spPr>
@@ -4407,7 +5590,7 @@
           <a:fontRef idx="minor"/>
         </p:style>
         <p:txBody>
-          <a:bodyPr lIns="90000" rIns="90000" tIns="45000" bIns="45000">
+          <a:bodyPr lIns="90000" rIns="90000" tIns="45000" bIns="45000" anchor="t">
             <a:spAutoFit/>
           </a:bodyPr>
           <a:p>
@@ -4426,15 +5609,18 @@
               </a:rPr>
               <a:t>The Limits to Growth – TU Clausthal</a:t>
             </a:r>
-            <a:endParaRPr b="0" lang="en-US" sz="800" spc="-1" strike="noStrike">
-              <a:latin typeface="Arial"/>
-            </a:endParaRPr>
-          </a:p>
-        </p:txBody>
-      </p:sp>
-      <p:sp>
-        <p:nvSpPr>
-          <p:cNvPr id="54" name="PlaceHolder 7"/>
+            <a:endParaRPr b="0" lang="en-GB" sz="800" spc="-1" strike="noStrike">
+              <a:solidFill>
+                <a:srgbClr val="000000"/>
+              </a:solidFill>
+              <a:latin typeface="Arial"/>
+            </a:endParaRPr>
+          </a:p>
+        </p:txBody>
+      </p:sp>
+      <p:sp>
+        <p:nvSpPr>
+          <p:cNvPr id="54" name="PlaceHolder 1"/>
           <p:cNvSpPr>
             <a:spLocks noGrp="1"/>
           </p:cNvSpPr>
@@ -4450,28 +5636,40 @@
           <a:prstGeom prst="rect">
             <a:avLst/>
           </a:prstGeom>
+          <a:noFill/>
+          <a:ln w="0">
+            <a:noFill/>
+          </a:ln>
         </p:spPr>
         <p:txBody>
           <a:bodyPr lIns="0" rIns="0" tIns="0" bIns="0" anchor="ctr">
             <a:noAutofit/>
           </a:bodyPr>
           <a:p>
-            <a:pPr algn="ctr"/>
-            <a:r>
-              <a:rPr b="0" lang="en-US" sz="4400" spc="-1" strike="noStrike">
+            <a:pPr indent="0" algn="ctr">
+              <a:buNone/>
+            </a:pPr>
+            <a:r>
+              <a:rPr b="0" lang="en-GB" sz="4400" spc="-1" strike="noStrike">
+                <a:solidFill>
+                  <a:srgbClr val="000000"/>
+                </a:solidFill>
                 <a:latin typeface="Arial"/>
               </a:rPr>
               <a:t>Click to edit the title text format</a:t>
             </a:r>
-            <a:endParaRPr b="0" lang="en-US" sz="4400" spc="-1" strike="noStrike">
-              <a:latin typeface="Arial"/>
-            </a:endParaRPr>
-          </a:p>
-        </p:txBody>
-      </p:sp>
-      <p:sp>
-        <p:nvSpPr>
-          <p:cNvPr id="55" name="PlaceHolder 8"/>
+            <a:endParaRPr b="0" lang="en-GB" sz="4400" spc="-1" strike="noStrike">
+              <a:solidFill>
+                <a:srgbClr val="000000"/>
+              </a:solidFill>
+              <a:latin typeface="Arial"/>
+            </a:endParaRPr>
+          </a:p>
+        </p:txBody>
+      </p:sp>
+      <p:sp>
+        <p:nvSpPr>
+          <p:cNvPr id="55" name="PlaceHolder 2"/>
           <p:cNvSpPr>
             <a:spLocks noGrp="1"/>
           </p:cNvSpPr>
@@ -4487,9 +5685,13 @@
           <a:prstGeom prst="rect">
             <a:avLst/>
           </a:prstGeom>
-        </p:spPr>
-        <p:txBody>
-          <a:bodyPr lIns="0" rIns="0" tIns="0" bIns="0">
+          <a:noFill/>
+          <a:ln w="0">
+            <a:noFill/>
+          </a:ln>
+        </p:spPr>
+        <p:txBody>
+          <a:bodyPr lIns="0" rIns="0" tIns="0" bIns="0" anchor="t">
             <a:normAutofit/>
           </a:bodyPr>
           <a:p>
@@ -4505,12 +5707,18 @@
               <a:buChar char=""/>
             </a:pPr>
             <a:r>
-              <a:rPr b="0" lang="en-US" sz="3200" spc="-1" strike="noStrike">
+              <a:rPr b="0" lang="en-GB" sz="3200" spc="-1" strike="noStrike">
+                <a:solidFill>
+                  <a:srgbClr val="000000"/>
+                </a:solidFill>
                 <a:latin typeface="Arial"/>
               </a:rPr>
               <a:t>Click to edit the outline text format</a:t>
             </a:r>
-            <a:endParaRPr b="0" lang="en-US" sz="3200" spc="-1" strike="noStrike">
+            <a:endParaRPr b="0" lang="en-GB" sz="3200" spc="-1" strike="noStrike">
+              <a:solidFill>
+                <a:srgbClr val="000000"/>
+              </a:solidFill>
               <a:latin typeface="Arial"/>
             </a:endParaRPr>
           </a:p>
@@ -4527,12 +5735,18 @@
               <a:buChar char=""/>
             </a:pPr>
             <a:r>
-              <a:rPr b="0" lang="en-US" sz="2800" spc="-1" strike="noStrike">
+              <a:rPr b="0" lang="en-GB" sz="2800" spc="-1" strike="noStrike">
+                <a:solidFill>
+                  <a:srgbClr val="000000"/>
+                </a:solidFill>
                 <a:latin typeface="Arial"/>
               </a:rPr>
               <a:t>Second Outline Level</a:t>
             </a:r>
-            <a:endParaRPr b="0" lang="en-US" sz="2800" spc="-1" strike="noStrike">
+            <a:endParaRPr b="0" lang="en-GB" sz="2800" spc="-1" strike="noStrike">
+              <a:solidFill>
+                <a:srgbClr val="000000"/>
+              </a:solidFill>
               <a:latin typeface="Arial"/>
             </a:endParaRPr>
           </a:p>
@@ -4549,12 +5763,18 @@
               <a:buChar char=""/>
             </a:pPr>
             <a:r>
-              <a:rPr b="0" lang="en-US" sz="2400" spc="-1" strike="noStrike">
+              <a:rPr b="0" lang="en-GB" sz="2400" spc="-1" strike="noStrike">
+                <a:solidFill>
+                  <a:srgbClr val="000000"/>
+                </a:solidFill>
                 <a:latin typeface="Arial"/>
               </a:rPr>
               <a:t>Third Outline Level</a:t>
             </a:r>
-            <a:endParaRPr b="0" lang="en-US" sz="2400" spc="-1" strike="noStrike">
+            <a:endParaRPr b="0" lang="en-GB" sz="2400" spc="-1" strike="noStrike">
+              <a:solidFill>
+                <a:srgbClr val="000000"/>
+              </a:solidFill>
               <a:latin typeface="Arial"/>
             </a:endParaRPr>
           </a:p>
@@ -4571,12 +5791,18 @@
               <a:buChar char=""/>
             </a:pPr>
             <a:r>
-              <a:rPr b="0" lang="en-US" sz="2000" spc="-1" strike="noStrike">
+              <a:rPr b="0" lang="en-GB" sz="2000" spc="-1" strike="noStrike">
+                <a:solidFill>
+                  <a:srgbClr val="000000"/>
+                </a:solidFill>
                 <a:latin typeface="Arial"/>
               </a:rPr>
               <a:t>Fourth Outline Level</a:t>
             </a:r>
-            <a:endParaRPr b="0" lang="en-US" sz="2000" spc="-1" strike="noStrike">
+            <a:endParaRPr b="0" lang="en-GB" sz="2000" spc="-1" strike="noStrike">
+              <a:solidFill>
+                <a:srgbClr val="000000"/>
+              </a:solidFill>
               <a:latin typeface="Arial"/>
             </a:endParaRPr>
           </a:p>
@@ -4593,12 +5819,18 @@
               <a:buChar char=""/>
             </a:pPr>
             <a:r>
-              <a:rPr b="0" lang="en-US" sz="2000" spc="-1" strike="noStrike">
+              <a:rPr b="0" lang="en-GB" sz="2000" spc="-1" strike="noStrike">
+                <a:solidFill>
+                  <a:srgbClr val="000000"/>
+                </a:solidFill>
                 <a:latin typeface="Arial"/>
               </a:rPr>
               <a:t>Fifth Outline Level</a:t>
             </a:r>
-            <a:endParaRPr b="0" lang="en-US" sz="2000" spc="-1" strike="noStrike">
+            <a:endParaRPr b="0" lang="en-GB" sz="2000" spc="-1" strike="noStrike">
+              <a:solidFill>
+                <a:srgbClr val="000000"/>
+              </a:solidFill>
               <a:latin typeface="Arial"/>
             </a:endParaRPr>
           </a:p>
@@ -4615,12 +5847,18 @@
               <a:buChar char=""/>
             </a:pPr>
             <a:r>
-              <a:rPr b="0" lang="en-US" sz="2000" spc="-1" strike="noStrike">
+              <a:rPr b="0" lang="en-GB" sz="2000" spc="-1" strike="noStrike">
+                <a:solidFill>
+                  <a:srgbClr val="000000"/>
+                </a:solidFill>
                 <a:latin typeface="Arial"/>
               </a:rPr>
               <a:t>Sixth Outline Level</a:t>
             </a:r>
-            <a:endParaRPr b="0" lang="en-US" sz="2000" spc="-1" strike="noStrike">
+            <a:endParaRPr b="0" lang="en-GB" sz="2000" spc="-1" strike="noStrike">
+              <a:solidFill>
+                <a:srgbClr val="000000"/>
+              </a:solidFill>
               <a:latin typeface="Arial"/>
             </a:endParaRPr>
           </a:p>
@@ -4637,12 +5875,18 @@
               <a:buChar char=""/>
             </a:pPr>
             <a:r>
-              <a:rPr b="0" lang="en-US" sz="2000" spc="-1" strike="noStrike">
+              <a:rPr b="0" lang="en-GB" sz="2000" spc="-1" strike="noStrike">
+                <a:solidFill>
+                  <a:srgbClr val="000000"/>
+                </a:solidFill>
                 <a:latin typeface="Arial"/>
               </a:rPr>
               <a:t>Seventh Outline Level</a:t>
             </a:r>
-            <a:endParaRPr b="0" lang="en-US" sz="2000" spc="-1" strike="noStrike">
+            <a:endParaRPr b="0" lang="en-GB" sz="2000" spc="-1" strike="noStrike">
+              <a:solidFill>
+                <a:srgbClr val="000000"/>
+              </a:solidFill>
               <a:latin typeface="Arial"/>
             </a:endParaRPr>
           </a:p>
@@ -4694,13 +5938,13 @@
         <p:spPr>
           <a:xfrm>
             <a:off x="527400" y="1412640"/>
-            <a:ext cx="10361880" cy="1148400"/>
+            <a:ext cx="10361520" cy="1148040"/>
           </a:xfrm>
           <a:prstGeom prst="rect">
             <a:avLst/>
           </a:prstGeom>
           <a:noFill/>
-          <a:ln>
+          <a:ln w="0">
             <a:noFill/>
           </a:ln>
         </p:spPr>
@@ -4730,7 +5974,10 @@
               </a:rPr>
               <a:t>The Limits to Growth: Sustainability and the Circular Economy</a:t>
             </a:r>
-            <a:endParaRPr b="0" lang="en-US" sz="3200" spc="-1" strike="noStrike">
+            <a:endParaRPr b="0" lang="en-GB" sz="3200" spc="-1" strike="noStrike">
+              <a:solidFill>
+                <a:srgbClr val="000000"/>
+              </a:solidFill>
               <a:latin typeface="Arial"/>
             </a:endParaRPr>
           </a:p>
@@ -4745,13 +5992,13 @@
         <p:spPr>
           <a:xfrm>
             <a:off x="527400" y="2852640"/>
-            <a:ext cx="10361880" cy="2369160"/>
+            <a:ext cx="10361520" cy="2368800"/>
           </a:xfrm>
           <a:prstGeom prst="rect">
             <a:avLst/>
           </a:prstGeom>
           <a:noFill/>
-          <a:ln>
+          <a:ln w="0">
             <a:noFill/>
           </a:ln>
         </p:spPr>
@@ -4762,7 +6009,7 @@
           <a:fontRef idx="minor"/>
         </p:style>
         <p:txBody>
-          <a:bodyPr lIns="90000" rIns="90000" tIns="45000" bIns="45000">
+          <a:bodyPr lIns="90000" rIns="90000" tIns="45000" bIns="45000" anchor="t">
             <a:noAutofit/>
           </a:bodyPr>
           <a:p>
@@ -4787,7 +6034,10 @@
               </a:rPr>
               <a:t>Lecture 0: Organization</a:t>
             </a:r>
-            <a:endParaRPr b="0" lang="en-US" sz="2400" spc="-1" strike="noStrike">
+            <a:endParaRPr b="0" lang="en-GB" sz="2400" spc="-1" strike="noStrike">
+              <a:solidFill>
+                <a:srgbClr val="000000"/>
+              </a:solidFill>
               <a:latin typeface="Arial"/>
             </a:endParaRPr>
           </a:p>
@@ -4803,7 +6053,10 @@
                 <a:tab algn="l" pos="0"/>
               </a:tabLst>
             </a:pPr>
-            <a:endParaRPr b="0" lang="en-US" sz="2400" spc="-1" strike="noStrike">
+            <a:endParaRPr b="0" lang="en-GB" sz="2400" spc="-1" strike="noStrike">
+              <a:solidFill>
+                <a:srgbClr val="000000"/>
+              </a:solidFill>
               <a:latin typeface="Arial"/>
             </a:endParaRPr>
           </a:p>
@@ -4819,7 +6072,10 @@
                 <a:tab algn="l" pos="0"/>
               </a:tabLst>
             </a:pPr>
-            <a:endParaRPr b="0" lang="en-US" sz="2400" spc="-1" strike="noStrike">
+            <a:endParaRPr b="0" lang="en-GB" sz="2400" spc="-1" strike="noStrike">
+              <a:solidFill>
+                <a:srgbClr val="000000"/>
+              </a:solidFill>
               <a:latin typeface="Arial"/>
             </a:endParaRPr>
           </a:p>
@@ -4835,7 +6091,10 @@
                 <a:tab algn="l" pos="0"/>
               </a:tabLst>
             </a:pPr>
-            <a:endParaRPr b="0" lang="en-US" sz="2400" spc="-1" strike="noStrike">
+            <a:endParaRPr b="0" lang="en-GB" sz="2400" spc="-1" strike="noStrike">
+              <a:solidFill>
+                <a:srgbClr val="000000"/>
+              </a:solidFill>
               <a:latin typeface="Arial"/>
             </a:endParaRPr>
           </a:p>
@@ -4861,7 +6120,10 @@
               </a:rPr>
               <a:t>Prof. Dr. Benjamin Leiding</a:t>
             </a:r>
-            <a:endParaRPr b="0" lang="en-US" sz="1600" spc="-1" strike="noStrike">
+            <a:endParaRPr b="0" lang="en-GB" sz="1600" spc="-1" strike="noStrike">
+              <a:solidFill>
+                <a:srgbClr val="000000"/>
+              </a:solidFill>
               <a:latin typeface="Arial"/>
             </a:endParaRPr>
           </a:p>
@@ -4897,7 +6159,10 @@
               </a:rPr>
               <a:t>M.Sc. Anant Sujatanagarjuna</a:t>
             </a:r>
-            <a:endParaRPr b="0" lang="en-US" sz="1600" spc="-1" strike="noStrike">
+            <a:endParaRPr b="0" lang="en-GB" sz="1600" spc="-1" strike="noStrike">
+              <a:solidFill>
+                <a:srgbClr val="000000"/>
+              </a:solidFill>
               <a:latin typeface="Arial"/>
             </a:endParaRPr>
           </a:p>
@@ -4942,13 +6207,13 @@
         <p:spPr>
           <a:xfrm>
             <a:off x="335520" y="764640"/>
-            <a:ext cx="10746000" cy="496800"/>
+            <a:ext cx="10745640" cy="496440"/>
           </a:xfrm>
           <a:prstGeom prst="rect">
             <a:avLst/>
           </a:prstGeom>
           <a:noFill/>
-          <a:ln>
+          <a:ln w="0">
             <a:noFill/>
           </a:ln>
         </p:spPr>
@@ -4959,7 +6224,7 @@
           <a:fontRef idx="minor"/>
         </p:style>
         <p:txBody>
-          <a:bodyPr lIns="90000" rIns="90000" tIns="45000" bIns="45000">
+          <a:bodyPr lIns="90000" rIns="90000" tIns="45000" bIns="45000" anchor="t">
             <a:noAutofit/>
           </a:bodyPr>
           <a:p>
@@ -4978,7 +6243,10 @@
               </a:rPr>
               <a:t>Course Organization  </a:t>
             </a:r>
-            <a:endParaRPr b="0" lang="en-US" sz="2400" spc="-1" strike="noStrike">
+            <a:endParaRPr b="0" lang="en-GB" sz="2400" spc="-1" strike="noStrike">
+              <a:solidFill>
+                <a:srgbClr val="000000"/>
+              </a:solidFill>
               <a:latin typeface="Arial"/>
             </a:endParaRPr>
           </a:p>
@@ -4993,13 +6261,13 @@
         <p:spPr>
           <a:xfrm>
             <a:off x="335520" y="1268280"/>
-            <a:ext cx="10746000" cy="5033520"/>
+            <a:ext cx="10745640" cy="5033160"/>
           </a:xfrm>
           <a:prstGeom prst="rect">
             <a:avLst/>
           </a:prstGeom>
           <a:noFill/>
-          <a:ln>
+          <a:ln w="0">
             <a:noFill/>
           </a:ln>
         </p:spPr>
@@ -5060,7 +6328,10 @@
               </a:rPr>
               <a:t> </a:t>
             </a:r>
-            <a:endParaRPr b="0" lang="en-US" sz="1800" spc="-1" strike="noStrike">
+            <a:endParaRPr b="0" lang="en-GB" sz="1800" spc="-1" strike="noStrike">
+              <a:solidFill>
+                <a:srgbClr val="000000"/>
+              </a:solidFill>
               <a:latin typeface="Arial"/>
             </a:endParaRPr>
           </a:p>
@@ -5073,7 +6344,10 @@
                 <a:spcPts val="360"/>
               </a:spcBef>
             </a:pPr>
-            <a:endParaRPr b="0" lang="en-US" sz="1800" spc="-1" strike="noStrike">
+            <a:endParaRPr b="0" lang="en-GB" sz="1800" spc="-1" strike="noStrike">
+              <a:solidFill>
+                <a:srgbClr val="000000"/>
+              </a:solidFill>
               <a:latin typeface="Arial"/>
             </a:endParaRPr>
           </a:p>
@@ -5102,7 +6376,10 @@
               </a:rPr>
               <a:t>News and updates:</a:t>
             </a:r>
-            <a:endParaRPr b="0" lang="en-US" sz="1800" spc="-1" strike="noStrike">
+            <a:endParaRPr b="0" lang="en-GB" sz="1800" spc="-1" strike="noStrike">
+              <a:solidFill>
+                <a:srgbClr val="000000"/>
+              </a:solidFill>
               <a:latin typeface="Arial"/>
             </a:endParaRPr>
           </a:p>
@@ -5153,7 +6430,10 @@
               </a:rPr>
               <a:t>)</a:t>
             </a:r>
-            <a:endParaRPr b="0" lang="en-US" sz="1800" spc="-1" strike="noStrike">
+            <a:endParaRPr b="0" lang="en-GB" sz="1800" spc="-1" strike="noStrike">
+              <a:solidFill>
+                <a:srgbClr val="000000"/>
+              </a:solidFill>
               <a:latin typeface="Arial"/>
             </a:endParaRPr>
           </a:p>
@@ -5204,7 +6484,10 @@
               </a:rPr>
               <a:t>)</a:t>
             </a:r>
-            <a:endParaRPr b="0" lang="en-US" sz="1800" spc="-1" strike="noStrike">
+            <a:endParaRPr b="0" lang="en-GB" sz="1800" spc="-1" strike="noStrike">
+              <a:solidFill>
+                <a:srgbClr val="000000"/>
+              </a:solidFill>
               <a:latin typeface="Arial"/>
             </a:endParaRPr>
           </a:p>
@@ -5217,7 +6500,10 @@
                 <a:spcPts val="360"/>
               </a:spcBef>
             </a:pPr>
-            <a:endParaRPr b="0" lang="en-US" sz="1800" spc="-1" strike="noStrike">
+            <a:endParaRPr b="0" lang="en-GB" sz="1800" spc="-1" strike="noStrike">
+              <a:solidFill>
+                <a:srgbClr val="000000"/>
+              </a:solidFill>
               <a:latin typeface="Arial"/>
             </a:endParaRPr>
           </a:p>
@@ -5290,7 +6576,10 @@
               </a:rPr>
               <a:t>)</a:t>
             </a:r>
-            <a:endParaRPr b="0" lang="en-US" sz="1800" spc="-1" strike="noStrike">
+            <a:endParaRPr b="0" lang="en-GB" sz="1800" spc="-1" strike="noStrike">
+              <a:solidFill>
+                <a:srgbClr val="000000"/>
+              </a:solidFill>
               <a:latin typeface="Arial"/>
             </a:endParaRPr>
           </a:p>
@@ -5319,7 +6608,10 @@
               </a:rPr>
               <a:t>Please report bugs ;)</a:t>
             </a:r>
-            <a:endParaRPr b="0" lang="en-US" sz="1800" spc="-1" strike="noStrike">
+            <a:endParaRPr b="0" lang="en-GB" sz="1800" spc="-1" strike="noStrike">
+              <a:solidFill>
+                <a:srgbClr val="000000"/>
+              </a:solidFill>
               <a:latin typeface="Arial"/>
             </a:endParaRPr>
           </a:p>
@@ -5332,7 +6624,10 @@
                 <a:spcPts val="360"/>
               </a:spcBef>
             </a:pPr>
-            <a:endParaRPr b="0" lang="en-US" sz="1800" spc="-1" strike="noStrike">
+            <a:endParaRPr b="0" lang="en-GB" sz="1800" spc="-1" strike="noStrike">
+              <a:solidFill>
+                <a:srgbClr val="000000"/>
+              </a:solidFill>
               <a:latin typeface="Arial"/>
             </a:endParaRPr>
           </a:p>
@@ -5361,7 +6656,10 @@
               </a:rPr>
               <a:t>Lecture recordings will be available on StudIP and on Github</a:t>
             </a:r>
-            <a:endParaRPr b="0" lang="en-US" sz="1800" spc="-1" strike="noStrike">
+            <a:endParaRPr b="0" lang="en-GB" sz="1800" spc="-1" strike="noStrike">
+              <a:solidFill>
+                <a:srgbClr val="000000"/>
+              </a:solidFill>
               <a:latin typeface="Arial"/>
             </a:endParaRPr>
           </a:p>
@@ -5374,7 +6672,10 @@
                 <a:spcPts val="360"/>
               </a:spcBef>
             </a:pPr>
-            <a:endParaRPr b="0" lang="en-US" sz="1800" spc="-1" strike="noStrike">
+            <a:endParaRPr b="0" lang="en-GB" sz="1800" spc="-1" strike="noStrike">
+              <a:solidFill>
+                <a:srgbClr val="000000"/>
+              </a:solidFill>
               <a:latin typeface="Arial"/>
             </a:endParaRPr>
           </a:p>
@@ -5456,7 +6757,10 @@
               </a:rPr>
               <a:t> respond to emails written to this specific email address!</a:t>
             </a:r>
-            <a:endParaRPr b="0" lang="en-US" sz="1800" spc="-1" strike="noStrike">
+            <a:endParaRPr b="0" lang="en-GB" sz="1800" spc="-1" strike="noStrike">
+              <a:solidFill>
+                <a:srgbClr val="000000"/>
+              </a:solidFill>
               <a:latin typeface="Arial"/>
             </a:endParaRPr>
           </a:p>
@@ -5501,13 +6805,13 @@
         <p:spPr>
           <a:xfrm>
             <a:off x="335520" y="764640"/>
-            <a:ext cx="10746000" cy="496800"/>
+            <a:ext cx="10745640" cy="496440"/>
           </a:xfrm>
           <a:prstGeom prst="rect">
             <a:avLst/>
           </a:prstGeom>
           <a:noFill/>
-          <a:ln>
+          <a:ln w="0">
             <a:noFill/>
           </a:ln>
         </p:spPr>
@@ -5518,7 +6822,7 @@
           <a:fontRef idx="minor"/>
         </p:style>
         <p:txBody>
-          <a:bodyPr lIns="90000" rIns="90000" tIns="45000" bIns="45000">
+          <a:bodyPr lIns="90000" rIns="90000" tIns="45000" bIns="45000" anchor="t">
             <a:noAutofit/>
           </a:bodyPr>
           <a:p>
@@ -5537,7 +6841,10 @@
               </a:rPr>
               <a:t>Dates/Times/Locations</a:t>
             </a:r>
-            <a:endParaRPr b="0" lang="en-US" sz="2400" spc="-1" strike="noStrike">
+            <a:endParaRPr b="0" lang="en-GB" sz="2400" spc="-1" strike="noStrike">
+              <a:solidFill>
+                <a:srgbClr val="000000"/>
+              </a:solidFill>
               <a:latin typeface="Arial"/>
             </a:endParaRPr>
           </a:p>
@@ -5547,7 +6854,10 @@
                 <a:spcPct val="100000"/>
               </a:lnSpc>
             </a:pPr>
-            <a:endParaRPr b="0" lang="en-US" sz="2400" spc="-1" strike="noStrike">
+            <a:endParaRPr b="0" lang="en-GB" sz="2400" spc="-1" strike="noStrike">
+              <a:solidFill>
+                <a:srgbClr val="000000"/>
+              </a:solidFill>
               <a:latin typeface="Arial"/>
             </a:endParaRPr>
           </a:p>
@@ -5557,7 +6867,10 @@
                 <a:spcPct val="100000"/>
               </a:lnSpc>
             </a:pPr>
-            <a:endParaRPr b="0" lang="en-US" sz="2400" spc="-1" strike="noStrike">
+            <a:endParaRPr b="0" lang="en-GB" sz="2400" spc="-1" strike="noStrike">
+              <a:solidFill>
+                <a:srgbClr val="000000"/>
+              </a:solidFill>
               <a:latin typeface="Arial"/>
             </a:endParaRPr>
           </a:p>
@@ -5572,13 +6885,13 @@
         <p:spPr>
           <a:xfrm>
             <a:off x="335520" y="1268640"/>
-            <a:ext cx="10746000" cy="5033520"/>
+            <a:ext cx="10745640" cy="5033160"/>
           </a:xfrm>
           <a:prstGeom prst="rect">
             <a:avLst/>
           </a:prstGeom>
           <a:noFill/>
-          <a:ln>
+          <a:ln w="0">
             <a:noFill/>
           </a:ln>
         </p:spPr>
@@ -5628,7 +6941,10 @@
               </a:rPr>
               <a:t> </a:t>
             </a:r>
-            <a:endParaRPr b="0" lang="en-US" sz="1800" spc="-1" strike="noStrike">
+            <a:endParaRPr b="0" lang="en-GB" sz="1800" spc="-1" strike="noStrike">
+              <a:solidFill>
+                <a:srgbClr val="000000"/>
+              </a:solidFill>
               <a:latin typeface="Arial"/>
             </a:endParaRPr>
           </a:p>
@@ -5677,7 +6993,10 @@
               </a:rPr>
               <a:t> students may join us in Goslar. </a:t>
             </a:r>
-            <a:endParaRPr b="0" lang="en-US" sz="1800" spc="-1" strike="noStrike">
+            <a:endParaRPr b="0" lang="en-GB" sz="1800" spc="-1" strike="noStrike">
+              <a:solidFill>
+                <a:srgbClr val="000000"/>
+              </a:solidFill>
               <a:latin typeface="Arial"/>
             </a:endParaRPr>
           </a:p>
@@ -5706,7 +7025,10 @@
               </a:rPr>
               <a:t>We kindly ask everyone else to use the BBB rooms (links below). </a:t>
             </a:r>
-            <a:endParaRPr b="0" lang="en-US" sz="1800" spc="-1" strike="noStrike">
+            <a:endParaRPr b="0" lang="en-GB" sz="1800" spc="-1" strike="noStrike">
+              <a:solidFill>
+                <a:srgbClr val="000000"/>
+              </a:solidFill>
               <a:latin typeface="Arial"/>
             </a:endParaRPr>
           </a:p>
@@ -5719,7 +7041,10 @@
                 <a:spcPts val="360"/>
               </a:spcBef>
             </a:pPr>
-            <a:endParaRPr b="0" lang="en-US" sz="1800" spc="-1" strike="noStrike">
+            <a:endParaRPr b="0" lang="en-GB" sz="1800" spc="-1" strike="noStrike">
+              <a:solidFill>
+                <a:srgbClr val="000000"/>
+              </a:solidFill>
               <a:latin typeface="Arial"/>
             </a:endParaRPr>
           </a:p>
@@ -5749,7 +7074,10 @@
               </a:rPr>
               <a:t>Lecture:</a:t>
             </a:r>
-            <a:endParaRPr b="0" lang="en-US" sz="1800" spc="-1" strike="noStrike">
+            <a:endParaRPr b="0" lang="en-GB" sz="1800" spc="-1" strike="noStrike">
+              <a:solidFill>
+                <a:srgbClr val="000000"/>
+              </a:solidFill>
               <a:latin typeface="Arial"/>
             </a:endParaRPr>
           </a:p>
@@ -5838,7 +7166,10 @@
               </a:rPr>
               <a:t>.2022</a:t>
             </a:r>
-            <a:endParaRPr b="0" lang="en-US" sz="1800" spc="-1" strike="noStrike">
+            <a:endParaRPr b="0" lang="en-GB" sz="1800" spc="-1" strike="noStrike">
+              <a:solidFill>
+                <a:srgbClr val="000000"/>
+              </a:solidFill>
               <a:latin typeface="Arial"/>
             </a:endParaRPr>
           </a:p>
@@ -5889,7 +7220,10 @@
               </a:rPr>
               <a:t>)</a:t>
             </a:r>
-            <a:endParaRPr b="0" lang="en-US" sz="1800" spc="-1" strike="noStrike">
+            <a:endParaRPr b="0" lang="en-GB" sz="1800" spc="-1" strike="noStrike">
+              <a:solidFill>
+                <a:srgbClr val="000000"/>
+              </a:solidFill>
               <a:latin typeface="Arial"/>
             </a:endParaRPr>
           </a:p>
@@ -5919,7 +7253,10 @@
               </a:rPr>
               <a:t>Exercise / Q&amp;A:</a:t>
             </a:r>
-            <a:endParaRPr b="0" lang="en-US" sz="1800" spc="-1" strike="noStrike">
+            <a:endParaRPr b="0" lang="en-GB" sz="1800" spc="-1" strike="noStrike">
+              <a:solidFill>
+                <a:srgbClr val="000000"/>
+              </a:solidFill>
               <a:latin typeface="Arial"/>
             </a:endParaRPr>
           </a:p>
@@ -6028,7 +7365,10 @@
               </a:rPr>
               <a:t>.2022</a:t>
             </a:r>
-            <a:endParaRPr b="0" lang="en-US" sz="1800" spc="-1" strike="noStrike">
+            <a:endParaRPr b="0" lang="en-GB" sz="1800" spc="-1" strike="noStrike">
+              <a:solidFill>
+                <a:srgbClr val="000000"/>
+              </a:solidFill>
               <a:latin typeface="Arial"/>
             </a:endParaRPr>
           </a:p>
@@ -6079,7 +7419,10 @@
               </a:rPr>
               <a:t>)</a:t>
             </a:r>
-            <a:endParaRPr b="0" lang="en-US" sz="1800" spc="-1" strike="noStrike">
+            <a:endParaRPr b="0" lang="en-GB" sz="1800" spc="-1" strike="noStrike">
+              <a:solidFill>
+                <a:srgbClr val="000000"/>
+              </a:solidFill>
               <a:latin typeface="Arial"/>
             </a:endParaRPr>
           </a:p>
@@ -6124,13 +7467,13 @@
         <p:spPr>
           <a:xfrm>
             <a:off x="335520" y="764640"/>
-            <a:ext cx="10746000" cy="496800"/>
+            <a:ext cx="10745640" cy="496440"/>
           </a:xfrm>
           <a:prstGeom prst="rect">
             <a:avLst/>
           </a:prstGeom>
           <a:noFill/>
-          <a:ln>
+          <a:ln w="0">
             <a:noFill/>
           </a:ln>
         </p:spPr>
@@ -6141,7 +7484,7 @@
           <a:fontRef idx="minor"/>
         </p:style>
         <p:txBody>
-          <a:bodyPr lIns="90000" rIns="90000" tIns="45000" bIns="45000">
+          <a:bodyPr lIns="90000" rIns="90000" tIns="45000" bIns="45000" anchor="t">
             <a:noAutofit/>
           </a:bodyPr>
           <a:p>
@@ -6160,7 +7503,10 @@
               </a:rPr>
               <a:t>Exercises </a:t>
             </a:r>
-            <a:endParaRPr b="0" lang="en-US" sz="2400" spc="-1" strike="noStrike">
+            <a:endParaRPr b="0" lang="en-GB" sz="2400" spc="-1" strike="noStrike">
+              <a:solidFill>
+                <a:srgbClr val="000000"/>
+              </a:solidFill>
               <a:latin typeface="Arial"/>
             </a:endParaRPr>
           </a:p>
@@ -6175,13 +7521,13 @@
         <p:spPr>
           <a:xfrm>
             <a:off x="335520" y="1268280"/>
-            <a:ext cx="10746000" cy="5033520"/>
+            <a:ext cx="10745640" cy="5033160"/>
           </a:xfrm>
           <a:prstGeom prst="rect">
             <a:avLst/>
           </a:prstGeom>
           <a:noFill/>
-          <a:ln>
+          <a:ln w="0">
             <a:noFill/>
           </a:ln>
         </p:spPr>
@@ -6201,7 +7547,10 @@
                 <a:spcPct val="100000"/>
               </a:lnSpc>
             </a:pPr>
-            <a:endParaRPr b="0" lang="en-US" sz="1800" spc="-1" strike="noStrike">
+            <a:endParaRPr b="0" lang="en-GB" sz="1800" spc="-1" strike="noStrike">
+              <a:solidFill>
+                <a:srgbClr val="000000"/>
+              </a:solidFill>
               <a:latin typeface="Arial"/>
             </a:endParaRPr>
           </a:p>
@@ -6214,7 +7563,10 @@
                 <a:spcPts val="360"/>
               </a:spcBef>
             </a:pPr>
-            <a:endParaRPr b="0" lang="en-US" sz="1800" spc="-1" strike="noStrike">
+            <a:endParaRPr b="0" lang="en-GB" sz="1800" spc="-1" strike="noStrike">
+              <a:solidFill>
+                <a:srgbClr val="000000"/>
+              </a:solidFill>
               <a:latin typeface="Arial"/>
             </a:endParaRPr>
           </a:p>
@@ -6283,7 +7635,10 @@
               </a:rPr>
               <a:t>no group submissions</a:t>
             </a:r>
-            <a:endParaRPr b="0" lang="en-US" sz="1800" spc="-1" strike="noStrike">
+            <a:endParaRPr b="0" lang="en-GB" sz="1800" spc="-1" strike="noStrike">
+              <a:solidFill>
+                <a:srgbClr val="000000"/>
+              </a:solidFill>
               <a:latin typeface="Arial"/>
             </a:endParaRPr>
           </a:p>
@@ -6342,7 +7697,10 @@
               </a:rPr>
               <a:t>mandatory</a:t>
             </a:r>
-            <a:endParaRPr b="0" lang="en-US" sz="1800" spc="-1" strike="noStrike">
+            <a:endParaRPr b="0" lang="en-GB" sz="1800" spc="-1" strike="noStrike">
+              <a:solidFill>
+                <a:srgbClr val="000000"/>
+              </a:solidFill>
               <a:latin typeface="Arial"/>
             </a:endParaRPr>
           </a:p>
@@ -6371,7 +7729,10 @@
               </a:rPr>
               <a:t>You pass by submitting an exercise – even if it is an empty page</a:t>
             </a:r>
-            <a:endParaRPr b="0" lang="en-US" sz="1800" spc="-1" strike="noStrike">
+            <a:endParaRPr b="0" lang="en-GB" sz="1800" spc="-1" strike="noStrike">
+              <a:solidFill>
+                <a:srgbClr val="000000"/>
+              </a:solidFill>
               <a:latin typeface="Arial"/>
             </a:endParaRPr>
           </a:p>
@@ -6400,7 +7761,10 @@
               </a:rPr>
               <a:t>You will receive feedback on your submission</a:t>
             </a:r>
-            <a:endParaRPr b="0" lang="en-US" sz="1800" spc="-1" strike="noStrike">
+            <a:endParaRPr b="0" lang="en-GB" sz="1800" spc="-1" strike="noStrike">
+              <a:solidFill>
+                <a:srgbClr val="000000"/>
+              </a:solidFill>
               <a:latin typeface="Arial"/>
             </a:endParaRPr>
           </a:p>
@@ -6429,7 +7793,10 @@
               </a:rPr>
               <a:t>Exercise = learning feedback</a:t>
             </a:r>
-            <a:endParaRPr b="0" lang="en-US" sz="1800" spc="-1" strike="noStrike">
+            <a:endParaRPr b="0" lang="en-GB" sz="1800" spc="-1" strike="noStrike">
+              <a:solidFill>
+                <a:srgbClr val="000000"/>
+              </a:solidFill>
               <a:latin typeface="Arial"/>
             </a:endParaRPr>
           </a:p>
@@ -6442,7 +7809,10 @@
                 <a:spcPts val="360"/>
               </a:spcBef>
             </a:pPr>
-            <a:endParaRPr b="0" lang="en-US" sz="1800" spc="-1" strike="noStrike">
+            <a:endParaRPr b="0" lang="en-GB" sz="1800" spc="-1" strike="noStrike">
+              <a:solidFill>
+                <a:srgbClr val="000000"/>
+              </a:solidFill>
               <a:latin typeface="Arial"/>
             </a:endParaRPr>
           </a:p>
@@ -6465,7 +7835,10 @@
               </a:rPr>
               <a:t>s task:</a:t>
             </a:r>
-            <a:endParaRPr b="0" lang="en-US" sz="1800" spc="-1" strike="noStrike">
+            <a:endParaRPr b="0" lang="en-GB" sz="1800" spc="-1" strike="noStrike">
+              <a:solidFill>
+                <a:srgbClr val="000000"/>
+              </a:solidFill>
               <a:latin typeface="Arial"/>
             </a:endParaRPr>
           </a:p>
@@ -6488,7 +7861,10 @@
               </a:rPr>
               <a:t>orm groups of 5 people</a:t>
             </a:r>
-            <a:endParaRPr b="0" lang="en-US" sz="1800" spc="-1" strike="noStrike">
+            <a:endParaRPr b="0" lang="en-GB" sz="1800" spc="-1" strike="noStrike">
+              <a:solidFill>
+                <a:srgbClr val="000000"/>
+              </a:solidFill>
               <a:latin typeface="Arial"/>
             </a:endParaRPr>
           </a:p>
@@ -6511,7 +7887,10 @@
               </a:rPr>
               <a:t>ome up with a great idea that evolves around sustainability in general</a:t>
             </a:r>
-            <a:endParaRPr b="0" lang="en-US" sz="1800" spc="-1" strike="noStrike">
+            <a:endParaRPr b="0" lang="en-GB" sz="1800" spc="-1" strike="noStrike">
+              <a:solidFill>
+                <a:srgbClr val="000000"/>
+              </a:solidFill>
               <a:latin typeface="Arial"/>
             </a:endParaRPr>
           </a:p>
@@ -6534,7 +7913,10 @@
               </a:rPr>
               <a:t>Push the idea as far as possible throughout the semester</a:t>
             </a:r>
-            <a:endParaRPr b="0" lang="en-US" sz="1800" spc="-1" strike="noStrike">
+            <a:endParaRPr b="0" lang="en-GB" sz="1800" spc="-1" strike="noStrike">
+              <a:solidFill>
+                <a:srgbClr val="000000"/>
+              </a:solidFill>
               <a:latin typeface="Arial"/>
             </a:endParaRPr>
           </a:p>
@@ -6557,7 +7939,10 @@
               </a:rPr>
               <a:t>Record a 60s video explaining your idea and what you did throughout the semester</a:t>
             </a:r>
-            <a:endParaRPr b="0" lang="en-US" sz="1800" spc="-1" strike="noStrike">
+            <a:endParaRPr b="0" lang="en-GB" sz="1800" spc="-1" strike="noStrike">
+              <a:solidFill>
+                <a:srgbClr val="000000"/>
+              </a:solidFill>
               <a:latin typeface="Arial"/>
             </a:endParaRPr>
           </a:p>
@@ -6580,7 +7965,10 @@
               </a:rPr>
               <a:t>Selection of the 5 best ideas → bonus points for the exam (e.g., better grade – instead of 2.0 → 1.7 or something similar)</a:t>
             </a:r>
-            <a:endParaRPr b="0" lang="en-US" sz="1800" spc="-1" strike="noStrike">
+            <a:endParaRPr b="0" lang="en-GB" sz="1800" spc="-1" strike="noStrike">
+              <a:solidFill>
+                <a:srgbClr val="000000"/>
+              </a:solidFill>
               <a:latin typeface="Arial"/>
             </a:endParaRPr>
           </a:p>
@@ -6593,7 +7981,10 @@
                 <a:spcPts val="360"/>
               </a:spcBef>
             </a:pPr>
-            <a:endParaRPr b="0" lang="en-US" sz="1800" spc="-1" strike="noStrike">
+            <a:endParaRPr b="0" lang="en-GB" sz="1800" spc="-1" strike="noStrike">
+              <a:solidFill>
+                <a:srgbClr val="000000"/>
+              </a:solidFill>
               <a:latin typeface="Arial"/>
             </a:endParaRPr>
           </a:p>
@@ -6606,7 +7997,10 @@
                 <a:spcPts val="360"/>
               </a:spcBef>
             </a:pPr>
-            <a:endParaRPr b="0" lang="en-US" sz="1800" spc="-1" strike="noStrike">
+            <a:endParaRPr b="0" lang="en-GB" sz="1800" spc="-1" strike="noStrike">
+              <a:solidFill>
+                <a:srgbClr val="000000"/>
+              </a:solidFill>
               <a:latin typeface="Arial"/>
             </a:endParaRPr>
           </a:p>
@@ -6629,7 +8023,10 @@
               </a:rPr>
               <a:t>More info on points, percentages, etc. follow on the next slides (Examination)</a:t>
             </a:r>
-            <a:endParaRPr b="0" lang="en-US" sz="1800" spc="-1" strike="noStrike">
+            <a:endParaRPr b="0" lang="en-GB" sz="1800" spc="-1" strike="noStrike">
+              <a:solidFill>
+                <a:srgbClr val="000000"/>
+              </a:solidFill>
               <a:latin typeface="Arial"/>
             </a:endParaRPr>
           </a:p>
@@ -6674,13 +8071,13 @@
         <p:spPr>
           <a:xfrm>
             <a:off x="335520" y="764640"/>
-            <a:ext cx="10746000" cy="496800"/>
+            <a:ext cx="10745640" cy="496440"/>
           </a:xfrm>
           <a:prstGeom prst="rect">
             <a:avLst/>
           </a:prstGeom>
           <a:noFill/>
-          <a:ln>
+          <a:ln w="0">
             <a:noFill/>
           </a:ln>
         </p:spPr>
@@ -6691,7 +8088,7 @@
           <a:fontRef idx="minor"/>
         </p:style>
         <p:txBody>
-          <a:bodyPr lIns="90000" rIns="90000" tIns="45000" bIns="45000">
+          <a:bodyPr lIns="90000" rIns="90000" tIns="45000" bIns="45000" anchor="t">
             <a:noAutofit/>
           </a:bodyPr>
           <a:p>
@@ -6710,7 +8107,10 @@
               </a:rPr>
               <a:t>Exercises </a:t>
             </a:r>
-            <a:endParaRPr b="0" lang="en-US" sz="2400" spc="-1" strike="noStrike">
+            <a:endParaRPr b="0" lang="en-GB" sz="2400" spc="-1" strike="noStrike">
+              <a:solidFill>
+                <a:srgbClr val="000000"/>
+              </a:solidFill>
               <a:latin typeface="Arial"/>
             </a:endParaRPr>
           </a:p>
@@ -6725,13 +8125,13 @@
         <p:spPr>
           <a:xfrm>
             <a:off x="335520" y="1268280"/>
-            <a:ext cx="10746000" cy="5033520"/>
+            <a:ext cx="10745640" cy="5033160"/>
           </a:xfrm>
           <a:prstGeom prst="rect">
             <a:avLst/>
           </a:prstGeom>
           <a:noFill/>
-          <a:ln>
+          <a:ln w="0">
             <a:noFill/>
           </a:ln>
         </p:spPr>
@@ -6751,7 +8151,10 @@
                 <a:spcPct val="100000"/>
               </a:lnSpc>
             </a:pPr>
-            <a:endParaRPr b="0" lang="en-US" sz="1800" spc="-1" strike="noStrike">
+            <a:endParaRPr b="0" lang="en-GB" sz="1800" spc="-1" strike="noStrike">
+              <a:solidFill>
+                <a:srgbClr val="000000"/>
+              </a:solidFill>
               <a:latin typeface="Arial"/>
             </a:endParaRPr>
           </a:p>
@@ -6764,7 +8167,10 @@
                 <a:spcPts val="360"/>
               </a:spcBef>
             </a:pPr>
-            <a:endParaRPr b="0" lang="en-US" sz="1800" spc="-1" strike="noStrike">
+            <a:endParaRPr b="0" lang="en-GB" sz="1800" spc="-1" strike="noStrike">
+              <a:solidFill>
+                <a:srgbClr val="000000"/>
+              </a:solidFill>
               <a:latin typeface="Arial"/>
             </a:endParaRPr>
           </a:p>
@@ -6833,7 +8239,10 @@
               </a:rPr>
               <a:t>no group submissions</a:t>
             </a:r>
-            <a:endParaRPr b="0" lang="en-US" sz="1800" spc="-1" strike="noStrike">
+            <a:endParaRPr b="0" lang="en-GB" sz="1800" spc="-1" strike="noStrike">
+              <a:solidFill>
+                <a:srgbClr val="000000"/>
+              </a:solidFill>
               <a:latin typeface="Arial"/>
             </a:endParaRPr>
           </a:p>
@@ -6892,7 +8301,10 @@
               </a:rPr>
               <a:t>mandatory</a:t>
             </a:r>
-            <a:endParaRPr b="0" lang="en-US" sz="1800" spc="-1" strike="noStrike">
+            <a:endParaRPr b="0" lang="en-GB" sz="1800" spc="-1" strike="noStrike">
+              <a:solidFill>
+                <a:srgbClr val="000000"/>
+              </a:solidFill>
               <a:latin typeface="Arial"/>
             </a:endParaRPr>
           </a:p>
@@ -6921,7 +8333,10 @@
               </a:rPr>
               <a:t>You pass by submitting an exercise – even if it is an empty page</a:t>
             </a:r>
-            <a:endParaRPr b="0" lang="en-US" sz="1800" spc="-1" strike="noStrike">
+            <a:endParaRPr b="0" lang="en-GB" sz="1800" spc="-1" strike="noStrike">
+              <a:solidFill>
+                <a:srgbClr val="000000"/>
+              </a:solidFill>
               <a:latin typeface="Arial"/>
             </a:endParaRPr>
           </a:p>
@@ -6950,7 +8365,10 @@
               </a:rPr>
               <a:t>You will receive feedback on your submission</a:t>
             </a:r>
-            <a:endParaRPr b="0" lang="en-US" sz="1800" spc="-1" strike="noStrike">
+            <a:endParaRPr b="0" lang="en-GB" sz="1800" spc="-1" strike="noStrike">
+              <a:solidFill>
+                <a:srgbClr val="000000"/>
+              </a:solidFill>
               <a:latin typeface="Arial"/>
             </a:endParaRPr>
           </a:p>
@@ -6979,7 +8397,10 @@
               </a:rPr>
               <a:t>Exercise = learning feedback</a:t>
             </a:r>
-            <a:endParaRPr b="0" lang="en-US" sz="1800" spc="-1" strike="noStrike">
+            <a:endParaRPr b="0" lang="en-GB" sz="1800" spc="-1" strike="noStrike">
+              <a:solidFill>
+                <a:srgbClr val="000000"/>
+              </a:solidFill>
               <a:latin typeface="Arial"/>
             </a:endParaRPr>
           </a:p>
@@ -6992,7 +8413,10 @@
                 <a:spcPts val="360"/>
               </a:spcBef>
             </a:pPr>
-            <a:endParaRPr b="0" lang="en-US" sz="1800" spc="-1" strike="noStrike">
+            <a:endParaRPr b="0" lang="en-GB" sz="1800" spc="-1" strike="noStrike">
+              <a:solidFill>
+                <a:srgbClr val="000000"/>
+              </a:solidFill>
               <a:latin typeface="Arial"/>
             </a:endParaRPr>
           </a:p>
@@ -7021,7 +8445,10 @@
               </a:rPr>
               <a:t>Bonus task:</a:t>
             </a:r>
-            <a:endParaRPr b="0" lang="en-US" sz="1800" spc="-1" strike="noStrike">
+            <a:endParaRPr b="0" lang="en-GB" sz="1800" spc="-1" strike="noStrike">
+              <a:solidFill>
+                <a:srgbClr val="000000"/>
+              </a:solidFill>
               <a:latin typeface="Arial"/>
             </a:endParaRPr>
           </a:p>
@@ -7050,7 +8477,10 @@
               </a:rPr>
               <a:t>Form groups of 2 or more people</a:t>
             </a:r>
-            <a:endParaRPr b="0" lang="en-US" sz="1800" spc="-1" strike="noStrike">
+            <a:endParaRPr b="0" lang="en-GB" sz="1800" spc="-1" strike="noStrike">
+              <a:solidFill>
+                <a:srgbClr val="000000"/>
+              </a:solidFill>
               <a:latin typeface="Arial"/>
             </a:endParaRPr>
           </a:p>
@@ -7079,7 +8509,10 @@
               </a:rPr>
               <a:t>Come up with a great idea that revolves around sustainability in general</a:t>
             </a:r>
-            <a:endParaRPr b="0" lang="en-US" sz="1800" spc="-1" strike="noStrike">
+            <a:endParaRPr b="0" lang="en-GB" sz="1800" spc="-1" strike="noStrike">
+              <a:solidFill>
+                <a:srgbClr val="000000"/>
+              </a:solidFill>
               <a:latin typeface="Arial"/>
             </a:endParaRPr>
           </a:p>
@@ -7108,7 +8541,10 @@
               </a:rPr>
               <a:t>Push the idea as far as possible throughout the semester</a:t>
             </a:r>
-            <a:endParaRPr b="0" lang="en-US" sz="1800" spc="-1" strike="noStrike">
+            <a:endParaRPr b="0" lang="en-GB" sz="1800" spc="-1" strike="noStrike">
+              <a:solidFill>
+                <a:srgbClr val="000000"/>
+              </a:solidFill>
               <a:latin typeface="Arial"/>
             </a:endParaRPr>
           </a:p>
@@ -7137,7 +8573,10 @@
               </a:rPr>
               <a:t>Record a 60s video explaining your idea and what you did throughout the semester</a:t>
             </a:r>
-            <a:endParaRPr b="0" lang="en-US" sz="1800" spc="-1" strike="noStrike">
+            <a:endParaRPr b="0" lang="en-GB" sz="1800" spc="-1" strike="noStrike">
+              <a:solidFill>
+                <a:srgbClr val="000000"/>
+              </a:solidFill>
               <a:latin typeface="Arial"/>
             </a:endParaRPr>
           </a:p>
@@ -7166,7 +8605,10 @@
               </a:rPr>
               <a:t>Selection of the 5 best ideas → bonus points for the exam (e.g., better grade – instead of 2.0 → 1.7 or something similar)</a:t>
             </a:r>
-            <a:endParaRPr b="0" lang="en-US" sz="1800" spc="-1" strike="noStrike">
+            <a:endParaRPr b="0" lang="en-GB" sz="1800" spc="-1" strike="noStrike">
+              <a:solidFill>
+                <a:srgbClr val="000000"/>
+              </a:solidFill>
               <a:latin typeface="Arial"/>
             </a:endParaRPr>
           </a:p>
@@ -7179,7 +8621,10 @@
                 <a:spcPts val="360"/>
               </a:spcBef>
             </a:pPr>
-            <a:endParaRPr b="0" lang="en-US" sz="1800" spc="-1" strike="noStrike">
+            <a:endParaRPr b="0" lang="en-GB" sz="1800" spc="-1" strike="noStrike">
+              <a:solidFill>
+                <a:srgbClr val="000000"/>
+              </a:solidFill>
               <a:latin typeface="Arial"/>
             </a:endParaRPr>
           </a:p>
@@ -7192,7 +8637,10 @@
                 <a:spcPts val="360"/>
               </a:spcBef>
             </a:pPr>
-            <a:endParaRPr b="0" lang="en-US" sz="1800" spc="-1" strike="noStrike">
+            <a:endParaRPr b="0" lang="en-GB" sz="1800" spc="-1" strike="noStrike">
+              <a:solidFill>
+                <a:srgbClr val="000000"/>
+              </a:solidFill>
               <a:latin typeface="Arial"/>
             </a:endParaRPr>
           </a:p>
@@ -7215,7 +8663,10 @@
               </a:rPr>
               <a:t>More info on points, percentages, etc. follow on the next slides (Examination)</a:t>
             </a:r>
-            <a:endParaRPr b="0" lang="en-US" sz="1800" spc="-1" strike="noStrike">
+            <a:endParaRPr b="0" lang="en-GB" sz="1800" spc="-1" strike="noStrike">
+              <a:solidFill>
+                <a:srgbClr val="000000"/>
+              </a:solidFill>
               <a:latin typeface="Arial"/>
             </a:endParaRPr>
           </a:p>
@@ -7260,13 +8711,13 @@
         <p:spPr>
           <a:xfrm>
             <a:off x="335520" y="764640"/>
-            <a:ext cx="10746000" cy="496800"/>
+            <a:ext cx="10745640" cy="496440"/>
           </a:xfrm>
           <a:prstGeom prst="rect">
             <a:avLst/>
           </a:prstGeom>
           <a:noFill/>
-          <a:ln>
+          <a:ln w="0">
             <a:noFill/>
           </a:ln>
         </p:spPr>
@@ -7277,7 +8728,7 @@
           <a:fontRef idx="minor"/>
         </p:style>
         <p:txBody>
-          <a:bodyPr lIns="90000" rIns="90000" tIns="45000" bIns="45000">
+          <a:bodyPr lIns="90000" rIns="90000" tIns="45000" bIns="45000" anchor="t">
             <a:noAutofit/>
           </a:bodyPr>
           <a:p>
@@ -7296,7 +8747,10 @@
               </a:rPr>
               <a:t>Examination</a:t>
             </a:r>
-            <a:endParaRPr b="0" lang="en-US" sz="2400" spc="-1" strike="noStrike">
+            <a:endParaRPr b="0" lang="en-GB" sz="2400" spc="-1" strike="noStrike">
+              <a:solidFill>
+                <a:srgbClr val="000000"/>
+              </a:solidFill>
               <a:latin typeface="Arial"/>
             </a:endParaRPr>
           </a:p>
@@ -7311,13 +8765,13 @@
         <p:spPr>
           <a:xfrm>
             <a:off x="335520" y="1268640"/>
-            <a:ext cx="10746000" cy="5033520"/>
+            <a:ext cx="10745640" cy="5033160"/>
           </a:xfrm>
           <a:prstGeom prst="rect">
             <a:avLst/>
           </a:prstGeom>
           <a:noFill/>
-          <a:ln>
+          <a:ln w="0">
             <a:noFill/>
           </a:ln>
         </p:spPr>
@@ -7356,7 +8810,10 @@
               </a:rPr>
               <a:t>Prerequisite for admission to the final exam (all criteria have to be fulfilled):</a:t>
             </a:r>
-            <a:endParaRPr b="0" lang="en-US" sz="1800" spc="-1" strike="noStrike">
+            <a:endParaRPr b="0" lang="en-GB" sz="1800" spc="-1" strike="noStrike">
+              <a:solidFill>
+                <a:srgbClr val="000000"/>
+              </a:solidFill>
               <a:latin typeface="Arial"/>
             </a:endParaRPr>
           </a:p>
@@ -7385,7 +8842,10 @@
               </a:rPr>
               <a:t>Submit all exercises</a:t>
             </a:r>
-            <a:endParaRPr b="0" lang="en-US" sz="1800" spc="-1" strike="noStrike">
+            <a:endParaRPr b="0" lang="en-GB" sz="1800" spc="-1" strike="noStrike">
+              <a:solidFill>
+                <a:srgbClr val="000000"/>
+              </a:solidFill>
               <a:latin typeface="Arial"/>
             </a:endParaRPr>
           </a:p>
@@ -7398,7 +8858,10 @@
                 <a:spcPts val="360"/>
               </a:spcBef>
             </a:pPr>
-            <a:endParaRPr b="0" lang="en-US" sz="1800" spc="-1" strike="noStrike">
+            <a:endParaRPr b="0" lang="en-GB" sz="1800" spc="-1" strike="noStrike">
+              <a:solidFill>
+                <a:srgbClr val="000000"/>
+              </a:solidFill>
               <a:latin typeface="Arial"/>
             </a:endParaRPr>
           </a:p>
@@ -7427,7 +8890,10 @@
               </a:rPr>
               <a:t>Final exam:</a:t>
             </a:r>
-            <a:endParaRPr b="0" lang="en-US" sz="1800" spc="-1" strike="noStrike">
+            <a:endParaRPr b="0" lang="en-GB" sz="1800" spc="-1" strike="noStrike">
+              <a:solidFill>
+                <a:srgbClr val="000000"/>
+              </a:solidFill>
               <a:latin typeface="Arial"/>
             </a:endParaRPr>
           </a:p>
@@ -7456,7 +8922,10 @@
               </a:rPr>
               <a:t>No Specific date yet</a:t>
             </a:r>
-            <a:endParaRPr b="0" lang="en-US" sz="1800" spc="-1" strike="noStrike">
+            <a:endParaRPr b="0" lang="en-GB" sz="1800" spc="-1" strike="noStrike">
+              <a:solidFill>
+                <a:srgbClr val="000000"/>
+              </a:solidFill>
               <a:latin typeface="Arial"/>
             </a:endParaRPr>
           </a:p>
@@ -7505,7 +8974,10 @@
               </a:rPr>
               <a:t> oral examination (20-25min)</a:t>
             </a:r>
-            <a:endParaRPr b="0" lang="en-US" sz="1800" spc="-1" strike="noStrike">
+            <a:endParaRPr b="0" lang="en-GB" sz="1800" spc="-1" strike="noStrike">
+              <a:solidFill>
+                <a:srgbClr val="000000"/>
+              </a:solidFill>
               <a:latin typeface="Arial"/>
             </a:endParaRPr>
           </a:p>
@@ -7534,7 +9006,10 @@
               </a:rPr>
               <a:t>Online vs. lecture room examination → depends on the pandemic and the number of students </a:t>
             </a:r>
-            <a:endParaRPr b="0" lang="en-US" sz="1800" spc="-1" strike="noStrike">
+            <a:endParaRPr b="0" lang="en-GB" sz="1800" spc="-1" strike="noStrike">
+              <a:solidFill>
+                <a:srgbClr val="000000"/>
+              </a:solidFill>
               <a:latin typeface="Arial"/>
             </a:endParaRPr>
           </a:p>
@@ -7579,13 +9054,13 @@
         <p:spPr>
           <a:xfrm>
             <a:off x="335520" y="764640"/>
-            <a:ext cx="10746000" cy="496800"/>
+            <a:ext cx="10745640" cy="496440"/>
           </a:xfrm>
           <a:prstGeom prst="rect">
             <a:avLst/>
           </a:prstGeom>
           <a:noFill/>
-          <a:ln>
+          <a:ln w="0">
             <a:noFill/>
           </a:ln>
         </p:spPr>
@@ -7596,7 +9071,7 @@
           <a:fontRef idx="minor"/>
         </p:style>
         <p:txBody>
-          <a:bodyPr lIns="90000" rIns="90000" tIns="45000" bIns="45000">
+          <a:bodyPr lIns="90000" rIns="90000" tIns="45000" bIns="45000" anchor="t">
             <a:noAutofit/>
           </a:bodyPr>
           <a:p>
@@ -7615,7 +9090,10 @@
               </a:rPr>
               <a:t>Self-Study Star</a:t>
             </a:r>
-            <a:endParaRPr b="0" lang="en-US" sz="2400" spc="-1" strike="noStrike">
+            <a:endParaRPr b="0" lang="en-GB" sz="2400" spc="-1" strike="noStrike">
+              <a:solidFill>
+                <a:srgbClr val="000000"/>
+              </a:solidFill>
               <a:latin typeface="Arial"/>
             </a:endParaRPr>
           </a:p>
@@ -7630,13 +9108,13 @@
         <p:spPr>
           <a:xfrm>
             <a:off x="335520" y="1268280"/>
-            <a:ext cx="10746000" cy="5033520"/>
+            <a:ext cx="10745640" cy="5033160"/>
           </a:xfrm>
           <a:prstGeom prst="rect">
             <a:avLst/>
           </a:prstGeom>
           <a:noFill/>
-          <a:ln>
+          <a:ln w="0">
             <a:noFill/>
           </a:ln>
         </p:spPr>
@@ -7659,7 +9137,10 @@
                 <a:spcPts val="360"/>
               </a:spcBef>
             </a:pPr>
-            <a:endParaRPr b="0" lang="en-US" sz="1800" spc="-1" strike="noStrike">
+            <a:endParaRPr b="0" lang="en-GB" sz="1800" spc="-1" strike="noStrike">
+              <a:solidFill>
+                <a:srgbClr val="000000"/>
+              </a:solidFill>
               <a:latin typeface="Arial"/>
             </a:endParaRPr>
           </a:p>
@@ -7705,7 +9186,10 @@
               </a:rPr>
               <a:t> mandatory but could be helpful or interesting</a:t>
             </a:r>
-            <a:endParaRPr b="0" lang="en-US" sz="1800" spc="-1" strike="noStrike">
+            <a:endParaRPr b="0" lang="en-GB" sz="1800" spc="-1" strike="noStrike">
+              <a:solidFill>
+                <a:srgbClr val="000000"/>
+              </a:solidFill>
               <a:latin typeface="Arial"/>
             </a:endParaRPr>
           </a:p>
@@ -7720,7 +9204,7 @@
         <p:spPr>
           <a:xfrm>
             <a:off x="6285600" y="2132640"/>
-            <a:ext cx="515520" cy="495360"/>
+            <a:ext cx="515160" cy="495000"/>
           </a:xfrm>
           <a:prstGeom prst="star5">
             <a:avLst>
@@ -7752,6 +9236,19 @@
           </a:effectRef>
           <a:fontRef idx="minor"/>
         </p:style>
+        <p:txBody>
+          <a:bodyPr lIns="90000" rIns="90000" tIns="45000" bIns="45000" anchor="t">
+            <a:noAutofit/>
+          </a:bodyPr>
+          <a:p>
+            <a:endParaRPr b="0" lang="en-GB" sz="1800" spc="-1" strike="noStrike">
+              <a:solidFill>
+                <a:srgbClr val="000000"/>
+              </a:solidFill>
+              <a:latin typeface="Arial"/>
+            </a:endParaRPr>
+          </a:p>
+        </p:txBody>
       </p:sp>
       <p:sp>
         <p:nvSpPr>
@@ -7762,13 +9259,13 @@
         <p:spPr>
           <a:xfrm>
             <a:off x="4089960" y="2247480"/>
-            <a:ext cx="2283840" cy="363960"/>
+            <a:ext cx="2283480" cy="363960"/>
           </a:xfrm>
           <a:prstGeom prst="rect">
             <a:avLst/>
           </a:prstGeom>
           <a:noFill/>
-          <a:ln>
+          <a:ln w="0">
             <a:noFill/>
           </a:ln>
         </p:spPr>
@@ -7779,7 +9276,7 @@
           <a:fontRef idx="minor"/>
         </p:style>
         <p:txBody>
-          <a:bodyPr lIns="90000" rIns="90000" tIns="45000" bIns="45000">
+          <a:bodyPr lIns="90000" rIns="90000" tIns="45000" bIns="45000" anchor="t">
             <a:spAutoFit/>
           </a:bodyPr>
           <a:p>
@@ -7818,7 +9315,10 @@
               </a:rPr>
               <a:t> </a:t>
             </a:r>
-            <a:endParaRPr b="0" lang="en-US" sz="1800" spc="-1" strike="noStrike">
+            <a:endParaRPr b="0" lang="en-GB" sz="1800" spc="-1" strike="noStrike">
+              <a:solidFill>
+                <a:srgbClr val="000000"/>
+              </a:solidFill>
               <a:latin typeface="Arial"/>
             </a:endParaRPr>
           </a:p>
@@ -7863,13 +9363,13 @@
         <p:spPr>
           <a:xfrm>
             <a:off x="335520" y="764640"/>
-            <a:ext cx="10746000" cy="496800"/>
+            <a:ext cx="10745640" cy="496440"/>
           </a:xfrm>
           <a:prstGeom prst="rect">
             <a:avLst/>
           </a:prstGeom>
           <a:noFill/>
-          <a:ln>
+          <a:ln w="0">
             <a:noFill/>
           </a:ln>
         </p:spPr>
@@ -7880,7 +9380,7 @@
           <a:fontRef idx="minor"/>
         </p:style>
         <p:txBody>
-          <a:bodyPr lIns="90000" rIns="90000" tIns="45000" bIns="45000">
+          <a:bodyPr lIns="90000" rIns="90000" tIns="45000" bIns="45000" anchor="t">
             <a:noAutofit/>
           </a:bodyPr>
           <a:p>
@@ -7899,7 +9399,10 @@
               </a:rPr>
               <a:t>Literature</a:t>
             </a:r>
-            <a:endParaRPr b="0" lang="en-US" sz="2400" spc="-1" strike="noStrike">
+            <a:endParaRPr b="0" lang="en-GB" sz="2400" spc="-1" strike="noStrike">
+              <a:solidFill>
+                <a:srgbClr val="000000"/>
+              </a:solidFill>
               <a:latin typeface="Arial"/>
             </a:endParaRPr>
           </a:p>
@@ -7914,13 +9417,13 @@
         <p:spPr>
           <a:xfrm>
             <a:off x="335520" y="1268640"/>
-            <a:ext cx="10746000" cy="5033520"/>
+            <a:ext cx="10745640" cy="5033160"/>
           </a:xfrm>
           <a:prstGeom prst="rect">
             <a:avLst/>
           </a:prstGeom>
           <a:noFill/>
-          <a:ln>
+          <a:ln w="0">
             <a:noFill/>
           </a:ln>
         </p:spPr>
@@ -7979,7 +9482,10 @@
               </a:rPr>
               <a:t> need to buy a book to pass the exam.</a:t>
             </a:r>
-            <a:endParaRPr b="0" lang="en-US" sz="1800" spc="-1" strike="noStrike">
+            <a:endParaRPr b="0" lang="en-GB" sz="1800" spc="-1" strike="noStrike">
+              <a:solidFill>
+                <a:srgbClr val="000000"/>
+              </a:solidFill>
               <a:latin typeface="Arial"/>
             </a:endParaRPr>
           </a:p>
@@ -7992,7 +9498,10 @@
                 <a:spcPts val="360"/>
               </a:spcBef>
             </a:pPr>
-            <a:endParaRPr b="0" lang="en-US" sz="1800" spc="-1" strike="noStrike">
+            <a:endParaRPr b="0" lang="en-GB" sz="1800" spc="-1" strike="noStrike">
+              <a:solidFill>
+                <a:srgbClr val="000000"/>
+              </a:solidFill>
               <a:latin typeface="Arial"/>
             </a:endParaRPr>
           </a:p>
@@ -8041,7 +9550,10 @@
               </a:rPr>
               <a:t> (1972).</a:t>
             </a:r>
-            <a:endParaRPr b="0" lang="en-US" sz="1800" spc="-1" strike="noStrike">
+            <a:endParaRPr b="0" lang="en-GB" sz="1800" spc="-1" strike="noStrike">
+              <a:solidFill>
+                <a:srgbClr val="000000"/>
+              </a:solidFill>
               <a:latin typeface="Arial"/>
             </a:endParaRPr>
           </a:p>
@@ -8090,7 +9602,10 @@
               </a:rPr>
               <a:t> (2004).</a:t>
             </a:r>
-            <a:endParaRPr b="0" lang="en-US" sz="1800" spc="-1" strike="noStrike">
+            <a:endParaRPr b="0" lang="en-GB" sz="1800" spc="-1" strike="noStrike">
+              <a:solidFill>
+                <a:srgbClr val="000000"/>
+              </a:solidFill>
               <a:latin typeface="Arial"/>
             </a:endParaRPr>
           </a:p>
@@ -8139,7 +9654,10 @@
               </a:rPr>
               <a:t>(2012).</a:t>
             </a:r>
-            <a:endParaRPr b="0" lang="en-US" sz="1800" spc="-1" strike="noStrike">
+            <a:endParaRPr b="0" lang="en-GB" sz="1800" spc="-1" strike="noStrike">
+              <a:solidFill>
+                <a:srgbClr val="000000"/>
+              </a:solidFill>
               <a:latin typeface="Arial"/>
             </a:endParaRPr>
           </a:p>
@@ -8188,7 +9706,10 @@
               </a:rPr>
               <a:t> (2019).</a:t>
             </a:r>
-            <a:endParaRPr b="0" lang="en-US" sz="1800" spc="-1" strike="noStrike">
+            <a:endParaRPr b="0" lang="en-GB" sz="1800" spc="-1" strike="noStrike">
+              <a:solidFill>
+                <a:srgbClr val="000000"/>
+              </a:solidFill>
               <a:latin typeface="Arial"/>
             </a:endParaRPr>
           </a:p>
@@ -8237,7 +9758,10 @@
               </a:rPr>
               <a:t> (2019)</a:t>
             </a:r>
-            <a:endParaRPr b="0" lang="en-US" sz="1800" spc="-1" strike="noStrike">
+            <a:endParaRPr b="0" lang="en-GB" sz="1800" spc="-1" strike="noStrike">
+              <a:solidFill>
+                <a:srgbClr val="000000"/>
+              </a:solidFill>
               <a:latin typeface="Arial"/>
             </a:endParaRPr>
           </a:p>
@@ -8286,7 +9810,10 @@
               </a:rPr>
               <a:t> (2011).</a:t>
             </a:r>
-            <a:endParaRPr b="0" lang="en-US" sz="1800" spc="-1" strike="noStrike">
+            <a:endParaRPr b="0" lang="en-GB" sz="1800" spc="-1" strike="noStrike">
+              <a:solidFill>
+                <a:srgbClr val="000000"/>
+              </a:solidFill>
               <a:latin typeface="Arial"/>
             </a:endParaRPr>
           </a:p>
@@ -8335,7 +9862,10 @@
               </a:rPr>
               <a:t> (2017).</a:t>
             </a:r>
-            <a:endParaRPr b="0" lang="en-US" sz="1800" spc="-1" strike="noStrike">
+            <a:endParaRPr b="0" lang="en-GB" sz="1800" spc="-1" strike="noStrike">
+              <a:solidFill>
+                <a:srgbClr val="000000"/>
+              </a:solidFill>
               <a:latin typeface="Arial"/>
             </a:endParaRPr>
           </a:p>
@@ -8384,7 +9914,10 @@
               </a:rPr>
               <a:t> (2020).</a:t>
             </a:r>
-            <a:endParaRPr b="0" lang="en-US" sz="1800" spc="-1" strike="noStrike">
+            <a:endParaRPr b="0" lang="en-GB" sz="1800" spc="-1" strike="noStrike">
+              <a:solidFill>
+                <a:srgbClr val="000000"/>
+              </a:solidFill>
               <a:latin typeface="Arial"/>
             </a:endParaRPr>
           </a:p>
@@ -8433,7 +9966,10 @@
               </a:rPr>
               <a:t> (2017).</a:t>
             </a:r>
-            <a:endParaRPr b="0" lang="en-US" sz="1800" spc="-1" strike="noStrike">
+            <a:endParaRPr b="0" lang="en-GB" sz="1800" spc="-1" strike="noStrike">
+              <a:solidFill>
+                <a:srgbClr val="000000"/>
+              </a:solidFill>
               <a:latin typeface="Arial"/>
             </a:endParaRPr>
           </a:p>
@@ -8478,13 +10014,13 @@
         <p:spPr>
           <a:xfrm>
             <a:off x="335520" y="764640"/>
-            <a:ext cx="10746000" cy="496800"/>
+            <a:ext cx="10745640" cy="496440"/>
           </a:xfrm>
           <a:prstGeom prst="rect">
             <a:avLst/>
           </a:prstGeom>
           <a:noFill/>
-          <a:ln>
+          <a:ln w="0">
             <a:noFill/>
           </a:ln>
         </p:spPr>
@@ -8495,7 +10031,7 @@
           <a:fontRef idx="minor"/>
         </p:style>
         <p:txBody>
-          <a:bodyPr lIns="90000" rIns="90000" tIns="45000" bIns="45000">
+          <a:bodyPr lIns="90000" rIns="90000" tIns="45000" bIns="45000" anchor="t">
             <a:noAutofit/>
           </a:bodyPr>
           <a:p>
@@ -8514,7 +10050,10 @@
               </a:rPr>
               <a:t>Literature</a:t>
             </a:r>
-            <a:endParaRPr b="0" lang="en-US" sz="2400" spc="-1" strike="noStrike">
+            <a:endParaRPr b="0" lang="en-GB" sz="2400" spc="-1" strike="noStrike">
+              <a:solidFill>
+                <a:srgbClr val="000000"/>
+              </a:solidFill>
               <a:latin typeface="Arial"/>
             </a:endParaRPr>
           </a:p>
@@ -8529,13 +10068,13 @@
         <p:spPr>
           <a:xfrm>
             <a:off x="335520" y="1268640"/>
-            <a:ext cx="10746000" cy="5033520"/>
+            <a:ext cx="10745640" cy="5033160"/>
           </a:xfrm>
           <a:prstGeom prst="rect">
             <a:avLst/>
           </a:prstGeom>
           <a:noFill/>
-          <a:ln>
+          <a:ln w="0">
             <a:noFill/>
           </a:ln>
         </p:spPr>
@@ -8594,7 +10133,10 @@
               </a:rPr>
               <a:t> (2019).</a:t>
             </a:r>
-            <a:endParaRPr b="0" lang="en-US" sz="1800" spc="-1" strike="noStrike">
+            <a:endParaRPr b="0" lang="en-GB" sz="1800" spc="-1" strike="noStrike">
+              <a:solidFill>
+                <a:srgbClr val="000000"/>
+              </a:solidFill>
               <a:latin typeface="Arial"/>
             </a:endParaRPr>
           </a:p>
@@ -8643,7 +10185,10 @@
               </a:rPr>
               <a:t> (2010).</a:t>
             </a:r>
-            <a:endParaRPr b="0" lang="en-US" sz="1800" spc="-1" strike="noStrike">
+            <a:endParaRPr b="0" lang="en-GB" sz="1800" spc="-1" strike="noStrike">
+              <a:solidFill>
+                <a:srgbClr val="000000"/>
+              </a:solidFill>
               <a:latin typeface="Arial"/>
             </a:endParaRPr>
           </a:p>
@@ -8692,7 +10237,10 @@
               </a:rPr>
               <a:t> (2008).</a:t>
             </a:r>
-            <a:endParaRPr b="0" lang="en-US" sz="1800" spc="-1" strike="noStrike">
+            <a:endParaRPr b="0" lang="en-GB" sz="1800" spc="-1" strike="noStrike">
+              <a:solidFill>
+                <a:srgbClr val="000000"/>
+              </a:solidFill>
               <a:latin typeface="Arial"/>
             </a:endParaRPr>
           </a:p>
@@ -8737,13 +10285,13 @@
         <p:spPr>
           <a:xfrm>
             <a:off x="335520" y="764640"/>
-            <a:ext cx="10746000" cy="496800"/>
+            <a:ext cx="10745640" cy="496440"/>
           </a:xfrm>
           <a:prstGeom prst="rect">
             <a:avLst/>
           </a:prstGeom>
           <a:noFill/>
-          <a:ln>
+          <a:ln w="0">
             <a:noFill/>
           </a:ln>
         </p:spPr>
@@ -8754,7 +10302,7 @@
           <a:fontRef idx="minor"/>
         </p:style>
         <p:txBody>
-          <a:bodyPr lIns="90000" rIns="90000" tIns="45000" bIns="45000">
+          <a:bodyPr lIns="90000" rIns="90000" tIns="45000" bIns="45000" anchor="t">
             <a:noAutofit/>
           </a:bodyPr>
           <a:p>
@@ -8773,7 +10321,10 @@
               </a:rPr>
               <a:t>Further Resources </a:t>
             </a:r>
-            <a:endParaRPr b="0" lang="en-US" sz="2400" spc="-1" strike="noStrike">
+            <a:endParaRPr b="0" lang="en-GB" sz="2400" spc="-1" strike="noStrike">
+              <a:solidFill>
+                <a:srgbClr val="000000"/>
+              </a:solidFill>
               <a:latin typeface="Arial"/>
             </a:endParaRPr>
           </a:p>
@@ -8788,13 +10339,13 @@
         <p:spPr>
           <a:xfrm>
             <a:off x="335520" y="1268640"/>
-            <a:ext cx="10742760" cy="5030280"/>
+            <a:ext cx="10742400" cy="5029920"/>
           </a:xfrm>
           <a:prstGeom prst="rect">
             <a:avLst/>
           </a:prstGeom>
           <a:noFill/>
-          <a:ln>
+          <a:ln w="0">
             <a:noFill/>
           </a:ln>
         </p:spPr>
@@ -8845,7 +10396,10 @@
               </a:rPr>
               <a:t>Link</a:t>
             </a:r>
-            <a:endParaRPr b="0" lang="en-US" sz="1800" spc="-1" strike="noStrike">
+            <a:endParaRPr b="0" lang="en-GB" sz="1800" spc="-1" strike="noStrike">
+              <a:solidFill>
+                <a:srgbClr val="000000"/>
+              </a:solidFill>
               <a:latin typeface="Arial"/>
             </a:endParaRPr>
           </a:p>
@@ -8896,7 +10450,10 @@
               </a:rPr>
               <a:t> </a:t>
             </a:r>
-            <a:endParaRPr b="0" lang="en-US" sz="1800" spc="-1" strike="noStrike">
+            <a:endParaRPr b="0" lang="en-GB" sz="1800" spc="-1" strike="noStrike">
+              <a:solidFill>
+                <a:srgbClr val="000000"/>
+              </a:solidFill>
               <a:latin typeface="Arial"/>
             </a:endParaRPr>
           </a:p>
@@ -8937,7 +10494,10 @@
               </a:rPr>
               <a:t>Link</a:t>
             </a:r>
-            <a:endParaRPr b="0" lang="en-US" sz="1800" spc="-1" strike="noStrike">
+            <a:endParaRPr b="0" lang="en-GB" sz="1800" spc="-1" strike="noStrike">
+              <a:solidFill>
+                <a:srgbClr val="000000"/>
+              </a:solidFill>
               <a:latin typeface="Arial"/>
             </a:endParaRPr>
           </a:p>
@@ -8950,7 +10510,10 @@
                 <a:spcPts val="360"/>
               </a:spcBef>
             </a:pPr>
-            <a:endParaRPr b="0" lang="en-US" sz="1800" spc="-1" strike="noStrike">
+            <a:endParaRPr b="0" lang="en-GB" sz="1800" spc="-1" strike="noStrike">
+              <a:solidFill>
+                <a:srgbClr val="000000"/>
+              </a:solidFill>
               <a:latin typeface="Arial"/>
             </a:endParaRPr>
           </a:p>
@@ -8979,7 +10542,10 @@
               </a:rPr>
               <a:t>Podcasts:</a:t>
             </a:r>
-            <a:endParaRPr b="0" lang="en-US" sz="1800" spc="-1" strike="noStrike">
+            <a:endParaRPr b="0" lang="en-GB" sz="1800" spc="-1" strike="noStrike">
+              <a:solidFill>
+                <a:srgbClr val="000000"/>
+              </a:solidFill>
               <a:latin typeface="Arial"/>
             </a:endParaRPr>
           </a:p>
@@ -9027,7 +10593,10 @@
               </a:rPr>
               <a:t>)</a:t>
             </a:r>
-            <a:endParaRPr b="0" lang="en-US" sz="1800" spc="-1" strike="noStrike">
+            <a:endParaRPr b="0" lang="en-GB" sz="1800" spc="-1" strike="noStrike">
+              <a:solidFill>
+                <a:srgbClr val="000000"/>
+              </a:solidFill>
               <a:latin typeface="Arial"/>
             </a:endParaRPr>
           </a:p>
@@ -9078,7 +10647,10 @@
               </a:rPr>
               <a:t>)</a:t>
             </a:r>
-            <a:endParaRPr b="0" lang="en-US" sz="1800" spc="-1" strike="noStrike">
+            <a:endParaRPr b="0" lang="en-GB" sz="1800" spc="-1" strike="noStrike">
+              <a:solidFill>
+                <a:srgbClr val="000000"/>
+              </a:solidFill>
               <a:latin typeface="Arial"/>
             </a:endParaRPr>
           </a:p>
@@ -9129,7 +10701,10 @@
               </a:rPr>
               <a:t>)</a:t>
             </a:r>
-            <a:endParaRPr b="0" lang="en-US" sz="1800" spc="-1" strike="noStrike">
+            <a:endParaRPr b="0" lang="en-GB" sz="1800" spc="-1" strike="noStrike">
+              <a:solidFill>
+                <a:srgbClr val="000000"/>
+              </a:solidFill>
               <a:latin typeface="Arial"/>
             </a:endParaRPr>
           </a:p>
@@ -9174,13 +10749,13 @@
         <p:spPr>
           <a:xfrm>
             <a:off x="335520" y="1268640"/>
-            <a:ext cx="10746000" cy="5033520"/>
+            <a:ext cx="10745640" cy="5033160"/>
           </a:xfrm>
           <a:prstGeom prst="rect">
             <a:avLst/>
           </a:prstGeom>
           <a:noFill/>
-          <a:ln>
+          <a:ln w="0">
             <a:noFill/>
           </a:ln>
         </p:spPr>
@@ -9216,7 +10791,10 @@
               </a:rPr>
               <a:t>Questions?</a:t>
             </a:r>
-            <a:endParaRPr b="0" lang="en-US" sz="4000" spc="-1" strike="noStrike">
+            <a:endParaRPr b="0" lang="en-GB" sz="4000" spc="-1" strike="noStrike">
+              <a:solidFill>
+                <a:srgbClr val="000000"/>
+              </a:solidFill>
               <a:latin typeface="Arial"/>
             </a:endParaRPr>
           </a:p>
@@ -9231,13 +10809,13 @@
         <p:spPr>
           <a:xfrm>
             <a:off x="335520" y="764640"/>
-            <a:ext cx="10746000" cy="496800"/>
+            <a:ext cx="10745640" cy="496440"/>
           </a:xfrm>
           <a:prstGeom prst="rect">
             <a:avLst/>
           </a:prstGeom>
           <a:noFill/>
-          <a:ln>
+          <a:ln w="0">
             <a:noFill/>
           </a:ln>
         </p:spPr>
@@ -9247,6 +10825,19 @@
           <a:effectRef idx="0"/>
           <a:fontRef idx="minor"/>
         </p:style>
+        <p:txBody>
+          <a:bodyPr lIns="90000" rIns="90000" tIns="45000" bIns="45000" anchor="t">
+            <a:noAutofit/>
+          </a:bodyPr>
+          <a:p>
+            <a:endParaRPr b="0" lang="en-GB" sz="1800" spc="-1" strike="noStrike">
+              <a:solidFill>
+                <a:srgbClr val="000000"/>
+              </a:solidFill>
+              <a:latin typeface="Arial"/>
+            </a:endParaRPr>
+          </a:p>
+        </p:txBody>
       </p:sp>
     </p:spTree>
   </p:cSld>
@@ -9287,13 +10878,13 @@
         <p:spPr>
           <a:xfrm>
             <a:off x="335520" y="764640"/>
-            <a:ext cx="10740240" cy="491040"/>
+            <a:ext cx="10739880" cy="490680"/>
           </a:xfrm>
           <a:prstGeom prst="rect">
             <a:avLst/>
           </a:prstGeom>
           <a:noFill/>
-          <a:ln>
+          <a:ln w="0">
             <a:noFill/>
           </a:ln>
         </p:spPr>
@@ -9304,7 +10895,7 @@
           <a:fontRef idx="minor"/>
         </p:style>
         <p:txBody>
-          <a:bodyPr lIns="90000" rIns="90000" tIns="45000" bIns="45000">
+          <a:bodyPr lIns="90000" rIns="90000" tIns="45000" bIns="45000" anchor="t">
             <a:noAutofit/>
           </a:bodyPr>
           <a:p>
@@ -9323,7 +10914,10 @@
               </a:rPr>
               <a:t>License</a:t>
             </a:r>
-            <a:endParaRPr b="0" lang="en-US" sz="2400" spc="-1" strike="noStrike">
+            <a:endParaRPr b="0" lang="en-GB" sz="2400" spc="-1" strike="noStrike">
+              <a:solidFill>
+                <a:srgbClr val="000000"/>
+              </a:solidFill>
               <a:latin typeface="Arial"/>
             </a:endParaRPr>
           </a:p>
@@ -9338,13 +10932,13 @@
         <p:spPr>
           <a:xfrm>
             <a:off x="335520" y="1268280"/>
-            <a:ext cx="10740240" cy="5027760"/>
+            <a:ext cx="10739880" cy="5027400"/>
           </a:xfrm>
           <a:prstGeom prst="rect">
             <a:avLst/>
           </a:prstGeom>
           <a:noFill/>
-          <a:ln>
+          <a:ln w="0">
             <a:noFill/>
           </a:ln>
         </p:spPr>
@@ -9364,7 +10958,10 @@
                 <a:spcPct val="100000"/>
               </a:lnSpc>
             </a:pPr>
-            <a:endParaRPr b="0" lang="en-US" sz="1800" spc="-1" strike="noStrike">
+            <a:endParaRPr b="0" lang="en-GB" sz="1800" spc="-1" strike="noStrike">
+              <a:solidFill>
+                <a:srgbClr val="000000"/>
+              </a:solidFill>
               <a:latin typeface="Arial"/>
             </a:endParaRPr>
           </a:p>
@@ -9435,7 +11032,10 @@
               </a:rPr>
               <a:t> .</a:t>
             </a:r>
-            <a:endParaRPr b="0" lang="en-US" sz="1800" spc="-1" strike="noStrike">
+            <a:endParaRPr b="0" lang="en-GB" sz="1800" spc="-1" strike="noStrike">
+              <a:solidFill>
+                <a:srgbClr val="000000"/>
+              </a:solidFill>
               <a:latin typeface="Arial"/>
             </a:endParaRPr>
           </a:p>
@@ -9448,7 +11048,10 @@
                 <a:spcPts val="360"/>
               </a:spcBef>
             </a:pPr>
-            <a:endParaRPr b="0" lang="en-US" sz="1800" spc="-1" strike="noStrike">
+            <a:endParaRPr b="0" lang="en-GB" sz="1800" spc="-1" strike="noStrike">
+              <a:solidFill>
+                <a:srgbClr val="000000"/>
+              </a:solidFill>
               <a:latin typeface="Arial"/>
             </a:endParaRPr>
           </a:p>
@@ -9499,7 +11102,10 @@
               </a:rPr>
               <a:t>.</a:t>
             </a:r>
-            <a:endParaRPr b="0" lang="en-US" sz="1800" spc="-1" strike="noStrike">
+            <a:endParaRPr b="0" lang="en-GB" sz="1800" spc="-1" strike="noStrike">
+              <a:solidFill>
+                <a:srgbClr val="000000"/>
+              </a:solidFill>
               <a:latin typeface="Arial"/>
             </a:endParaRPr>
           </a:p>
@@ -9512,7 +11118,10 @@
                 <a:spcPts val="360"/>
               </a:spcBef>
             </a:pPr>
-            <a:endParaRPr b="0" lang="en-US" sz="1800" spc="-1" strike="noStrike">
+            <a:endParaRPr b="0" lang="en-GB" sz="1800" spc="-1" strike="noStrike">
+              <a:solidFill>
+                <a:srgbClr val="000000"/>
+              </a:solidFill>
               <a:latin typeface="Arial"/>
             </a:endParaRPr>
           </a:p>
@@ -9557,13 +11166,13 @@
         <p:spPr>
           <a:xfrm>
             <a:off x="335520" y="764640"/>
-            <a:ext cx="10746000" cy="496800"/>
+            <a:ext cx="10745640" cy="496440"/>
           </a:xfrm>
           <a:prstGeom prst="rect">
             <a:avLst/>
           </a:prstGeom>
           <a:noFill/>
-          <a:ln>
+          <a:ln w="0">
             <a:noFill/>
           </a:ln>
         </p:spPr>
@@ -9574,7 +11183,7 @@
           <a:fontRef idx="minor"/>
         </p:style>
         <p:txBody>
-          <a:bodyPr lIns="90000" rIns="90000" tIns="45000" bIns="45000">
+          <a:bodyPr lIns="90000" rIns="90000" tIns="45000" bIns="45000" anchor="t">
             <a:noAutofit/>
           </a:bodyPr>
           <a:p>
@@ -9593,7 +11202,10 @@
               </a:rPr>
               <a:t>Team</a:t>
             </a:r>
-            <a:endParaRPr b="0" lang="en-US" sz="2400" spc="-1" strike="noStrike">
+            <a:endParaRPr b="0" lang="en-GB" sz="2400" spc="-1" strike="noStrike">
+              <a:solidFill>
+                <a:srgbClr val="000000"/>
+              </a:solidFill>
               <a:latin typeface="Arial"/>
             </a:endParaRPr>
           </a:p>
@@ -9612,12 +11224,12 @@
         <p:spPr>
           <a:xfrm>
             <a:off x="2374920" y="2133000"/>
-            <a:ext cx="1468800" cy="2170080"/>
-          </a:xfrm>
-          <a:prstGeom prst="rect">
-            <a:avLst/>
-          </a:prstGeom>
-          <a:ln>
+            <a:ext cx="1468440" cy="2169720"/>
+          </a:xfrm>
+          <a:prstGeom prst="rect">
+            <a:avLst/>
+          </a:prstGeom>
+          <a:ln w="0">
             <a:noFill/>
           </a:ln>
         </p:spPr>
@@ -9635,12 +11247,12 @@
         <p:spPr>
           <a:xfrm>
             <a:off x="6960240" y="2525760"/>
-            <a:ext cx="1782720" cy="1774800"/>
-          </a:xfrm>
-          <a:prstGeom prst="rect">
-            <a:avLst/>
-          </a:prstGeom>
-          <a:ln>
+            <a:ext cx="1782360" cy="1774440"/>
+          </a:xfrm>
+          <a:prstGeom prst="rect">
+            <a:avLst/>
+          </a:prstGeom>
+          <a:ln w="0">
             <a:noFill/>
           </a:ln>
         </p:spPr>
@@ -9654,13 +11266,13 @@
         <p:spPr>
           <a:xfrm>
             <a:off x="1310400" y="4249080"/>
-            <a:ext cx="3633480" cy="675000"/>
+            <a:ext cx="3633120" cy="674640"/>
           </a:xfrm>
           <a:prstGeom prst="rect">
             <a:avLst/>
           </a:prstGeom>
           <a:noFill/>
-          <a:ln>
+          <a:ln w="0">
             <a:noFill/>
           </a:ln>
         </p:spPr>
@@ -9693,7 +11305,10 @@
               </a:rPr>
               <a:t>Prof. Dr. Benjamin Leiding</a:t>
             </a:r>
-            <a:endParaRPr b="0" lang="en-US" sz="1600" spc="-1" strike="noStrike">
+            <a:endParaRPr b="0" lang="en-GB" sz="1600" spc="-1" strike="noStrike">
+              <a:solidFill>
+                <a:srgbClr val="000000"/>
+              </a:solidFill>
               <a:latin typeface="Arial"/>
             </a:endParaRPr>
           </a:p>
@@ -9716,7 +11331,10 @@
               </a:rPr>
               <a:t>benjamin.leiding@tu-clausthal.de</a:t>
             </a:r>
-            <a:endParaRPr b="0" lang="en-US" sz="1200" spc="-1" strike="noStrike">
+            <a:endParaRPr b="0" lang="en-GB" sz="1200" spc="-1" strike="noStrike">
+              <a:solidFill>
+                <a:srgbClr val="000000"/>
+              </a:solidFill>
               <a:latin typeface="Arial"/>
             </a:endParaRPr>
           </a:p>
@@ -9731,13 +11349,13 @@
         <p:spPr>
           <a:xfrm>
             <a:off x="6013080" y="4269960"/>
-            <a:ext cx="3633480" cy="675000"/>
+            <a:ext cx="3633120" cy="674640"/>
           </a:xfrm>
           <a:prstGeom prst="rect">
             <a:avLst/>
           </a:prstGeom>
           <a:noFill/>
-          <a:ln>
+          <a:ln w="0">
             <a:noFill/>
           </a:ln>
         </p:spPr>
@@ -9770,7 +11388,10 @@
               </a:rPr>
               <a:t>M.Sc. Anant Sujatanagarjuna</a:t>
             </a:r>
-            <a:endParaRPr b="0" lang="en-US" sz="1600" spc="-1" strike="noStrike">
+            <a:endParaRPr b="0" lang="en-GB" sz="1600" spc="-1" strike="noStrike">
+              <a:solidFill>
+                <a:srgbClr val="000000"/>
+              </a:solidFill>
               <a:latin typeface="Arial"/>
             </a:endParaRPr>
           </a:p>
@@ -9793,7 +11414,10 @@
               </a:rPr>
               <a:t>anant.sujatanagarjuna@tu-clausthal.de</a:t>
             </a:r>
-            <a:endParaRPr b="0" lang="en-US" sz="1200" spc="-1" strike="noStrike">
+            <a:endParaRPr b="0" lang="en-GB" sz="1200" spc="-1" strike="noStrike">
+              <a:solidFill>
+                <a:srgbClr val="000000"/>
+              </a:solidFill>
               <a:latin typeface="Arial"/>
             </a:endParaRPr>
           </a:p>
@@ -9838,13 +11462,13 @@
         <p:spPr>
           <a:xfrm>
             <a:off x="542880" y="721800"/>
-            <a:ext cx="10351800" cy="492480"/>
+            <a:ext cx="10351440" cy="492120"/>
           </a:xfrm>
           <a:prstGeom prst="rect">
             <a:avLst/>
           </a:prstGeom>
           <a:noFill/>
-          <a:ln>
+          <a:ln w="0">
             <a:noFill/>
           </a:ln>
         </p:spPr>
@@ -9874,7 +11498,10 @@
               </a:rPr>
               <a:t>Research Group</a:t>
             </a:r>
-            <a:endParaRPr b="0" lang="en-US" sz="2200" spc="-1" strike="noStrike">
+            <a:endParaRPr b="0" lang="en-GB" sz="2200" spc="-1" strike="noStrike">
+              <a:solidFill>
+                <a:srgbClr val="000000"/>
+              </a:solidFill>
               <a:latin typeface="Arial"/>
             </a:endParaRPr>
           </a:p>
@@ -9889,7 +11516,7 @@
         <p:spPr>
           <a:xfrm>
             <a:off x="451800" y="1709280"/>
-            <a:ext cx="8219160" cy="4347360"/>
+            <a:ext cx="8218800" cy="4347000"/>
           </a:xfrm>
           <a:prstGeom prst="rect">
             <a:avLst/>
@@ -9905,6 +11532,19 @@
           <a:effectRef idx="0"/>
           <a:fontRef idx="minor"/>
         </p:style>
+        <p:txBody>
+          <a:bodyPr lIns="90000" rIns="90000" tIns="45000" bIns="45000" anchor="t">
+            <a:noAutofit/>
+          </a:bodyPr>
+          <a:p>
+            <a:endParaRPr b="0" lang="en-GB" sz="1800" spc="-1" strike="noStrike">
+              <a:solidFill>
+                <a:srgbClr val="000000"/>
+              </a:solidFill>
+              <a:latin typeface="Arial"/>
+            </a:endParaRPr>
+          </a:p>
+        </p:txBody>
       </p:sp>
       <p:sp>
         <p:nvSpPr>
@@ -9915,13 +11555,13 @@
         <p:spPr>
           <a:xfrm>
             <a:off x="609480" y="1769400"/>
-            <a:ext cx="10582200" cy="4850280"/>
+            <a:ext cx="10581840" cy="4849920"/>
           </a:xfrm>
           <a:prstGeom prst="rect">
             <a:avLst/>
           </a:prstGeom>
           <a:noFill/>
-          <a:ln>
+          <a:ln w="0">
             <a:noFill/>
           </a:ln>
         </p:spPr>
@@ -10040,7 +11680,10 @@
               </a:rPr>
               <a:t>ETCE</a:t>
             </a:r>
-            <a:endParaRPr b="0" lang="en-US" sz="2000" spc="-1" strike="noStrike">
+            <a:endParaRPr b="0" lang="en-GB" sz="2000" spc="-1" strike="noStrike">
+              <a:solidFill>
+                <a:srgbClr val="000000"/>
+              </a:solidFill>
               <a:latin typeface="Arial"/>
             </a:endParaRPr>
           </a:p>
@@ -10069,7 +11712,10 @@
               </a:rPr>
               <a:t>Research focus:</a:t>
             </a:r>
-            <a:endParaRPr b="0" lang="en-US" sz="2000" spc="-1" strike="noStrike">
+            <a:endParaRPr b="0" lang="en-GB" sz="2000" spc="-1" strike="noStrike">
+              <a:solidFill>
+                <a:srgbClr val="000000"/>
+              </a:solidFill>
               <a:latin typeface="Arial"/>
             </a:endParaRPr>
           </a:p>
@@ -10098,7 +11744,10 @@
               </a:rPr>
               <a:t>Intersection of IT and sustainability</a:t>
             </a:r>
-            <a:endParaRPr b="0" lang="en-US" sz="1800" spc="-1" strike="noStrike">
+            <a:endParaRPr b="0" lang="en-GB" sz="1800" spc="-1" strike="noStrike">
+              <a:solidFill>
+                <a:srgbClr val="000000"/>
+              </a:solidFill>
               <a:latin typeface="Arial"/>
             </a:endParaRPr>
           </a:p>
@@ -10127,7 +11776,10 @@
               </a:rPr>
               <a:t>Circular Economy</a:t>
             </a:r>
-            <a:endParaRPr b="0" lang="en-US" sz="1800" spc="-1" strike="noStrike">
+            <a:endParaRPr b="0" lang="en-GB" sz="1800" spc="-1" strike="noStrike">
+              <a:solidFill>
+                <a:srgbClr val="000000"/>
+              </a:solidFill>
               <a:latin typeface="Arial"/>
             </a:endParaRPr>
           </a:p>
@@ -10156,7 +11808,10 @@
               </a:rPr>
               <a:t>Self-organized, decentralized and distributed systems</a:t>
             </a:r>
-            <a:endParaRPr b="0" lang="en-US" sz="1800" spc="-1" strike="noStrike">
+            <a:endParaRPr b="0" lang="en-GB" sz="1800" spc="-1" strike="noStrike">
+              <a:solidFill>
+                <a:srgbClr val="000000"/>
+              </a:solidFill>
               <a:latin typeface="Arial"/>
             </a:endParaRPr>
           </a:p>
@@ -10185,7 +11840,10 @@
               </a:rPr>
               <a:t>Machine-to-Everything Economy (M2X Economy)</a:t>
             </a:r>
-            <a:endParaRPr b="0" lang="en-US" sz="1800" spc="-1" strike="noStrike">
+            <a:endParaRPr b="0" lang="en-GB" sz="1800" spc="-1" strike="noStrike">
+              <a:solidFill>
+                <a:srgbClr val="000000"/>
+              </a:solidFill>
               <a:latin typeface="Arial"/>
             </a:endParaRPr>
           </a:p>
@@ -10214,7 +11872,10 @@
               </a:rPr>
               <a:t>Other courses:</a:t>
             </a:r>
-            <a:endParaRPr b="0" lang="en-US" sz="2000" spc="-1" strike="noStrike">
+            <a:endParaRPr b="0" lang="en-GB" sz="2000" spc="-1" strike="noStrike">
+              <a:solidFill>
+                <a:srgbClr val="000000"/>
+              </a:solidFill>
               <a:latin typeface="Arial"/>
             </a:endParaRPr>
           </a:p>
@@ -10243,7 +11904,10 @@
               </a:rPr>
               <a:t>Emerging Technologies for the Circular Economy (SS – M.Sc.)</a:t>
             </a:r>
-            <a:endParaRPr b="0" lang="en-US" sz="1800" spc="-1" strike="noStrike">
+            <a:endParaRPr b="0" lang="en-GB" sz="1800" spc="-1" strike="noStrike">
+              <a:solidFill>
+                <a:srgbClr val="000000"/>
+              </a:solidFill>
               <a:latin typeface="Arial"/>
             </a:endParaRPr>
           </a:p>
@@ -10272,7 +11936,10 @@
               </a:rPr>
               <a:t>Requirements Engineering (WS – M.Sc.)</a:t>
             </a:r>
-            <a:endParaRPr b="0" lang="en-US" sz="1800" spc="-1" strike="noStrike">
+            <a:endParaRPr b="0" lang="en-GB" sz="1800" spc="-1" strike="noStrike">
+              <a:solidFill>
+                <a:srgbClr val="000000"/>
+              </a:solidFill>
               <a:latin typeface="Arial"/>
             </a:endParaRPr>
           </a:p>
@@ -10317,13 +11984,13 @@
         <p:spPr>
           <a:xfrm>
             <a:off x="542880" y="721800"/>
-            <a:ext cx="10351800" cy="492480"/>
+            <a:ext cx="10351440" cy="492120"/>
           </a:xfrm>
           <a:prstGeom prst="rect">
             <a:avLst/>
           </a:prstGeom>
           <a:noFill/>
-          <a:ln>
+          <a:ln w="0">
             <a:noFill/>
           </a:ln>
         </p:spPr>
@@ -10353,7 +12020,10 @@
               </a:rPr>
               <a:t>Research Group</a:t>
             </a:r>
-            <a:endParaRPr b="0" lang="en-US" sz="2200" spc="-1" strike="noStrike">
+            <a:endParaRPr b="0" lang="en-GB" sz="2200" spc="-1" strike="noStrike">
+              <a:solidFill>
+                <a:srgbClr val="000000"/>
+              </a:solidFill>
               <a:latin typeface="Arial"/>
             </a:endParaRPr>
           </a:p>
@@ -10368,7 +12038,7 @@
         <p:spPr>
           <a:xfrm>
             <a:off x="451800" y="1709280"/>
-            <a:ext cx="8219160" cy="4347360"/>
+            <a:ext cx="8218800" cy="4347000"/>
           </a:xfrm>
           <a:prstGeom prst="rect">
             <a:avLst/>
@@ -10384,6 +12054,19 @@
           <a:effectRef idx="0"/>
           <a:fontRef idx="minor"/>
         </p:style>
+        <p:txBody>
+          <a:bodyPr lIns="90000" rIns="90000" tIns="45000" bIns="45000" anchor="t">
+            <a:noAutofit/>
+          </a:bodyPr>
+          <a:p>
+            <a:endParaRPr b="0" lang="en-GB" sz="1800" spc="-1" strike="noStrike">
+              <a:solidFill>
+                <a:srgbClr val="000000"/>
+              </a:solidFill>
+              <a:latin typeface="Arial"/>
+            </a:endParaRPr>
+          </a:p>
+        </p:txBody>
       </p:sp>
       <p:sp>
         <p:nvSpPr>
@@ -10394,13 +12077,13 @@
         <p:spPr>
           <a:xfrm>
             <a:off x="609480" y="1769400"/>
-            <a:ext cx="10582200" cy="4850280"/>
+            <a:ext cx="10581840" cy="4849920"/>
           </a:xfrm>
           <a:prstGeom prst="rect">
             <a:avLst/>
           </a:prstGeom>
           <a:noFill/>
-          <a:ln>
+          <a:ln w="0">
             <a:noFill/>
           </a:ln>
         </p:spPr>
@@ -10461,7 +12144,10 @@
               </a:rPr>
               <a:t> </a:t>
             </a:r>
-            <a:endParaRPr b="0" lang="en-US" sz="2000" spc="-1" strike="noStrike">
+            <a:endParaRPr b="0" lang="en-GB" sz="2000" spc="-1" strike="noStrike">
+              <a:solidFill>
+                <a:srgbClr val="000000"/>
+              </a:solidFill>
               <a:latin typeface="Arial"/>
             </a:endParaRPr>
           </a:p>
@@ -10490,7 +12176,10 @@
               </a:rPr>
               <a:t>Course material </a:t>
             </a:r>
-            <a:endParaRPr b="0" lang="en-US" sz="1800" spc="-1" strike="noStrike">
+            <a:endParaRPr b="0" lang="en-GB" sz="1800" spc="-1" strike="noStrike">
+              <a:solidFill>
+                <a:srgbClr val="000000"/>
+              </a:solidFill>
               <a:latin typeface="Arial"/>
             </a:endParaRPr>
           </a:p>
@@ -10519,7 +12208,10 @@
               </a:rPr>
               <a:t>Theses/project topics</a:t>
             </a:r>
-            <a:endParaRPr b="0" lang="en-US" sz="1800" spc="-1" strike="noStrike">
+            <a:endParaRPr b="0" lang="en-GB" sz="1800" spc="-1" strike="noStrike">
+              <a:solidFill>
+                <a:srgbClr val="000000"/>
+              </a:solidFill>
               <a:latin typeface="Arial"/>
             </a:endParaRPr>
           </a:p>
@@ -10532,7 +12224,10 @@
                 <a:spcPts val="1009"/>
               </a:spcBef>
             </a:pPr>
-            <a:endParaRPr b="0" lang="en-US" sz="1800" spc="-1" strike="noStrike">
+            <a:endParaRPr b="0" lang="en-GB" sz="1800" spc="-1" strike="noStrike">
+              <a:solidFill>
+                <a:srgbClr val="000000"/>
+              </a:solidFill>
               <a:latin typeface="Arial"/>
             </a:endParaRPr>
           </a:p>
@@ -10564,7 +12259,10 @@
               </a:rPr>
               <a:t>Our research in action:</a:t>
             </a:r>
-            <a:endParaRPr b="0" lang="en-US" sz="2000" spc="-1" strike="noStrike">
+            <a:endParaRPr b="0" lang="en-GB" sz="2000" spc="-1" strike="noStrike">
+              <a:solidFill>
+                <a:srgbClr val="000000"/>
+              </a:solidFill>
               <a:latin typeface="Arial"/>
             </a:endParaRPr>
           </a:p>
@@ -10618,7 +12316,10 @@
               </a:rPr>
               <a:t> </a:t>
             </a:r>
-            <a:endParaRPr b="0" lang="en-US" sz="1800" spc="-1" strike="noStrike">
+            <a:endParaRPr b="0" lang="en-GB" sz="1800" spc="-1" strike="noStrike">
+              <a:solidFill>
+                <a:srgbClr val="000000"/>
+              </a:solidFill>
               <a:latin typeface="Arial"/>
             </a:endParaRPr>
           </a:p>
@@ -10672,7 +12373,10 @@
               </a:rPr>
               <a:t> </a:t>
             </a:r>
-            <a:endParaRPr b="0" lang="en-US" sz="1800" spc="-1" strike="noStrike">
+            <a:endParaRPr b="0" lang="en-GB" sz="1800" spc="-1" strike="noStrike">
+              <a:solidFill>
+                <a:srgbClr val="000000"/>
+              </a:solidFill>
               <a:latin typeface="Arial"/>
             </a:endParaRPr>
           </a:p>
@@ -10688,7 +12392,10 @@
                 <a:tab algn="l" pos="0"/>
               </a:tabLst>
             </a:pPr>
-            <a:endParaRPr b="0" lang="en-US" sz="1800" spc="-1" strike="noStrike">
+            <a:endParaRPr b="0" lang="en-GB" sz="1800" spc="-1" strike="noStrike">
+              <a:solidFill>
+                <a:srgbClr val="000000"/>
+              </a:solidFill>
               <a:latin typeface="Arial"/>
             </a:endParaRPr>
           </a:p>
@@ -10714,7 +12421,10 @@
               </a:rPr>
               <a:t>You want join us? Write us an email! </a:t>
             </a:r>
-            <a:endParaRPr b="0" lang="en-US" sz="2000" spc="-1" strike="noStrike">
+            <a:endParaRPr b="0" lang="en-GB" sz="2000" spc="-1" strike="noStrike">
+              <a:solidFill>
+                <a:srgbClr val="000000"/>
+              </a:solidFill>
               <a:latin typeface="Arial"/>
             </a:endParaRPr>
           </a:p>
@@ -10750,7 +12460,10 @@
               </a:rPr>
               <a:t>benjamin.leiding@tu-clausthal.de</a:t>
             </a:r>
-            <a:endParaRPr b="0" lang="en-US" sz="1600" spc="-1" strike="noStrike">
+            <a:endParaRPr b="0" lang="en-GB" sz="1600" spc="-1" strike="noStrike">
+              <a:solidFill>
+                <a:srgbClr val="000000"/>
+              </a:solidFill>
               <a:latin typeface="Arial"/>
             </a:endParaRPr>
           </a:p>
@@ -10795,13 +12508,13 @@
         <p:spPr>
           <a:xfrm>
             <a:off x="542880" y="721800"/>
-            <a:ext cx="10351800" cy="492480"/>
+            <a:ext cx="10351440" cy="492120"/>
           </a:xfrm>
           <a:prstGeom prst="rect">
             <a:avLst/>
           </a:prstGeom>
           <a:noFill/>
-          <a:ln>
+          <a:ln w="0">
             <a:noFill/>
           </a:ln>
         </p:spPr>
@@ -10831,7 +12544,10 @@
               </a:rPr>
               <a:t>Research Group</a:t>
             </a:r>
-            <a:endParaRPr b="0" lang="en-US" sz="2200" spc="-1" strike="noStrike">
+            <a:endParaRPr b="0" lang="en-GB" sz="2200" spc="-1" strike="noStrike">
+              <a:solidFill>
+                <a:srgbClr val="000000"/>
+              </a:solidFill>
               <a:latin typeface="Arial"/>
             </a:endParaRPr>
           </a:p>
@@ -10846,7 +12562,7 @@
         <p:spPr>
           <a:xfrm>
             <a:off x="451800" y="1709280"/>
-            <a:ext cx="8219160" cy="4347360"/>
+            <a:ext cx="8218800" cy="4347000"/>
           </a:xfrm>
           <a:prstGeom prst="rect">
             <a:avLst/>
@@ -10862,6 +12578,19 @@
           <a:effectRef idx="0"/>
           <a:fontRef idx="minor"/>
         </p:style>
+        <p:txBody>
+          <a:bodyPr lIns="90000" rIns="90000" tIns="45000" bIns="45000" anchor="t">
+            <a:noAutofit/>
+          </a:bodyPr>
+          <a:p>
+            <a:endParaRPr b="0" lang="en-GB" sz="1800" spc="-1" strike="noStrike">
+              <a:solidFill>
+                <a:srgbClr val="000000"/>
+              </a:solidFill>
+              <a:latin typeface="Arial"/>
+            </a:endParaRPr>
+          </a:p>
+        </p:txBody>
       </p:sp>
       <p:sp>
         <p:nvSpPr>
@@ -10872,13 +12601,13 @@
         <p:spPr>
           <a:xfrm>
             <a:off x="609480" y="1769400"/>
-            <a:ext cx="10582200" cy="4850280"/>
+            <a:ext cx="10581840" cy="4849920"/>
           </a:xfrm>
           <a:prstGeom prst="rect">
             <a:avLst/>
           </a:prstGeom>
           <a:noFill/>
-          <a:ln>
+          <a:ln w="0">
             <a:noFill/>
           </a:ln>
         </p:spPr>
@@ -10939,7 +12668,10 @@
               </a:rPr>
               <a:t> </a:t>
             </a:r>
-            <a:endParaRPr b="0" lang="en-US" sz="2000" spc="-1" strike="noStrike">
+            <a:endParaRPr b="0" lang="en-GB" sz="2000" spc="-1" strike="noStrike">
+              <a:solidFill>
+                <a:srgbClr val="000000"/>
+              </a:solidFill>
               <a:latin typeface="Arial"/>
             </a:endParaRPr>
           </a:p>
@@ -10968,7 +12700,10 @@
               </a:rPr>
               <a:t>Course material </a:t>
             </a:r>
-            <a:endParaRPr b="0" lang="en-US" sz="1800" spc="-1" strike="noStrike">
+            <a:endParaRPr b="0" lang="en-GB" sz="1800" spc="-1" strike="noStrike">
+              <a:solidFill>
+                <a:srgbClr val="000000"/>
+              </a:solidFill>
               <a:latin typeface="Arial"/>
             </a:endParaRPr>
           </a:p>
@@ -10997,7 +12732,10 @@
               </a:rPr>
               <a:t>Theses/project topics</a:t>
             </a:r>
-            <a:endParaRPr b="0" lang="en-US" sz="1800" spc="-1" strike="noStrike">
+            <a:endParaRPr b="0" lang="en-GB" sz="1800" spc="-1" strike="noStrike">
+              <a:solidFill>
+                <a:srgbClr val="000000"/>
+              </a:solidFill>
               <a:latin typeface="Arial"/>
             </a:endParaRPr>
           </a:p>
@@ -11010,7 +12748,10 @@
                 <a:spcPts val="1009"/>
               </a:spcBef>
             </a:pPr>
-            <a:endParaRPr b="0" lang="en-US" sz="1800" spc="-1" strike="noStrike">
+            <a:endParaRPr b="0" lang="en-GB" sz="1800" spc="-1" strike="noStrike">
+              <a:solidFill>
+                <a:srgbClr val="000000"/>
+              </a:solidFill>
               <a:latin typeface="Arial"/>
             </a:endParaRPr>
           </a:p>
@@ -11042,7 +12783,10 @@
               </a:rPr>
               <a:t>Our research in action:</a:t>
             </a:r>
-            <a:endParaRPr b="0" lang="en-US" sz="2000" spc="-1" strike="noStrike">
+            <a:endParaRPr b="0" lang="en-GB" sz="2000" spc="-1" strike="noStrike">
+              <a:solidFill>
+                <a:srgbClr val="000000"/>
+              </a:solidFill>
               <a:latin typeface="Arial"/>
             </a:endParaRPr>
           </a:p>
@@ -11096,7 +12840,10 @@
               </a:rPr>
               <a:t> </a:t>
             </a:r>
-            <a:endParaRPr b="0" lang="en-US" sz="1800" spc="-1" strike="noStrike">
+            <a:endParaRPr b="0" lang="en-GB" sz="1800" spc="-1" strike="noStrike">
+              <a:solidFill>
+                <a:srgbClr val="000000"/>
+              </a:solidFill>
               <a:latin typeface="Arial"/>
             </a:endParaRPr>
           </a:p>
@@ -11150,7 +12897,10 @@
               </a:rPr>
               <a:t> </a:t>
             </a:r>
-            <a:endParaRPr b="0" lang="en-US" sz="1800" spc="-1" strike="noStrike">
+            <a:endParaRPr b="0" lang="en-GB" sz="1800" spc="-1" strike="noStrike">
+              <a:solidFill>
+                <a:srgbClr val="000000"/>
+              </a:solidFill>
               <a:latin typeface="Arial"/>
             </a:endParaRPr>
           </a:p>
@@ -11166,7 +12916,10 @@
                 <a:tab algn="l" pos="0"/>
               </a:tabLst>
             </a:pPr>
-            <a:endParaRPr b="0" lang="en-US" sz="1800" spc="-1" strike="noStrike">
+            <a:endParaRPr b="0" lang="en-GB" sz="1800" spc="-1" strike="noStrike">
+              <a:solidFill>
+                <a:srgbClr val="000000"/>
+              </a:solidFill>
               <a:latin typeface="Arial"/>
             </a:endParaRPr>
           </a:p>
@@ -11192,7 +12945,10 @@
               </a:rPr>
               <a:t>You want join us? Write us an email! </a:t>
             </a:r>
-            <a:endParaRPr b="0" lang="en-US" sz="2000" spc="-1" strike="noStrike">
+            <a:endParaRPr b="0" lang="en-GB" sz="2000" spc="-1" strike="noStrike">
+              <a:solidFill>
+                <a:srgbClr val="000000"/>
+              </a:solidFill>
               <a:latin typeface="Arial"/>
             </a:endParaRPr>
           </a:p>
@@ -11228,7 +12984,10 @@
               </a:rPr>
               <a:t>benjamin.leiding@tu-clausthal.de</a:t>
             </a:r>
-            <a:endParaRPr b="0" lang="en-US" sz="1600" spc="-1" strike="noStrike">
+            <a:endParaRPr b="0" lang="en-GB" sz="1600" spc="-1" strike="noStrike">
+              <a:solidFill>
+                <a:srgbClr val="000000"/>
+              </a:solidFill>
               <a:latin typeface="Arial"/>
             </a:endParaRPr>
           </a:p>
@@ -11273,13 +13032,13 @@
         <p:spPr>
           <a:xfrm>
             <a:off x="542880" y="721800"/>
-            <a:ext cx="10351800" cy="492480"/>
+            <a:ext cx="10351440" cy="492120"/>
           </a:xfrm>
           <a:prstGeom prst="rect">
             <a:avLst/>
           </a:prstGeom>
           <a:noFill/>
-          <a:ln>
+          <a:ln w="0">
             <a:noFill/>
           </a:ln>
         </p:spPr>
@@ -11309,7 +13068,10 @@
               </a:rPr>
               <a:t>Course Content</a:t>
             </a:r>
-            <a:endParaRPr b="0" lang="en-US" sz="2200" spc="-1" strike="noStrike">
+            <a:endParaRPr b="0" lang="en-GB" sz="2200" spc="-1" strike="noStrike">
+              <a:solidFill>
+                <a:srgbClr val="000000"/>
+              </a:solidFill>
               <a:latin typeface="Arial"/>
             </a:endParaRPr>
           </a:p>
@@ -11324,7 +13086,7 @@
         <p:spPr>
           <a:xfrm>
             <a:off x="451800" y="1709280"/>
-            <a:ext cx="8219160" cy="4347360"/>
+            <a:ext cx="8218800" cy="4347000"/>
           </a:xfrm>
           <a:prstGeom prst="rect">
             <a:avLst/>
@@ -11340,6 +13102,19 @@
           <a:effectRef idx="0"/>
           <a:fontRef idx="minor"/>
         </p:style>
+        <p:txBody>
+          <a:bodyPr lIns="90000" rIns="90000" tIns="45000" bIns="45000" anchor="t">
+            <a:noAutofit/>
+          </a:bodyPr>
+          <a:p>
+            <a:endParaRPr b="0" lang="en-GB" sz="1800" spc="-1" strike="noStrike">
+              <a:solidFill>
+                <a:srgbClr val="000000"/>
+              </a:solidFill>
+              <a:latin typeface="Arial"/>
+            </a:endParaRPr>
+          </a:p>
+        </p:txBody>
       </p:sp>
       <p:sp>
         <p:nvSpPr>
@@ -11350,13 +13125,13 @@
         <p:spPr>
           <a:xfrm>
             <a:off x="609480" y="1769400"/>
-            <a:ext cx="10582200" cy="4850280"/>
+            <a:ext cx="10581840" cy="4849920"/>
           </a:xfrm>
           <a:prstGeom prst="rect">
             <a:avLst/>
           </a:prstGeom>
           <a:noFill/>
-          <a:ln>
+          <a:ln w="0">
             <a:noFill/>
           </a:ln>
         </p:spPr>
@@ -11393,9 +13168,12 @@
                 <a:latin typeface="DejaVu Sans"/>
                 <a:ea typeface="DejaVu Sans"/>
               </a:rPr>
-              <a:t>Introduction to the circular economy, sustainability, and related concepts (biocapacity, etc.)</a:t>
-            </a:r>
-            <a:endParaRPr b="0" lang="en-US" sz="2000" spc="-1" strike="noStrike">
+              <a:t>Basics of climate change, environmental pollution, and dwindling non-renewable resources</a:t>
+            </a:r>
+            <a:endParaRPr b="0" lang="en-GB" sz="2000" spc="-1" strike="noStrike">
+              <a:solidFill>
+                <a:srgbClr val="000000"/>
+              </a:solidFill>
               <a:latin typeface="Arial"/>
             </a:endParaRPr>
           </a:p>
@@ -11422,9 +13200,12 @@
                 <a:latin typeface="DejaVu Sans"/>
                 <a:ea typeface="DejaVu Sans"/>
               </a:rPr>
-              <a:t>Sustainability goals</a:t>
-            </a:r>
-            <a:endParaRPr b="0" lang="en-US" sz="2000" spc="-1" strike="noStrike">
+              <a:t>Introduction to the circular economy, sustainability, and related concepts (biocapacity, etc.)</a:t>
+            </a:r>
+            <a:endParaRPr b="0" lang="en-GB" sz="2000" spc="-1" strike="noStrike">
+              <a:solidFill>
+                <a:srgbClr val="000000"/>
+              </a:solidFill>
               <a:latin typeface="Arial"/>
             </a:endParaRPr>
           </a:p>
@@ -11451,9 +13232,12 @@
                 <a:latin typeface="DejaVu Sans"/>
                 <a:ea typeface="DejaVu Sans"/>
               </a:rPr>
-              <a:t>Basics of climate change, environmental pollution, and dwindling non-renewable resources</a:t>
-            </a:r>
-            <a:endParaRPr b="0" lang="en-US" sz="2000" spc="-1" strike="noStrike">
+              <a:t>Sustainability goals</a:t>
+            </a:r>
+            <a:endParaRPr b="0" lang="en-GB" sz="2000" spc="-1" strike="noStrike">
+              <a:solidFill>
+                <a:srgbClr val="000000"/>
+              </a:solidFill>
               <a:latin typeface="Arial"/>
             </a:endParaRPr>
           </a:p>
@@ -11482,7 +13266,10 @@
               </a:rPr>
               <a:t>Feedback loops and tipping points</a:t>
             </a:r>
-            <a:endParaRPr b="0" lang="en-US" sz="2000" spc="-1" strike="noStrike">
+            <a:endParaRPr b="0" lang="en-GB" sz="2000" spc="-1" strike="noStrike">
+              <a:solidFill>
+                <a:srgbClr val="000000"/>
+              </a:solidFill>
               <a:latin typeface="Arial"/>
             </a:endParaRPr>
           </a:p>
@@ -11511,7 +13298,10 @@
               </a:rPr>
               <a:t>Implications of closed systems with a finite supply of resources</a:t>
             </a:r>
-            <a:endParaRPr b="0" lang="en-US" sz="2000" spc="-1" strike="noStrike">
+            <a:endParaRPr b="0" lang="en-GB" sz="2000" spc="-1" strike="noStrike">
+              <a:solidFill>
+                <a:srgbClr val="000000"/>
+              </a:solidFill>
               <a:latin typeface="Arial"/>
             </a:endParaRPr>
           </a:p>
@@ -11538,9 +13328,12 @@
                 <a:latin typeface="DejaVu Sans"/>
                 <a:ea typeface="DejaVu Sans"/>
               </a:rPr>
-              <a:t>The sub-processes and steps of a circular economy – incl. the era of R and era of D</a:t>
-            </a:r>
-            <a:endParaRPr b="0" lang="en-US" sz="2000" spc="-1" strike="noStrike">
+              <a:t>Technology-focused and technology-critical approaches towards sustainability</a:t>
+            </a:r>
+            <a:endParaRPr b="0" lang="en-GB" sz="2000" spc="-1" strike="noStrike">
+              <a:solidFill>
+                <a:srgbClr val="000000"/>
+              </a:solidFill>
               <a:latin typeface="Arial"/>
             </a:endParaRPr>
           </a:p>
@@ -11567,9 +13360,12 @@
                 <a:latin typeface="DejaVu Sans"/>
                 <a:ea typeface="DejaVu Sans"/>
               </a:rPr>
-              <a:t>Approaches towards sustainability</a:t>
-            </a:r>
-            <a:endParaRPr b="0" lang="en-US" sz="2000" spc="-1" strike="noStrike">
+              <a:t>Circular Societies</a:t>
+            </a:r>
+            <a:endParaRPr b="0" lang="en-GB" sz="2000" spc="-1" strike="noStrike">
+              <a:solidFill>
+                <a:srgbClr val="000000"/>
+              </a:solidFill>
               <a:latin typeface="Arial"/>
             </a:endParaRPr>
           </a:p>
@@ -11614,13 +13410,13 @@
         <p:spPr>
           <a:xfrm>
             <a:off x="542880" y="721800"/>
-            <a:ext cx="10351800" cy="492480"/>
+            <a:ext cx="10351440" cy="492120"/>
           </a:xfrm>
           <a:prstGeom prst="rect">
             <a:avLst/>
           </a:prstGeom>
           <a:noFill/>
-          <a:ln>
+          <a:ln w="0">
             <a:noFill/>
           </a:ln>
         </p:spPr>
@@ -11650,7 +13446,10 @@
               </a:rPr>
               <a:t>Learning Outcome</a:t>
             </a:r>
-            <a:endParaRPr b="0" lang="en-US" sz="2200" spc="-1" strike="noStrike">
+            <a:endParaRPr b="0" lang="en-GB" sz="2200" spc="-1" strike="noStrike">
+              <a:solidFill>
+                <a:srgbClr val="000000"/>
+              </a:solidFill>
               <a:latin typeface="Arial"/>
             </a:endParaRPr>
           </a:p>
@@ -11665,7 +13464,7 @@
         <p:spPr>
           <a:xfrm>
             <a:off x="451800" y="1709280"/>
-            <a:ext cx="8219160" cy="4347360"/>
+            <a:ext cx="8218800" cy="4347000"/>
           </a:xfrm>
           <a:prstGeom prst="rect">
             <a:avLst/>
@@ -11681,6 +13480,19 @@
           <a:effectRef idx="0"/>
           <a:fontRef idx="minor"/>
         </p:style>
+        <p:txBody>
+          <a:bodyPr lIns="90000" rIns="90000" tIns="45000" bIns="45000" anchor="t">
+            <a:noAutofit/>
+          </a:bodyPr>
+          <a:p>
+            <a:endParaRPr b="0" lang="en-GB" sz="1800" spc="-1" strike="noStrike">
+              <a:solidFill>
+                <a:srgbClr val="000000"/>
+              </a:solidFill>
+              <a:latin typeface="Arial"/>
+            </a:endParaRPr>
+          </a:p>
+        </p:txBody>
       </p:sp>
       <p:sp>
         <p:nvSpPr>
@@ -11691,13 +13503,13 @@
         <p:spPr>
           <a:xfrm>
             <a:off x="609480" y="1769400"/>
-            <a:ext cx="10582200" cy="4850280"/>
+            <a:ext cx="10581840" cy="4849920"/>
           </a:xfrm>
           <a:prstGeom prst="rect">
             <a:avLst/>
           </a:prstGeom>
           <a:noFill/>
-          <a:ln>
+          <a:ln w="0">
             <a:noFill/>
           </a:ln>
         </p:spPr>
@@ -11734,9 +13546,12 @@
                 <a:latin typeface="DejaVu Sans"/>
                 <a:ea typeface="DejaVu Sans"/>
               </a:rPr>
-              <a:t>Understanding the concept of a circular economy, sustainability, and</a:t>
-            </a:r>
-            <a:endParaRPr b="0" lang="en-US" sz="2000" spc="-1" strike="noStrike">
+              <a:t>Understanding the concept of a circular economy, sustainability, and related concepts (biocapacity, etc.).</a:t>
+            </a:r>
+            <a:endParaRPr b="0" lang="en-GB" sz="2000" spc="-1" strike="noStrike">
+              <a:solidFill>
+                <a:srgbClr val="000000"/>
+              </a:solidFill>
               <a:latin typeface="Arial"/>
             </a:endParaRPr>
           </a:p>
@@ -11763,9 +13578,12 @@
                 <a:latin typeface="DejaVu Sans"/>
                 <a:ea typeface="DejaVu Sans"/>
               </a:rPr>
-              <a:t>related concepts (biocapacity, etc.).</a:t>
-            </a:r>
-            <a:endParaRPr b="0" lang="en-US" sz="2000" spc="-1" strike="noStrike">
+              <a:t>Gain a basic understanding of causes, dimensions, and the characterization of climate change, environmental pollution, and dwindling non-renewable resources. </a:t>
+            </a:r>
+            <a:endParaRPr b="0" lang="en-GB" sz="2000" spc="-1" strike="noStrike">
+              <a:solidFill>
+                <a:srgbClr val="000000"/>
+              </a:solidFill>
               <a:latin typeface="Arial"/>
             </a:endParaRPr>
           </a:p>
@@ -11792,9 +13610,12 @@
                 <a:latin typeface="DejaVu Sans"/>
                 <a:ea typeface="DejaVu Sans"/>
               </a:rPr>
-              <a:t>Gain a basic understanding of causes, dimensions, and the characterization of climate change, environmental pollution, and dwindling non-renewable resources. </a:t>
-            </a:r>
-            <a:endParaRPr b="0" lang="en-US" sz="2000" spc="-1" strike="noStrike">
+              <a:t>Being able to make high-level, transdisciplinary assessments of decisions and measures in a social, economic, and political context.</a:t>
+            </a:r>
+            <a:endParaRPr b="0" lang="en-GB" sz="2000" spc="-1" strike="noStrike">
+              <a:solidFill>
+                <a:srgbClr val="000000"/>
+              </a:solidFill>
               <a:latin typeface="Arial"/>
             </a:endParaRPr>
           </a:p>
@@ -11821,38 +13642,12 @@
                 <a:latin typeface="DejaVu Sans"/>
                 <a:ea typeface="DejaVu Sans"/>
               </a:rPr>
-              <a:t>Being able to make high-level, transdisciplinary assessments of decisions and measures in a social, economic, and political context.</a:t>
-            </a:r>
-            <a:endParaRPr b="0" lang="en-US" sz="2000" spc="-1" strike="noStrike">
-              <a:latin typeface="Arial"/>
-            </a:endParaRPr>
-          </a:p>
-          <a:p>
-            <a:pPr marL="216000" indent="-210600">
-              <a:lnSpc>
-                <a:spcPct val="90000"/>
-              </a:lnSpc>
-              <a:spcBef>
-                <a:spcPts val="1009"/>
-              </a:spcBef>
-              <a:buClr>
-                <a:srgbClr val="008c4f"/>
-              </a:buClr>
-              <a:buSzPct val="80000"/>
-              <a:buFont typeface="Wingdings 2" charset="2"/>
-              <a:buChar char=""/>
-            </a:pPr>
-            <a:r>
-              <a:rPr b="0" lang="en-US" sz="2000" spc="-1" strike="noStrike">
-                <a:solidFill>
-                  <a:srgbClr val="000000"/>
-                </a:solidFill>
-                <a:latin typeface="DejaVu Sans"/>
-                <a:ea typeface="DejaVu Sans"/>
-              </a:rPr>
               <a:t>The ability to critically assess upcoming technological solutions enabling/facilitating sustainability and the circular economy.</a:t>
             </a:r>
-            <a:endParaRPr b="0" lang="en-US" sz="2000" spc="-1" strike="noStrike">
+            <a:endParaRPr b="0" lang="en-GB" sz="2000" spc="-1" strike="noStrike">
+              <a:solidFill>
+                <a:srgbClr val="000000"/>
+              </a:solidFill>
               <a:latin typeface="Arial"/>
             </a:endParaRPr>
           </a:p>
@@ -11897,13 +13692,13 @@
         <p:spPr>
           <a:xfrm>
             <a:off x="335520" y="764640"/>
-            <a:ext cx="10746000" cy="496800"/>
+            <a:ext cx="10745640" cy="496440"/>
           </a:xfrm>
           <a:prstGeom prst="rect">
             <a:avLst/>
           </a:prstGeom>
           <a:noFill/>
-          <a:ln>
+          <a:ln w="0">
             <a:noFill/>
           </a:ln>
         </p:spPr>
@@ -11914,7 +13709,7 @@
           <a:fontRef idx="minor"/>
         </p:style>
         <p:txBody>
-          <a:bodyPr lIns="90000" rIns="90000" tIns="45000" bIns="45000">
+          <a:bodyPr lIns="90000" rIns="90000" tIns="45000" bIns="45000" anchor="t">
             <a:noAutofit/>
           </a:bodyPr>
           <a:p>
@@ -11933,7 +13728,10 @@
               </a:rPr>
               <a:t>Lecture Plan</a:t>
             </a:r>
-            <a:endParaRPr b="0" lang="en-US" sz="2400" spc="-1" strike="noStrike">
+            <a:endParaRPr b="0" lang="en-GB" sz="2400" spc="-1" strike="noStrike">
+              <a:solidFill>
+                <a:srgbClr val="000000"/>
+              </a:solidFill>
               <a:latin typeface="Arial"/>
             </a:endParaRPr>
           </a:p>
@@ -11948,13 +13746,13 @@
         <p:spPr>
           <a:xfrm>
             <a:off x="335520" y="1268640"/>
-            <a:ext cx="10746000" cy="5033520"/>
+            <a:ext cx="10745640" cy="5033160"/>
           </a:xfrm>
           <a:prstGeom prst="rect">
             <a:avLst/>
           </a:prstGeom>
           <a:noFill/>
-          <a:ln>
+          <a:ln w="0">
             <a:noFill/>
           </a:ln>
         </p:spPr>
@@ -11993,7 +13791,10 @@
               </a:rPr>
               <a:t>25.04.2022 → Organization (L00) Organization + Introduction I (L01)</a:t>
             </a:r>
-            <a:endParaRPr b="0" lang="en-US" sz="1800" spc="-1" strike="noStrike">
+            <a:endParaRPr b="0" lang="en-GB" sz="1800" spc="-1" strike="noStrike">
+              <a:solidFill>
+                <a:srgbClr val="000000"/>
+              </a:solidFill>
               <a:latin typeface="Arial"/>
             </a:endParaRPr>
           </a:p>
@@ -12022,7 +13823,10 @@
               </a:rPr>
               <a:t>02.05.2022 → Introduction II (L02)</a:t>
             </a:r>
-            <a:endParaRPr b="0" lang="en-US" sz="1800" spc="-1" strike="noStrike">
+            <a:endParaRPr b="0" lang="en-GB" sz="1800" spc="-1" strike="noStrike">
+              <a:solidFill>
+                <a:srgbClr val="000000"/>
+              </a:solidFill>
               <a:latin typeface="Arial"/>
             </a:endParaRPr>
           </a:p>
@@ -12051,7 +13855,10 @@
               </a:rPr>
               <a:t>09.05.2022 → Introduction III (L03)</a:t>
             </a:r>
-            <a:endParaRPr b="0" lang="en-US" sz="1800" spc="-1" strike="noStrike">
+            <a:endParaRPr b="0" lang="en-GB" sz="1800" spc="-1" strike="noStrike">
+              <a:solidFill>
+                <a:srgbClr val="000000"/>
+              </a:solidFill>
               <a:latin typeface="Arial"/>
             </a:endParaRPr>
           </a:p>
@@ -12080,7 +13887,10 @@
               </a:rPr>
               <a:t>16.05.2022 → What Happened So Far? (L04)</a:t>
             </a:r>
-            <a:endParaRPr b="0" lang="en-US" sz="1800" spc="-1" strike="noStrike">
+            <a:endParaRPr b="0" lang="en-GB" sz="1800" spc="-1" strike="noStrike">
+              <a:solidFill>
+                <a:srgbClr val="000000"/>
+              </a:solidFill>
               <a:latin typeface="Arial"/>
             </a:endParaRPr>
           </a:p>
@@ -12109,7 +13919,10 @@
               </a:rPr>
               <a:t>23.05.2022 → Life-cycle Assessment – LCA (L05)</a:t>
             </a:r>
-            <a:endParaRPr b="0" lang="en-US" sz="1800" spc="-1" strike="noStrike">
+            <a:endParaRPr b="0" lang="en-GB" sz="1800" spc="-1" strike="noStrike">
+              <a:solidFill>
+                <a:srgbClr val="000000"/>
+              </a:solidFill>
               <a:latin typeface="Arial"/>
             </a:endParaRPr>
           </a:p>
@@ -12138,7 +13951,10 @@
               </a:rPr>
               <a:t>30.05.2022 → World3 (L06)</a:t>
             </a:r>
-            <a:endParaRPr b="0" lang="en-US" sz="1800" spc="-1" strike="noStrike">
+            <a:endParaRPr b="0" lang="en-GB" sz="1800" spc="-1" strike="noStrike">
+              <a:solidFill>
+                <a:srgbClr val="000000"/>
+              </a:solidFill>
               <a:latin typeface="Arial"/>
             </a:endParaRPr>
           </a:p>
@@ -12167,7 +13983,10 @@
               </a:rPr>
               <a:t>13.06.2022 → Circular Economy I (L07)</a:t>
             </a:r>
-            <a:endParaRPr b="0" lang="en-US" sz="1800" spc="-1" strike="noStrike">
+            <a:endParaRPr b="0" lang="en-GB" sz="1800" spc="-1" strike="noStrike">
+              <a:solidFill>
+                <a:srgbClr val="000000"/>
+              </a:solidFill>
               <a:latin typeface="Arial"/>
             </a:endParaRPr>
           </a:p>
@@ -12196,7 +14015,10 @@
               </a:rPr>
               <a:t>20.06.2022 → Circular Economy II (L08)</a:t>
             </a:r>
-            <a:endParaRPr b="0" lang="en-US" sz="1800" spc="-1" strike="noStrike">
+            <a:endParaRPr b="0" lang="en-GB" sz="1800" spc="-1" strike="noStrike">
+              <a:solidFill>
+                <a:srgbClr val="000000"/>
+              </a:solidFill>
               <a:latin typeface="Arial"/>
             </a:endParaRPr>
           </a:p>
@@ -12225,7 +14047,10 @@
               </a:rPr>
               <a:t>27.06.2022 → Beyond the Circular Economy (L09)</a:t>
             </a:r>
-            <a:endParaRPr b="0" lang="en-US" sz="1800" spc="-1" strike="noStrike">
+            <a:endParaRPr b="0" lang="en-GB" sz="1800" spc="-1" strike="noStrike">
+              <a:solidFill>
+                <a:srgbClr val="000000"/>
+              </a:solidFill>
               <a:latin typeface="Arial"/>
             </a:endParaRPr>
           </a:p>
@@ -12254,7 +14079,10 @@
               </a:rPr>
               <a:t>04.07.2022 → Technologies for Sustainability (L10)</a:t>
             </a:r>
-            <a:endParaRPr b="0" lang="en-US" sz="1800" spc="-1" strike="noStrike">
+            <a:endParaRPr b="0" lang="en-GB" sz="1800" spc="-1" strike="noStrike">
+              <a:solidFill>
+                <a:srgbClr val="000000"/>
+              </a:solidFill>
               <a:latin typeface="Arial"/>
             </a:endParaRPr>
           </a:p>
@@ -12283,7 +14111,10 @@
               </a:rPr>
               <a:t>11.07.2022 → Action Plan (L11)</a:t>
             </a:r>
-            <a:endParaRPr b="0" lang="en-US" sz="1800" spc="-1" strike="noStrike">
+            <a:endParaRPr b="0" lang="en-GB" sz="1800" spc="-1" strike="noStrike">
+              <a:solidFill>
+                <a:srgbClr val="000000"/>
+              </a:solidFill>
               <a:latin typeface="Arial"/>
             </a:endParaRPr>
           </a:p>
@@ -12312,7 +14143,10 @@
               </a:rPr>
               <a:t>18.07.2022 → Invited Lecture </a:t>
             </a:r>
-            <a:endParaRPr b="0" lang="en-US" sz="1800" spc="-1" strike="noStrike">
+            <a:endParaRPr b="0" lang="en-GB" sz="1800" spc="-1" strike="noStrike">
+              <a:solidFill>
+                <a:srgbClr val="000000"/>
+              </a:solidFill>
               <a:latin typeface="Arial"/>
             </a:endParaRPr>
           </a:p>
@@ -12341,7 +14175,10 @@
               </a:rPr>
               <a:t>25.07.2022 → Invited Lecture</a:t>
             </a:r>
-            <a:endParaRPr b="0" lang="en-US" sz="1800" spc="-1" strike="noStrike">
+            <a:endParaRPr b="0" lang="en-GB" sz="1800" spc="-1" strike="noStrike">
+              <a:solidFill>
+                <a:srgbClr val="000000"/>
+              </a:solidFill>
               <a:latin typeface="Arial"/>
             </a:endParaRPr>
           </a:p>
@@ -12365,10 +14202,10 @@
   <a:themeElements>
     <a:clrScheme name="Office">
       <a:dk1>
-        <a:sysClr val="windowText" lastClr="000000"/>
+        <a:srgbClr val="000000"/>
       </a:dk1>
       <a:lt1>
-        <a:sysClr val="window" lastClr="FFFFFF"/>
+        <a:srgbClr val="ffffff"/>
       </a:lt1>
       <a:dk2>
         <a:srgbClr val="1f497d"/>
@@ -12591,10 +14428,10 @@
   <a:themeElements>
     <a:clrScheme name="Office">
       <a:dk1>
-        <a:sysClr val="windowText" lastClr="000000"/>
+        <a:srgbClr val="000000"/>
       </a:dk1>
       <a:lt1>
-        <a:sysClr val="window" lastClr="FFFFFF"/>
+        <a:srgbClr val="ffffff"/>
       </a:lt1>
       <a:dk2>
         <a:srgbClr val="1f497d"/>

--- a/The-Limits-to-Growth/LTG-L00-Organization.pptx
+++ b/The-Limits-to-Growth/LTG-L00-Organization.pptx
@@ -17,8 +17,8 @@
     <p:sldId id="261" r:id="rId8"/>
     <p:sldId id="262" r:id="rId9"/>
     <p:sldId id="263" r:id="rId10"/>
-    <p:sldId id="264" r:id="rId11"/>
-    <p:sldId id="265" r:id="rId12"/>
+    <p:sldId id="265" r:id="rId11"/>
+    <p:sldId id="275" r:id="rId12"/>
     <p:sldId id="266" r:id="rId13"/>
     <p:sldId id="267" r:id="rId14"/>
     <p:sldId id="268" r:id="rId15"/>
@@ -1181,8 +1181,8 @@
         </p:nvSpPr>
         <p:spPr>
           <a:xfrm>
-            <a:off x="533520" y="763560"/>
-            <a:ext cx="6694560" cy="3762720"/>
+            <a:off x="536575" y="763588"/>
+            <a:ext cx="6688138" cy="3762375"/>
           </a:xfrm>
           <a:prstGeom prst="rect">
             <a:avLst/>
@@ -7170,20 +7170,7 @@
                 <a:latin typeface="DejaVu Sans"/>
                 <a:ea typeface="DejaVu Sans"/>
               </a:rPr>
-              <a:t>Course Organization – </a:t>
-            </a:r>
-            <a:r>
-              <a:rPr lang="en-US" sz="2400" b="1" strike="noStrike" spc="-1" dirty="0">
-                <a:solidFill>
-                  <a:srgbClr val="000000"/>
-                </a:solidFill>
-                <a:highlight>
-                  <a:srgbClr val="FF0000"/>
-                </a:highlight>
-                <a:latin typeface="DejaVu Sans"/>
-                <a:ea typeface="DejaVu Sans"/>
-              </a:rPr>
-              <a:t>UPDATE NECESSARY – MOODLE + MOOC  </a:t>
+              <a:t>Course Organization – Asynchronous Learning</a:t>
             </a:r>
             <a:endParaRPr lang="en-GB" sz="2400" b="0" strike="noStrike" spc="-1" dirty="0">
               <a:solidFill>
@@ -7206,7 +7193,7 @@
         <p:spPr>
           <a:xfrm>
             <a:off x="335520" y="1268280"/>
-            <a:ext cx="10745640" cy="5033160"/>
+            <a:ext cx="10745640" cy="1887875"/>
           </a:xfrm>
           <a:prstGeom prst="rect">
             <a:avLst/>
@@ -7249,65 +7236,17 @@
               <a:buChar char=""/>
             </a:pPr>
             <a:r>
-              <a:rPr lang="en-US" sz="1800" b="0" strike="noStrike" spc="-1">
-                <a:solidFill>
-                  <a:srgbClr val="000000"/>
-                </a:solidFill>
-                <a:latin typeface="DejaVu Sans"/>
-                <a:ea typeface="DejaVu Sans"/>
-              </a:rPr>
-              <a:t>Course website – </a:t>
-            </a:r>
-            <a:r>
-              <a:rPr lang="en-US" sz="1800" b="0" u="sng" strike="noStrike" spc="-1">
-                <a:solidFill>
-                  <a:srgbClr val="0000FF"/>
-                </a:solidFill>
-                <a:uFillTx/>
-                <a:latin typeface="DejaVu Sans"/>
-                <a:ea typeface="DejaVu Sans"/>
-                <a:hlinkClick r:id="rId2"/>
-              </a:rPr>
-              <a:t>Link</a:t>
-            </a:r>
-            <a:r>
-              <a:rPr lang="en-US" sz="1800" b="0" strike="noStrike" spc="-1">
-                <a:solidFill>
-                  <a:srgbClr val="000000"/>
-                </a:solidFill>
-                <a:latin typeface="DejaVu Sans"/>
-                <a:ea typeface="DejaVu Sans"/>
-              </a:rPr>
-              <a:t> </a:t>
-            </a:r>
-            <a:endParaRPr lang="en-GB" sz="1800" b="0" strike="noStrike" spc="-1">
-              <a:solidFill>
-                <a:srgbClr val="000000"/>
-              </a:solidFill>
-              <a:latin typeface="Arial"/>
-            </a:endParaRPr>
-          </a:p>
-          <a:p>
-            <a:pPr>
-              <a:lnSpc>
-                <a:spcPct val="100000"/>
-              </a:lnSpc>
-              <a:spcBef>
-                <a:spcPts val="360"/>
-              </a:spcBef>
-            </a:pPr>
-            <a:endParaRPr lang="en-GB" sz="1800" b="0" strike="noStrike" spc="-1">
-              <a:solidFill>
-                <a:srgbClr val="000000"/>
-              </a:solidFill>
-              <a:latin typeface="Arial"/>
-            </a:endParaRPr>
-          </a:p>
-          <a:p>
-            <a:pPr marL="195120" indent="-188640">
-              <a:lnSpc>
-                <a:spcPct val="100000"/>
-              </a:lnSpc>
+              <a:rPr lang="en-US" spc="-1" dirty="0">
+                <a:solidFill>
+                  <a:srgbClr val="000000"/>
+                </a:solidFill>
+                <a:latin typeface="DejaVu Sans"/>
+              </a:rPr>
+              <a:t>This semester we will include asynchronous learning for two of the lectures (L10 and L11)</a:t>
+            </a:r>
+          </a:p>
+          <a:p>
+            <a:pPr marL="652320" lvl="1" indent="-188640">
               <a:spcBef>
                 <a:spcPts val="360"/>
               </a:spcBef>
@@ -7319,151 +7258,17 @@
               <a:buChar char=""/>
             </a:pPr>
             <a:r>
-              <a:rPr lang="en-GB" sz="1800" b="0" strike="noStrike" spc="-1">
-                <a:solidFill>
-                  <a:srgbClr val="000000"/>
-                </a:solidFill>
-                <a:latin typeface="DejaVu Sans"/>
-                <a:ea typeface="DejaVu Sans"/>
-              </a:rPr>
-              <a:t>News and updates:</a:t>
-            </a:r>
-            <a:endParaRPr lang="en-GB" sz="1800" b="0" strike="noStrike" spc="-1">
-              <a:solidFill>
-                <a:srgbClr val="000000"/>
-              </a:solidFill>
-              <a:latin typeface="Arial"/>
-            </a:endParaRPr>
-          </a:p>
-          <a:p>
-            <a:pPr marL="432000" lvl="1" indent="-211320">
-              <a:lnSpc>
-                <a:spcPct val="100000"/>
-              </a:lnSpc>
-              <a:spcBef>
-                <a:spcPts val="360"/>
-              </a:spcBef>
-              <a:buClr>
-                <a:srgbClr val="008C4F"/>
-              </a:buClr>
-              <a:buSzPct val="45000"/>
-              <a:buFont typeface="OpenSymbol"/>
-              <a:buChar char="—"/>
-            </a:pPr>
-            <a:r>
-              <a:rPr lang="en-GB" sz="1800" b="0" strike="noStrike" spc="-1">
-                <a:solidFill>
-                  <a:srgbClr val="000000"/>
-                </a:solidFill>
-                <a:latin typeface="DejaVu Sans"/>
-                <a:ea typeface="DejaVu Sans"/>
-              </a:rPr>
-              <a:t>CLZ students + DigiTec: StudIP (</a:t>
-            </a:r>
-            <a:r>
-              <a:rPr lang="en-GB" sz="1800" b="0" u="sng" strike="noStrike" spc="-1">
-                <a:solidFill>
-                  <a:srgbClr val="0000FF"/>
-                </a:solidFill>
-                <a:uFillTx/>
-                <a:latin typeface="DejaVu Sans"/>
-                <a:ea typeface="DejaVu Sans"/>
-                <a:hlinkClick r:id="rId3"/>
-              </a:rPr>
-              <a:t>Link</a:t>
-            </a:r>
-            <a:r>
-              <a:rPr lang="en-GB" sz="1800" b="0" strike="noStrike" spc="-1">
-                <a:solidFill>
-                  <a:srgbClr val="000000"/>
-                </a:solidFill>
-                <a:latin typeface="DejaVu Sans"/>
-                <a:ea typeface="DejaVu Sans"/>
-              </a:rPr>
-              <a:t>)</a:t>
-            </a:r>
-            <a:endParaRPr lang="en-GB" sz="1800" b="0" strike="noStrike" spc="-1">
-              <a:solidFill>
-                <a:srgbClr val="000000"/>
-              </a:solidFill>
-              <a:latin typeface="Arial"/>
-            </a:endParaRPr>
-          </a:p>
-          <a:p>
-            <a:pPr marL="432000" lvl="1" indent="-211320">
-              <a:lnSpc>
-                <a:spcPct val="100000"/>
-              </a:lnSpc>
-              <a:spcBef>
-                <a:spcPts val="360"/>
-              </a:spcBef>
-              <a:buClr>
-                <a:srgbClr val="008C4F"/>
-              </a:buClr>
-              <a:buSzPct val="45000"/>
-              <a:buFont typeface="OpenSymbol"/>
-              <a:buChar char="—"/>
-            </a:pPr>
-            <a:r>
-              <a:rPr lang="en-GB" sz="1800" b="0" strike="noStrike" spc="-1">
-                <a:solidFill>
-                  <a:srgbClr val="000000"/>
-                </a:solidFill>
-                <a:latin typeface="DejaVu Sans"/>
-                <a:ea typeface="DejaVu Sans"/>
-              </a:rPr>
-              <a:t>Everyone else: Mailing list (</a:t>
-            </a:r>
-            <a:r>
-              <a:rPr lang="en-GB" sz="1800" b="0" u="sng" strike="noStrike" spc="-1">
-                <a:solidFill>
-                  <a:srgbClr val="0000FF"/>
-                </a:solidFill>
-                <a:uFillTx/>
-                <a:latin typeface="DejaVu Sans"/>
-                <a:ea typeface="DejaVu Sans"/>
-                <a:hlinkClick r:id="rId4"/>
-              </a:rPr>
-              <a:t>Link</a:t>
-            </a:r>
-            <a:r>
-              <a:rPr lang="en-GB" sz="1800" b="0" strike="noStrike" spc="-1">
-                <a:solidFill>
-                  <a:srgbClr val="000000"/>
-                </a:solidFill>
-                <a:latin typeface="DejaVu Sans"/>
-                <a:ea typeface="DejaVu Sans"/>
-              </a:rPr>
-              <a:t>)</a:t>
-            </a:r>
-            <a:endParaRPr lang="en-GB" sz="1800" b="0" strike="noStrike" spc="-1">
-              <a:solidFill>
-                <a:srgbClr val="000000"/>
-              </a:solidFill>
-              <a:latin typeface="Arial"/>
-            </a:endParaRPr>
-          </a:p>
-          <a:p>
-            <a:pPr>
-              <a:lnSpc>
-                <a:spcPct val="100000"/>
-              </a:lnSpc>
-              <a:spcBef>
-                <a:spcPts val="360"/>
-              </a:spcBef>
-            </a:pPr>
-            <a:endParaRPr lang="en-GB" sz="1800" b="0" strike="noStrike" spc="-1">
-              <a:solidFill>
-                <a:srgbClr val="000000"/>
-              </a:solidFill>
-              <a:latin typeface="Arial"/>
-            </a:endParaRPr>
+              <a:rPr lang="en-US" spc="-1" dirty="0">
+                <a:solidFill>
+                  <a:srgbClr val="000000"/>
+                </a:solidFill>
+                <a:latin typeface="DejaVu Sans"/>
+              </a:rPr>
+              <a:t>Consisting of short pre-recorded videos and interactive content</a:t>
+            </a:r>
           </a:p>
           <a:p>
             <a:pPr marL="195120" indent="-188640">
-              <a:lnSpc>
-                <a:spcPct val="100000"/>
-              </a:lnSpc>
               <a:spcBef>
                 <a:spcPts val="360"/>
               </a:spcBef>
@@ -7475,119 +7280,17 @@
               <a:buChar char=""/>
             </a:pPr>
             <a:r>
-              <a:rPr lang="en-US" sz="1800" b="0" strike="noStrike" spc="-1">
-                <a:solidFill>
-                  <a:srgbClr val="000000"/>
-                </a:solidFill>
-                <a:latin typeface="DejaVu Sans"/>
-                <a:ea typeface="DejaVu Sans"/>
-              </a:rPr>
-              <a:t>Slides will be uploaded to StudIP (</a:t>
-            </a:r>
-            <a:r>
-              <a:rPr lang="en-US" sz="1800" b="0" u="sng" strike="noStrike" spc="-1">
-                <a:solidFill>
-                  <a:srgbClr val="0000FF"/>
-                </a:solidFill>
-                <a:uFillTx/>
-                <a:latin typeface="DejaVu Sans"/>
-                <a:ea typeface="DejaVu Sans"/>
-                <a:hlinkClick r:id="rId3"/>
-              </a:rPr>
-              <a:t>Link</a:t>
-            </a:r>
-            <a:r>
-              <a:rPr lang="en-US" sz="1800" b="0" strike="noStrike" spc="-1">
-                <a:solidFill>
-                  <a:srgbClr val="000000"/>
-                </a:solidFill>
-                <a:latin typeface="DejaVu Sans"/>
-                <a:ea typeface="DejaVu Sans"/>
-              </a:rPr>
-              <a:t>) and to Github (</a:t>
-            </a:r>
-            <a:r>
-              <a:rPr lang="en-US" sz="1800" b="0" u="sng" strike="noStrike" spc="-1">
-                <a:solidFill>
-                  <a:srgbClr val="0000FF"/>
-                </a:solidFill>
-                <a:uFillTx/>
-                <a:latin typeface="DejaVu Sans"/>
-                <a:ea typeface="DejaVu Sans"/>
-                <a:hlinkClick r:id="rId5"/>
-              </a:rPr>
-              <a:t>Link</a:t>
-            </a:r>
-            <a:r>
-              <a:rPr lang="en-US" sz="1800" b="0" strike="noStrike" spc="-1">
-                <a:solidFill>
-                  <a:srgbClr val="000000"/>
-                </a:solidFill>
-                <a:latin typeface="DejaVu Sans"/>
-                <a:ea typeface="DejaVu Sans"/>
-              </a:rPr>
-              <a:t>)</a:t>
-            </a:r>
-            <a:endParaRPr lang="en-GB" sz="1800" b="0" strike="noStrike" spc="-1">
-              <a:solidFill>
-                <a:srgbClr val="000000"/>
-              </a:solidFill>
-              <a:latin typeface="Arial"/>
-            </a:endParaRPr>
-          </a:p>
-          <a:p>
-            <a:pPr marL="744120" lvl="1" indent="-280440">
-              <a:lnSpc>
-                <a:spcPct val="100000"/>
-              </a:lnSpc>
-              <a:spcBef>
-                <a:spcPts val="360"/>
-              </a:spcBef>
-              <a:buClr>
-                <a:srgbClr val="008C4F"/>
-              </a:buClr>
-              <a:buSzPct val="80000"/>
-              <a:buFont typeface="StarSymbol"/>
-              <a:buChar char="—"/>
-            </a:pPr>
-            <a:r>
-              <a:rPr lang="en-US" sz="1800" b="0" strike="noStrike" spc="-1">
-                <a:solidFill>
-                  <a:srgbClr val="000000"/>
-                </a:solidFill>
-                <a:latin typeface="DejaVu Sans"/>
-                <a:ea typeface="DejaVu Sans"/>
-              </a:rPr>
-              <a:t>Please report bugs ;)</a:t>
-            </a:r>
-            <a:endParaRPr lang="en-GB" sz="1800" b="0" strike="noStrike" spc="-1">
-              <a:solidFill>
-                <a:srgbClr val="000000"/>
-              </a:solidFill>
-              <a:latin typeface="Arial"/>
-            </a:endParaRPr>
-          </a:p>
-          <a:p>
-            <a:pPr>
-              <a:lnSpc>
-                <a:spcPct val="100000"/>
-              </a:lnSpc>
-              <a:spcBef>
-                <a:spcPts val="360"/>
-              </a:spcBef>
-            </a:pPr>
-            <a:endParaRPr lang="en-GB" sz="1800" b="0" strike="noStrike" spc="-1">
-              <a:solidFill>
-                <a:srgbClr val="000000"/>
-              </a:solidFill>
-              <a:latin typeface="Arial"/>
-            </a:endParaRPr>
-          </a:p>
-          <a:p>
-            <a:pPr marL="195120" indent="-188640">
-              <a:lnSpc>
-                <a:spcPct val="100000"/>
-              </a:lnSpc>
+              <a:rPr lang="en-US" spc="-1" dirty="0">
+                <a:solidFill>
+                  <a:srgbClr val="000000"/>
+                </a:solidFill>
+                <a:latin typeface="DejaVu Sans"/>
+              </a:rPr>
+              <a:t>You will get further information about these two sessions during the semester</a:t>
+            </a:r>
+          </a:p>
+          <a:p>
+            <a:pPr marL="652320" lvl="1" indent="-188640">
               <a:spcBef>
                 <a:spcPts val="360"/>
               </a:spcBef>
@@ -7599,40 +7302,17 @@
               <a:buChar char=""/>
             </a:pPr>
             <a:r>
-              <a:rPr lang="en-US" sz="1800" b="0" strike="noStrike" spc="-1">
-                <a:solidFill>
-                  <a:srgbClr val="000000"/>
-                </a:solidFill>
-                <a:latin typeface="DejaVu Sans"/>
-                <a:ea typeface="DejaVu Sans"/>
-              </a:rPr>
-              <a:t>Lecture recordings will be available on StudIP and on Github</a:t>
-            </a:r>
-            <a:endParaRPr lang="en-GB" sz="1800" b="0" strike="noStrike" spc="-1">
-              <a:solidFill>
-                <a:srgbClr val="000000"/>
-              </a:solidFill>
-              <a:latin typeface="Arial"/>
-            </a:endParaRPr>
-          </a:p>
-          <a:p>
-            <a:pPr>
-              <a:lnSpc>
-                <a:spcPct val="100000"/>
-              </a:lnSpc>
-              <a:spcBef>
-                <a:spcPts val="360"/>
-              </a:spcBef>
-            </a:pPr>
-            <a:endParaRPr lang="en-GB" sz="1800" b="0" strike="noStrike" spc="-1">
-              <a:solidFill>
-                <a:srgbClr val="000000"/>
-              </a:solidFill>
-              <a:latin typeface="Arial"/>
-            </a:endParaRPr>
-          </a:p>
-          <a:p>
-            <a:pPr marL="195120" indent="-188640" algn="ctr">
+              <a:rPr lang="en-US" spc="-1" dirty="0">
+                <a:solidFill>
+                  <a:srgbClr val="000000"/>
+                </a:solidFill>
+                <a:latin typeface="DejaVu Sans"/>
+              </a:rPr>
+              <a:t>You will find the lecture videos on the course website </a:t>
+            </a:r>
+          </a:p>
+          <a:p>
+            <a:pPr marL="195120" indent="-188640">
               <a:lnSpc>
                 <a:spcPct val="100000"/>
               </a:lnSpc>
@@ -7646,79 +7326,355 @@
               <a:buFont typeface="Wingdings" charset="2"/>
               <a:buChar char=""/>
             </a:pPr>
-            <a:r>
-              <a:rPr lang="en-US" sz="1800" b="0" strike="noStrike" spc="-1">
-                <a:solidFill>
-                  <a:srgbClr val="000000"/>
-                </a:solidFill>
-                <a:latin typeface="DejaVu Sans"/>
-                <a:ea typeface="DejaVu Sans"/>
-              </a:rPr>
-              <a:t>Questions? Write us an email: </a:t>
-            </a:r>
-            <a:r>
-              <a:rPr lang="en-US" sz="1800" b="0" u="sng" strike="noStrike" spc="-1">
-                <a:solidFill>
-                  <a:srgbClr val="0000FF"/>
-                </a:solidFill>
-                <a:uFillTx/>
-                <a:latin typeface="DejaVu Sans"/>
-                <a:ea typeface="DejaVu Sans"/>
-                <a:hlinkClick r:id="rId6"/>
-              </a:rPr>
-              <a:t>etce-ltg@tu-clausthal.de</a:t>
-            </a:r>
-            <a:r>
-              <a:rPr lang="en-US" sz="1800" b="0" strike="noStrike" spc="-1">
-                <a:solidFill>
-                  <a:srgbClr val="000000"/>
-                </a:solidFill>
-                <a:latin typeface="DejaVu Sans"/>
-                <a:ea typeface="DejaVu Sans"/>
-              </a:rPr>
-              <a:t> ← </a:t>
-            </a:r>
-            <a:r>
-              <a:rPr lang="en-US" sz="1800" b="1" strike="noStrike" spc="-1">
-                <a:solidFill>
-                  <a:srgbClr val="000000"/>
-                </a:solidFill>
-                <a:latin typeface="DejaVu Sans"/>
-                <a:ea typeface="DejaVu Sans"/>
-              </a:rPr>
-              <a:t>We will </a:t>
-            </a:r>
-            <a:r>
-              <a:rPr lang="en-US" sz="1800" b="1" u="sng" strike="noStrike" spc="-1">
-                <a:solidFill>
-                  <a:srgbClr val="C9211E"/>
-                </a:solidFill>
-                <a:uFillTx/>
-                <a:latin typeface="DejaVu Sans"/>
-                <a:ea typeface="DejaVu Sans"/>
-              </a:rPr>
-              <a:t>only</a:t>
-            </a:r>
-            <a:r>
-              <a:rPr lang="en-US" sz="1800" b="1" strike="noStrike" spc="-1">
-                <a:solidFill>
-                  <a:srgbClr val="000000"/>
-                </a:solidFill>
-                <a:latin typeface="DejaVu Sans"/>
-                <a:ea typeface="DejaVu Sans"/>
-              </a:rPr>
-              <a:t> respond to emails written to this specific email address!</a:t>
-            </a:r>
-            <a:endParaRPr lang="en-GB" sz="1800" b="0" strike="noStrike" spc="-1">
-              <a:solidFill>
-                <a:srgbClr val="000000"/>
-              </a:solidFill>
-              <a:latin typeface="Arial"/>
-            </a:endParaRPr>
+            <a:endParaRPr lang="en-GB" sz="1800" b="0" strike="noStrike" spc="-1" dirty="0">
+              <a:solidFill>
+                <a:srgbClr val="000000"/>
+              </a:solidFill>
+              <a:latin typeface="Arial"/>
+            </a:endParaRPr>
+          </a:p>
+        </p:txBody>
+      </p:sp>
+      <p:sp>
+        <p:nvSpPr>
+          <p:cNvPr id="2" name="Rechteck 1">
+            <a:extLst>
+              <a:ext uri="{FF2B5EF4-FFF2-40B4-BE49-F238E27FC236}">
+                <a16:creationId xmlns:a16="http://schemas.microsoft.com/office/drawing/2014/main" id="{D52378F1-C1B3-407A-8427-ACCFD98889B3}"/>
+              </a:ext>
+            </a:extLst>
+          </p:cNvPr>
+          <p:cNvSpPr/>
+          <p:nvPr/>
+        </p:nvSpPr>
+        <p:spPr>
+          <a:xfrm>
+            <a:off x="335520" y="3078268"/>
+            <a:ext cx="8711381" cy="3272691"/>
+          </a:xfrm>
+          <a:prstGeom prst="rect">
+            <a:avLst/>
+          </a:prstGeom>
+        </p:spPr>
+        <p:txBody>
+          <a:bodyPr wrap="square">
+            <a:spAutoFit/>
+          </a:bodyPr>
+          <a:lstStyle/>
+          <a:p>
+            <a:pPr marL="6480">
+              <a:lnSpc>
+                <a:spcPct val="100000"/>
+              </a:lnSpc>
+              <a:spcBef>
+                <a:spcPts val="360"/>
+              </a:spcBef>
+              <a:buClr>
+                <a:srgbClr val="008C4F"/>
+              </a:buClr>
+              <a:buSzPct val="80000"/>
+            </a:pPr>
+            <a:r>
+              <a:rPr lang="de-DE" spc="-1" dirty="0">
+                <a:solidFill>
+                  <a:srgbClr val="000000"/>
+                </a:solidFill>
+                <a:latin typeface="DejaVu Sans"/>
+              </a:rPr>
+              <a:t>…</a:t>
+            </a:r>
+            <a:endParaRPr lang="en-GB" spc="-1" dirty="0">
+              <a:solidFill>
+                <a:srgbClr val="000000"/>
+              </a:solidFill>
+            </a:endParaRPr>
+          </a:p>
+          <a:p>
+            <a:pPr marL="6480">
+              <a:lnSpc>
+                <a:spcPct val="100000"/>
+              </a:lnSpc>
+              <a:spcBef>
+                <a:spcPts val="360"/>
+              </a:spcBef>
+              <a:buClr>
+                <a:srgbClr val="008C4F"/>
+              </a:buClr>
+              <a:buSzPct val="80000"/>
+            </a:pPr>
+            <a:r>
+              <a:rPr lang="en-US" spc="-1" dirty="0">
+                <a:solidFill>
+                  <a:srgbClr val="000000"/>
+                </a:solidFill>
+                <a:latin typeface="DejaVu Sans"/>
+              </a:rPr>
+              <a:t>31.05.2023 → Circular Economy (L07)</a:t>
+            </a:r>
+            <a:endParaRPr lang="en-GB" spc="-1" dirty="0">
+              <a:solidFill>
+                <a:srgbClr val="000000"/>
+              </a:solidFill>
+            </a:endParaRPr>
+          </a:p>
+          <a:p>
+            <a:pPr marL="6480">
+              <a:lnSpc>
+                <a:spcPct val="100000"/>
+              </a:lnSpc>
+              <a:spcBef>
+                <a:spcPts val="360"/>
+              </a:spcBef>
+              <a:buClr>
+                <a:srgbClr val="008C4F"/>
+              </a:buClr>
+              <a:buSzPct val="80000"/>
+            </a:pPr>
+            <a:r>
+              <a:rPr lang="en-US" spc="-1" dirty="0">
+                <a:solidFill>
+                  <a:srgbClr val="000000"/>
+                </a:solidFill>
+                <a:latin typeface="DejaVu Sans"/>
+              </a:rPr>
+              <a:t>07.06.2023 → Beyond the Circular Economy (L08)</a:t>
+            </a:r>
+            <a:endParaRPr lang="en-GB" spc="-1" dirty="0">
+              <a:solidFill>
+                <a:srgbClr val="000000"/>
+              </a:solidFill>
+            </a:endParaRPr>
+          </a:p>
+          <a:p>
+            <a:pPr marL="6480">
+              <a:lnSpc>
+                <a:spcPct val="100000"/>
+              </a:lnSpc>
+              <a:spcBef>
+                <a:spcPts val="360"/>
+              </a:spcBef>
+              <a:buClr>
+                <a:srgbClr val="008C4F"/>
+              </a:buClr>
+              <a:buSzPct val="80000"/>
+            </a:pPr>
+            <a:r>
+              <a:rPr lang="en-US" spc="-1" dirty="0">
+                <a:solidFill>
+                  <a:srgbClr val="000000"/>
+                </a:solidFill>
+                <a:latin typeface="DejaVu Sans"/>
+              </a:rPr>
+              <a:t>14.06.2023 → Towards a Circular Society (L09)</a:t>
+            </a:r>
+            <a:endParaRPr lang="en-GB" spc="-1" dirty="0">
+              <a:solidFill>
+                <a:srgbClr val="000000"/>
+              </a:solidFill>
+            </a:endParaRPr>
+          </a:p>
+          <a:p>
+            <a:pPr marL="6480">
+              <a:lnSpc>
+                <a:spcPct val="100000"/>
+              </a:lnSpc>
+              <a:spcBef>
+                <a:spcPts val="360"/>
+              </a:spcBef>
+              <a:buClr>
+                <a:srgbClr val="008C4F"/>
+              </a:buClr>
+              <a:buSzPct val="80000"/>
+            </a:pPr>
+            <a:r>
+              <a:rPr lang="en-US" b="1" spc="-1" dirty="0">
+                <a:solidFill>
+                  <a:schemeClr val="accent3">
+                    <a:lumMod val="50000"/>
+                  </a:schemeClr>
+                </a:solidFill>
+                <a:latin typeface="DejaVu Sans"/>
+              </a:rPr>
+              <a:t>21.06.2023 → Technologies And What They Can (Not) Do (L10)</a:t>
+            </a:r>
+            <a:endParaRPr lang="en-GB" b="1" spc="-1" dirty="0">
+              <a:solidFill>
+                <a:schemeClr val="accent3">
+                  <a:lumMod val="50000"/>
+                </a:schemeClr>
+              </a:solidFill>
+            </a:endParaRPr>
+          </a:p>
+          <a:p>
+            <a:pPr marL="6480">
+              <a:spcBef>
+                <a:spcPts val="360"/>
+              </a:spcBef>
+              <a:buClr>
+                <a:srgbClr val="008C4F"/>
+              </a:buClr>
+              <a:buSzPct val="80000"/>
+            </a:pPr>
+            <a:r>
+              <a:rPr lang="en-US" b="1" spc="-1" dirty="0">
+                <a:solidFill>
+                  <a:schemeClr val="accent3">
+                    <a:lumMod val="50000"/>
+                  </a:schemeClr>
+                </a:solidFill>
+                <a:latin typeface="DejaVu Sans"/>
+              </a:rPr>
+              <a:t>28.06.2023 → Critical Thinking and Sustainable Everyday Practices (L11) </a:t>
+            </a:r>
+            <a:endParaRPr lang="en-GB" b="1" spc="-1" dirty="0">
+              <a:solidFill>
+                <a:schemeClr val="accent3">
+                  <a:lumMod val="50000"/>
+                </a:schemeClr>
+              </a:solidFill>
+            </a:endParaRPr>
+          </a:p>
+          <a:p>
+            <a:pPr marL="6480">
+              <a:lnSpc>
+                <a:spcPct val="100000"/>
+              </a:lnSpc>
+              <a:spcBef>
+                <a:spcPts val="360"/>
+              </a:spcBef>
+              <a:buClr>
+                <a:srgbClr val="008C4F"/>
+              </a:buClr>
+              <a:buSzPct val="80000"/>
+            </a:pPr>
+            <a:r>
+              <a:rPr lang="en-US" spc="-1" dirty="0">
+                <a:solidFill>
+                  <a:srgbClr val="000000"/>
+                </a:solidFill>
+                <a:latin typeface="DejaVu Sans"/>
+              </a:rPr>
+              <a:t>05.07.2023 → Invited Lecture (L12)</a:t>
+            </a:r>
+            <a:endParaRPr lang="en-GB" spc="-1" dirty="0">
+              <a:solidFill>
+                <a:srgbClr val="000000"/>
+              </a:solidFill>
+            </a:endParaRPr>
+          </a:p>
+          <a:p>
+            <a:pPr marL="6480">
+              <a:lnSpc>
+                <a:spcPct val="100000"/>
+              </a:lnSpc>
+              <a:spcBef>
+                <a:spcPts val="360"/>
+              </a:spcBef>
+              <a:buClr>
+                <a:srgbClr val="008C4F"/>
+              </a:buClr>
+              <a:buSzPct val="80000"/>
+            </a:pPr>
+            <a:r>
+              <a:rPr lang="en-US" spc="-1" dirty="0">
+                <a:solidFill>
+                  <a:srgbClr val="000000"/>
+                </a:solidFill>
+                <a:latin typeface="DejaVu Sans"/>
+              </a:rPr>
+              <a:t>12.07.2023 → Invited Lecture (L13)</a:t>
+            </a:r>
+          </a:p>
+          <a:p>
+            <a:pPr marL="6480">
+              <a:spcBef>
+                <a:spcPts val="360"/>
+              </a:spcBef>
+              <a:buClr>
+                <a:srgbClr val="008C4F"/>
+              </a:buClr>
+              <a:buSzPct val="80000"/>
+            </a:pPr>
+            <a:r>
+              <a:rPr lang="en-US" spc="-1" dirty="0">
+                <a:solidFill>
+                  <a:srgbClr val="000000"/>
+                </a:solidFill>
+                <a:latin typeface="DejaVu Sans"/>
+              </a:rPr>
+              <a:t>19.07.2023 → Now What? (L14)</a:t>
+            </a:r>
+          </a:p>
+        </p:txBody>
+      </p:sp>
+      <p:sp>
+        <p:nvSpPr>
+          <p:cNvPr id="5" name="Rechteck: abgerundete Ecken 4">
+            <a:extLst>
+              <a:ext uri="{FF2B5EF4-FFF2-40B4-BE49-F238E27FC236}">
+                <a16:creationId xmlns:a16="http://schemas.microsoft.com/office/drawing/2014/main" id="{BDF6080A-94D8-4F55-BAC2-39B1C19ED81B}"/>
+              </a:ext>
+            </a:extLst>
+          </p:cNvPr>
+          <p:cNvSpPr/>
+          <p:nvPr/>
+        </p:nvSpPr>
+        <p:spPr>
+          <a:xfrm>
+            <a:off x="8790752" y="3429000"/>
+            <a:ext cx="2290408" cy="2921959"/>
+          </a:xfrm>
+          <a:prstGeom prst="roundRect">
+            <a:avLst/>
+          </a:prstGeom>
+          <a:ln>
+            <a:solidFill>
+              <a:schemeClr val="accent3">
+                <a:lumMod val="75000"/>
+              </a:schemeClr>
+            </a:solidFill>
+          </a:ln>
+        </p:spPr>
+        <p:style>
+          <a:lnRef idx="2">
+            <a:schemeClr val="accent3"/>
+          </a:lnRef>
+          <a:fillRef idx="1">
+            <a:schemeClr val="lt1"/>
+          </a:fillRef>
+          <a:effectRef idx="0">
+            <a:schemeClr val="accent3"/>
+          </a:effectRef>
+          <a:fontRef idx="minor">
+            <a:schemeClr val="dk1"/>
+          </a:fontRef>
+        </p:style>
+        <p:txBody>
+          <a:bodyPr rtlCol="0" anchor="ctr"/>
+          <a:lstStyle/>
+          <a:p>
+            <a:pPr algn="ctr"/>
+            <a:r>
+              <a:rPr lang="en-US" dirty="0"/>
+              <a:t>L10 and L11 will </a:t>
+            </a:r>
+            <a:r>
+              <a:rPr lang="en-US" b="1" dirty="0"/>
+              <a:t>not</a:t>
+            </a:r>
+            <a:r>
+              <a:rPr lang="en-US" dirty="0"/>
+              <a:t> be live lectures. Instead, you will find pre-recorded videos and other content on our website. </a:t>
+            </a:r>
           </a:p>
         </p:txBody>
       </p:sp>
     </p:spTree>
+    <p:extLst>
+      <p:ext uri="{BB962C8B-B14F-4D97-AF65-F5344CB8AC3E}">
+        <p14:creationId xmlns:p14="http://schemas.microsoft.com/office/powerpoint/2010/main" val="3743541919"/>
+      </p:ext>
+    </p:extLst>
   </p:cSld>
   <p:clrMapOvr>
     <a:masterClrMapping/>
@@ -7793,19 +7749,7 @@
                 <a:latin typeface="DejaVu Sans"/>
                 <a:ea typeface="DejaVu Sans"/>
               </a:rPr>
-              <a:t>Dates/Times/Locations </a:t>
-            </a:r>
-            <a:r>
-              <a:rPr lang="en-US" sz="2400" b="1" spc="-1" dirty="0">
-                <a:solidFill>
-                  <a:srgbClr val="000000"/>
-                </a:solidFill>
-                <a:highlight>
-                  <a:srgbClr val="FF0000"/>
-                </a:highlight>
-                <a:latin typeface="DejaVu Sans"/>
-              </a:rPr>
-              <a:t>UPDATE NECESSARY </a:t>
+              <a:t>Dates/Times/Locations</a:t>
             </a:r>
             <a:endParaRPr lang="en-GB" sz="2400" b="0" strike="noStrike" spc="-1" dirty="0">
               <a:solidFill>
@@ -7964,7 +7908,30 @@
                 <a:latin typeface="DejaVu Sans"/>
                 <a:ea typeface="DejaVu Sans"/>
               </a:rPr>
-              <a:t> in Goslar is limited to ca. 15-20 seats due to the current COVID restrictions. Thus, </a:t>
+              <a:t> in Goslar is limited to ca</a:t>
+            </a:r>
+            <a:r>
+              <a:rPr lang="en-GB" sz="1800" b="0" strike="noStrike" spc="-1" dirty="0">
+                <a:solidFill>
+                  <a:srgbClr val="000000"/>
+                </a:solidFill>
+                <a:highlight>
+                  <a:srgbClr val="FFFF00"/>
+                </a:highlight>
+                <a:latin typeface="DejaVu Sans"/>
+                <a:ea typeface="DejaVu Sans"/>
+              </a:rPr>
+              <a:t>. 15-20 seats due to the current COVID restrictions</a:t>
+            </a:r>
+            <a:r>
+              <a:rPr lang="en-GB" sz="1800" b="0" strike="noStrike" spc="-1" dirty="0">
+                <a:solidFill>
+                  <a:srgbClr val="000000"/>
+                </a:solidFill>
+                <a:latin typeface="DejaVu Sans"/>
+                <a:ea typeface="DejaVu Sans"/>
+              </a:rPr>
+              <a:t>. Thus, </a:t>
             </a:r>
             <a:r>
               <a:rPr lang="en-GB" sz="1800" b="1" strike="noStrike" spc="-1" dirty="0">
@@ -8355,7 +8322,7 @@
                 <a:latin typeface="DejaVu Sans"/>
                 <a:ea typeface="DejaVu Sans"/>
               </a:rPr>
-              <a:t>Monday </a:t>
+              <a:t>Wednesday </a:t>
             </a:r>
             <a:r>
               <a:rPr lang="en-GB" b="1" spc="-1" dirty="0">
@@ -10021,7 +9988,7 @@
               <a:buChar char=""/>
             </a:pPr>
             <a:r>
-              <a:rPr lang="en-US" sz="1800" b="0" strike="noStrike" spc="-1">
+              <a:rPr lang="en-US" sz="1800" b="0" strike="noStrike" spc="-1" dirty="0">
                 <a:solidFill>
                   <a:srgbClr val="000000"/>
                 </a:solidFill>
@@ -10030,7 +9997,7 @@
               </a:rPr>
               <a:t>Prerequisite for admission to the final exam (all criteria have to be fulfilled):</a:t>
             </a:r>
-            <a:endParaRPr lang="en-GB" sz="1800" b="0" strike="noStrike" spc="-1">
+            <a:endParaRPr lang="en-GB" sz="1800" b="0" strike="noStrike" spc="-1" dirty="0">
               <a:solidFill>
                 <a:srgbClr val="000000"/>
               </a:solidFill>
@@ -10053,7 +10020,7 @@
               <a:buChar char="—"/>
             </a:pPr>
             <a:r>
-              <a:rPr lang="en-US" sz="1800" b="0" strike="noStrike" spc="-1">
+              <a:rPr lang="en-US" sz="1800" b="0" strike="noStrike" spc="-1" dirty="0">
                 <a:solidFill>
                   <a:srgbClr val="000000"/>
                 </a:solidFill>
@@ -10062,7 +10029,7 @@
               </a:rPr>
               <a:t>Submit all exercises</a:t>
             </a:r>
-            <a:endParaRPr lang="en-GB" sz="1800" b="0" strike="noStrike" spc="-1">
+            <a:endParaRPr lang="en-GB" sz="1800" b="0" strike="noStrike" spc="-1" dirty="0">
               <a:solidFill>
                 <a:srgbClr val="000000"/>
               </a:solidFill>
@@ -10078,7 +10045,7 @@
                 <a:spcPts val="360"/>
               </a:spcBef>
             </a:pPr>
-            <a:endParaRPr lang="en-GB" sz="1800" b="0" strike="noStrike" spc="-1">
+            <a:endParaRPr lang="en-GB" sz="1800" b="0" strike="noStrike" spc="-1" dirty="0">
               <a:solidFill>
                 <a:srgbClr val="000000"/>
               </a:solidFill>
@@ -10101,7 +10068,7 @@
               <a:buChar char=""/>
             </a:pPr>
             <a:r>
-              <a:rPr lang="en-US" sz="1800" b="0" strike="noStrike" spc="-1">
+              <a:rPr lang="en-US" sz="1800" b="0" strike="noStrike" spc="-1" dirty="0">
                 <a:solidFill>
                   <a:srgbClr val="000000"/>
                 </a:solidFill>
@@ -10110,7 +10077,7 @@
               </a:rPr>
               <a:t>Final exam:</a:t>
             </a:r>
-            <a:endParaRPr lang="en-GB" sz="1800" b="0" strike="noStrike" spc="-1">
+            <a:endParaRPr lang="en-GB" sz="1800" b="0" strike="noStrike" spc="-1" dirty="0">
               <a:solidFill>
                 <a:srgbClr val="000000"/>
               </a:solidFill>
@@ -10133,7 +10100,7 @@
               <a:buChar char="—"/>
             </a:pPr>
             <a:r>
-              <a:rPr lang="en-GB" sz="1800" b="0" strike="noStrike" spc="-1">
+              <a:rPr lang="en-GB" sz="1800" b="0" strike="noStrike" spc="-1" dirty="0">
                 <a:solidFill>
                   <a:srgbClr val="000000"/>
                 </a:solidFill>
@@ -10142,7 +10109,7 @@
               </a:rPr>
               <a:t>No Specific date yet</a:t>
             </a:r>
-            <a:endParaRPr lang="en-GB" sz="1800" b="0" strike="noStrike" spc="-1">
+            <a:endParaRPr lang="en-GB" sz="1800" b="0" strike="noStrike" spc="-1" dirty="0">
               <a:solidFill>
                 <a:srgbClr val="000000"/>
               </a:solidFill>
@@ -10165,7 +10132,7 @@
               <a:buChar char="—"/>
             </a:pPr>
             <a:r>
-              <a:rPr lang="en-US" sz="1800" b="0" strike="noStrike" spc="-1">
+              <a:rPr lang="en-US" sz="1800" b="0" strike="noStrike" spc="-1" dirty="0">
                 <a:solidFill>
                   <a:srgbClr val="000000"/>
                 </a:solidFill>
@@ -10175,7 +10142,7 @@
               <a:t>Either written exam (120min) </a:t>
             </a:r>
             <a:r>
-              <a:rPr lang="en-US" sz="1800" b="1" strike="noStrike" spc="-1">
+              <a:rPr lang="en-US" sz="1800" b="1" strike="noStrike" spc="-1" dirty="0">
                 <a:solidFill>
                   <a:srgbClr val="000000"/>
                 </a:solidFill>
@@ -10185,7 +10152,7 @@
               <a:t>or</a:t>
             </a:r>
             <a:r>
-              <a:rPr lang="en-US" sz="1800" b="0" strike="noStrike" spc="-1">
+              <a:rPr lang="en-US" sz="1800" b="0" strike="noStrike" spc="-1" dirty="0">
                 <a:solidFill>
                   <a:srgbClr val="000000"/>
                 </a:solidFill>
@@ -10194,7 +10161,7 @@
               </a:rPr>
               <a:t> oral examination (20-25min)</a:t>
             </a:r>
-            <a:endParaRPr lang="en-GB" sz="1800" b="0" strike="noStrike" spc="-1">
+            <a:endParaRPr lang="en-GB" sz="1800" b="0" strike="noStrike" spc="-1" dirty="0">
               <a:solidFill>
                 <a:srgbClr val="000000"/>
               </a:solidFill>
@@ -10217,19 +10184,25 @@
               <a:buChar char="—"/>
             </a:pPr>
             <a:r>
-              <a:rPr lang="en-US" sz="1800" b="0" strike="noStrike" spc="-1">
-                <a:solidFill>
-                  <a:srgbClr val="000000"/>
-                </a:solidFill>
+              <a:rPr lang="en-US" sz="1800" b="0" strike="noStrike" spc="-1" dirty="0">
+                <a:solidFill>
+                  <a:srgbClr val="000000"/>
+                </a:solidFill>
+                <a:highlight>
+                  <a:srgbClr val="FFFF00"/>
+                </a:highlight>
                 <a:latin typeface="DejaVu Sans"/>
                 <a:ea typeface="DejaVu Sans"/>
               </a:rPr>
               <a:t>Online vs. lecture room examination → depends on the pandemic and the number of students </a:t>
             </a:r>
-            <a:endParaRPr lang="en-GB" sz="1800" b="0" strike="noStrike" spc="-1">
-              <a:solidFill>
-                <a:srgbClr val="000000"/>
-              </a:solidFill>
+            <a:endParaRPr lang="en-GB" sz="1800" b="0" strike="noStrike" spc="-1" dirty="0">
+              <a:solidFill>
+                <a:srgbClr val="000000"/>
+              </a:solidFill>
+              <a:highlight>
+                <a:srgbClr val="FFFF00"/>
+              </a:highlight>
               <a:latin typeface="Arial"/>
             </a:endParaRPr>
           </a:p>
@@ -12547,7 +12520,7 @@
         </p:blipFill>
         <p:spPr>
           <a:xfrm>
-            <a:off x="4972109" y="2160529"/>
+            <a:off x="2957566" y="2417704"/>
             <a:ext cx="1468440" cy="2169720"/>
           </a:xfrm>
           <a:prstGeom prst="rect">
@@ -12566,7 +12539,7 @@
         </p:nvSpPr>
         <p:spPr>
           <a:xfrm>
-            <a:off x="3907589" y="4276609"/>
+            <a:off x="1893046" y="4659747"/>
             <a:ext cx="3633120" cy="674640"/>
           </a:xfrm>
           <a:prstGeom prst="rect">
@@ -12604,7 +12577,7 @@
               </a:spcBef>
             </a:pPr>
             <a:r>
-              <a:rPr lang="de-DE" sz="1600" b="0" strike="noStrike" spc="-1">
+              <a:rPr lang="de-DE" sz="1600" b="0" strike="noStrike" spc="-1" dirty="0">
                 <a:solidFill>
                   <a:srgbClr val="595959"/>
                 </a:solidFill>
@@ -12613,7 +12586,7 @@
               </a:rPr>
               <a:t>Prof. Dr. Benjamin Leiding</a:t>
             </a:r>
-            <a:endParaRPr lang="en-GB" sz="1600" b="0" strike="noStrike" spc="-1">
+            <a:endParaRPr lang="en-GB" sz="1600" b="0" strike="noStrike" spc="-1" dirty="0">
               <a:solidFill>
                 <a:srgbClr val="000000"/>
               </a:solidFill>
@@ -12630,7 +12603,7 @@
               </a:spcBef>
             </a:pPr>
             <a:r>
-              <a:rPr lang="de-DE" sz="1200" b="0" strike="noStrike" spc="-1">
+              <a:rPr lang="de-DE" sz="1200" b="0" strike="noStrike" spc="-1" dirty="0">
                 <a:solidFill>
                   <a:srgbClr val="595959"/>
                 </a:solidFill>
@@ -12639,7 +12612,7 @@
               </a:rPr>
               <a:t>benjamin.leiding@tu-clausthal.de</a:t>
             </a:r>
-            <a:endParaRPr lang="en-GB" sz="1200" b="0" strike="noStrike" spc="-1">
+            <a:endParaRPr lang="en-GB" sz="1200" b="0" strike="noStrike" spc="-1" dirty="0">
               <a:solidFill>
                 <a:srgbClr val="000000"/>
               </a:solidFill>
@@ -12656,7 +12629,7 @@
         </p:nvSpPr>
         <p:spPr>
           <a:xfrm>
-            <a:off x="7175236" y="4244481"/>
+            <a:off x="5160693" y="4659747"/>
             <a:ext cx="3633120" cy="674640"/>
           </a:xfrm>
           <a:prstGeom prst="rect">
@@ -12764,7 +12737,7 @@
         </p:blipFill>
         <p:spPr>
           <a:xfrm>
-            <a:off x="8284412" y="2053880"/>
+            <a:off x="6269869" y="2417704"/>
             <a:ext cx="1414767" cy="2169721"/>
           </a:xfrm>
           <a:prstGeom prst="rect">
@@ -12772,162 +12745,6 @@
           </a:prstGeom>
         </p:spPr>
       </p:pic>
-      <p:pic>
-        <p:nvPicPr>
-          <p:cNvPr id="7" name="Grafik 11">
-            <a:extLst>
-              <a:ext uri="{FF2B5EF4-FFF2-40B4-BE49-F238E27FC236}">
-                <a16:creationId xmlns:a16="http://schemas.microsoft.com/office/drawing/2014/main" id="{8BFC4F77-2B19-4945-927F-BC3E614109CC}"/>
-              </a:ext>
-            </a:extLst>
-          </p:cNvPr>
-          <p:cNvPicPr/>
-          <p:nvPr/>
-        </p:nvPicPr>
-        <p:blipFill rotWithShape="1">
-          <a:blip r:embed="rId4"/>
-          <a:srcRect l="8585" r="11276"/>
-          <a:stretch/>
-        </p:blipFill>
-        <p:spPr>
-          <a:xfrm>
-            <a:off x="1457243" y="2160529"/>
-            <a:ext cx="1591602" cy="2125411"/>
-          </a:xfrm>
-          <a:prstGeom prst="rect">
-            <a:avLst/>
-          </a:prstGeom>
-          <a:ln w="0">
-            <a:noFill/>
-          </a:ln>
-        </p:spPr>
-      </p:pic>
-      <p:sp>
-        <p:nvSpPr>
-          <p:cNvPr id="8" name="CustomShape 3">
-            <a:extLst>
-              <a:ext uri="{FF2B5EF4-FFF2-40B4-BE49-F238E27FC236}">
-                <a16:creationId xmlns:a16="http://schemas.microsoft.com/office/drawing/2014/main" id="{BCF25316-AD76-4F34-AE98-9E8893C8BB5C}"/>
-              </a:ext>
-            </a:extLst>
-          </p:cNvPr>
-          <p:cNvSpPr/>
-          <p:nvPr/>
-        </p:nvSpPr>
-        <p:spPr>
-          <a:xfrm>
-            <a:off x="436484" y="4255700"/>
-            <a:ext cx="3633120" cy="674640"/>
-          </a:xfrm>
-          <a:prstGeom prst="rect">
-            <a:avLst/>
-          </a:prstGeom>
-          <a:noFill/>
-          <a:ln w="0">
-            <a:noFill/>
-          </a:ln>
-        </p:spPr>
-        <p:style>
-          <a:lnRef idx="0">
-            <a:scrgbClr r="0" g="0" b="0"/>
-          </a:lnRef>
-          <a:fillRef idx="0">
-            <a:scrgbClr r="0" g="0" b="0"/>
-          </a:fillRef>
-          <a:effectRef idx="0">
-            <a:scrgbClr r="0" g="0" b="0"/>
-          </a:effectRef>
-          <a:fontRef idx="minor"/>
-        </p:style>
-        <p:txBody>
-          <a:bodyPr lIns="90000" tIns="45000" rIns="90000" bIns="45000" anchor="ctr">
-            <a:noAutofit/>
-          </a:bodyPr>
-          <a:lstStyle/>
-          <a:p>
-            <a:pPr marL="360" algn="ctr">
-              <a:lnSpc>
-                <a:spcPct val="100000"/>
-              </a:lnSpc>
-              <a:spcBef>
-                <a:spcPts val="360"/>
-              </a:spcBef>
-            </a:pPr>
-            <a:r>
-              <a:rPr lang="de-DE" sz="1600" b="0" strike="noStrike" spc="-1" dirty="0">
-                <a:solidFill>
-                  <a:srgbClr val="595959"/>
-                </a:solidFill>
-                <a:latin typeface="DejaVu Sans"/>
-                <a:ea typeface="DejaVu Sans"/>
-              </a:rPr>
-              <a:t>M.Sc. </a:t>
-            </a:r>
-            <a:r>
-              <a:rPr lang="de-DE" sz="1600" b="0" strike="noStrike" spc="-1" dirty="0" err="1">
-                <a:solidFill>
-                  <a:srgbClr val="595959"/>
-                </a:solidFill>
-                <a:latin typeface="DejaVu Sans"/>
-                <a:ea typeface="DejaVu Sans"/>
-              </a:rPr>
-              <a:t>Anant</a:t>
-            </a:r>
-            <a:r>
-              <a:rPr lang="de-DE" sz="1600" b="0" strike="noStrike" spc="-1" dirty="0">
-                <a:solidFill>
-                  <a:srgbClr val="595959"/>
-                </a:solidFill>
-                <a:latin typeface="DejaVu Sans"/>
-                <a:ea typeface="DejaVu Sans"/>
-              </a:rPr>
-              <a:t> </a:t>
-            </a:r>
-            <a:r>
-              <a:rPr lang="de-DE" sz="1600" b="0" strike="noStrike" spc="-1" dirty="0" err="1">
-                <a:solidFill>
-                  <a:srgbClr val="595959"/>
-                </a:solidFill>
-                <a:latin typeface="DejaVu Sans"/>
-                <a:ea typeface="DejaVu Sans"/>
-              </a:rPr>
-              <a:t>Sujatanagarjuna</a:t>
-            </a:r>
-            <a:endParaRPr lang="en-GB" sz="1600" b="0" strike="noStrike" spc="-1" dirty="0">
-              <a:solidFill>
-                <a:srgbClr val="000000"/>
-              </a:solidFill>
-              <a:latin typeface="Arial"/>
-            </a:endParaRPr>
-          </a:p>
-          <a:p>
-            <a:pPr marL="360" algn="ctr">
-              <a:lnSpc>
-                <a:spcPct val="100000"/>
-              </a:lnSpc>
-              <a:spcBef>
-                <a:spcPts val="360"/>
-              </a:spcBef>
-            </a:pPr>
-            <a:r>
-              <a:rPr lang="de-DE" sz="1200" b="0" strike="noStrike" spc="-1" dirty="0">
-                <a:solidFill>
-                  <a:srgbClr val="595959"/>
-                </a:solidFill>
-                <a:latin typeface="DejaVu Sans"/>
-                <a:ea typeface="DejaVu Sans"/>
-              </a:rPr>
-              <a:t>anant.sujatanagarjuna@tu-clausthal.de</a:t>
-            </a:r>
-            <a:endParaRPr lang="en-GB" sz="1200" b="0" strike="noStrike" spc="-1" dirty="0">
-              <a:solidFill>
-                <a:srgbClr val="000000"/>
-              </a:solidFill>
-              <a:latin typeface="Arial"/>
-            </a:endParaRPr>
-          </a:p>
-        </p:txBody>
-      </p:sp>
     </p:spTree>
   </p:cSld>
   <p:clrMapOvr>
@@ -13016,59 +12833,13 @@
       </p:sp>
       <p:sp>
         <p:nvSpPr>
-          <p:cNvPr id="108" name="CustomShape 2"/>
-          <p:cNvSpPr/>
-          <p:nvPr/>
-        </p:nvSpPr>
-        <p:spPr>
-          <a:xfrm>
-            <a:off x="451800" y="1709280"/>
-            <a:ext cx="8218800" cy="4347000"/>
-          </a:xfrm>
-          <a:prstGeom prst="rect">
-            <a:avLst/>
-          </a:prstGeom>
-          <a:noFill/>
-          <a:ln w="9360">
-            <a:noFill/>
-          </a:ln>
-        </p:spPr>
-        <p:style>
-          <a:lnRef idx="0">
-            <a:scrgbClr r="0" g="0" b="0"/>
-          </a:lnRef>
-          <a:fillRef idx="0">
-            <a:scrgbClr r="0" g="0" b="0"/>
-          </a:fillRef>
-          <a:effectRef idx="0">
-            <a:scrgbClr r="0" g="0" b="0"/>
-          </a:effectRef>
-          <a:fontRef idx="minor"/>
-        </p:style>
-        <p:txBody>
-          <a:bodyPr lIns="90000" tIns="45000" rIns="90000" bIns="45000" anchor="t">
-            <a:noAutofit/>
-          </a:bodyPr>
-          <a:lstStyle/>
-          <a:p>
-            <a:endParaRPr lang="en-GB" sz="1800" b="0" strike="noStrike" spc="-1">
-              <a:solidFill>
-                <a:srgbClr val="000000"/>
-              </a:solidFill>
-              <a:latin typeface="Arial"/>
-            </a:endParaRPr>
-          </a:p>
-        </p:txBody>
-      </p:sp>
-      <p:sp>
-        <p:nvSpPr>
           <p:cNvPr id="109" name="CustomShape 3"/>
           <p:cNvSpPr/>
           <p:nvPr/>
         </p:nvSpPr>
         <p:spPr>
           <a:xfrm>
-            <a:off x="609480" y="1769400"/>
+            <a:off x="619313" y="1213920"/>
             <a:ext cx="10581840" cy="4849920"/>
           </a:xfrm>
           <a:prstGeom prst="rect">
@@ -13498,6 +13269,15 @@
               <a:buChar char="—"/>
             </a:pPr>
             <a:r>
+              <a:rPr lang="en-US" spc="-1" dirty="0">
+                <a:solidFill>
+                  <a:srgbClr val="000000"/>
+                </a:solidFill>
+                <a:latin typeface="DejaVu Sans"/>
+              </a:rPr>
+              <a:t>IoT and Digitalization for Circular Economy (</a:t>
+            </a:r>
+            <a:r>
               <a:rPr lang="en-US" sz="1800" b="0" strike="noStrike" spc="-1" dirty="0">
                 <a:solidFill>
                   <a:srgbClr val="000000"/>
@@ -13505,7 +13285,20 @@
                 <a:latin typeface="DejaVu Sans"/>
                 <a:ea typeface="DejaVu Sans"/>
               </a:rPr>
-              <a:t>Requirements Engineering (WS – M.Sc.)</a:t>
+              <a:t>SS – </a:t>
+            </a:r>
+            <a:r>
+              <a:rPr lang="en-US" sz="1800" b="0" strike="noStrike" spc="-1" dirty="0">
+                <a:solidFill>
+                  <a:srgbClr val="000000"/>
+                </a:solidFill>
+                <a:highlight>
+                  <a:srgbClr val="FFFF00"/>
+                </a:highlight>
+                <a:latin typeface="DejaVu Sans"/>
+                <a:ea typeface="DejaVu Sans"/>
+              </a:rPr>
+              <a:t>M.Sc.)</a:t>
             </a:r>
           </a:p>
         </p:txBody>
@@ -15032,21 +14825,15 @@
               </a:lnSpc>
             </a:pPr>
             <a:r>
-              <a:rPr lang="en-US" sz="2200" b="1" strike="noStrike" spc="-1">
-                <a:solidFill>
-                  <a:srgbClr val="000000"/>
-                </a:solidFill>
-                <a:latin typeface="DejaVu Sans"/>
-                <a:ea typeface="DejaVu Sans"/>
-              </a:rPr>
-              <a:t>Learning Outcome</a:t>
-            </a:r>
-            <a:endParaRPr lang="en-GB" sz="2200" b="0" strike="noStrike" spc="-1">
-              <a:solidFill>
-                <a:srgbClr val="000000"/>
-              </a:solidFill>
-              <a:latin typeface="Arial"/>
-            </a:endParaRPr>
+              <a:rPr lang="en-US" sz="2200" b="1" strike="noStrike" spc="-1" dirty="0">
+                <a:solidFill>
+                  <a:srgbClr val="000000"/>
+                </a:solidFill>
+                <a:latin typeface="DejaVu Sans"/>
+                <a:ea typeface="DejaVu Sans"/>
+              </a:rPr>
+              <a:t>Learning Outcome </a:t>
+            </a:r>
           </a:p>
         </p:txBody>
       </p:sp>
@@ -15289,13 +15076,13 @@
       </p:grpSpPr>
       <p:sp>
         <p:nvSpPr>
-          <p:cNvPr id="122" name="CustomShape 1"/>
+          <p:cNvPr id="124" name="CustomShape 1"/>
           <p:cNvSpPr/>
           <p:nvPr/>
         </p:nvSpPr>
         <p:spPr>
           <a:xfrm>
-            <a:off x="335520" y="764640"/>
+            <a:off x="335520" y="771840"/>
             <a:ext cx="10745640" cy="496440"/>
           </a:xfrm>
           <a:prstGeom prst="rect">
@@ -15330,19 +15117,22 @@
               </a:lnSpc>
             </a:pPr>
             <a:r>
-              <a:rPr lang="de-DE" sz="2400" b="1" strike="noStrike" spc="-1">
-                <a:solidFill>
-                  <a:srgbClr val="000000"/>
-                </a:solidFill>
-                <a:latin typeface="DejaVu Sans"/>
-                <a:ea typeface="DejaVu Sans"/>
-              </a:rPr>
-              <a:t>Lecture Plan</a:t>
-            </a:r>
-            <a:endParaRPr lang="en-GB" sz="2400" b="0" strike="noStrike" spc="-1">
-              <a:solidFill>
-                <a:srgbClr val="000000"/>
-              </a:solidFill>
+              <a:rPr lang="en-US" sz="2400" b="1" strike="noStrike" spc="-1" dirty="0">
+                <a:solidFill>
+                  <a:srgbClr val="000000"/>
+                </a:solidFill>
+                <a:latin typeface="DejaVu Sans"/>
+                <a:ea typeface="DejaVu Sans"/>
+              </a:rPr>
+              <a:t>Course Organization</a:t>
+            </a:r>
+            <a:endParaRPr lang="en-GB" sz="2400" b="0" strike="noStrike" spc="-1" dirty="0">
+              <a:solidFill>
+                <a:srgbClr val="000000"/>
+              </a:solidFill>
+              <a:highlight>
+                <a:srgbClr val="FF0000"/>
+              </a:highlight>
               <a:latin typeface="Arial"/>
             </a:endParaRPr>
           </a:p>
@@ -15350,14 +15140,14 @@
       </p:sp>
       <p:sp>
         <p:nvSpPr>
-          <p:cNvPr id="123" name="CustomShape 2"/>
+          <p:cNvPr id="125" name="CustomShape 2"/>
           <p:cNvSpPr/>
           <p:nvPr/>
         </p:nvSpPr>
         <p:spPr>
           <a:xfrm>
-            <a:off x="335520" y="1380744"/>
-            <a:ext cx="10745640" cy="5093208"/>
+            <a:off x="335520" y="1268280"/>
+            <a:ext cx="10745640" cy="5033160"/>
           </a:xfrm>
           <a:prstGeom prst="rect">
             <a:avLst/>
@@ -15400,16 +15190,6 @@
               <a:buChar char=""/>
             </a:pPr>
             <a:r>
-              <a:rPr lang="en-US" spc="-1" dirty="0">
-                <a:solidFill>
-                  <a:srgbClr val="000000"/>
-                </a:solidFill>
-                <a:latin typeface="DejaVu Sans"/>
-                <a:ea typeface="DejaVu Sans"/>
-              </a:rPr>
-              <a:t>19</a:t>
-            </a:r>
-            <a:r>
               <a:rPr lang="en-US" sz="1800" b="0" strike="noStrike" spc="-1" dirty="0">
                 <a:solidFill>
                   <a:srgbClr val="000000"/>
@@ -15417,8 +15197,46 @@
                 <a:latin typeface="DejaVu Sans"/>
                 <a:ea typeface="DejaVu Sans"/>
               </a:rPr>
-              <a:t>.04.2023 → Organization (L00) + Introduction (L01)</a:t>
-            </a:r>
+              <a:t>Course website – </a:t>
+            </a:r>
+            <a:r>
+              <a:rPr lang="en-US" sz="1800" b="0" u="sng" strike="noStrike" spc="-1" dirty="0">
+                <a:solidFill>
+                  <a:srgbClr val="0000FF"/>
+                </a:solidFill>
+                <a:uFillTx/>
+                <a:latin typeface="DejaVu Sans"/>
+                <a:ea typeface="DejaVu Sans"/>
+                <a:hlinkClick r:id="rId2"/>
+              </a:rPr>
+              <a:t>Link</a:t>
+            </a:r>
+            <a:r>
+              <a:rPr lang="en-US" sz="1800" b="0" strike="noStrike" spc="-1" dirty="0">
+                <a:solidFill>
+                  <a:srgbClr val="000000"/>
+                </a:solidFill>
+                <a:latin typeface="DejaVu Sans"/>
+                <a:ea typeface="DejaVu Sans"/>
+              </a:rPr>
+              <a:t> </a:t>
+            </a:r>
+            <a:endParaRPr lang="en-GB" sz="1800" b="0" strike="noStrike" spc="-1" dirty="0">
+              <a:solidFill>
+                <a:srgbClr val="000000"/>
+              </a:solidFill>
+              <a:latin typeface="Arial"/>
+            </a:endParaRPr>
+          </a:p>
+          <a:p>
+            <a:pPr>
+              <a:lnSpc>
+                <a:spcPct val="100000"/>
+              </a:lnSpc>
+              <a:spcBef>
+                <a:spcPts val="360"/>
+              </a:spcBef>
+            </a:pPr>
             <a:endParaRPr lang="en-GB" sz="1800" b="0" strike="noStrike" spc="-1" dirty="0">
               <a:solidFill>
                 <a:srgbClr val="000000"/>
@@ -15442,43 +15260,173 @@
               <a:buChar char=""/>
             </a:pPr>
             <a:r>
-              <a:rPr lang="en-US" spc="-1" dirty="0">
-                <a:solidFill>
-                  <a:srgbClr val="000000"/>
-                </a:solidFill>
-                <a:latin typeface="DejaVu Sans"/>
-              </a:rPr>
-              <a:t>26.04.2023 </a:t>
-            </a:r>
-            <a:r>
-              <a:rPr lang="en-US" sz="1800" b="0" strike="noStrike" spc="-1" dirty="0">
-                <a:solidFill>
-                  <a:srgbClr val="000000"/>
-                </a:solidFill>
-                <a:latin typeface="DejaVu Sans"/>
-                <a:ea typeface="DejaVu Sans"/>
-              </a:rPr>
-              <a:t>→ </a:t>
-            </a:r>
-            <a:r>
-              <a:rPr lang="en-US" spc="-1" dirty="0">
-                <a:solidFill>
-                  <a:srgbClr val="000000"/>
-                </a:solidFill>
-                <a:latin typeface="DejaVu Sans"/>
-              </a:rPr>
-              <a:t>Challenges I: Climate Change (</a:t>
-            </a:r>
-            <a:r>
-              <a:rPr lang="en-US" sz="1800" b="0" strike="noStrike" spc="-1" dirty="0">
-                <a:solidFill>
-                  <a:srgbClr val="000000"/>
-                </a:solidFill>
-                <a:latin typeface="DejaVu Sans"/>
-                <a:ea typeface="DejaVu Sans"/>
-              </a:rPr>
-              <a:t>L02)</a:t>
-            </a:r>
+              <a:rPr lang="en-GB" sz="1800" b="0" strike="noStrike" spc="-1" dirty="0">
+                <a:solidFill>
+                  <a:srgbClr val="000000"/>
+                </a:solidFill>
+                <a:latin typeface="DejaVu Sans"/>
+                <a:ea typeface="DejaVu Sans"/>
+              </a:rPr>
+              <a:t>News and updates:</a:t>
+            </a:r>
+            <a:endParaRPr lang="en-GB" sz="1800" b="0" strike="noStrike" spc="-1" dirty="0">
+              <a:solidFill>
+                <a:srgbClr val="000000"/>
+              </a:solidFill>
+              <a:latin typeface="Arial"/>
+            </a:endParaRPr>
+          </a:p>
+          <a:p>
+            <a:pPr marL="432000" lvl="1" indent="-211320">
+              <a:lnSpc>
+                <a:spcPct val="100000"/>
+              </a:lnSpc>
+              <a:spcBef>
+                <a:spcPts val="360"/>
+              </a:spcBef>
+              <a:buClr>
+                <a:srgbClr val="008C4F"/>
+              </a:buClr>
+              <a:buSzPct val="45000"/>
+              <a:buFont typeface="OpenSymbol"/>
+              <a:buChar char="—"/>
+            </a:pPr>
+            <a:r>
+              <a:rPr lang="en-GB" sz="1800" b="0" strike="noStrike" spc="-1" dirty="0">
+                <a:solidFill>
+                  <a:srgbClr val="000000"/>
+                </a:solidFill>
+                <a:latin typeface="DejaVu Sans"/>
+                <a:ea typeface="DejaVu Sans"/>
+              </a:rPr>
+              <a:t>CLZ students + </a:t>
+            </a:r>
+            <a:r>
+              <a:rPr lang="en-GB" sz="1800" b="0" strike="noStrike" spc="-1" dirty="0" err="1">
+                <a:solidFill>
+                  <a:srgbClr val="000000"/>
+                </a:solidFill>
+                <a:latin typeface="DejaVu Sans"/>
+                <a:ea typeface="DejaVu Sans"/>
+              </a:rPr>
+              <a:t>DigiTec</a:t>
+            </a:r>
+            <a:r>
+              <a:rPr lang="en-GB" sz="1800" b="0" strike="noStrike" spc="-1" dirty="0">
+                <a:solidFill>
+                  <a:srgbClr val="000000"/>
+                </a:solidFill>
+                <a:latin typeface="DejaVu Sans"/>
+                <a:ea typeface="DejaVu Sans"/>
+              </a:rPr>
+              <a:t>: </a:t>
+            </a:r>
+            <a:r>
+              <a:rPr lang="en-GB" sz="1800" b="0" strike="noStrike" spc="-1" dirty="0" err="1">
+                <a:solidFill>
+                  <a:srgbClr val="000000"/>
+                </a:solidFill>
+                <a:latin typeface="DejaVu Sans"/>
+                <a:ea typeface="DejaVu Sans"/>
+              </a:rPr>
+              <a:t>StudIP</a:t>
+            </a:r>
+            <a:r>
+              <a:rPr lang="en-GB" sz="1800" b="0" strike="noStrike" spc="-1" dirty="0">
+                <a:solidFill>
+                  <a:srgbClr val="000000"/>
+                </a:solidFill>
+                <a:latin typeface="DejaVu Sans"/>
+                <a:ea typeface="DejaVu Sans"/>
+              </a:rPr>
+              <a:t> (</a:t>
+            </a:r>
+            <a:r>
+              <a:rPr lang="en-GB" sz="1800" b="0" u="sng" strike="noStrike" spc="-1" dirty="0">
+                <a:solidFill>
+                  <a:srgbClr val="0000FF"/>
+                </a:solidFill>
+                <a:uFillTx/>
+                <a:latin typeface="DejaVu Sans"/>
+                <a:ea typeface="DejaVu Sans"/>
+                <a:hlinkClick r:id="rId3"/>
+              </a:rPr>
+              <a:t>Link</a:t>
+            </a:r>
+            <a:r>
+              <a:rPr lang="en-GB" sz="1800" b="0" strike="noStrike" spc="-1" dirty="0">
+                <a:solidFill>
+                  <a:srgbClr val="000000"/>
+                </a:solidFill>
+                <a:latin typeface="DejaVu Sans"/>
+                <a:ea typeface="DejaVu Sans"/>
+              </a:rPr>
+              <a:t>)</a:t>
+            </a:r>
+            <a:endParaRPr lang="en-GB" sz="1800" b="0" strike="noStrike" spc="-1" dirty="0">
+              <a:solidFill>
+                <a:srgbClr val="000000"/>
+              </a:solidFill>
+              <a:latin typeface="Arial"/>
+            </a:endParaRPr>
+          </a:p>
+          <a:p>
+            <a:pPr marL="432000" lvl="1" indent="-211320">
+              <a:lnSpc>
+                <a:spcPct val="100000"/>
+              </a:lnSpc>
+              <a:spcBef>
+                <a:spcPts val="360"/>
+              </a:spcBef>
+              <a:buClr>
+                <a:srgbClr val="008C4F"/>
+              </a:buClr>
+              <a:buSzPct val="45000"/>
+              <a:buFont typeface="OpenSymbol"/>
+              <a:buChar char="—"/>
+            </a:pPr>
+            <a:r>
+              <a:rPr lang="en-GB" sz="1800" b="0" strike="noStrike" spc="-1" dirty="0">
+                <a:solidFill>
+                  <a:srgbClr val="000000"/>
+                </a:solidFill>
+                <a:latin typeface="DejaVu Sans"/>
+                <a:ea typeface="DejaVu Sans"/>
+              </a:rPr>
+              <a:t>Everyone else: </a:t>
+            </a:r>
+            <a:r>
+              <a:rPr lang="en-GB" sz="1800" b="0" strike="noStrike" spc="-1" dirty="0">
+                <a:solidFill>
+                  <a:srgbClr val="000000"/>
+                </a:solidFill>
+                <a:highlight>
+                  <a:srgbClr val="FFFF00"/>
+                </a:highlight>
+                <a:latin typeface="DejaVu Sans"/>
+                <a:ea typeface="DejaVu Sans"/>
+              </a:rPr>
+              <a:t>MATRIX</a:t>
+            </a:r>
+            <a:endParaRPr lang="en-GB" sz="1800" b="0" strike="noStrike" spc="-1" dirty="0">
+              <a:solidFill>
+                <a:srgbClr val="000000"/>
+              </a:solidFill>
+              <a:highlight>
+                <a:srgbClr val="FFFF00"/>
+              </a:highlight>
+              <a:latin typeface="Arial"/>
+            </a:endParaRPr>
+          </a:p>
+          <a:p>
+            <a:pPr>
+              <a:lnSpc>
+                <a:spcPct val="100000"/>
+              </a:lnSpc>
+              <a:spcBef>
+                <a:spcPts val="360"/>
+              </a:spcBef>
+            </a:pPr>
             <a:endParaRPr lang="en-GB" sz="1800" b="0" strike="noStrike" spc="-1" dirty="0">
               <a:solidFill>
                 <a:srgbClr val="000000"/>
@@ -15502,15 +15450,6 @@
               <a:buChar char=""/>
             </a:pPr>
             <a:r>
-              <a:rPr lang="en-US" spc="-1" dirty="0">
-                <a:solidFill>
-                  <a:srgbClr val="000000"/>
-                </a:solidFill>
-                <a:latin typeface="DejaVu Sans"/>
-              </a:rPr>
-              <a:t>03.05.2023 </a:t>
-            </a:r>
-            <a:r>
               <a:rPr lang="en-US" sz="1800" b="0" strike="noStrike" spc="-1" dirty="0">
                 <a:solidFill>
                   <a:srgbClr val="000000"/>
@@ -15518,16 +15457,17 @@
                 <a:latin typeface="DejaVu Sans"/>
                 <a:ea typeface="DejaVu Sans"/>
               </a:rPr>
-              <a:t>→ </a:t>
-            </a:r>
-            <a:r>
-              <a:rPr lang="en-US" spc="-1" dirty="0">
-                <a:solidFill>
-                  <a:srgbClr val="000000"/>
-                </a:solidFill>
-                <a:latin typeface="DejaVu Sans"/>
-              </a:rPr>
-              <a:t>Challenges II: Pollution and Natural Resources (</a:t>
+              <a:t>Slides will be uploaded to </a:t>
+            </a:r>
+            <a:r>
+              <a:rPr lang="en-US" sz="1800" b="0" strike="noStrike" spc="-1" dirty="0" err="1">
+                <a:solidFill>
+                  <a:srgbClr val="000000"/>
+                </a:solidFill>
+                <a:latin typeface="DejaVu Sans"/>
+                <a:ea typeface="DejaVu Sans"/>
+              </a:rPr>
+              <a:t>StudIP</a:t>
             </a:r>
             <a:r>
               <a:rPr lang="en-US" sz="1800" b="0" strike="noStrike" spc="-1" dirty="0">
@@ -15537,8 +15477,120 @@
                 <a:latin typeface="DejaVu Sans"/>
                 <a:ea typeface="DejaVu Sans"/>
               </a:rPr>
-              <a:t>L03)</a:t>
-            </a:r>
+              <a:t> (</a:t>
+            </a:r>
+            <a:r>
+              <a:rPr lang="en-US" sz="1800" b="0" u="sng" strike="noStrike" spc="-1" dirty="0">
+                <a:solidFill>
+                  <a:srgbClr val="0000FF"/>
+                </a:solidFill>
+                <a:uFillTx/>
+                <a:latin typeface="DejaVu Sans"/>
+                <a:ea typeface="DejaVu Sans"/>
+                <a:hlinkClick r:id="rId4"/>
+              </a:rPr>
+              <a:t>Link</a:t>
+            </a:r>
+            <a:r>
+              <a:rPr lang="en-US" sz="1800" b="0" strike="noStrike" spc="-1" dirty="0">
+                <a:solidFill>
+                  <a:srgbClr val="000000"/>
+                </a:solidFill>
+                <a:latin typeface="DejaVu Sans"/>
+                <a:ea typeface="DejaVu Sans"/>
+              </a:rPr>
+              <a:t>) and to </a:t>
+            </a:r>
+            <a:r>
+              <a:rPr lang="en-US" sz="1800" b="0" strike="noStrike" spc="-1" dirty="0" err="1">
+                <a:solidFill>
+                  <a:srgbClr val="000000"/>
+                </a:solidFill>
+                <a:latin typeface="DejaVu Sans"/>
+                <a:ea typeface="DejaVu Sans"/>
+              </a:rPr>
+              <a:t>Github</a:t>
+            </a:r>
+            <a:r>
+              <a:rPr lang="en-US" sz="1800" b="0" strike="noStrike" spc="-1" dirty="0">
+                <a:solidFill>
+                  <a:srgbClr val="000000"/>
+                </a:solidFill>
+                <a:latin typeface="DejaVu Sans"/>
+                <a:ea typeface="DejaVu Sans"/>
+              </a:rPr>
+              <a:t> (</a:t>
+            </a:r>
+            <a:r>
+              <a:rPr lang="en-US" sz="1800" b="0" u="sng" strike="noStrike" spc="-1" dirty="0">
+                <a:solidFill>
+                  <a:srgbClr val="0000FF"/>
+                </a:solidFill>
+                <a:uFillTx/>
+                <a:latin typeface="DejaVu Sans"/>
+                <a:ea typeface="DejaVu Sans"/>
+                <a:hlinkClick r:id="rId5"/>
+              </a:rPr>
+              <a:t>Link</a:t>
+            </a:r>
+            <a:r>
+              <a:rPr lang="en-US" sz="1800" b="0" strike="noStrike" spc="-1" dirty="0">
+                <a:solidFill>
+                  <a:srgbClr val="000000"/>
+                </a:solidFill>
+                <a:latin typeface="DejaVu Sans"/>
+                <a:ea typeface="DejaVu Sans"/>
+              </a:rPr>
+              <a:t>)</a:t>
+            </a:r>
+            <a:endParaRPr lang="en-GB" sz="1800" b="0" strike="noStrike" spc="-1" dirty="0">
+              <a:solidFill>
+                <a:srgbClr val="000000"/>
+              </a:solidFill>
+              <a:latin typeface="Arial"/>
+            </a:endParaRPr>
+          </a:p>
+          <a:p>
+            <a:pPr marL="744120" lvl="1" indent="-280440">
+              <a:lnSpc>
+                <a:spcPct val="100000"/>
+              </a:lnSpc>
+              <a:spcBef>
+                <a:spcPts val="360"/>
+              </a:spcBef>
+              <a:buClr>
+                <a:srgbClr val="008C4F"/>
+              </a:buClr>
+              <a:buSzPct val="80000"/>
+              <a:buFont typeface="StarSymbol"/>
+              <a:buChar char="—"/>
+            </a:pPr>
+            <a:r>
+              <a:rPr lang="en-US" sz="1800" b="0" strike="noStrike" spc="-1" dirty="0">
+                <a:solidFill>
+                  <a:srgbClr val="000000"/>
+                </a:solidFill>
+                <a:latin typeface="DejaVu Sans"/>
+                <a:ea typeface="DejaVu Sans"/>
+              </a:rPr>
+              <a:t>Please report bugs ;)</a:t>
+            </a:r>
+            <a:endParaRPr lang="en-GB" sz="1800" b="0" strike="noStrike" spc="-1" dirty="0">
+              <a:solidFill>
+                <a:srgbClr val="000000"/>
+              </a:solidFill>
+              <a:latin typeface="Arial"/>
+            </a:endParaRPr>
+          </a:p>
+          <a:p>
+            <a:pPr>
+              <a:lnSpc>
+                <a:spcPct val="100000"/>
+              </a:lnSpc>
+              <a:spcBef>
+                <a:spcPts val="360"/>
+              </a:spcBef>
+            </a:pPr>
             <a:endParaRPr lang="en-GB" sz="1800" b="0" strike="noStrike" spc="-1" dirty="0">
               <a:solidFill>
                 <a:srgbClr val="000000"/>
@@ -15562,15 +15614,6 @@
               <a:buChar char=""/>
             </a:pPr>
             <a:r>
-              <a:rPr lang="en-US" spc="-1" dirty="0">
-                <a:solidFill>
-                  <a:srgbClr val="000000"/>
-                </a:solidFill>
-                <a:latin typeface="DejaVu Sans"/>
-              </a:rPr>
-              <a:t>10.05.2023 </a:t>
-            </a:r>
-            <a:r>
               <a:rPr lang="en-US" sz="1800" b="0" strike="noStrike" spc="-1" dirty="0">
                 <a:solidFill>
                   <a:srgbClr val="000000"/>
@@ -15578,7 +15621,37 @@
                 <a:latin typeface="DejaVu Sans"/>
                 <a:ea typeface="DejaVu Sans"/>
               </a:rPr>
-              <a:t>→ Sustainability and Political (In-)Action (L04)</a:t>
+              <a:t>Lecture recordings will be available on </a:t>
+            </a:r>
+            <a:r>
+              <a:rPr lang="en-US" sz="1800" b="0" strike="noStrike" spc="-1" dirty="0" err="1">
+                <a:solidFill>
+                  <a:srgbClr val="000000"/>
+                </a:solidFill>
+                <a:latin typeface="DejaVu Sans"/>
+                <a:ea typeface="DejaVu Sans"/>
+              </a:rPr>
+              <a:t>StudIP</a:t>
+            </a:r>
+            <a:r>
+              <a:rPr lang="en-US" sz="1800" b="0" strike="noStrike" spc="-1" dirty="0">
+                <a:solidFill>
+                  <a:srgbClr val="000000"/>
+                </a:solidFill>
+                <a:latin typeface="DejaVu Sans"/>
+                <a:ea typeface="DejaVu Sans"/>
+              </a:rPr>
+              <a:t> and on </a:t>
+            </a:r>
+            <a:r>
+              <a:rPr lang="en-US" sz="1800" b="0" strike="noStrike" spc="-1" dirty="0" err="1">
+                <a:solidFill>
+                  <a:srgbClr val="000000"/>
+                </a:solidFill>
+                <a:latin typeface="DejaVu Sans"/>
+                <a:ea typeface="DejaVu Sans"/>
+              </a:rPr>
+              <a:t>Github</a:t>
             </a:r>
             <a:endParaRPr lang="en-GB" sz="1800" b="0" strike="noStrike" spc="-1" dirty="0">
               <a:solidFill>
@@ -15588,7 +15661,23 @@
             </a:endParaRPr>
           </a:p>
           <a:p>
-            <a:pPr marL="195120" indent="-188640">
+            <a:pPr>
+              <a:lnSpc>
+                <a:spcPct val="100000"/>
+              </a:lnSpc>
+              <a:spcBef>
+                <a:spcPts val="360"/>
+              </a:spcBef>
+            </a:pPr>
+            <a:endParaRPr lang="en-GB" sz="1800" b="0" strike="noStrike" spc="-1" dirty="0">
+              <a:solidFill>
+                <a:srgbClr val="000000"/>
+              </a:solidFill>
+              <a:latin typeface="Arial"/>
+            </a:endParaRPr>
+          </a:p>
+          <a:p>
+            <a:pPr marL="195120" indent="-188640" algn="ctr">
               <a:lnSpc>
                 <a:spcPct val="100000"/>
               </a:lnSpc>
@@ -15603,15 +15692,6 @@
               <a:buChar char=""/>
             </a:pPr>
             <a:r>
-              <a:rPr lang="en-US" spc="-1" dirty="0">
-                <a:solidFill>
-                  <a:srgbClr val="000000"/>
-                </a:solidFill>
-                <a:latin typeface="DejaVu Sans"/>
-              </a:rPr>
-              <a:t>17.05.2023 </a:t>
-            </a:r>
-            <a:r>
               <a:rPr lang="en-US" sz="1800" b="0" strike="noStrike" spc="-1" dirty="0">
                 <a:solidFill>
                   <a:srgbClr val="000000"/>
@@ -15619,16 +15699,19 @@
                 <a:latin typeface="DejaVu Sans"/>
                 <a:ea typeface="DejaVu Sans"/>
               </a:rPr>
-              <a:t>→ </a:t>
-            </a:r>
-            <a:r>
-              <a:rPr lang="en-US" spc="-1" dirty="0">
-                <a:solidFill>
-                  <a:srgbClr val="000000"/>
-                </a:solidFill>
-                <a:latin typeface="DejaVu Sans"/>
-              </a:rPr>
-              <a:t>Limits to Growth and Planetary Boundaries (</a:t>
+              <a:t>Questions? Write us an email: </a:t>
+            </a:r>
+            <a:r>
+              <a:rPr lang="en-US" sz="1800" b="0" u="sng" strike="noStrike" spc="-1" dirty="0">
+                <a:solidFill>
+                  <a:srgbClr val="0000FF"/>
+                </a:solidFill>
+                <a:uFillTx/>
+                <a:latin typeface="DejaVu Sans"/>
+                <a:ea typeface="DejaVu Sans"/>
+                <a:hlinkClick r:id="rId6"/>
+              </a:rPr>
+              <a:t>etce-ltg@tu-clausthal.de</a:t>
             </a:r>
             <a:r>
               <a:rPr lang="en-US" sz="1800" b="0" strike="noStrike" spc="-1" dirty="0">
@@ -15638,475 +15721,44 @@
                 <a:latin typeface="DejaVu Sans"/>
                 <a:ea typeface="DejaVu Sans"/>
               </a:rPr>
-              <a:t>L05)</a:t>
+              <a:t> ← </a:t>
+            </a:r>
+            <a:r>
+              <a:rPr lang="en-US" sz="1800" b="1" strike="noStrike" spc="-1" dirty="0">
+                <a:solidFill>
+                  <a:srgbClr val="000000"/>
+                </a:solidFill>
+                <a:latin typeface="DejaVu Sans"/>
+                <a:ea typeface="DejaVu Sans"/>
+              </a:rPr>
+              <a:t>We will </a:t>
+            </a:r>
+            <a:r>
+              <a:rPr lang="en-US" sz="1800" b="1" u="sng" strike="noStrike" spc="-1" dirty="0">
+                <a:solidFill>
+                  <a:srgbClr val="C9211E"/>
+                </a:solidFill>
+                <a:uFillTx/>
+                <a:latin typeface="DejaVu Sans"/>
+                <a:ea typeface="DejaVu Sans"/>
+              </a:rPr>
+              <a:t>only</a:t>
+            </a:r>
+            <a:r>
+              <a:rPr lang="en-US" sz="1800" b="1" strike="noStrike" spc="-1" dirty="0">
+                <a:solidFill>
+                  <a:srgbClr val="000000"/>
+                </a:solidFill>
+                <a:latin typeface="DejaVu Sans"/>
+                <a:ea typeface="DejaVu Sans"/>
+              </a:rPr>
+              <a:t> respond to emails written to this specific email address!</a:t>
             </a:r>
             <a:endParaRPr lang="en-GB" sz="1800" b="0" strike="noStrike" spc="-1" dirty="0">
               <a:solidFill>
                 <a:srgbClr val="000000"/>
               </a:solidFill>
               <a:latin typeface="Arial"/>
-            </a:endParaRPr>
-          </a:p>
-          <a:p>
-            <a:pPr marL="195120" indent="-188640">
-              <a:lnSpc>
-                <a:spcPct val="100000"/>
-              </a:lnSpc>
-              <a:spcBef>
-                <a:spcPts val="360"/>
-              </a:spcBef>
-              <a:buClr>
-                <a:srgbClr val="008C4F"/>
-              </a:buClr>
-              <a:buSzPct val="80000"/>
-              <a:buFont typeface="Wingdings" charset="2"/>
-              <a:buChar char=""/>
-            </a:pPr>
-            <a:r>
-              <a:rPr lang="en-US" spc="-1" dirty="0">
-                <a:solidFill>
-                  <a:srgbClr val="000000"/>
-                </a:solidFill>
-                <a:latin typeface="DejaVu Sans"/>
-              </a:rPr>
-              <a:t>24.05.2023 </a:t>
-            </a:r>
-            <a:r>
-              <a:rPr lang="en-US" sz="1800" b="0" strike="noStrike" spc="-1" dirty="0">
-                <a:solidFill>
-                  <a:srgbClr val="000000"/>
-                </a:solidFill>
-                <a:latin typeface="DejaVu Sans"/>
-                <a:ea typeface="DejaVu Sans"/>
-              </a:rPr>
-              <a:t>→ </a:t>
-            </a:r>
-            <a:r>
-              <a:rPr lang="en-US" spc="-1" dirty="0">
-                <a:solidFill>
-                  <a:srgbClr val="000000"/>
-                </a:solidFill>
-                <a:latin typeface="DejaVu Sans"/>
-              </a:rPr>
-              <a:t>From Cradle to the Grave: (Over-) Consumption, Environmental Impacts 		 and the Life Cycle of Products </a:t>
-            </a:r>
-            <a:r>
-              <a:rPr lang="en-US" sz="1800" b="0" strike="noStrike" spc="-1" dirty="0">
-                <a:solidFill>
-                  <a:srgbClr val="000000"/>
-                </a:solidFill>
-                <a:latin typeface="DejaVu Sans"/>
-                <a:ea typeface="DejaVu Sans"/>
-              </a:rPr>
-              <a:t>(L06)</a:t>
-            </a:r>
-            <a:endParaRPr lang="en-GB" sz="1800" b="0" strike="noStrike" spc="-1" dirty="0">
-              <a:solidFill>
-                <a:srgbClr val="000000"/>
-              </a:solidFill>
-              <a:latin typeface="Arial"/>
-            </a:endParaRPr>
-          </a:p>
-          <a:p>
-            <a:pPr marL="195120" indent="-188640">
-              <a:lnSpc>
-                <a:spcPct val="100000"/>
-              </a:lnSpc>
-              <a:spcBef>
-                <a:spcPts val="360"/>
-              </a:spcBef>
-              <a:buClr>
-                <a:srgbClr val="008C4F"/>
-              </a:buClr>
-              <a:buSzPct val="80000"/>
-              <a:buFont typeface="Wingdings" charset="2"/>
-              <a:buChar char=""/>
-            </a:pPr>
-            <a:r>
-              <a:rPr lang="en-US" spc="-1" dirty="0">
-                <a:solidFill>
-                  <a:srgbClr val="000000"/>
-                </a:solidFill>
-                <a:latin typeface="DejaVu Sans"/>
-              </a:rPr>
-              <a:t>31.05.2023 </a:t>
-            </a:r>
-            <a:r>
-              <a:rPr lang="en-US" sz="1800" b="0" strike="noStrike" spc="-1" dirty="0">
-                <a:solidFill>
-                  <a:srgbClr val="000000"/>
-                </a:solidFill>
-                <a:latin typeface="DejaVu Sans"/>
-                <a:ea typeface="DejaVu Sans"/>
-              </a:rPr>
-              <a:t>→ Circular Economy (L07)</a:t>
-            </a:r>
-            <a:endParaRPr lang="en-GB" sz="1800" b="0" strike="noStrike" spc="-1" dirty="0">
-              <a:solidFill>
-                <a:srgbClr val="000000"/>
-              </a:solidFill>
-              <a:latin typeface="Arial"/>
-            </a:endParaRPr>
-          </a:p>
-          <a:p>
-            <a:pPr marL="195120" indent="-188640">
-              <a:lnSpc>
-                <a:spcPct val="100000"/>
-              </a:lnSpc>
-              <a:spcBef>
-                <a:spcPts val="360"/>
-              </a:spcBef>
-              <a:buClr>
-                <a:srgbClr val="008C4F"/>
-              </a:buClr>
-              <a:buSzPct val="80000"/>
-              <a:buFont typeface="Wingdings" charset="2"/>
-              <a:buChar char=""/>
-            </a:pPr>
-            <a:r>
-              <a:rPr lang="en-US" spc="-1" dirty="0">
-                <a:solidFill>
-                  <a:srgbClr val="000000"/>
-                </a:solidFill>
-                <a:latin typeface="DejaVu Sans"/>
-              </a:rPr>
-              <a:t>07.06.2023 </a:t>
-            </a:r>
-            <a:r>
-              <a:rPr lang="en-US" sz="1800" b="0" strike="noStrike" spc="-1" dirty="0">
-                <a:solidFill>
-                  <a:srgbClr val="000000"/>
-                </a:solidFill>
-                <a:latin typeface="DejaVu Sans"/>
-                <a:ea typeface="DejaVu Sans"/>
-              </a:rPr>
-              <a:t>→ </a:t>
-            </a:r>
-            <a:r>
-              <a:rPr lang="en-US" spc="-1" dirty="0">
-                <a:solidFill>
-                  <a:srgbClr val="000000"/>
-                </a:solidFill>
-                <a:latin typeface="DejaVu Sans"/>
-              </a:rPr>
-              <a:t>Beyond the Circular Economy (</a:t>
-            </a:r>
-            <a:r>
-              <a:rPr lang="en-US" sz="1800" b="0" strike="noStrike" spc="-1" dirty="0">
-                <a:solidFill>
-                  <a:srgbClr val="000000"/>
-                </a:solidFill>
-                <a:latin typeface="DejaVu Sans"/>
-                <a:ea typeface="DejaVu Sans"/>
-              </a:rPr>
-              <a:t>L08)</a:t>
-            </a:r>
-            <a:endParaRPr lang="en-GB" sz="1800" b="0" strike="noStrike" spc="-1" dirty="0">
-              <a:solidFill>
-                <a:srgbClr val="000000"/>
-              </a:solidFill>
-              <a:latin typeface="Arial"/>
-            </a:endParaRPr>
-          </a:p>
-          <a:p>
-            <a:pPr marL="195120" indent="-188640">
-              <a:lnSpc>
-                <a:spcPct val="100000"/>
-              </a:lnSpc>
-              <a:spcBef>
-                <a:spcPts val="360"/>
-              </a:spcBef>
-              <a:buClr>
-                <a:srgbClr val="008C4F"/>
-              </a:buClr>
-              <a:buSzPct val="80000"/>
-              <a:buFont typeface="Wingdings" charset="2"/>
-              <a:buChar char=""/>
-            </a:pPr>
-            <a:r>
-              <a:rPr lang="en-US" spc="-1" dirty="0">
-                <a:solidFill>
-                  <a:srgbClr val="000000"/>
-                </a:solidFill>
-                <a:latin typeface="DejaVu Sans"/>
-              </a:rPr>
-              <a:t>14.06.2023 </a:t>
-            </a:r>
-            <a:r>
-              <a:rPr lang="en-US" sz="1800" b="0" strike="noStrike" spc="-1" dirty="0">
-                <a:solidFill>
-                  <a:srgbClr val="000000"/>
-                </a:solidFill>
-                <a:latin typeface="DejaVu Sans"/>
-                <a:ea typeface="DejaVu Sans"/>
-              </a:rPr>
-              <a:t>→ Towards a Circular Society (L09)</a:t>
-            </a:r>
-            <a:endParaRPr lang="en-GB" sz="1800" b="0" strike="noStrike" spc="-1" dirty="0">
-              <a:solidFill>
-                <a:srgbClr val="000000"/>
-              </a:solidFill>
-              <a:latin typeface="Arial"/>
-            </a:endParaRPr>
-          </a:p>
-          <a:p>
-            <a:pPr marL="195120" indent="-188640">
-              <a:lnSpc>
-                <a:spcPct val="100000"/>
-              </a:lnSpc>
-              <a:spcBef>
-                <a:spcPts val="360"/>
-              </a:spcBef>
-              <a:buClr>
-                <a:srgbClr val="008C4F"/>
-              </a:buClr>
-              <a:buSzPct val="80000"/>
-              <a:buFont typeface="Wingdings" charset="2"/>
-              <a:buChar char=""/>
-            </a:pPr>
-            <a:r>
-              <a:rPr lang="en-US" spc="-1" dirty="0">
-                <a:solidFill>
-                  <a:srgbClr val="000000"/>
-                </a:solidFill>
-                <a:latin typeface="DejaVu Sans"/>
-              </a:rPr>
-              <a:t>21.06.2023 </a:t>
-            </a:r>
-            <a:r>
-              <a:rPr lang="en-US" sz="1800" b="0" strike="noStrike" spc="-1" dirty="0">
-                <a:solidFill>
-                  <a:srgbClr val="000000"/>
-                </a:solidFill>
-                <a:latin typeface="DejaVu Sans"/>
-                <a:ea typeface="DejaVu Sans"/>
-              </a:rPr>
-              <a:t>→ </a:t>
-            </a:r>
-            <a:r>
-              <a:rPr lang="en-US" spc="-1" dirty="0">
-                <a:solidFill>
-                  <a:srgbClr val="000000"/>
-                </a:solidFill>
-                <a:latin typeface="DejaVu Sans"/>
-              </a:rPr>
-              <a:t>Technologies And What They Can (Not) Do (</a:t>
-            </a:r>
-            <a:r>
-              <a:rPr lang="en-US" sz="1800" b="0" strike="noStrike" spc="-1" dirty="0">
-                <a:solidFill>
-                  <a:srgbClr val="000000"/>
-                </a:solidFill>
-                <a:latin typeface="DejaVu Sans"/>
-                <a:ea typeface="DejaVu Sans"/>
-              </a:rPr>
-              <a:t>L10)</a:t>
-            </a:r>
-            <a:endParaRPr lang="en-GB" sz="1800" b="0" strike="noStrike" spc="-1" dirty="0">
-              <a:solidFill>
-                <a:srgbClr val="000000"/>
-              </a:solidFill>
-              <a:latin typeface="Arial"/>
-            </a:endParaRPr>
-          </a:p>
-          <a:p>
-            <a:pPr marL="195120" indent="-188640">
-              <a:lnSpc>
-                <a:spcPct val="100000"/>
-              </a:lnSpc>
-              <a:spcBef>
-                <a:spcPts val="360"/>
-              </a:spcBef>
-              <a:buClr>
-                <a:srgbClr val="008C4F"/>
-              </a:buClr>
-              <a:buSzPct val="80000"/>
-              <a:buFont typeface="Wingdings" charset="2"/>
-              <a:buChar char=""/>
-            </a:pPr>
-            <a:r>
-              <a:rPr lang="en-US" spc="-1" dirty="0">
-                <a:solidFill>
-                  <a:srgbClr val="000000"/>
-                </a:solidFill>
-                <a:latin typeface="DejaVu Sans"/>
-              </a:rPr>
-              <a:t>28.06.2023 </a:t>
-            </a:r>
-            <a:r>
-              <a:rPr lang="en-US" sz="1800" b="0" strike="noStrike" spc="-1" dirty="0">
-                <a:solidFill>
-                  <a:srgbClr val="000000"/>
-                </a:solidFill>
-                <a:latin typeface="DejaVu Sans"/>
-                <a:ea typeface="DejaVu Sans"/>
-              </a:rPr>
-              <a:t>→ </a:t>
-            </a:r>
-            <a:r>
-              <a:rPr lang="en-US" spc="-1" dirty="0">
-                <a:solidFill>
-                  <a:srgbClr val="000000"/>
-                </a:solidFill>
-                <a:latin typeface="DejaVu Sans"/>
-              </a:rPr>
-              <a:t>Critical Thinking and Sustainable Everyday Practices (</a:t>
-            </a:r>
-            <a:r>
-              <a:rPr lang="en-US" sz="1800" b="0" strike="noStrike" spc="-1" dirty="0">
-                <a:solidFill>
-                  <a:srgbClr val="000000"/>
-                </a:solidFill>
-                <a:latin typeface="DejaVu Sans"/>
-                <a:ea typeface="DejaVu Sans"/>
-              </a:rPr>
-              <a:t>L11)</a:t>
-            </a:r>
-            <a:endParaRPr lang="en-GB" sz="1800" b="0" strike="noStrike" spc="-1" dirty="0">
-              <a:solidFill>
-                <a:srgbClr val="000000"/>
-              </a:solidFill>
-              <a:latin typeface="Arial"/>
-            </a:endParaRPr>
-          </a:p>
-          <a:p>
-            <a:pPr marL="195120" indent="-188640">
-              <a:lnSpc>
-                <a:spcPct val="100000"/>
-              </a:lnSpc>
-              <a:spcBef>
-                <a:spcPts val="360"/>
-              </a:spcBef>
-              <a:buClr>
-                <a:srgbClr val="008C4F"/>
-              </a:buClr>
-              <a:buSzPct val="80000"/>
-              <a:buFont typeface="Wingdings" charset="2"/>
-              <a:buChar char=""/>
-            </a:pPr>
-            <a:r>
-              <a:rPr lang="en-US" spc="-1" dirty="0">
-                <a:solidFill>
-                  <a:srgbClr val="000000"/>
-                </a:solidFill>
-                <a:latin typeface="DejaVu Sans"/>
-              </a:rPr>
-              <a:t>05.07.2023 </a:t>
-            </a:r>
-            <a:r>
-              <a:rPr lang="en-US" sz="1800" b="0" strike="noStrike" spc="-1" dirty="0">
-                <a:solidFill>
-                  <a:srgbClr val="000000"/>
-                </a:solidFill>
-                <a:latin typeface="DejaVu Sans"/>
-                <a:ea typeface="DejaVu Sans"/>
-              </a:rPr>
-              <a:t>→ </a:t>
-            </a:r>
-            <a:r>
-              <a:rPr lang="en-US" spc="-1" dirty="0">
-                <a:solidFill>
-                  <a:srgbClr val="000000"/>
-                </a:solidFill>
-                <a:latin typeface="DejaVu Sans"/>
-              </a:rPr>
-              <a:t>Invited Lecture (</a:t>
-            </a:r>
-            <a:r>
-              <a:rPr lang="en-US" sz="1800" b="0" strike="noStrike" spc="-1" dirty="0">
-                <a:solidFill>
-                  <a:srgbClr val="000000"/>
-                </a:solidFill>
-                <a:latin typeface="DejaVu Sans"/>
-                <a:ea typeface="DejaVu Sans"/>
-              </a:rPr>
-              <a:t>L11)</a:t>
-            </a:r>
-            <a:endParaRPr lang="en-GB" sz="1800" b="0" strike="noStrike" spc="-1" dirty="0">
-              <a:solidFill>
-                <a:srgbClr val="000000"/>
-              </a:solidFill>
-              <a:latin typeface="Arial"/>
-            </a:endParaRPr>
-          </a:p>
-          <a:p>
-            <a:pPr marL="195120" indent="-188640">
-              <a:lnSpc>
-                <a:spcPct val="100000"/>
-              </a:lnSpc>
-              <a:spcBef>
-                <a:spcPts val="360"/>
-              </a:spcBef>
-              <a:buClr>
-                <a:srgbClr val="008C4F"/>
-              </a:buClr>
-              <a:buSzPct val="80000"/>
-              <a:buFont typeface="Wingdings" charset="2"/>
-              <a:buChar char=""/>
-            </a:pPr>
-            <a:r>
-              <a:rPr lang="en-US" spc="-1" dirty="0">
-                <a:solidFill>
-                  <a:srgbClr val="000000"/>
-                </a:solidFill>
-                <a:latin typeface="DejaVu Sans"/>
-              </a:rPr>
-              <a:t>12.07.2023 </a:t>
-            </a:r>
-            <a:r>
-              <a:rPr lang="en-US" sz="1800" b="0" strike="noStrike" spc="-1" dirty="0">
-                <a:solidFill>
-                  <a:srgbClr val="000000"/>
-                </a:solidFill>
-                <a:latin typeface="DejaVu Sans"/>
-                <a:ea typeface="DejaVu Sans"/>
-              </a:rPr>
-              <a:t>→ Invited Lecture (L12)</a:t>
-            </a:r>
-          </a:p>
-          <a:p>
-            <a:pPr marL="195120" indent="-188640">
-              <a:spcBef>
-                <a:spcPts val="360"/>
-              </a:spcBef>
-              <a:buClr>
-                <a:srgbClr val="008C4F"/>
-              </a:buClr>
-              <a:buSzPct val="80000"/>
-              <a:buFont typeface="Wingdings" charset="2"/>
-              <a:buChar char=""/>
-            </a:pPr>
-            <a:r>
-              <a:rPr lang="en-US" spc="-1" dirty="0">
-                <a:solidFill>
-                  <a:srgbClr val="000000"/>
-                </a:solidFill>
-                <a:latin typeface="DejaVu Sans"/>
-              </a:rPr>
-              <a:t>19.07.2023 → Now What? (L13)</a:t>
-            </a:r>
-          </a:p>
-          <a:p>
-            <a:pPr marL="195120" indent="-188640">
-              <a:lnSpc>
-                <a:spcPct val="100000"/>
-              </a:lnSpc>
-              <a:spcBef>
-                <a:spcPts val="360"/>
-              </a:spcBef>
-              <a:buClr>
-                <a:srgbClr val="008C4F"/>
-              </a:buClr>
-              <a:buSzPct val="80000"/>
-              <a:buFont typeface="Wingdings" charset="2"/>
-              <a:buChar char=""/>
-            </a:pPr>
-            <a:endParaRPr lang="en-US" sz="1800" b="0" strike="noStrike" spc="-1" dirty="0">
-              <a:solidFill>
-                <a:srgbClr val="000000"/>
-              </a:solidFill>
-              <a:latin typeface="DejaVu Sans"/>
-              <a:ea typeface="DejaVu Sans"/>
             </a:endParaRPr>
           </a:p>
         </p:txBody>

--- a/The-Limits-to-Growth/LTG-L00-Organization.pptx
+++ b/The-Limits-to-Growth/LTG-L00-Organization.pptx
@@ -2,26 +2,26 @@
 <file path=ppt/presentation.xml><?xml version="1.0" encoding="utf-8"?>
 <p:presentation xmlns:a="http://schemas.openxmlformats.org/drawingml/2006/main" xmlns:r="http://schemas.openxmlformats.org/officeDocument/2006/relationships" xmlns:p="http://schemas.openxmlformats.org/presentationml/2006/main">
   <p:sldMasterIdLst>
-    <p:sldMasterId id="2147483648" r:id="rId1"/>
-    <p:sldMasterId id="2147483661" r:id="rId2"/>
+    <p:sldMasterId id="2147483661" r:id="rId1"/>
   </p:sldMasterIdLst>
   <p:notesMasterIdLst>
     <p:notesMasterId r:id="rId22"/>
   </p:notesMasterIdLst>
   <p:sldIdLst>
-    <p:sldId id="256" r:id="rId3"/>
-    <p:sldId id="257" r:id="rId4"/>
-    <p:sldId id="258" r:id="rId5"/>
-    <p:sldId id="259" r:id="rId6"/>
-    <p:sldId id="260" r:id="rId7"/>
-    <p:sldId id="261" r:id="rId8"/>
-    <p:sldId id="262" r:id="rId9"/>
-    <p:sldId id="263" r:id="rId10"/>
+    <p:sldId id="256" r:id="rId2"/>
+    <p:sldId id="257" r:id="rId3"/>
+    <p:sldId id="258" r:id="rId4"/>
+    <p:sldId id="259" r:id="rId5"/>
+    <p:sldId id="260" r:id="rId6"/>
+    <p:sldId id="261" r:id="rId7"/>
+    <p:sldId id="262" r:id="rId8"/>
+    <p:sldId id="263" r:id="rId9"/>
+    <p:sldId id="264" r:id="rId10"/>
     <p:sldId id="265" r:id="rId11"/>
-    <p:sldId id="275" r:id="rId12"/>
-    <p:sldId id="266" r:id="rId13"/>
-    <p:sldId id="267" r:id="rId14"/>
-    <p:sldId id="268" r:id="rId15"/>
+    <p:sldId id="276" r:id="rId12"/>
+    <p:sldId id="275" r:id="rId13"/>
+    <p:sldId id="266" r:id="rId14"/>
+    <p:sldId id="267" r:id="rId15"/>
     <p:sldId id="269" r:id="rId16"/>
     <p:sldId id="270" r:id="rId17"/>
     <p:sldId id="271" r:id="rId18"/>
@@ -1346,7 +1346,7 @@
       </p:grpSpPr>
       <p:sp>
         <p:nvSpPr>
-          <p:cNvPr id="31" name="PlaceHolder 1"/>
+          <p:cNvPr id="77" name="PlaceHolder 1"/>
           <p:cNvSpPr>
             <a:spLocks noGrp="1"/>
           </p:cNvSpPr>
@@ -1387,7 +1387,7 @@
       </p:sp>
       <p:sp>
         <p:nvSpPr>
-          <p:cNvPr id="32" name="PlaceHolder 2"/>
+          <p:cNvPr id="78" name="PlaceHolder 2"/>
           <p:cNvSpPr>
             <a:spLocks noGrp="1"/>
           </p:cNvSpPr>
@@ -1431,7 +1431,7 @@
       </p:sp>
       <p:sp>
         <p:nvSpPr>
-          <p:cNvPr id="33" name="PlaceHolder 3"/>
+          <p:cNvPr id="79" name="PlaceHolder 3"/>
           <p:cNvSpPr>
             <a:spLocks noGrp="1"/>
           </p:cNvSpPr>
@@ -1500,7 +1500,7 @@
       </p:grpSpPr>
       <p:sp>
         <p:nvSpPr>
-          <p:cNvPr id="34" name="PlaceHolder 1"/>
+          <p:cNvPr id="80" name="PlaceHolder 1"/>
           <p:cNvSpPr>
             <a:spLocks noGrp="1"/>
           </p:cNvSpPr>
@@ -1541,7 +1541,7 @@
       </p:sp>
       <p:sp>
         <p:nvSpPr>
-          <p:cNvPr id="35" name="PlaceHolder 2"/>
+          <p:cNvPr id="81" name="PlaceHolder 2"/>
           <p:cNvSpPr>
             <a:spLocks noGrp="1"/>
           </p:cNvSpPr>
@@ -1585,7 +1585,7 @@
       </p:sp>
       <p:sp>
         <p:nvSpPr>
-          <p:cNvPr id="36" name="PlaceHolder 3"/>
+          <p:cNvPr id="82" name="PlaceHolder 3"/>
           <p:cNvSpPr>
             <a:spLocks noGrp="1"/>
           </p:cNvSpPr>
@@ -1629,7 +1629,7 @@
       </p:sp>
       <p:sp>
         <p:nvSpPr>
-          <p:cNvPr id="37" name="PlaceHolder 4"/>
+          <p:cNvPr id="83" name="PlaceHolder 4"/>
           <p:cNvSpPr>
             <a:spLocks noGrp="1"/>
           </p:cNvSpPr>
@@ -1673,7 +1673,7 @@
       </p:sp>
       <p:sp>
         <p:nvSpPr>
-          <p:cNvPr id="38" name="PlaceHolder 5"/>
+          <p:cNvPr id="84" name="PlaceHolder 5"/>
           <p:cNvSpPr>
             <a:spLocks noGrp="1"/>
           </p:cNvSpPr>
@@ -1742,7 +1742,7 @@
       </p:grpSpPr>
       <p:sp>
         <p:nvSpPr>
-          <p:cNvPr id="39" name="PlaceHolder 1"/>
+          <p:cNvPr id="85" name="PlaceHolder 1"/>
           <p:cNvSpPr>
             <a:spLocks noGrp="1"/>
           </p:cNvSpPr>
@@ -1783,7 +1783,7 @@
       </p:sp>
       <p:sp>
         <p:nvSpPr>
-          <p:cNvPr id="40" name="PlaceHolder 2"/>
+          <p:cNvPr id="86" name="PlaceHolder 2"/>
           <p:cNvSpPr>
             <a:spLocks noGrp="1"/>
           </p:cNvSpPr>
@@ -1827,7 +1827,7 @@
       </p:sp>
       <p:sp>
         <p:nvSpPr>
-          <p:cNvPr id="41" name="PlaceHolder 3"/>
+          <p:cNvPr id="87" name="PlaceHolder 3"/>
           <p:cNvSpPr>
             <a:spLocks noGrp="1"/>
           </p:cNvSpPr>
@@ -1871,7 +1871,7 @@
       </p:sp>
       <p:sp>
         <p:nvSpPr>
-          <p:cNvPr id="42" name="PlaceHolder 4"/>
+          <p:cNvPr id="88" name="PlaceHolder 4"/>
           <p:cNvSpPr>
             <a:spLocks noGrp="1"/>
           </p:cNvSpPr>
@@ -1915,7 +1915,7 @@
       </p:sp>
       <p:sp>
         <p:nvSpPr>
-          <p:cNvPr id="43" name="PlaceHolder 5"/>
+          <p:cNvPr id="89" name="PlaceHolder 5"/>
           <p:cNvSpPr>
             <a:spLocks noGrp="1"/>
           </p:cNvSpPr>
@@ -1959,7 +1959,7 @@
       </p:sp>
       <p:sp>
         <p:nvSpPr>
-          <p:cNvPr id="44" name="PlaceHolder 6"/>
+          <p:cNvPr id="90" name="PlaceHolder 6"/>
           <p:cNvSpPr>
             <a:spLocks noGrp="1"/>
           </p:cNvSpPr>
@@ -2003,7 +2003,7 @@
       </p:sp>
       <p:sp>
         <p:nvSpPr>
-          <p:cNvPr id="45" name="PlaceHolder 7"/>
+          <p:cNvPr id="91" name="PlaceHolder 7"/>
           <p:cNvSpPr>
             <a:spLocks noGrp="1"/>
           </p:cNvSpPr>
@@ -2053,32 +2053,7 @@
 </p:sldLayout>
 </file>
 
-<file path=ppt/slideLayouts/slideLayout13.xml><?xml version="1.0" encoding="utf-8"?>
-<p:sldLayout xmlns:a="http://schemas.openxmlformats.org/drawingml/2006/main" xmlns:r="http://schemas.openxmlformats.org/officeDocument/2006/relationships" xmlns:p="http://schemas.openxmlformats.org/presentationml/2006/main" type="blank" preserve="1">
-  <p:cSld name="Blank Slide">
-    <p:spTree>
-      <p:nvGrpSpPr>
-        <p:cNvPr id="1" name=""/>
-        <p:cNvGrpSpPr/>
-        <p:nvPr/>
-      </p:nvGrpSpPr>
-      <p:grpSpPr>
-        <a:xfrm>
-          <a:off x="0" y="0"/>
-          <a:ext cx="0" cy="0"/>
-          <a:chOff x="0" y="0"/>
-          <a:chExt cx="0" cy="0"/>
-        </a:xfrm>
-      </p:grpSpPr>
-    </p:spTree>
-  </p:cSld>
-  <p:clrMapOvr>
-    <a:masterClrMapping/>
-  </p:clrMapOvr>
-</p:sldLayout>
-</file>
-
-<file path=ppt/slideLayouts/slideLayout14.xml><?xml version="1.0" encoding="utf-8"?>
+<file path=ppt/slideLayouts/slideLayout2.xml><?xml version="1.0" encoding="utf-8"?>
 <p:sldLayout xmlns:a="http://schemas.openxmlformats.org/drawingml/2006/main" xmlns:r="http://schemas.openxmlformats.org/officeDocument/2006/relationships" xmlns:p="http://schemas.openxmlformats.org/presentationml/2006/main" type="tx" preserve="1">
   <p:cSld name="Title Slide">
     <p:spTree>
@@ -2185,7 +2160,7 @@
 </p:sldLayout>
 </file>
 
-<file path=ppt/slideLayouts/slideLayout15.xml><?xml version="1.0" encoding="utf-8"?>
+<file path=ppt/slideLayouts/slideLayout3.xml><?xml version="1.0" encoding="utf-8"?>
 <p:sldLayout xmlns:a="http://schemas.openxmlformats.org/drawingml/2006/main" xmlns:r="http://schemas.openxmlformats.org/officeDocument/2006/relationships" xmlns:p="http://schemas.openxmlformats.org/presentationml/2006/main" type="obj" preserve="1">
   <p:cSld name="Title, Content">
     <p:spTree>
@@ -2295,7 +2270,7 @@
 </p:sldLayout>
 </file>
 
-<file path=ppt/slideLayouts/slideLayout16.xml><?xml version="1.0" encoding="utf-8"?>
+<file path=ppt/slideLayouts/slideLayout4.xml><?xml version="1.0" encoding="utf-8"?>
 <p:sldLayout xmlns:a="http://schemas.openxmlformats.org/drawingml/2006/main" xmlns:r="http://schemas.openxmlformats.org/officeDocument/2006/relationships" xmlns:p="http://schemas.openxmlformats.org/presentationml/2006/main" type="twoObj" preserve="1">
   <p:cSld name="Title, 2 Content">
     <p:spTree>
@@ -2449,7 +2424,7 @@
 </p:sldLayout>
 </file>
 
-<file path=ppt/slideLayouts/slideLayout17.xml><?xml version="1.0" encoding="utf-8"?>
+<file path=ppt/slideLayouts/slideLayout5.xml><?xml version="1.0" encoding="utf-8"?>
 <p:sldLayout xmlns:a="http://schemas.openxmlformats.org/drawingml/2006/main" xmlns:r="http://schemas.openxmlformats.org/officeDocument/2006/relationships" xmlns:p="http://schemas.openxmlformats.org/presentationml/2006/main" type="titleOnly" preserve="1">
   <p:cSld name="Title Only">
     <p:spTree>
@@ -2515,7 +2490,7 @@
 </p:sldLayout>
 </file>
 
-<file path=ppt/slideLayouts/slideLayout18.xml><?xml version="1.0" encoding="utf-8"?>
+<file path=ppt/slideLayouts/slideLayout6.xml><?xml version="1.0" encoding="utf-8"?>
 <p:sldLayout xmlns:a="http://schemas.openxmlformats.org/drawingml/2006/main" xmlns:r="http://schemas.openxmlformats.org/officeDocument/2006/relationships" xmlns:p="http://schemas.openxmlformats.org/presentationml/2006/main" type="objOnly" preserve="1">
   <p:cSld name="Centered Text">
     <p:spTree>
@@ -2579,7 +2554,7 @@
 </p:sldLayout>
 </file>
 
-<file path=ppt/slideLayouts/slideLayout19.xml><?xml version="1.0" encoding="utf-8"?>
+<file path=ppt/slideLayouts/slideLayout7.xml><?xml version="1.0" encoding="utf-8"?>
 <p:sldLayout xmlns:a="http://schemas.openxmlformats.org/drawingml/2006/main" xmlns:r="http://schemas.openxmlformats.org/officeDocument/2006/relationships" xmlns:p="http://schemas.openxmlformats.org/presentationml/2006/main" type="twoObjAndObj" preserve="1">
   <p:cSld name="Title, 2 Content and Content">
     <p:spTree>
@@ -2777,114 +2752,7 @@
 </p:sldLayout>
 </file>
 
-<file path=ppt/slideLayouts/slideLayout2.xml><?xml version="1.0" encoding="utf-8"?>
-<p:sldLayout xmlns:a="http://schemas.openxmlformats.org/drawingml/2006/main" xmlns:r="http://schemas.openxmlformats.org/officeDocument/2006/relationships" xmlns:p="http://schemas.openxmlformats.org/presentationml/2006/main" type="tx" preserve="1">
-  <p:cSld name="Title Slide">
-    <p:spTree>
-      <p:nvGrpSpPr>
-        <p:cNvPr id="1" name=""/>
-        <p:cNvGrpSpPr/>
-        <p:nvPr/>
-      </p:nvGrpSpPr>
-      <p:grpSpPr>
-        <a:xfrm>
-          <a:off x="0" y="0"/>
-          <a:ext cx="0" cy="0"/>
-          <a:chOff x="0" y="0"/>
-          <a:chExt cx="0" cy="0"/>
-        </a:xfrm>
-      </p:grpSpPr>
-      <p:sp>
-        <p:nvSpPr>
-          <p:cNvPr id="10" name="PlaceHolder 1"/>
-          <p:cNvSpPr>
-            <a:spLocks noGrp="1"/>
-          </p:cNvSpPr>
-          <p:nvPr>
-            <p:ph type="title"/>
-          </p:nvPr>
-        </p:nvSpPr>
-        <p:spPr>
-          <a:xfrm>
-            <a:off x="609480" y="273600"/>
-            <a:ext cx="10972440" cy="1144800"/>
-          </a:xfrm>
-          <a:prstGeom prst="rect">
-            <a:avLst/>
-          </a:prstGeom>
-          <a:noFill/>
-          <a:ln w="0">
-            <a:noFill/>
-          </a:ln>
-        </p:spPr>
-        <p:txBody>
-          <a:bodyPr lIns="0" tIns="0" rIns="0" bIns="0" anchor="ctr">
-            <a:noAutofit/>
-          </a:bodyPr>
-          <a:lstStyle/>
-          <a:p>
-            <a:pPr indent="0" algn="ctr">
-              <a:buNone/>
-            </a:pPr>
-            <a:endParaRPr lang="en-GB" sz="4400" b="0" strike="noStrike" spc="-1">
-              <a:solidFill>
-                <a:srgbClr val="000000"/>
-              </a:solidFill>
-              <a:latin typeface="Arial"/>
-            </a:endParaRPr>
-          </a:p>
-        </p:txBody>
-      </p:sp>
-      <p:sp>
-        <p:nvSpPr>
-          <p:cNvPr id="11" name="PlaceHolder 2"/>
-          <p:cNvSpPr>
-            <a:spLocks noGrp="1"/>
-          </p:cNvSpPr>
-          <p:nvPr>
-            <p:ph type="subTitle"/>
-          </p:nvPr>
-        </p:nvSpPr>
-        <p:spPr>
-          <a:xfrm>
-            <a:off x="609480" y="1604520"/>
-            <a:ext cx="10972440" cy="3977280"/>
-          </a:xfrm>
-          <a:prstGeom prst="rect">
-            <a:avLst/>
-          </a:prstGeom>
-          <a:noFill/>
-          <a:ln w="0">
-            <a:noFill/>
-          </a:ln>
-        </p:spPr>
-        <p:txBody>
-          <a:bodyPr lIns="0" tIns="0" rIns="0" bIns="0" anchor="ctr">
-            <a:noAutofit/>
-          </a:bodyPr>
-          <a:lstStyle/>
-          <a:p>
-            <a:pPr indent="0" algn="ctr">
-              <a:buNone/>
-            </a:pPr>
-            <a:endParaRPr lang="en-GB" sz="3200" b="0" strike="noStrike" spc="-1">
-              <a:solidFill>
-                <a:srgbClr val="000000"/>
-              </a:solidFill>
-              <a:latin typeface="Arial"/>
-            </a:endParaRPr>
-          </a:p>
-        </p:txBody>
-      </p:sp>
-    </p:spTree>
-  </p:cSld>
-  <p:clrMapOvr>
-    <a:masterClrMapping/>
-  </p:clrMapOvr>
-</p:sldLayout>
-</file>
-
-<file path=ppt/slideLayouts/slideLayout20.xml><?xml version="1.0" encoding="utf-8"?>
+<file path=ppt/slideLayouts/slideLayout8.xml><?xml version="1.0" encoding="utf-8"?>
 <p:sldLayout xmlns:a="http://schemas.openxmlformats.org/drawingml/2006/main" xmlns:r="http://schemas.openxmlformats.org/officeDocument/2006/relationships" xmlns:p="http://schemas.openxmlformats.org/presentationml/2006/main" type="objAndTwoObj" preserve="1">
   <p:cSld name="Title Content and 2 Content">
     <p:spTree>
@@ -3082,7 +2950,7 @@
 </p:sldLayout>
 </file>
 
-<file path=ppt/slideLayouts/slideLayout21.xml><?xml version="1.0" encoding="utf-8"?>
+<file path=ppt/slideLayouts/slideLayout9.xml><?xml version="1.0" encoding="utf-8"?>
 <p:sldLayout xmlns:a="http://schemas.openxmlformats.org/drawingml/2006/main" xmlns:r="http://schemas.openxmlformats.org/officeDocument/2006/relationships" xmlns:p="http://schemas.openxmlformats.org/presentationml/2006/main" type="twoObjOverTx" preserve="1">
   <p:cSld name="Title, 2 Content over Content">
     <p:spTree>
@@ -3280,2634 +3148,7 @@
 </p:sldLayout>
 </file>
 
-<file path=ppt/slideLayouts/slideLayout22.xml><?xml version="1.0" encoding="utf-8"?>
-<p:sldLayout xmlns:a="http://schemas.openxmlformats.org/drawingml/2006/main" xmlns:r="http://schemas.openxmlformats.org/officeDocument/2006/relationships" xmlns:p="http://schemas.openxmlformats.org/presentationml/2006/main" type="objOverTx" preserve="1">
-  <p:cSld name="Title, Content over Content">
-    <p:spTree>
-      <p:nvGrpSpPr>
-        <p:cNvPr id="1" name=""/>
-        <p:cNvGrpSpPr/>
-        <p:nvPr/>
-      </p:nvGrpSpPr>
-      <p:grpSpPr>
-        <a:xfrm>
-          <a:off x="0" y="0"/>
-          <a:ext cx="0" cy="0"/>
-          <a:chOff x="0" y="0"/>
-          <a:chExt cx="0" cy="0"/>
-        </a:xfrm>
-      </p:grpSpPr>
-      <p:sp>
-        <p:nvSpPr>
-          <p:cNvPr id="77" name="PlaceHolder 1"/>
-          <p:cNvSpPr>
-            <a:spLocks noGrp="1"/>
-          </p:cNvSpPr>
-          <p:nvPr>
-            <p:ph type="title"/>
-          </p:nvPr>
-        </p:nvSpPr>
-        <p:spPr>
-          <a:xfrm>
-            <a:off x="609480" y="273600"/>
-            <a:ext cx="10972440" cy="1144800"/>
-          </a:xfrm>
-          <a:prstGeom prst="rect">
-            <a:avLst/>
-          </a:prstGeom>
-          <a:noFill/>
-          <a:ln w="0">
-            <a:noFill/>
-          </a:ln>
-        </p:spPr>
-        <p:txBody>
-          <a:bodyPr lIns="0" tIns="0" rIns="0" bIns="0" anchor="ctr">
-            <a:noAutofit/>
-          </a:bodyPr>
-          <a:lstStyle/>
-          <a:p>
-            <a:pPr indent="0" algn="ctr">
-              <a:buNone/>
-            </a:pPr>
-            <a:endParaRPr lang="en-GB" sz="4400" b="0" strike="noStrike" spc="-1">
-              <a:solidFill>
-                <a:srgbClr val="000000"/>
-              </a:solidFill>
-              <a:latin typeface="Arial"/>
-            </a:endParaRPr>
-          </a:p>
-        </p:txBody>
-      </p:sp>
-      <p:sp>
-        <p:nvSpPr>
-          <p:cNvPr id="78" name="PlaceHolder 2"/>
-          <p:cNvSpPr>
-            <a:spLocks noGrp="1"/>
-          </p:cNvSpPr>
-          <p:nvPr>
-            <p:ph/>
-          </p:nvPr>
-        </p:nvSpPr>
-        <p:spPr>
-          <a:xfrm>
-            <a:off x="609480" y="1604520"/>
-            <a:ext cx="10972440" cy="1896840"/>
-          </a:xfrm>
-          <a:prstGeom prst="rect">
-            <a:avLst/>
-          </a:prstGeom>
-          <a:noFill/>
-          <a:ln w="0">
-            <a:noFill/>
-          </a:ln>
-        </p:spPr>
-        <p:txBody>
-          <a:bodyPr lIns="0" tIns="0" rIns="0" bIns="0" anchor="t">
-            <a:normAutofit/>
-          </a:bodyPr>
-          <a:lstStyle/>
-          <a:p>
-            <a:pPr indent="0">
-              <a:spcBef>
-                <a:spcPts val="1417"/>
-              </a:spcBef>
-              <a:buNone/>
-            </a:pPr>
-            <a:endParaRPr lang="en-GB" sz="3200" b="0" strike="noStrike" spc="-1">
-              <a:solidFill>
-                <a:srgbClr val="000000"/>
-              </a:solidFill>
-              <a:latin typeface="Arial"/>
-            </a:endParaRPr>
-          </a:p>
-        </p:txBody>
-      </p:sp>
-      <p:sp>
-        <p:nvSpPr>
-          <p:cNvPr id="79" name="PlaceHolder 3"/>
-          <p:cNvSpPr>
-            <a:spLocks noGrp="1"/>
-          </p:cNvSpPr>
-          <p:nvPr>
-            <p:ph/>
-          </p:nvPr>
-        </p:nvSpPr>
-        <p:spPr>
-          <a:xfrm>
-            <a:off x="609480" y="3682080"/>
-            <a:ext cx="10972440" cy="1896840"/>
-          </a:xfrm>
-          <a:prstGeom prst="rect">
-            <a:avLst/>
-          </a:prstGeom>
-          <a:noFill/>
-          <a:ln w="0">
-            <a:noFill/>
-          </a:ln>
-        </p:spPr>
-        <p:txBody>
-          <a:bodyPr lIns="0" tIns="0" rIns="0" bIns="0" anchor="t">
-            <a:normAutofit/>
-          </a:bodyPr>
-          <a:lstStyle/>
-          <a:p>
-            <a:pPr indent="0">
-              <a:spcBef>
-                <a:spcPts val="1417"/>
-              </a:spcBef>
-              <a:buNone/>
-            </a:pPr>
-            <a:endParaRPr lang="en-GB" sz="3200" b="0" strike="noStrike" spc="-1">
-              <a:solidFill>
-                <a:srgbClr val="000000"/>
-              </a:solidFill>
-              <a:latin typeface="Arial"/>
-            </a:endParaRPr>
-          </a:p>
-        </p:txBody>
-      </p:sp>
-    </p:spTree>
-  </p:cSld>
-  <p:clrMapOvr>
-    <a:masterClrMapping/>
-  </p:clrMapOvr>
-</p:sldLayout>
-</file>
-
-<file path=ppt/slideLayouts/slideLayout23.xml><?xml version="1.0" encoding="utf-8"?>
-<p:sldLayout xmlns:a="http://schemas.openxmlformats.org/drawingml/2006/main" xmlns:r="http://schemas.openxmlformats.org/officeDocument/2006/relationships" xmlns:p="http://schemas.openxmlformats.org/presentationml/2006/main" type="fourObj" preserve="1">
-  <p:cSld name="Title, 4 Content">
-    <p:spTree>
-      <p:nvGrpSpPr>
-        <p:cNvPr id="1" name=""/>
-        <p:cNvGrpSpPr/>
-        <p:nvPr/>
-      </p:nvGrpSpPr>
-      <p:grpSpPr>
-        <a:xfrm>
-          <a:off x="0" y="0"/>
-          <a:ext cx="0" cy="0"/>
-          <a:chOff x="0" y="0"/>
-          <a:chExt cx="0" cy="0"/>
-        </a:xfrm>
-      </p:grpSpPr>
-      <p:sp>
-        <p:nvSpPr>
-          <p:cNvPr id="80" name="PlaceHolder 1"/>
-          <p:cNvSpPr>
-            <a:spLocks noGrp="1"/>
-          </p:cNvSpPr>
-          <p:nvPr>
-            <p:ph type="title"/>
-          </p:nvPr>
-        </p:nvSpPr>
-        <p:spPr>
-          <a:xfrm>
-            <a:off x="609480" y="273600"/>
-            <a:ext cx="10972440" cy="1144800"/>
-          </a:xfrm>
-          <a:prstGeom prst="rect">
-            <a:avLst/>
-          </a:prstGeom>
-          <a:noFill/>
-          <a:ln w="0">
-            <a:noFill/>
-          </a:ln>
-        </p:spPr>
-        <p:txBody>
-          <a:bodyPr lIns="0" tIns="0" rIns="0" bIns="0" anchor="ctr">
-            <a:noAutofit/>
-          </a:bodyPr>
-          <a:lstStyle/>
-          <a:p>
-            <a:pPr indent="0" algn="ctr">
-              <a:buNone/>
-            </a:pPr>
-            <a:endParaRPr lang="en-GB" sz="4400" b="0" strike="noStrike" spc="-1">
-              <a:solidFill>
-                <a:srgbClr val="000000"/>
-              </a:solidFill>
-              <a:latin typeface="Arial"/>
-            </a:endParaRPr>
-          </a:p>
-        </p:txBody>
-      </p:sp>
-      <p:sp>
-        <p:nvSpPr>
-          <p:cNvPr id="81" name="PlaceHolder 2"/>
-          <p:cNvSpPr>
-            <a:spLocks noGrp="1"/>
-          </p:cNvSpPr>
-          <p:nvPr>
-            <p:ph/>
-          </p:nvPr>
-        </p:nvSpPr>
-        <p:spPr>
-          <a:xfrm>
-            <a:off x="609480" y="1604520"/>
-            <a:ext cx="5354280" cy="1896840"/>
-          </a:xfrm>
-          <a:prstGeom prst="rect">
-            <a:avLst/>
-          </a:prstGeom>
-          <a:noFill/>
-          <a:ln w="0">
-            <a:noFill/>
-          </a:ln>
-        </p:spPr>
-        <p:txBody>
-          <a:bodyPr lIns="0" tIns="0" rIns="0" bIns="0" anchor="t">
-            <a:normAutofit/>
-          </a:bodyPr>
-          <a:lstStyle/>
-          <a:p>
-            <a:pPr indent="0">
-              <a:spcBef>
-                <a:spcPts val="1417"/>
-              </a:spcBef>
-              <a:buNone/>
-            </a:pPr>
-            <a:endParaRPr lang="en-GB" sz="3200" b="0" strike="noStrike" spc="-1">
-              <a:solidFill>
-                <a:srgbClr val="000000"/>
-              </a:solidFill>
-              <a:latin typeface="Arial"/>
-            </a:endParaRPr>
-          </a:p>
-        </p:txBody>
-      </p:sp>
-      <p:sp>
-        <p:nvSpPr>
-          <p:cNvPr id="82" name="PlaceHolder 3"/>
-          <p:cNvSpPr>
-            <a:spLocks noGrp="1"/>
-          </p:cNvSpPr>
-          <p:nvPr>
-            <p:ph/>
-          </p:nvPr>
-        </p:nvSpPr>
-        <p:spPr>
-          <a:xfrm>
-            <a:off x="6231960" y="1604520"/>
-            <a:ext cx="5354280" cy="1896840"/>
-          </a:xfrm>
-          <a:prstGeom prst="rect">
-            <a:avLst/>
-          </a:prstGeom>
-          <a:noFill/>
-          <a:ln w="0">
-            <a:noFill/>
-          </a:ln>
-        </p:spPr>
-        <p:txBody>
-          <a:bodyPr lIns="0" tIns="0" rIns="0" bIns="0" anchor="t">
-            <a:normAutofit/>
-          </a:bodyPr>
-          <a:lstStyle/>
-          <a:p>
-            <a:pPr indent="0">
-              <a:spcBef>
-                <a:spcPts val="1417"/>
-              </a:spcBef>
-              <a:buNone/>
-            </a:pPr>
-            <a:endParaRPr lang="en-GB" sz="3200" b="0" strike="noStrike" spc="-1">
-              <a:solidFill>
-                <a:srgbClr val="000000"/>
-              </a:solidFill>
-              <a:latin typeface="Arial"/>
-            </a:endParaRPr>
-          </a:p>
-        </p:txBody>
-      </p:sp>
-      <p:sp>
-        <p:nvSpPr>
-          <p:cNvPr id="83" name="PlaceHolder 4"/>
-          <p:cNvSpPr>
-            <a:spLocks noGrp="1"/>
-          </p:cNvSpPr>
-          <p:nvPr>
-            <p:ph/>
-          </p:nvPr>
-        </p:nvSpPr>
-        <p:spPr>
-          <a:xfrm>
-            <a:off x="609480" y="3682080"/>
-            <a:ext cx="5354280" cy="1896840"/>
-          </a:xfrm>
-          <a:prstGeom prst="rect">
-            <a:avLst/>
-          </a:prstGeom>
-          <a:noFill/>
-          <a:ln w="0">
-            <a:noFill/>
-          </a:ln>
-        </p:spPr>
-        <p:txBody>
-          <a:bodyPr lIns="0" tIns="0" rIns="0" bIns="0" anchor="t">
-            <a:normAutofit/>
-          </a:bodyPr>
-          <a:lstStyle/>
-          <a:p>
-            <a:pPr indent="0">
-              <a:spcBef>
-                <a:spcPts val="1417"/>
-              </a:spcBef>
-              <a:buNone/>
-            </a:pPr>
-            <a:endParaRPr lang="en-GB" sz="3200" b="0" strike="noStrike" spc="-1">
-              <a:solidFill>
-                <a:srgbClr val="000000"/>
-              </a:solidFill>
-              <a:latin typeface="Arial"/>
-            </a:endParaRPr>
-          </a:p>
-        </p:txBody>
-      </p:sp>
-      <p:sp>
-        <p:nvSpPr>
-          <p:cNvPr id="84" name="PlaceHolder 5"/>
-          <p:cNvSpPr>
-            <a:spLocks noGrp="1"/>
-          </p:cNvSpPr>
-          <p:nvPr>
-            <p:ph/>
-          </p:nvPr>
-        </p:nvSpPr>
-        <p:spPr>
-          <a:xfrm>
-            <a:off x="6231960" y="3682080"/>
-            <a:ext cx="5354280" cy="1896840"/>
-          </a:xfrm>
-          <a:prstGeom prst="rect">
-            <a:avLst/>
-          </a:prstGeom>
-          <a:noFill/>
-          <a:ln w="0">
-            <a:noFill/>
-          </a:ln>
-        </p:spPr>
-        <p:txBody>
-          <a:bodyPr lIns="0" tIns="0" rIns="0" bIns="0" anchor="t">
-            <a:normAutofit/>
-          </a:bodyPr>
-          <a:lstStyle/>
-          <a:p>
-            <a:pPr indent="0">
-              <a:spcBef>
-                <a:spcPts val="1417"/>
-              </a:spcBef>
-              <a:buNone/>
-            </a:pPr>
-            <a:endParaRPr lang="en-GB" sz="3200" b="0" strike="noStrike" spc="-1">
-              <a:solidFill>
-                <a:srgbClr val="000000"/>
-              </a:solidFill>
-              <a:latin typeface="Arial"/>
-            </a:endParaRPr>
-          </a:p>
-        </p:txBody>
-      </p:sp>
-    </p:spTree>
-  </p:cSld>
-  <p:clrMapOvr>
-    <a:masterClrMapping/>
-  </p:clrMapOvr>
-</p:sldLayout>
-</file>
-
-<file path=ppt/slideLayouts/slideLayout24.xml><?xml version="1.0" encoding="utf-8"?>
-<p:sldLayout xmlns:a="http://schemas.openxmlformats.org/drawingml/2006/main" xmlns:r="http://schemas.openxmlformats.org/officeDocument/2006/relationships" xmlns:p="http://schemas.openxmlformats.org/presentationml/2006/main" type="blank" preserve="1">
-  <p:cSld name="Title, 6 Content">
-    <p:spTree>
-      <p:nvGrpSpPr>
-        <p:cNvPr id="1" name=""/>
-        <p:cNvGrpSpPr/>
-        <p:nvPr/>
-      </p:nvGrpSpPr>
-      <p:grpSpPr>
-        <a:xfrm>
-          <a:off x="0" y="0"/>
-          <a:ext cx="0" cy="0"/>
-          <a:chOff x="0" y="0"/>
-          <a:chExt cx="0" cy="0"/>
-        </a:xfrm>
-      </p:grpSpPr>
-      <p:sp>
-        <p:nvSpPr>
-          <p:cNvPr id="85" name="PlaceHolder 1"/>
-          <p:cNvSpPr>
-            <a:spLocks noGrp="1"/>
-          </p:cNvSpPr>
-          <p:nvPr>
-            <p:ph type="title"/>
-          </p:nvPr>
-        </p:nvSpPr>
-        <p:spPr>
-          <a:xfrm>
-            <a:off x="609480" y="273600"/>
-            <a:ext cx="10972440" cy="1144800"/>
-          </a:xfrm>
-          <a:prstGeom prst="rect">
-            <a:avLst/>
-          </a:prstGeom>
-          <a:noFill/>
-          <a:ln w="0">
-            <a:noFill/>
-          </a:ln>
-        </p:spPr>
-        <p:txBody>
-          <a:bodyPr lIns="0" tIns="0" rIns="0" bIns="0" anchor="ctr">
-            <a:noAutofit/>
-          </a:bodyPr>
-          <a:lstStyle/>
-          <a:p>
-            <a:pPr indent="0" algn="ctr">
-              <a:buNone/>
-            </a:pPr>
-            <a:endParaRPr lang="en-GB" sz="4400" b="0" strike="noStrike" spc="-1">
-              <a:solidFill>
-                <a:srgbClr val="000000"/>
-              </a:solidFill>
-              <a:latin typeface="Arial"/>
-            </a:endParaRPr>
-          </a:p>
-        </p:txBody>
-      </p:sp>
-      <p:sp>
-        <p:nvSpPr>
-          <p:cNvPr id="86" name="PlaceHolder 2"/>
-          <p:cNvSpPr>
-            <a:spLocks noGrp="1"/>
-          </p:cNvSpPr>
-          <p:nvPr>
-            <p:ph/>
-          </p:nvPr>
-        </p:nvSpPr>
-        <p:spPr>
-          <a:xfrm>
-            <a:off x="609480" y="1604520"/>
-            <a:ext cx="3533040" cy="1896840"/>
-          </a:xfrm>
-          <a:prstGeom prst="rect">
-            <a:avLst/>
-          </a:prstGeom>
-          <a:noFill/>
-          <a:ln w="0">
-            <a:noFill/>
-          </a:ln>
-        </p:spPr>
-        <p:txBody>
-          <a:bodyPr lIns="0" tIns="0" rIns="0" bIns="0" anchor="t">
-            <a:normAutofit/>
-          </a:bodyPr>
-          <a:lstStyle/>
-          <a:p>
-            <a:pPr indent="0">
-              <a:spcBef>
-                <a:spcPts val="1417"/>
-              </a:spcBef>
-              <a:buNone/>
-            </a:pPr>
-            <a:endParaRPr lang="en-GB" sz="3200" b="0" strike="noStrike" spc="-1">
-              <a:solidFill>
-                <a:srgbClr val="000000"/>
-              </a:solidFill>
-              <a:latin typeface="Arial"/>
-            </a:endParaRPr>
-          </a:p>
-        </p:txBody>
-      </p:sp>
-      <p:sp>
-        <p:nvSpPr>
-          <p:cNvPr id="87" name="PlaceHolder 3"/>
-          <p:cNvSpPr>
-            <a:spLocks noGrp="1"/>
-          </p:cNvSpPr>
-          <p:nvPr>
-            <p:ph/>
-          </p:nvPr>
-        </p:nvSpPr>
-        <p:spPr>
-          <a:xfrm>
-            <a:off x="4319640" y="1604520"/>
-            <a:ext cx="3533040" cy="1896840"/>
-          </a:xfrm>
-          <a:prstGeom prst="rect">
-            <a:avLst/>
-          </a:prstGeom>
-          <a:noFill/>
-          <a:ln w="0">
-            <a:noFill/>
-          </a:ln>
-        </p:spPr>
-        <p:txBody>
-          <a:bodyPr lIns="0" tIns="0" rIns="0" bIns="0" anchor="t">
-            <a:normAutofit/>
-          </a:bodyPr>
-          <a:lstStyle/>
-          <a:p>
-            <a:pPr indent="0">
-              <a:spcBef>
-                <a:spcPts val="1417"/>
-              </a:spcBef>
-              <a:buNone/>
-            </a:pPr>
-            <a:endParaRPr lang="en-GB" sz="3200" b="0" strike="noStrike" spc="-1">
-              <a:solidFill>
-                <a:srgbClr val="000000"/>
-              </a:solidFill>
-              <a:latin typeface="Arial"/>
-            </a:endParaRPr>
-          </a:p>
-        </p:txBody>
-      </p:sp>
-      <p:sp>
-        <p:nvSpPr>
-          <p:cNvPr id="88" name="PlaceHolder 4"/>
-          <p:cNvSpPr>
-            <a:spLocks noGrp="1"/>
-          </p:cNvSpPr>
-          <p:nvPr>
-            <p:ph/>
-          </p:nvPr>
-        </p:nvSpPr>
-        <p:spPr>
-          <a:xfrm>
-            <a:off x="8029800" y="1604520"/>
-            <a:ext cx="3533040" cy="1896840"/>
-          </a:xfrm>
-          <a:prstGeom prst="rect">
-            <a:avLst/>
-          </a:prstGeom>
-          <a:noFill/>
-          <a:ln w="0">
-            <a:noFill/>
-          </a:ln>
-        </p:spPr>
-        <p:txBody>
-          <a:bodyPr lIns="0" tIns="0" rIns="0" bIns="0" anchor="t">
-            <a:normAutofit/>
-          </a:bodyPr>
-          <a:lstStyle/>
-          <a:p>
-            <a:pPr indent="0">
-              <a:spcBef>
-                <a:spcPts val="1417"/>
-              </a:spcBef>
-              <a:buNone/>
-            </a:pPr>
-            <a:endParaRPr lang="en-GB" sz="3200" b="0" strike="noStrike" spc="-1">
-              <a:solidFill>
-                <a:srgbClr val="000000"/>
-              </a:solidFill>
-              <a:latin typeface="Arial"/>
-            </a:endParaRPr>
-          </a:p>
-        </p:txBody>
-      </p:sp>
-      <p:sp>
-        <p:nvSpPr>
-          <p:cNvPr id="89" name="PlaceHolder 5"/>
-          <p:cNvSpPr>
-            <a:spLocks noGrp="1"/>
-          </p:cNvSpPr>
-          <p:nvPr>
-            <p:ph/>
-          </p:nvPr>
-        </p:nvSpPr>
-        <p:spPr>
-          <a:xfrm>
-            <a:off x="609480" y="3682080"/>
-            <a:ext cx="3533040" cy="1896840"/>
-          </a:xfrm>
-          <a:prstGeom prst="rect">
-            <a:avLst/>
-          </a:prstGeom>
-          <a:noFill/>
-          <a:ln w="0">
-            <a:noFill/>
-          </a:ln>
-        </p:spPr>
-        <p:txBody>
-          <a:bodyPr lIns="0" tIns="0" rIns="0" bIns="0" anchor="t">
-            <a:normAutofit/>
-          </a:bodyPr>
-          <a:lstStyle/>
-          <a:p>
-            <a:pPr indent="0">
-              <a:spcBef>
-                <a:spcPts val="1417"/>
-              </a:spcBef>
-              <a:buNone/>
-            </a:pPr>
-            <a:endParaRPr lang="en-GB" sz="3200" b="0" strike="noStrike" spc="-1">
-              <a:solidFill>
-                <a:srgbClr val="000000"/>
-              </a:solidFill>
-              <a:latin typeface="Arial"/>
-            </a:endParaRPr>
-          </a:p>
-        </p:txBody>
-      </p:sp>
-      <p:sp>
-        <p:nvSpPr>
-          <p:cNvPr id="90" name="PlaceHolder 6"/>
-          <p:cNvSpPr>
-            <a:spLocks noGrp="1"/>
-          </p:cNvSpPr>
-          <p:nvPr>
-            <p:ph/>
-          </p:nvPr>
-        </p:nvSpPr>
-        <p:spPr>
-          <a:xfrm>
-            <a:off x="4319640" y="3682080"/>
-            <a:ext cx="3533040" cy="1896840"/>
-          </a:xfrm>
-          <a:prstGeom prst="rect">
-            <a:avLst/>
-          </a:prstGeom>
-          <a:noFill/>
-          <a:ln w="0">
-            <a:noFill/>
-          </a:ln>
-        </p:spPr>
-        <p:txBody>
-          <a:bodyPr lIns="0" tIns="0" rIns="0" bIns="0" anchor="t">
-            <a:normAutofit/>
-          </a:bodyPr>
-          <a:lstStyle/>
-          <a:p>
-            <a:pPr indent="0">
-              <a:spcBef>
-                <a:spcPts val="1417"/>
-              </a:spcBef>
-              <a:buNone/>
-            </a:pPr>
-            <a:endParaRPr lang="en-GB" sz="3200" b="0" strike="noStrike" spc="-1">
-              <a:solidFill>
-                <a:srgbClr val="000000"/>
-              </a:solidFill>
-              <a:latin typeface="Arial"/>
-            </a:endParaRPr>
-          </a:p>
-        </p:txBody>
-      </p:sp>
-      <p:sp>
-        <p:nvSpPr>
-          <p:cNvPr id="91" name="PlaceHolder 7"/>
-          <p:cNvSpPr>
-            <a:spLocks noGrp="1"/>
-          </p:cNvSpPr>
-          <p:nvPr>
-            <p:ph/>
-          </p:nvPr>
-        </p:nvSpPr>
-        <p:spPr>
-          <a:xfrm>
-            <a:off x="8029800" y="3682080"/>
-            <a:ext cx="3533040" cy="1896840"/>
-          </a:xfrm>
-          <a:prstGeom prst="rect">
-            <a:avLst/>
-          </a:prstGeom>
-          <a:noFill/>
-          <a:ln w="0">
-            <a:noFill/>
-          </a:ln>
-        </p:spPr>
-        <p:txBody>
-          <a:bodyPr lIns="0" tIns="0" rIns="0" bIns="0" anchor="t">
-            <a:normAutofit/>
-          </a:bodyPr>
-          <a:lstStyle/>
-          <a:p>
-            <a:pPr indent="0">
-              <a:spcBef>
-                <a:spcPts val="1417"/>
-              </a:spcBef>
-              <a:buNone/>
-            </a:pPr>
-            <a:endParaRPr lang="en-GB" sz="3200" b="0" strike="noStrike" spc="-1">
-              <a:solidFill>
-                <a:srgbClr val="000000"/>
-              </a:solidFill>
-              <a:latin typeface="Arial"/>
-            </a:endParaRPr>
-          </a:p>
-        </p:txBody>
-      </p:sp>
-    </p:spTree>
-  </p:cSld>
-  <p:clrMapOvr>
-    <a:masterClrMapping/>
-  </p:clrMapOvr>
-</p:sldLayout>
-</file>
-
-<file path=ppt/slideLayouts/slideLayout3.xml><?xml version="1.0" encoding="utf-8"?>
-<p:sldLayout xmlns:a="http://schemas.openxmlformats.org/drawingml/2006/main" xmlns:r="http://schemas.openxmlformats.org/officeDocument/2006/relationships" xmlns:p="http://schemas.openxmlformats.org/presentationml/2006/main" type="obj" preserve="1">
-  <p:cSld name="Title, Content">
-    <p:spTree>
-      <p:nvGrpSpPr>
-        <p:cNvPr id="1" name=""/>
-        <p:cNvGrpSpPr/>
-        <p:nvPr/>
-      </p:nvGrpSpPr>
-      <p:grpSpPr>
-        <a:xfrm>
-          <a:off x="0" y="0"/>
-          <a:ext cx="0" cy="0"/>
-          <a:chOff x="0" y="0"/>
-          <a:chExt cx="0" cy="0"/>
-        </a:xfrm>
-      </p:grpSpPr>
-      <p:sp>
-        <p:nvSpPr>
-          <p:cNvPr id="12" name="PlaceHolder 1"/>
-          <p:cNvSpPr>
-            <a:spLocks noGrp="1"/>
-          </p:cNvSpPr>
-          <p:nvPr>
-            <p:ph type="title"/>
-          </p:nvPr>
-        </p:nvSpPr>
-        <p:spPr>
-          <a:xfrm>
-            <a:off x="609480" y="273600"/>
-            <a:ext cx="10972440" cy="1144800"/>
-          </a:xfrm>
-          <a:prstGeom prst="rect">
-            <a:avLst/>
-          </a:prstGeom>
-          <a:noFill/>
-          <a:ln w="0">
-            <a:noFill/>
-          </a:ln>
-        </p:spPr>
-        <p:txBody>
-          <a:bodyPr lIns="0" tIns="0" rIns="0" bIns="0" anchor="ctr">
-            <a:noAutofit/>
-          </a:bodyPr>
-          <a:lstStyle/>
-          <a:p>
-            <a:pPr indent="0" algn="ctr">
-              <a:buNone/>
-            </a:pPr>
-            <a:endParaRPr lang="en-GB" sz="4400" b="0" strike="noStrike" spc="-1">
-              <a:solidFill>
-                <a:srgbClr val="000000"/>
-              </a:solidFill>
-              <a:latin typeface="Arial"/>
-            </a:endParaRPr>
-          </a:p>
-        </p:txBody>
-      </p:sp>
-      <p:sp>
-        <p:nvSpPr>
-          <p:cNvPr id="13" name="PlaceHolder 2"/>
-          <p:cNvSpPr>
-            <a:spLocks noGrp="1"/>
-          </p:cNvSpPr>
-          <p:nvPr>
-            <p:ph/>
-          </p:nvPr>
-        </p:nvSpPr>
-        <p:spPr>
-          <a:xfrm>
-            <a:off x="609480" y="1604520"/>
-            <a:ext cx="10972440" cy="3977280"/>
-          </a:xfrm>
-          <a:prstGeom prst="rect">
-            <a:avLst/>
-          </a:prstGeom>
-          <a:noFill/>
-          <a:ln w="0">
-            <a:noFill/>
-          </a:ln>
-        </p:spPr>
-        <p:txBody>
-          <a:bodyPr lIns="0" tIns="0" rIns="0" bIns="0" anchor="t">
-            <a:normAutofit/>
-          </a:bodyPr>
-          <a:lstStyle/>
-          <a:p>
-            <a:pPr indent="0">
-              <a:spcBef>
-                <a:spcPts val="1417"/>
-              </a:spcBef>
-              <a:buNone/>
-            </a:pPr>
-            <a:endParaRPr lang="en-GB" sz="3200" b="0" strike="noStrike" spc="-1">
-              <a:solidFill>
-                <a:srgbClr val="000000"/>
-              </a:solidFill>
-              <a:latin typeface="Arial"/>
-            </a:endParaRPr>
-          </a:p>
-        </p:txBody>
-      </p:sp>
-    </p:spTree>
-  </p:cSld>
-  <p:clrMapOvr>
-    <a:masterClrMapping/>
-  </p:clrMapOvr>
-</p:sldLayout>
-</file>
-
-<file path=ppt/slideLayouts/slideLayout4.xml><?xml version="1.0" encoding="utf-8"?>
-<p:sldLayout xmlns:a="http://schemas.openxmlformats.org/drawingml/2006/main" xmlns:r="http://schemas.openxmlformats.org/officeDocument/2006/relationships" xmlns:p="http://schemas.openxmlformats.org/presentationml/2006/main" type="twoObj" preserve="1">
-  <p:cSld name="Title, 2 Content">
-    <p:spTree>
-      <p:nvGrpSpPr>
-        <p:cNvPr id="1" name=""/>
-        <p:cNvGrpSpPr/>
-        <p:nvPr/>
-      </p:nvGrpSpPr>
-      <p:grpSpPr>
-        <a:xfrm>
-          <a:off x="0" y="0"/>
-          <a:ext cx="0" cy="0"/>
-          <a:chOff x="0" y="0"/>
-          <a:chExt cx="0" cy="0"/>
-        </a:xfrm>
-      </p:grpSpPr>
-      <p:sp>
-        <p:nvSpPr>
-          <p:cNvPr id="14" name="PlaceHolder 1"/>
-          <p:cNvSpPr>
-            <a:spLocks noGrp="1"/>
-          </p:cNvSpPr>
-          <p:nvPr>
-            <p:ph type="title"/>
-          </p:nvPr>
-        </p:nvSpPr>
-        <p:spPr>
-          <a:xfrm>
-            <a:off x="609480" y="273600"/>
-            <a:ext cx="10972440" cy="1144800"/>
-          </a:xfrm>
-          <a:prstGeom prst="rect">
-            <a:avLst/>
-          </a:prstGeom>
-          <a:noFill/>
-          <a:ln w="0">
-            <a:noFill/>
-          </a:ln>
-        </p:spPr>
-        <p:txBody>
-          <a:bodyPr lIns="0" tIns="0" rIns="0" bIns="0" anchor="ctr">
-            <a:noAutofit/>
-          </a:bodyPr>
-          <a:lstStyle/>
-          <a:p>
-            <a:pPr indent="0" algn="ctr">
-              <a:buNone/>
-            </a:pPr>
-            <a:endParaRPr lang="en-GB" sz="4400" b="0" strike="noStrike" spc="-1">
-              <a:solidFill>
-                <a:srgbClr val="000000"/>
-              </a:solidFill>
-              <a:latin typeface="Arial"/>
-            </a:endParaRPr>
-          </a:p>
-        </p:txBody>
-      </p:sp>
-      <p:sp>
-        <p:nvSpPr>
-          <p:cNvPr id="15" name="PlaceHolder 2"/>
-          <p:cNvSpPr>
-            <a:spLocks noGrp="1"/>
-          </p:cNvSpPr>
-          <p:nvPr>
-            <p:ph/>
-          </p:nvPr>
-        </p:nvSpPr>
-        <p:spPr>
-          <a:xfrm>
-            <a:off x="609480" y="1604520"/>
-            <a:ext cx="5354280" cy="3977280"/>
-          </a:xfrm>
-          <a:prstGeom prst="rect">
-            <a:avLst/>
-          </a:prstGeom>
-          <a:noFill/>
-          <a:ln w="0">
-            <a:noFill/>
-          </a:ln>
-        </p:spPr>
-        <p:txBody>
-          <a:bodyPr lIns="0" tIns="0" rIns="0" bIns="0" anchor="t">
-            <a:normAutofit/>
-          </a:bodyPr>
-          <a:lstStyle/>
-          <a:p>
-            <a:pPr indent="0">
-              <a:spcBef>
-                <a:spcPts val="1417"/>
-              </a:spcBef>
-              <a:buNone/>
-            </a:pPr>
-            <a:endParaRPr lang="en-GB" sz="3200" b="0" strike="noStrike" spc="-1">
-              <a:solidFill>
-                <a:srgbClr val="000000"/>
-              </a:solidFill>
-              <a:latin typeface="Arial"/>
-            </a:endParaRPr>
-          </a:p>
-        </p:txBody>
-      </p:sp>
-      <p:sp>
-        <p:nvSpPr>
-          <p:cNvPr id="16" name="PlaceHolder 3"/>
-          <p:cNvSpPr>
-            <a:spLocks noGrp="1"/>
-          </p:cNvSpPr>
-          <p:nvPr>
-            <p:ph/>
-          </p:nvPr>
-        </p:nvSpPr>
-        <p:spPr>
-          <a:xfrm>
-            <a:off x="6231960" y="1604520"/>
-            <a:ext cx="5354280" cy="3977280"/>
-          </a:xfrm>
-          <a:prstGeom prst="rect">
-            <a:avLst/>
-          </a:prstGeom>
-          <a:noFill/>
-          <a:ln w="0">
-            <a:noFill/>
-          </a:ln>
-        </p:spPr>
-        <p:txBody>
-          <a:bodyPr lIns="0" tIns="0" rIns="0" bIns="0" anchor="t">
-            <a:normAutofit/>
-          </a:bodyPr>
-          <a:lstStyle/>
-          <a:p>
-            <a:pPr indent="0">
-              <a:spcBef>
-                <a:spcPts val="1417"/>
-              </a:spcBef>
-              <a:buNone/>
-            </a:pPr>
-            <a:endParaRPr lang="en-GB" sz="3200" b="0" strike="noStrike" spc="-1">
-              <a:solidFill>
-                <a:srgbClr val="000000"/>
-              </a:solidFill>
-              <a:latin typeface="Arial"/>
-            </a:endParaRPr>
-          </a:p>
-        </p:txBody>
-      </p:sp>
-    </p:spTree>
-  </p:cSld>
-  <p:clrMapOvr>
-    <a:masterClrMapping/>
-  </p:clrMapOvr>
-</p:sldLayout>
-</file>
-
-<file path=ppt/slideLayouts/slideLayout5.xml><?xml version="1.0" encoding="utf-8"?>
-<p:sldLayout xmlns:a="http://schemas.openxmlformats.org/drawingml/2006/main" xmlns:r="http://schemas.openxmlformats.org/officeDocument/2006/relationships" xmlns:p="http://schemas.openxmlformats.org/presentationml/2006/main" type="titleOnly" preserve="1">
-  <p:cSld name="Title Only">
-    <p:spTree>
-      <p:nvGrpSpPr>
-        <p:cNvPr id="1" name=""/>
-        <p:cNvGrpSpPr/>
-        <p:nvPr/>
-      </p:nvGrpSpPr>
-      <p:grpSpPr>
-        <a:xfrm>
-          <a:off x="0" y="0"/>
-          <a:ext cx="0" cy="0"/>
-          <a:chOff x="0" y="0"/>
-          <a:chExt cx="0" cy="0"/>
-        </a:xfrm>
-      </p:grpSpPr>
-      <p:sp>
-        <p:nvSpPr>
-          <p:cNvPr id="17" name="PlaceHolder 1"/>
-          <p:cNvSpPr>
-            <a:spLocks noGrp="1"/>
-          </p:cNvSpPr>
-          <p:nvPr>
-            <p:ph type="title"/>
-          </p:nvPr>
-        </p:nvSpPr>
-        <p:spPr>
-          <a:xfrm>
-            <a:off x="609480" y="273600"/>
-            <a:ext cx="10972440" cy="1144800"/>
-          </a:xfrm>
-          <a:prstGeom prst="rect">
-            <a:avLst/>
-          </a:prstGeom>
-          <a:noFill/>
-          <a:ln w="0">
-            <a:noFill/>
-          </a:ln>
-        </p:spPr>
-        <p:txBody>
-          <a:bodyPr lIns="0" tIns="0" rIns="0" bIns="0" anchor="ctr">
-            <a:noAutofit/>
-          </a:bodyPr>
-          <a:lstStyle/>
-          <a:p>
-            <a:pPr indent="0" algn="ctr">
-              <a:buNone/>
-            </a:pPr>
-            <a:endParaRPr lang="en-GB" sz="4400" b="0" strike="noStrike" spc="-1">
-              <a:solidFill>
-                <a:srgbClr val="000000"/>
-              </a:solidFill>
-              <a:latin typeface="Arial"/>
-            </a:endParaRPr>
-          </a:p>
-        </p:txBody>
-      </p:sp>
-    </p:spTree>
-  </p:cSld>
-  <p:clrMapOvr>
-    <a:masterClrMapping/>
-  </p:clrMapOvr>
-</p:sldLayout>
-</file>
-
-<file path=ppt/slideLayouts/slideLayout6.xml><?xml version="1.0" encoding="utf-8"?>
-<p:sldLayout xmlns:a="http://schemas.openxmlformats.org/drawingml/2006/main" xmlns:r="http://schemas.openxmlformats.org/officeDocument/2006/relationships" xmlns:p="http://schemas.openxmlformats.org/presentationml/2006/main" type="objOnly" preserve="1">
-  <p:cSld name="Centered Text">
-    <p:spTree>
-      <p:nvGrpSpPr>
-        <p:cNvPr id="1" name=""/>
-        <p:cNvGrpSpPr/>
-        <p:nvPr/>
-      </p:nvGrpSpPr>
-      <p:grpSpPr>
-        <a:xfrm>
-          <a:off x="0" y="0"/>
-          <a:ext cx="0" cy="0"/>
-          <a:chOff x="0" y="0"/>
-          <a:chExt cx="0" cy="0"/>
-        </a:xfrm>
-      </p:grpSpPr>
-      <p:sp>
-        <p:nvSpPr>
-          <p:cNvPr id="18" name="PlaceHolder 1"/>
-          <p:cNvSpPr>
-            <a:spLocks noGrp="1"/>
-          </p:cNvSpPr>
-          <p:nvPr>
-            <p:ph type="subTitle"/>
-          </p:nvPr>
-        </p:nvSpPr>
-        <p:spPr>
-          <a:xfrm>
-            <a:off x="609480" y="273600"/>
-            <a:ext cx="10972440" cy="5307840"/>
-          </a:xfrm>
-          <a:prstGeom prst="rect">
-            <a:avLst/>
-          </a:prstGeom>
-          <a:noFill/>
-          <a:ln w="0">
-            <a:noFill/>
-          </a:ln>
-        </p:spPr>
-        <p:txBody>
-          <a:bodyPr lIns="0" tIns="0" rIns="0" bIns="0" anchor="ctr">
-            <a:noAutofit/>
-          </a:bodyPr>
-          <a:lstStyle/>
-          <a:p>
-            <a:pPr algn="ctr"/>
-            <a:endParaRPr lang="en-GB" sz="3200" b="0" strike="noStrike" spc="-1">
-              <a:solidFill>
-                <a:srgbClr val="000000"/>
-              </a:solidFill>
-              <a:latin typeface="Arial"/>
-            </a:endParaRPr>
-          </a:p>
-        </p:txBody>
-      </p:sp>
-    </p:spTree>
-  </p:cSld>
-  <p:clrMapOvr>
-    <a:masterClrMapping/>
-  </p:clrMapOvr>
-</p:sldLayout>
-</file>
-
-<file path=ppt/slideLayouts/slideLayout7.xml><?xml version="1.0" encoding="utf-8"?>
-<p:sldLayout xmlns:a="http://schemas.openxmlformats.org/drawingml/2006/main" xmlns:r="http://schemas.openxmlformats.org/officeDocument/2006/relationships" xmlns:p="http://schemas.openxmlformats.org/presentationml/2006/main" type="twoObjAndObj" preserve="1">
-  <p:cSld name="Title, 2 Content and Content">
-    <p:spTree>
-      <p:nvGrpSpPr>
-        <p:cNvPr id="1" name=""/>
-        <p:cNvGrpSpPr/>
-        <p:nvPr/>
-      </p:nvGrpSpPr>
-      <p:grpSpPr>
-        <a:xfrm>
-          <a:off x="0" y="0"/>
-          <a:ext cx="0" cy="0"/>
-          <a:chOff x="0" y="0"/>
-          <a:chExt cx="0" cy="0"/>
-        </a:xfrm>
-      </p:grpSpPr>
-      <p:sp>
-        <p:nvSpPr>
-          <p:cNvPr id="19" name="PlaceHolder 1"/>
-          <p:cNvSpPr>
-            <a:spLocks noGrp="1"/>
-          </p:cNvSpPr>
-          <p:nvPr>
-            <p:ph type="title"/>
-          </p:nvPr>
-        </p:nvSpPr>
-        <p:spPr>
-          <a:xfrm>
-            <a:off x="609480" y="273600"/>
-            <a:ext cx="10972440" cy="1144800"/>
-          </a:xfrm>
-          <a:prstGeom prst="rect">
-            <a:avLst/>
-          </a:prstGeom>
-          <a:noFill/>
-          <a:ln w="0">
-            <a:noFill/>
-          </a:ln>
-        </p:spPr>
-        <p:txBody>
-          <a:bodyPr lIns="0" tIns="0" rIns="0" bIns="0" anchor="ctr">
-            <a:noAutofit/>
-          </a:bodyPr>
-          <a:lstStyle/>
-          <a:p>
-            <a:pPr indent="0" algn="ctr">
-              <a:buNone/>
-            </a:pPr>
-            <a:endParaRPr lang="en-GB" sz="4400" b="0" strike="noStrike" spc="-1">
-              <a:solidFill>
-                <a:srgbClr val="000000"/>
-              </a:solidFill>
-              <a:latin typeface="Arial"/>
-            </a:endParaRPr>
-          </a:p>
-        </p:txBody>
-      </p:sp>
-      <p:sp>
-        <p:nvSpPr>
-          <p:cNvPr id="20" name="PlaceHolder 2"/>
-          <p:cNvSpPr>
-            <a:spLocks noGrp="1"/>
-          </p:cNvSpPr>
-          <p:nvPr>
-            <p:ph/>
-          </p:nvPr>
-        </p:nvSpPr>
-        <p:spPr>
-          <a:xfrm>
-            <a:off x="609480" y="1604520"/>
-            <a:ext cx="5354280" cy="1896840"/>
-          </a:xfrm>
-          <a:prstGeom prst="rect">
-            <a:avLst/>
-          </a:prstGeom>
-          <a:noFill/>
-          <a:ln w="0">
-            <a:noFill/>
-          </a:ln>
-        </p:spPr>
-        <p:txBody>
-          <a:bodyPr lIns="0" tIns="0" rIns="0" bIns="0" anchor="t">
-            <a:normAutofit/>
-          </a:bodyPr>
-          <a:lstStyle/>
-          <a:p>
-            <a:pPr indent="0">
-              <a:spcBef>
-                <a:spcPts val="1417"/>
-              </a:spcBef>
-              <a:buNone/>
-            </a:pPr>
-            <a:endParaRPr lang="en-GB" sz="3200" b="0" strike="noStrike" spc="-1">
-              <a:solidFill>
-                <a:srgbClr val="000000"/>
-              </a:solidFill>
-              <a:latin typeface="Arial"/>
-            </a:endParaRPr>
-          </a:p>
-        </p:txBody>
-      </p:sp>
-      <p:sp>
-        <p:nvSpPr>
-          <p:cNvPr id="21" name="PlaceHolder 3"/>
-          <p:cNvSpPr>
-            <a:spLocks noGrp="1"/>
-          </p:cNvSpPr>
-          <p:nvPr>
-            <p:ph/>
-          </p:nvPr>
-        </p:nvSpPr>
-        <p:spPr>
-          <a:xfrm>
-            <a:off x="6231960" y="1604520"/>
-            <a:ext cx="5354280" cy="3977280"/>
-          </a:xfrm>
-          <a:prstGeom prst="rect">
-            <a:avLst/>
-          </a:prstGeom>
-          <a:noFill/>
-          <a:ln w="0">
-            <a:noFill/>
-          </a:ln>
-        </p:spPr>
-        <p:txBody>
-          <a:bodyPr lIns="0" tIns="0" rIns="0" bIns="0" anchor="t">
-            <a:normAutofit/>
-          </a:bodyPr>
-          <a:lstStyle/>
-          <a:p>
-            <a:pPr indent="0">
-              <a:spcBef>
-                <a:spcPts val="1417"/>
-              </a:spcBef>
-              <a:buNone/>
-            </a:pPr>
-            <a:endParaRPr lang="en-GB" sz="3200" b="0" strike="noStrike" spc="-1">
-              <a:solidFill>
-                <a:srgbClr val="000000"/>
-              </a:solidFill>
-              <a:latin typeface="Arial"/>
-            </a:endParaRPr>
-          </a:p>
-        </p:txBody>
-      </p:sp>
-      <p:sp>
-        <p:nvSpPr>
-          <p:cNvPr id="22" name="PlaceHolder 4"/>
-          <p:cNvSpPr>
-            <a:spLocks noGrp="1"/>
-          </p:cNvSpPr>
-          <p:nvPr>
-            <p:ph/>
-          </p:nvPr>
-        </p:nvSpPr>
-        <p:spPr>
-          <a:xfrm>
-            <a:off x="609480" y="3682080"/>
-            <a:ext cx="5354280" cy="1896840"/>
-          </a:xfrm>
-          <a:prstGeom prst="rect">
-            <a:avLst/>
-          </a:prstGeom>
-          <a:noFill/>
-          <a:ln w="0">
-            <a:noFill/>
-          </a:ln>
-        </p:spPr>
-        <p:txBody>
-          <a:bodyPr lIns="0" tIns="0" rIns="0" bIns="0" anchor="t">
-            <a:normAutofit/>
-          </a:bodyPr>
-          <a:lstStyle/>
-          <a:p>
-            <a:pPr indent="0">
-              <a:spcBef>
-                <a:spcPts val="1417"/>
-              </a:spcBef>
-              <a:buNone/>
-            </a:pPr>
-            <a:endParaRPr lang="en-GB" sz="3200" b="0" strike="noStrike" spc="-1">
-              <a:solidFill>
-                <a:srgbClr val="000000"/>
-              </a:solidFill>
-              <a:latin typeface="Arial"/>
-            </a:endParaRPr>
-          </a:p>
-        </p:txBody>
-      </p:sp>
-    </p:spTree>
-  </p:cSld>
-  <p:clrMapOvr>
-    <a:masterClrMapping/>
-  </p:clrMapOvr>
-</p:sldLayout>
-</file>
-
-<file path=ppt/slideLayouts/slideLayout8.xml><?xml version="1.0" encoding="utf-8"?>
-<p:sldLayout xmlns:a="http://schemas.openxmlformats.org/drawingml/2006/main" xmlns:r="http://schemas.openxmlformats.org/officeDocument/2006/relationships" xmlns:p="http://schemas.openxmlformats.org/presentationml/2006/main" type="objAndTwoObj" preserve="1">
-  <p:cSld name="Title Content and 2 Content">
-    <p:spTree>
-      <p:nvGrpSpPr>
-        <p:cNvPr id="1" name=""/>
-        <p:cNvGrpSpPr/>
-        <p:nvPr/>
-      </p:nvGrpSpPr>
-      <p:grpSpPr>
-        <a:xfrm>
-          <a:off x="0" y="0"/>
-          <a:ext cx="0" cy="0"/>
-          <a:chOff x="0" y="0"/>
-          <a:chExt cx="0" cy="0"/>
-        </a:xfrm>
-      </p:grpSpPr>
-      <p:sp>
-        <p:nvSpPr>
-          <p:cNvPr id="23" name="PlaceHolder 1"/>
-          <p:cNvSpPr>
-            <a:spLocks noGrp="1"/>
-          </p:cNvSpPr>
-          <p:nvPr>
-            <p:ph type="title"/>
-          </p:nvPr>
-        </p:nvSpPr>
-        <p:spPr>
-          <a:xfrm>
-            <a:off x="609480" y="273600"/>
-            <a:ext cx="10972440" cy="1144800"/>
-          </a:xfrm>
-          <a:prstGeom prst="rect">
-            <a:avLst/>
-          </a:prstGeom>
-          <a:noFill/>
-          <a:ln w="0">
-            <a:noFill/>
-          </a:ln>
-        </p:spPr>
-        <p:txBody>
-          <a:bodyPr lIns="0" tIns="0" rIns="0" bIns="0" anchor="ctr">
-            <a:noAutofit/>
-          </a:bodyPr>
-          <a:lstStyle/>
-          <a:p>
-            <a:pPr indent="0" algn="ctr">
-              <a:buNone/>
-            </a:pPr>
-            <a:endParaRPr lang="en-GB" sz="4400" b="0" strike="noStrike" spc="-1">
-              <a:solidFill>
-                <a:srgbClr val="000000"/>
-              </a:solidFill>
-              <a:latin typeface="Arial"/>
-            </a:endParaRPr>
-          </a:p>
-        </p:txBody>
-      </p:sp>
-      <p:sp>
-        <p:nvSpPr>
-          <p:cNvPr id="24" name="PlaceHolder 2"/>
-          <p:cNvSpPr>
-            <a:spLocks noGrp="1"/>
-          </p:cNvSpPr>
-          <p:nvPr>
-            <p:ph/>
-          </p:nvPr>
-        </p:nvSpPr>
-        <p:spPr>
-          <a:xfrm>
-            <a:off x="609480" y="1604520"/>
-            <a:ext cx="5354280" cy="3977280"/>
-          </a:xfrm>
-          <a:prstGeom prst="rect">
-            <a:avLst/>
-          </a:prstGeom>
-          <a:noFill/>
-          <a:ln w="0">
-            <a:noFill/>
-          </a:ln>
-        </p:spPr>
-        <p:txBody>
-          <a:bodyPr lIns="0" tIns="0" rIns="0" bIns="0" anchor="t">
-            <a:normAutofit/>
-          </a:bodyPr>
-          <a:lstStyle/>
-          <a:p>
-            <a:pPr indent="0">
-              <a:spcBef>
-                <a:spcPts val="1417"/>
-              </a:spcBef>
-              <a:buNone/>
-            </a:pPr>
-            <a:endParaRPr lang="en-GB" sz="3200" b="0" strike="noStrike" spc="-1">
-              <a:solidFill>
-                <a:srgbClr val="000000"/>
-              </a:solidFill>
-              <a:latin typeface="Arial"/>
-            </a:endParaRPr>
-          </a:p>
-        </p:txBody>
-      </p:sp>
-      <p:sp>
-        <p:nvSpPr>
-          <p:cNvPr id="25" name="PlaceHolder 3"/>
-          <p:cNvSpPr>
-            <a:spLocks noGrp="1"/>
-          </p:cNvSpPr>
-          <p:nvPr>
-            <p:ph/>
-          </p:nvPr>
-        </p:nvSpPr>
-        <p:spPr>
-          <a:xfrm>
-            <a:off x="6231960" y="1604520"/>
-            <a:ext cx="5354280" cy="1896840"/>
-          </a:xfrm>
-          <a:prstGeom prst="rect">
-            <a:avLst/>
-          </a:prstGeom>
-          <a:noFill/>
-          <a:ln w="0">
-            <a:noFill/>
-          </a:ln>
-        </p:spPr>
-        <p:txBody>
-          <a:bodyPr lIns="0" tIns="0" rIns="0" bIns="0" anchor="t">
-            <a:normAutofit/>
-          </a:bodyPr>
-          <a:lstStyle/>
-          <a:p>
-            <a:pPr indent="0">
-              <a:spcBef>
-                <a:spcPts val="1417"/>
-              </a:spcBef>
-              <a:buNone/>
-            </a:pPr>
-            <a:endParaRPr lang="en-GB" sz="3200" b="0" strike="noStrike" spc="-1">
-              <a:solidFill>
-                <a:srgbClr val="000000"/>
-              </a:solidFill>
-              <a:latin typeface="Arial"/>
-            </a:endParaRPr>
-          </a:p>
-        </p:txBody>
-      </p:sp>
-      <p:sp>
-        <p:nvSpPr>
-          <p:cNvPr id="26" name="PlaceHolder 4"/>
-          <p:cNvSpPr>
-            <a:spLocks noGrp="1"/>
-          </p:cNvSpPr>
-          <p:nvPr>
-            <p:ph/>
-          </p:nvPr>
-        </p:nvSpPr>
-        <p:spPr>
-          <a:xfrm>
-            <a:off x="6231960" y="3682080"/>
-            <a:ext cx="5354280" cy="1896840"/>
-          </a:xfrm>
-          <a:prstGeom prst="rect">
-            <a:avLst/>
-          </a:prstGeom>
-          <a:noFill/>
-          <a:ln w="0">
-            <a:noFill/>
-          </a:ln>
-        </p:spPr>
-        <p:txBody>
-          <a:bodyPr lIns="0" tIns="0" rIns="0" bIns="0" anchor="t">
-            <a:normAutofit/>
-          </a:bodyPr>
-          <a:lstStyle/>
-          <a:p>
-            <a:pPr indent="0">
-              <a:spcBef>
-                <a:spcPts val="1417"/>
-              </a:spcBef>
-              <a:buNone/>
-            </a:pPr>
-            <a:endParaRPr lang="en-GB" sz="3200" b="0" strike="noStrike" spc="-1">
-              <a:solidFill>
-                <a:srgbClr val="000000"/>
-              </a:solidFill>
-              <a:latin typeface="Arial"/>
-            </a:endParaRPr>
-          </a:p>
-        </p:txBody>
-      </p:sp>
-    </p:spTree>
-  </p:cSld>
-  <p:clrMapOvr>
-    <a:masterClrMapping/>
-  </p:clrMapOvr>
-</p:sldLayout>
-</file>
-
-<file path=ppt/slideLayouts/slideLayout9.xml><?xml version="1.0" encoding="utf-8"?>
-<p:sldLayout xmlns:a="http://schemas.openxmlformats.org/drawingml/2006/main" xmlns:r="http://schemas.openxmlformats.org/officeDocument/2006/relationships" xmlns:p="http://schemas.openxmlformats.org/presentationml/2006/main" type="twoObjOverTx" preserve="1">
-  <p:cSld name="Title, 2 Content over Content">
-    <p:spTree>
-      <p:nvGrpSpPr>
-        <p:cNvPr id="1" name=""/>
-        <p:cNvGrpSpPr/>
-        <p:nvPr/>
-      </p:nvGrpSpPr>
-      <p:grpSpPr>
-        <a:xfrm>
-          <a:off x="0" y="0"/>
-          <a:ext cx="0" cy="0"/>
-          <a:chOff x="0" y="0"/>
-          <a:chExt cx="0" cy="0"/>
-        </a:xfrm>
-      </p:grpSpPr>
-      <p:sp>
-        <p:nvSpPr>
-          <p:cNvPr id="27" name="PlaceHolder 1"/>
-          <p:cNvSpPr>
-            <a:spLocks noGrp="1"/>
-          </p:cNvSpPr>
-          <p:nvPr>
-            <p:ph type="title"/>
-          </p:nvPr>
-        </p:nvSpPr>
-        <p:spPr>
-          <a:xfrm>
-            <a:off x="609480" y="273600"/>
-            <a:ext cx="10972440" cy="1144800"/>
-          </a:xfrm>
-          <a:prstGeom prst="rect">
-            <a:avLst/>
-          </a:prstGeom>
-          <a:noFill/>
-          <a:ln w="0">
-            <a:noFill/>
-          </a:ln>
-        </p:spPr>
-        <p:txBody>
-          <a:bodyPr lIns="0" tIns="0" rIns="0" bIns="0" anchor="ctr">
-            <a:noAutofit/>
-          </a:bodyPr>
-          <a:lstStyle/>
-          <a:p>
-            <a:pPr indent="0" algn="ctr">
-              <a:buNone/>
-            </a:pPr>
-            <a:endParaRPr lang="en-GB" sz="4400" b="0" strike="noStrike" spc="-1">
-              <a:solidFill>
-                <a:srgbClr val="000000"/>
-              </a:solidFill>
-              <a:latin typeface="Arial"/>
-            </a:endParaRPr>
-          </a:p>
-        </p:txBody>
-      </p:sp>
-      <p:sp>
-        <p:nvSpPr>
-          <p:cNvPr id="28" name="PlaceHolder 2"/>
-          <p:cNvSpPr>
-            <a:spLocks noGrp="1"/>
-          </p:cNvSpPr>
-          <p:nvPr>
-            <p:ph/>
-          </p:nvPr>
-        </p:nvSpPr>
-        <p:spPr>
-          <a:xfrm>
-            <a:off x="609480" y="1604520"/>
-            <a:ext cx="5354280" cy="1896840"/>
-          </a:xfrm>
-          <a:prstGeom prst="rect">
-            <a:avLst/>
-          </a:prstGeom>
-          <a:noFill/>
-          <a:ln w="0">
-            <a:noFill/>
-          </a:ln>
-        </p:spPr>
-        <p:txBody>
-          <a:bodyPr lIns="0" tIns="0" rIns="0" bIns="0" anchor="t">
-            <a:normAutofit/>
-          </a:bodyPr>
-          <a:lstStyle/>
-          <a:p>
-            <a:pPr indent="0">
-              <a:spcBef>
-                <a:spcPts val="1417"/>
-              </a:spcBef>
-              <a:buNone/>
-            </a:pPr>
-            <a:endParaRPr lang="en-GB" sz="3200" b="0" strike="noStrike" spc="-1">
-              <a:solidFill>
-                <a:srgbClr val="000000"/>
-              </a:solidFill>
-              <a:latin typeface="Arial"/>
-            </a:endParaRPr>
-          </a:p>
-        </p:txBody>
-      </p:sp>
-      <p:sp>
-        <p:nvSpPr>
-          <p:cNvPr id="29" name="PlaceHolder 3"/>
-          <p:cNvSpPr>
-            <a:spLocks noGrp="1"/>
-          </p:cNvSpPr>
-          <p:nvPr>
-            <p:ph/>
-          </p:nvPr>
-        </p:nvSpPr>
-        <p:spPr>
-          <a:xfrm>
-            <a:off x="6231960" y="1604520"/>
-            <a:ext cx="5354280" cy="1896840"/>
-          </a:xfrm>
-          <a:prstGeom prst="rect">
-            <a:avLst/>
-          </a:prstGeom>
-          <a:noFill/>
-          <a:ln w="0">
-            <a:noFill/>
-          </a:ln>
-        </p:spPr>
-        <p:txBody>
-          <a:bodyPr lIns="0" tIns="0" rIns="0" bIns="0" anchor="t">
-            <a:normAutofit/>
-          </a:bodyPr>
-          <a:lstStyle/>
-          <a:p>
-            <a:pPr indent="0">
-              <a:spcBef>
-                <a:spcPts val="1417"/>
-              </a:spcBef>
-              <a:buNone/>
-            </a:pPr>
-            <a:endParaRPr lang="en-GB" sz="3200" b="0" strike="noStrike" spc="-1">
-              <a:solidFill>
-                <a:srgbClr val="000000"/>
-              </a:solidFill>
-              <a:latin typeface="Arial"/>
-            </a:endParaRPr>
-          </a:p>
-        </p:txBody>
-      </p:sp>
-      <p:sp>
-        <p:nvSpPr>
-          <p:cNvPr id="30" name="PlaceHolder 4"/>
-          <p:cNvSpPr>
-            <a:spLocks noGrp="1"/>
-          </p:cNvSpPr>
-          <p:nvPr>
-            <p:ph/>
-          </p:nvPr>
-        </p:nvSpPr>
-        <p:spPr>
-          <a:xfrm>
-            <a:off x="609480" y="3682080"/>
-            <a:ext cx="10972440" cy="1896840"/>
-          </a:xfrm>
-          <a:prstGeom prst="rect">
-            <a:avLst/>
-          </a:prstGeom>
-          <a:noFill/>
-          <a:ln w="0">
-            <a:noFill/>
-          </a:ln>
-        </p:spPr>
-        <p:txBody>
-          <a:bodyPr lIns="0" tIns="0" rIns="0" bIns="0" anchor="t">
-            <a:normAutofit/>
-          </a:bodyPr>
-          <a:lstStyle/>
-          <a:p>
-            <a:pPr indent="0">
-              <a:spcBef>
-                <a:spcPts val="1417"/>
-              </a:spcBef>
-              <a:buNone/>
-            </a:pPr>
-            <a:endParaRPr lang="en-GB" sz="3200" b="0" strike="noStrike" spc="-1">
-              <a:solidFill>
-                <a:srgbClr val="000000"/>
-              </a:solidFill>
-              <a:latin typeface="Arial"/>
-            </a:endParaRPr>
-          </a:p>
-        </p:txBody>
-      </p:sp>
-    </p:spTree>
-  </p:cSld>
-  <p:clrMapOvr>
-    <a:masterClrMapping/>
-  </p:clrMapOvr>
-</p:sldLayout>
-</file>
-
 <file path=ppt/slideMasters/slideMaster1.xml><?xml version="1.0" encoding="utf-8"?>
-<p:sldMaster xmlns:a="http://schemas.openxmlformats.org/drawingml/2006/main" xmlns:r="http://schemas.openxmlformats.org/officeDocument/2006/relationships" xmlns:p="http://schemas.openxmlformats.org/presentationml/2006/main">
-  <p:cSld>
-    <p:bg>
-      <p:bgPr>
-        <a:solidFill>
-          <a:srgbClr val="FFFFFF"/>
-        </a:solidFill>
-        <a:effectLst/>
-      </p:bgPr>
-    </p:bg>
-    <p:spTree>
-      <p:nvGrpSpPr>
-        <p:cNvPr id="1" name=""/>
-        <p:cNvGrpSpPr/>
-        <p:nvPr/>
-      </p:nvGrpSpPr>
-      <p:grpSpPr>
-        <a:xfrm>
-          <a:off x="0" y="0"/>
-          <a:ext cx="0" cy="0"/>
-          <a:chOff x="0" y="0"/>
-          <a:chExt cx="0" cy="0"/>
-        </a:xfrm>
-      </p:grpSpPr>
-      <p:sp>
-        <p:nvSpPr>
-          <p:cNvPr id="10" name="CustomShape 1"/>
-          <p:cNvSpPr/>
-          <p:nvPr/>
-        </p:nvSpPr>
-        <p:spPr>
-          <a:xfrm>
-            <a:off x="11444760" y="0"/>
-            <a:ext cx="741600" cy="6850440"/>
-          </a:xfrm>
-          <a:prstGeom prst="rect">
-            <a:avLst/>
-          </a:prstGeom>
-          <a:solidFill>
-            <a:srgbClr val="000000">
-              <a:alpha val="10000"/>
-            </a:srgbClr>
-          </a:solidFill>
-          <a:ln w="0">
-            <a:noFill/>
-          </a:ln>
-        </p:spPr>
-        <p:style>
-          <a:lnRef idx="0">
-            <a:scrgbClr r="0" g="0" b="0"/>
-          </a:lnRef>
-          <a:fillRef idx="0">
-            <a:scrgbClr r="0" g="0" b="0"/>
-          </a:fillRef>
-          <a:effectRef idx="0">
-            <a:scrgbClr r="0" g="0" b="0"/>
-          </a:effectRef>
-          <a:fontRef idx="minor"/>
-        </p:style>
-        <p:txBody>
-          <a:bodyPr lIns="90000" tIns="45000" rIns="90000" bIns="45000" anchor="t">
-            <a:noAutofit/>
-          </a:bodyPr>
-          <a:lstStyle/>
-          <a:p>
-            <a:endParaRPr lang="en-GB" sz="1800" b="0" strike="noStrike" spc="-1">
-              <a:solidFill>
-                <a:srgbClr val="FFFFFF"/>
-              </a:solidFill>
-              <a:latin typeface="Arial"/>
-            </a:endParaRPr>
-          </a:p>
-        </p:txBody>
-      </p:sp>
-      <p:sp>
-        <p:nvSpPr>
-          <p:cNvPr id="11" name="CustomShape 2"/>
-          <p:cNvSpPr/>
-          <p:nvPr/>
-        </p:nvSpPr>
-        <p:spPr>
-          <a:xfrm>
-            <a:off x="11438640" y="6453360"/>
-            <a:ext cx="758520" cy="363960"/>
-          </a:xfrm>
-          <a:prstGeom prst="rect">
-            <a:avLst/>
-          </a:prstGeom>
-          <a:noFill/>
-          <a:ln w="0">
-            <a:noFill/>
-          </a:ln>
-        </p:spPr>
-        <p:style>
-          <a:lnRef idx="0">
-            <a:scrgbClr r="0" g="0" b="0"/>
-          </a:lnRef>
-          <a:fillRef idx="0">
-            <a:scrgbClr r="0" g="0" b="0"/>
-          </a:fillRef>
-          <a:effectRef idx="0">
-            <a:scrgbClr r="0" g="0" b="0"/>
-          </a:effectRef>
-          <a:fontRef idx="minor"/>
-        </p:style>
-        <p:txBody>
-          <a:bodyPr lIns="90000" tIns="45000" rIns="90000" bIns="45000" anchor="t">
-            <a:spAutoFit/>
-          </a:bodyPr>
-          <a:lstStyle/>
-          <a:p>
-            <a:pPr algn="ctr">
-              <a:lnSpc>
-                <a:spcPct val="100000"/>
-              </a:lnSpc>
-            </a:pPr>
-            <a:fld id="{5B37DFE8-D5F4-479C-B793-85B28B6244C7}" type="slidenum">
-              <a:rPr lang="en-US" sz="1800" b="0" strike="noStrike" spc="-1">
-                <a:solidFill>
-                  <a:srgbClr val="808080"/>
-                </a:solidFill>
-                <a:latin typeface="Arial"/>
-                <a:ea typeface="DejaVu Sans"/>
-              </a:rPr>
-              <a:t>‹Nr.›</a:t>
-            </a:fld>
-            <a:endParaRPr lang="en-GB" sz="1800" b="0" strike="noStrike" spc="-1">
-              <a:solidFill>
-                <a:srgbClr val="000000"/>
-              </a:solidFill>
-              <a:latin typeface="Arial"/>
-            </a:endParaRPr>
-          </a:p>
-        </p:txBody>
-      </p:sp>
-      <p:sp>
-        <p:nvSpPr>
-          <p:cNvPr id="2" name="CustomShape 3"/>
-          <p:cNvSpPr/>
-          <p:nvPr/>
-        </p:nvSpPr>
-        <p:spPr>
-          <a:xfrm>
-            <a:off x="912240" y="1268280"/>
-            <a:ext cx="9208440" cy="361800"/>
-          </a:xfrm>
-          <a:prstGeom prst="rect">
-            <a:avLst/>
-          </a:prstGeom>
-          <a:noFill/>
-          <a:ln w="0">
-            <a:noFill/>
-          </a:ln>
-        </p:spPr>
-        <p:style>
-          <a:lnRef idx="0">
-            <a:scrgbClr r="0" g="0" b="0"/>
-          </a:lnRef>
-          <a:fillRef idx="0">
-            <a:scrgbClr r="0" g="0" b="0"/>
-          </a:fillRef>
-          <a:effectRef idx="0">
-            <a:scrgbClr r="0" g="0" b="0"/>
-          </a:effectRef>
-          <a:fontRef idx="minor"/>
-        </p:style>
-        <p:txBody>
-          <a:bodyPr lIns="90000" tIns="45000" rIns="90000" bIns="45000" anchor="t">
-            <a:noAutofit/>
-          </a:bodyPr>
-          <a:lstStyle/>
-          <a:p>
-            <a:endParaRPr lang="en-GB" sz="1800" b="0" strike="noStrike" spc="-1">
-              <a:solidFill>
-                <a:srgbClr val="000000"/>
-              </a:solidFill>
-              <a:latin typeface="Arial"/>
-            </a:endParaRPr>
-          </a:p>
-        </p:txBody>
-      </p:sp>
-      <p:pic>
-        <p:nvPicPr>
-          <p:cNvPr id="3" name="Picture 19" descr="Logo_TUC_de_RGB"/>
-          <p:cNvPicPr/>
-          <p:nvPr/>
-        </p:nvPicPr>
-        <p:blipFill>
-          <a:blip r:embed="rId14"/>
-          <a:stretch/>
-        </p:blipFill>
-        <p:spPr>
-          <a:xfrm>
-            <a:off x="0" y="0"/>
-            <a:ext cx="3052440" cy="562320"/>
-          </a:xfrm>
-          <a:prstGeom prst="rect">
-            <a:avLst/>
-          </a:prstGeom>
-          <a:ln w="0">
-            <a:noFill/>
-          </a:ln>
-        </p:spPr>
-      </p:pic>
-      <p:pic>
-        <p:nvPicPr>
-          <p:cNvPr id="4" name="Grafik 2"/>
-          <p:cNvPicPr/>
-          <p:nvPr/>
-        </p:nvPicPr>
-        <p:blipFill>
-          <a:blip r:embed="rId15"/>
-          <a:stretch/>
-        </p:blipFill>
-        <p:spPr>
-          <a:xfrm>
-            <a:off x="7430400" y="134640"/>
-            <a:ext cx="3698280" cy="514440"/>
-          </a:xfrm>
-          <a:prstGeom prst="rect">
-            <a:avLst/>
-          </a:prstGeom>
-          <a:ln w="0">
-            <a:noFill/>
-          </a:ln>
-        </p:spPr>
-      </p:pic>
-      <p:sp>
-        <p:nvSpPr>
-          <p:cNvPr id="5" name="CustomShape 4"/>
-          <p:cNvSpPr/>
-          <p:nvPr/>
-        </p:nvSpPr>
-        <p:spPr>
-          <a:xfrm>
-            <a:off x="912240" y="1268280"/>
-            <a:ext cx="9208440" cy="361800"/>
-          </a:xfrm>
-          <a:prstGeom prst="rect">
-            <a:avLst/>
-          </a:prstGeom>
-          <a:noFill/>
-          <a:ln w="0">
-            <a:noFill/>
-          </a:ln>
-        </p:spPr>
-        <p:style>
-          <a:lnRef idx="0">
-            <a:scrgbClr r="0" g="0" b="0"/>
-          </a:lnRef>
-          <a:fillRef idx="0">
-            <a:scrgbClr r="0" g="0" b="0"/>
-          </a:fillRef>
-          <a:effectRef idx="0">
-            <a:scrgbClr r="0" g="0" b="0"/>
-          </a:effectRef>
-          <a:fontRef idx="minor"/>
-        </p:style>
-        <p:txBody>
-          <a:bodyPr lIns="90000" tIns="45000" rIns="90000" bIns="45000" anchor="t">
-            <a:noAutofit/>
-          </a:bodyPr>
-          <a:lstStyle/>
-          <a:p>
-            <a:endParaRPr lang="en-GB" sz="1800" b="0" strike="noStrike" spc="-1">
-              <a:solidFill>
-                <a:srgbClr val="000000"/>
-              </a:solidFill>
-              <a:latin typeface="Arial"/>
-            </a:endParaRPr>
-          </a:p>
-        </p:txBody>
-      </p:sp>
-      <p:sp>
-        <p:nvSpPr>
-          <p:cNvPr id="6" name="CustomShape 5"/>
-          <p:cNvSpPr/>
-          <p:nvPr/>
-        </p:nvSpPr>
-        <p:spPr>
-          <a:xfrm>
-            <a:off x="11444760" y="0"/>
-            <a:ext cx="741600" cy="6850440"/>
-          </a:xfrm>
-          <a:prstGeom prst="rect">
-            <a:avLst/>
-          </a:prstGeom>
-          <a:solidFill>
-            <a:srgbClr val="000000">
-              <a:alpha val="10000"/>
-            </a:srgbClr>
-          </a:solidFill>
-          <a:ln w="0">
-            <a:noFill/>
-          </a:ln>
-        </p:spPr>
-        <p:style>
-          <a:lnRef idx="0">
-            <a:scrgbClr r="0" g="0" b="0"/>
-          </a:lnRef>
-          <a:fillRef idx="0">
-            <a:scrgbClr r="0" g="0" b="0"/>
-          </a:fillRef>
-          <a:effectRef idx="0">
-            <a:scrgbClr r="0" g="0" b="0"/>
-          </a:effectRef>
-          <a:fontRef idx="minor"/>
-        </p:style>
-        <p:txBody>
-          <a:bodyPr lIns="90000" tIns="45000" rIns="90000" bIns="45000" anchor="t">
-            <a:noAutofit/>
-          </a:bodyPr>
-          <a:lstStyle/>
-          <a:p>
-            <a:endParaRPr lang="en-GB" sz="1800" b="0" strike="noStrike" spc="-1">
-              <a:solidFill>
-                <a:srgbClr val="FFFFFF"/>
-              </a:solidFill>
-              <a:latin typeface="Arial"/>
-            </a:endParaRPr>
-          </a:p>
-        </p:txBody>
-      </p:sp>
-      <p:sp>
-        <p:nvSpPr>
-          <p:cNvPr id="7" name="CustomShape 6"/>
-          <p:cNvSpPr/>
-          <p:nvPr/>
-        </p:nvSpPr>
-        <p:spPr>
-          <a:xfrm>
-            <a:off x="0" y="6642720"/>
-            <a:ext cx="12184560" cy="211320"/>
-          </a:xfrm>
-          <a:prstGeom prst="rect">
-            <a:avLst/>
-          </a:prstGeom>
-          <a:noFill/>
-          <a:ln w="0">
-            <a:noFill/>
-          </a:ln>
-        </p:spPr>
-        <p:style>
-          <a:lnRef idx="0">
-            <a:scrgbClr r="0" g="0" b="0"/>
-          </a:lnRef>
-          <a:fillRef idx="0">
-            <a:scrgbClr r="0" g="0" b="0"/>
-          </a:fillRef>
-          <a:effectRef idx="0">
-            <a:scrgbClr r="0" g="0" b="0"/>
-          </a:effectRef>
-          <a:fontRef idx="minor"/>
-        </p:style>
-        <p:txBody>
-          <a:bodyPr lIns="90000" tIns="45000" rIns="90000" bIns="45000" anchor="t">
-            <a:spAutoFit/>
-          </a:bodyPr>
-          <a:lstStyle/>
-          <a:p>
-            <a:pPr algn="ctr">
-              <a:lnSpc>
-                <a:spcPct val="100000"/>
-              </a:lnSpc>
-            </a:pPr>
-            <a:r>
-              <a:rPr lang="en-US" sz="800" b="0" strike="noStrike" spc="-1">
-                <a:solidFill>
-                  <a:srgbClr val="A6A6A6"/>
-                </a:solidFill>
-                <a:latin typeface="DejaVu Sans"/>
-                <a:ea typeface="DejaVu Sans"/>
-              </a:rPr>
-              <a:t>The Limits to Growth – TU Clausthal</a:t>
-            </a:r>
-            <a:endParaRPr lang="en-GB" sz="800" b="0" strike="noStrike" spc="-1">
-              <a:solidFill>
-                <a:srgbClr val="000000"/>
-              </a:solidFill>
-              <a:latin typeface="Arial"/>
-            </a:endParaRPr>
-          </a:p>
-        </p:txBody>
-      </p:sp>
-      <p:sp>
-        <p:nvSpPr>
-          <p:cNvPr id="8" name="PlaceHolder 1"/>
-          <p:cNvSpPr>
-            <a:spLocks noGrp="1"/>
-          </p:cNvSpPr>
-          <p:nvPr>
-            <p:ph type="title"/>
-          </p:nvPr>
-        </p:nvSpPr>
-        <p:spPr>
-          <a:xfrm>
-            <a:off x="609480" y="273600"/>
-            <a:ext cx="10972440" cy="1144800"/>
-          </a:xfrm>
-          <a:prstGeom prst="rect">
-            <a:avLst/>
-          </a:prstGeom>
-          <a:noFill/>
-          <a:ln w="0">
-            <a:noFill/>
-          </a:ln>
-        </p:spPr>
-        <p:txBody>
-          <a:bodyPr lIns="0" tIns="0" rIns="0" bIns="0" anchor="ctr">
-            <a:noAutofit/>
-          </a:bodyPr>
-          <a:lstStyle/>
-          <a:p>
-            <a:pPr indent="0" algn="ctr">
-              <a:buNone/>
-            </a:pPr>
-            <a:r>
-              <a:rPr lang="en-GB" sz="4400" b="0" strike="noStrike" spc="-1">
-                <a:solidFill>
-                  <a:srgbClr val="000000"/>
-                </a:solidFill>
-                <a:latin typeface="Arial"/>
-              </a:rPr>
-              <a:t>Click to edit the title text format</a:t>
-            </a:r>
-          </a:p>
-        </p:txBody>
-      </p:sp>
-      <p:sp>
-        <p:nvSpPr>
-          <p:cNvPr id="9" name="PlaceHolder 2"/>
-          <p:cNvSpPr>
-            <a:spLocks noGrp="1"/>
-          </p:cNvSpPr>
-          <p:nvPr>
-            <p:ph type="body"/>
-          </p:nvPr>
-        </p:nvSpPr>
-        <p:spPr>
-          <a:xfrm>
-            <a:off x="609480" y="1604520"/>
-            <a:ext cx="10972440" cy="3977280"/>
-          </a:xfrm>
-          <a:prstGeom prst="rect">
-            <a:avLst/>
-          </a:prstGeom>
-          <a:noFill/>
-          <a:ln w="0">
-            <a:noFill/>
-          </a:ln>
-        </p:spPr>
-        <p:txBody>
-          <a:bodyPr lIns="0" tIns="0" rIns="0" bIns="0" anchor="t">
-            <a:normAutofit/>
-          </a:bodyPr>
-          <a:lstStyle/>
-          <a:p>
-            <a:pPr marL="432000" indent="-324000">
-              <a:spcBef>
-                <a:spcPts val="1417"/>
-              </a:spcBef>
-              <a:buClr>
-                <a:srgbClr val="000000"/>
-              </a:buClr>
-              <a:buSzPct val="45000"/>
-              <a:buFont typeface="Wingdings" charset="2"/>
-              <a:buChar char=""/>
-            </a:pPr>
-            <a:r>
-              <a:rPr lang="en-GB" sz="3200" b="0" strike="noStrike" spc="-1">
-                <a:solidFill>
-                  <a:srgbClr val="000000"/>
-                </a:solidFill>
-                <a:latin typeface="Arial"/>
-              </a:rPr>
-              <a:t>Click to edit the outline text format</a:t>
-            </a:r>
-          </a:p>
-          <a:p>
-            <a:pPr marL="864000" lvl="1" indent="-324000">
-              <a:spcBef>
-                <a:spcPts val="1134"/>
-              </a:spcBef>
-              <a:buClr>
-                <a:srgbClr val="000000"/>
-              </a:buClr>
-              <a:buSzPct val="75000"/>
-              <a:buFont typeface="Symbol" charset="2"/>
-              <a:buChar char=""/>
-            </a:pPr>
-            <a:r>
-              <a:rPr lang="en-GB" sz="2800" b="0" strike="noStrike" spc="-1">
-                <a:solidFill>
-                  <a:srgbClr val="000000"/>
-                </a:solidFill>
-                <a:latin typeface="Arial"/>
-              </a:rPr>
-              <a:t>Second Outline Level</a:t>
-            </a:r>
-          </a:p>
-          <a:p>
-            <a:pPr marL="1296000" lvl="2" indent="-288000">
-              <a:spcBef>
-                <a:spcPts val="850"/>
-              </a:spcBef>
-              <a:buClr>
-                <a:srgbClr val="000000"/>
-              </a:buClr>
-              <a:buSzPct val="45000"/>
-              <a:buFont typeface="Wingdings" charset="2"/>
-              <a:buChar char=""/>
-            </a:pPr>
-            <a:r>
-              <a:rPr lang="en-GB" sz="2400" b="0" strike="noStrike" spc="-1">
-                <a:solidFill>
-                  <a:srgbClr val="000000"/>
-                </a:solidFill>
-                <a:latin typeface="Arial"/>
-              </a:rPr>
-              <a:t>Third Outline Level</a:t>
-            </a:r>
-          </a:p>
-          <a:p>
-            <a:pPr marL="1728000" lvl="3" indent="-216000">
-              <a:spcBef>
-                <a:spcPts val="567"/>
-              </a:spcBef>
-              <a:buClr>
-                <a:srgbClr val="000000"/>
-              </a:buClr>
-              <a:buSzPct val="75000"/>
-              <a:buFont typeface="Symbol" charset="2"/>
-              <a:buChar char=""/>
-            </a:pPr>
-            <a:r>
-              <a:rPr lang="en-GB" sz="2000" b="0" strike="noStrike" spc="-1">
-                <a:solidFill>
-                  <a:srgbClr val="000000"/>
-                </a:solidFill>
-                <a:latin typeface="Arial"/>
-              </a:rPr>
-              <a:t>Fourth Outline Level</a:t>
-            </a:r>
-          </a:p>
-          <a:p>
-            <a:pPr marL="2160000" lvl="4" indent="-216000">
-              <a:spcBef>
-                <a:spcPts val="283"/>
-              </a:spcBef>
-              <a:buClr>
-                <a:srgbClr val="000000"/>
-              </a:buClr>
-              <a:buSzPct val="45000"/>
-              <a:buFont typeface="Wingdings" charset="2"/>
-              <a:buChar char=""/>
-            </a:pPr>
-            <a:r>
-              <a:rPr lang="en-GB" sz="2000" b="0" strike="noStrike" spc="-1">
-                <a:solidFill>
-                  <a:srgbClr val="000000"/>
-                </a:solidFill>
-                <a:latin typeface="Arial"/>
-              </a:rPr>
-              <a:t>Fifth Outline Level</a:t>
-            </a:r>
-          </a:p>
-          <a:p>
-            <a:pPr marL="2592000" lvl="5" indent="-216000">
-              <a:spcBef>
-                <a:spcPts val="283"/>
-              </a:spcBef>
-              <a:buClr>
-                <a:srgbClr val="000000"/>
-              </a:buClr>
-              <a:buSzPct val="45000"/>
-              <a:buFont typeface="Wingdings" charset="2"/>
-              <a:buChar char=""/>
-            </a:pPr>
-            <a:r>
-              <a:rPr lang="en-GB" sz="2000" b="0" strike="noStrike" spc="-1">
-                <a:solidFill>
-                  <a:srgbClr val="000000"/>
-                </a:solidFill>
-                <a:latin typeface="Arial"/>
-              </a:rPr>
-              <a:t>Sixth Outline Level</a:t>
-            </a:r>
-          </a:p>
-          <a:p>
-            <a:pPr marL="3024000" lvl="6" indent="-216000">
-              <a:spcBef>
-                <a:spcPts val="283"/>
-              </a:spcBef>
-              <a:buClr>
-                <a:srgbClr val="000000"/>
-              </a:buClr>
-              <a:buSzPct val="45000"/>
-              <a:buFont typeface="Wingdings" charset="2"/>
-              <a:buChar char=""/>
-            </a:pPr>
-            <a:r>
-              <a:rPr lang="en-GB" sz="2000" b="0" strike="noStrike" spc="-1">
-                <a:solidFill>
-                  <a:srgbClr val="000000"/>
-                </a:solidFill>
-                <a:latin typeface="Arial"/>
-              </a:rPr>
-              <a:t>Seventh Outline Level</a:t>
-            </a:r>
-          </a:p>
-        </p:txBody>
-      </p:sp>
-    </p:spTree>
-  </p:cSld>
-  <p:clrMap bg1="lt1" tx1="dk1" bg2="lt2" tx2="dk2" accent1="accent1" accent2="accent2" accent3="accent3" accent4="accent4" accent5="accent5" accent6="accent6" hlink="hlink" folHlink="folHlink"/>
-  <p:sldLayoutIdLst>
-    <p:sldLayoutId id="2147483649" r:id="rId1"/>
-    <p:sldLayoutId id="2147483650" r:id="rId2"/>
-    <p:sldLayoutId id="2147483651" r:id="rId3"/>
-    <p:sldLayoutId id="2147483652" r:id="rId4"/>
-    <p:sldLayoutId id="2147483653" r:id="rId5"/>
-    <p:sldLayoutId id="2147483654" r:id="rId6"/>
-    <p:sldLayoutId id="2147483655" r:id="rId7"/>
-    <p:sldLayoutId id="2147483656" r:id="rId8"/>
-    <p:sldLayoutId id="2147483657" r:id="rId9"/>
-    <p:sldLayoutId id="2147483658" r:id="rId10"/>
-    <p:sldLayoutId id="2147483659" r:id="rId11"/>
-    <p:sldLayoutId id="2147483660" r:id="rId12"/>
-  </p:sldLayoutIdLst>
-  <p:txStyles>
-    <p:titleStyle>
-      <a:lvl1pPr algn="l" defTabSz="914400" rtl="0" eaLnBrk="1" latinLnBrk="0" hangingPunct="1">
-        <a:lnSpc>
-          <a:spcPct val="90000"/>
-        </a:lnSpc>
-        <a:spcBef>
-          <a:spcPct val="0"/>
-        </a:spcBef>
-        <a:buNone/>
-        <a:defRPr sz="4400" kern="1200">
-          <a:solidFill>
-            <a:schemeClr val="tx1"/>
-          </a:solidFill>
-          <a:latin typeface="+mj-lt"/>
-          <a:ea typeface="+mj-ea"/>
-          <a:cs typeface="+mj-cs"/>
-        </a:defRPr>
-      </a:lvl1pPr>
-    </p:titleStyle>
-    <p:bodyStyle>
-      <a:lvl1pPr marL="228600" indent="-228600" algn="l" defTabSz="914400" rtl="0" eaLnBrk="1" latinLnBrk="0" hangingPunct="1">
-        <a:lnSpc>
-          <a:spcPct val="90000"/>
-        </a:lnSpc>
-        <a:spcBef>
-          <a:spcPts val="1000"/>
-        </a:spcBef>
-        <a:buFont typeface="Arial" panose="020B0604020202020204" pitchFamily="34" charset="0"/>
-        <a:buChar char="•"/>
-        <a:defRPr sz="2800" kern="1200">
-          <a:solidFill>
-            <a:schemeClr val="tx1"/>
-          </a:solidFill>
-          <a:latin typeface="+mn-lt"/>
-          <a:ea typeface="+mn-ea"/>
-          <a:cs typeface="+mn-cs"/>
-        </a:defRPr>
-      </a:lvl1pPr>
-      <a:lvl2pPr marL="685800" indent="-228600" algn="l" defTabSz="914400" rtl="0" eaLnBrk="1" latinLnBrk="0" hangingPunct="1">
-        <a:lnSpc>
-          <a:spcPct val="90000"/>
-        </a:lnSpc>
-        <a:spcBef>
-          <a:spcPts val="500"/>
-        </a:spcBef>
-        <a:buFont typeface="Arial" panose="020B0604020202020204" pitchFamily="34" charset="0"/>
-        <a:buChar char="•"/>
-        <a:defRPr sz="2400" kern="1200">
-          <a:solidFill>
-            <a:schemeClr val="tx1"/>
-          </a:solidFill>
-          <a:latin typeface="+mn-lt"/>
-          <a:ea typeface="+mn-ea"/>
-          <a:cs typeface="+mn-cs"/>
-        </a:defRPr>
-      </a:lvl2pPr>
-      <a:lvl3pPr marL="1143000" indent="-228600" algn="l" defTabSz="914400" rtl="0" eaLnBrk="1" latinLnBrk="0" hangingPunct="1">
-        <a:lnSpc>
-          <a:spcPct val="90000"/>
-        </a:lnSpc>
-        <a:spcBef>
-          <a:spcPts val="500"/>
-        </a:spcBef>
-        <a:buFont typeface="Arial" panose="020B0604020202020204" pitchFamily="34" charset="0"/>
-        <a:buChar char="•"/>
-        <a:defRPr sz="2000" kern="1200">
-          <a:solidFill>
-            <a:schemeClr val="tx1"/>
-          </a:solidFill>
-          <a:latin typeface="+mn-lt"/>
-          <a:ea typeface="+mn-ea"/>
-          <a:cs typeface="+mn-cs"/>
-        </a:defRPr>
-      </a:lvl3pPr>
-      <a:lvl4pPr marL="1600200" indent="-228600" algn="l" defTabSz="914400" rtl="0" eaLnBrk="1" latinLnBrk="0" hangingPunct="1">
-        <a:lnSpc>
-          <a:spcPct val="90000"/>
-        </a:lnSpc>
-        <a:spcBef>
-          <a:spcPts val="500"/>
-        </a:spcBef>
-        <a:buFont typeface="Arial" panose="020B0604020202020204" pitchFamily="34" charset="0"/>
-        <a:buChar char="•"/>
-        <a:defRPr sz="1800" kern="1200">
-          <a:solidFill>
-            <a:schemeClr val="tx1"/>
-          </a:solidFill>
-          <a:latin typeface="+mn-lt"/>
-          <a:ea typeface="+mn-ea"/>
-          <a:cs typeface="+mn-cs"/>
-        </a:defRPr>
-      </a:lvl4pPr>
-      <a:lvl5pPr marL="2057400" indent="-228600" algn="l" defTabSz="914400" rtl="0" eaLnBrk="1" latinLnBrk="0" hangingPunct="1">
-        <a:lnSpc>
-          <a:spcPct val="90000"/>
-        </a:lnSpc>
-        <a:spcBef>
-          <a:spcPts val="500"/>
-        </a:spcBef>
-        <a:buFont typeface="Arial" panose="020B0604020202020204" pitchFamily="34" charset="0"/>
-        <a:buChar char="•"/>
-        <a:defRPr sz="1800" kern="1200">
-          <a:solidFill>
-            <a:schemeClr val="tx1"/>
-          </a:solidFill>
-          <a:latin typeface="+mn-lt"/>
-          <a:ea typeface="+mn-ea"/>
-          <a:cs typeface="+mn-cs"/>
-        </a:defRPr>
-      </a:lvl5pPr>
-      <a:lvl6pPr marL="2514600" indent="-228600" algn="l" defTabSz="914400" rtl="0" eaLnBrk="1" latinLnBrk="0" hangingPunct="1">
-        <a:lnSpc>
-          <a:spcPct val="90000"/>
-        </a:lnSpc>
-        <a:spcBef>
-          <a:spcPts val="500"/>
-        </a:spcBef>
-        <a:buFont typeface="Arial" panose="020B0604020202020204" pitchFamily="34" charset="0"/>
-        <a:buChar char="•"/>
-        <a:defRPr sz="1800" kern="1200">
-          <a:solidFill>
-            <a:schemeClr val="tx1"/>
-          </a:solidFill>
-          <a:latin typeface="+mn-lt"/>
-          <a:ea typeface="+mn-ea"/>
-          <a:cs typeface="+mn-cs"/>
-        </a:defRPr>
-      </a:lvl6pPr>
-      <a:lvl7pPr marL="2971800" indent="-228600" algn="l" defTabSz="914400" rtl="0" eaLnBrk="1" latinLnBrk="0" hangingPunct="1">
-        <a:lnSpc>
-          <a:spcPct val="90000"/>
-        </a:lnSpc>
-        <a:spcBef>
-          <a:spcPts val="500"/>
-        </a:spcBef>
-        <a:buFont typeface="Arial" panose="020B0604020202020204" pitchFamily="34" charset="0"/>
-        <a:buChar char="•"/>
-        <a:defRPr sz="1800" kern="1200">
-          <a:solidFill>
-            <a:schemeClr val="tx1"/>
-          </a:solidFill>
-          <a:latin typeface="+mn-lt"/>
-          <a:ea typeface="+mn-ea"/>
-          <a:cs typeface="+mn-cs"/>
-        </a:defRPr>
-      </a:lvl7pPr>
-      <a:lvl8pPr marL="3429000" indent="-228600" algn="l" defTabSz="914400" rtl="0" eaLnBrk="1" latinLnBrk="0" hangingPunct="1">
-        <a:lnSpc>
-          <a:spcPct val="90000"/>
-        </a:lnSpc>
-        <a:spcBef>
-          <a:spcPts val="500"/>
-        </a:spcBef>
-        <a:buFont typeface="Arial" panose="020B0604020202020204" pitchFamily="34" charset="0"/>
-        <a:buChar char="•"/>
-        <a:defRPr sz="1800" kern="1200">
-          <a:solidFill>
-            <a:schemeClr val="tx1"/>
-          </a:solidFill>
-          <a:latin typeface="+mn-lt"/>
-          <a:ea typeface="+mn-ea"/>
-          <a:cs typeface="+mn-cs"/>
-        </a:defRPr>
-      </a:lvl8pPr>
-      <a:lvl9pPr marL="3886200" indent="-228600" algn="l" defTabSz="914400" rtl="0" eaLnBrk="1" latinLnBrk="0" hangingPunct="1">
-        <a:lnSpc>
-          <a:spcPct val="90000"/>
-        </a:lnSpc>
-        <a:spcBef>
-          <a:spcPts val="500"/>
-        </a:spcBef>
-        <a:buFont typeface="Arial" panose="020B0604020202020204" pitchFamily="34" charset="0"/>
-        <a:buChar char="•"/>
-        <a:defRPr sz="1800" kern="1200">
-          <a:solidFill>
-            <a:schemeClr val="tx1"/>
-          </a:solidFill>
-          <a:latin typeface="+mn-lt"/>
-          <a:ea typeface="+mn-ea"/>
-          <a:cs typeface="+mn-cs"/>
-        </a:defRPr>
-      </a:lvl9pPr>
-    </p:bodyStyle>
-    <p:otherStyle>
-      <a:defPPr>
-        <a:defRPr lang="de-DE"/>
-      </a:defPPr>
-      <a:lvl1pPr marL="0" algn="l" defTabSz="914400" rtl="0" eaLnBrk="1" latinLnBrk="0" hangingPunct="1">
-        <a:defRPr sz="1800" kern="1200">
-          <a:solidFill>
-            <a:schemeClr val="tx1"/>
-          </a:solidFill>
-          <a:latin typeface="+mn-lt"/>
-          <a:ea typeface="+mn-ea"/>
-          <a:cs typeface="+mn-cs"/>
-        </a:defRPr>
-      </a:lvl1pPr>
-      <a:lvl2pPr marL="457200" algn="l" defTabSz="914400" rtl="0" eaLnBrk="1" latinLnBrk="0" hangingPunct="1">
-        <a:defRPr sz="1800" kern="1200">
-          <a:solidFill>
-            <a:schemeClr val="tx1"/>
-          </a:solidFill>
-          <a:latin typeface="+mn-lt"/>
-          <a:ea typeface="+mn-ea"/>
-          <a:cs typeface="+mn-cs"/>
-        </a:defRPr>
-      </a:lvl2pPr>
-      <a:lvl3pPr marL="914400" algn="l" defTabSz="914400" rtl="0" eaLnBrk="1" latinLnBrk="0" hangingPunct="1">
-        <a:defRPr sz="1800" kern="1200">
-          <a:solidFill>
-            <a:schemeClr val="tx1"/>
-          </a:solidFill>
-          <a:latin typeface="+mn-lt"/>
-          <a:ea typeface="+mn-ea"/>
-          <a:cs typeface="+mn-cs"/>
-        </a:defRPr>
-      </a:lvl3pPr>
-      <a:lvl4pPr marL="1371600" algn="l" defTabSz="914400" rtl="0" eaLnBrk="1" latinLnBrk="0" hangingPunct="1">
-        <a:defRPr sz="1800" kern="1200">
-          <a:solidFill>
-            <a:schemeClr val="tx1"/>
-          </a:solidFill>
-          <a:latin typeface="+mn-lt"/>
-          <a:ea typeface="+mn-ea"/>
-          <a:cs typeface="+mn-cs"/>
-        </a:defRPr>
-      </a:lvl4pPr>
-      <a:lvl5pPr marL="1828800" algn="l" defTabSz="914400" rtl="0" eaLnBrk="1" latinLnBrk="0" hangingPunct="1">
-        <a:defRPr sz="1800" kern="1200">
-          <a:solidFill>
-            <a:schemeClr val="tx1"/>
-          </a:solidFill>
-          <a:latin typeface="+mn-lt"/>
-          <a:ea typeface="+mn-ea"/>
-          <a:cs typeface="+mn-cs"/>
-        </a:defRPr>
-      </a:lvl5pPr>
-      <a:lvl6pPr marL="2286000" algn="l" defTabSz="914400" rtl="0" eaLnBrk="1" latinLnBrk="0" hangingPunct="1">
-        <a:defRPr sz="1800" kern="1200">
-          <a:solidFill>
-            <a:schemeClr val="tx1"/>
-          </a:solidFill>
-          <a:latin typeface="+mn-lt"/>
-          <a:ea typeface="+mn-ea"/>
-          <a:cs typeface="+mn-cs"/>
-        </a:defRPr>
-      </a:lvl6pPr>
-      <a:lvl7pPr marL="2743200" algn="l" defTabSz="914400" rtl="0" eaLnBrk="1" latinLnBrk="0" hangingPunct="1">
-        <a:defRPr sz="1800" kern="1200">
-          <a:solidFill>
-            <a:schemeClr val="tx1"/>
-          </a:solidFill>
-          <a:latin typeface="+mn-lt"/>
-          <a:ea typeface="+mn-ea"/>
-          <a:cs typeface="+mn-cs"/>
-        </a:defRPr>
-      </a:lvl7pPr>
-      <a:lvl8pPr marL="3200400" algn="l" defTabSz="914400" rtl="0" eaLnBrk="1" latinLnBrk="0" hangingPunct="1">
-        <a:defRPr sz="1800" kern="1200">
-          <a:solidFill>
-            <a:schemeClr val="tx1"/>
-          </a:solidFill>
-          <a:latin typeface="+mn-lt"/>
-          <a:ea typeface="+mn-ea"/>
-          <a:cs typeface="+mn-cs"/>
-        </a:defRPr>
-      </a:lvl8pPr>
-      <a:lvl9pPr marL="3657600" algn="l" defTabSz="914400" rtl="0" eaLnBrk="1" latinLnBrk="0" hangingPunct="1">
-        <a:defRPr sz="1800" kern="1200">
-          <a:solidFill>
-            <a:schemeClr val="tx1"/>
-          </a:solidFill>
-          <a:latin typeface="+mn-lt"/>
-          <a:ea typeface="+mn-ea"/>
-          <a:cs typeface="+mn-cs"/>
-        </a:defRPr>
-      </a:lvl9pPr>
-    </p:otherStyle>
-  </p:txStyles>
-</p:sldMaster>
-</file>
-
-<file path=ppt/slideMasters/slideMaster2.xml><?xml version="1.0" encoding="utf-8"?>
 <p:sldMaster xmlns:a="http://schemas.openxmlformats.org/drawingml/2006/main" xmlns:r="http://schemas.openxmlformats.org/officeDocument/2006/relationships" xmlns:p="http://schemas.openxmlformats.org/presentationml/2006/main">
   <p:cSld>
     <p:bg>
@@ -7170,6 +4411,1120 @@
                 <a:latin typeface="DejaVu Sans"/>
                 <a:ea typeface="DejaVu Sans"/>
               </a:rPr>
+              <a:t>Course Organization</a:t>
+            </a:r>
+            <a:endParaRPr lang="en-GB" sz="2400" b="0" strike="noStrike" spc="-1" dirty="0">
+              <a:solidFill>
+                <a:srgbClr val="000000"/>
+              </a:solidFill>
+              <a:highlight>
+                <a:srgbClr val="FF0000"/>
+              </a:highlight>
+              <a:latin typeface="Arial"/>
+            </a:endParaRPr>
+          </a:p>
+        </p:txBody>
+      </p:sp>
+      <p:sp>
+        <p:nvSpPr>
+          <p:cNvPr id="125" name="CustomShape 2"/>
+          <p:cNvSpPr/>
+          <p:nvPr/>
+        </p:nvSpPr>
+        <p:spPr>
+          <a:xfrm>
+            <a:off x="335520" y="1268280"/>
+            <a:ext cx="10745640" cy="5033160"/>
+          </a:xfrm>
+          <a:prstGeom prst="rect">
+            <a:avLst/>
+          </a:prstGeom>
+          <a:noFill/>
+          <a:ln w="0">
+            <a:noFill/>
+          </a:ln>
+        </p:spPr>
+        <p:style>
+          <a:lnRef idx="0">
+            <a:scrgbClr r="0" g="0" b="0"/>
+          </a:lnRef>
+          <a:fillRef idx="0">
+            <a:scrgbClr r="0" g="0" b="0"/>
+          </a:fillRef>
+          <a:effectRef idx="0">
+            <a:scrgbClr r="0" g="0" b="0"/>
+          </a:effectRef>
+          <a:fontRef idx="minor"/>
+        </p:style>
+        <p:txBody>
+          <a:bodyPr lIns="90000" tIns="45000" rIns="90000" bIns="45000" anchor="ctr">
+            <a:noAutofit/>
+          </a:bodyPr>
+          <a:lstStyle/>
+          <a:p>
+            <a:pPr marL="195120" indent="-188640">
+              <a:lnSpc>
+                <a:spcPct val="100000"/>
+              </a:lnSpc>
+              <a:spcBef>
+                <a:spcPts val="360"/>
+              </a:spcBef>
+              <a:buClr>
+                <a:srgbClr val="008C4F"/>
+              </a:buClr>
+              <a:buSzPct val="80000"/>
+              <a:buFont typeface="Wingdings" charset="2"/>
+              <a:buChar char=""/>
+            </a:pPr>
+            <a:r>
+              <a:rPr lang="en-US" sz="1800" b="0" strike="noStrike" spc="-1" dirty="0">
+                <a:solidFill>
+                  <a:srgbClr val="000000"/>
+                </a:solidFill>
+                <a:latin typeface="DejaVu Sans"/>
+                <a:ea typeface="DejaVu Sans"/>
+              </a:rPr>
+              <a:t>Course website – </a:t>
+            </a:r>
+            <a:r>
+              <a:rPr lang="en-US" sz="1800" b="0" u="sng" strike="noStrike" spc="-1" dirty="0">
+                <a:solidFill>
+                  <a:srgbClr val="0000FF"/>
+                </a:solidFill>
+                <a:uFillTx/>
+                <a:latin typeface="DejaVu Sans"/>
+                <a:ea typeface="DejaVu Sans"/>
+                <a:hlinkClick r:id="rId2"/>
+              </a:rPr>
+              <a:t>Link</a:t>
+            </a:r>
+            <a:r>
+              <a:rPr lang="en-US" sz="1800" b="0" strike="noStrike" spc="-1" dirty="0">
+                <a:solidFill>
+                  <a:srgbClr val="000000"/>
+                </a:solidFill>
+                <a:latin typeface="DejaVu Sans"/>
+                <a:ea typeface="DejaVu Sans"/>
+              </a:rPr>
+              <a:t> </a:t>
+            </a:r>
+            <a:endParaRPr lang="en-GB" sz="1800" b="0" strike="noStrike" spc="-1" dirty="0">
+              <a:solidFill>
+                <a:srgbClr val="000000"/>
+              </a:solidFill>
+              <a:latin typeface="Arial"/>
+            </a:endParaRPr>
+          </a:p>
+          <a:p>
+            <a:pPr>
+              <a:lnSpc>
+                <a:spcPct val="100000"/>
+              </a:lnSpc>
+              <a:spcBef>
+                <a:spcPts val="360"/>
+              </a:spcBef>
+            </a:pPr>
+            <a:endParaRPr lang="en-GB" sz="1800" b="0" strike="noStrike" spc="-1" dirty="0">
+              <a:solidFill>
+                <a:srgbClr val="000000"/>
+              </a:solidFill>
+              <a:latin typeface="Arial"/>
+            </a:endParaRPr>
+          </a:p>
+          <a:p>
+            <a:pPr marL="195120" indent="-188640">
+              <a:lnSpc>
+                <a:spcPct val="100000"/>
+              </a:lnSpc>
+              <a:spcBef>
+                <a:spcPts val="360"/>
+              </a:spcBef>
+              <a:buClr>
+                <a:srgbClr val="008C4F"/>
+              </a:buClr>
+              <a:buSzPct val="80000"/>
+              <a:buFont typeface="Wingdings" charset="2"/>
+              <a:buChar char=""/>
+            </a:pPr>
+            <a:r>
+              <a:rPr lang="en-GB" sz="1800" b="0" strike="noStrike" spc="-1" dirty="0">
+                <a:solidFill>
+                  <a:srgbClr val="000000"/>
+                </a:solidFill>
+                <a:latin typeface="DejaVu Sans"/>
+                <a:ea typeface="DejaVu Sans"/>
+              </a:rPr>
+              <a:t>News and updates:</a:t>
+            </a:r>
+            <a:endParaRPr lang="en-GB" sz="1800" b="0" strike="noStrike" spc="-1" dirty="0">
+              <a:solidFill>
+                <a:srgbClr val="000000"/>
+              </a:solidFill>
+              <a:latin typeface="Arial"/>
+            </a:endParaRPr>
+          </a:p>
+          <a:p>
+            <a:pPr marL="432000" lvl="1" indent="-211320">
+              <a:spcBef>
+                <a:spcPts val="360"/>
+              </a:spcBef>
+              <a:buClr>
+                <a:srgbClr val="008C4F"/>
+              </a:buClr>
+              <a:buSzPct val="45000"/>
+              <a:buFont typeface="OpenSymbol"/>
+              <a:buChar char="—"/>
+            </a:pPr>
+            <a:r>
+              <a:rPr lang="en-GB" spc="-1" dirty="0">
+                <a:solidFill>
+                  <a:srgbClr val="000000"/>
+                </a:solidFill>
+                <a:latin typeface="DejaVu Sans"/>
+              </a:rPr>
+              <a:t>Everyone: Please join the public Matrix room by using the following link:</a:t>
+            </a:r>
+          </a:p>
+          <a:p>
+            <a:pPr marL="452438" lvl="1">
+              <a:spcBef>
+                <a:spcPts val="360"/>
+              </a:spcBef>
+              <a:buClr>
+                <a:srgbClr val="008C4F"/>
+              </a:buClr>
+              <a:buSzPct val="45000"/>
+            </a:pPr>
+            <a:r>
+              <a:rPr lang="de-DE" u="sng" dirty="0">
+                <a:hlinkClick r:id="rId3"/>
+              </a:rPr>
+              <a:t>https://matrix.to/#/#public--LTG-Course-SS23:matrix.org</a:t>
+            </a:r>
+            <a:endParaRPr lang="en-GB" spc="-1" dirty="0">
+              <a:solidFill>
+                <a:srgbClr val="000000"/>
+              </a:solidFill>
+              <a:latin typeface="DejaVu Sans"/>
+            </a:endParaRPr>
+          </a:p>
+          <a:p>
+            <a:pPr marL="432000" lvl="1" indent="-211320">
+              <a:spcBef>
+                <a:spcPts val="360"/>
+              </a:spcBef>
+              <a:buClr>
+                <a:srgbClr val="008C4F"/>
+              </a:buClr>
+              <a:buSzPct val="45000"/>
+              <a:buFont typeface="OpenSymbol"/>
+              <a:buChar char="—"/>
+            </a:pPr>
+            <a:r>
+              <a:rPr lang="en-GB" spc="-1" dirty="0">
+                <a:solidFill>
+                  <a:srgbClr val="000000"/>
+                </a:solidFill>
+                <a:latin typeface="DejaVu Sans"/>
+              </a:rPr>
+              <a:t>We will share news and updates here and you will also have the chance to ask questions to us and your fellow students. </a:t>
+            </a:r>
+          </a:p>
+          <a:p>
+            <a:pPr marL="432000" lvl="1" indent="-211320">
+              <a:lnSpc>
+                <a:spcPct val="100000"/>
+              </a:lnSpc>
+              <a:spcBef>
+                <a:spcPts val="360"/>
+              </a:spcBef>
+              <a:buClr>
+                <a:srgbClr val="008C4F"/>
+              </a:buClr>
+              <a:buSzPct val="45000"/>
+              <a:buFont typeface="OpenSymbol"/>
+              <a:buChar char="—"/>
+            </a:pPr>
+            <a:r>
+              <a:rPr lang="en-GB" sz="1800" b="0" strike="noStrike" spc="-1" dirty="0">
+                <a:solidFill>
+                  <a:srgbClr val="000000"/>
+                </a:solidFill>
+                <a:latin typeface="DejaVu Sans"/>
+                <a:ea typeface="DejaVu Sans"/>
+              </a:rPr>
+              <a:t>CLZ students + </a:t>
+            </a:r>
+            <a:r>
+              <a:rPr lang="en-GB" sz="1800" b="0" strike="noStrike" spc="-1" dirty="0" err="1">
+                <a:solidFill>
+                  <a:srgbClr val="000000"/>
+                </a:solidFill>
+                <a:latin typeface="DejaVu Sans"/>
+                <a:ea typeface="DejaVu Sans"/>
+              </a:rPr>
+              <a:t>DigiTec</a:t>
+            </a:r>
+            <a:r>
+              <a:rPr lang="en-GB" sz="1800" b="0" strike="noStrike" spc="-1" dirty="0">
+                <a:solidFill>
+                  <a:srgbClr val="000000"/>
+                </a:solidFill>
+                <a:latin typeface="DejaVu Sans"/>
+                <a:ea typeface="DejaVu Sans"/>
+              </a:rPr>
+              <a:t> will additionally receive information via </a:t>
+            </a:r>
+            <a:r>
+              <a:rPr lang="en-GB" sz="1800" b="0" strike="noStrike" spc="-1" dirty="0" err="1">
+                <a:solidFill>
+                  <a:srgbClr val="000000"/>
+                </a:solidFill>
+                <a:latin typeface="DejaVu Sans"/>
+                <a:ea typeface="DejaVu Sans"/>
+              </a:rPr>
+              <a:t>StudIP</a:t>
+            </a:r>
+            <a:r>
+              <a:rPr lang="en-GB" sz="1800" b="0" strike="noStrike" spc="-1" dirty="0">
+                <a:solidFill>
+                  <a:srgbClr val="000000"/>
+                </a:solidFill>
+                <a:latin typeface="DejaVu Sans"/>
+                <a:ea typeface="DejaVu Sans"/>
+              </a:rPr>
+              <a:t> (</a:t>
+            </a:r>
+            <a:r>
+              <a:rPr lang="en-GB" sz="1800" b="0" u="sng" strike="noStrike" spc="-1" dirty="0">
+                <a:solidFill>
+                  <a:srgbClr val="0000FF"/>
+                </a:solidFill>
+                <a:uFillTx/>
+                <a:latin typeface="DejaVu Sans"/>
+                <a:ea typeface="DejaVu Sans"/>
+                <a:hlinkClick r:id="rId4"/>
+              </a:rPr>
+              <a:t>Link</a:t>
+            </a:r>
+            <a:r>
+              <a:rPr lang="en-GB" sz="1800" b="0" strike="noStrike" spc="-1" dirty="0">
+                <a:solidFill>
+                  <a:srgbClr val="000000"/>
+                </a:solidFill>
+                <a:latin typeface="DejaVu Sans"/>
+                <a:ea typeface="DejaVu Sans"/>
+              </a:rPr>
+              <a:t>)</a:t>
+            </a:r>
+            <a:endParaRPr lang="en-GB" sz="1800" b="0" strike="noStrike" spc="-1" dirty="0">
+              <a:solidFill>
+                <a:srgbClr val="000000"/>
+              </a:solidFill>
+              <a:latin typeface="Arial"/>
+            </a:endParaRPr>
+          </a:p>
+          <a:p>
+            <a:pPr marL="220680" lvl="1">
+              <a:lnSpc>
+                <a:spcPct val="100000"/>
+              </a:lnSpc>
+              <a:spcBef>
+                <a:spcPts val="360"/>
+              </a:spcBef>
+              <a:buClr>
+                <a:srgbClr val="008C4F"/>
+              </a:buClr>
+              <a:buSzPct val="45000"/>
+            </a:pPr>
+            <a:endParaRPr lang="en-GB" sz="1800" b="0" strike="noStrike" spc="-1" dirty="0">
+              <a:solidFill>
+                <a:srgbClr val="000000"/>
+              </a:solidFill>
+              <a:highlight>
+                <a:srgbClr val="FFFF00"/>
+              </a:highlight>
+              <a:latin typeface="Arial"/>
+            </a:endParaRPr>
+          </a:p>
+          <a:p>
+            <a:pPr marL="195120" indent="-188640">
+              <a:lnSpc>
+                <a:spcPct val="100000"/>
+              </a:lnSpc>
+              <a:spcBef>
+                <a:spcPts val="360"/>
+              </a:spcBef>
+              <a:buClr>
+                <a:srgbClr val="008C4F"/>
+              </a:buClr>
+              <a:buSzPct val="80000"/>
+              <a:buFont typeface="Wingdings" charset="2"/>
+              <a:buChar char=""/>
+            </a:pPr>
+            <a:r>
+              <a:rPr lang="en-US" sz="1800" b="0" strike="noStrike" spc="-1" dirty="0">
+                <a:solidFill>
+                  <a:srgbClr val="000000"/>
+                </a:solidFill>
+                <a:latin typeface="DejaVu Sans"/>
+                <a:ea typeface="DejaVu Sans"/>
+              </a:rPr>
+              <a:t>Slides and </a:t>
+            </a:r>
+            <a:r>
+              <a:rPr lang="en-US" spc="-1" dirty="0">
+                <a:solidFill>
+                  <a:srgbClr val="000000"/>
+                </a:solidFill>
+                <a:latin typeface="DejaVu Sans"/>
+              </a:rPr>
+              <a:t>lecture recordings will </a:t>
+            </a:r>
+            <a:r>
+              <a:rPr lang="en-US" sz="1800" b="0" strike="noStrike" spc="-1" dirty="0">
+                <a:solidFill>
+                  <a:srgbClr val="000000"/>
+                </a:solidFill>
+                <a:latin typeface="DejaVu Sans"/>
+                <a:ea typeface="DejaVu Sans"/>
+              </a:rPr>
+              <a:t>be uploaded to </a:t>
+            </a:r>
+            <a:r>
+              <a:rPr lang="en-US" sz="1800" b="0" strike="noStrike" spc="-1" dirty="0" err="1">
+                <a:solidFill>
+                  <a:srgbClr val="000000"/>
+                </a:solidFill>
+                <a:latin typeface="DejaVu Sans"/>
+                <a:ea typeface="DejaVu Sans"/>
+              </a:rPr>
+              <a:t>StudIP</a:t>
+            </a:r>
+            <a:r>
+              <a:rPr lang="en-US" sz="1800" b="0" strike="noStrike" spc="-1" dirty="0">
+                <a:solidFill>
+                  <a:srgbClr val="000000"/>
+                </a:solidFill>
+                <a:latin typeface="DejaVu Sans"/>
+                <a:ea typeface="DejaVu Sans"/>
+              </a:rPr>
+              <a:t> (</a:t>
+            </a:r>
+            <a:r>
+              <a:rPr lang="en-US" sz="1800" b="0" u="sng" strike="noStrike" spc="-1" dirty="0">
+                <a:solidFill>
+                  <a:srgbClr val="0000FF"/>
+                </a:solidFill>
+                <a:uFillTx/>
+                <a:latin typeface="DejaVu Sans"/>
+                <a:ea typeface="DejaVu Sans"/>
+                <a:hlinkClick r:id="rId5"/>
+              </a:rPr>
+              <a:t>Link</a:t>
+            </a:r>
+            <a:r>
+              <a:rPr lang="en-US" sz="1800" b="0" strike="noStrike" spc="-1" dirty="0">
+                <a:solidFill>
+                  <a:srgbClr val="000000"/>
+                </a:solidFill>
+                <a:latin typeface="DejaVu Sans"/>
+                <a:ea typeface="DejaVu Sans"/>
+              </a:rPr>
+              <a:t>) and to </a:t>
+            </a:r>
+            <a:r>
+              <a:rPr lang="en-US" sz="1800" b="0" strike="noStrike" spc="-1" dirty="0" err="1">
+                <a:solidFill>
+                  <a:srgbClr val="000000"/>
+                </a:solidFill>
+                <a:latin typeface="DejaVu Sans"/>
+                <a:ea typeface="DejaVu Sans"/>
+              </a:rPr>
+              <a:t>Github</a:t>
+            </a:r>
+            <a:r>
+              <a:rPr lang="en-US" sz="1800" b="0" strike="noStrike" spc="-1" dirty="0">
+                <a:solidFill>
+                  <a:srgbClr val="000000"/>
+                </a:solidFill>
+                <a:latin typeface="DejaVu Sans"/>
+                <a:ea typeface="DejaVu Sans"/>
+              </a:rPr>
+              <a:t> (</a:t>
+            </a:r>
+            <a:r>
+              <a:rPr lang="en-US" sz="1800" b="0" u="sng" strike="noStrike" spc="-1" dirty="0">
+                <a:solidFill>
+                  <a:srgbClr val="0000FF"/>
+                </a:solidFill>
+                <a:uFillTx/>
+                <a:latin typeface="DejaVu Sans"/>
+                <a:ea typeface="DejaVu Sans"/>
+                <a:hlinkClick r:id="rId6"/>
+              </a:rPr>
+              <a:t>Link</a:t>
+            </a:r>
+            <a:r>
+              <a:rPr lang="en-US" sz="1800" b="0" strike="noStrike" spc="-1" dirty="0">
+                <a:solidFill>
+                  <a:srgbClr val="000000"/>
+                </a:solidFill>
+                <a:latin typeface="DejaVu Sans"/>
+                <a:ea typeface="DejaVu Sans"/>
+              </a:rPr>
+              <a:t>)</a:t>
+            </a:r>
+            <a:endParaRPr lang="en-GB" sz="1800" b="0" strike="noStrike" spc="-1" dirty="0">
+              <a:solidFill>
+                <a:srgbClr val="000000"/>
+              </a:solidFill>
+              <a:latin typeface="Arial"/>
+            </a:endParaRPr>
+          </a:p>
+          <a:p>
+            <a:pPr marL="744120" lvl="1" indent="-280440">
+              <a:lnSpc>
+                <a:spcPct val="100000"/>
+              </a:lnSpc>
+              <a:spcBef>
+                <a:spcPts val="360"/>
+              </a:spcBef>
+              <a:buClr>
+                <a:srgbClr val="008C4F"/>
+              </a:buClr>
+              <a:buSzPct val="80000"/>
+              <a:buFont typeface="StarSymbol"/>
+              <a:buChar char="—"/>
+            </a:pPr>
+            <a:r>
+              <a:rPr lang="en-US" sz="1800" b="0" strike="noStrike" spc="-1" dirty="0">
+                <a:solidFill>
+                  <a:srgbClr val="000000"/>
+                </a:solidFill>
+                <a:latin typeface="DejaVu Sans"/>
+                <a:ea typeface="DejaVu Sans"/>
+              </a:rPr>
+              <a:t>Please report bugs ;)</a:t>
+            </a:r>
+            <a:endParaRPr lang="en-GB" sz="1800" b="0" strike="noStrike" spc="-1" dirty="0">
+              <a:solidFill>
+                <a:srgbClr val="000000"/>
+              </a:solidFill>
+              <a:latin typeface="Arial"/>
+            </a:endParaRPr>
+          </a:p>
+          <a:p>
+            <a:pPr>
+              <a:lnSpc>
+                <a:spcPct val="100000"/>
+              </a:lnSpc>
+              <a:spcBef>
+                <a:spcPts val="360"/>
+              </a:spcBef>
+            </a:pPr>
+            <a:endParaRPr lang="en-GB" sz="1800" b="0" strike="noStrike" spc="-1" dirty="0">
+              <a:solidFill>
+                <a:srgbClr val="000000"/>
+              </a:solidFill>
+              <a:latin typeface="Arial"/>
+            </a:endParaRPr>
+          </a:p>
+          <a:p>
+            <a:pPr marL="195120" indent="-188640">
+              <a:lnSpc>
+                <a:spcPct val="100000"/>
+              </a:lnSpc>
+              <a:spcBef>
+                <a:spcPts val="360"/>
+              </a:spcBef>
+              <a:buClr>
+                <a:srgbClr val="008C4F"/>
+              </a:buClr>
+              <a:buSzPct val="80000"/>
+              <a:buFont typeface="Wingdings" charset="2"/>
+              <a:buChar char=""/>
+            </a:pPr>
+            <a:r>
+              <a:rPr lang="en-US" sz="1800" b="0" strike="noStrike" spc="-1" dirty="0">
+                <a:solidFill>
+                  <a:srgbClr val="000000"/>
+                </a:solidFill>
+                <a:latin typeface="DejaVu Sans"/>
+                <a:ea typeface="DejaVu Sans"/>
+              </a:rPr>
+              <a:t>Questions? Write us an email: </a:t>
+            </a:r>
+            <a:r>
+              <a:rPr lang="en-US" sz="1800" b="0" u="sng" strike="noStrike" spc="-1" dirty="0">
+                <a:solidFill>
+                  <a:srgbClr val="0000FF"/>
+                </a:solidFill>
+                <a:uFillTx/>
+                <a:latin typeface="DejaVu Sans"/>
+                <a:ea typeface="DejaVu Sans"/>
+                <a:hlinkClick r:id="rId7"/>
+              </a:rPr>
+              <a:t>etce-ltg@tu-clausthal.de</a:t>
+            </a:r>
+            <a:r>
+              <a:rPr lang="en-US" sz="1800" b="0" strike="noStrike" spc="-1" dirty="0">
+                <a:solidFill>
+                  <a:srgbClr val="000000"/>
+                </a:solidFill>
+                <a:latin typeface="DejaVu Sans"/>
+                <a:ea typeface="DejaVu Sans"/>
+              </a:rPr>
+              <a:t> ← </a:t>
+            </a:r>
+            <a:r>
+              <a:rPr lang="en-US" sz="1800" b="1" strike="noStrike" spc="-1" dirty="0">
+                <a:solidFill>
+                  <a:srgbClr val="000000"/>
+                </a:solidFill>
+                <a:latin typeface="DejaVu Sans"/>
+                <a:ea typeface="DejaVu Sans"/>
+              </a:rPr>
+              <a:t>We will </a:t>
+            </a:r>
+            <a:r>
+              <a:rPr lang="en-US" sz="1800" b="1" u="sng" strike="noStrike" spc="-1" dirty="0">
+                <a:solidFill>
+                  <a:srgbClr val="C9211E"/>
+                </a:solidFill>
+                <a:uFillTx/>
+                <a:latin typeface="DejaVu Sans"/>
+                <a:ea typeface="DejaVu Sans"/>
+              </a:rPr>
+              <a:t>only</a:t>
+            </a:r>
+            <a:r>
+              <a:rPr lang="en-US" sz="1800" b="1" strike="noStrike" spc="-1" dirty="0">
+                <a:solidFill>
+                  <a:srgbClr val="000000"/>
+                </a:solidFill>
+                <a:latin typeface="DejaVu Sans"/>
+                <a:ea typeface="DejaVu Sans"/>
+              </a:rPr>
+              <a:t> respond to emails written to this specific email address!</a:t>
+            </a:r>
+            <a:endParaRPr lang="en-GB" sz="1800" b="0" strike="noStrike" spc="-1" dirty="0">
+              <a:solidFill>
+                <a:srgbClr val="000000"/>
+              </a:solidFill>
+              <a:latin typeface="Arial"/>
+            </a:endParaRPr>
+          </a:p>
+        </p:txBody>
+      </p:sp>
+    </p:spTree>
+  </p:cSld>
+  <p:clrMapOvr>
+    <a:masterClrMapping/>
+  </p:clrMapOvr>
+</p:sld>
+</file>
+
+<file path=ppt/slides/slide11.xml><?xml version="1.0" encoding="utf-8"?>
+<p:sld xmlns:a="http://schemas.openxmlformats.org/drawingml/2006/main" xmlns:r="http://schemas.openxmlformats.org/officeDocument/2006/relationships" xmlns:p="http://schemas.openxmlformats.org/presentationml/2006/main">
+  <p:cSld>
+    <p:spTree>
+      <p:nvGrpSpPr>
+        <p:cNvPr id="1" name=""/>
+        <p:cNvGrpSpPr/>
+        <p:nvPr/>
+      </p:nvGrpSpPr>
+      <p:grpSpPr>
+        <a:xfrm>
+          <a:off x="0" y="0"/>
+          <a:ext cx="0" cy="0"/>
+          <a:chOff x="0" y="0"/>
+          <a:chExt cx="0" cy="0"/>
+        </a:xfrm>
+      </p:grpSpPr>
+      <p:sp>
+        <p:nvSpPr>
+          <p:cNvPr id="124" name="CustomShape 1"/>
+          <p:cNvSpPr/>
+          <p:nvPr/>
+        </p:nvSpPr>
+        <p:spPr>
+          <a:xfrm>
+            <a:off x="335520" y="771839"/>
+            <a:ext cx="10745640" cy="929141"/>
+          </a:xfrm>
+          <a:prstGeom prst="rect">
+            <a:avLst/>
+          </a:prstGeom>
+          <a:noFill/>
+          <a:ln w="0">
+            <a:noFill/>
+          </a:ln>
+        </p:spPr>
+        <p:style>
+          <a:lnRef idx="0">
+            <a:scrgbClr r="0" g="0" b="0"/>
+          </a:lnRef>
+          <a:fillRef idx="0">
+            <a:scrgbClr r="0" g="0" b="0"/>
+          </a:fillRef>
+          <a:effectRef idx="0">
+            <a:scrgbClr r="0" g="0" b="0"/>
+          </a:effectRef>
+          <a:fontRef idx="minor"/>
+        </p:style>
+        <p:txBody>
+          <a:bodyPr lIns="90000" tIns="45000" rIns="90000" bIns="45000" anchor="t">
+            <a:noAutofit/>
+          </a:bodyPr>
+          <a:lstStyle/>
+          <a:p>
+            <a:pPr>
+              <a:lnSpc>
+                <a:spcPct val="100000"/>
+              </a:lnSpc>
+            </a:pPr>
+            <a:r>
+              <a:rPr lang="en-US" sz="2400" b="1" strike="noStrike" spc="-1" dirty="0">
+                <a:solidFill>
+                  <a:srgbClr val="000000"/>
+                </a:solidFill>
+                <a:latin typeface="DejaVu Sans"/>
+                <a:ea typeface="DejaVu Sans"/>
+              </a:rPr>
+              <a:t>Course </a:t>
+            </a:r>
+            <a:r>
+              <a:rPr lang="en-US" sz="2400" b="1" spc="-1" dirty="0">
+                <a:solidFill>
+                  <a:srgbClr val="000000"/>
+                </a:solidFill>
+                <a:latin typeface="DejaVu Sans"/>
+              </a:rPr>
+              <a:t>Organization - Asynchronous Learning &amp; MOOC content</a:t>
+            </a:r>
+            <a:endParaRPr lang="en-GB" sz="2400" b="0" strike="noStrike" spc="-1" dirty="0">
+              <a:solidFill>
+                <a:srgbClr val="000000"/>
+              </a:solidFill>
+              <a:highlight>
+                <a:srgbClr val="FF0000"/>
+              </a:highlight>
+              <a:latin typeface="Arial"/>
+            </a:endParaRPr>
+          </a:p>
+        </p:txBody>
+      </p:sp>
+      <p:sp>
+        <p:nvSpPr>
+          <p:cNvPr id="125" name="CustomShape 2"/>
+          <p:cNvSpPr/>
+          <p:nvPr/>
+        </p:nvSpPr>
+        <p:spPr>
+          <a:xfrm>
+            <a:off x="335520" y="1602658"/>
+            <a:ext cx="10745640" cy="4698782"/>
+          </a:xfrm>
+          <a:prstGeom prst="rect">
+            <a:avLst/>
+          </a:prstGeom>
+          <a:noFill/>
+          <a:ln w="0">
+            <a:noFill/>
+          </a:ln>
+        </p:spPr>
+        <p:style>
+          <a:lnRef idx="0">
+            <a:scrgbClr r="0" g="0" b="0"/>
+          </a:lnRef>
+          <a:fillRef idx="0">
+            <a:scrgbClr r="0" g="0" b="0"/>
+          </a:fillRef>
+          <a:effectRef idx="0">
+            <a:scrgbClr r="0" g="0" b="0"/>
+          </a:effectRef>
+          <a:fontRef idx="minor"/>
+        </p:style>
+        <p:txBody>
+          <a:bodyPr lIns="90000" tIns="45000" rIns="90000" bIns="45000" anchor="ctr">
+            <a:noAutofit/>
+          </a:bodyPr>
+          <a:lstStyle/>
+          <a:p>
+            <a:pPr marL="195120" indent="-188640">
+              <a:lnSpc>
+                <a:spcPct val="100000"/>
+              </a:lnSpc>
+              <a:spcBef>
+                <a:spcPts val="360"/>
+              </a:spcBef>
+              <a:buClr>
+                <a:srgbClr val="008C4F"/>
+              </a:buClr>
+              <a:buSzPct val="80000"/>
+              <a:buFont typeface="Wingdings" charset="2"/>
+              <a:buChar char=""/>
+            </a:pPr>
+            <a:r>
+              <a:rPr lang="en-US" b="1" spc="-1" dirty="0">
+                <a:solidFill>
+                  <a:srgbClr val="000000"/>
+                </a:solidFill>
+                <a:latin typeface="DejaVu Sans"/>
+              </a:rPr>
+              <a:t>M</a:t>
+            </a:r>
+            <a:r>
+              <a:rPr lang="en-US" spc="-1" dirty="0">
+                <a:solidFill>
+                  <a:srgbClr val="000000"/>
+                </a:solidFill>
+                <a:latin typeface="DejaVu Sans"/>
+              </a:rPr>
+              <a:t>assive </a:t>
+            </a:r>
+            <a:r>
+              <a:rPr lang="en-US" b="1" spc="-1" dirty="0">
+                <a:solidFill>
+                  <a:srgbClr val="000000"/>
+                </a:solidFill>
+                <a:latin typeface="DejaVu Sans"/>
+              </a:rPr>
+              <a:t>O</a:t>
+            </a:r>
+            <a:r>
+              <a:rPr lang="en-US" spc="-1" dirty="0">
+                <a:solidFill>
+                  <a:srgbClr val="000000"/>
+                </a:solidFill>
+                <a:latin typeface="DejaVu Sans"/>
+              </a:rPr>
+              <a:t>pen </a:t>
+            </a:r>
+            <a:r>
+              <a:rPr lang="en-US" b="1" spc="-1" dirty="0">
+                <a:solidFill>
+                  <a:srgbClr val="000000"/>
+                </a:solidFill>
+                <a:latin typeface="DejaVu Sans"/>
+              </a:rPr>
+              <a:t>O</a:t>
+            </a:r>
+            <a:r>
+              <a:rPr lang="en-US" spc="-1" dirty="0">
+                <a:solidFill>
+                  <a:srgbClr val="000000"/>
+                </a:solidFill>
+                <a:latin typeface="DejaVu Sans"/>
+              </a:rPr>
+              <a:t>nline </a:t>
+            </a:r>
+            <a:r>
+              <a:rPr lang="en-US" b="1" spc="-1" dirty="0">
+                <a:solidFill>
+                  <a:srgbClr val="000000"/>
+                </a:solidFill>
+                <a:latin typeface="DejaVu Sans"/>
+              </a:rPr>
+              <a:t>C</a:t>
+            </a:r>
+            <a:r>
+              <a:rPr lang="en-US" spc="-1" dirty="0">
+                <a:solidFill>
+                  <a:srgbClr val="000000"/>
+                </a:solidFill>
+                <a:latin typeface="DejaVu Sans"/>
+              </a:rPr>
+              <a:t>ourse </a:t>
+            </a:r>
+          </a:p>
+          <a:p>
+            <a:pPr marL="652320" lvl="1" indent="-188640">
+              <a:spcBef>
+                <a:spcPts val="360"/>
+              </a:spcBef>
+              <a:buClr>
+                <a:srgbClr val="008C4F"/>
+              </a:buClr>
+              <a:buSzPct val="80000"/>
+              <a:buFont typeface="Wingdings" charset="2"/>
+              <a:buChar char=""/>
+            </a:pPr>
+            <a:r>
+              <a:rPr lang="en-US" spc="-1" dirty="0">
+                <a:solidFill>
+                  <a:srgbClr val="000000"/>
+                </a:solidFill>
+                <a:latin typeface="DejaVu Sans"/>
+              </a:rPr>
+              <a:t>Remote and (often) asynchronous online courses </a:t>
+            </a:r>
+            <a:r>
+              <a:rPr lang="en-US" i="1" spc="-1" dirty="0">
+                <a:solidFill>
+                  <a:srgbClr val="000000"/>
+                </a:solidFill>
+                <a:latin typeface="DejaVu Sans"/>
+              </a:rPr>
+              <a:t>not</a:t>
+            </a:r>
+            <a:r>
+              <a:rPr lang="en-US" spc="-1" dirty="0">
+                <a:solidFill>
+                  <a:srgbClr val="000000"/>
+                </a:solidFill>
+                <a:latin typeface="DejaVu Sans"/>
+              </a:rPr>
+              <a:t> just for students enrolled in a specific university, but </a:t>
+            </a:r>
+            <a:r>
+              <a:rPr lang="en-US" i="1" spc="-1" dirty="0">
+                <a:solidFill>
+                  <a:srgbClr val="000000"/>
+                </a:solidFill>
+                <a:latin typeface="DejaVu Sans"/>
+              </a:rPr>
+              <a:t>ideally</a:t>
+            </a:r>
+            <a:r>
+              <a:rPr lang="en-US" spc="-1" dirty="0">
+                <a:solidFill>
+                  <a:srgbClr val="000000"/>
+                </a:solidFill>
+                <a:latin typeface="DejaVu Sans"/>
+              </a:rPr>
+              <a:t> open for everybody</a:t>
+            </a:r>
+          </a:p>
+          <a:p>
+            <a:pPr marL="652320" lvl="1" indent="-188640">
+              <a:spcBef>
+                <a:spcPts val="360"/>
+              </a:spcBef>
+              <a:buClr>
+                <a:srgbClr val="008C4F"/>
+              </a:buClr>
+              <a:buSzPct val="80000"/>
+              <a:buFont typeface="Wingdings" charset="2"/>
+              <a:buChar char=""/>
+            </a:pPr>
+            <a:r>
+              <a:rPr lang="en-US" spc="-1" dirty="0">
+                <a:solidFill>
+                  <a:srgbClr val="000000"/>
+                </a:solidFill>
+                <a:latin typeface="DejaVu Sans"/>
+              </a:rPr>
+              <a:t>Usually consist of pre-recorded lectures, interactive content and online quizzes</a:t>
+            </a:r>
+          </a:p>
+          <a:p>
+            <a:pPr marL="652320" lvl="1" indent="-188640">
+              <a:spcBef>
+                <a:spcPts val="360"/>
+              </a:spcBef>
+              <a:buClr>
+                <a:srgbClr val="008C4F"/>
+              </a:buClr>
+              <a:buSzPct val="80000"/>
+              <a:buFont typeface="Wingdings" charset="2"/>
+              <a:buChar char=""/>
+            </a:pPr>
+            <a:r>
+              <a:rPr lang="en-US" spc="-1" dirty="0">
+                <a:solidFill>
+                  <a:srgbClr val="000000"/>
+                </a:solidFill>
+                <a:latin typeface="DejaVu Sans"/>
+              </a:rPr>
+              <a:t>Some of you might have visited MOOC on platforms such as edX, LinkedIn Learning, Coursera, Udacity, etc. before</a:t>
+            </a:r>
+          </a:p>
+          <a:p>
+            <a:pPr marL="463680" lvl="1">
+              <a:spcBef>
+                <a:spcPts val="360"/>
+              </a:spcBef>
+              <a:buClr>
+                <a:srgbClr val="008C4F"/>
+              </a:buClr>
+              <a:buSzPct val="80000"/>
+            </a:pPr>
+            <a:endParaRPr lang="en-US" spc="-1" dirty="0">
+              <a:solidFill>
+                <a:srgbClr val="000000"/>
+              </a:solidFill>
+              <a:latin typeface="DejaVu Sans"/>
+            </a:endParaRPr>
+          </a:p>
+          <a:p>
+            <a:pPr marL="195120" indent="-188640">
+              <a:spcBef>
+                <a:spcPts val="360"/>
+              </a:spcBef>
+              <a:buClr>
+                <a:srgbClr val="008C4F"/>
+              </a:buClr>
+              <a:buSzPct val="80000"/>
+              <a:buFont typeface="Wingdings" charset="2"/>
+              <a:buChar char=""/>
+            </a:pPr>
+            <a:r>
+              <a:rPr lang="en-US" spc="-1" dirty="0">
+                <a:solidFill>
+                  <a:srgbClr val="000000"/>
+                </a:solidFill>
+                <a:latin typeface="DejaVu Sans"/>
+              </a:rPr>
+              <a:t>We are currently developing a MOOC for the Limits to Growth Lecture</a:t>
+            </a:r>
+          </a:p>
+          <a:p>
+            <a:pPr marL="195120" indent="-188640">
+              <a:spcBef>
+                <a:spcPts val="360"/>
+              </a:spcBef>
+              <a:buClr>
+                <a:srgbClr val="008C4F"/>
+              </a:buClr>
+              <a:buSzPct val="80000"/>
+              <a:buFont typeface="Wingdings" charset="2"/>
+              <a:buChar char=""/>
+            </a:pPr>
+            <a:r>
+              <a:rPr lang="en-US" spc="-1" dirty="0">
+                <a:solidFill>
+                  <a:srgbClr val="000000"/>
+                </a:solidFill>
+                <a:latin typeface="DejaVu Sans"/>
+              </a:rPr>
+              <a:t>This semester will be the first test run for this asynchronous and digital learning content</a:t>
+            </a:r>
+          </a:p>
+          <a:p>
+            <a:pPr marL="652320" lvl="1" indent="-188640">
+              <a:spcBef>
+                <a:spcPts val="360"/>
+              </a:spcBef>
+              <a:buClr>
+                <a:srgbClr val="008C4F"/>
+              </a:buClr>
+              <a:buSzPct val="80000"/>
+              <a:buFont typeface="Wingdings" charset="2"/>
+              <a:buChar char=""/>
+            </a:pPr>
+            <a:r>
+              <a:rPr lang="en-US" spc="-1" dirty="0">
+                <a:solidFill>
+                  <a:srgbClr val="000000"/>
+                </a:solidFill>
+                <a:latin typeface="DejaVu Sans"/>
+              </a:rPr>
+              <a:t>We are very happy about any feedback you can give us to improve the course further! Just write us an email: </a:t>
+            </a:r>
+            <a:r>
+              <a:rPr lang="en-US" u="sng" spc="-1" dirty="0">
+                <a:solidFill>
+                  <a:srgbClr val="0000FF"/>
+                </a:solidFill>
+                <a:latin typeface="DejaVu Sans"/>
+                <a:hlinkClick r:id="rId2"/>
+              </a:rPr>
+              <a:t>etce-ltg@tu-clausthal.de</a:t>
+            </a:r>
+            <a:r>
+              <a:rPr lang="en-US" spc="-1" dirty="0">
+                <a:solidFill>
+                  <a:srgbClr val="000000"/>
+                </a:solidFill>
+                <a:latin typeface="DejaVu Sans"/>
+              </a:rPr>
+              <a:t> </a:t>
+            </a:r>
+          </a:p>
+        </p:txBody>
+      </p:sp>
+    </p:spTree>
+    <p:extLst>
+      <p:ext uri="{BB962C8B-B14F-4D97-AF65-F5344CB8AC3E}">
+        <p14:creationId xmlns:p14="http://schemas.microsoft.com/office/powerpoint/2010/main" val="3148057234"/>
+      </p:ext>
+    </p:extLst>
+  </p:cSld>
+  <p:clrMapOvr>
+    <a:masterClrMapping/>
+  </p:clrMapOvr>
+</p:sld>
+</file>
+
+<file path=ppt/slides/slide12.xml><?xml version="1.0" encoding="utf-8"?>
+<p:sld xmlns:a="http://schemas.openxmlformats.org/drawingml/2006/main" xmlns:r="http://schemas.openxmlformats.org/officeDocument/2006/relationships" xmlns:p="http://schemas.openxmlformats.org/presentationml/2006/main">
+  <p:cSld>
+    <p:spTree>
+      <p:nvGrpSpPr>
+        <p:cNvPr id="1" name=""/>
+        <p:cNvGrpSpPr/>
+        <p:nvPr/>
+      </p:nvGrpSpPr>
+      <p:grpSpPr>
+        <a:xfrm>
+          <a:off x="0" y="0"/>
+          <a:ext cx="0" cy="0"/>
+          <a:chOff x="0" y="0"/>
+          <a:chExt cx="0" cy="0"/>
+        </a:xfrm>
+      </p:grpSpPr>
+      <p:sp>
+        <p:nvSpPr>
+          <p:cNvPr id="124" name="CustomShape 1"/>
+          <p:cNvSpPr/>
+          <p:nvPr/>
+        </p:nvSpPr>
+        <p:spPr>
+          <a:xfrm>
+            <a:off x="335520" y="771840"/>
+            <a:ext cx="10745640" cy="496440"/>
+          </a:xfrm>
+          <a:prstGeom prst="rect">
+            <a:avLst/>
+          </a:prstGeom>
+          <a:noFill/>
+          <a:ln w="0">
+            <a:noFill/>
+          </a:ln>
+        </p:spPr>
+        <p:style>
+          <a:lnRef idx="0">
+            <a:scrgbClr r="0" g="0" b="0"/>
+          </a:lnRef>
+          <a:fillRef idx="0">
+            <a:scrgbClr r="0" g="0" b="0"/>
+          </a:fillRef>
+          <a:effectRef idx="0">
+            <a:scrgbClr r="0" g="0" b="0"/>
+          </a:effectRef>
+          <a:fontRef idx="minor"/>
+        </p:style>
+        <p:txBody>
+          <a:bodyPr lIns="90000" tIns="45000" rIns="90000" bIns="45000" anchor="t">
+            <a:noAutofit/>
+          </a:bodyPr>
+          <a:lstStyle/>
+          <a:p>
+            <a:pPr>
+              <a:lnSpc>
+                <a:spcPct val="100000"/>
+              </a:lnSpc>
+            </a:pPr>
+            <a:r>
+              <a:rPr lang="en-US" sz="2400" b="1" strike="noStrike" spc="-1" dirty="0">
+                <a:solidFill>
+                  <a:srgbClr val="000000"/>
+                </a:solidFill>
+                <a:latin typeface="DejaVu Sans"/>
+                <a:ea typeface="DejaVu Sans"/>
+              </a:rPr>
               <a:t>Course Organization – Asynchronous Learning</a:t>
             </a:r>
             <a:endParaRPr lang="en-GB" sz="2400" b="0" strike="noStrike" spc="-1" dirty="0">
@@ -7286,29 +5641,7 @@
                 </a:solidFill>
                 <a:latin typeface="DejaVu Sans"/>
               </a:rPr>
-              <a:t>You will get further information about these two sessions during the semester</a:t>
-            </a:r>
-          </a:p>
-          <a:p>
-            <a:pPr marL="652320" lvl="1" indent="-188640">
-              <a:spcBef>
-                <a:spcPts val="360"/>
-              </a:spcBef>
-              <a:buClr>
-                <a:srgbClr val="008C4F"/>
-              </a:buClr>
-              <a:buSzPct val="80000"/>
-              <a:buFont typeface="Wingdings" charset="2"/>
-              <a:buChar char=""/>
-            </a:pPr>
-            <a:r>
-              <a:rPr lang="en-US" spc="-1" dirty="0">
-                <a:solidFill>
-                  <a:srgbClr val="000000"/>
-                </a:solidFill>
-                <a:latin typeface="DejaVu Sans"/>
-              </a:rPr>
-              <a:t>You will find the lecture videos on the course website </a:t>
+              <a:t>We will announce further information about these two sessions during the semester</a:t>
             </a:r>
           </a:p>
           <a:p>
@@ -7489,9 +5822,7 @@
             <a:r>
               <a:rPr lang="en-US" b="1" spc="-1" dirty="0">
                 <a:solidFill>
-                  <a:schemeClr val="accent3">
-                    <a:lumMod val="50000"/>
-                  </a:schemeClr>
+                  <a:srgbClr val="008C4F"/>
                 </a:solidFill>
                 <a:latin typeface="DejaVu Sans"/>
               </a:rPr>
@@ -7499,9 +5830,7 @@
             </a:r>
             <a:endParaRPr lang="en-GB" b="1" spc="-1" dirty="0">
               <a:solidFill>
-                <a:schemeClr val="accent3">
-                  <a:lumMod val="50000"/>
-                </a:schemeClr>
+                <a:srgbClr val="008C4F"/>
               </a:solidFill>
             </a:endParaRPr>
           </a:p>
@@ -7518,9 +5847,7 @@
             <a:r>
               <a:rPr lang="en-US" b="1" spc="-1" dirty="0">
                 <a:solidFill>
-                  <a:schemeClr val="accent3">
-                    <a:lumMod val="50000"/>
-                  </a:schemeClr>
+                  <a:srgbClr val="008C4F"/>
                 </a:solidFill>
                 <a:latin typeface="DejaVu Sans"/>
               </a:rPr>
@@ -7528,9 +5855,7 @@
             </a:r>
             <a:endParaRPr lang="en-GB" b="1" spc="-1" dirty="0">
               <a:solidFill>
-                <a:schemeClr val="accent3">
-                  <a:lumMod val="50000"/>
-                </a:schemeClr>
+                <a:srgbClr val="008C4F"/>
               </a:solidFill>
             </a:endParaRPr>
           </a:p>
@@ -7682,7 +6007,7 @@
 </p:sld>
 </file>
 
-<file path=ppt/slides/slide11.xml><?xml version="1.0" encoding="utf-8"?>
+<file path=ppt/slides/slide13.xml><?xml version="1.0" encoding="utf-8"?>
 <p:sld xmlns:a="http://schemas.openxmlformats.org/drawingml/2006/main" xmlns:r="http://schemas.openxmlformats.org/officeDocument/2006/relationships" xmlns:p="http://schemas.openxmlformats.org/presentationml/2006/main">
   <p:cSld>
     <p:spTree>
@@ -7823,6 +6148,22 @@
           </a:bodyPr>
           <a:lstStyle/>
           <a:p>
+            <a:pPr>
+              <a:lnSpc>
+                <a:spcPct val="100000"/>
+              </a:lnSpc>
+              <a:spcBef>
+                <a:spcPts val="360"/>
+              </a:spcBef>
+            </a:pPr>
+            <a:endParaRPr lang="en-GB" sz="1800" b="0" strike="noStrike" spc="-1" dirty="0">
+              <a:solidFill>
+                <a:srgbClr val="000000"/>
+              </a:solidFill>
+              <a:latin typeface="Arial"/>
+            </a:endParaRPr>
+          </a:p>
+          <a:p>
             <a:pPr marL="195120" indent="-188640">
               <a:lnSpc>
                 <a:spcPct val="100000"/>
@@ -7846,17 +6187,7 @@
                 <a:latin typeface="DejaVu Sans"/>
                 <a:ea typeface="DejaVu Sans"/>
               </a:rPr>
-              <a:t>Please note:</a:t>
-            </a:r>
-            <a:r>
-              <a:rPr lang="en-GB" sz="1800" b="0" strike="noStrike" spc="-1" dirty="0">
-                <a:solidFill>
-                  <a:srgbClr val="000000"/>
-                </a:solidFill>
-                <a:latin typeface="DejaVu Sans"/>
-                <a:ea typeface="DejaVu Sans"/>
-              </a:rPr>
-              <a:t> </a:t>
+              <a:t>Lecture:</a:t>
             </a:r>
             <a:endParaRPr lang="en-GB" sz="1800" b="0" strike="noStrike" spc="-1" dirty="0">
               <a:solidFill>
@@ -7888,17 +6219,17 @@
                 <a:latin typeface="DejaVu Sans"/>
                 <a:ea typeface="DejaVu Sans"/>
               </a:rPr>
-              <a:t>The </a:t>
-            </a:r>
-            <a:r>
-              <a:rPr lang="en-GB" sz="1800" b="0" strike="noStrike" spc="-1" dirty="0" err="1">
-                <a:solidFill>
-                  <a:srgbClr val="000000"/>
-                </a:solidFill>
-                <a:latin typeface="DejaVu Sans"/>
-                <a:ea typeface="DejaVu Sans"/>
-              </a:rPr>
-              <a:t>Gotec</a:t>
+              <a:t>Wednesday </a:t>
+            </a:r>
+            <a:r>
+              <a:rPr lang="en-GB" sz="1800" b="1" strike="noStrike" spc="-1" dirty="0">
+                <a:solidFill>
+                  <a:srgbClr val="000000"/>
+                </a:solidFill>
+                <a:latin typeface="DejaVu Sans"/>
+                <a:ea typeface="DejaVu Sans"/>
+              </a:rPr>
+              <a:t>2.15 pm to 3.45 pm</a:t>
             </a:r>
             <a:r>
               <a:rPr lang="en-GB" sz="1800" b="0" strike="noStrike" spc="-1" dirty="0">
@@ -7908,20 +6239,46 @@
                 <a:latin typeface="DejaVu Sans"/>
                 <a:ea typeface="DejaVu Sans"/>
               </a:rPr>
-              <a:t> in Goslar is limited to ca</a:t>
+              <a:t> (Berlin time) – </a:t>
+            </a:r>
+            <a:r>
+              <a:rPr lang="en-GB" b="1" spc="-1" dirty="0">
+                <a:solidFill>
+                  <a:srgbClr val="000000"/>
+                </a:solidFill>
+                <a:latin typeface="DejaVu Sans"/>
+              </a:rPr>
+              <a:t>19.04.2023</a:t>
             </a:r>
             <a:r>
               <a:rPr lang="en-GB" sz="1800" b="0" strike="noStrike" spc="-1" dirty="0">
                 <a:solidFill>
                   <a:srgbClr val="000000"/>
                 </a:solidFill>
-                <a:highlight>
-                  <a:srgbClr val="FFFF00"/>
-                </a:highlight>
-                <a:latin typeface="DejaVu Sans"/>
-                <a:ea typeface="DejaVu Sans"/>
-              </a:rPr>
-              <a:t>. 15-20 seats due to the current COVID restrictions</a:t>
+                <a:latin typeface="DejaVu Sans"/>
+                <a:ea typeface="DejaVu Sans"/>
+              </a:rPr>
+              <a:t> to </a:t>
+            </a:r>
+            <a:r>
+              <a:rPr lang="en-GB" b="1" spc="-1" dirty="0">
+                <a:solidFill>
+                  <a:srgbClr val="000000"/>
+                </a:solidFill>
+                <a:latin typeface="DejaVu Sans"/>
+                <a:ea typeface="DejaVu Sans"/>
+              </a:rPr>
+              <a:t>19</a:t>
+            </a:r>
+            <a:r>
+              <a:rPr lang="en-GB" sz="1800" b="1" strike="noStrike" spc="-1" dirty="0">
+                <a:solidFill>
+                  <a:srgbClr val="000000"/>
+                </a:solidFill>
+                <a:latin typeface="DejaVu Sans"/>
+                <a:ea typeface="DejaVu Sans"/>
+              </a:rPr>
+              <a:t>.07</a:t>
             </a:r>
             <a:r>
               <a:rPr lang="en-GB" sz="1800" b="0" strike="noStrike" spc="-1" dirty="0">
@@ -7931,37 +6288,7 @@
                 <a:latin typeface="DejaVu Sans"/>
                 <a:ea typeface="DejaVu Sans"/>
               </a:rPr>
-              <a:t>. Thus, </a:t>
-            </a:r>
-            <a:r>
-              <a:rPr lang="en-GB" sz="1800" b="1" strike="noStrike" spc="-1" dirty="0">
-                <a:solidFill>
-                  <a:srgbClr val="000000"/>
-                </a:solidFill>
-                <a:latin typeface="DejaVu Sans"/>
-                <a:ea typeface="DejaVu Sans"/>
-              </a:rPr>
-              <a:t>only </a:t>
-            </a:r>
-            <a:r>
-              <a:rPr lang="en-GB" sz="1800" b="1" strike="noStrike" spc="-1" dirty="0" err="1">
-                <a:solidFill>
-                  <a:srgbClr val="000000"/>
-                </a:solidFill>
-                <a:latin typeface="DejaVu Sans"/>
-                <a:ea typeface="DejaVu Sans"/>
-              </a:rPr>
-              <a:t>DigiTec</a:t>
-            </a:r>
-            <a:r>
-              <a:rPr lang="en-GB" sz="1800" b="0" strike="noStrike" spc="-1" dirty="0">
-                <a:solidFill>
-                  <a:srgbClr val="000000"/>
-                </a:solidFill>
-                <a:latin typeface="DejaVu Sans"/>
-                <a:ea typeface="DejaVu Sans"/>
-              </a:rPr>
-              <a:t> students may join us in Goslar. </a:t>
+              <a:t>.2023</a:t>
             </a:r>
             <a:endParaRPr lang="en-GB" sz="1800" b="0" strike="noStrike" spc="-1" dirty="0">
               <a:solidFill>
@@ -7993,24 +6320,90 @@
                 <a:latin typeface="DejaVu Sans"/>
                 <a:ea typeface="DejaVu Sans"/>
               </a:rPr>
-              <a:t>We kindly ask everyone else to use the BBB rooms (links below). </a:t>
-            </a:r>
-            <a:endParaRPr lang="en-GB" sz="1800" b="0" strike="noStrike" spc="-1" dirty="0">
-              <a:solidFill>
-                <a:srgbClr val="000000"/>
-              </a:solidFill>
-              <a:latin typeface="Arial"/>
-            </a:endParaRPr>
-          </a:p>
-          <a:p>
-            <a:pPr>
-              <a:lnSpc>
-                <a:spcPct val="100000"/>
-              </a:lnSpc>
-              <a:spcBef>
-                <a:spcPts val="360"/>
-              </a:spcBef>
-            </a:pPr>
+              <a:t>Location: Goslar </a:t>
+            </a:r>
+            <a:r>
+              <a:rPr lang="en-GB" sz="1800" b="0" strike="noStrike" spc="-1" dirty="0" err="1">
+                <a:solidFill>
+                  <a:srgbClr val="000000"/>
+                </a:solidFill>
+                <a:latin typeface="DejaVu Sans"/>
+                <a:ea typeface="DejaVu Sans"/>
+              </a:rPr>
+              <a:t>Gotec</a:t>
+            </a:r>
+            <a:r>
+              <a:rPr lang="en-GB" sz="1800" b="0" strike="noStrike" spc="-1" dirty="0">
+                <a:solidFill>
+                  <a:srgbClr val="000000"/>
+                </a:solidFill>
+                <a:latin typeface="DejaVu Sans"/>
+                <a:ea typeface="DejaVu Sans"/>
+              </a:rPr>
+              <a:t> (Am </a:t>
+            </a:r>
+            <a:r>
+              <a:rPr lang="en-GB" sz="1800" b="0" strike="noStrike" spc="-1" dirty="0" err="1">
+                <a:solidFill>
+                  <a:srgbClr val="000000"/>
+                </a:solidFill>
+                <a:latin typeface="DejaVu Sans"/>
+                <a:ea typeface="DejaVu Sans"/>
+              </a:rPr>
+              <a:t>Stollen</a:t>
+            </a:r>
+            <a:r>
+              <a:rPr lang="en-GB" sz="1800" b="0" strike="noStrike" spc="-1" dirty="0">
+                <a:solidFill>
+                  <a:srgbClr val="000000"/>
+                </a:solidFill>
+                <a:latin typeface="DejaVu Sans"/>
+                <a:ea typeface="DejaVu Sans"/>
+              </a:rPr>
+              <a:t> 19 C, 38640 Goslar, Germany) or via </a:t>
+            </a:r>
+            <a:r>
+              <a:rPr lang="en-GB" sz="1800" b="0" strike="noStrike" spc="-1" dirty="0" err="1">
+                <a:solidFill>
+                  <a:srgbClr val="000000"/>
+                </a:solidFill>
+                <a:latin typeface="DejaVu Sans"/>
+                <a:ea typeface="DejaVu Sans"/>
+              </a:rPr>
+              <a:t>BigBlueButton</a:t>
+            </a:r>
+            <a:r>
+              <a:rPr lang="en-GB" sz="1800" b="0" strike="noStrike" spc="-1" dirty="0">
+                <a:solidFill>
+                  <a:srgbClr val="000000"/>
+                </a:solidFill>
+                <a:latin typeface="DejaVu Sans"/>
+                <a:ea typeface="DejaVu Sans"/>
+              </a:rPr>
+              <a:t> (</a:t>
+            </a:r>
+            <a:r>
+              <a:rPr lang="en-GB" sz="1800" b="0" u="sng" strike="noStrike" spc="-1" dirty="0">
+                <a:solidFill>
+                  <a:srgbClr val="0000FF"/>
+                </a:solidFill>
+                <a:uFillTx/>
+                <a:latin typeface="DejaVu Sans"/>
+                <a:ea typeface="DejaVu Sans"/>
+                <a:hlinkClick r:id="rId2"/>
+              </a:rPr>
+              <a:t>Link</a:t>
+            </a:r>
+            <a:r>
+              <a:rPr lang="en-GB" sz="1800" b="0" strike="noStrike" spc="-1" dirty="0">
+                <a:solidFill>
+                  <a:srgbClr val="000000"/>
+                </a:solidFill>
+                <a:latin typeface="DejaVu Sans"/>
+                <a:ea typeface="DejaVu Sans"/>
+              </a:rPr>
+              <a:t>)</a:t>
+            </a:r>
             <a:endParaRPr lang="en-GB" sz="1800" b="0" strike="noStrike" spc="-1" dirty="0">
               <a:solidFill>
                 <a:srgbClr val="000000"/>
@@ -8042,7 +6435,7 @@
                 <a:latin typeface="DejaVu Sans"/>
                 <a:ea typeface="DejaVu Sans"/>
               </a:rPr>
-              <a:t>Lecture:</a:t>
+              <a:t>Exercise / Q&amp;A:</a:t>
             </a:r>
             <a:endParaRPr lang="en-GB" sz="1800" b="0" strike="noStrike" spc="-1" dirty="0">
               <a:solidFill>
@@ -8077,6 +6470,16 @@
               <a:t>Wednesday </a:t>
             </a:r>
             <a:r>
+              <a:rPr lang="en-GB" b="1" spc="-1" dirty="0">
+                <a:solidFill>
+                  <a:srgbClr val="000000"/>
+                </a:solidFill>
+                <a:latin typeface="DejaVu Sans"/>
+                <a:ea typeface="DejaVu Sans"/>
+              </a:rPr>
+              <a:t>4</a:t>
+            </a:r>
+            <a:r>
               <a:rPr lang="en-GB" sz="1800" b="1" strike="noStrike" spc="-1" dirty="0">
                 <a:solidFill>
                   <a:srgbClr val="000000"/>
@@ -8084,7 +6487,27 @@
                 <a:latin typeface="DejaVu Sans"/>
                 <a:ea typeface="DejaVu Sans"/>
               </a:rPr>
-              <a:t>2.15 pm to 3.45 pm</a:t>
+              <a:t> pm to 5</a:t>
+            </a:r>
+            <a:r>
+              <a:rPr lang="en-GB" sz="1800" b="0" strike="noStrike" spc="-1" dirty="0">
+                <a:solidFill>
+                  <a:srgbClr val="000000"/>
+                </a:solidFill>
+                <a:latin typeface="DejaVu Sans"/>
+                <a:ea typeface="DejaVu Sans"/>
+              </a:rPr>
+              <a:t> </a:t>
+            </a:r>
+            <a:r>
+              <a:rPr lang="en-GB" sz="1800" b="1" strike="noStrike" spc="-1" dirty="0">
+                <a:solidFill>
+                  <a:srgbClr val="000000"/>
+                </a:solidFill>
+                <a:latin typeface="DejaVu Sans"/>
+                <a:ea typeface="DejaVu Sans"/>
+              </a:rPr>
+              <a:t>pm</a:t>
             </a:r>
             <a:r>
               <a:rPr lang="en-GB" sz="1800" b="0" strike="noStrike" spc="-1" dirty="0">
@@ -8246,284 +6669,6 @@
                 <a:latin typeface="DejaVu Sans"/>
                 <a:ea typeface="DejaVu Sans"/>
                 <a:hlinkClick r:id="rId2"/>
-              </a:rPr>
-              <a:t>Link</a:t>
-            </a:r>
-            <a:r>
-              <a:rPr lang="en-GB" sz="1800" b="0" strike="noStrike" spc="-1" dirty="0">
-                <a:solidFill>
-                  <a:srgbClr val="000000"/>
-                </a:solidFill>
-                <a:latin typeface="DejaVu Sans"/>
-                <a:ea typeface="DejaVu Sans"/>
-              </a:rPr>
-              <a:t>)</a:t>
-            </a:r>
-            <a:endParaRPr lang="en-GB" sz="1800" b="0" strike="noStrike" spc="-1" dirty="0">
-              <a:solidFill>
-                <a:srgbClr val="000000"/>
-              </a:solidFill>
-              <a:latin typeface="Arial"/>
-            </a:endParaRPr>
-          </a:p>
-          <a:p>
-            <a:pPr marL="195120" indent="-188640">
-              <a:lnSpc>
-                <a:spcPct val="100000"/>
-              </a:lnSpc>
-              <a:spcBef>
-                <a:spcPts val="360"/>
-              </a:spcBef>
-              <a:buClr>
-                <a:srgbClr val="008C4F"/>
-              </a:buClr>
-              <a:buSzPct val="80000"/>
-              <a:buFont typeface="Wingdings" charset="2"/>
-              <a:buChar char=""/>
-            </a:pPr>
-            <a:r>
-              <a:rPr lang="en-GB" sz="1800" b="0" u="sng" strike="noStrike" spc="-1" dirty="0">
-                <a:solidFill>
-                  <a:srgbClr val="000000"/>
-                </a:solidFill>
-                <a:uFillTx/>
-                <a:latin typeface="DejaVu Sans"/>
-                <a:ea typeface="DejaVu Sans"/>
-              </a:rPr>
-              <a:t>Exercise / Q&amp;A:</a:t>
-            </a:r>
-            <a:endParaRPr lang="en-GB" sz="1800" b="0" strike="noStrike" spc="-1" dirty="0">
-              <a:solidFill>
-                <a:srgbClr val="000000"/>
-              </a:solidFill>
-              <a:latin typeface="Arial"/>
-            </a:endParaRPr>
-          </a:p>
-          <a:p>
-            <a:pPr marL="432000" lvl="1" indent="-211320">
-              <a:lnSpc>
-                <a:spcPct val="100000"/>
-              </a:lnSpc>
-              <a:spcBef>
-                <a:spcPts val="360"/>
-              </a:spcBef>
-              <a:buClr>
-                <a:srgbClr val="008C4F"/>
-              </a:buClr>
-              <a:buSzPct val="45000"/>
-              <a:buFont typeface="OpenSymbol"/>
-              <a:buChar char="—"/>
-            </a:pPr>
-            <a:r>
-              <a:rPr lang="en-GB" sz="1800" b="0" strike="noStrike" spc="-1" dirty="0">
-                <a:solidFill>
-                  <a:srgbClr val="000000"/>
-                </a:solidFill>
-                <a:latin typeface="DejaVu Sans"/>
-                <a:ea typeface="DejaVu Sans"/>
-              </a:rPr>
-              <a:t>Wednesday </a:t>
-            </a:r>
-            <a:r>
-              <a:rPr lang="en-GB" b="1" spc="-1" dirty="0">
-                <a:solidFill>
-                  <a:srgbClr val="000000"/>
-                </a:solidFill>
-                <a:latin typeface="DejaVu Sans"/>
-                <a:ea typeface="DejaVu Sans"/>
-              </a:rPr>
-              <a:t>4</a:t>
-            </a:r>
-            <a:r>
-              <a:rPr lang="en-GB" sz="1800" b="1" strike="noStrike" spc="-1" dirty="0">
-                <a:solidFill>
-                  <a:srgbClr val="000000"/>
-                </a:solidFill>
-                <a:latin typeface="DejaVu Sans"/>
-                <a:ea typeface="DejaVu Sans"/>
-              </a:rPr>
-              <a:t> pm to 5</a:t>
-            </a:r>
-            <a:r>
-              <a:rPr lang="en-GB" sz="1800" b="0" strike="noStrike" spc="-1" dirty="0">
-                <a:solidFill>
-                  <a:srgbClr val="000000"/>
-                </a:solidFill>
-                <a:latin typeface="DejaVu Sans"/>
-                <a:ea typeface="DejaVu Sans"/>
-              </a:rPr>
-              <a:t> </a:t>
-            </a:r>
-            <a:r>
-              <a:rPr lang="en-GB" sz="1800" b="1" strike="noStrike" spc="-1" dirty="0">
-                <a:solidFill>
-                  <a:srgbClr val="000000"/>
-                </a:solidFill>
-                <a:latin typeface="DejaVu Sans"/>
-                <a:ea typeface="DejaVu Sans"/>
-              </a:rPr>
-              <a:t>pm</a:t>
-            </a:r>
-            <a:r>
-              <a:rPr lang="en-GB" sz="1800" b="0" strike="noStrike" spc="-1" dirty="0">
-                <a:solidFill>
-                  <a:srgbClr val="000000"/>
-                </a:solidFill>
-                <a:latin typeface="DejaVu Sans"/>
-                <a:ea typeface="DejaVu Sans"/>
-              </a:rPr>
-              <a:t> (Berlin time) – </a:t>
-            </a:r>
-            <a:r>
-              <a:rPr lang="en-GB" b="1" spc="-1" dirty="0">
-                <a:solidFill>
-                  <a:srgbClr val="000000"/>
-                </a:solidFill>
-                <a:latin typeface="DejaVu Sans"/>
-              </a:rPr>
-              <a:t>19.04.2023</a:t>
-            </a:r>
-            <a:r>
-              <a:rPr lang="en-GB" sz="1800" b="0" strike="noStrike" spc="-1" dirty="0">
-                <a:solidFill>
-                  <a:srgbClr val="000000"/>
-                </a:solidFill>
-                <a:latin typeface="DejaVu Sans"/>
-                <a:ea typeface="DejaVu Sans"/>
-              </a:rPr>
-              <a:t> to </a:t>
-            </a:r>
-            <a:r>
-              <a:rPr lang="en-GB" b="1" spc="-1" dirty="0">
-                <a:solidFill>
-                  <a:srgbClr val="000000"/>
-                </a:solidFill>
-                <a:latin typeface="DejaVu Sans"/>
-                <a:ea typeface="DejaVu Sans"/>
-              </a:rPr>
-              <a:t>19</a:t>
-            </a:r>
-            <a:r>
-              <a:rPr lang="en-GB" sz="1800" b="1" strike="noStrike" spc="-1" dirty="0">
-                <a:solidFill>
-                  <a:srgbClr val="000000"/>
-                </a:solidFill>
-                <a:latin typeface="DejaVu Sans"/>
-                <a:ea typeface="DejaVu Sans"/>
-              </a:rPr>
-              <a:t>.07</a:t>
-            </a:r>
-            <a:r>
-              <a:rPr lang="en-GB" sz="1800" b="0" strike="noStrike" spc="-1" dirty="0">
-                <a:solidFill>
-                  <a:srgbClr val="000000"/>
-                </a:solidFill>
-                <a:latin typeface="DejaVu Sans"/>
-                <a:ea typeface="DejaVu Sans"/>
-              </a:rPr>
-              <a:t>.2023</a:t>
-            </a:r>
-            <a:endParaRPr lang="en-GB" sz="1800" b="0" strike="noStrike" spc="-1" dirty="0">
-              <a:solidFill>
-                <a:srgbClr val="000000"/>
-              </a:solidFill>
-              <a:latin typeface="Arial"/>
-            </a:endParaRPr>
-          </a:p>
-          <a:p>
-            <a:pPr marL="432000" lvl="1" indent="-211320">
-              <a:lnSpc>
-                <a:spcPct val="100000"/>
-              </a:lnSpc>
-              <a:spcBef>
-                <a:spcPts val="360"/>
-              </a:spcBef>
-              <a:buClr>
-                <a:srgbClr val="008C4F"/>
-              </a:buClr>
-              <a:buSzPct val="45000"/>
-              <a:buFont typeface="OpenSymbol"/>
-              <a:buChar char="—"/>
-            </a:pPr>
-            <a:r>
-              <a:rPr lang="en-GB" sz="1800" b="0" strike="noStrike" spc="-1" dirty="0">
-                <a:solidFill>
-                  <a:srgbClr val="000000"/>
-                </a:solidFill>
-                <a:latin typeface="DejaVu Sans"/>
-                <a:ea typeface="DejaVu Sans"/>
-              </a:rPr>
-              <a:t>Location: Goslar </a:t>
-            </a:r>
-            <a:r>
-              <a:rPr lang="en-GB" sz="1800" b="0" strike="noStrike" spc="-1" dirty="0" err="1">
-                <a:solidFill>
-                  <a:srgbClr val="000000"/>
-                </a:solidFill>
-                <a:latin typeface="DejaVu Sans"/>
-                <a:ea typeface="DejaVu Sans"/>
-              </a:rPr>
-              <a:t>Gotec</a:t>
-            </a:r>
-            <a:r>
-              <a:rPr lang="en-GB" sz="1800" b="0" strike="noStrike" spc="-1" dirty="0">
-                <a:solidFill>
-                  <a:srgbClr val="000000"/>
-                </a:solidFill>
-                <a:latin typeface="DejaVu Sans"/>
-                <a:ea typeface="DejaVu Sans"/>
-              </a:rPr>
-              <a:t> (Am </a:t>
-            </a:r>
-            <a:r>
-              <a:rPr lang="en-GB" sz="1800" b="0" strike="noStrike" spc="-1" dirty="0" err="1">
-                <a:solidFill>
-                  <a:srgbClr val="000000"/>
-                </a:solidFill>
-                <a:latin typeface="DejaVu Sans"/>
-                <a:ea typeface="DejaVu Sans"/>
-              </a:rPr>
-              <a:t>Stollen</a:t>
-            </a:r>
-            <a:r>
-              <a:rPr lang="en-GB" sz="1800" b="0" strike="noStrike" spc="-1" dirty="0">
-                <a:solidFill>
-                  <a:srgbClr val="000000"/>
-                </a:solidFill>
-                <a:latin typeface="DejaVu Sans"/>
-                <a:ea typeface="DejaVu Sans"/>
-              </a:rPr>
-              <a:t> 19 C, 38640 Goslar, Germany) or via </a:t>
-            </a:r>
-            <a:r>
-              <a:rPr lang="en-GB" sz="1800" b="0" strike="noStrike" spc="-1" dirty="0" err="1">
-                <a:solidFill>
-                  <a:srgbClr val="000000"/>
-                </a:solidFill>
-                <a:latin typeface="DejaVu Sans"/>
-                <a:ea typeface="DejaVu Sans"/>
-              </a:rPr>
-              <a:t>BigBlueButton</a:t>
-            </a:r>
-            <a:r>
-              <a:rPr lang="en-GB" sz="1800" b="0" strike="noStrike" spc="-1" dirty="0">
-                <a:solidFill>
-                  <a:srgbClr val="000000"/>
-                </a:solidFill>
-                <a:latin typeface="DejaVu Sans"/>
-                <a:ea typeface="DejaVu Sans"/>
-              </a:rPr>
-              <a:t> (</a:t>
-            </a:r>
-            <a:r>
-              <a:rPr lang="en-GB" sz="1800" b="0" u="sng" strike="noStrike" spc="-1" dirty="0">
-                <a:solidFill>
-                  <a:srgbClr val="0000FF"/>
-                </a:solidFill>
-                <a:uFillTx/>
-                <a:latin typeface="DejaVu Sans"/>
-                <a:ea typeface="DejaVu Sans"/>
-                <a:hlinkClick r:id="rId3"/>
               </a:rPr>
               <a:t>Link</a:t>
             </a:r>
@@ -8554,7 +6699,7 @@
 </p:sld>
 </file>
 
-<file path=ppt/slides/slide12.xml><?xml version="1.0" encoding="utf-8"?>
+<file path=ppt/slides/slide14.xml><?xml version="1.0" encoding="utf-8"?>
 <p:sld xmlns:a="http://schemas.openxmlformats.org/drawingml/2006/main" xmlns:r="http://schemas.openxmlformats.org/officeDocument/2006/relationships" xmlns:p="http://schemas.openxmlformats.org/presentationml/2006/main">
   <p:cSld>
     <p:spTree>
@@ -8920,255 +7065,226 @@
               </a:rPr>
               <a:t>Exercise = learning feedback</a:t>
             </a:r>
+          </a:p>
+          <a:p>
+            <a:pPr marL="195120" indent="-188640">
+              <a:lnSpc>
+                <a:spcPct val="100000"/>
+              </a:lnSpc>
+              <a:spcBef>
+                <a:spcPts val="360"/>
+              </a:spcBef>
+              <a:buClr>
+                <a:srgbClr val="008C4F"/>
+              </a:buClr>
+              <a:buSzPct val="80000"/>
+              <a:buFont typeface="Wingdings" charset="2"/>
+              <a:buChar char=""/>
+            </a:pPr>
+            <a:endParaRPr lang="en-GB" spc="-1" dirty="0">
+              <a:solidFill>
+                <a:srgbClr val="000000"/>
+              </a:solidFill>
+              <a:latin typeface="DejaVu Sans"/>
+              <a:ea typeface="DejaVu Sans"/>
+            </a:endParaRPr>
+          </a:p>
+          <a:p>
+            <a:pPr marL="195120" indent="-188640">
+              <a:lnSpc>
+                <a:spcPct val="100000"/>
+              </a:lnSpc>
+              <a:spcBef>
+                <a:spcPts val="360"/>
+              </a:spcBef>
+              <a:buClr>
+                <a:srgbClr val="008C4F"/>
+              </a:buClr>
+              <a:buSzPct val="80000"/>
+              <a:buFont typeface="Wingdings" charset="2"/>
+              <a:buChar char=""/>
+            </a:pPr>
+            <a:endParaRPr lang="en-GB" spc="-1" dirty="0">
+              <a:solidFill>
+                <a:srgbClr val="000000"/>
+              </a:solidFill>
+              <a:latin typeface="DejaVu Sans"/>
+              <a:ea typeface="DejaVu Sans"/>
+            </a:endParaRPr>
+          </a:p>
+          <a:p>
+            <a:pPr marL="6480">
+              <a:lnSpc>
+                <a:spcPct val="100000"/>
+              </a:lnSpc>
+              <a:spcBef>
+                <a:spcPts val="360"/>
+              </a:spcBef>
+              <a:buClr>
+                <a:srgbClr val="008C4F"/>
+              </a:buClr>
+              <a:buSzPct val="80000"/>
+            </a:pPr>
+            <a:r>
+              <a:rPr lang="en-GB" spc="-1" dirty="0">
+                <a:solidFill>
+                  <a:srgbClr val="000000"/>
+                </a:solidFill>
+                <a:latin typeface="DejaVu Sans"/>
+              </a:rPr>
+              <a:t>All exercises should be submitted through the Academic Cloud under the following link: </a:t>
+            </a:r>
+            <a:endParaRPr lang="en-US" dirty="0">
+              <a:latin typeface="DejaVu Sans"/>
+            </a:endParaRPr>
+          </a:p>
+          <a:p>
+            <a:r>
+              <a:rPr lang="en-US" dirty="0">
+                <a:latin typeface="DejaVu Sans"/>
+              </a:rPr>
+              <a:t> </a:t>
+            </a:r>
+            <a:r>
+              <a:rPr lang="en-US" dirty="0">
+                <a:latin typeface="DejaVu Sans"/>
+                <a:hlinkClick r:id="rId2"/>
+              </a:rPr>
+              <a:t>https://sync.academiccloud.de/index.php/s/MW3wY8uOVJbTrei</a:t>
+            </a:r>
+            <a:endParaRPr lang="en-US" dirty="0">
+              <a:latin typeface="DejaVu Sans"/>
+            </a:endParaRPr>
+          </a:p>
+          <a:p>
+            <a:pPr marL="6480">
+              <a:lnSpc>
+                <a:spcPct val="100000"/>
+              </a:lnSpc>
+              <a:spcBef>
+                <a:spcPts val="360"/>
+              </a:spcBef>
+              <a:buClr>
+                <a:srgbClr val="008C4F"/>
+              </a:buClr>
+              <a:buSzPct val="80000"/>
+            </a:pPr>
             <a:endParaRPr lang="en-GB" sz="1800" b="0" strike="noStrike" spc="-1" dirty="0">
               <a:solidFill>
                 <a:srgbClr val="000000"/>
               </a:solidFill>
-              <a:latin typeface="Arial"/>
-            </a:endParaRPr>
-          </a:p>
-          <a:p>
-            <a:pPr>
-              <a:lnSpc>
-                <a:spcPct val="100000"/>
-              </a:lnSpc>
+              <a:latin typeface="DejaVu Sans"/>
+              <a:ea typeface="DejaVu Sans"/>
+            </a:endParaRPr>
+          </a:p>
+          <a:p>
+            <a:pPr marL="195120" indent="-188640">
               <a:spcBef>
                 <a:spcPts val="360"/>
               </a:spcBef>
+              <a:buClr>
+                <a:srgbClr val="008C4F"/>
+              </a:buClr>
+              <a:buSzPct val="80000"/>
+              <a:buFont typeface="Wingdings" charset="2"/>
+              <a:buChar char=""/>
+            </a:pPr>
+            <a:r>
+              <a:rPr lang="en-US" dirty="0">
+                <a:latin typeface="DejaVu Sans"/>
+              </a:rPr>
+              <a:t>We do not accept email submissions, please use the file drop link to upload your submissions. </a:t>
+            </a:r>
+          </a:p>
+          <a:p>
+            <a:pPr marL="195120" indent="-188640">
+              <a:spcBef>
+                <a:spcPts val="360"/>
+              </a:spcBef>
+              <a:buClr>
+                <a:srgbClr val="008C4F"/>
+              </a:buClr>
+              <a:buSzPct val="80000"/>
+              <a:buFont typeface="Wingdings" charset="2"/>
+              <a:buChar char=""/>
+            </a:pPr>
+            <a:r>
+              <a:rPr lang="en-US" b="1" dirty="0">
+                <a:solidFill>
+                  <a:srgbClr val="008C4F"/>
+                </a:solidFill>
+                <a:latin typeface="DejaVu Sans"/>
+              </a:rPr>
+              <a:t>Important</a:t>
+            </a:r>
+            <a:r>
+              <a:rPr lang="en-US" dirty="0">
+                <a:latin typeface="DejaVu Sans"/>
+              </a:rPr>
+              <a:t>: Always include your full name, your student email address and your student ID, so that we can track your submission. </a:t>
+            </a:r>
+          </a:p>
+          <a:p>
+            <a:pPr marL="195120" indent="-188640">
+              <a:lnSpc>
+                <a:spcPct val="100000"/>
+              </a:lnSpc>
+              <a:spcBef>
+                <a:spcPts val="360"/>
+              </a:spcBef>
+              <a:buClr>
+                <a:srgbClr val="008C4F"/>
+              </a:buClr>
+              <a:buSzPct val="80000"/>
+              <a:buFont typeface="Wingdings" charset="2"/>
+              <a:buChar char=""/>
             </a:pPr>
             <a:endParaRPr lang="en-GB" sz="1800" b="0" strike="noStrike" spc="-1" dirty="0">
               <a:solidFill>
                 <a:srgbClr val="000000"/>
               </a:solidFill>
-              <a:latin typeface="Arial"/>
-            </a:endParaRPr>
-          </a:p>
-          <a:p>
-            <a:pPr>
+              <a:latin typeface="DejaVu Sans"/>
+              <a:ea typeface="DejaVu Sans"/>
+            </a:endParaRPr>
+          </a:p>
+          <a:p>
+            <a:pPr marL="195120" indent="-188640">
               <a:lnSpc>
                 <a:spcPct val="100000"/>
               </a:lnSpc>
               <a:spcBef>
                 <a:spcPts val="360"/>
               </a:spcBef>
-            </a:pPr>
-            <a:r>
-              <a:rPr lang="en-GB" sz="1800" b="0" strike="noStrike" spc="-1" dirty="0">
+              <a:buClr>
+                <a:srgbClr val="008C4F"/>
+              </a:buClr>
+              <a:buSzPct val="80000"/>
+              <a:buFont typeface="Wingdings" charset="2"/>
+              <a:buChar char=""/>
+            </a:pPr>
+            <a:endParaRPr lang="en-GB" spc="-1" dirty="0">
+              <a:solidFill>
+                <a:srgbClr val="000000"/>
+              </a:solidFill>
+              <a:latin typeface="DejaVu Sans"/>
+            </a:endParaRPr>
+          </a:p>
+          <a:p>
+            <a:r>
+              <a:rPr lang="en-US" dirty="0"/>
+              <a:t> </a:t>
+            </a:r>
+          </a:p>
+          <a:p>
+            <a:r>
+              <a:rPr lang="en-GB" sz="1800" b="1" strike="noStrike" spc="-1" dirty="0">
                 <a:solidFill>
                   <a:srgbClr val="FFFFFF"/>
                 </a:solidFill>
                 <a:latin typeface="DejaVu Sans"/>
                 <a:ea typeface="DejaVu Sans"/>
               </a:rPr>
-              <a:t>s task:</a:t>
-            </a:r>
-            <a:endParaRPr lang="en-GB" sz="1800" b="0" strike="noStrike" spc="-1" dirty="0">
-              <a:solidFill>
-                <a:srgbClr val="000000"/>
-              </a:solidFill>
-              <a:latin typeface="Arial"/>
-            </a:endParaRPr>
-          </a:p>
-          <a:p>
-            <a:pPr>
-              <a:lnSpc>
-                <a:spcPct val="100000"/>
-              </a:lnSpc>
-              <a:spcBef>
-                <a:spcPts val="360"/>
-              </a:spcBef>
-            </a:pPr>
-            <a:r>
-              <a:rPr lang="en-GB" sz="1800" b="0" strike="noStrike" spc="-1" dirty="0" err="1">
-                <a:solidFill>
-                  <a:srgbClr val="FFFFFF"/>
-                </a:solidFill>
-                <a:latin typeface="DejaVu Sans"/>
-                <a:ea typeface="DejaVu Sans"/>
-              </a:rPr>
-              <a:t>orm</a:t>
-            </a:r>
-            <a:r>
-              <a:rPr lang="en-GB" sz="1800" b="0" strike="noStrike" spc="-1" dirty="0">
-                <a:solidFill>
-                  <a:srgbClr val="FFFFFF"/>
-                </a:solidFill>
-                <a:latin typeface="DejaVu Sans"/>
-                <a:ea typeface="DejaVu Sans"/>
-              </a:rPr>
-              <a:t> groups of 5 people</a:t>
-            </a:r>
-            <a:endParaRPr lang="en-GB" sz="1800" b="0" strike="noStrike" spc="-1" dirty="0">
-              <a:solidFill>
-                <a:srgbClr val="000000"/>
-              </a:solidFill>
-              <a:latin typeface="Arial"/>
-            </a:endParaRPr>
-          </a:p>
-          <a:p>
-            <a:pPr>
-              <a:lnSpc>
-                <a:spcPct val="100000"/>
-              </a:lnSpc>
-              <a:spcBef>
-                <a:spcPts val="360"/>
-              </a:spcBef>
-            </a:pPr>
-            <a:r>
-              <a:rPr lang="en-GB" sz="1800" b="0" strike="noStrike" spc="-1" dirty="0" err="1">
-                <a:solidFill>
-                  <a:srgbClr val="FFFFFF"/>
-                </a:solidFill>
-                <a:latin typeface="DejaVu Sans"/>
-                <a:ea typeface="DejaVu Sans"/>
-              </a:rPr>
-              <a:t>ome</a:t>
-            </a:r>
-            <a:r>
-              <a:rPr lang="en-GB" sz="1800" b="0" strike="noStrike" spc="-1" dirty="0">
-                <a:solidFill>
-                  <a:srgbClr val="FFFFFF"/>
-                </a:solidFill>
-                <a:latin typeface="DejaVu Sans"/>
-                <a:ea typeface="DejaVu Sans"/>
-              </a:rPr>
-              <a:t> up with a great idea that evolves around sustainability in general</a:t>
-            </a:r>
-            <a:endParaRPr lang="en-GB" sz="1800" b="0" strike="noStrike" spc="-1" dirty="0">
-              <a:solidFill>
-                <a:srgbClr val="000000"/>
-              </a:solidFill>
-              <a:latin typeface="Arial"/>
-            </a:endParaRPr>
-          </a:p>
-          <a:p>
-            <a:pPr>
-              <a:lnSpc>
-                <a:spcPct val="100000"/>
-              </a:lnSpc>
-              <a:spcBef>
-                <a:spcPts val="360"/>
-              </a:spcBef>
-            </a:pPr>
-            <a:r>
-              <a:rPr lang="en-GB" sz="1800" b="0" strike="noStrike" spc="-1" dirty="0">
-                <a:solidFill>
-                  <a:srgbClr val="FFFFFF"/>
-                </a:solidFill>
-                <a:latin typeface="DejaVu Sans"/>
-                <a:ea typeface="DejaVu Sans"/>
-              </a:rPr>
-              <a:t>Push the idea as far as possible throughout the semester</a:t>
-            </a:r>
-            <a:endParaRPr lang="en-GB" sz="1800" b="0" strike="noStrike" spc="-1" dirty="0">
-              <a:solidFill>
-                <a:srgbClr val="000000"/>
-              </a:solidFill>
-              <a:latin typeface="Arial"/>
-            </a:endParaRPr>
-          </a:p>
-          <a:p>
-            <a:pPr>
-              <a:lnSpc>
-                <a:spcPct val="100000"/>
-              </a:lnSpc>
-              <a:spcBef>
-                <a:spcPts val="360"/>
-              </a:spcBef>
-            </a:pPr>
-            <a:r>
-              <a:rPr lang="en-GB" sz="1800" b="0" strike="noStrike" spc="-1" dirty="0">
-                <a:solidFill>
-                  <a:srgbClr val="FFFFFF"/>
-                </a:solidFill>
-                <a:latin typeface="DejaVu Sans"/>
-                <a:ea typeface="DejaVu Sans"/>
-              </a:rPr>
-              <a:t>Record a 60s video explaining your idea and what you did throughout the semester</a:t>
-            </a:r>
-            <a:endParaRPr lang="en-GB" sz="1800" b="0" strike="noStrike" spc="-1" dirty="0">
-              <a:solidFill>
-                <a:srgbClr val="000000"/>
-              </a:solidFill>
-              <a:latin typeface="Arial"/>
-            </a:endParaRPr>
-          </a:p>
-          <a:p>
-            <a:pPr>
-              <a:lnSpc>
-                <a:spcPct val="100000"/>
-              </a:lnSpc>
-              <a:spcBef>
-                <a:spcPts val="360"/>
-              </a:spcBef>
-            </a:pPr>
-            <a:r>
-              <a:rPr lang="en-GB" sz="1800" b="0" strike="noStrike" spc="-1" dirty="0">
-                <a:solidFill>
-                  <a:srgbClr val="FFFFFF"/>
-                </a:solidFill>
-                <a:latin typeface="DejaVu Sans"/>
-                <a:ea typeface="DejaVu Sans"/>
-              </a:rPr>
-              <a:t>Selection of the 5 best ideas → bonus points for the exam (e.g., better grade – instead of 2.0 → 1.7 or something similar)</a:t>
-            </a:r>
-            <a:endParaRPr lang="en-GB" sz="1800" b="0" strike="noStrike" spc="-1" dirty="0">
-              <a:solidFill>
-                <a:srgbClr val="000000"/>
-              </a:solidFill>
-              <a:latin typeface="Arial"/>
-            </a:endParaRPr>
-          </a:p>
-          <a:p>
-            <a:pPr marL="360" algn="ctr">
-              <a:lnSpc>
-                <a:spcPct val="100000"/>
-              </a:lnSpc>
-              <a:spcBef>
-                <a:spcPts val="360"/>
-              </a:spcBef>
-            </a:pPr>
-            <a:endParaRPr lang="en-GB" sz="1800" b="0" strike="noStrike" spc="-1" dirty="0">
-              <a:solidFill>
-                <a:srgbClr val="000000"/>
-              </a:solidFill>
-              <a:latin typeface="Arial"/>
-            </a:endParaRPr>
-          </a:p>
-          <a:p>
-            <a:pPr marL="360" algn="ctr">
-              <a:lnSpc>
-                <a:spcPct val="100000"/>
-              </a:lnSpc>
-              <a:spcBef>
-                <a:spcPts val="360"/>
-              </a:spcBef>
-            </a:pPr>
-            <a:endParaRPr lang="en-GB" sz="1800" b="0" strike="noStrike" spc="-1" dirty="0">
-              <a:solidFill>
-                <a:srgbClr val="000000"/>
-              </a:solidFill>
-              <a:latin typeface="Arial"/>
-            </a:endParaRPr>
-          </a:p>
-          <a:p>
-            <a:pPr marL="360" algn="ctr">
-              <a:lnSpc>
-                <a:spcPct val="100000"/>
-              </a:lnSpc>
-              <a:spcBef>
-                <a:spcPts val="360"/>
-              </a:spcBef>
-            </a:pPr>
-            <a:r>
-              <a:rPr lang="en-GB" sz="1800" b="1" strike="noStrike" spc="-1" dirty="0">
-                <a:solidFill>
-                  <a:srgbClr val="FFFFFF"/>
-                </a:solidFill>
-                <a:latin typeface="DejaVu Sans"/>
-                <a:ea typeface="DejaVu Sans"/>
-              </a:rPr>
-              <a:t>More info on points, percentages, etc. follow on the next slides (Examination)</a:t>
+              <a:t>etc. follow on the next slides (Examination)</a:t>
             </a:r>
             <a:endParaRPr lang="en-GB" sz="1800" b="0" strike="noStrike" spc="-1" dirty="0">
               <a:solidFill>
@@ -9187,678 +7303,7 @@
 </p:sld>
 </file>
 
-<file path=ppt/slides/slide13.xml><?xml version="1.0" encoding="utf-8"?>
-<p:sld xmlns:a="http://schemas.openxmlformats.org/drawingml/2006/main" xmlns:r="http://schemas.openxmlformats.org/officeDocument/2006/relationships" xmlns:p="http://schemas.openxmlformats.org/presentationml/2006/main">
-  <p:cSld>
-    <p:spTree>
-      <p:nvGrpSpPr>
-        <p:cNvPr id="1" name=""/>
-        <p:cNvGrpSpPr/>
-        <p:nvPr/>
-      </p:nvGrpSpPr>
-      <p:grpSpPr>
-        <a:xfrm>
-          <a:off x="0" y="0"/>
-          <a:ext cx="0" cy="0"/>
-          <a:chOff x="0" y="0"/>
-          <a:chExt cx="0" cy="0"/>
-        </a:xfrm>
-      </p:grpSpPr>
-      <p:sp>
-        <p:nvSpPr>
-          <p:cNvPr id="130" name="CustomShape 1"/>
-          <p:cNvSpPr/>
-          <p:nvPr/>
-        </p:nvSpPr>
-        <p:spPr>
-          <a:xfrm>
-            <a:off x="335520" y="764640"/>
-            <a:ext cx="10745640" cy="496440"/>
-          </a:xfrm>
-          <a:prstGeom prst="rect">
-            <a:avLst/>
-          </a:prstGeom>
-          <a:noFill/>
-          <a:ln w="0">
-            <a:noFill/>
-          </a:ln>
-        </p:spPr>
-        <p:style>
-          <a:lnRef idx="0">
-            <a:scrgbClr r="0" g="0" b="0"/>
-          </a:lnRef>
-          <a:fillRef idx="0">
-            <a:scrgbClr r="0" g="0" b="0"/>
-          </a:fillRef>
-          <a:effectRef idx="0">
-            <a:scrgbClr r="0" g="0" b="0"/>
-          </a:effectRef>
-          <a:fontRef idx="minor"/>
-        </p:style>
-        <p:txBody>
-          <a:bodyPr lIns="90000" tIns="45000" rIns="90000" bIns="45000" anchor="t">
-            <a:noAutofit/>
-          </a:bodyPr>
-          <a:lstStyle/>
-          <a:p>
-            <a:pPr>
-              <a:lnSpc>
-                <a:spcPct val="100000"/>
-              </a:lnSpc>
-            </a:pPr>
-            <a:r>
-              <a:rPr lang="en-US" sz="2400" b="1" strike="noStrike" spc="-1" dirty="0">
-                <a:solidFill>
-                  <a:srgbClr val="000000"/>
-                </a:solidFill>
-                <a:latin typeface="DejaVu Sans"/>
-                <a:ea typeface="DejaVu Sans"/>
-              </a:rPr>
-              <a:t>Exercises </a:t>
-            </a:r>
-            <a:r>
-              <a:rPr lang="en-US" sz="2400" b="1" spc="-1" dirty="0">
-                <a:solidFill>
-                  <a:srgbClr val="000000"/>
-                </a:solidFill>
-                <a:highlight>
-                  <a:srgbClr val="FF0000"/>
-                </a:highlight>
-                <a:latin typeface="DejaVu Sans"/>
-              </a:rPr>
-              <a:t>UPDATE NECESSARY</a:t>
-            </a:r>
-            <a:r>
-              <a:rPr lang="en-US" sz="2400" b="1" strike="noStrike" spc="-1" dirty="0">
-                <a:solidFill>
-                  <a:srgbClr val="000000"/>
-                </a:solidFill>
-                <a:latin typeface="DejaVu Sans"/>
-                <a:ea typeface="DejaVu Sans"/>
-              </a:rPr>
-              <a:t> </a:t>
-            </a:r>
-            <a:endParaRPr lang="en-GB" sz="2400" b="0" strike="noStrike" spc="-1" dirty="0">
-              <a:solidFill>
-                <a:srgbClr val="000000"/>
-              </a:solidFill>
-              <a:latin typeface="Arial"/>
-            </a:endParaRPr>
-          </a:p>
-        </p:txBody>
-      </p:sp>
-      <p:sp>
-        <p:nvSpPr>
-          <p:cNvPr id="131" name="CustomShape 2"/>
-          <p:cNvSpPr/>
-          <p:nvPr/>
-        </p:nvSpPr>
-        <p:spPr>
-          <a:xfrm>
-            <a:off x="335520" y="1268280"/>
-            <a:ext cx="10745640" cy="5033160"/>
-          </a:xfrm>
-          <a:prstGeom prst="rect">
-            <a:avLst/>
-          </a:prstGeom>
-          <a:noFill/>
-          <a:ln w="0">
-            <a:noFill/>
-          </a:ln>
-        </p:spPr>
-        <p:style>
-          <a:lnRef idx="0">
-            <a:scrgbClr r="0" g="0" b="0"/>
-          </a:lnRef>
-          <a:fillRef idx="0">
-            <a:scrgbClr r="0" g="0" b="0"/>
-          </a:fillRef>
-          <a:effectRef idx="0">
-            <a:scrgbClr r="0" g="0" b="0"/>
-          </a:effectRef>
-          <a:fontRef idx="minor"/>
-        </p:style>
-        <p:txBody>
-          <a:bodyPr lIns="90000" tIns="45000" rIns="90000" bIns="45000" anchor="ctr">
-            <a:noAutofit/>
-          </a:bodyPr>
-          <a:lstStyle/>
-          <a:p>
-            <a:pPr>
-              <a:lnSpc>
-                <a:spcPct val="100000"/>
-              </a:lnSpc>
-            </a:pPr>
-            <a:endParaRPr lang="en-GB" sz="1800" b="0" strike="noStrike" spc="-1" dirty="0">
-              <a:solidFill>
-                <a:srgbClr val="000000"/>
-              </a:solidFill>
-              <a:latin typeface="Arial"/>
-            </a:endParaRPr>
-          </a:p>
-          <a:p>
-            <a:pPr>
-              <a:lnSpc>
-                <a:spcPct val="100000"/>
-              </a:lnSpc>
-              <a:spcBef>
-                <a:spcPts val="360"/>
-              </a:spcBef>
-            </a:pPr>
-            <a:endParaRPr lang="en-GB" sz="1800" b="0" strike="noStrike" spc="-1" dirty="0">
-              <a:solidFill>
-                <a:srgbClr val="000000"/>
-              </a:solidFill>
-              <a:latin typeface="Arial"/>
-            </a:endParaRPr>
-          </a:p>
-          <a:p>
-            <a:pPr marL="195120" indent="-188640">
-              <a:lnSpc>
-                <a:spcPct val="100000"/>
-              </a:lnSpc>
-              <a:spcBef>
-                <a:spcPts val="360"/>
-              </a:spcBef>
-              <a:buClr>
-                <a:srgbClr val="008C4F"/>
-              </a:buClr>
-              <a:buSzPct val="80000"/>
-              <a:buFont typeface="Wingdings" charset="2"/>
-              <a:buChar char=""/>
-            </a:pPr>
-            <a:r>
-              <a:rPr lang="en-US" sz="1800" b="0" strike="noStrike" spc="-1" dirty="0">
-                <a:solidFill>
-                  <a:srgbClr val="000000"/>
-                </a:solidFill>
-                <a:latin typeface="DejaVu Sans"/>
-                <a:ea typeface="DejaVu Sans"/>
-              </a:rPr>
-              <a:t>Individual work</a:t>
-            </a:r>
-            <a:r>
-              <a:rPr lang="de-DE" sz="1800" b="0" strike="noStrike" spc="-1" dirty="0">
-                <a:solidFill>
-                  <a:srgbClr val="000000"/>
-                </a:solidFill>
-                <a:latin typeface="DejaVu Sans"/>
-                <a:ea typeface="DejaVu Sans"/>
-              </a:rPr>
-              <a:t> </a:t>
-            </a:r>
-            <a:r>
-              <a:rPr lang="en-US" sz="1800" b="0" strike="noStrike" spc="-1" dirty="0">
-                <a:solidFill>
-                  <a:srgbClr val="000000"/>
-                </a:solidFill>
-                <a:latin typeface="DejaVu Sans"/>
-                <a:ea typeface="DejaVu Sans"/>
-              </a:rPr>
-              <a:t>→</a:t>
-            </a:r>
-            <a:r>
-              <a:rPr lang="de-DE" sz="1800" b="0" strike="noStrike" spc="-1" dirty="0">
-                <a:solidFill>
-                  <a:srgbClr val="000000"/>
-                </a:solidFill>
-                <a:latin typeface="DejaVu Sans"/>
-                <a:ea typeface="DejaVu Sans"/>
-              </a:rPr>
-              <a:t> </a:t>
-            </a:r>
-            <a:r>
-              <a:rPr lang="en-GB" sz="1800" b="0" strike="noStrike" spc="-1" dirty="0">
-                <a:solidFill>
-                  <a:srgbClr val="000000"/>
-                </a:solidFill>
-                <a:latin typeface="DejaVu Sans"/>
-                <a:ea typeface="DejaVu Sans"/>
-              </a:rPr>
-              <a:t>no group submissions</a:t>
-            </a:r>
-            <a:endParaRPr lang="en-GB" sz="1800" b="0" strike="noStrike" spc="-1" dirty="0">
-              <a:solidFill>
-                <a:srgbClr val="000000"/>
-              </a:solidFill>
-              <a:latin typeface="Arial"/>
-            </a:endParaRPr>
-          </a:p>
-          <a:p>
-            <a:pPr marL="195120" indent="-188640">
-              <a:lnSpc>
-                <a:spcPct val="100000"/>
-              </a:lnSpc>
-              <a:spcBef>
-                <a:spcPts val="360"/>
-              </a:spcBef>
-              <a:buClr>
-                <a:srgbClr val="008C4F"/>
-              </a:buClr>
-              <a:buSzPct val="80000"/>
-              <a:buFont typeface="Wingdings" charset="2"/>
-              <a:buChar char=""/>
-            </a:pPr>
-            <a:r>
-              <a:rPr lang="en-GB" sz="1800" b="0" strike="noStrike" spc="-1" dirty="0">
-                <a:solidFill>
-                  <a:srgbClr val="000000"/>
-                </a:solidFill>
-                <a:latin typeface="DejaVu Sans"/>
-                <a:ea typeface="DejaVu Sans"/>
-              </a:rPr>
-              <a:t>Submission of </a:t>
-            </a:r>
-            <a:r>
-              <a:rPr lang="en-GB" sz="1800" b="1" strike="noStrike" spc="-1" dirty="0">
-                <a:solidFill>
-                  <a:srgbClr val="000000"/>
-                </a:solidFill>
-                <a:latin typeface="DejaVu Sans"/>
-                <a:ea typeface="DejaVu Sans"/>
-              </a:rPr>
-              <a:t>each</a:t>
-            </a:r>
-            <a:r>
-              <a:rPr lang="en-GB" sz="1800" b="0" strike="noStrike" spc="-1" dirty="0">
-                <a:solidFill>
-                  <a:srgbClr val="000000"/>
-                </a:solidFill>
-                <a:latin typeface="DejaVu Sans"/>
-                <a:ea typeface="DejaVu Sans"/>
-              </a:rPr>
-              <a:t> exercise is </a:t>
-            </a:r>
-            <a:r>
-              <a:rPr lang="en-GB" sz="1800" b="1" strike="noStrike" spc="-1" dirty="0">
-                <a:solidFill>
-                  <a:srgbClr val="000000"/>
-                </a:solidFill>
-                <a:latin typeface="DejaVu Sans"/>
-                <a:ea typeface="DejaVu Sans"/>
-              </a:rPr>
-              <a:t>mandatory</a:t>
-            </a:r>
-            <a:endParaRPr lang="en-GB" sz="1800" b="0" strike="noStrike" spc="-1" dirty="0">
-              <a:solidFill>
-                <a:srgbClr val="000000"/>
-              </a:solidFill>
-              <a:latin typeface="Arial"/>
-            </a:endParaRPr>
-          </a:p>
-          <a:p>
-            <a:pPr marL="195120" indent="-188640">
-              <a:lnSpc>
-                <a:spcPct val="100000"/>
-              </a:lnSpc>
-              <a:spcBef>
-                <a:spcPts val="360"/>
-              </a:spcBef>
-              <a:buClr>
-                <a:srgbClr val="008C4F"/>
-              </a:buClr>
-              <a:buSzPct val="80000"/>
-              <a:buFont typeface="Wingdings" charset="2"/>
-              <a:buChar char=""/>
-            </a:pPr>
-            <a:r>
-              <a:rPr lang="en-GB" sz="1800" b="0" strike="noStrike" spc="-1" dirty="0">
-                <a:solidFill>
-                  <a:srgbClr val="000000"/>
-                </a:solidFill>
-                <a:latin typeface="DejaVu Sans"/>
-                <a:ea typeface="DejaVu Sans"/>
-              </a:rPr>
-              <a:t>You pass by submitting an exercise – even if it is an empty page</a:t>
-            </a:r>
-            <a:endParaRPr lang="en-GB" sz="1800" b="0" strike="noStrike" spc="-1" dirty="0">
-              <a:solidFill>
-                <a:srgbClr val="000000"/>
-              </a:solidFill>
-              <a:latin typeface="Arial"/>
-            </a:endParaRPr>
-          </a:p>
-          <a:p>
-            <a:pPr marL="195120" indent="-188640">
-              <a:lnSpc>
-                <a:spcPct val="100000"/>
-              </a:lnSpc>
-              <a:spcBef>
-                <a:spcPts val="360"/>
-              </a:spcBef>
-              <a:buClr>
-                <a:srgbClr val="008C4F"/>
-              </a:buClr>
-              <a:buSzPct val="80000"/>
-              <a:buFont typeface="Wingdings" charset="2"/>
-              <a:buChar char=""/>
-            </a:pPr>
-            <a:r>
-              <a:rPr lang="en-GB" sz="1800" b="0" strike="noStrike" spc="-1" dirty="0">
-                <a:solidFill>
-                  <a:srgbClr val="000000"/>
-                </a:solidFill>
-                <a:latin typeface="DejaVu Sans"/>
-                <a:ea typeface="DejaVu Sans"/>
-              </a:rPr>
-              <a:t>You will receive feedback on your submission</a:t>
-            </a:r>
-            <a:endParaRPr lang="en-GB" sz="1800" b="0" strike="noStrike" spc="-1" dirty="0">
-              <a:solidFill>
-                <a:srgbClr val="000000"/>
-              </a:solidFill>
-              <a:latin typeface="Arial"/>
-            </a:endParaRPr>
-          </a:p>
-          <a:p>
-            <a:pPr marL="195120" indent="-188640">
-              <a:lnSpc>
-                <a:spcPct val="100000"/>
-              </a:lnSpc>
-              <a:spcBef>
-                <a:spcPts val="360"/>
-              </a:spcBef>
-              <a:buClr>
-                <a:srgbClr val="008C4F"/>
-              </a:buClr>
-              <a:buSzPct val="80000"/>
-              <a:buFont typeface="Wingdings" charset="2"/>
-              <a:buChar char=""/>
-            </a:pPr>
-            <a:r>
-              <a:rPr lang="en-GB" sz="1800" b="0" strike="noStrike" spc="-1" dirty="0">
-                <a:solidFill>
-                  <a:srgbClr val="000000"/>
-                </a:solidFill>
-                <a:latin typeface="DejaVu Sans"/>
-                <a:ea typeface="DejaVu Sans"/>
-              </a:rPr>
-              <a:t>Exercise = learning feedback</a:t>
-            </a:r>
-            <a:endParaRPr lang="en-GB" sz="1800" b="0" strike="noStrike" spc="-1" dirty="0">
-              <a:solidFill>
-                <a:srgbClr val="000000"/>
-              </a:solidFill>
-              <a:latin typeface="Arial"/>
-            </a:endParaRPr>
-          </a:p>
-          <a:p>
-            <a:pPr>
-              <a:lnSpc>
-                <a:spcPct val="100000"/>
-              </a:lnSpc>
-              <a:spcBef>
-                <a:spcPts val="360"/>
-              </a:spcBef>
-            </a:pPr>
-            <a:endParaRPr lang="en-GB" sz="1800" b="0" strike="noStrike" spc="-1" dirty="0">
-              <a:solidFill>
-                <a:srgbClr val="000000"/>
-              </a:solidFill>
-              <a:latin typeface="Arial"/>
-            </a:endParaRPr>
-          </a:p>
-          <a:p>
-            <a:pPr marL="195120" indent="-188640">
-              <a:lnSpc>
-                <a:spcPct val="100000"/>
-              </a:lnSpc>
-              <a:spcBef>
-                <a:spcPts val="360"/>
-              </a:spcBef>
-              <a:buClr>
-                <a:srgbClr val="008C4F"/>
-              </a:buClr>
-              <a:buSzPct val="80000"/>
-              <a:buFont typeface="Wingdings" charset="2"/>
-              <a:buChar char=""/>
-            </a:pPr>
-            <a:r>
-              <a:rPr lang="en-GB" sz="1800" b="0" strike="noStrike" spc="-1" dirty="0">
-                <a:solidFill>
-                  <a:srgbClr val="000000"/>
-                </a:solidFill>
-                <a:latin typeface="DejaVu Sans"/>
-                <a:ea typeface="DejaVu Sans"/>
-              </a:rPr>
-              <a:t>Bonus task:</a:t>
-            </a:r>
-            <a:endParaRPr lang="en-GB" sz="1800" b="0" strike="noStrike" spc="-1" dirty="0">
-              <a:solidFill>
-                <a:srgbClr val="000000"/>
-              </a:solidFill>
-              <a:latin typeface="Arial"/>
-            </a:endParaRPr>
-          </a:p>
-          <a:p>
-            <a:pPr marL="744120" lvl="1" indent="-280440">
-              <a:lnSpc>
-                <a:spcPct val="100000"/>
-              </a:lnSpc>
-              <a:spcBef>
-                <a:spcPts val="360"/>
-              </a:spcBef>
-              <a:buClr>
-                <a:srgbClr val="008C4F"/>
-              </a:buClr>
-              <a:buSzPct val="80000"/>
-              <a:buFont typeface="Walbaum Display Light"/>
-              <a:buChar char="—"/>
-            </a:pPr>
-            <a:r>
-              <a:rPr lang="en-GB" sz="1800" b="0" strike="noStrike" spc="-1" dirty="0">
-                <a:solidFill>
-                  <a:srgbClr val="000000"/>
-                </a:solidFill>
-                <a:latin typeface="DejaVu Sans"/>
-                <a:ea typeface="DejaVu Sans"/>
-              </a:rPr>
-              <a:t>Form groups of 2 or more people</a:t>
-            </a:r>
-            <a:endParaRPr lang="en-GB" sz="1800" b="0" strike="noStrike" spc="-1" dirty="0">
-              <a:solidFill>
-                <a:srgbClr val="000000"/>
-              </a:solidFill>
-              <a:latin typeface="Arial"/>
-            </a:endParaRPr>
-          </a:p>
-          <a:p>
-            <a:pPr marL="744120" lvl="1" indent="-280440">
-              <a:lnSpc>
-                <a:spcPct val="100000"/>
-              </a:lnSpc>
-              <a:spcBef>
-                <a:spcPts val="360"/>
-              </a:spcBef>
-              <a:buClr>
-                <a:srgbClr val="008C4F"/>
-              </a:buClr>
-              <a:buSzPct val="80000"/>
-              <a:buFont typeface="Walbaum Display Light"/>
-              <a:buChar char="—"/>
-            </a:pPr>
-            <a:r>
-              <a:rPr lang="en-GB" sz="1800" b="0" strike="noStrike" spc="-1" dirty="0">
-                <a:solidFill>
-                  <a:srgbClr val="000000"/>
-                </a:solidFill>
-                <a:latin typeface="DejaVu Sans"/>
-                <a:ea typeface="DejaVu Sans"/>
-              </a:rPr>
-              <a:t>Come up with a great idea that revolves around sustainability in general</a:t>
-            </a:r>
-            <a:endParaRPr lang="en-GB" sz="1800" b="0" strike="noStrike" spc="-1" dirty="0">
-              <a:solidFill>
-                <a:srgbClr val="000000"/>
-              </a:solidFill>
-              <a:latin typeface="Arial"/>
-            </a:endParaRPr>
-          </a:p>
-          <a:p>
-            <a:pPr marL="744120" lvl="1" indent="-280440">
-              <a:lnSpc>
-                <a:spcPct val="100000"/>
-              </a:lnSpc>
-              <a:spcBef>
-                <a:spcPts val="360"/>
-              </a:spcBef>
-              <a:buClr>
-                <a:srgbClr val="008C4F"/>
-              </a:buClr>
-              <a:buSzPct val="80000"/>
-              <a:buFont typeface="Walbaum Display Light"/>
-              <a:buChar char="—"/>
-            </a:pPr>
-            <a:r>
-              <a:rPr lang="en-GB" sz="1800" b="0" strike="noStrike" spc="-1" dirty="0">
-                <a:solidFill>
-                  <a:srgbClr val="000000"/>
-                </a:solidFill>
-                <a:latin typeface="DejaVu Sans"/>
-                <a:ea typeface="DejaVu Sans"/>
-              </a:rPr>
-              <a:t>Push the idea as far as possible throughout the semester</a:t>
-            </a:r>
-            <a:endParaRPr lang="en-GB" sz="1800" b="0" strike="noStrike" spc="-1" dirty="0">
-              <a:solidFill>
-                <a:srgbClr val="000000"/>
-              </a:solidFill>
-              <a:latin typeface="Arial"/>
-            </a:endParaRPr>
-          </a:p>
-          <a:p>
-            <a:pPr marL="744120" lvl="1" indent="-280440">
-              <a:lnSpc>
-                <a:spcPct val="100000"/>
-              </a:lnSpc>
-              <a:spcBef>
-                <a:spcPts val="360"/>
-              </a:spcBef>
-              <a:buClr>
-                <a:srgbClr val="008C4F"/>
-              </a:buClr>
-              <a:buSzPct val="80000"/>
-              <a:buFont typeface="Walbaum Display Light"/>
-              <a:buChar char="—"/>
-            </a:pPr>
-            <a:r>
-              <a:rPr lang="en-GB" sz="1800" b="0" strike="noStrike" spc="-1" dirty="0">
-                <a:solidFill>
-                  <a:srgbClr val="000000"/>
-                </a:solidFill>
-                <a:latin typeface="DejaVu Sans"/>
-                <a:ea typeface="DejaVu Sans"/>
-              </a:rPr>
-              <a:t>Record a 60s video explaining your idea and what you did throughout the semester</a:t>
-            </a:r>
-            <a:endParaRPr lang="en-GB" sz="1800" b="0" strike="noStrike" spc="-1" dirty="0">
-              <a:solidFill>
-                <a:srgbClr val="000000"/>
-              </a:solidFill>
-              <a:latin typeface="Arial"/>
-            </a:endParaRPr>
-          </a:p>
-          <a:p>
-            <a:pPr marL="744120" lvl="1" indent="-280440">
-              <a:lnSpc>
-                <a:spcPct val="100000"/>
-              </a:lnSpc>
-              <a:spcBef>
-                <a:spcPts val="360"/>
-              </a:spcBef>
-              <a:buClr>
-                <a:srgbClr val="008C4F"/>
-              </a:buClr>
-              <a:buSzPct val="80000"/>
-              <a:buFont typeface="Walbaum Display Light"/>
-              <a:buChar char="—"/>
-            </a:pPr>
-            <a:r>
-              <a:rPr lang="en-GB" sz="1800" b="0" strike="noStrike" spc="-1" dirty="0">
-                <a:solidFill>
-                  <a:srgbClr val="000000"/>
-                </a:solidFill>
-                <a:latin typeface="DejaVu Sans"/>
-                <a:ea typeface="DejaVu Sans"/>
-              </a:rPr>
-              <a:t>Selection of the 5 best ideas → bonus points for the exam (e.g., better grade – instead of 2.0 → 1.7 or something similar)</a:t>
-            </a:r>
-            <a:endParaRPr lang="en-GB" sz="1800" b="0" strike="noStrike" spc="-1" dirty="0">
-              <a:solidFill>
-                <a:srgbClr val="000000"/>
-              </a:solidFill>
-              <a:latin typeface="Arial"/>
-            </a:endParaRPr>
-          </a:p>
-          <a:p>
-            <a:pPr marL="360" algn="ctr">
-              <a:lnSpc>
-                <a:spcPct val="100000"/>
-              </a:lnSpc>
-              <a:spcBef>
-                <a:spcPts val="360"/>
-              </a:spcBef>
-            </a:pPr>
-            <a:endParaRPr lang="en-GB" sz="1800" b="0" strike="noStrike" spc="-1" dirty="0">
-              <a:solidFill>
-                <a:srgbClr val="000000"/>
-              </a:solidFill>
-              <a:latin typeface="Arial"/>
-            </a:endParaRPr>
-          </a:p>
-          <a:p>
-            <a:pPr marL="360" algn="ctr">
-              <a:lnSpc>
-                <a:spcPct val="100000"/>
-              </a:lnSpc>
-              <a:spcBef>
-                <a:spcPts val="360"/>
-              </a:spcBef>
-            </a:pPr>
-            <a:endParaRPr lang="en-GB" sz="1800" b="0" strike="noStrike" spc="-1" dirty="0">
-              <a:solidFill>
-                <a:srgbClr val="000000"/>
-              </a:solidFill>
-              <a:latin typeface="Arial"/>
-            </a:endParaRPr>
-          </a:p>
-          <a:p>
-            <a:pPr marL="360" algn="ctr">
-              <a:lnSpc>
-                <a:spcPct val="100000"/>
-              </a:lnSpc>
-              <a:spcBef>
-                <a:spcPts val="360"/>
-              </a:spcBef>
-            </a:pPr>
-            <a:r>
-              <a:rPr lang="en-GB" sz="1800" b="1" strike="noStrike" spc="-1" dirty="0">
-                <a:solidFill>
-                  <a:srgbClr val="FFFFFF"/>
-                </a:solidFill>
-                <a:latin typeface="DejaVu Sans"/>
-                <a:ea typeface="DejaVu Sans"/>
-              </a:rPr>
-              <a:t>More info on points, percentages, etc. follow on the next slides (Examination)</a:t>
-            </a:r>
-            <a:endParaRPr lang="en-GB" sz="1800" b="0" strike="noStrike" spc="-1" dirty="0">
-              <a:solidFill>
-                <a:srgbClr val="000000"/>
-              </a:solidFill>
-              <a:latin typeface="Arial"/>
-            </a:endParaRPr>
-          </a:p>
-        </p:txBody>
-      </p:sp>
-    </p:spTree>
-  </p:cSld>
-  <p:clrMapOvr>
-    <a:masterClrMapping/>
-  </p:clrMapOvr>
-</p:sld>
-</file>
-
-<file path=ppt/slides/slide14.xml><?xml version="1.0" encoding="utf-8"?>
+<file path=ppt/slides/slide15.xml><?xml version="1.0" encoding="utf-8"?>
 <p:sld xmlns:a="http://schemas.openxmlformats.org/drawingml/2006/main" xmlns:r="http://schemas.openxmlformats.org/officeDocument/2006/relationships" xmlns:p="http://schemas.openxmlformats.org/presentationml/2006/main">
   <p:cSld>
     <p:spTree>
@@ -9918,19 +7363,22 @@
               </a:lnSpc>
             </a:pPr>
             <a:r>
-              <a:rPr lang="en-GB" sz="2400" b="1" strike="noStrike" spc="-1">
-                <a:solidFill>
-                  <a:srgbClr val="000000"/>
-                </a:solidFill>
-                <a:latin typeface="DejaVu Sans"/>
-                <a:ea typeface="DejaVu Sans"/>
-              </a:rPr>
-              <a:t>Examination</a:t>
-            </a:r>
-            <a:endParaRPr lang="en-GB" sz="2400" b="0" strike="noStrike" spc="-1">
-              <a:solidFill>
-                <a:srgbClr val="000000"/>
-              </a:solidFill>
+              <a:rPr lang="en-GB" sz="2400" b="1" strike="noStrike" spc="-1" dirty="0">
+                <a:solidFill>
+                  <a:srgbClr val="000000"/>
+                </a:solidFill>
+                <a:latin typeface="DejaVu Sans"/>
+                <a:ea typeface="DejaVu Sans"/>
+              </a:rPr>
+              <a:t>Examination – </a:t>
+            </a:r>
+            <a:endParaRPr lang="en-GB" sz="2400" b="0" strike="noStrike" spc="-1" dirty="0">
+              <a:solidFill>
+                <a:srgbClr val="000000"/>
+              </a:solidFill>
+              <a:highlight>
+                <a:srgbClr val="FFFF00"/>
+              </a:highlight>
               <a:latin typeface="Arial"/>
             </a:endParaRPr>
           </a:p>
@@ -10161,12 +7609,6 @@
               </a:rPr>
               <a:t> oral examination (20-25min)</a:t>
             </a:r>
-            <a:endParaRPr lang="en-GB" sz="1800" b="0" strike="noStrike" spc="-1" dirty="0">
-              <a:solidFill>
-                <a:srgbClr val="000000"/>
-              </a:solidFill>
-              <a:latin typeface="Arial"/>
-            </a:endParaRPr>
           </a:p>
           <a:p>
             <a:pPr marL="744120" lvl="1" indent="-280440">
@@ -10184,25 +7626,18 @@
               <a:buChar char="—"/>
             </a:pPr>
             <a:r>
-              <a:rPr lang="en-US" sz="1800" b="0" strike="noStrike" spc="-1" dirty="0">
-                <a:solidFill>
-                  <a:srgbClr val="000000"/>
-                </a:solidFill>
-                <a:highlight>
-                  <a:srgbClr val="FFFF00"/>
-                </a:highlight>
-                <a:latin typeface="DejaVu Sans"/>
-                <a:ea typeface="DejaVu Sans"/>
-              </a:rPr>
-              <a:t>Online vs. lecture room examination → depends on the pandemic and the number of students </a:t>
+              <a:rPr lang="en-US" spc="-1" dirty="0">
+                <a:solidFill>
+                  <a:srgbClr val="000000"/>
+                </a:solidFill>
+                <a:latin typeface="DejaVu Sans"/>
+              </a:rPr>
+              <a:t>More Information in the next weeks</a:t>
             </a:r>
             <a:endParaRPr lang="en-GB" sz="1800" b="0" strike="noStrike" spc="-1" dirty="0">
               <a:solidFill>
                 <a:srgbClr val="000000"/>
               </a:solidFill>
-              <a:highlight>
-                <a:srgbClr val="FFFF00"/>
-              </a:highlight>
               <a:latin typeface="Arial"/>
             </a:endParaRPr>
           </a:p>
@@ -10216,7 +7651,7 @@
 </p:sld>
 </file>
 
-<file path=ppt/slides/slide15.xml><?xml version="1.0" encoding="utf-8"?>
+<file path=ppt/slides/slide16.xml><?xml version="1.0" encoding="utf-8"?>
 <p:sld xmlns:a="http://schemas.openxmlformats.org/drawingml/2006/main" xmlns:r="http://schemas.openxmlformats.org/officeDocument/2006/relationships" xmlns:p="http://schemas.openxmlformats.org/presentationml/2006/main">
   <p:cSld>
     <p:spTree>
@@ -10542,7 +7977,7 @@
 </p:sld>
 </file>
 
-<file path=ppt/slides/slide16.xml><?xml version="1.0" encoding="utf-8"?>
+<file path=ppt/slides/slide17.xml><?xml version="1.0" encoding="utf-8"?>
 <p:sld xmlns:a="http://schemas.openxmlformats.org/drawingml/2006/main" xmlns:r="http://schemas.openxmlformats.org/officeDocument/2006/relationships" xmlns:p="http://schemas.openxmlformats.org/presentationml/2006/main">
   <p:cSld>
     <p:spTree>
@@ -11242,7 +8677,7 @@
 </p:sld>
 </file>
 
-<file path=ppt/slides/slide17.xml><?xml version="1.0" encoding="utf-8"?>
+<file path=ppt/slides/slide18.xml><?xml version="1.0" encoding="utf-8"?>
 <p:sld xmlns:a="http://schemas.openxmlformats.org/drawingml/2006/main" xmlns:r="http://schemas.openxmlformats.org/officeDocument/2006/relationships" xmlns:p="http://schemas.openxmlformats.org/presentationml/2006/main">
   <p:cSld>
     <p:spTree>
@@ -11522,7 +8957,7 @@
 </p:sld>
 </file>
 
-<file path=ppt/slides/slide18.xml><?xml version="1.0" encoding="utf-8"?>
+<file path=ppt/slides/slide19.xml><?xml version="1.0" encoding="utf-8"?>
 <p:sld xmlns:a="http://schemas.openxmlformats.org/drawingml/2006/main" xmlns:r="http://schemas.openxmlformats.org/officeDocument/2006/relationships" xmlns:p="http://schemas.openxmlformats.org/presentationml/2006/main">
   <p:cSld>
     <p:spTree>
@@ -11978,144 +9413,6 @@
               </a:rPr>
               <a:t>)</a:t>
             </a:r>
-            <a:endParaRPr lang="en-GB" sz="1800" b="0" strike="noStrike" spc="-1">
-              <a:solidFill>
-                <a:srgbClr val="000000"/>
-              </a:solidFill>
-              <a:latin typeface="Arial"/>
-            </a:endParaRPr>
-          </a:p>
-        </p:txBody>
-      </p:sp>
-    </p:spTree>
-  </p:cSld>
-  <p:clrMapOvr>
-    <a:masterClrMapping/>
-  </p:clrMapOvr>
-</p:sld>
-</file>
-
-<file path=ppt/slides/slide19.xml><?xml version="1.0" encoding="utf-8"?>
-<p:sld xmlns:a="http://schemas.openxmlformats.org/drawingml/2006/main" xmlns:r="http://schemas.openxmlformats.org/officeDocument/2006/relationships" xmlns:p="http://schemas.openxmlformats.org/presentationml/2006/main">
-  <p:cSld>
-    <p:spTree>
-      <p:nvGrpSpPr>
-        <p:cNvPr id="1" name=""/>
-        <p:cNvGrpSpPr/>
-        <p:nvPr/>
-      </p:nvGrpSpPr>
-      <p:grpSpPr>
-        <a:xfrm>
-          <a:off x="0" y="0"/>
-          <a:ext cx="0" cy="0"/>
-          <a:chOff x="0" y="0"/>
-          <a:chExt cx="0" cy="0"/>
-        </a:xfrm>
-      </p:grpSpPr>
-      <p:sp>
-        <p:nvSpPr>
-          <p:cNvPr id="144" name="CustomShape 1"/>
-          <p:cNvSpPr/>
-          <p:nvPr/>
-        </p:nvSpPr>
-        <p:spPr>
-          <a:xfrm>
-            <a:off x="335520" y="1268640"/>
-            <a:ext cx="10745640" cy="5033160"/>
-          </a:xfrm>
-          <a:prstGeom prst="rect">
-            <a:avLst/>
-          </a:prstGeom>
-          <a:noFill/>
-          <a:ln w="0">
-            <a:noFill/>
-          </a:ln>
-        </p:spPr>
-        <p:style>
-          <a:lnRef idx="0">
-            <a:scrgbClr r="0" g="0" b="0"/>
-          </a:lnRef>
-          <a:fillRef idx="0">
-            <a:scrgbClr r="0" g="0" b="0"/>
-          </a:fillRef>
-          <a:effectRef idx="0">
-            <a:scrgbClr r="0" g="0" b="0"/>
-          </a:effectRef>
-          <a:fontRef idx="minor"/>
-        </p:style>
-        <p:txBody>
-          <a:bodyPr lIns="90000" tIns="45000" rIns="90000" bIns="45000" anchor="ctr">
-            <a:noAutofit/>
-          </a:bodyPr>
-          <a:lstStyle/>
-          <a:p>
-            <a:pPr algn="ctr">
-              <a:lnSpc>
-                <a:spcPct val="100000"/>
-              </a:lnSpc>
-              <a:spcBef>
-                <a:spcPts val="799"/>
-              </a:spcBef>
-              <a:tabLst>
-                <a:tab pos="0" algn="l"/>
-              </a:tabLst>
-            </a:pPr>
-            <a:r>
-              <a:rPr lang="en-US" sz="4000" b="1" strike="noStrike" spc="-1">
-                <a:solidFill>
-                  <a:srgbClr val="000000"/>
-                </a:solidFill>
-                <a:latin typeface="DejaVu Sans"/>
-                <a:ea typeface="DejaVu Sans"/>
-              </a:rPr>
-              <a:t>Questions?</a:t>
-            </a:r>
-            <a:endParaRPr lang="en-GB" sz="4000" b="0" strike="noStrike" spc="-1">
-              <a:solidFill>
-                <a:srgbClr val="000000"/>
-              </a:solidFill>
-              <a:latin typeface="Arial"/>
-            </a:endParaRPr>
-          </a:p>
-        </p:txBody>
-      </p:sp>
-      <p:sp>
-        <p:nvSpPr>
-          <p:cNvPr id="145" name="CustomShape 2"/>
-          <p:cNvSpPr/>
-          <p:nvPr/>
-        </p:nvSpPr>
-        <p:spPr>
-          <a:xfrm>
-            <a:off x="335520" y="764640"/>
-            <a:ext cx="10745640" cy="496440"/>
-          </a:xfrm>
-          <a:prstGeom prst="rect">
-            <a:avLst/>
-          </a:prstGeom>
-          <a:noFill/>
-          <a:ln w="0">
-            <a:noFill/>
-          </a:ln>
-        </p:spPr>
-        <p:style>
-          <a:lnRef idx="0">
-            <a:scrgbClr r="0" g="0" b="0"/>
-          </a:lnRef>
-          <a:fillRef idx="0">
-            <a:scrgbClr r="0" g="0" b="0"/>
-          </a:fillRef>
-          <a:effectRef idx="0">
-            <a:scrgbClr r="0" g="0" b="0"/>
-          </a:effectRef>
-          <a:fontRef idx="minor"/>
-        </p:style>
-        <p:txBody>
-          <a:bodyPr lIns="90000" tIns="45000" rIns="90000" bIns="45000" anchor="t">
-            <a:noAutofit/>
-          </a:bodyPr>
-          <a:lstStyle/>
-          <a:p>
             <a:endParaRPr lang="en-GB" sz="1800" b="0" strike="noStrike" spc="-1">
               <a:solidFill>
                 <a:srgbClr val="000000"/>
@@ -12413,6 +9710,144 @@
                 <a:spcPts val="360"/>
               </a:spcBef>
             </a:pPr>
+            <a:endParaRPr lang="en-GB" sz="1800" b="0" strike="noStrike" spc="-1">
+              <a:solidFill>
+                <a:srgbClr val="000000"/>
+              </a:solidFill>
+              <a:latin typeface="Arial"/>
+            </a:endParaRPr>
+          </a:p>
+        </p:txBody>
+      </p:sp>
+    </p:spTree>
+  </p:cSld>
+  <p:clrMapOvr>
+    <a:masterClrMapping/>
+  </p:clrMapOvr>
+</p:sld>
+</file>
+
+<file path=ppt/slides/slide20.xml><?xml version="1.0" encoding="utf-8"?>
+<p:sld xmlns:a="http://schemas.openxmlformats.org/drawingml/2006/main" xmlns:r="http://schemas.openxmlformats.org/officeDocument/2006/relationships" xmlns:p="http://schemas.openxmlformats.org/presentationml/2006/main">
+  <p:cSld>
+    <p:spTree>
+      <p:nvGrpSpPr>
+        <p:cNvPr id="1" name=""/>
+        <p:cNvGrpSpPr/>
+        <p:nvPr/>
+      </p:nvGrpSpPr>
+      <p:grpSpPr>
+        <a:xfrm>
+          <a:off x="0" y="0"/>
+          <a:ext cx="0" cy="0"/>
+          <a:chOff x="0" y="0"/>
+          <a:chExt cx="0" cy="0"/>
+        </a:xfrm>
+      </p:grpSpPr>
+      <p:sp>
+        <p:nvSpPr>
+          <p:cNvPr id="144" name="CustomShape 1"/>
+          <p:cNvSpPr/>
+          <p:nvPr/>
+        </p:nvSpPr>
+        <p:spPr>
+          <a:xfrm>
+            <a:off x="335520" y="1268640"/>
+            <a:ext cx="10745640" cy="5033160"/>
+          </a:xfrm>
+          <a:prstGeom prst="rect">
+            <a:avLst/>
+          </a:prstGeom>
+          <a:noFill/>
+          <a:ln w="0">
+            <a:noFill/>
+          </a:ln>
+        </p:spPr>
+        <p:style>
+          <a:lnRef idx="0">
+            <a:scrgbClr r="0" g="0" b="0"/>
+          </a:lnRef>
+          <a:fillRef idx="0">
+            <a:scrgbClr r="0" g="0" b="0"/>
+          </a:fillRef>
+          <a:effectRef idx="0">
+            <a:scrgbClr r="0" g="0" b="0"/>
+          </a:effectRef>
+          <a:fontRef idx="minor"/>
+        </p:style>
+        <p:txBody>
+          <a:bodyPr lIns="90000" tIns="45000" rIns="90000" bIns="45000" anchor="ctr">
+            <a:noAutofit/>
+          </a:bodyPr>
+          <a:lstStyle/>
+          <a:p>
+            <a:pPr algn="ctr">
+              <a:lnSpc>
+                <a:spcPct val="100000"/>
+              </a:lnSpc>
+              <a:spcBef>
+                <a:spcPts val="799"/>
+              </a:spcBef>
+              <a:tabLst>
+                <a:tab pos="0" algn="l"/>
+              </a:tabLst>
+            </a:pPr>
+            <a:r>
+              <a:rPr lang="en-US" sz="4000" b="1" strike="noStrike" spc="-1">
+                <a:solidFill>
+                  <a:srgbClr val="000000"/>
+                </a:solidFill>
+                <a:latin typeface="DejaVu Sans"/>
+                <a:ea typeface="DejaVu Sans"/>
+              </a:rPr>
+              <a:t>Questions?</a:t>
+            </a:r>
+            <a:endParaRPr lang="en-GB" sz="4000" b="0" strike="noStrike" spc="-1">
+              <a:solidFill>
+                <a:srgbClr val="000000"/>
+              </a:solidFill>
+              <a:latin typeface="Arial"/>
+            </a:endParaRPr>
+          </a:p>
+        </p:txBody>
+      </p:sp>
+      <p:sp>
+        <p:nvSpPr>
+          <p:cNvPr id="145" name="CustomShape 2"/>
+          <p:cNvSpPr/>
+          <p:nvPr/>
+        </p:nvSpPr>
+        <p:spPr>
+          <a:xfrm>
+            <a:off x="335520" y="764640"/>
+            <a:ext cx="10745640" cy="496440"/>
+          </a:xfrm>
+          <a:prstGeom prst="rect">
+            <a:avLst/>
+          </a:prstGeom>
+          <a:noFill/>
+          <a:ln w="0">
+            <a:noFill/>
+          </a:ln>
+        </p:spPr>
+        <p:style>
+          <a:lnRef idx="0">
+            <a:scrgbClr r="0" g="0" b="0"/>
+          </a:lnRef>
+          <a:fillRef idx="0">
+            <a:scrgbClr r="0" g="0" b="0"/>
+          </a:fillRef>
+          <a:effectRef idx="0">
+            <a:scrgbClr r="0" g="0" b="0"/>
+          </a:effectRef>
+          <a:fontRef idx="minor"/>
+        </p:style>
+        <p:txBody>
+          <a:bodyPr lIns="90000" tIns="45000" rIns="90000" bIns="45000" anchor="t">
+            <a:noAutofit/>
+          </a:bodyPr>
+          <a:lstStyle/>
+          <a:p>
             <a:endParaRPr lang="en-GB" sz="1800" b="0" strike="noStrike" spc="-1">
               <a:solidFill>
                 <a:srgbClr val="000000"/>
@@ -13285,20 +10720,7 @@
                 <a:latin typeface="DejaVu Sans"/>
                 <a:ea typeface="DejaVu Sans"/>
               </a:rPr>
-              <a:t>SS – </a:t>
-            </a:r>
-            <a:r>
-              <a:rPr lang="en-US" sz="1800" b="0" strike="noStrike" spc="-1" dirty="0">
-                <a:solidFill>
-                  <a:srgbClr val="000000"/>
-                </a:solidFill>
-                <a:highlight>
-                  <a:srgbClr val="FFFF00"/>
-                </a:highlight>
-                <a:latin typeface="DejaVu Sans"/>
-                <a:ea typeface="DejaVu Sans"/>
-              </a:rPr>
-              <a:t>M.Sc.)</a:t>
+              <a:t>SS – M.Sc.)</a:t>
             </a:r>
           </a:p>
         </p:txBody>
@@ -15076,13 +12498,13 @@
       </p:grpSpPr>
       <p:sp>
         <p:nvSpPr>
-          <p:cNvPr id="124" name="CustomShape 1"/>
+          <p:cNvPr id="122" name="CustomShape 1"/>
           <p:cNvSpPr/>
           <p:nvPr/>
         </p:nvSpPr>
         <p:spPr>
           <a:xfrm>
-            <a:off x="335520" y="771840"/>
+            <a:off x="335520" y="764640"/>
             <a:ext cx="10745640" cy="496440"/>
           </a:xfrm>
           <a:prstGeom prst="rect">
@@ -15117,22 +12539,19 @@
               </a:lnSpc>
             </a:pPr>
             <a:r>
-              <a:rPr lang="en-US" sz="2400" b="1" strike="noStrike" spc="-1" dirty="0">
-                <a:solidFill>
-                  <a:srgbClr val="000000"/>
-                </a:solidFill>
-                <a:latin typeface="DejaVu Sans"/>
-                <a:ea typeface="DejaVu Sans"/>
-              </a:rPr>
-              <a:t>Course Organization</a:t>
-            </a:r>
-            <a:endParaRPr lang="en-GB" sz="2400" b="0" strike="noStrike" spc="-1" dirty="0">
-              <a:solidFill>
-                <a:srgbClr val="000000"/>
-              </a:solidFill>
-              <a:highlight>
-                <a:srgbClr val="FF0000"/>
-              </a:highlight>
+              <a:rPr lang="de-DE" sz="2400" b="1" strike="noStrike" spc="-1">
+                <a:solidFill>
+                  <a:srgbClr val="000000"/>
+                </a:solidFill>
+                <a:latin typeface="DejaVu Sans"/>
+                <a:ea typeface="DejaVu Sans"/>
+              </a:rPr>
+              <a:t>Lecture Plan</a:t>
+            </a:r>
+            <a:endParaRPr lang="en-GB" sz="2400" b="0" strike="noStrike" spc="-1">
+              <a:solidFill>
+                <a:srgbClr val="000000"/>
+              </a:solidFill>
               <a:latin typeface="Arial"/>
             </a:endParaRPr>
           </a:p>
@@ -15140,14 +12559,14 @@
       </p:sp>
       <p:sp>
         <p:nvSpPr>
-          <p:cNvPr id="125" name="CustomShape 2"/>
+          <p:cNvPr id="123" name="CustomShape 2"/>
           <p:cNvSpPr/>
           <p:nvPr/>
         </p:nvSpPr>
         <p:spPr>
           <a:xfrm>
-            <a:off x="335520" y="1268280"/>
-            <a:ext cx="10745640" cy="5033160"/>
+            <a:off x="335520" y="1380744"/>
+            <a:ext cx="10745640" cy="5093208"/>
           </a:xfrm>
           <a:prstGeom prst="rect">
             <a:avLst/>
@@ -15190,6 +12609,16 @@
               <a:buChar char=""/>
             </a:pPr>
             <a:r>
+              <a:rPr lang="en-US" spc="-1" dirty="0">
+                <a:solidFill>
+                  <a:srgbClr val="000000"/>
+                </a:solidFill>
+                <a:latin typeface="DejaVu Sans"/>
+                <a:ea typeface="DejaVu Sans"/>
+              </a:rPr>
+              <a:t>19</a:t>
+            </a:r>
+            <a:r>
               <a:rPr lang="en-US" sz="1800" b="0" strike="noStrike" spc="-1" dirty="0">
                 <a:solidFill>
                   <a:srgbClr val="000000"/>
@@ -15197,46 +12626,8 @@
                 <a:latin typeface="DejaVu Sans"/>
                 <a:ea typeface="DejaVu Sans"/>
               </a:rPr>
-              <a:t>Course website – </a:t>
-            </a:r>
-            <a:r>
-              <a:rPr lang="en-US" sz="1800" b="0" u="sng" strike="noStrike" spc="-1" dirty="0">
-                <a:solidFill>
-                  <a:srgbClr val="0000FF"/>
-                </a:solidFill>
-                <a:uFillTx/>
-                <a:latin typeface="DejaVu Sans"/>
-                <a:ea typeface="DejaVu Sans"/>
-                <a:hlinkClick r:id="rId2"/>
-              </a:rPr>
-              <a:t>Link</a:t>
-            </a:r>
-            <a:r>
-              <a:rPr lang="en-US" sz="1800" b="0" strike="noStrike" spc="-1" dirty="0">
-                <a:solidFill>
-                  <a:srgbClr val="000000"/>
-                </a:solidFill>
-                <a:latin typeface="DejaVu Sans"/>
-                <a:ea typeface="DejaVu Sans"/>
-              </a:rPr>
-              <a:t> </a:t>
-            </a:r>
-            <a:endParaRPr lang="en-GB" sz="1800" b="0" strike="noStrike" spc="-1" dirty="0">
-              <a:solidFill>
-                <a:srgbClr val="000000"/>
-              </a:solidFill>
-              <a:latin typeface="Arial"/>
-            </a:endParaRPr>
-          </a:p>
-          <a:p>
-            <a:pPr>
-              <a:lnSpc>
-                <a:spcPct val="100000"/>
-              </a:lnSpc>
-              <a:spcBef>
-                <a:spcPts val="360"/>
-              </a:spcBef>
-            </a:pPr>
+              <a:t>.04.2023 → Organization (L00) + Introduction (L01)</a:t>
+            </a:r>
             <a:endParaRPr lang="en-GB" sz="1800" b="0" strike="noStrike" spc="-1" dirty="0">
               <a:solidFill>
                 <a:srgbClr val="000000"/>
@@ -15260,173 +12651,43 @@
               <a:buChar char=""/>
             </a:pPr>
             <a:r>
-              <a:rPr lang="en-GB" sz="1800" b="0" strike="noStrike" spc="-1" dirty="0">
-                <a:solidFill>
-                  <a:srgbClr val="000000"/>
-                </a:solidFill>
-                <a:latin typeface="DejaVu Sans"/>
-                <a:ea typeface="DejaVu Sans"/>
-              </a:rPr>
-              <a:t>News and updates:</a:t>
-            </a:r>
-            <a:endParaRPr lang="en-GB" sz="1800" b="0" strike="noStrike" spc="-1" dirty="0">
-              <a:solidFill>
-                <a:srgbClr val="000000"/>
-              </a:solidFill>
-              <a:latin typeface="Arial"/>
-            </a:endParaRPr>
-          </a:p>
-          <a:p>
-            <a:pPr marL="432000" lvl="1" indent="-211320">
-              <a:lnSpc>
-                <a:spcPct val="100000"/>
-              </a:lnSpc>
-              <a:spcBef>
-                <a:spcPts val="360"/>
-              </a:spcBef>
-              <a:buClr>
-                <a:srgbClr val="008C4F"/>
-              </a:buClr>
-              <a:buSzPct val="45000"/>
-              <a:buFont typeface="OpenSymbol"/>
-              <a:buChar char="—"/>
-            </a:pPr>
-            <a:r>
-              <a:rPr lang="en-GB" sz="1800" b="0" strike="noStrike" spc="-1" dirty="0">
-                <a:solidFill>
-                  <a:srgbClr val="000000"/>
-                </a:solidFill>
-                <a:latin typeface="DejaVu Sans"/>
-                <a:ea typeface="DejaVu Sans"/>
-              </a:rPr>
-              <a:t>CLZ students + </a:t>
-            </a:r>
-            <a:r>
-              <a:rPr lang="en-GB" sz="1800" b="0" strike="noStrike" spc="-1" dirty="0" err="1">
-                <a:solidFill>
-                  <a:srgbClr val="000000"/>
-                </a:solidFill>
-                <a:latin typeface="DejaVu Sans"/>
-                <a:ea typeface="DejaVu Sans"/>
-              </a:rPr>
-              <a:t>DigiTec</a:t>
-            </a:r>
-            <a:r>
-              <a:rPr lang="en-GB" sz="1800" b="0" strike="noStrike" spc="-1" dirty="0">
-                <a:solidFill>
-                  <a:srgbClr val="000000"/>
-                </a:solidFill>
-                <a:latin typeface="DejaVu Sans"/>
-                <a:ea typeface="DejaVu Sans"/>
-              </a:rPr>
-              <a:t>: </a:t>
-            </a:r>
-            <a:r>
-              <a:rPr lang="en-GB" sz="1800" b="0" strike="noStrike" spc="-1" dirty="0" err="1">
-                <a:solidFill>
-                  <a:srgbClr val="000000"/>
-                </a:solidFill>
-                <a:latin typeface="DejaVu Sans"/>
-                <a:ea typeface="DejaVu Sans"/>
-              </a:rPr>
-              <a:t>StudIP</a:t>
-            </a:r>
-            <a:r>
-              <a:rPr lang="en-GB" sz="1800" b="0" strike="noStrike" spc="-1" dirty="0">
-                <a:solidFill>
-                  <a:srgbClr val="000000"/>
-                </a:solidFill>
-                <a:latin typeface="DejaVu Sans"/>
-                <a:ea typeface="DejaVu Sans"/>
-              </a:rPr>
-              <a:t> (</a:t>
-            </a:r>
-            <a:r>
-              <a:rPr lang="en-GB" sz="1800" b="0" u="sng" strike="noStrike" spc="-1" dirty="0">
-                <a:solidFill>
-                  <a:srgbClr val="0000FF"/>
-                </a:solidFill>
-                <a:uFillTx/>
-                <a:latin typeface="DejaVu Sans"/>
-                <a:ea typeface="DejaVu Sans"/>
-                <a:hlinkClick r:id="rId3"/>
-              </a:rPr>
-              <a:t>Link</a:t>
-            </a:r>
-            <a:r>
-              <a:rPr lang="en-GB" sz="1800" b="0" strike="noStrike" spc="-1" dirty="0">
-                <a:solidFill>
-                  <a:srgbClr val="000000"/>
-                </a:solidFill>
-                <a:latin typeface="DejaVu Sans"/>
-                <a:ea typeface="DejaVu Sans"/>
-              </a:rPr>
-              <a:t>)</a:t>
-            </a:r>
-            <a:endParaRPr lang="en-GB" sz="1800" b="0" strike="noStrike" spc="-1" dirty="0">
-              <a:solidFill>
-                <a:srgbClr val="000000"/>
-              </a:solidFill>
-              <a:latin typeface="Arial"/>
-            </a:endParaRPr>
-          </a:p>
-          <a:p>
-            <a:pPr marL="432000" lvl="1" indent="-211320">
-              <a:lnSpc>
-                <a:spcPct val="100000"/>
-              </a:lnSpc>
-              <a:spcBef>
-                <a:spcPts val="360"/>
-              </a:spcBef>
-              <a:buClr>
-                <a:srgbClr val="008C4F"/>
-              </a:buClr>
-              <a:buSzPct val="45000"/>
-              <a:buFont typeface="OpenSymbol"/>
-              <a:buChar char="—"/>
-            </a:pPr>
-            <a:r>
-              <a:rPr lang="en-GB" sz="1800" b="0" strike="noStrike" spc="-1" dirty="0">
-                <a:solidFill>
-                  <a:srgbClr val="000000"/>
-                </a:solidFill>
-                <a:latin typeface="DejaVu Sans"/>
-                <a:ea typeface="DejaVu Sans"/>
-              </a:rPr>
-              <a:t>Everyone else: </a:t>
-            </a:r>
-            <a:r>
-              <a:rPr lang="en-GB" sz="1800" b="0" strike="noStrike" spc="-1" dirty="0">
-                <a:solidFill>
-                  <a:srgbClr val="000000"/>
-                </a:solidFill>
-                <a:highlight>
-                  <a:srgbClr val="FFFF00"/>
-                </a:highlight>
-                <a:latin typeface="DejaVu Sans"/>
-                <a:ea typeface="DejaVu Sans"/>
-              </a:rPr>
-              <a:t>MATRIX</a:t>
-            </a:r>
-            <a:endParaRPr lang="en-GB" sz="1800" b="0" strike="noStrike" spc="-1" dirty="0">
-              <a:solidFill>
-                <a:srgbClr val="000000"/>
-              </a:solidFill>
-              <a:highlight>
-                <a:srgbClr val="FFFF00"/>
-              </a:highlight>
-              <a:latin typeface="Arial"/>
-            </a:endParaRPr>
-          </a:p>
-          <a:p>
-            <a:pPr>
-              <a:lnSpc>
-                <a:spcPct val="100000"/>
-              </a:lnSpc>
-              <a:spcBef>
-                <a:spcPts val="360"/>
-              </a:spcBef>
-            </a:pPr>
+              <a:rPr lang="en-US" spc="-1" dirty="0">
+                <a:solidFill>
+                  <a:srgbClr val="000000"/>
+                </a:solidFill>
+                <a:latin typeface="DejaVu Sans"/>
+              </a:rPr>
+              <a:t>26.04.2023 </a:t>
+            </a:r>
+            <a:r>
+              <a:rPr lang="en-US" sz="1800" b="0" strike="noStrike" spc="-1" dirty="0">
+                <a:solidFill>
+                  <a:srgbClr val="000000"/>
+                </a:solidFill>
+                <a:latin typeface="DejaVu Sans"/>
+                <a:ea typeface="DejaVu Sans"/>
+              </a:rPr>
+              <a:t>→ </a:t>
+            </a:r>
+            <a:r>
+              <a:rPr lang="en-US" spc="-1" dirty="0">
+                <a:solidFill>
+                  <a:srgbClr val="000000"/>
+                </a:solidFill>
+                <a:latin typeface="DejaVu Sans"/>
+              </a:rPr>
+              <a:t>Challenges I: Climate Change (</a:t>
+            </a:r>
+            <a:r>
+              <a:rPr lang="en-US" sz="1800" b="0" strike="noStrike" spc="-1" dirty="0">
+                <a:solidFill>
+                  <a:srgbClr val="000000"/>
+                </a:solidFill>
+                <a:latin typeface="DejaVu Sans"/>
+                <a:ea typeface="DejaVu Sans"/>
+              </a:rPr>
+              <a:t>L02)</a:t>
+            </a:r>
             <a:endParaRPr lang="en-GB" sz="1800" b="0" strike="noStrike" spc="-1" dirty="0">
               <a:solidFill>
                 <a:srgbClr val="000000"/>
@@ -15450,6 +12711,15 @@
               <a:buChar char=""/>
             </a:pPr>
             <a:r>
+              <a:rPr lang="en-US" spc="-1" dirty="0">
+                <a:solidFill>
+                  <a:srgbClr val="000000"/>
+                </a:solidFill>
+                <a:latin typeface="DejaVu Sans"/>
+              </a:rPr>
+              <a:t>03.05.2023 </a:t>
+            </a:r>
+            <a:r>
               <a:rPr lang="en-US" sz="1800" b="0" strike="noStrike" spc="-1" dirty="0">
                 <a:solidFill>
                   <a:srgbClr val="000000"/>
@@ -15457,17 +12727,16 @@
                 <a:latin typeface="DejaVu Sans"/>
                 <a:ea typeface="DejaVu Sans"/>
               </a:rPr>
-              <a:t>Slides will be uploaded to </a:t>
-            </a:r>
-            <a:r>
-              <a:rPr lang="en-US" sz="1800" b="0" strike="noStrike" spc="-1" dirty="0" err="1">
-                <a:solidFill>
-                  <a:srgbClr val="000000"/>
-                </a:solidFill>
-                <a:latin typeface="DejaVu Sans"/>
-                <a:ea typeface="DejaVu Sans"/>
-              </a:rPr>
-              <a:t>StudIP</a:t>
+              <a:t>→ </a:t>
+            </a:r>
+            <a:r>
+              <a:rPr lang="en-US" spc="-1" dirty="0">
+                <a:solidFill>
+                  <a:srgbClr val="000000"/>
+                </a:solidFill>
+                <a:latin typeface="DejaVu Sans"/>
+              </a:rPr>
+              <a:t>Challenges II: Pollution and Natural Resources (</a:t>
             </a:r>
             <a:r>
               <a:rPr lang="en-US" sz="1800" b="0" strike="noStrike" spc="-1" dirty="0">
@@ -15477,120 +12746,8 @@
                 <a:latin typeface="DejaVu Sans"/>
                 <a:ea typeface="DejaVu Sans"/>
               </a:rPr>
-              <a:t> (</a:t>
-            </a:r>
-            <a:r>
-              <a:rPr lang="en-US" sz="1800" b="0" u="sng" strike="noStrike" spc="-1" dirty="0">
-                <a:solidFill>
-                  <a:srgbClr val="0000FF"/>
-                </a:solidFill>
-                <a:uFillTx/>
-                <a:latin typeface="DejaVu Sans"/>
-                <a:ea typeface="DejaVu Sans"/>
-                <a:hlinkClick r:id="rId4"/>
-              </a:rPr>
-              <a:t>Link</a:t>
-            </a:r>
-            <a:r>
-              <a:rPr lang="en-US" sz="1800" b="0" strike="noStrike" spc="-1" dirty="0">
-                <a:solidFill>
-                  <a:srgbClr val="000000"/>
-                </a:solidFill>
-                <a:latin typeface="DejaVu Sans"/>
-                <a:ea typeface="DejaVu Sans"/>
-              </a:rPr>
-              <a:t>) and to </a:t>
-            </a:r>
-            <a:r>
-              <a:rPr lang="en-US" sz="1800" b="0" strike="noStrike" spc="-1" dirty="0" err="1">
-                <a:solidFill>
-                  <a:srgbClr val="000000"/>
-                </a:solidFill>
-                <a:latin typeface="DejaVu Sans"/>
-                <a:ea typeface="DejaVu Sans"/>
-              </a:rPr>
-              <a:t>Github</a:t>
-            </a:r>
-            <a:r>
-              <a:rPr lang="en-US" sz="1800" b="0" strike="noStrike" spc="-1" dirty="0">
-                <a:solidFill>
-                  <a:srgbClr val="000000"/>
-                </a:solidFill>
-                <a:latin typeface="DejaVu Sans"/>
-                <a:ea typeface="DejaVu Sans"/>
-              </a:rPr>
-              <a:t> (</a:t>
-            </a:r>
-            <a:r>
-              <a:rPr lang="en-US" sz="1800" b="0" u="sng" strike="noStrike" spc="-1" dirty="0">
-                <a:solidFill>
-                  <a:srgbClr val="0000FF"/>
-                </a:solidFill>
-                <a:uFillTx/>
-                <a:latin typeface="DejaVu Sans"/>
-                <a:ea typeface="DejaVu Sans"/>
-                <a:hlinkClick r:id="rId5"/>
-              </a:rPr>
-              <a:t>Link</a:t>
-            </a:r>
-            <a:r>
-              <a:rPr lang="en-US" sz="1800" b="0" strike="noStrike" spc="-1" dirty="0">
-                <a:solidFill>
-                  <a:srgbClr val="000000"/>
-                </a:solidFill>
-                <a:latin typeface="DejaVu Sans"/>
-                <a:ea typeface="DejaVu Sans"/>
-              </a:rPr>
-              <a:t>)</a:t>
-            </a:r>
-            <a:endParaRPr lang="en-GB" sz="1800" b="0" strike="noStrike" spc="-1" dirty="0">
-              <a:solidFill>
-                <a:srgbClr val="000000"/>
-              </a:solidFill>
-              <a:latin typeface="Arial"/>
-            </a:endParaRPr>
-          </a:p>
-          <a:p>
-            <a:pPr marL="744120" lvl="1" indent="-280440">
-              <a:lnSpc>
-                <a:spcPct val="100000"/>
-              </a:lnSpc>
-              <a:spcBef>
-                <a:spcPts val="360"/>
-              </a:spcBef>
-              <a:buClr>
-                <a:srgbClr val="008C4F"/>
-              </a:buClr>
-              <a:buSzPct val="80000"/>
-              <a:buFont typeface="StarSymbol"/>
-              <a:buChar char="—"/>
-            </a:pPr>
-            <a:r>
-              <a:rPr lang="en-US" sz="1800" b="0" strike="noStrike" spc="-1" dirty="0">
-                <a:solidFill>
-                  <a:srgbClr val="000000"/>
-                </a:solidFill>
-                <a:latin typeface="DejaVu Sans"/>
-                <a:ea typeface="DejaVu Sans"/>
-              </a:rPr>
-              <a:t>Please report bugs ;)</a:t>
-            </a:r>
-            <a:endParaRPr lang="en-GB" sz="1800" b="0" strike="noStrike" spc="-1" dirty="0">
-              <a:solidFill>
-                <a:srgbClr val="000000"/>
-              </a:solidFill>
-              <a:latin typeface="Arial"/>
-            </a:endParaRPr>
-          </a:p>
-          <a:p>
-            <a:pPr>
-              <a:lnSpc>
-                <a:spcPct val="100000"/>
-              </a:lnSpc>
-              <a:spcBef>
-                <a:spcPts val="360"/>
-              </a:spcBef>
-            </a:pPr>
+              <a:t>L03)</a:t>
+            </a:r>
             <a:endParaRPr lang="en-GB" sz="1800" b="0" strike="noStrike" spc="-1" dirty="0">
               <a:solidFill>
                 <a:srgbClr val="000000"/>
@@ -15614,6 +12771,15 @@
               <a:buChar char=""/>
             </a:pPr>
             <a:r>
+              <a:rPr lang="en-US" spc="-1" dirty="0">
+                <a:solidFill>
+                  <a:srgbClr val="000000"/>
+                </a:solidFill>
+                <a:latin typeface="DejaVu Sans"/>
+              </a:rPr>
+              <a:t>10.05.2023 </a:t>
+            </a:r>
+            <a:r>
               <a:rPr lang="en-US" sz="1800" b="0" strike="noStrike" spc="-1" dirty="0">
                 <a:solidFill>
                   <a:srgbClr val="000000"/>
@@ -15621,37 +12787,7 @@
                 <a:latin typeface="DejaVu Sans"/>
                 <a:ea typeface="DejaVu Sans"/>
               </a:rPr>
-              <a:t>Lecture recordings will be available on </a:t>
-            </a:r>
-            <a:r>
-              <a:rPr lang="en-US" sz="1800" b="0" strike="noStrike" spc="-1" dirty="0" err="1">
-                <a:solidFill>
-                  <a:srgbClr val="000000"/>
-                </a:solidFill>
-                <a:latin typeface="DejaVu Sans"/>
-                <a:ea typeface="DejaVu Sans"/>
-              </a:rPr>
-              <a:t>StudIP</a:t>
-            </a:r>
-            <a:r>
-              <a:rPr lang="en-US" sz="1800" b="0" strike="noStrike" spc="-1" dirty="0">
-                <a:solidFill>
-                  <a:srgbClr val="000000"/>
-                </a:solidFill>
-                <a:latin typeface="DejaVu Sans"/>
-                <a:ea typeface="DejaVu Sans"/>
-              </a:rPr>
-              <a:t> and on </a:t>
-            </a:r>
-            <a:r>
-              <a:rPr lang="en-US" sz="1800" b="0" strike="noStrike" spc="-1" dirty="0" err="1">
-                <a:solidFill>
-                  <a:srgbClr val="000000"/>
-                </a:solidFill>
-                <a:latin typeface="DejaVu Sans"/>
-                <a:ea typeface="DejaVu Sans"/>
-              </a:rPr>
-              <a:t>Github</a:t>
+              <a:t>→ Sustainability and Political (In-)Action (L04)</a:t>
             </a:r>
             <a:endParaRPr lang="en-GB" sz="1800" b="0" strike="noStrike" spc="-1" dirty="0">
               <a:solidFill>
@@ -15661,23 +12797,7 @@
             </a:endParaRPr>
           </a:p>
           <a:p>
-            <a:pPr>
-              <a:lnSpc>
-                <a:spcPct val="100000"/>
-              </a:lnSpc>
-              <a:spcBef>
-                <a:spcPts val="360"/>
-              </a:spcBef>
-            </a:pPr>
-            <a:endParaRPr lang="en-GB" sz="1800" b="0" strike="noStrike" spc="-1" dirty="0">
-              <a:solidFill>
-                <a:srgbClr val="000000"/>
-              </a:solidFill>
-              <a:latin typeface="Arial"/>
-            </a:endParaRPr>
-          </a:p>
-          <a:p>
-            <a:pPr marL="195120" indent="-188640" algn="ctr">
+            <a:pPr marL="195120" indent="-188640">
               <a:lnSpc>
                 <a:spcPct val="100000"/>
               </a:lnSpc>
@@ -15692,6 +12812,15 @@
               <a:buChar char=""/>
             </a:pPr>
             <a:r>
+              <a:rPr lang="en-US" spc="-1" dirty="0">
+                <a:solidFill>
+                  <a:srgbClr val="000000"/>
+                </a:solidFill>
+                <a:latin typeface="DejaVu Sans"/>
+              </a:rPr>
+              <a:t>17.05.2023 </a:t>
+            </a:r>
+            <a:r>
               <a:rPr lang="en-US" sz="1800" b="0" strike="noStrike" spc="-1" dirty="0">
                 <a:solidFill>
                   <a:srgbClr val="000000"/>
@@ -15699,19 +12828,16 @@
                 <a:latin typeface="DejaVu Sans"/>
                 <a:ea typeface="DejaVu Sans"/>
               </a:rPr>
-              <a:t>Questions? Write us an email: </a:t>
-            </a:r>
-            <a:r>
-              <a:rPr lang="en-US" sz="1800" b="0" u="sng" strike="noStrike" spc="-1" dirty="0">
-                <a:solidFill>
-                  <a:srgbClr val="0000FF"/>
-                </a:solidFill>
-                <a:uFillTx/>
-                <a:latin typeface="DejaVu Sans"/>
-                <a:ea typeface="DejaVu Sans"/>
-                <a:hlinkClick r:id="rId6"/>
-              </a:rPr>
-              <a:t>etce-ltg@tu-clausthal.de</a:t>
+              <a:t>→ </a:t>
+            </a:r>
+            <a:r>
+              <a:rPr lang="en-US" spc="-1" dirty="0">
+                <a:solidFill>
+                  <a:srgbClr val="000000"/>
+                </a:solidFill>
+                <a:latin typeface="DejaVu Sans"/>
+              </a:rPr>
+              <a:t>Limits to Growth and Planetary Boundaries (</a:t>
             </a:r>
             <a:r>
               <a:rPr lang="en-US" sz="1800" b="0" strike="noStrike" spc="-1" dirty="0">
@@ -15721,44 +12847,475 @@
                 <a:latin typeface="DejaVu Sans"/>
                 <a:ea typeface="DejaVu Sans"/>
               </a:rPr>
-              <a:t> ← </a:t>
-            </a:r>
-            <a:r>
-              <a:rPr lang="en-US" sz="1800" b="1" strike="noStrike" spc="-1" dirty="0">
-                <a:solidFill>
-                  <a:srgbClr val="000000"/>
-                </a:solidFill>
-                <a:latin typeface="DejaVu Sans"/>
-                <a:ea typeface="DejaVu Sans"/>
-              </a:rPr>
-              <a:t>We will </a:t>
-            </a:r>
-            <a:r>
-              <a:rPr lang="en-US" sz="1800" b="1" u="sng" strike="noStrike" spc="-1" dirty="0">
-                <a:solidFill>
-                  <a:srgbClr val="C9211E"/>
-                </a:solidFill>
-                <a:uFillTx/>
-                <a:latin typeface="DejaVu Sans"/>
-                <a:ea typeface="DejaVu Sans"/>
-              </a:rPr>
-              <a:t>only</a:t>
-            </a:r>
-            <a:r>
-              <a:rPr lang="en-US" sz="1800" b="1" strike="noStrike" spc="-1" dirty="0">
-                <a:solidFill>
-                  <a:srgbClr val="000000"/>
-                </a:solidFill>
-                <a:latin typeface="DejaVu Sans"/>
-                <a:ea typeface="DejaVu Sans"/>
-              </a:rPr>
-              <a:t> respond to emails written to this specific email address!</a:t>
+              <a:t>L05)</a:t>
             </a:r>
             <a:endParaRPr lang="en-GB" sz="1800" b="0" strike="noStrike" spc="-1" dirty="0">
               <a:solidFill>
                 <a:srgbClr val="000000"/>
               </a:solidFill>
               <a:latin typeface="Arial"/>
+            </a:endParaRPr>
+          </a:p>
+          <a:p>
+            <a:pPr marL="195120" indent="-188640">
+              <a:lnSpc>
+                <a:spcPct val="100000"/>
+              </a:lnSpc>
+              <a:spcBef>
+                <a:spcPts val="360"/>
+              </a:spcBef>
+              <a:buClr>
+                <a:srgbClr val="008C4F"/>
+              </a:buClr>
+              <a:buSzPct val="80000"/>
+              <a:buFont typeface="Wingdings" charset="2"/>
+              <a:buChar char=""/>
+            </a:pPr>
+            <a:r>
+              <a:rPr lang="en-US" spc="-1" dirty="0">
+                <a:solidFill>
+                  <a:srgbClr val="000000"/>
+                </a:solidFill>
+                <a:latin typeface="DejaVu Sans"/>
+              </a:rPr>
+              <a:t>24.05.2023 </a:t>
+            </a:r>
+            <a:r>
+              <a:rPr lang="en-US" sz="1800" b="0" strike="noStrike" spc="-1" dirty="0">
+                <a:solidFill>
+                  <a:srgbClr val="000000"/>
+                </a:solidFill>
+                <a:latin typeface="DejaVu Sans"/>
+                <a:ea typeface="DejaVu Sans"/>
+              </a:rPr>
+              <a:t>→ </a:t>
+            </a:r>
+            <a:r>
+              <a:rPr lang="en-US" spc="-1" dirty="0">
+                <a:solidFill>
+                  <a:srgbClr val="000000"/>
+                </a:solidFill>
+                <a:latin typeface="DejaVu Sans"/>
+              </a:rPr>
+              <a:t>From Cradle to the Grave: (Over-) Consumption, Environmental Impacts 		 and the Life Cycle of Products </a:t>
+            </a:r>
+            <a:r>
+              <a:rPr lang="en-US" sz="1800" b="0" strike="noStrike" spc="-1" dirty="0">
+                <a:solidFill>
+                  <a:srgbClr val="000000"/>
+                </a:solidFill>
+                <a:latin typeface="DejaVu Sans"/>
+                <a:ea typeface="DejaVu Sans"/>
+              </a:rPr>
+              <a:t>(L06)</a:t>
+            </a:r>
+            <a:endParaRPr lang="en-GB" sz="1800" b="0" strike="noStrike" spc="-1" dirty="0">
+              <a:solidFill>
+                <a:srgbClr val="000000"/>
+              </a:solidFill>
+              <a:latin typeface="Arial"/>
+            </a:endParaRPr>
+          </a:p>
+          <a:p>
+            <a:pPr marL="195120" indent="-188640">
+              <a:lnSpc>
+                <a:spcPct val="100000"/>
+              </a:lnSpc>
+              <a:spcBef>
+                <a:spcPts val="360"/>
+              </a:spcBef>
+              <a:buClr>
+                <a:srgbClr val="008C4F"/>
+              </a:buClr>
+              <a:buSzPct val="80000"/>
+              <a:buFont typeface="Wingdings" charset="2"/>
+              <a:buChar char=""/>
+            </a:pPr>
+            <a:r>
+              <a:rPr lang="en-US" spc="-1" dirty="0">
+                <a:solidFill>
+                  <a:srgbClr val="000000"/>
+                </a:solidFill>
+                <a:latin typeface="DejaVu Sans"/>
+              </a:rPr>
+              <a:t>31.05.2023 </a:t>
+            </a:r>
+            <a:r>
+              <a:rPr lang="en-US" sz="1800" b="0" strike="noStrike" spc="-1" dirty="0">
+                <a:solidFill>
+                  <a:srgbClr val="000000"/>
+                </a:solidFill>
+                <a:latin typeface="DejaVu Sans"/>
+                <a:ea typeface="DejaVu Sans"/>
+              </a:rPr>
+              <a:t>→ Circular Economy (L07)</a:t>
+            </a:r>
+            <a:endParaRPr lang="en-GB" sz="1800" b="0" strike="noStrike" spc="-1" dirty="0">
+              <a:solidFill>
+                <a:srgbClr val="000000"/>
+              </a:solidFill>
+              <a:latin typeface="Arial"/>
+            </a:endParaRPr>
+          </a:p>
+          <a:p>
+            <a:pPr marL="195120" indent="-188640">
+              <a:lnSpc>
+                <a:spcPct val="100000"/>
+              </a:lnSpc>
+              <a:spcBef>
+                <a:spcPts val="360"/>
+              </a:spcBef>
+              <a:buClr>
+                <a:srgbClr val="008C4F"/>
+              </a:buClr>
+              <a:buSzPct val="80000"/>
+              <a:buFont typeface="Wingdings" charset="2"/>
+              <a:buChar char=""/>
+            </a:pPr>
+            <a:r>
+              <a:rPr lang="en-US" spc="-1" dirty="0">
+                <a:solidFill>
+                  <a:srgbClr val="000000"/>
+                </a:solidFill>
+                <a:latin typeface="DejaVu Sans"/>
+              </a:rPr>
+              <a:t>07.06.2023 </a:t>
+            </a:r>
+            <a:r>
+              <a:rPr lang="en-US" sz="1800" b="0" strike="noStrike" spc="-1" dirty="0">
+                <a:solidFill>
+                  <a:srgbClr val="000000"/>
+                </a:solidFill>
+                <a:latin typeface="DejaVu Sans"/>
+                <a:ea typeface="DejaVu Sans"/>
+              </a:rPr>
+              <a:t>→ </a:t>
+            </a:r>
+            <a:r>
+              <a:rPr lang="en-US" spc="-1" dirty="0">
+                <a:solidFill>
+                  <a:srgbClr val="000000"/>
+                </a:solidFill>
+                <a:latin typeface="DejaVu Sans"/>
+              </a:rPr>
+              <a:t>Beyond the Circular Economy (</a:t>
+            </a:r>
+            <a:r>
+              <a:rPr lang="en-US" sz="1800" b="0" strike="noStrike" spc="-1" dirty="0">
+                <a:solidFill>
+                  <a:srgbClr val="000000"/>
+                </a:solidFill>
+                <a:latin typeface="DejaVu Sans"/>
+                <a:ea typeface="DejaVu Sans"/>
+              </a:rPr>
+              <a:t>L08)</a:t>
+            </a:r>
+            <a:endParaRPr lang="en-GB" sz="1800" b="0" strike="noStrike" spc="-1" dirty="0">
+              <a:solidFill>
+                <a:srgbClr val="000000"/>
+              </a:solidFill>
+              <a:latin typeface="Arial"/>
+            </a:endParaRPr>
+          </a:p>
+          <a:p>
+            <a:pPr marL="195120" indent="-188640">
+              <a:lnSpc>
+                <a:spcPct val="100000"/>
+              </a:lnSpc>
+              <a:spcBef>
+                <a:spcPts val="360"/>
+              </a:spcBef>
+              <a:buClr>
+                <a:srgbClr val="008C4F"/>
+              </a:buClr>
+              <a:buSzPct val="80000"/>
+              <a:buFont typeface="Wingdings" charset="2"/>
+              <a:buChar char=""/>
+            </a:pPr>
+            <a:r>
+              <a:rPr lang="en-US" spc="-1" dirty="0">
+                <a:solidFill>
+                  <a:srgbClr val="000000"/>
+                </a:solidFill>
+                <a:latin typeface="DejaVu Sans"/>
+              </a:rPr>
+              <a:t>14.06.2023 </a:t>
+            </a:r>
+            <a:r>
+              <a:rPr lang="en-US" sz="1800" b="0" strike="noStrike" spc="-1" dirty="0">
+                <a:solidFill>
+                  <a:srgbClr val="000000"/>
+                </a:solidFill>
+                <a:latin typeface="DejaVu Sans"/>
+                <a:ea typeface="DejaVu Sans"/>
+              </a:rPr>
+              <a:t>→ Towards a Circular Society (L09)</a:t>
+            </a:r>
+            <a:endParaRPr lang="en-GB" sz="1800" b="0" strike="noStrike" spc="-1" dirty="0">
+              <a:solidFill>
+                <a:srgbClr val="000000"/>
+              </a:solidFill>
+              <a:latin typeface="Arial"/>
+            </a:endParaRPr>
+          </a:p>
+          <a:p>
+            <a:pPr marL="195120" indent="-188640">
+              <a:lnSpc>
+                <a:spcPct val="100000"/>
+              </a:lnSpc>
+              <a:spcBef>
+                <a:spcPts val="360"/>
+              </a:spcBef>
+              <a:buClr>
+                <a:srgbClr val="008C4F"/>
+              </a:buClr>
+              <a:buSzPct val="80000"/>
+              <a:buFont typeface="Wingdings" charset="2"/>
+              <a:buChar char=""/>
+            </a:pPr>
+            <a:r>
+              <a:rPr lang="en-US" spc="-1" dirty="0">
+                <a:solidFill>
+                  <a:srgbClr val="000000"/>
+                </a:solidFill>
+                <a:latin typeface="DejaVu Sans"/>
+              </a:rPr>
+              <a:t>21.06.2023 </a:t>
+            </a:r>
+            <a:r>
+              <a:rPr lang="en-US" sz="1800" b="0" strike="noStrike" spc="-1" dirty="0">
+                <a:solidFill>
+                  <a:srgbClr val="000000"/>
+                </a:solidFill>
+                <a:latin typeface="DejaVu Sans"/>
+                <a:ea typeface="DejaVu Sans"/>
+              </a:rPr>
+              <a:t>→ </a:t>
+            </a:r>
+            <a:r>
+              <a:rPr lang="en-US" spc="-1" dirty="0">
+                <a:solidFill>
+                  <a:srgbClr val="000000"/>
+                </a:solidFill>
+                <a:latin typeface="DejaVu Sans"/>
+              </a:rPr>
+              <a:t>Technologies And What They Can (Not) Do (</a:t>
+            </a:r>
+            <a:r>
+              <a:rPr lang="en-US" sz="1800" b="0" strike="noStrike" spc="-1" dirty="0">
+                <a:solidFill>
+                  <a:srgbClr val="000000"/>
+                </a:solidFill>
+                <a:latin typeface="DejaVu Sans"/>
+                <a:ea typeface="DejaVu Sans"/>
+              </a:rPr>
+              <a:t>L10)</a:t>
+            </a:r>
+            <a:endParaRPr lang="en-GB" sz="1800" b="0" strike="noStrike" spc="-1" dirty="0">
+              <a:solidFill>
+                <a:srgbClr val="000000"/>
+              </a:solidFill>
+              <a:latin typeface="Arial"/>
+            </a:endParaRPr>
+          </a:p>
+          <a:p>
+            <a:pPr marL="195120" indent="-188640">
+              <a:lnSpc>
+                <a:spcPct val="100000"/>
+              </a:lnSpc>
+              <a:spcBef>
+                <a:spcPts val="360"/>
+              </a:spcBef>
+              <a:buClr>
+                <a:srgbClr val="008C4F"/>
+              </a:buClr>
+              <a:buSzPct val="80000"/>
+              <a:buFont typeface="Wingdings" charset="2"/>
+              <a:buChar char=""/>
+            </a:pPr>
+            <a:r>
+              <a:rPr lang="en-US" spc="-1" dirty="0">
+                <a:solidFill>
+                  <a:srgbClr val="000000"/>
+                </a:solidFill>
+                <a:latin typeface="DejaVu Sans"/>
+              </a:rPr>
+              <a:t>28.06.2023 </a:t>
+            </a:r>
+            <a:r>
+              <a:rPr lang="en-US" sz="1800" b="0" strike="noStrike" spc="-1" dirty="0">
+                <a:solidFill>
+                  <a:srgbClr val="000000"/>
+                </a:solidFill>
+                <a:latin typeface="DejaVu Sans"/>
+                <a:ea typeface="DejaVu Sans"/>
+              </a:rPr>
+              <a:t>→ </a:t>
+            </a:r>
+            <a:r>
+              <a:rPr lang="en-US" spc="-1" dirty="0">
+                <a:solidFill>
+                  <a:srgbClr val="000000"/>
+                </a:solidFill>
+                <a:latin typeface="DejaVu Sans"/>
+              </a:rPr>
+              <a:t>Critical Thinking and Sustainable Everyday Practices (</a:t>
+            </a:r>
+            <a:r>
+              <a:rPr lang="en-US" sz="1800" b="0" strike="noStrike" spc="-1" dirty="0">
+                <a:solidFill>
+                  <a:srgbClr val="000000"/>
+                </a:solidFill>
+                <a:latin typeface="DejaVu Sans"/>
+                <a:ea typeface="DejaVu Sans"/>
+              </a:rPr>
+              <a:t>L11)</a:t>
+            </a:r>
+            <a:endParaRPr lang="en-GB" sz="1800" b="0" strike="noStrike" spc="-1" dirty="0">
+              <a:solidFill>
+                <a:srgbClr val="000000"/>
+              </a:solidFill>
+              <a:latin typeface="Arial"/>
+            </a:endParaRPr>
+          </a:p>
+          <a:p>
+            <a:pPr marL="195120" indent="-188640">
+              <a:lnSpc>
+                <a:spcPct val="100000"/>
+              </a:lnSpc>
+              <a:spcBef>
+                <a:spcPts val="360"/>
+              </a:spcBef>
+              <a:buClr>
+                <a:srgbClr val="008C4F"/>
+              </a:buClr>
+              <a:buSzPct val="80000"/>
+              <a:buFont typeface="Wingdings" charset="2"/>
+              <a:buChar char=""/>
+            </a:pPr>
+            <a:r>
+              <a:rPr lang="en-US" spc="-1" dirty="0">
+                <a:solidFill>
+                  <a:srgbClr val="000000"/>
+                </a:solidFill>
+                <a:latin typeface="DejaVu Sans"/>
+              </a:rPr>
+              <a:t>05.07.2023 </a:t>
+            </a:r>
+            <a:r>
+              <a:rPr lang="en-US" sz="1800" b="0" strike="noStrike" spc="-1" dirty="0">
+                <a:solidFill>
+                  <a:srgbClr val="000000"/>
+                </a:solidFill>
+                <a:latin typeface="DejaVu Sans"/>
+                <a:ea typeface="DejaVu Sans"/>
+              </a:rPr>
+              <a:t>→ </a:t>
+            </a:r>
+            <a:r>
+              <a:rPr lang="en-US" spc="-1" dirty="0">
+                <a:solidFill>
+                  <a:srgbClr val="000000"/>
+                </a:solidFill>
+                <a:latin typeface="DejaVu Sans"/>
+              </a:rPr>
+              <a:t>Invited Lecture (</a:t>
+            </a:r>
+            <a:r>
+              <a:rPr lang="en-US" sz="1800" b="0" strike="noStrike" spc="-1" dirty="0">
+                <a:solidFill>
+                  <a:srgbClr val="000000"/>
+                </a:solidFill>
+                <a:latin typeface="DejaVu Sans"/>
+                <a:ea typeface="DejaVu Sans"/>
+              </a:rPr>
+              <a:t>L11)</a:t>
+            </a:r>
+            <a:endParaRPr lang="en-GB" sz="1800" b="0" strike="noStrike" spc="-1" dirty="0">
+              <a:solidFill>
+                <a:srgbClr val="000000"/>
+              </a:solidFill>
+              <a:latin typeface="Arial"/>
+            </a:endParaRPr>
+          </a:p>
+          <a:p>
+            <a:pPr marL="195120" indent="-188640">
+              <a:lnSpc>
+                <a:spcPct val="100000"/>
+              </a:lnSpc>
+              <a:spcBef>
+                <a:spcPts val="360"/>
+              </a:spcBef>
+              <a:buClr>
+                <a:srgbClr val="008C4F"/>
+              </a:buClr>
+              <a:buSzPct val="80000"/>
+              <a:buFont typeface="Wingdings" charset="2"/>
+              <a:buChar char=""/>
+            </a:pPr>
+            <a:r>
+              <a:rPr lang="en-US" spc="-1" dirty="0">
+                <a:solidFill>
+                  <a:srgbClr val="000000"/>
+                </a:solidFill>
+                <a:latin typeface="DejaVu Sans"/>
+              </a:rPr>
+              <a:t>12.07.2023 </a:t>
+            </a:r>
+            <a:r>
+              <a:rPr lang="en-US" sz="1800" b="0" strike="noStrike" spc="-1" dirty="0">
+                <a:solidFill>
+                  <a:srgbClr val="000000"/>
+                </a:solidFill>
+                <a:latin typeface="DejaVu Sans"/>
+                <a:ea typeface="DejaVu Sans"/>
+              </a:rPr>
+              <a:t>→ Invited Lecture (L12)</a:t>
+            </a:r>
+          </a:p>
+          <a:p>
+            <a:pPr marL="195120" indent="-188640">
+              <a:spcBef>
+                <a:spcPts val="360"/>
+              </a:spcBef>
+              <a:buClr>
+                <a:srgbClr val="008C4F"/>
+              </a:buClr>
+              <a:buSzPct val="80000"/>
+              <a:buFont typeface="Wingdings" charset="2"/>
+              <a:buChar char=""/>
+            </a:pPr>
+            <a:r>
+              <a:rPr lang="en-US" spc="-1" dirty="0">
+                <a:solidFill>
+                  <a:srgbClr val="000000"/>
+                </a:solidFill>
+                <a:latin typeface="DejaVu Sans"/>
+              </a:rPr>
+              <a:t>19.07.2023 → Now What? (L13)</a:t>
+            </a:r>
+          </a:p>
+          <a:p>
+            <a:pPr marL="195120" indent="-188640">
+              <a:lnSpc>
+                <a:spcPct val="100000"/>
+              </a:lnSpc>
+              <a:spcBef>
+                <a:spcPts val="360"/>
+              </a:spcBef>
+              <a:buClr>
+                <a:srgbClr val="008C4F"/>
+              </a:buClr>
+              <a:buSzPct val="80000"/>
+              <a:buFont typeface="Wingdings" charset="2"/>
+              <a:buChar char=""/>
+            </a:pPr>
+            <a:endParaRPr lang="en-US" sz="1800" b="0" strike="noStrike" spc="-1" dirty="0">
+              <a:solidFill>
+                <a:srgbClr val="000000"/>
+              </a:solidFill>
+              <a:latin typeface="DejaVu Sans"/>
+              <a:ea typeface="DejaVu Sans"/>
             </a:endParaRPr>
           </a:p>
         </p:txBody>
@@ -16004,234 +13561,6 @@
   <a:themeElements>
     <a:clrScheme name="Office">
       <a:dk1>
-        <a:srgbClr val="000000"/>
-      </a:dk1>
-      <a:lt1>
-        <a:srgbClr val="FFFFFF"/>
-      </a:lt1>
-      <a:dk2>
-        <a:srgbClr val="1F497D"/>
-      </a:dk2>
-      <a:lt2>
-        <a:srgbClr val="EEECE1"/>
-      </a:lt2>
-      <a:accent1>
-        <a:srgbClr val="4F81BD"/>
-      </a:accent1>
-      <a:accent2>
-        <a:srgbClr val="C0504D"/>
-      </a:accent2>
-      <a:accent3>
-        <a:srgbClr val="9BBB59"/>
-      </a:accent3>
-      <a:accent4>
-        <a:srgbClr val="8064A2"/>
-      </a:accent4>
-      <a:accent5>
-        <a:srgbClr val="4BACC6"/>
-      </a:accent5>
-      <a:accent6>
-        <a:srgbClr val="F79646"/>
-      </a:accent6>
-      <a:hlink>
-        <a:srgbClr val="0000FF"/>
-      </a:hlink>
-      <a:folHlink>
-        <a:srgbClr val="800080"/>
-      </a:folHlink>
-    </a:clrScheme>
-    <a:fontScheme name="Office">
-      <a:majorFont>
-        <a:latin typeface="Arial"/>
-        <a:ea typeface="DejaVu Sans"/>
-        <a:cs typeface="DejaVu Sans"/>
-      </a:majorFont>
-      <a:minorFont>
-        <a:latin typeface="Arial"/>
-        <a:ea typeface="DejaVu Sans"/>
-        <a:cs typeface="DejaVu Sans"/>
-      </a:minorFont>
-    </a:fontScheme>
-    <a:fmtScheme name="Office">
-      <a:fillStyleLst>
-        <a:solidFill>
-          <a:schemeClr val="phClr"/>
-        </a:solidFill>
-        <a:gradFill rotWithShape="1">
-          <a:gsLst>
-            <a:gs pos="0">
-              <a:schemeClr val="phClr">
-                <a:tint val="50000"/>
-                <a:satMod val="300000"/>
-              </a:schemeClr>
-            </a:gs>
-            <a:gs pos="35000">
-              <a:schemeClr val="phClr">
-                <a:tint val="37000"/>
-                <a:satMod val="300000"/>
-              </a:schemeClr>
-            </a:gs>
-            <a:gs pos="100000">
-              <a:schemeClr val="phClr">
-                <a:tint val="15000"/>
-                <a:satMod val="350000"/>
-              </a:schemeClr>
-            </a:gs>
-          </a:gsLst>
-          <a:lin ang="16200000" scaled="1"/>
-        </a:gradFill>
-        <a:gradFill rotWithShape="1">
-          <a:gsLst>
-            <a:gs pos="0">
-              <a:schemeClr val="phClr">
-                <a:shade val="51000"/>
-                <a:satMod val="130000"/>
-              </a:schemeClr>
-            </a:gs>
-            <a:gs pos="80000">
-              <a:schemeClr val="phClr">
-                <a:shade val="93000"/>
-                <a:satMod val="130000"/>
-              </a:schemeClr>
-            </a:gs>
-            <a:gs pos="100000">
-              <a:schemeClr val="phClr">
-                <a:shade val="94000"/>
-                <a:satMod val="135000"/>
-              </a:schemeClr>
-            </a:gs>
-          </a:gsLst>
-          <a:lin ang="16200000" scaled="0"/>
-        </a:gradFill>
-      </a:fillStyleLst>
-      <a:lnStyleLst>
-        <a:ln w="9525" cap="flat" cmpd="sng" algn="ctr">
-          <a:solidFill>
-            <a:schemeClr val="phClr">
-              <a:shade val="95000"/>
-              <a:satMod val="105000"/>
-            </a:schemeClr>
-          </a:solidFill>
-          <a:prstDash val="solid"/>
-          <a:miter/>
-        </a:ln>
-        <a:ln w="25400" cap="flat" cmpd="sng" algn="ctr">
-          <a:solidFill>
-            <a:schemeClr val="phClr"/>
-          </a:solidFill>
-          <a:prstDash val="solid"/>
-          <a:miter/>
-        </a:ln>
-        <a:ln w="38100" cap="flat" cmpd="sng" algn="ctr">
-          <a:solidFill>
-            <a:schemeClr val="phClr"/>
-          </a:solidFill>
-          <a:prstDash val="solid"/>
-          <a:miter/>
-        </a:ln>
-      </a:lnStyleLst>
-      <a:effectStyleLst>
-        <a:effectStyle>
-          <a:effectLst>
-            <a:outerShdw blurRad="40000" dist="20000" dir="5400000" rotWithShape="0">
-              <a:srgbClr val="000000">
-                <a:alpha val="38000"/>
-              </a:srgbClr>
-            </a:outerShdw>
-          </a:effectLst>
-        </a:effectStyle>
-        <a:effectStyle>
-          <a:effectLst>
-            <a:outerShdw blurRad="40000" dist="23000" dir="5400000" rotWithShape="0">
-              <a:srgbClr val="000000">
-                <a:alpha val="35000"/>
-              </a:srgbClr>
-            </a:outerShdw>
-          </a:effectLst>
-        </a:effectStyle>
-        <a:effectStyle>
-          <a:effectLst>
-            <a:outerShdw blurRad="40000" dist="23000" dir="5400000" rotWithShape="0">
-              <a:srgbClr val="000000">
-                <a:alpha val="35000"/>
-              </a:srgbClr>
-            </a:outerShdw>
-          </a:effectLst>
-          <a:scene3d>
-            <a:camera prst="orthographicFront">
-              <a:rot lat="0" lon="0" rev="0"/>
-            </a:camera>
-            <a:lightRig rig="threePt" dir="t">
-              <a:rot lat="0" lon="0" rev="1200000"/>
-            </a:lightRig>
-          </a:scene3d>
-          <a:sp3d>
-            <a:bevelT w="63500" h="25400"/>
-          </a:sp3d>
-        </a:effectStyle>
-      </a:effectStyleLst>
-      <a:bgFillStyleLst>
-        <a:solidFill>
-          <a:schemeClr val="phClr"/>
-        </a:solidFill>
-        <a:gradFill rotWithShape="1">
-          <a:gsLst>
-            <a:gs pos="0">
-              <a:schemeClr val="phClr">
-                <a:tint val="40000"/>
-                <a:satMod val="350000"/>
-              </a:schemeClr>
-            </a:gs>
-            <a:gs pos="40000">
-              <a:schemeClr val="phClr">
-                <a:tint val="45000"/>
-                <a:shade val="99000"/>
-                <a:satMod val="350000"/>
-              </a:schemeClr>
-            </a:gs>
-            <a:gs pos="100000">
-              <a:schemeClr val="phClr">
-                <a:shade val="20000"/>
-                <a:satMod val="255000"/>
-              </a:schemeClr>
-            </a:gs>
-          </a:gsLst>
-          <a:path path="circle">
-            <a:fillToRect l="50000" t="-80000" r="50000" b="180000"/>
-          </a:path>
-        </a:gradFill>
-        <a:gradFill rotWithShape="1">
-          <a:gsLst>
-            <a:gs pos="0">
-              <a:schemeClr val="phClr">
-                <a:tint val="80000"/>
-                <a:satMod val="300000"/>
-              </a:schemeClr>
-            </a:gs>
-            <a:gs pos="100000">
-              <a:schemeClr val="phClr">
-                <a:shade val="30000"/>
-                <a:satMod val="200000"/>
-              </a:schemeClr>
-            </a:gs>
-          </a:gsLst>
-          <a:path path="circle">
-            <a:fillToRect l="50000" t="50000" r="50000" b="50000"/>
-          </a:path>
-        </a:gradFill>
-      </a:bgFillStyleLst>
-    </a:fmtScheme>
-  </a:themeElements>
-  <a:objectDefaults/>
-  <a:extraClrSchemeLst/>
-</a:theme>
-</file>
-
-<file path=ppt/theme/theme3.xml><?xml version="1.0" encoding="utf-8"?>
-<a:theme xmlns:a="http://schemas.openxmlformats.org/drawingml/2006/main" name="Office Theme">
-  <a:themeElements>
-    <a:clrScheme name="Office">
-      <a:dk1>
         <a:sysClr val="windowText" lastClr="000000"/>
       </a:dk1>
       <a:lt1>
